--- a/pp_BuiHoangAnh_1412101114.pptx
+++ b/pp_BuiHoangAnh_1412101114.pptx
@@ -123,4359 +123,6 @@
 </p:presentation>
 </file>
 
-<file path=ppt/diagrams/colors1.xml><?xml version="1.0" encoding="utf-8"?>
-<dgm:colorsDef xmlns:dgm="http://schemas.openxmlformats.org/drawingml/2006/diagram" xmlns:a="http://schemas.openxmlformats.org/drawingml/2006/main" uniqueId="urn:microsoft.com/office/officeart/2005/8/colors/accent1_2">
-  <dgm:title val=""/>
-  <dgm:desc val=""/>
-  <dgm:catLst>
-    <dgm:cat type="accent1" pri="11200"/>
-  </dgm:catLst>
-  <dgm:styleLbl name="node0">
-    <dgm:fillClrLst meth="repeat">
-      <a:schemeClr val="accent1"/>
-    </dgm:fillClrLst>
-    <dgm:linClrLst meth="repeat">
-      <a:schemeClr val="lt1"/>
-    </dgm:linClrLst>
-    <dgm:effectClrLst/>
-    <dgm:txLinClrLst/>
-    <dgm:txFillClrLst/>
-    <dgm:txEffectClrLst/>
-  </dgm:styleLbl>
-  <dgm:styleLbl name="alignNode1">
-    <dgm:fillClrLst meth="repeat">
-      <a:schemeClr val="accent1"/>
-    </dgm:fillClrLst>
-    <dgm:linClrLst meth="repeat">
-      <a:schemeClr val="accent1"/>
-    </dgm:linClrLst>
-    <dgm:effectClrLst/>
-    <dgm:txLinClrLst/>
-    <dgm:txFillClrLst/>
-    <dgm:txEffectClrLst/>
-  </dgm:styleLbl>
-  <dgm:styleLbl name="node1">
-    <dgm:fillClrLst meth="repeat">
-      <a:schemeClr val="accent1"/>
-    </dgm:fillClrLst>
-    <dgm:linClrLst meth="repeat">
-      <a:schemeClr val="lt1"/>
-    </dgm:linClrLst>
-    <dgm:effectClrLst/>
-    <dgm:txLinClrLst/>
-    <dgm:txFillClrLst/>
-    <dgm:txEffectClrLst/>
-  </dgm:styleLbl>
-  <dgm:styleLbl name="lnNode1">
-    <dgm:fillClrLst meth="repeat">
-      <a:schemeClr val="accent1"/>
-    </dgm:fillClrLst>
-    <dgm:linClrLst meth="repeat">
-      <a:schemeClr val="lt1"/>
-    </dgm:linClrLst>
-    <dgm:effectClrLst/>
-    <dgm:txLinClrLst/>
-    <dgm:txFillClrLst/>
-    <dgm:txEffectClrLst/>
-  </dgm:styleLbl>
-  <dgm:styleLbl name="vennNode1">
-    <dgm:fillClrLst meth="repeat">
-      <a:schemeClr val="accent1">
-        <a:alpha val="50000"/>
-      </a:schemeClr>
-    </dgm:fillClrLst>
-    <dgm:linClrLst meth="repeat">
-      <a:schemeClr val="lt1"/>
-    </dgm:linClrLst>
-    <dgm:effectClrLst/>
-    <dgm:txLinClrLst/>
-    <dgm:txFillClrLst/>
-    <dgm:txEffectClrLst/>
-  </dgm:styleLbl>
-  <dgm:styleLbl name="node2">
-    <dgm:fillClrLst meth="repeat">
-      <a:schemeClr val="accent1"/>
-    </dgm:fillClrLst>
-    <dgm:linClrLst meth="repeat">
-      <a:schemeClr val="lt1"/>
-    </dgm:linClrLst>
-    <dgm:effectClrLst/>
-    <dgm:txLinClrLst/>
-    <dgm:txFillClrLst/>
-    <dgm:txEffectClrLst/>
-  </dgm:styleLbl>
-  <dgm:styleLbl name="node3">
-    <dgm:fillClrLst meth="repeat">
-      <a:schemeClr val="accent1"/>
-    </dgm:fillClrLst>
-    <dgm:linClrLst meth="repeat">
-      <a:schemeClr val="lt1"/>
-    </dgm:linClrLst>
-    <dgm:effectClrLst/>
-    <dgm:txLinClrLst/>
-    <dgm:txFillClrLst/>
-    <dgm:txEffectClrLst/>
-  </dgm:styleLbl>
-  <dgm:styleLbl name="node4">
-    <dgm:fillClrLst meth="repeat">
-      <a:schemeClr val="accent1"/>
-    </dgm:fillClrLst>
-    <dgm:linClrLst meth="repeat">
-      <a:schemeClr val="lt1"/>
-    </dgm:linClrLst>
-    <dgm:effectClrLst/>
-    <dgm:txLinClrLst/>
-    <dgm:txFillClrLst/>
-    <dgm:txEffectClrLst/>
-  </dgm:styleLbl>
-  <dgm:styleLbl name="fgImgPlace1">
-    <dgm:fillClrLst meth="repeat">
-      <a:schemeClr val="accent1">
-        <a:tint val="50000"/>
-      </a:schemeClr>
-    </dgm:fillClrLst>
-    <dgm:linClrLst meth="repeat">
-      <a:schemeClr val="lt1"/>
-    </dgm:linClrLst>
-    <dgm:effectClrLst/>
-    <dgm:txLinClrLst/>
-    <dgm:txFillClrLst meth="repeat">
-      <a:schemeClr val="lt1"/>
-    </dgm:txFillClrLst>
-    <dgm:txEffectClrLst/>
-  </dgm:styleLbl>
-  <dgm:styleLbl name="alignImgPlace1">
-    <dgm:fillClrLst meth="repeat">
-      <a:schemeClr val="accent1">
-        <a:tint val="50000"/>
-      </a:schemeClr>
-    </dgm:fillClrLst>
-    <dgm:linClrLst meth="repeat">
-      <a:schemeClr val="lt1"/>
-    </dgm:linClrLst>
-    <dgm:effectClrLst/>
-    <dgm:txLinClrLst/>
-    <dgm:txFillClrLst meth="repeat">
-      <a:schemeClr val="lt1"/>
-    </dgm:txFillClrLst>
-    <dgm:txEffectClrLst/>
-  </dgm:styleLbl>
-  <dgm:styleLbl name="bgImgPlace1">
-    <dgm:fillClrLst meth="repeat">
-      <a:schemeClr val="accent1">
-        <a:tint val="50000"/>
-      </a:schemeClr>
-    </dgm:fillClrLst>
-    <dgm:linClrLst meth="repeat">
-      <a:schemeClr val="lt1"/>
-    </dgm:linClrLst>
-    <dgm:effectClrLst/>
-    <dgm:txLinClrLst/>
-    <dgm:txFillClrLst meth="repeat">
-      <a:schemeClr val="lt1"/>
-    </dgm:txFillClrLst>
-    <dgm:txEffectClrLst/>
-  </dgm:styleLbl>
-  <dgm:styleLbl name="sibTrans2D1">
-    <dgm:fillClrLst meth="repeat">
-      <a:schemeClr val="accent1">
-        <a:tint val="60000"/>
-      </a:schemeClr>
-    </dgm:fillClrLst>
-    <dgm:linClrLst meth="repeat">
-      <a:schemeClr val="accent1">
-        <a:tint val="60000"/>
-      </a:schemeClr>
-    </dgm:linClrLst>
-    <dgm:effectClrLst/>
-    <dgm:txLinClrLst/>
-    <dgm:txFillClrLst/>
-    <dgm:txEffectClrLst/>
-  </dgm:styleLbl>
-  <dgm:styleLbl name="fgSibTrans2D1">
-    <dgm:fillClrLst meth="repeat">
-      <a:schemeClr val="accent1">
-        <a:tint val="60000"/>
-      </a:schemeClr>
-    </dgm:fillClrLst>
-    <dgm:linClrLst meth="repeat">
-      <a:schemeClr val="accent1">
-        <a:tint val="60000"/>
-      </a:schemeClr>
-    </dgm:linClrLst>
-    <dgm:effectClrLst/>
-    <dgm:txLinClrLst/>
-    <dgm:txFillClrLst/>
-    <dgm:txEffectClrLst/>
-  </dgm:styleLbl>
-  <dgm:styleLbl name="bgSibTrans2D1">
-    <dgm:fillClrLst meth="repeat">
-      <a:schemeClr val="accent1">
-        <a:tint val="60000"/>
-      </a:schemeClr>
-    </dgm:fillClrLst>
-    <dgm:linClrLst meth="repeat">
-      <a:schemeClr val="accent1">
-        <a:tint val="60000"/>
-      </a:schemeClr>
-    </dgm:linClrLst>
-    <dgm:effectClrLst/>
-    <dgm:txLinClrLst/>
-    <dgm:txFillClrLst/>
-    <dgm:txEffectClrLst/>
-  </dgm:styleLbl>
-  <dgm:styleLbl name="sibTrans1D1">
-    <dgm:fillClrLst meth="repeat">
-      <a:schemeClr val="accent1"/>
-    </dgm:fillClrLst>
-    <dgm:linClrLst meth="repeat">
-      <a:schemeClr val="accent1"/>
-    </dgm:linClrLst>
-    <dgm:effectClrLst/>
-    <dgm:txLinClrLst/>
-    <dgm:txFillClrLst meth="repeat">
-      <a:schemeClr val="tx1"/>
-    </dgm:txFillClrLst>
-    <dgm:txEffectClrLst/>
-  </dgm:styleLbl>
-  <dgm:styleLbl name="callout">
-    <dgm:fillClrLst meth="repeat">
-      <a:schemeClr val="accent1"/>
-    </dgm:fillClrLst>
-    <dgm:linClrLst meth="repeat">
-      <a:schemeClr val="accent1">
-        <a:tint val="50000"/>
-      </a:schemeClr>
-    </dgm:linClrLst>
-    <dgm:effectClrLst/>
-    <dgm:txLinClrLst/>
-    <dgm:txFillClrLst meth="repeat">
-      <a:schemeClr val="tx1"/>
-    </dgm:txFillClrLst>
-    <dgm:txEffectClrLst/>
-  </dgm:styleLbl>
-  <dgm:styleLbl name="asst0">
-    <dgm:fillClrLst meth="repeat">
-      <a:schemeClr val="accent1"/>
-    </dgm:fillClrLst>
-    <dgm:linClrLst meth="repeat">
-      <a:schemeClr val="lt1"/>
-    </dgm:linClrLst>
-    <dgm:effectClrLst/>
-    <dgm:txLinClrLst/>
-    <dgm:txFillClrLst/>
-    <dgm:txEffectClrLst/>
-  </dgm:styleLbl>
-  <dgm:styleLbl name="asst1">
-    <dgm:fillClrLst meth="repeat">
-      <a:schemeClr val="accent1"/>
-    </dgm:fillClrLst>
-    <dgm:linClrLst meth="repeat">
-      <a:schemeClr val="lt1"/>
-    </dgm:linClrLst>
-    <dgm:effectClrLst/>
-    <dgm:txLinClrLst/>
-    <dgm:txFillClrLst/>
-    <dgm:txEffectClrLst/>
-  </dgm:styleLbl>
-  <dgm:styleLbl name="asst2">
-    <dgm:fillClrLst meth="repeat">
-      <a:schemeClr val="accent1"/>
-    </dgm:fillClrLst>
-    <dgm:linClrLst meth="repeat">
-      <a:schemeClr val="lt1"/>
-    </dgm:linClrLst>
-    <dgm:effectClrLst/>
-    <dgm:txLinClrLst/>
-    <dgm:txFillClrLst/>
-    <dgm:txEffectClrLst/>
-  </dgm:styleLbl>
-  <dgm:styleLbl name="asst3">
-    <dgm:fillClrLst meth="repeat">
-      <a:schemeClr val="accent1"/>
-    </dgm:fillClrLst>
-    <dgm:linClrLst meth="repeat">
-      <a:schemeClr val="lt1"/>
-    </dgm:linClrLst>
-    <dgm:effectClrLst/>
-    <dgm:txLinClrLst/>
-    <dgm:txFillClrLst/>
-    <dgm:txEffectClrLst/>
-  </dgm:styleLbl>
-  <dgm:styleLbl name="asst4">
-    <dgm:fillClrLst meth="repeat">
-      <a:schemeClr val="accent1"/>
-    </dgm:fillClrLst>
-    <dgm:linClrLst meth="repeat">
-      <a:schemeClr val="lt1"/>
-    </dgm:linClrLst>
-    <dgm:effectClrLst/>
-    <dgm:txLinClrLst/>
-    <dgm:txFillClrLst/>
-    <dgm:txEffectClrLst/>
-  </dgm:styleLbl>
-  <dgm:styleLbl name="parChTrans2D1">
-    <dgm:fillClrLst meth="repeat">
-      <a:schemeClr val="accent1">
-        <a:tint val="60000"/>
-      </a:schemeClr>
-    </dgm:fillClrLst>
-    <dgm:linClrLst meth="repeat">
-      <a:schemeClr val="accent1">
-        <a:tint val="60000"/>
-      </a:schemeClr>
-    </dgm:linClrLst>
-    <dgm:effectClrLst/>
-    <dgm:txLinClrLst/>
-    <dgm:txFillClrLst meth="repeat">
-      <a:schemeClr val="lt1"/>
-    </dgm:txFillClrLst>
-    <dgm:txEffectClrLst/>
-  </dgm:styleLbl>
-  <dgm:styleLbl name="parChTrans2D2">
-    <dgm:fillClrLst meth="repeat">
-      <a:schemeClr val="accent1"/>
-    </dgm:fillClrLst>
-    <dgm:linClrLst meth="repeat">
-      <a:schemeClr val="accent1"/>
-    </dgm:linClrLst>
-    <dgm:effectClrLst/>
-    <dgm:txLinClrLst/>
-    <dgm:txFillClrLst meth="repeat">
-      <a:schemeClr val="lt1"/>
-    </dgm:txFillClrLst>
-    <dgm:txEffectClrLst/>
-  </dgm:styleLbl>
-  <dgm:styleLbl name="parChTrans2D3">
-    <dgm:fillClrLst meth="repeat">
-      <a:schemeClr val="accent1"/>
-    </dgm:fillClrLst>
-    <dgm:linClrLst meth="repeat">
-      <a:schemeClr val="accent1"/>
-    </dgm:linClrLst>
-    <dgm:effectClrLst/>
-    <dgm:txLinClrLst/>
-    <dgm:txFillClrLst meth="repeat">
-      <a:schemeClr val="lt1"/>
-    </dgm:txFillClrLst>
-    <dgm:txEffectClrLst/>
-  </dgm:styleLbl>
-  <dgm:styleLbl name="parChTrans2D4">
-    <dgm:fillClrLst meth="repeat">
-      <a:schemeClr val="accent1"/>
-    </dgm:fillClrLst>
-    <dgm:linClrLst meth="repeat">
-      <a:schemeClr val="accent1"/>
-    </dgm:linClrLst>
-    <dgm:effectClrLst/>
-    <dgm:txLinClrLst/>
-    <dgm:txFillClrLst meth="repeat">
-      <a:schemeClr val="lt1"/>
-    </dgm:txFillClrLst>
-    <dgm:txEffectClrLst/>
-  </dgm:styleLbl>
-  <dgm:styleLbl name="parChTrans1D1">
-    <dgm:fillClrLst meth="repeat">
-      <a:schemeClr val="accent1"/>
-    </dgm:fillClrLst>
-    <dgm:linClrLst meth="repeat">
-      <a:schemeClr val="accent1">
-        <a:shade val="60000"/>
-      </a:schemeClr>
-    </dgm:linClrLst>
-    <dgm:effectClrLst/>
-    <dgm:txLinClrLst/>
-    <dgm:txFillClrLst meth="repeat">
-      <a:schemeClr val="tx1"/>
-    </dgm:txFillClrLst>
-    <dgm:txEffectClrLst/>
-  </dgm:styleLbl>
-  <dgm:styleLbl name="parChTrans1D2">
-    <dgm:fillClrLst meth="repeat">
-      <a:schemeClr val="accent1"/>
-    </dgm:fillClrLst>
-    <dgm:linClrLst meth="repeat">
-      <a:schemeClr val="accent1">
-        <a:shade val="60000"/>
-      </a:schemeClr>
-    </dgm:linClrLst>
-    <dgm:effectClrLst/>
-    <dgm:txLinClrLst/>
-    <dgm:txFillClrLst meth="repeat">
-      <a:schemeClr val="tx1"/>
-    </dgm:txFillClrLst>
-    <dgm:txEffectClrLst/>
-  </dgm:styleLbl>
-  <dgm:styleLbl name="parChTrans1D3">
-    <dgm:fillClrLst meth="repeat">
-      <a:schemeClr val="accent1"/>
-    </dgm:fillClrLst>
-    <dgm:linClrLst meth="repeat">
-      <a:schemeClr val="accent1">
-        <a:shade val="80000"/>
-      </a:schemeClr>
-    </dgm:linClrLst>
-    <dgm:effectClrLst/>
-    <dgm:txLinClrLst/>
-    <dgm:txFillClrLst meth="repeat">
-      <a:schemeClr val="tx1"/>
-    </dgm:txFillClrLst>
-    <dgm:txEffectClrLst/>
-  </dgm:styleLbl>
-  <dgm:styleLbl name="parChTrans1D4">
-    <dgm:fillClrLst meth="repeat">
-      <a:schemeClr val="accent1"/>
-    </dgm:fillClrLst>
-    <dgm:linClrLst meth="repeat">
-      <a:schemeClr val="accent1">
-        <a:shade val="80000"/>
-      </a:schemeClr>
-    </dgm:linClrLst>
-    <dgm:effectClrLst/>
-    <dgm:txLinClrLst/>
-    <dgm:txFillClrLst meth="repeat">
-      <a:schemeClr val="tx1"/>
-    </dgm:txFillClrLst>
-    <dgm:txEffectClrLst/>
-  </dgm:styleLbl>
-  <dgm:styleLbl name="fgAcc1">
-    <dgm:fillClrLst meth="repeat">
-      <a:schemeClr val="lt1">
-        <a:alpha val="90000"/>
-      </a:schemeClr>
-    </dgm:fillClrLst>
-    <dgm:linClrLst meth="repeat">
-      <a:schemeClr val="accent1"/>
-    </dgm:linClrLst>
-    <dgm:effectClrLst/>
-    <dgm:txLinClrLst/>
-    <dgm:txFillClrLst meth="repeat">
-      <a:schemeClr val="dk1"/>
-    </dgm:txFillClrLst>
-    <dgm:txEffectClrLst/>
-  </dgm:styleLbl>
-  <dgm:styleLbl name="conFgAcc1">
-    <dgm:fillClrLst meth="repeat">
-      <a:schemeClr val="lt1">
-        <a:alpha val="90000"/>
-      </a:schemeClr>
-    </dgm:fillClrLst>
-    <dgm:linClrLst meth="repeat">
-      <a:schemeClr val="accent1"/>
-    </dgm:linClrLst>
-    <dgm:effectClrLst/>
-    <dgm:txLinClrLst/>
-    <dgm:txFillClrLst meth="repeat">
-      <a:schemeClr val="dk1"/>
-    </dgm:txFillClrLst>
-    <dgm:txEffectClrLst/>
-  </dgm:styleLbl>
-  <dgm:styleLbl name="alignAcc1">
-    <dgm:fillClrLst meth="repeat">
-      <a:schemeClr val="lt1">
-        <a:alpha val="90000"/>
-      </a:schemeClr>
-    </dgm:fillClrLst>
-    <dgm:linClrLst meth="repeat">
-      <a:schemeClr val="accent1"/>
-    </dgm:linClrLst>
-    <dgm:effectClrLst/>
-    <dgm:txLinClrLst/>
-    <dgm:txFillClrLst meth="repeat">
-      <a:schemeClr val="dk1"/>
-    </dgm:txFillClrLst>
-    <dgm:txEffectClrLst/>
-  </dgm:styleLbl>
-  <dgm:styleLbl name="trAlignAcc1">
-    <dgm:fillClrLst meth="repeat">
-      <a:schemeClr val="lt1">
-        <a:alpha val="40000"/>
-      </a:schemeClr>
-    </dgm:fillClrLst>
-    <dgm:linClrLst meth="repeat">
-      <a:schemeClr val="accent1"/>
-    </dgm:linClrLst>
-    <dgm:effectClrLst/>
-    <dgm:txLinClrLst/>
-    <dgm:txFillClrLst meth="repeat">
-      <a:schemeClr val="dk1"/>
-    </dgm:txFillClrLst>
-    <dgm:txEffectClrLst/>
-  </dgm:styleLbl>
-  <dgm:styleLbl name="bgAcc1">
-    <dgm:fillClrLst meth="repeat">
-      <a:schemeClr val="lt1">
-        <a:alpha val="90000"/>
-      </a:schemeClr>
-    </dgm:fillClrLst>
-    <dgm:linClrLst meth="repeat">
-      <a:schemeClr val="accent1"/>
-    </dgm:linClrLst>
-    <dgm:effectClrLst/>
-    <dgm:txLinClrLst/>
-    <dgm:txFillClrLst meth="repeat">
-      <a:schemeClr val="dk1"/>
-    </dgm:txFillClrLst>
-    <dgm:txEffectClrLst/>
-  </dgm:styleLbl>
-  <dgm:styleLbl name="solidFgAcc1">
-    <dgm:fillClrLst meth="repeat">
-      <a:schemeClr val="lt1"/>
-    </dgm:fillClrLst>
-    <dgm:linClrLst meth="repeat">
-      <a:schemeClr val="accent1"/>
-    </dgm:linClrLst>
-    <dgm:effectClrLst/>
-    <dgm:txLinClrLst/>
-    <dgm:txFillClrLst meth="repeat">
-      <a:schemeClr val="dk1"/>
-    </dgm:txFillClrLst>
-    <dgm:txEffectClrLst/>
-  </dgm:styleLbl>
-  <dgm:styleLbl name="solidAlignAcc1">
-    <dgm:fillClrLst meth="repeat">
-      <a:schemeClr val="lt1"/>
-    </dgm:fillClrLst>
-    <dgm:linClrLst meth="repeat">
-      <a:schemeClr val="accent1"/>
-    </dgm:linClrLst>
-    <dgm:effectClrLst/>
-    <dgm:txLinClrLst/>
-    <dgm:txFillClrLst meth="repeat">
-      <a:schemeClr val="dk1"/>
-    </dgm:txFillClrLst>
-    <dgm:txEffectClrLst/>
-  </dgm:styleLbl>
-  <dgm:styleLbl name="solidBgAcc1">
-    <dgm:fillClrLst meth="repeat">
-      <a:schemeClr val="lt1"/>
-    </dgm:fillClrLst>
-    <dgm:linClrLst meth="repeat">
-      <a:schemeClr val="accent1"/>
-    </dgm:linClrLst>
-    <dgm:effectClrLst/>
-    <dgm:txLinClrLst/>
-    <dgm:txFillClrLst meth="repeat">
-      <a:schemeClr val="dk1"/>
-    </dgm:txFillClrLst>
-    <dgm:txEffectClrLst/>
-  </dgm:styleLbl>
-  <dgm:styleLbl name="fgAccFollowNode1">
-    <dgm:fillClrLst meth="repeat">
-      <a:schemeClr val="accent1">
-        <a:alpha val="90000"/>
-        <a:tint val="40000"/>
-      </a:schemeClr>
-    </dgm:fillClrLst>
-    <dgm:linClrLst meth="repeat">
-      <a:schemeClr val="accent1">
-        <a:alpha val="90000"/>
-        <a:tint val="40000"/>
-      </a:schemeClr>
-    </dgm:linClrLst>
-    <dgm:effectClrLst/>
-    <dgm:txLinClrLst/>
-    <dgm:txFillClrLst meth="repeat">
-      <a:schemeClr val="dk1"/>
-    </dgm:txFillClrLst>
-    <dgm:txEffectClrLst/>
-  </dgm:styleLbl>
-  <dgm:styleLbl name="alignAccFollowNode1">
-    <dgm:fillClrLst meth="repeat">
-      <a:schemeClr val="accent1">
-        <a:alpha val="90000"/>
-        <a:tint val="40000"/>
-      </a:schemeClr>
-    </dgm:fillClrLst>
-    <dgm:linClrLst meth="repeat">
-      <a:schemeClr val="accent1">
-        <a:alpha val="90000"/>
-        <a:tint val="40000"/>
-      </a:schemeClr>
-    </dgm:linClrLst>
-    <dgm:effectClrLst/>
-    <dgm:txLinClrLst/>
-    <dgm:txFillClrLst meth="repeat">
-      <a:schemeClr val="dk1"/>
-    </dgm:txFillClrLst>
-    <dgm:txEffectClrLst/>
-  </dgm:styleLbl>
-  <dgm:styleLbl name="bgAccFollowNode1">
-    <dgm:fillClrLst meth="repeat">
-      <a:schemeClr val="accent1">
-        <a:alpha val="90000"/>
-        <a:tint val="40000"/>
-      </a:schemeClr>
-    </dgm:fillClrLst>
-    <dgm:linClrLst meth="repeat">
-      <a:schemeClr val="accent1">
-        <a:alpha val="90000"/>
-        <a:tint val="40000"/>
-      </a:schemeClr>
-    </dgm:linClrLst>
-    <dgm:effectClrLst/>
-    <dgm:txLinClrLst/>
-    <dgm:txFillClrLst meth="repeat">
-      <a:schemeClr val="dk1"/>
-    </dgm:txFillClrLst>
-    <dgm:txEffectClrLst/>
-  </dgm:styleLbl>
-  <dgm:styleLbl name="fgAcc0">
-    <dgm:fillClrLst meth="repeat">
-      <a:schemeClr val="lt1">
-        <a:alpha val="90000"/>
-      </a:schemeClr>
-    </dgm:fillClrLst>
-    <dgm:linClrLst meth="repeat">
-      <a:schemeClr val="accent1"/>
-    </dgm:linClrLst>
-    <dgm:effectClrLst/>
-    <dgm:txLinClrLst/>
-    <dgm:txFillClrLst meth="repeat">
-      <a:schemeClr val="dk1"/>
-    </dgm:txFillClrLst>
-    <dgm:txEffectClrLst/>
-  </dgm:styleLbl>
-  <dgm:styleLbl name="fgAcc2">
-    <dgm:fillClrLst meth="repeat">
-      <a:schemeClr val="lt1">
-        <a:alpha val="90000"/>
-      </a:schemeClr>
-    </dgm:fillClrLst>
-    <dgm:linClrLst meth="repeat">
-      <a:schemeClr val="accent1"/>
-    </dgm:linClrLst>
-    <dgm:effectClrLst/>
-    <dgm:txLinClrLst/>
-    <dgm:txFillClrLst meth="repeat">
-      <a:schemeClr val="dk1"/>
-    </dgm:txFillClrLst>
-    <dgm:txEffectClrLst/>
-  </dgm:styleLbl>
-  <dgm:styleLbl name="fgAcc3">
-    <dgm:fillClrLst meth="repeat">
-      <a:schemeClr val="lt1">
-        <a:alpha val="90000"/>
-      </a:schemeClr>
-    </dgm:fillClrLst>
-    <dgm:linClrLst meth="repeat">
-      <a:schemeClr val="accent1"/>
-    </dgm:linClrLst>
-    <dgm:effectClrLst/>
-    <dgm:txLinClrLst/>
-    <dgm:txFillClrLst meth="repeat">
-      <a:schemeClr val="dk1"/>
-    </dgm:txFillClrLst>
-    <dgm:txEffectClrLst/>
-  </dgm:styleLbl>
-  <dgm:styleLbl name="fgAcc4">
-    <dgm:fillClrLst meth="repeat">
-      <a:schemeClr val="lt1">
-        <a:alpha val="90000"/>
-      </a:schemeClr>
-    </dgm:fillClrLst>
-    <dgm:linClrLst meth="repeat">
-      <a:schemeClr val="accent1"/>
-    </dgm:linClrLst>
-    <dgm:effectClrLst/>
-    <dgm:txLinClrLst/>
-    <dgm:txFillClrLst meth="repeat">
-      <a:schemeClr val="dk1"/>
-    </dgm:txFillClrLst>
-    <dgm:txEffectClrLst/>
-  </dgm:styleLbl>
-  <dgm:styleLbl name="bgShp">
-    <dgm:fillClrLst meth="repeat">
-      <a:schemeClr val="accent1">
-        <a:tint val="40000"/>
-      </a:schemeClr>
-    </dgm:fillClrLst>
-    <dgm:linClrLst meth="repeat">
-      <a:schemeClr val="accent1"/>
-    </dgm:linClrLst>
-    <dgm:effectClrLst/>
-    <dgm:txLinClrLst/>
-    <dgm:txFillClrLst meth="repeat">
-      <a:schemeClr val="dk1"/>
-    </dgm:txFillClrLst>
-    <dgm:txEffectClrLst/>
-  </dgm:styleLbl>
-  <dgm:styleLbl name="dkBgShp">
-    <dgm:fillClrLst meth="repeat">
-      <a:schemeClr val="accent1">
-        <a:shade val="80000"/>
-      </a:schemeClr>
-    </dgm:fillClrLst>
-    <dgm:linClrLst meth="repeat">
-      <a:schemeClr val="accent1"/>
-    </dgm:linClrLst>
-    <dgm:effectClrLst/>
-    <dgm:txLinClrLst/>
-    <dgm:txFillClrLst meth="repeat">
-      <a:schemeClr val="lt1"/>
-    </dgm:txFillClrLst>
-    <dgm:txEffectClrLst/>
-  </dgm:styleLbl>
-  <dgm:styleLbl name="trBgShp">
-    <dgm:fillClrLst meth="repeat">
-      <a:schemeClr val="accent1">
-        <a:tint val="50000"/>
-        <a:alpha val="40000"/>
-      </a:schemeClr>
-    </dgm:fillClrLst>
-    <dgm:linClrLst meth="repeat">
-      <a:schemeClr val="accent1"/>
-    </dgm:linClrLst>
-    <dgm:effectClrLst/>
-    <dgm:txLinClrLst/>
-    <dgm:txFillClrLst meth="repeat">
-      <a:schemeClr val="lt1"/>
-    </dgm:txFillClrLst>
-    <dgm:txEffectClrLst/>
-  </dgm:styleLbl>
-  <dgm:styleLbl name="fgShp">
-    <dgm:fillClrLst meth="repeat">
-      <a:schemeClr val="accent1">
-        <a:tint val="60000"/>
-      </a:schemeClr>
-    </dgm:fillClrLst>
-    <dgm:linClrLst meth="repeat">
-      <a:schemeClr val="lt1"/>
-    </dgm:linClrLst>
-    <dgm:effectClrLst/>
-    <dgm:txLinClrLst/>
-    <dgm:txFillClrLst meth="repeat">
-      <a:schemeClr val="dk1"/>
-    </dgm:txFillClrLst>
-    <dgm:txEffectClrLst/>
-  </dgm:styleLbl>
-  <dgm:styleLbl name="revTx">
-    <dgm:fillClrLst meth="repeat">
-      <a:schemeClr val="lt1">
-        <a:alpha val="0"/>
-      </a:schemeClr>
-    </dgm:fillClrLst>
-    <dgm:linClrLst meth="repeat">
-      <a:schemeClr val="dk1">
-        <a:alpha val="0"/>
-      </a:schemeClr>
-    </dgm:linClrLst>
-    <dgm:effectClrLst/>
-    <dgm:txLinClrLst/>
-    <dgm:txFillClrLst meth="repeat">
-      <a:schemeClr val="tx1"/>
-    </dgm:txFillClrLst>
-    <dgm:txEffectClrLst/>
-  </dgm:styleLbl>
-</dgm:colorsDef>
-</file>
-
-<file path=ppt/diagrams/data1.xml><?xml version="1.0" encoding="utf-8"?>
-<dgm:dataModel xmlns:dgm="http://schemas.openxmlformats.org/drawingml/2006/diagram" xmlns:a="http://schemas.openxmlformats.org/drawingml/2006/main">
-  <dgm:ptLst>
-    <dgm:pt modelId="{829DBD5A-FFE3-4A80-A667-EBD5343EF971}" type="doc">
-      <dgm:prSet loTypeId="urn:microsoft.com/office/officeart/2005/8/layout/orgChart1" loCatId="hierarchy" qsTypeId="urn:microsoft.com/office/officeart/2005/8/quickstyle/simple1" qsCatId="simple" csTypeId="urn:microsoft.com/office/officeart/2005/8/colors/accent1_2" csCatId="accent1" phldr="1"/>
-      <dgm:spPr/>
-      <dgm:t>
-        <a:bodyPr/>
-        <a:lstStyle/>
-        <a:p>
-          <a:endParaRPr lang="vi-VN"/>
-        </a:p>
-      </dgm:t>
-    </dgm:pt>
-    <dgm:pt modelId="{054CCB70-FAC7-446C-8FD6-C7FD4ADC1CD7}">
-      <dgm:prSet phldrT="[Text]" custT="1"/>
-      <dgm:spPr/>
-      <dgm:t>
-        <a:bodyPr/>
-        <a:lstStyle/>
-        <a:p>
-          <a:r>
-            <a:rPr lang="en-US" sz="2400" smtClean="0">
-              <a:latin typeface="Arial" panose="020B0604020202020204" pitchFamily="34" charset="0"/>
-              <a:cs typeface="Arial" panose="020B0604020202020204" pitchFamily="34" charset="0"/>
-            </a:rPr>
-            <a:t>Ứng dụng</a:t>
-          </a:r>
-          <a:endParaRPr lang="vi-VN" sz="2400">
-            <a:latin typeface="Arial" panose="020B0604020202020204" pitchFamily="34" charset="0"/>
-            <a:cs typeface="Arial" panose="020B0604020202020204" pitchFamily="34" charset="0"/>
-          </a:endParaRPr>
-        </a:p>
-      </dgm:t>
-    </dgm:pt>
-    <dgm:pt modelId="{B46A3F3F-C6A6-44C6-8A33-B84D49B08F1E}" type="parTrans" cxnId="{897B9AE0-99C4-4A59-9348-397C91769AA3}">
-      <dgm:prSet/>
-      <dgm:spPr/>
-      <dgm:t>
-        <a:bodyPr/>
-        <a:lstStyle/>
-        <a:p>
-          <a:endParaRPr lang="vi-VN"/>
-        </a:p>
-      </dgm:t>
-    </dgm:pt>
-    <dgm:pt modelId="{8FE98C5C-47DD-4BA1-8948-750A94C4FC20}" type="sibTrans" cxnId="{897B9AE0-99C4-4A59-9348-397C91769AA3}">
-      <dgm:prSet/>
-      <dgm:spPr/>
-      <dgm:t>
-        <a:bodyPr/>
-        <a:lstStyle/>
-        <a:p>
-          <a:endParaRPr lang="vi-VN"/>
-        </a:p>
-      </dgm:t>
-    </dgm:pt>
-    <dgm:pt modelId="{C20CB25A-B30E-4899-84BF-DFD2CC1D478E}">
-      <dgm:prSet phldrT="[Text]" custT="1"/>
-      <dgm:spPr/>
-      <dgm:t>
-        <a:bodyPr/>
-        <a:lstStyle/>
-        <a:p>
-          <a:r>
-            <a:rPr lang="en-US" sz="2400" smtClean="0">
-              <a:latin typeface="Arial" panose="020B0604020202020204" pitchFamily="34" charset="0"/>
-              <a:cs typeface="Arial" panose="020B0604020202020204" pitchFamily="34" charset="0"/>
-            </a:rPr>
-            <a:t>Đọc tin</a:t>
-          </a:r>
-          <a:endParaRPr lang="vi-VN" sz="2400">
-            <a:latin typeface="Arial" panose="020B0604020202020204" pitchFamily="34" charset="0"/>
-            <a:cs typeface="Arial" panose="020B0604020202020204" pitchFamily="34" charset="0"/>
-          </a:endParaRPr>
-        </a:p>
-      </dgm:t>
-    </dgm:pt>
-    <dgm:pt modelId="{5D51E86E-76E9-4A75-855D-26DDA627A8F0}" type="parTrans" cxnId="{0F225910-B56D-4916-9A62-08585FC4EDDD}">
-      <dgm:prSet/>
-      <dgm:spPr/>
-      <dgm:t>
-        <a:bodyPr/>
-        <a:lstStyle/>
-        <a:p>
-          <a:endParaRPr lang="vi-VN"/>
-        </a:p>
-      </dgm:t>
-    </dgm:pt>
-    <dgm:pt modelId="{4DCF3A03-403A-47D3-824C-3E8CF3B6EF4F}" type="sibTrans" cxnId="{0F225910-B56D-4916-9A62-08585FC4EDDD}">
-      <dgm:prSet/>
-      <dgm:spPr/>
-      <dgm:t>
-        <a:bodyPr/>
-        <a:lstStyle/>
-        <a:p>
-          <a:endParaRPr lang="vi-VN"/>
-        </a:p>
-      </dgm:t>
-    </dgm:pt>
-    <dgm:pt modelId="{6D9A08B5-0D5B-4D1E-A147-A9984B0AACAB}">
-      <dgm:prSet phldrT="[Text]" custT="1"/>
-      <dgm:spPr/>
-      <dgm:t>
-        <a:bodyPr/>
-        <a:lstStyle/>
-        <a:p>
-          <a:r>
-            <a:rPr lang="en-US" sz="2400" smtClean="0">
-              <a:latin typeface="Arial" panose="020B0604020202020204" pitchFamily="34" charset="0"/>
-              <a:cs typeface="Arial" panose="020B0604020202020204" pitchFamily="34" charset="0"/>
-            </a:rPr>
-            <a:t>Lưu tin</a:t>
-          </a:r>
-          <a:endParaRPr lang="vi-VN" sz="2400">
-            <a:latin typeface="Arial" panose="020B0604020202020204" pitchFamily="34" charset="0"/>
-            <a:cs typeface="Arial" panose="020B0604020202020204" pitchFamily="34" charset="0"/>
-          </a:endParaRPr>
-        </a:p>
-      </dgm:t>
-    </dgm:pt>
-    <dgm:pt modelId="{DE3282B3-9817-4B06-A453-50C57A8575C6}" type="parTrans" cxnId="{7506275B-0B5D-428F-A79F-C67410F83D56}">
-      <dgm:prSet/>
-      <dgm:spPr/>
-      <dgm:t>
-        <a:bodyPr/>
-        <a:lstStyle/>
-        <a:p>
-          <a:endParaRPr lang="vi-VN"/>
-        </a:p>
-      </dgm:t>
-    </dgm:pt>
-    <dgm:pt modelId="{C6563A02-9533-4395-B87B-FE94A9C6BFE1}" type="sibTrans" cxnId="{7506275B-0B5D-428F-A79F-C67410F83D56}">
-      <dgm:prSet/>
-      <dgm:spPr/>
-      <dgm:t>
-        <a:bodyPr/>
-        <a:lstStyle/>
-        <a:p>
-          <a:endParaRPr lang="vi-VN"/>
-        </a:p>
-      </dgm:t>
-    </dgm:pt>
-    <dgm:pt modelId="{C99A38CE-E33A-4F71-9AEA-1DBAA982F9D2}">
-      <dgm:prSet phldrT="[Text]" custT="1"/>
-      <dgm:spPr/>
-      <dgm:t>
-        <a:bodyPr/>
-        <a:lstStyle/>
-        <a:p>
-          <a:r>
-            <a:rPr lang="en-US" sz="2400" smtClean="0">
-              <a:latin typeface="Arial" panose="020B0604020202020204" pitchFamily="34" charset="0"/>
-              <a:cs typeface="Arial" panose="020B0604020202020204" pitchFamily="34" charset="0"/>
-            </a:rPr>
-            <a:t>Chia sẻ</a:t>
-          </a:r>
-          <a:endParaRPr lang="vi-VN" sz="2400">
-            <a:latin typeface="Arial" panose="020B0604020202020204" pitchFamily="34" charset="0"/>
-            <a:cs typeface="Arial" panose="020B0604020202020204" pitchFamily="34" charset="0"/>
-          </a:endParaRPr>
-        </a:p>
-      </dgm:t>
-    </dgm:pt>
-    <dgm:pt modelId="{B80B0D20-977D-4EC1-835B-D65BE912FFEB}" type="parTrans" cxnId="{810CD454-02C9-437D-9544-0BB9A3EAD74B}">
-      <dgm:prSet/>
-      <dgm:spPr/>
-      <dgm:t>
-        <a:bodyPr/>
-        <a:lstStyle/>
-        <a:p>
-          <a:endParaRPr lang="vi-VN"/>
-        </a:p>
-      </dgm:t>
-    </dgm:pt>
-    <dgm:pt modelId="{C44222A1-B3B7-46A9-B547-63D6542D51CA}" type="sibTrans" cxnId="{810CD454-02C9-437D-9544-0BB9A3EAD74B}">
-      <dgm:prSet/>
-      <dgm:spPr/>
-      <dgm:t>
-        <a:bodyPr/>
-        <a:lstStyle/>
-        <a:p>
-          <a:endParaRPr lang="vi-VN"/>
-        </a:p>
-      </dgm:t>
-    </dgm:pt>
-    <dgm:pt modelId="{364F2B90-14C4-460A-9F83-369D2C9DB73B}">
-      <dgm:prSet custT="1"/>
-      <dgm:spPr/>
-      <dgm:t>
-        <a:bodyPr/>
-        <a:lstStyle/>
-        <a:p>
-          <a:r>
-            <a:rPr lang="en-US" sz="2400" smtClean="0">
-              <a:latin typeface="Arial" panose="020B0604020202020204" pitchFamily="34" charset="0"/>
-              <a:cs typeface="Arial" panose="020B0604020202020204" pitchFamily="34" charset="0"/>
-            </a:rPr>
-            <a:t>Đánh giá</a:t>
-          </a:r>
-          <a:endParaRPr lang="vi-VN" sz="2400">
-            <a:latin typeface="Arial" panose="020B0604020202020204" pitchFamily="34" charset="0"/>
-            <a:cs typeface="Arial" panose="020B0604020202020204" pitchFamily="34" charset="0"/>
-          </a:endParaRPr>
-        </a:p>
-      </dgm:t>
-    </dgm:pt>
-    <dgm:pt modelId="{4BBA2CB1-BDAC-44E0-8C4B-8C648152ED99}" type="parTrans" cxnId="{DAEF8450-AECA-489D-BF33-AD4D59C3D983}">
-      <dgm:prSet/>
-      <dgm:spPr/>
-      <dgm:t>
-        <a:bodyPr/>
-        <a:lstStyle/>
-        <a:p>
-          <a:endParaRPr lang="vi-VN"/>
-        </a:p>
-      </dgm:t>
-    </dgm:pt>
-    <dgm:pt modelId="{7A4F643D-35CA-4DB2-870D-58C500BEF9DF}" type="sibTrans" cxnId="{DAEF8450-AECA-489D-BF33-AD4D59C3D983}">
-      <dgm:prSet/>
-      <dgm:spPr/>
-      <dgm:t>
-        <a:bodyPr/>
-        <a:lstStyle/>
-        <a:p>
-          <a:endParaRPr lang="vi-VN"/>
-        </a:p>
-      </dgm:t>
-    </dgm:pt>
-    <dgm:pt modelId="{E0A30AE7-5B77-45C9-91EA-6D6A6176F424}">
-      <dgm:prSet custT="1"/>
-      <dgm:spPr/>
-      <dgm:t>
-        <a:bodyPr/>
-        <a:lstStyle/>
-        <a:p>
-          <a:r>
-            <a:rPr lang="en-US" sz="2400" smtClean="0">
-              <a:latin typeface="Arial" panose="020B0604020202020204" pitchFamily="34" charset="0"/>
-              <a:cs typeface="Arial" panose="020B0604020202020204" pitchFamily="34" charset="0"/>
-            </a:rPr>
-            <a:t>Góp ý</a:t>
-          </a:r>
-          <a:endParaRPr lang="vi-VN" sz="2400">
-            <a:latin typeface="Arial" panose="020B0604020202020204" pitchFamily="34" charset="0"/>
-            <a:cs typeface="Arial" panose="020B0604020202020204" pitchFamily="34" charset="0"/>
-          </a:endParaRPr>
-        </a:p>
-      </dgm:t>
-    </dgm:pt>
-    <dgm:pt modelId="{2EAFD8EE-CDC1-4803-849C-40320D473B95}" type="parTrans" cxnId="{358503E2-3763-4032-8367-A38863CB20A6}">
-      <dgm:prSet/>
-      <dgm:spPr/>
-      <dgm:t>
-        <a:bodyPr/>
-        <a:lstStyle/>
-        <a:p>
-          <a:endParaRPr lang="vi-VN"/>
-        </a:p>
-      </dgm:t>
-    </dgm:pt>
-    <dgm:pt modelId="{DE47F42F-ACEC-4A89-A5ED-2348401BE8D2}" type="sibTrans" cxnId="{358503E2-3763-4032-8367-A38863CB20A6}">
-      <dgm:prSet/>
-      <dgm:spPr/>
-      <dgm:t>
-        <a:bodyPr/>
-        <a:lstStyle/>
-        <a:p>
-          <a:endParaRPr lang="vi-VN"/>
-        </a:p>
-      </dgm:t>
-    </dgm:pt>
-    <dgm:pt modelId="{46C89982-858D-4C05-A279-E9A994C81057}" type="pres">
-      <dgm:prSet presAssocID="{829DBD5A-FFE3-4A80-A667-EBD5343EF971}" presName="hierChild1" presStyleCnt="0">
-        <dgm:presLayoutVars>
-          <dgm:orgChart val="1"/>
-          <dgm:chPref val="1"/>
-          <dgm:dir/>
-          <dgm:animOne val="branch"/>
-          <dgm:animLvl val="lvl"/>
-          <dgm:resizeHandles/>
-        </dgm:presLayoutVars>
-      </dgm:prSet>
-      <dgm:spPr/>
-    </dgm:pt>
-    <dgm:pt modelId="{D967A26D-B215-4051-8AA8-C533DBF33E38}" type="pres">
-      <dgm:prSet presAssocID="{054CCB70-FAC7-446C-8FD6-C7FD4ADC1CD7}" presName="hierRoot1" presStyleCnt="0">
-        <dgm:presLayoutVars>
-          <dgm:hierBranch val="init"/>
-        </dgm:presLayoutVars>
-      </dgm:prSet>
-      <dgm:spPr/>
-    </dgm:pt>
-    <dgm:pt modelId="{81C43ABC-BB21-4512-8009-4C0D6BA1848C}" type="pres">
-      <dgm:prSet presAssocID="{054CCB70-FAC7-446C-8FD6-C7FD4ADC1CD7}" presName="rootComposite1" presStyleCnt="0"/>
-      <dgm:spPr/>
-    </dgm:pt>
-    <dgm:pt modelId="{A7A6B1F0-A5BB-4FCF-93F5-2573D567D794}" type="pres">
-      <dgm:prSet presAssocID="{054CCB70-FAC7-446C-8FD6-C7FD4ADC1CD7}" presName="rootText1" presStyleLbl="node0" presStyleIdx="0" presStyleCnt="1" custScaleX="108837">
-        <dgm:presLayoutVars>
-          <dgm:chPref val="3"/>
-        </dgm:presLayoutVars>
-      </dgm:prSet>
-      <dgm:spPr/>
-      <dgm:t>
-        <a:bodyPr/>
-        <a:lstStyle/>
-        <a:p>
-          <a:endParaRPr lang="vi-VN"/>
-        </a:p>
-      </dgm:t>
-    </dgm:pt>
-    <dgm:pt modelId="{C0FB69D6-C4EE-41C4-B1BD-2E109C0A4683}" type="pres">
-      <dgm:prSet presAssocID="{054CCB70-FAC7-446C-8FD6-C7FD4ADC1CD7}" presName="rootConnector1" presStyleLbl="node1" presStyleIdx="0" presStyleCnt="0"/>
-      <dgm:spPr/>
-    </dgm:pt>
-    <dgm:pt modelId="{25645596-D70C-4955-9898-C740A89DAD73}" type="pres">
-      <dgm:prSet presAssocID="{054CCB70-FAC7-446C-8FD6-C7FD4ADC1CD7}" presName="hierChild2" presStyleCnt="0"/>
-      <dgm:spPr/>
-    </dgm:pt>
-    <dgm:pt modelId="{2749D156-817F-43D6-8F48-E27D31154397}" type="pres">
-      <dgm:prSet presAssocID="{5D51E86E-76E9-4A75-855D-26DDA627A8F0}" presName="Name37" presStyleLbl="parChTrans1D2" presStyleIdx="0" presStyleCnt="5"/>
-      <dgm:spPr/>
-    </dgm:pt>
-    <dgm:pt modelId="{41120F49-B6D5-4AD1-9C21-78B4BD872CD3}" type="pres">
-      <dgm:prSet presAssocID="{C20CB25A-B30E-4899-84BF-DFD2CC1D478E}" presName="hierRoot2" presStyleCnt="0">
-        <dgm:presLayoutVars>
-          <dgm:hierBranch val="init"/>
-        </dgm:presLayoutVars>
-      </dgm:prSet>
-      <dgm:spPr/>
-    </dgm:pt>
-    <dgm:pt modelId="{9448B0E7-0A38-4DC8-9336-0F67EA2A0617}" type="pres">
-      <dgm:prSet presAssocID="{C20CB25A-B30E-4899-84BF-DFD2CC1D478E}" presName="rootComposite" presStyleCnt="0"/>
-      <dgm:spPr/>
-    </dgm:pt>
-    <dgm:pt modelId="{CA3DD0F3-E897-44C1-BFFF-D1020CB4097C}" type="pres">
-      <dgm:prSet presAssocID="{C20CB25A-B30E-4899-84BF-DFD2CC1D478E}" presName="rootText" presStyleLbl="node2" presStyleIdx="0" presStyleCnt="5">
-        <dgm:presLayoutVars>
-          <dgm:chPref val="3"/>
-        </dgm:presLayoutVars>
-      </dgm:prSet>
-      <dgm:spPr/>
-      <dgm:t>
-        <a:bodyPr/>
-        <a:lstStyle/>
-        <a:p>
-          <a:endParaRPr lang="vi-VN"/>
-        </a:p>
-      </dgm:t>
-    </dgm:pt>
-    <dgm:pt modelId="{57AABEF4-C882-4CB1-8A54-BF8C192F4BAE}" type="pres">
-      <dgm:prSet presAssocID="{C20CB25A-B30E-4899-84BF-DFD2CC1D478E}" presName="rootConnector" presStyleLbl="node2" presStyleIdx="0" presStyleCnt="5"/>
-      <dgm:spPr/>
-    </dgm:pt>
-    <dgm:pt modelId="{440F72CD-E30C-4133-9DCC-A1401EAB1628}" type="pres">
-      <dgm:prSet presAssocID="{C20CB25A-B30E-4899-84BF-DFD2CC1D478E}" presName="hierChild4" presStyleCnt="0"/>
-      <dgm:spPr/>
-    </dgm:pt>
-    <dgm:pt modelId="{FD79ADF0-A577-471F-86AA-4FCDC8B2C40B}" type="pres">
-      <dgm:prSet presAssocID="{C20CB25A-B30E-4899-84BF-DFD2CC1D478E}" presName="hierChild5" presStyleCnt="0"/>
-      <dgm:spPr/>
-    </dgm:pt>
-    <dgm:pt modelId="{4FAECBF1-833E-41E7-9C9D-B8B869D1DE5B}" type="pres">
-      <dgm:prSet presAssocID="{DE3282B3-9817-4B06-A453-50C57A8575C6}" presName="Name37" presStyleLbl="parChTrans1D2" presStyleIdx="1" presStyleCnt="5"/>
-      <dgm:spPr/>
-    </dgm:pt>
-    <dgm:pt modelId="{258778B4-8607-41D6-A66E-A1253EE8BF8A}" type="pres">
-      <dgm:prSet presAssocID="{6D9A08B5-0D5B-4D1E-A147-A9984B0AACAB}" presName="hierRoot2" presStyleCnt="0">
-        <dgm:presLayoutVars>
-          <dgm:hierBranch val="init"/>
-        </dgm:presLayoutVars>
-      </dgm:prSet>
-      <dgm:spPr/>
-    </dgm:pt>
-    <dgm:pt modelId="{90B460B9-7C39-4982-A4B2-22C00072969E}" type="pres">
-      <dgm:prSet presAssocID="{6D9A08B5-0D5B-4D1E-A147-A9984B0AACAB}" presName="rootComposite" presStyleCnt="0"/>
-      <dgm:spPr/>
-    </dgm:pt>
-    <dgm:pt modelId="{6E924462-83CB-4089-B6F1-A8562B3F2D5C}" type="pres">
-      <dgm:prSet presAssocID="{6D9A08B5-0D5B-4D1E-A147-A9984B0AACAB}" presName="rootText" presStyleLbl="node2" presStyleIdx="1" presStyleCnt="5">
-        <dgm:presLayoutVars>
-          <dgm:chPref val="3"/>
-        </dgm:presLayoutVars>
-      </dgm:prSet>
-      <dgm:spPr/>
-      <dgm:t>
-        <a:bodyPr/>
-        <a:lstStyle/>
-        <a:p>
-          <a:endParaRPr lang="vi-VN"/>
-        </a:p>
-      </dgm:t>
-    </dgm:pt>
-    <dgm:pt modelId="{1C1EBC33-3997-497A-877B-09B8C101A557}" type="pres">
-      <dgm:prSet presAssocID="{6D9A08B5-0D5B-4D1E-A147-A9984B0AACAB}" presName="rootConnector" presStyleLbl="node2" presStyleIdx="1" presStyleCnt="5"/>
-      <dgm:spPr/>
-    </dgm:pt>
-    <dgm:pt modelId="{E1378B96-A970-40DF-BE5C-95AAF8E23495}" type="pres">
-      <dgm:prSet presAssocID="{6D9A08B5-0D5B-4D1E-A147-A9984B0AACAB}" presName="hierChild4" presStyleCnt="0"/>
-      <dgm:spPr/>
-    </dgm:pt>
-    <dgm:pt modelId="{12630171-0F05-4557-8079-FB321A8C49F7}" type="pres">
-      <dgm:prSet presAssocID="{6D9A08B5-0D5B-4D1E-A147-A9984B0AACAB}" presName="hierChild5" presStyleCnt="0"/>
-      <dgm:spPr/>
-    </dgm:pt>
-    <dgm:pt modelId="{DD97C03C-D29B-4493-B897-8C6764F53098}" type="pres">
-      <dgm:prSet presAssocID="{B80B0D20-977D-4EC1-835B-D65BE912FFEB}" presName="Name37" presStyleLbl="parChTrans1D2" presStyleIdx="2" presStyleCnt="5"/>
-      <dgm:spPr/>
-    </dgm:pt>
-    <dgm:pt modelId="{CF228BA3-7BF1-4777-B51E-25FFB7E48727}" type="pres">
-      <dgm:prSet presAssocID="{C99A38CE-E33A-4F71-9AEA-1DBAA982F9D2}" presName="hierRoot2" presStyleCnt="0">
-        <dgm:presLayoutVars>
-          <dgm:hierBranch val="init"/>
-        </dgm:presLayoutVars>
-      </dgm:prSet>
-      <dgm:spPr/>
-    </dgm:pt>
-    <dgm:pt modelId="{1F11A864-3028-4D20-A6F2-B710488630CC}" type="pres">
-      <dgm:prSet presAssocID="{C99A38CE-E33A-4F71-9AEA-1DBAA982F9D2}" presName="rootComposite" presStyleCnt="0"/>
-      <dgm:spPr/>
-    </dgm:pt>
-    <dgm:pt modelId="{CDB5E7DB-BD83-42AA-9D77-07256A9906C8}" type="pres">
-      <dgm:prSet presAssocID="{C99A38CE-E33A-4F71-9AEA-1DBAA982F9D2}" presName="rootText" presStyleLbl="node2" presStyleIdx="2" presStyleCnt="5">
-        <dgm:presLayoutVars>
-          <dgm:chPref val="3"/>
-        </dgm:presLayoutVars>
-      </dgm:prSet>
-      <dgm:spPr/>
-      <dgm:t>
-        <a:bodyPr/>
-        <a:lstStyle/>
-        <a:p>
-          <a:endParaRPr lang="vi-VN"/>
-        </a:p>
-      </dgm:t>
-    </dgm:pt>
-    <dgm:pt modelId="{DF2C0614-E77B-4019-8878-863810B1F4B0}" type="pres">
-      <dgm:prSet presAssocID="{C99A38CE-E33A-4F71-9AEA-1DBAA982F9D2}" presName="rootConnector" presStyleLbl="node2" presStyleIdx="2" presStyleCnt="5"/>
-      <dgm:spPr/>
-    </dgm:pt>
-    <dgm:pt modelId="{7D88ECBB-C358-429B-907C-2361EFA7277F}" type="pres">
-      <dgm:prSet presAssocID="{C99A38CE-E33A-4F71-9AEA-1DBAA982F9D2}" presName="hierChild4" presStyleCnt="0"/>
-      <dgm:spPr/>
-    </dgm:pt>
-    <dgm:pt modelId="{D978C718-28DF-4E7C-8AD0-EB05FDDB1710}" type="pres">
-      <dgm:prSet presAssocID="{C99A38CE-E33A-4F71-9AEA-1DBAA982F9D2}" presName="hierChild5" presStyleCnt="0"/>
-      <dgm:spPr/>
-    </dgm:pt>
-    <dgm:pt modelId="{43827BC0-1792-4F71-B1A7-3739C8F017A5}" type="pres">
-      <dgm:prSet presAssocID="{4BBA2CB1-BDAC-44E0-8C4B-8C648152ED99}" presName="Name37" presStyleLbl="parChTrans1D2" presStyleIdx="3" presStyleCnt="5"/>
-      <dgm:spPr/>
-    </dgm:pt>
-    <dgm:pt modelId="{CD844160-5413-46F2-B390-95BADE10E8D9}" type="pres">
-      <dgm:prSet presAssocID="{364F2B90-14C4-460A-9F83-369D2C9DB73B}" presName="hierRoot2" presStyleCnt="0">
-        <dgm:presLayoutVars>
-          <dgm:hierBranch val="init"/>
-        </dgm:presLayoutVars>
-      </dgm:prSet>
-      <dgm:spPr/>
-    </dgm:pt>
-    <dgm:pt modelId="{2F18BD7C-C838-4EAB-879A-C8544F691C66}" type="pres">
-      <dgm:prSet presAssocID="{364F2B90-14C4-460A-9F83-369D2C9DB73B}" presName="rootComposite" presStyleCnt="0"/>
-      <dgm:spPr/>
-    </dgm:pt>
-    <dgm:pt modelId="{125F8E61-F81D-4017-9F72-595A8946962C}" type="pres">
-      <dgm:prSet presAssocID="{364F2B90-14C4-460A-9F83-369D2C9DB73B}" presName="rootText" presStyleLbl="node2" presStyleIdx="3" presStyleCnt="5">
-        <dgm:presLayoutVars>
-          <dgm:chPref val="3"/>
-        </dgm:presLayoutVars>
-      </dgm:prSet>
-      <dgm:spPr/>
-      <dgm:t>
-        <a:bodyPr/>
-        <a:lstStyle/>
-        <a:p>
-          <a:endParaRPr lang="vi-VN"/>
-        </a:p>
-      </dgm:t>
-    </dgm:pt>
-    <dgm:pt modelId="{F2D1CF4F-F2BF-444E-91D4-DA22B2539469}" type="pres">
-      <dgm:prSet presAssocID="{364F2B90-14C4-460A-9F83-369D2C9DB73B}" presName="rootConnector" presStyleLbl="node2" presStyleIdx="3" presStyleCnt="5"/>
-      <dgm:spPr/>
-    </dgm:pt>
-    <dgm:pt modelId="{356E5EE9-B98A-4170-9128-4B9CF311D68C}" type="pres">
-      <dgm:prSet presAssocID="{364F2B90-14C4-460A-9F83-369D2C9DB73B}" presName="hierChild4" presStyleCnt="0"/>
-      <dgm:spPr/>
-    </dgm:pt>
-    <dgm:pt modelId="{2EC618A5-052F-41AD-ABEE-5019A6EA03A1}" type="pres">
-      <dgm:prSet presAssocID="{364F2B90-14C4-460A-9F83-369D2C9DB73B}" presName="hierChild5" presStyleCnt="0"/>
-      <dgm:spPr/>
-    </dgm:pt>
-    <dgm:pt modelId="{D95475EF-1706-4F70-97A8-2E7F93788C96}" type="pres">
-      <dgm:prSet presAssocID="{2EAFD8EE-CDC1-4803-849C-40320D473B95}" presName="Name37" presStyleLbl="parChTrans1D2" presStyleIdx="4" presStyleCnt="5"/>
-      <dgm:spPr/>
-    </dgm:pt>
-    <dgm:pt modelId="{C4C67B96-CB77-482D-BEF9-C0D630BC3E31}" type="pres">
-      <dgm:prSet presAssocID="{E0A30AE7-5B77-45C9-91EA-6D6A6176F424}" presName="hierRoot2" presStyleCnt="0">
-        <dgm:presLayoutVars>
-          <dgm:hierBranch val="init"/>
-        </dgm:presLayoutVars>
-      </dgm:prSet>
-      <dgm:spPr/>
-    </dgm:pt>
-    <dgm:pt modelId="{E841A97E-53AB-4AA4-8388-7E83A7B9DE9E}" type="pres">
-      <dgm:prSet presAssocID="{E0A30AE7-5B77-45C9-91EA-6D6A6176F424}" presName="rootComposite" presStyleCnt="0"/>
-      <dgm:spPr/>
-    </dgm:pt>
-    <dgm:pt modelId="{6C38A81C-FB08-4BA8-B38E-CD0770D08F46}" type="pres">
-      <dgm:prSet presAssocID="{E0A30AE7-5B77-45C9-91EA-6D6A6176F424}" presName="rootText" presStyleLbl="node2" presStyleIdx="4" presStyleCnt="5">
-        <dgm:presLayoutVars>
-          <dgm:chPref val="3"/>
-        </dgm:presLayoutVars>
-      </dgm:prSet>
-      <dgm:spPr/>
-      <dgm:t>
-        <a:bodyPr/>
-        <a:lstStyle/>
-        <a:p>
-          <a:endParaRPr lang="vi-VN"/>
-        </a:p>
-      </dgm:t>
-    </dgm:pt>
-    <dgm:pt modelId="{3ADF85CA-DDB6-46BB-A54F-DAC7943EA1A2}" type="pres">
-      <dgm:prSet presAssocID="{E0A30AE7-5B77-45C9-91EA-6D6A6176F424}" presName="rootConnector" presStyleLbl="node2" presStyleIdx="4" presStyleCnt="5"/>
-      <dgm:spPr/>
-    </dgm:pt>
-    <dgm:pt modelId="{CF68CE8A-EAEB-4E21-AB17-F65545330061}" type="pres">
-      <dgm:prSet presAssocID="{E0A30AE7-5B77-45C9-91EA-6D6A6176F424}" presName="hierChild4" presStyleCnt="0"/>
-      <dgm:spPr/>
-    </dgm:pt>
-    <dgm:pt modelId="{764ACB85-F291-4EE6-A49F-A9CE6D5F6D31}" type="pres">
-      <dgm:prSet presAssocID="{E0A30AE7-5B77-45C9-91EA-6D6A6176F424}" presName="hierChild5" presStyleCnt="0"/>
-      <dgm:spPr/>
-    </dgm:pt>
-    <dgm:pt modelId="{B937CFB3-291A-4B41-8AFF-8DBAA65D0833}" type="pres">
-      <dgm:prSet presAssocID="{054CCB70-FAC7-446C-8FD6-C7FD4ADC1CD7}" presName="hierChild3" presStyleCnt="0"/>
-      <dgm:spPr/>
-    </dgm:pt>
-  </dgm:ptLst>
-  <dgm:cxnLst>
-    <dgm:cxn modelId="{5B371385-F66B-45D2-A982-FE6FE219AD8C}" type="presOf" srcId="{6D9A08B5-0D5B-4D1E-A147-A9984B0AACAB}" destId="{6E924462-83CB-4089-B6F1-A8562B3F2D5C}" srcOrd="0" destOrd="0" presId="urn:microsoft.com/office/officeart/2005/8/layout/orgChart1"/>
-    <dgm:cxn modelId="{DAEF8450-AECA-489D-BF33-AD4D59C3D983}" srcId="{054CCB70-FAC7-446C-8FD6-C7FD4ADC1CD7}" destId="{364F2B90-14C4-460A-9F83-369D2C9DB73B}" srcOrd="3" destOrd="0" parTransId="{4BBA2CB1-BDAC-44E0-8C4B-8C648152ED99}" sibTransId="{7A4F643D-35CA-4DB2-870D-58C500BEF9DF}"/>
-    <dgm:cxn modelId="{87043A32-834E-48B9-B264-31E5A8765A8F}" type="presOf" srcId="{E0A30AE7-5B77-45C9-91EA-6D6A6176F424}" destId="{6C38A81C-FB08-4BA8-B38E-CD0770D08F46}" srcOrd="0" destOrd="0" presId="urn:microsoft.com/office/officeart/2005/8/layout/orgChart1"/>
-    <dgm:cxn modelId="{84CCD77E-FC3B-469C-9936-B7886EBD1075}" type="presOf" srcId="{C99A38CE-E33A-4F71-9AEA-1DBAA982F9D2}" destId="{DF2C0614-E77B-4019-8878-863810B1F4B0}" srcOrd="1" destOrd="0" presId="urn:microsoft.com/office/officeart/2005/8/layout/orgChart1"/>
-    <dgm:cxn modelId="{2A388F0B-4922-4FC9-86F9-1E16E19C1A15}" type="presOf" srcId="{2EAFD8EE-CDC1-4803-849C-40320D473B95}" destId="{D95475EF-1706-4F70-97A8-2E7F93788C96}" srcOrd="0" destOrd="0" presId="urn:microsoft.com/office/officeart/2005/8/layout/orgChart1"/>
-    <dgm:cxn modelId="{810CD454-02C9-437D-9544-0BB9A3EAD74B}" srcId="{054CCB70-FAC7-446C-8FD6-C7FD4ADC1CD7}" destId="{C99A38CE-E33A-4F71-9AEA-1DBAA982F9D2}" srcOrd="2" destOrd="0" parTransId="{B80B0D20-977D-4EC1-835B-D65BE912FFEB}" sibTransId="{C44222A1-B3B7-46A9-B547-63D6542D51CA}"/>
-    <dgm:cxn modelId="{7FFEBA18-20EB-470F-8788-8A11402895B8}" type="presOf" srcId="{829DBD5A-FFE3-4A80-A667-EBD5343EF971}" destId="{46C89982-858D-4C05-A279-E9A994C81057}" srcOrd="0" destOrd="0" presId="urn:microsoft.com/office/officeart/2005/8/layout/orgChart1"/>
-    <dgm:cxn modelId="{B90B33D6-B43B-47EC-8C61-6D56703B033D}" type="presOf" srcId="{4BBA2CB1-BDAC-44E0-8C4B-8C648152ED99}" destId="{43827BC0-1792-4F71-B1A7-3739C8F017A5}" srcOrd="0" destOrd="0" presId="urn:microsoft.com/office/officeart/2005/8/layout/orgChart1"/>
-    <dgm:cxn modelId="{6478D1E0-455E-4B80-9EDD-56AFB2AC6A0A}" type="presOf" srcId="{E0A30AE7-5B77-45C9-91EA-6D6A6176F424}" destId="{3ADF85CA-DDB6-46BB-A54F-DAC7943EA1A2}" srcOrd="1" destOrd="0" presId="urn:microsoft.com/office/officeart/2005/8/layout/orgChart1"/>
-    <dgm:cxn modelId="{C28C3739-477F-43AB-85C0-94724B5AD2A1}" type="presOf" srcId="{C20CB25A-B30E-4899-84BF-DFD2CC1D478E}" destId="{57AABEF4-C882-4CB1-8A54-BF8C192F4BAE}" srcOrd="1" destOrd="0" presId="urn:microsoft.com/office/officeart/2005/8/layout/orgChart1"/>
-    <dgm:cxn modelId="{897B9AE0-99C4-4A59-9348-397C91769AA3}" srcId="{829DBD5A-FFE3-4A80-A667-EBD5343EF971}" destId="{054CCB70-FAC7-446C-8FD6-C7FD4ADC1CD7}" srcOrd="0" destOrd="0" parTransId="{B46A3F3F-C6A6-44C6-8A33-B84D49B08F1E}" sibTransId="{8FE98C5C-47DD-4BA1-8948-750A94C4FC20}"/>
-    <dgm:cxn modelId="{D4756443-322C-4EC2-AA6C-A654E19FA3D3}" type="presOf" srcId="{054CCB70-FAC7-446C-8FD6-C7FD4ADC1CD7}" destId="{A7A6B1F0-A5BB-4FCF-93F5-2573D567D794}" srcOrd="0" destOrd="0" presId="urn:microsoft.com/office/officeart/2005/8/layout/orgChart1"/>
-    <dgm:cxn modelId="{B0C1F3B9-DD00-4211-8E05-16367F266116}" type="presOf" srcId="{C20CB25A-B30E-4899-84BF-DFD2CC1D478E}" destId="{CA3DD0F3-E897-44C1-BFFF-D1020CB4097C}" srcOrd="0" destOrd="0" presId="urn:microsoft.com/office/officeart/2005/8/layout/orgChart1"/>
-    <dgm:cxn modelId="{7506275B-0B5D-428F-A79F-C67410F83D56}" srcId="{054CCB70-FAC7-446C-8FD6-C7FD4ADC1CD7}" destId="{6D9A08B5-0D5B-4D1E-A147-A9984B0AACAB}" srcOrd="1" destOrd="0" parTransId="{DE3282B3-9817-4B06-A453-50C57A8575C6}" sibTransId="{C6563A02-9533-4395-B87B-FE94A9C6BFE1}"/>
-    <dgm:cxn modelId="{26B14F1F-114C-4237-9F02-585679802C83}" type="presOf" srcId="{5D51E86E-76E9-4A75-855D-26DDA627A8F0}" destId="{2749D156-817F-43D6-8F48-E27D31154397}" srcOrd="0" destOrd="0" presId="urn:microsoft.com/office/officeart/2005/8/layout/orgChart1"/>
-    <dgm:cxn modelId="{DA755017-2FF1-42B7-AA7A-E593A7806386}" type="presOf" srcId="{364F2B90-14C4-460A-9F83-369D2C9DB73B}" destId="{F2D1CF4F-F2BF-444E-91D4-DA22B2539469}" srcOrd="1" destOrd="0" presId="urn:microsoft.com/office/officeart/2005/8/layout/orgChart1"/>
-    <dgm:cxn modelId="{FE879B7B-7C97-4885-AC82-34B62FD46F30}" type="presOf" srcId="{C99A38CE-E33A-4F71-9AEA-1DBAA982F9D2}" destId="{CDB5E7DB-BD83-42AA-9D77-07256A9906C8}" srcOrd="0" destOrd="0" presId="urn:microsoft.com/office/officeart/2005/8/layout/orgChart1"/>
-    <dgm:cxn modelId="{8AEFDFD0-8107-46B4-A6C4-05317B091053}" type="presOf" srcId="{DE3282B3-9817-4B06-A453-50C57A8575C6}" destId="{4FAECBF1-833E-41E7-9C9D-B8B869D1DE5B}" srcOrd="0" destOrd="0" presId="urn:microsoft.com/office/officeart/2005/8/layout/orgChart1"/>
-    <dgm:cxn modelId="{0F225910-B56D-4916-9A62-08585FC4EDDD}" srcId="{054CCB70-FAC7-446C-8FD6-C7FD4ADC1CD7}" destId="{C20CB25A-B30E-4899-84BF-DFD2CC1D478E}" srcOrd="0" destOrd="0" parTransId="{5D51E86E-76E9-4A75-855D-26DDA627A8F0}" sibTransId="{4DCF3A03-403A-47D3-824C-3E8CF3B6EF4F}"/>
-    <dgm:cxn modelId="{425438B4-8751-4640-8645-24B20C8CAB3D}" type="presOf" srcId="{B80B0D20-977D-4EC1-835B-D65BE912FFEB}" destId="{DD97C03C-D29B-4493-B897-8C6764F53098}" srcOrd="0" destOrd="0" presId="urn:microsoft.com/office/officeart/2005/8/layout/orgChart1"/>
-    <dgm:cxn modelId="{358503E2-3763-4032-8367-A38863CB20A6}" srcId="{054CCB70-FAC7-446C-8FD6-C7FD4ADC1CD7}" destId="{E0A30AE7-5B77-45C9-91EA-6D6A6176F424}" srcOrd="4" destOrd="0" parTransId="{2EAFD8EE-CDC1-4803-849C-40320D473B95}" sibTransId="{DE47F42F-ACEC-4A89-A5ED-2348401BE8D2}"/>
-    <dgm:cxn modelId="{365F2E43-C6CA-40A7-A32D-40CCD106B1E1}" type="presOf" srcId="{6D9A08B5-0D5B-4D1E-A147-A9984B0AACAB}" destId="{1C1EBC33-3997-497A-877B-09B8C101A557}" srcOrd="1" destOrd="0" presId="urn:microsoft.com/office/officeart/2005/8/layout/orgChart1"/>
-    <dgm:cxn modelId="{E0AC70CA-2CCA-4919-A4A7-CE02FEB871E3}" type="presOf" srcId="{054CCB70-FAC7-446C-8FD6-C7FD4ADC1CD7}" destId="{C0FB69D6-C4EE-41C4-B1BD-2E109C0A4683}" srcOrd="1" destOrd="0" presId="urn:microsoft.com/office/officeart/2005/8/layout/orgChart1"/>
-    <dgm:cxn modelId="{46C3E304-7A50-4A51-9E92-D8816F6E2565}" type="presOf" srcId="{364F2B90-14C4-460A-9F83-369D2C9DB73B}" destId="{125F8E61-F81D-4017-9F72-595A8946962C}" srcOrd="0" destOrd="0" presId="urn:microsoft.com/office/officeart/2005/8/layout/orgChart1"/>
-    <dgm:cxn modelId="{86FFFCB0-75D0-401A-BFCD-813478E16C98}" type="presParOf" srcId="{46C89982-858D-4C05-A279-E9A994C81057}" destId="{D967A26D-B215-4051-8AA8-C533DBF33E38}" srcOrd="0" destOrd="0" presId="urn:microsoft.com/office/officeart/2005/8/layout/orgChart1"/>
-    <dgm:cxn modelId="{767DAF0B-5170-448B-A942-EA39DEA923DF}" type="presParOf" srcId="{D967A26D-B215-4051-8AA8-C533DBF33E38}" destId="{81C43ABC-BB21-4512-8009-4C0D6BA1848C}" srcOrd="0" destOrd="0" presId="urn:microsoft.com/office/officeart/2005/8/layout/orgChart1"/>
-    <dgm:cxn modelId="{14980943-BDD6-4E8E-9ECE-EF0EE091B902}" type="presParOf" srcId="{81C43ABC-BB21-4512-8009-4C0D6BA1848C}" destId="{A7A6B1F0-A5BB-4FCF-93F5-2573D567D794}" srcOrd="0" destOrd="0" presId="urn:microsoft.com/office/officeart/2005/8/layout/orgChart1"/>
-    <dgm:cxn modelId="{DCBC44A6-822A-44A6-BA80-302BC77E61C9}" type="presParOf" srcId="{81C43ABC-BB21-4512-8009-4C0D6BA1848C}" destId="{C0FB69D6-C4EE-41C4-B1BD-2E109C0A4683}" srcOrd="1" destOrd="0" presId="urn:microsoft.com/office/officeart/2005/8/layout/orgChart1"/>
-    <dgm:cxn modelId="{F3629751-E284-4335-8FCC-EBEBB6A15C83}" type="presParOf" srcId="{D967A26D-B215-4051-8AA8-C533DBF33E38}" destId="{25645596-D70C-4955-9898-C740A89DAD73}" srcOrd="1" destOrd="0" presId="urn:microsoft.com/office/officeart/2005/8/layout/orgChart1"/>
-    <dgm:cxn modelId="{3832F11E-087B-4CD0-A5DE-9A8C5DB08BC2}" type="presParOf" srcId="{25645596-D70C-4955-9898-C740A89DAD73}" destId="{2749D156-817F-43D6-8F48-E27D31154397}" srcOrd="0" destOrd="0" presId="urn:microsoft.com/office/officeart/2005/8/layout/orgChart1"/>
-    <dgm:cxn modelId="{553AE5C9-211F-4B42-9E05-8678310B8026}" type="presParOf" srcId="{25645596-D70C-4955-9898-C740A89DAD73}" destId="{41120F49-B6D5-4AD1-9C21-78B4BD872CD3}" srcOrd="1" destOrd="0" presId="urn:microsoft.com/office/officeart/2005/8/layout/orgChart1"/>
-    <dgm:cxn modelId="{4BFB57E3-C844-4F78-8FCE-7810B7654D7B}" type="presParOf" srcId="{41120F49-B6D5-4AD1-9C21-78B4BD872CD3}" destId="{9448B0E7-0A38-4DC8-9336-0F67EA2A0617}" srcOrd="0" destOrd="0" presId="urn:microsoft.com/office/officeart/2005/8/layout/orgChart1"/>
-    <dgm:cxn modelId="{1A8B09D5-9D4C-4DB5-890B-6326AAAAF7A3}" type="presParOf" srcId="{9448B0E7-0A38-4DC8-9336-0F67EA2A0617}" destId="{CA3DD0F3-E897-44C1-BFFF-D1020CB4097C}" srcOrd="0" destOrd="0" presId="urn:microsoft.com/office/officeart/2005/8/layout/orgChart1"/>
-    <dgm:cxn modelId="{8CC632ED-533B-4113-B822-578FDB0E14A1}" type="presParOf" srcId="{9448B0E7-0A38-4DC8-9336-0F67EA2A0617}" destId="{57AABEF4-C882-4CB1-8A54-BF8C192F4BAE}" srcOrd="1" destOrd="0" presId="urn:microsoft.com/office/officeart/2005/8/layout/orgChart1"/>
-    <dgm:cxn modelId="{F9E31DFA-F079-4F0D-9966-73121E417775}" type="presParOf" srcId="{41120F49-B6D5-4AD1-9C21-78B4BD872CD3}" destId="{440F72CD-E30C-4133-9DCC-A1401EAB1628}" srcOrd="1" destOrd="0" presId="urn:microsoft.com/office/officeart/2005/8/layout/orgChart1"/>
-    <dgm:cxn modelId="{14B29738-9177-4982-8322-5483E70441BB}" type="presParOf" srcId="{41120F49-B6D5-4AD1-9C21-78B4BD872CD3}" destId="{FD79ADF0-A577-471F-86AA-4FCDC8B2C40B}" srcOrd="2" destOrd="0" presId="urn:microsoft.com/office/officeart/2005/8/layout/orgChart1"/>
-    <dgm:cxn modelId="{2824D8DB-FB3D-430A-B365-AB2F674CA993}" type="presParOf" srcId="{25645596-D70C-4955-9898-C740A89DAD73}" destId="{4FAECBF1-833E-41E7-9C9D-B8B869D1DE5B}" srcOrd="2" destOrd="0" presId="urn:microsoft.com/office/officeart/2005/8/layout/orgChart1"/>
-    <dgm:cxn modelId="{B851439F-3937-4244-A645-70F26023E456}" type="presParOf" srcId="{25645596-D70C-4955-9898-C740A89DAD73}" destId="{258778B4-8607-41D6-A66E-A1253EE8BF8A}" srcOrd="3" destOrd="0" presId="urn:microsoft.com/office/officeart/2005/8/layout/orgChart1"/>
-    <dgm:cxn modelId="{7DF76223-59D7-4D22-A60B-62F4A911C399}" type="presParOf" srcId="{258778B4-8607-41D6-A66E-A1253EE8BF8A}" destId="{90B460B9-7C39-4982-A4B2-22C00072969E}" srcOrd="0" destOrd="0" presId="urn:microsoft.com/office/officeart/2005/8/layout/orgChart1"/>
-    <dgm:cxn modelId="{901B851A-4308-4B9F-A0E0-9909B081150B}" type="presParOf" srcId="{90B460B9-7C39-4982-A4B2-22C00072969E}" destId="{6E924462-83CB-4089-B6F1-A8562B3F2D5C}" srcOrd="0" destOrd="0" presId="urn:microsoft.com/office/officeart/2005/8/layout/orgChart1"/>
-    <dgm:cxn modelId="{B3AF1F14-D73A-4631-9959-AF93AFEFE4AD}" type="presParOf" srcId="{90B460B9-7C39-4982-A4B2-22C00072969E}" destId="{1C1EBC33-3997-497A-877B-09B8C101A557}" srcOrd="1" destOrd="0" presId="urn:microsoft.com/office/officeart/2005/8/layout/orgChart1"/>
-    <dgm:cxn modelId="{BA4AD2D8-7A60-4FFE-BBE4-287E232DF699}" type="presParOf" srcId="{258778B4-8607-41D6-A66E-A1253EE8BF8A}" destId="{E1378B96-A970-40DF-BE5C-95AAF8E23495}" srcOrd="1" destOrd="0" presId="urn:microsoft.com/office/officeart/2005/8/layout/orgChart1"/>
-    <dgm:cxn modelId="{4453A50C-DA2F-4AB2-BA06-09E50EBE3D1B}" type="presParOf" srcId="{258778B4-8607-41D6-A66E-A1253EE8BF8A}" destId="{12630171-0F05-4557-8079-FB321A8C49F7}" srcOrd="2" destOrd="0" presId="urn:microsoft.com/office/officeart/2005/8/layout/orgChart1"/>
-    <dgm:cxn modelId="{AA02C912-821C-43BC-9431-2F4B8EDAA133}" type="presParOf" srcId="{25645596-D70C-4955-9898-C740A89DAD73}" destId="{DD97C03C-D29B-4493-B897-8C6764F53098}" srcOrd="4" destOrd="0" presId="urn:microsoft.com/office/officeart/2005/8/layout/orgChart1"/>
-    <dgm:cxn modelId="{0B44FFDA-0FE0-4B32-938A-F6EDBC650F9F}" type="presParOf" srcId="{25645596-D70C-4955-9898-C740A89DAD73}" destId="{CF228BA3-7BF1-4777-B51E-25FFB7E48727}" srcOrd="5" destOrd="0" presId="urn:microsoft.com/office/officeart/2005/8/layout/orgChart1"/>
-    <dgm:cxn modelId="{019CCAB2-BAEB-45CE-BF49-7E1F941887E2}" type="presParOf" srcId="{CF228BA3-7BF1-4777-B51E-25FFB7E48727}" destId="{1F11A864-3028-4D20-A6F2-B710488630CC}" srcOrd="0" destOrd="0" presId="urn:microsoft.com/office/officeart/2005/8/layout/orgChart1"/>
-    <dgm:cxn modelId="{2404B0D7-1C96-428B-ADA7-64FFAC52B023}" type="presParOf" srcId="{1F11A864-3028-4D20-A6F2-B710488630CC}" destId="{CDB5E7DB-BD83-42AA-9D77-07256A9906C8}" srcOrd="0" destOrd="0" presId="urn:microsoft.com/office/officeart/2005/8/layout/orgChart1"/>
-    <dgm:cxn modelId="{A7064724-1017-4CD4-9DC7-E293AA6560C5}" type="presParOf" srcId="{1F11A864-3028-4D20-A6F2-B710488630CC}" destId="{DF2C0614-E77B-4019-8878-863810B1F4B0}" srcOrd="1" destOrd="0" presId="urn:microsoft.com/office/officeart/2005/8/layout/orgChart1"/>
-    <dgm:cxn modelId="{C5F88311-E917-45BF-B856-6FFFE880D7B5}" type="presParOf" srcId="{CF228BA3-7BF1-4777-B51E-25FFB7E48727}" destId="{7D88ECBB-C358-429B-907C-2361EFA7277F}" srcOrd="1" destOrd="0" presId="urn:microsoft.com/office/officeart/2005/8/layout/orgChart1"/>
-    <dgm:cxn modelId="{6A652ECA-60EF-48AA-B7FB-E0FFE72ACCE5}" type="presParOf" srcId="{CF228BA3-7BF1-4777-B51E-25FFB7E48727}" destId="{D978C718-28DF-4E7C-8AD0-EB05FDDB1710}" srcOrd="2" destOrd="0" presId="urn:microsoft.com/office/officeart/2005/8/layout/orgChart1"/>
-    <dgm:cxn modelId="{FD49CD1E-795C-497A-A4B9-CCBCA265E3EF}" type="presParOf" srcId="{25645596-D70C-4955-9898-C740A89DAD73}" destId="{43827BC0-1792-4F71-B1A7-3739C8F017A5}" srcOrd="6" destOrd="0" presId="urn:microsoft.com/office/officeart/2005/8/layout/orgChart1"/>
-    <dgm:cxn modelId="{1B51A343-C92E-4EE6-AFB6-4734076CD90E}" type="presParOf" srcId="{25645596-D70C-4955-9898-C740A89DAD73}" destId="{CD844160-5413-46F2-B390-95BADE10E8D9}" srcOrd="7" destOrd="0" presId="urn:microsoft.com/office/officeart/2005/8/layout/orgChart1"/>
-    <dgm:cxn modelId="{3D210190-806F-4D80-9ECC-96789A0A12C6}" type="presParOf" srcId="{CD844160-5413-46F2-B390-95BADE10E8D9}" destId="{2F18BD7C-C838-4EAB-879A-C8544F691C66}" srcOrd="0" destOrd="0" presId="urn:microsoft.com/office/officeart/2005/8/layout/orgChart1"/>
-    <dgm:cxn modelId="{D97FC3DD-E49C-4C43-82A6-2114E1642338}" type="presParOf" srcId="{2F18BD7C-C838-4EAB-879A-C8544F691C66}" destId="{125F8E61-F81D-4017-9F72-595A8946962C}" srcOrd="0" destOrd="0" presId="urn:microsoft.com/office/officeart/2005/8/layout/orgChart1"/>
-    <dgm:cxn modelId="{2D15D11F-7D20-4BA1-8FBC-D9EC730B6888}" type="presParOf" srcId="{2F18BD7C-C838-4EAB-879A-C8544F691C66}" destId="{F2D1CF4F-F2BF-444E-91D4-DA22B2539469}" srcOrd="1" destOrd="0" presId="urn:microsoft.com/office/officeart/2005/8/layout/orgChart1"/>
-    <dgm:cxn modelId="{7E780DE0-CB46-43DE-A06B-7B3C8B627652}" type="presParOf" srcId="{CD844160-5413-46F2-B390-95BADE10E8D9}" destId="{356E5EE9-B98A-4170-9128-4B9CF311D68C}" srcOrd="1" destOrd="0" presId="urn:microsoft.com/office/officeart/2005/8/layout/orgChart1"/>
-    <dgm:cxn modelId="{43DB3CEA-94C3-4F39-9490-F8CB9D14C2C3}" type="presParOf" srcId="{CD844160-5413-46F2-B390-95BADE10E8D9}" destId="{2EC618A5-052F-41AD-ABEE-5019A6EA03A1}" srcOrd="2" destOrd="0" presId="urn:microsoft.com/office/officeart/2005/8/layout/orgChart1"/>
-    <dgm:cxn modelId="{2F381E2F-3478-4F77-B69D-E0E228042AA0}" type="presParOf" srcId="{25645596-D70C-4955-9898-C740A89DAD73}" destId="{D95475EF-1706-4F70-97A8-2E7F93788C96}" srcOrd="8" destOrd="0" presId="urn:microsoft.com/office/officeart/2005/8/layout/orgChart1"/>
-    <dgm:cxn modelId="{76B92C3C-EFF7-4E1D-8CC2-B4DF90256442}" type="presParOf" srcId="{25645596-D70C-4955-9898-C740A89DAD73}" destId="{C4C67B96-CB77-482D-BEF9-C0D630BC3E31}" srcOrd="9" destOrd="0" presId="urn:microsoft.com/office/officeart/2005/8/layout/orgChart1"/>
-    <dgm:cxn modelId="{4AA1A1AB-F5D8-4FA6-B972-101E1427216B}" type="presParOf" srcId="{C4C67B96-CB77-482D-BEF9-C0D630BC3E31}" destId="{E841A97E-53AB-4AA4-8388-7E83A7B9DE9E}" srcOrd="0" destOrd="0" presId="urn:microsoft.com/office/officeart/2005/8/layout/orgChart1"/>
-    <dgm:cxn modelId="{C59B7CCD-40C8-4C85-B5BA-6F6CF0263C34}" type="presParOf" srcId="{E841A97E-53AB-4AA4-8388-7E83A7B9DE9E}" destId="{6C38A81C-FB08-4BA8-B38E-CD0770D08F46}" srcOrd="0" destOrd="0" presId="urn:microsoft.com/office/officeart/2005/8/layout/orgChart1"/>
-    <dgm:cxn modelId="{5F64A363-37A0-4A6A-84D2-296726423A3C}" type="presParOf" srcId="{E841A97E-53AB-4AA4-8388-7E83A7B9DE9E}" destId="{3ADF85CA-DDB6-46BB-A54F-DAC7943EA1A2}" srcOrd="1" destOrd="0" presId="urn:microsoft.com/office/officeart/2005/8/layout/orgChart1"/>
-    <dgm:cxn modelId="{1BC3AE5D-EDFF-4B82-8FA4-D5C2CD24E739}" type="presParOf" srcId="{C4C67B96-CB77-482D-BEF9-C0D630BC3E31}" destId="{CF68CE8A-EAEB-4E21-AB17-F65545330061}" srcOrd="1" destOrd="0" presId="urn:microsoft.com/office/officeart/2005/8/layout/orgChart1"/>
-    <dgm:cxn modelId="{5359BD16-E2A1-4738-ABA5-8B17EE5CAA82}" type="presParOf" srcId="{C4C67B96-CB77-482D-BEF9-C0D630BC3E31}" destId="{764ACB85-F291-4EE6-A49F-A9CE6D5F6D31}" srcOrd="2" destOrd="0" presId="urn:microsoft.com/office/officeart/2005/8/layout/orgChart1"/>
-    <dgm:cxn modelId="{E8652C0D-B7F8-4366-876C-7F618ACA6A7C}" type="presParOf" srcId="{D967A26D-B215-4051-8AA8-C533DBF33E38}" destId="{B937CFB3-291A-4B41-8AFF-8DBAA65D0833}" srcOrd="2" destOrd="0" presId="urn:microsoft.com/office/officeart/2005/8/layout/orgChart1"/>
-  </dgm:cxnLst>
-  <dgm:bg/>
-  <dgm:whole/>
-  <dgm:extLst>
-    <a:ext uri="http://schemas.microsoft.com/office/drawing/2008/diagram">
-      <dsp:dataModelExt xmlns:dsp="http://schemas.microsoft.com/office/drawing/2008/diagram" relId="rId6" minVer="http://schemas.openxmlformats.org/drawingml/2006/diagram"/>
-    </a:ext>
-  </dgm:extLst>
-</dgm:dataModel>
-</file>
-
-<file path=ppt/diagrams/drawing1.xml><?xml version="1.0" encoding="utf-8"?>
-<dsp:drawing xmlns:dgm="http://schemas.openxmlformats.org/drawingml/2006/diagram" xmlns:dsp="http://schemas.microsoft.com/office/drawing/2008/diagram" xmlns:a="http://schemas.openxmlformats.org/drawingml/2006/main">
-  <dsp:spTree>
-    <dsp:nvGrpSpPr>
-      <dsp:cNvPr id="0" name=""/>
-      <dsp:cNvGrpSpPr/>
-    </dsp:nvGrpSpPr>
-    <dsp:grpSpPr/>
-    <dsp:sp modelId="{D95475EF-1706-4F70-97A8-2E7F93788C96}">
-      <dsp:nvSpPr>
-        <dsp:cNvPr id="0" name=""/>
-        <dsp:cNvSpPr/>
-      </dsp:nvSpPr>
-      <dsp:spPr>
-        <a:xfrm>
-          <a:off x="4006022" y="1047853"/>
-          <a:ext cx="3319492" cy="288055"/>
-        </a:xfrm>
-        <a:custGeom>
-          <a:avLst/>
-          <a:gdLst/>
-          <a:ahLst/>
-          <a:cxnLst/>
-          <a:rect l="0" t="0" r="0" b="0"/>
-          <a:pathLst>
-            <a:path>
-              <a:moveTo>
-                <a:pt x="0" y="0"/>
-              </a:moveTo>
-              <a:lnTo>
-                <a:pt x="0" y="144027"/>
-              </a:lnTo>
-              <a:lnTo>
-                <a:pt x="3319492" y="144027"/>
-              </a:lnTo>
-              <a:lnTo>
-                <a:pt x="3319492" y="288055"/>
-              </a:lnTo>
-            </a:path>
-          </a:pathLst>
-        </a:custGeom>
-        <a:noFill/>
-        <a:ln w="19050" cap="rnd" cmpd="sng" algn="ctr">
-          <a:solidFill>
-            <a:schemeClr val="accent1">
-              <a:shade val="60000"/>
-              <a:hueOff val="0"/>
-              <a:satOff val="0"/>
-              <a:lumOff val="0"/>
-              <a:alphaOff val="0"/>
-            </a:schemeClr>
-          </a:solidFill>
-          <a:prstDash val="solid"/>
-        </a:ln>
-        <a:effectLst/>
-      </dsp:spPr>
-      <dsp:style>
-        <a:lnRef idx="2">
-          <a:scrgbClr r="0" g="0" b="0"/>
-        </a:lnRef>
-        <a:fillRef idx="0">
-          <a:scrgbClr r="0" g="0" b="0"/>
-        </a:fillRef>
-        <a:effectRef idx="0">
-          <a:scrgbClr r="0" g="0" b="0"/>
-        </a:effectRef>
-        <a:fontRef idx="minor"/>
-      </dsp:style>
-    </dsp:sp>
-    <dsp:sp modelId="{43827BC0-1792-4F71-B1A7-3739C8F017A5}">
-      <dsp:nvSpPr>
-        <dsp:cNvPr id="0" name=""/>
-        <dsp:cNvSpPr/>
-      </dsp:nvSpPr>
-      <dsp:spPr>
-        <a:xfrm>
-          <a:off x="4006022" y="1047853"/>
-          <a:ext cx="1659746" cy="288055"/>
-        </a:xfrm>
-        <a:custGeom>
-          <a:avLst/>
-          <a:gdLst/>
-          <a:ahLst/>
-          <a:cxnLst/>
-          <a:rect l="0" t="0" r="0" b="0"/>
-          <a:pathLst>
-            <a:path>
-              <a:moveTo>
-                <a:pt x="0" y="0"/>
-              </a:moveTo>
-              <a:lnTo>
-                <a:pt x="0" y="144027"/>
-              </a:lnTo>
-              <a:lnTo>
-                <a:pt x="1659746" y="144027"/>
-              </a:lnTo>
-              <a:lnTo>
-                <a:pt x="1659746" y="288055"/>
-              </a:lnTo>
-            </a:path>
-          </a:pathLst>
-        </a:custGeom>
-        <a:noFill/>
-        <a:ln w="19050" cap="rnd" cmpd="sng" algn="ctr">
-          <a:solidFill>
-            <a:schemeClr val="accent1">
-              <a:shade val="60000"/>
-              <a:hueOff val="0"/>
-              <a:satOff val="0"/>
-              <a:lumOff val="0"/>
-              <a:alphaOff val="0"/>
-            </a:schemeClr>
-          </a:solidFill>
-          <a:prstDash val="solid"/>
-        </a:ln>
-        <a:effectLst/>
-      </dsp:spPr>
-      <dsp:style>
-        <a:lnRef idx="2">
-          <a:scrgbClr r="0" g="0" b="0"/>
-        </a:lnRef>
-        <a:fillRef idx="0">
-          <a:scrgbClr r="0" g="0" b="0"/>
-        </a:fillRef>
-        <a:effectRef idx="0">
-          <a:scrgbClr r="0" g="0" b="0"/>
-        </a:effectRef>
-        <a:fontRef idx="minor"/>
-      </dsp:style>
-    </dsp:sp>
-    <dsp:sp modelId="{DD97C03C-D29B-4493-B897-8C6764F53098}">
-      <dsp:nvSpPr>
-        <dsp:cNvPr id="0" name=""/>
-        <dsp:cNvSpPr/>
-      </dsp:nvSpPr>
-      <dsp:spPr>
-        <a:xfrm>
-          <a:off x="3960302" y="1047853"/>
-          <a:ext cx="91440" cy="288055"/>
-        </a:xfrm>
-        <a:custGeom>
-          <a:avLst/>
-          <a:gdLst/>
-          <a:ahLst/>
-          <a:cxnLst/>
-          <a:rect l="0" t="0" r="0" b="0"/>
-          <a:pathLst>
-            <a:path>
-              <a:moveTo>
-                <a:pt x="45720" y="0"/>
-              </a:moveTo>
-              <a:lnTo>
-                <a:pt x="45720" y="288055"/>
-              </a:lnTo>
-            </a:path>
-          </a:pathLst>
-        </a:custGeom>
-        <a:noFill/>
-        <a:ln w="19050" cap="rnd" cmpd="sng" algn="ctr">
-          <a:solidFill>
-            <a:schemeClr val="accent1">
-              <a:shade val="60000"/>
-              <a:hueOff val="0"/>
-              <a:satOff val="0"/>
-              <a:lumOff val="0"/>
-              <a:alphaOff val="0"/>
-            </a:schemeClr>
-          </a:solidFill>
-          <a:prstDash val="solid"/>
-        </a:ln>
-        <a:effectLst/>
-      </dsp:spPr>
-      <dsp:style>
-        <a:lnRef idx="2">
-          <a:scrgbClr r="0" g="0" b="0"/>
-        </a:lnRef>
-        <a:fillRef idx="0">
-          <a:scrgbClr r="0" g="0" b="0"/>
-        </a:fillRef>
-        <a:effectRef idx="0">
-          <a:scrgbClr r="0" g="0" b="0"/>
-        </a:effectRef>
-        <a:fontRef idx="minor"/>
-      </dsp:style>
-    </dsp:sp>
-    <dsp:sp modelId="{4FAECBF1-833E-41E7-9C9D-B8B869D1DE5B}">
-      <dsp:nvSpPr>
-        <dsp:cNvPr id="0" name=""/>
-        <dsp:cNvSpPr/>
-      </dsp:nvSpPr>
-      <dsp:spPr>
-        <a:xfrm>
-          <a:off x="2346276" y="1047853"/>
-          <a:ext cx="1659746" cy="288055"/>
-        </a:xfrm>
-        <a:custGeom>
-          <a:avLst/>
-          <a:gdLst/>
-          <a:ahLst/>
-          <a:cxnLst/>
-          <a:rect l="0" t="0" r="0" b="0"/>
-          <a:pathLst>
-            <a:path>
-              <a:moveTo>
-                <a:pt x="1659746" y="0"/>
-              </a:moveTo>
-              <a:lnTo>
-                <a:pt x="1659746" y="144027"/>
-              </a:lnTo>
-              <a:lnTo>
-                <a:pt x="0" y="144027"/>
-              </a:lnTo>
-              <a:lnTo>
-                <a:pt x="0" y="288055"/>
-              </a:lnTo>
-            </a:path>
-          </a:pathLst>
-        </a:custGeom>
-        <a:noFill/>
-        <a:ln w="19050" cap="rnd" cmpd="sng" algn="ctr">
-          <a:solidFill>
-            <a:schemeClr val="accent1">
-              <a:shade val="60000"/>
-              <a:hueOff val="0"/>
-              <a:satOff val="0"/>
-              <a:lumOff val="0"/>
-              <a:alphaOff val="0"/>
-            </a:schemeClr>
-          </a:solidFill>
-          <a:prstDash val="solid"/>
-        </a:ln>
-        <a:effectLst/>
-      </dsp:spPr>
-      <dsp:style>
-        <a:lnRef idx="2">
-          <a:scrgbClr r="0" g="0" b="0"/>
-        </a:lnRef>
-        <a:fillRef idx="0">
-          <a:scrgbClr r="0" g="0" b="0"/>
-        </a:fillRef>
-        <a:effectRef idx="0">
-          <a:scrgbClr r="0" g="0" b="0"/>
-        </a:effectRef>
-        <a:fontRef idx="minor"/>
-      </dsp:style>
-    </dsp:sp>
-    <dsp:sp modelId="{2749D156-817F-43D6-8F48-E27D31154397}">
-      <dsp:nvSpPr>
-        <dsp:cNvPr id="0" name=""/>
-        <dsp:cNvSpPr/>
-      </dsp:nvSpPr>
-      <dsp:spPr>
-        <a:xfrm>
-          <a:off x="686530" y="1047853"/>
-          <a:ext cx="3319492" cy="288055"/>
-        </a:xfrm>
-        <a:custGeom>
-          <a:avLst/>
-          <a:gdLst/>
-          <a:ahLst/>
-          <a:cxnLst/>
-          <a:rect l="0" t="0" r="0" b="0"/>
-          <a:pathLst>
-            <a:path>
-              <a:moveTo>
-                <a:pt x="3319492" y="0"/>
-              </a:moveTo>
-              <a:lnTo>
-                <a:pt x="3319492" y="144027"/>
-              </a:lnTo>
-              <a:lnTo>
-                <a:pt x="0" y="144027"/>
-              </a:lnTo>
-              <a:lnTo>
-                <a:pt x="0" y="288055"/>
-              </a:lnTo>
-            </a:path>
-          </a:pathLst>
-        </a:custGeom>
-        <a:noFill/>
-        <a:ln w="19050" cap="rnd" cmpd="sng" algn="ctr">
-          <a:solidFill>
-            <a:schemeClr val="accent1">
-              <a:shade val="60000"/>
-              <a:hueOff val="0"/>
-              <a:satOff val="0"/>
-              <a:lumOff val="0"/>
-              <a:alphaOff val="0"/>
-            </a:schemeClr>
-          </a:solidFill>
-          <a:prstDash val="solid"/>
-        </a:ln>
-        <a:effectLst/>
-      </dsp:spPr>
-      <dsp:style>
-        <a:lnRef idx="2">
-          <a:scrgbClr r="0" g="0" b="0"/>
-        </a:lnRef>
-        <a:fillRef idx="0">
-          <a:scrgbClr r="0" g="0" b="0"/>
-        </a:fillRef>
-        <a:effectRef idx="0">
-          <a:scrgbClr r="0" g="0" b="0"/>
-        </a:effectRef>
-        <a:fontRef idx="minor"/>
-      </dsp:style>
-    </dsp:sp>
-    <dsp:sp modelId="{A7A6B1F0-A5BB-4FCF-93F5-2573D567D794}">
-      <dsp:nvSpPr>
-        <dsp:cNvPr id="0" name=""/>
-        <dsp:cNvSpPr/>
-      </dsp:nvSpPr>
-      <dsp:spPr>
-        <a:xfrm>
-          <a:off x="3259568" y="362007"/>
-          <a:ext cx="1492907" cy="685845"/>
-        </a:xfrm>
-        <a:prstGeom prst="rect">
-          <a:avLst/>
-        </a:prstGeom>
-        <a:solidFill>
-          <a:schemeClr val="accent1">
-            <a:hueOff val="0"/>
-            <a:satOff val="0"/>
-            <a:lumOff val="0"/>
-            <a:alphaOff val="0"/>
-          </a:schemeClr>
-        </a:solidFill>
-        <a:ln w="19050" cap="rnd" cmpd="sng" algn="ctr">
-          <a:solidFill>
-            <a:schemeClr val="lt1">
-              <a:hueOff val="0"/>
-              <a:satOff val="0"/>
-              <a:lumOff val="0"/>
-              <a:alphaOff val="0"/>
-            </a:schemeClr>
-          </a:solidFill>
-          <a:prstDash val="solid"/>
-        </a:ln>
-        <a:effectLst/>
-      </dsp:spPr>
-      <dsp:style>
-        <a:lnRef idx="2">
-          <a:scrgbClr r="0" g="0" b="0"/>
-        </a:lnRef>
-        <a:fillRef idx="1">
-          <a:scrgbClr r="0" g="0" b="0"/>
-        </a:fillRef>
-        <a:effectRef idx="0">
-          <a:scrgbClr r="0" g="0" b="0"/>
-        </a:effectRef>
-        <a:fontRef idx="minor">
-          <a:schemeClr val="lt1"/>
-        </a:fontRef>
-      </dsp:style>
-      <dsp:txBody>
-        <a:bodyPr spcFirstLastPara="0" vert="horz" wrap="square" lIns="15240" tIns="15240" rIns="15240" bIns="15240" numCol="1" spcCol="1270" anchor="ctr" anchorCtr="0">
-          <a:noAutofit/>
-        </a:bodyPr>
-        <a:lstStyle/>
-        <a:p>
-          <a:pPr lvl="0" algn="ctr" defTabSz="1066800">
-            <a:lnSpc>
-              <a:spcPct val="90000"/>
-            </a:lnSpc>
-            <a:spcBef>
-              <a:spcPct val="0"/>
-            </a:spcBef>
-            <a:spcAft>
-              <a:spcPct val="35000"/>
-            </a:spcAft>
-          </a:pPr>
-          <a:r>
-            <a:rPr lang="en-US" sz="2400" kern="1200" smtClean="0">
-              <a:latin typeface="Arial" panose="020B0604020202020204" pitchFamily="34" charset="0"/>
-              <a:cs typeface="Arial" panose="020B0604020202020204" pitchFamily="34" charset="0"/>
-            </a:rPr>
-            <a:t>Ứng dụng</a:t>
-          </a:r>
-          <a:endParaRPr lang="vi-VN" sz="2400" kern="1200">
-            <a:latin typeface="Arial" panose="020B0604020202020204" pitchFamily="34" charset="0"/>
-            <a:cs typeface="Arial" panose="020B0604020202020204" pitchFamily="34" charset="0"/>
-          </a:endParaRPr>
-        </a:p>
-      </dsp:txBody>
-      <dsp:txXfrm>
-        <a:off x="3259568" y="362007"/>
-        <a:ext cx="1492907" cy="685845"/>
-      </dsp:txXfrm>
-    </dsp:sp>
-    <dsp:sp modelId="{CA3DD0F3-E897-44C1-BFFF-D1020CB4097C}">
-      <dsp:nvSpPr>
-        <dsp:cNvPr id="0" name=""/>
-        <dsp:cNvSpPr/>
-      </dsp:nvSpPr>
-      <dsp:spPr>
-        <a:xfrm>
-          <a:off x="684" y="1335908"/>
-          <a:ext cx="1371691" cy="685845"/>
-        </a:xfrm>
-        <a:prstGeom prst="rect">
-          <a:avLst/>
-        </a:prstGeom>
-        <a:solidFill>
-          <a:schemeClr val="accent1">
-            <a:hueOff val="0"/>
-            <a:satOff val="0"/>
-            <a:lumOff val="0"/>
-            <a:alphaOff val="0"/>
-          </a:schemeClr>
-        </a:solidFill>
-        <a:ln w="19050" cap="rnd" cmpd="sng" algn="ctr">
-          <a:solidFill>
-            <a:schemeClr val="lt1">
-              <a:hueOff val="0"/>
-              <a:satOff val="0"/>
-              <a:lumOff val="0"/>
-              <a:alphaOff val="0"/>
-            </a:schemeClr>
-          </a:solidFill>
-          <a:prstDash val="solid"/>
-        </a:ln>
-        <a:effectLst/>
-      </dsp:spPr>
-      <dsp:style>
-        <a:lnRef idx="2">
-          <a:scrgbClr r="0" g="0" b="0"/>
-        </a:lnRef>
-        <a:fillRef idx="1">
-          <a:scrgbClr r="0" g="0" b="0"/>
-        </a:fillRef>
-        <a:effectRef idx="0">
-          <a:scrgbClr r="0" g="0" b="0"/>
-        </a:effectRef>
-        <a:fontRef idx="minor">
-          <a:schemeClr val="lt1"/>
-        </a:fontRef>
-      </dsp:style>
-      <dsp:txBody>
-        <a:bodyPr spcFirstLastPara="0" vert="horz" wrap="square" lIns="15240" tIns="15240" rIns="15240" bIns="15240" numCol="1" spcCol="1270" anchor="ctr" anchorCtr="0">
-          <a:noAutofit/>
-        </a:bodyPr>
-        <a:lstStyle/>
-        <a:p>
-          <a:pPr lvl="0" algn="ctr" defTabSz="1066800">
-            <a:lnSpc>
-              <a:spcPct val="90000"/>
-            </a:lnSpc>
-            <a:spcBef>
-              <a:spcPct val="0"/>
-            </a:spcBef>
-            <a:spcAft>
-              <a:spcPct val="35000"/>
-            </a:spcAft>
-          </a:pPr>
-          <a:r>
-            <a:rPr lang="en-US" sz="2400" kern="1200" smtClean="0">
-              <a:latin typeface="Arial" panose="020B0604020202020204" pitchFamily="34" charset="0"/>
-              <a:cs typeface="Arial" panose="020B0604020202020204" pitchFamily="34" charset="0"/>
-            </a:rPr>
-            <a:t>Đọc tin</a:t>
-          </a:r>
-          <a:endParaRPr lang="vi-VN" sz="2400" kern="1200">
-            <a:latin typeface="Arial" panose="020B0604020202020204" pitchFamily="34" charset="0"/>
-            <a:cs typeface="Arial" panose="020B0604020202020204" pitchFamily="34" charset="0"/>
-          </a:endParaRPr>
-        </a:p>
-      </dsp:txBody>
-      <dsp:txXfrm>
-        <a:off x="684" y="1335908"/>
-        <a:ext cx="1371691" cy="685845"/>
-      </dsp:txXfrm>
-    </dsp:sp>
-    <dsp:sp modelId="{6E924462-83CB-4089-B6F1-A8562B3F2D5C}">
-      <dsp:nvSpPr>
-        <dsp:cNvPr id="0" name=""/>
-        <dsp:cNvSpPr/>
-      </dsp:nvSpPr>
-      <dsp:spPr>
-        <a:xfrm>
-          <a:off x="1660430" y="1335908"/>
-          <a:ext cx="1371691" cy="685845"/>
-        </a:xfrm>
-        <a:prstGeom prst="rect">
-          <a:avLst/>
-        </a:prstGeom>
-        <a:solidFill>
-          <a:schemeClr val="accent1">
-            <a:hueOff val="0"/>
-            <a:satOff val="0"/>
-            <a:lumOff val="0"/>
-            <a:alphaOff val="0"/>
-          </a:schemeClr>
-        </a:solidFill>
-        <a:ln w="19050" cap="rnd" cmpd="sng" algn="ctr">
-          <a:solidFill>
-            <a:schemeClr val="lt1">
-              <a:hueOff val="0"/>
-              <a:satOff val="0"/>
-              <a:lumOff val="0"/>
-              <a:alphaOff val="0"/>
-            </a:schemeClr>
-          </a:solidFill>
-          <a:prstDash val="solid"/>
-        </a:ln>
-        <a:effectLst/>
-      </dsp:spPr>
-      <dsp:style>
-        <a:lnRef idx="2">
-          <a:scrgbClr r="0" g="0" b="0"/>
-        </a:lnRef>
-        <a:fillRef idx="1">
-          <a:scrgbClr r="0" g="0" b="0"/>
-        </a:fillRef>
-        <a:effectRef idx="0">
-          <a:scrgbClr r="0" g="0" b="0"/>
-        </a:effectRef>
-        <a:fontRef idx="minor">
-          <a:schemeClr val="lt1"/>
-        </a:fontRef>
-      </dsp:style>
-      <dsp:txBody>
-        <a:bodyPr spcFirstLastPara="0" vert="horz" wrap="square" lIns="15240" tIns="15240" rIns="15240" bIns="15240" numCol="1" spcCol="1270" anchor="ctr" anchorCtr="0">
-          <a:noAutofit/>
-        </a:bodyPr>
-        <a:lstStyle/>
-        <a:p>
-          <a:pPr lvl="0" algn="ctr" defTabSz="1066800">
-            <a:lnSpc>
-              <a:spcPct val="90000"/>
-            </a:lnSpc>
-            <a:spcBef>
-              <a:spcPct val="0"/>
-            </a:spcBef>
-            <a:spcAft>
-              <a:spcPct val="35000"/>
-            </a:spcAft>
-          </a:pPr>
-          <a:r>
-            <a:rPr lang="en-US" sz="2400" kern="1200" smtClean="0">
-              <a:latin typeface="Arial" panose="020B0604020202020204" pitchFamily="34" charset="0"/>
-              <a:cs typeface="Arial" panose="020B0604020202020204" pitchFamily="34" charset="0"/>
-            </a:rPr>
-            <a:t>Lưu tin</a:t>
-          </a:r>
-          <a:endParaRPr lang="vi-VN" sz="2400" kern="1200">
-            <a:latin typeface="Arial" panose="020B0604020202020204" pitchFamily="34" charset="0"/>
-            <a:cs typeface="Arial" panose="020B0604020202020204" pitchFamily="34" charset="0"/>
-          </a:endParaRPr>
-        </a:p>
-      </dsp:txBody>
-      <dsp:txXfrm>
-        <a:off x="1660430" y="1335908"/>
-        <a:ext cx="1371691" cy="685845"/>
-      </dsp:txXfrm>
-    </dsp:sp>
-    <dsp:sp modelId="{CDB5E7DB-BD83-42AA-9D77-07256A9906C8}">
-      <dsp:nvSpPr>
-        <dsp:cNvPr id="0" name=""/>
-        <dsp:cNvSpPr/>
-      </dsp:nvSpPr>
-      <dsp:spPr>
-        <a:xfrm>
-          <a:off x="3320176" y="1335908"/>
-          <a:ext cx="1371691" cy="685845"/>
-        </a:xfrm>
-        <a:prstGeom prst="rect">
-          <a:avLst/>
-        </a:prstGeom>
-        <a:solidFill>
-          <a:schemeClr val="accent1">
-            <a:hueOff val="0"/>
-            <a:satOff val="0"/>
-            <a:lumOff val="0"/>
-            <a:alphaOff val="0"/>
-          </a:schemeClr>
-        </a:solidFill>
-        <a:ln w="19050" cap="rnd" cmpd="sng" algn="ctr">
-          <a:solidFill>
-            <a:schemeClr val="lt1">
-              <a:hueOff val="0"/>
-              <a:satOff val="0"/>
-              <a:lumOff val="0"/>
-              <a:alphaOff val="0"/>
-            </a:schemeClr>
-          </a:solidFill>
-          <a:prstDash val="solid"/>
-        </a:ln>
-        <a:effectLst/>
-      </dsp:spPr>
-      <dsp:style>
-        <a:lnRef idx="2">
-          <a:scrgbClr r="0" g="0" b="0"/>
-        </a:lnRef>
-        <a:fillRef idx="1">
-          <a:scrgbClr r="0" g="0" b="0"/>
-        </a:fillRef>
-        <a:effectRef idx="0">
-          <a:scrgbClr r="0" g="0" b="0"/>
-        </a:effectRef>
-        <a:fontRef idx="minor">
-          <a:schemeClr val="lt1"/>
-        </a:fontRef>
-      </dsp:style>
-      <dsp:txBody>
-        <a:bodyPr spcFirstLastPara="0" vert="horz" wrap="square" lIns="15240" tIns="15240" rIns="15240" bIns="15240" numCol="1" spcCol="1270" anchor="ctr" anchorCtr="0">
-          <a:noAutofit/>
-        </a:bodyPr>
-        <a:lstStyle/>
-        <a:p>
-          <a:pPr lvl="0" algn="ctr" defTabSz="1066800">
-            <a:lnSpc>
-              <a:spcPct val="90000"/>
-            </a:lnSpc>
-            <a:spcBef>
-              <a:spcPct val="0"/>
-            </a:spcBef>
-            <a:spcAft>
-              <a:spcPct val="35000"/>
-            </a:spcAft>
-          </a:pPr>
-          <a:r>
-            <a:rPr lang="en-US" sz="2400" kern="1200" smtClean="0">
-              <a:latin typeface="Arial" panose="020B0604020202020204" pitchFamily="34" charset="0"/>
-              <a:cs typeface="Arial" panose="020B0604020202020204" pitchFamily="34" charset="0"/>
-            </a:rPr>
-            <a:t>Chia sẻ</a:t>
-          </a:r>
-          <a:endParaRPr lang="vi-VN" sz="2400" kern="1200">
-            <a:latin typeface="Arial" panose="020B0604020202020204" pitchFamily="34" charset="0"/>
-            <a:cs typeface="Arial" panose="020B0604020202020204" pitchFamily="34" charset="0"/>
-          </a:endParaRPr>
-        </a:p>
-      </dsp:txBody>
-      <dsp:txXfrm>
-        <a:off x="3320176" y="1335908"/>
-        <a:ext cx="1371691" cy="685845"/>
-      </dsp:txXfrm>
-    </dsp:sp>
-    <dsp:sp modelId="{125F8E61-F81D-4017-9F72-595A8946962C}">
-      <dsp:nvSpPr>
-        <dsp:cNvPr id="0" name=""/>
-        <dsp:cNvSpPr/>
-      </dsp:nvSpPr>
-      <dsp:spPr>
-        <a:xfrm>
-          <a:off x="4979923" y="1335908"/>
-          <a:ext cx="1371691" cy="685845"/>
-        </a:xfrm>
-        <a:prstGeom prst="rect">
-          <a:avLst/>
-        </a:prstGeom>
-        <a:solidFill>
-          <a:schemeClr val="accent1">
-            <a:hueOff val="0"/>
-            <a:satOff val="0"/>
-            <a:lumOff val="0"/>
-            <a:alphaOff val="0"/>
-          </a:schemeClr>
-        </a:solidFill>
-        <a:ln w="19050" cap="rnd" cmpd="sng" algn="ctr">
-          <a:solidFill>
-            <a:schemeClr val="lt1">
-              <a:hueOff val="0"/>
-              <a:satOff val="0"/>
-              <a:lumOff val="0"/>
-              <a:alphaOff val="0"/>
-            </a:schemeClr>
-          </a:solidFill>
-          <a:prstDash val="solid"/>
-        </a:ln>
-        <a:effectLst/>
-      </dsp:spPr>
-      <dsp:style>
-        <a:lnRef idx="2">
-          <a:scrgbClr r="0" g="0" b="0"/>
-        </a:lnRef>
-        <a:fillRef idx="1">
-          <a:scrgbClr r="0" g="0" b="0"/>
-        </a:fillRef>
-        <a:effectRef idx="0">
-          <a:scrgbClr r="0" g="0" b="0"/>
-        </a:effectRef>
-        <a:fontRef idx="minor">
-          <a:schemeClr val="lt1"/>
-        </a:fontRef>
-      </dsp:style>
-      <dsp:txBody>
-        <a:bodyPr spcFirstLastPara="0" vert="horz" wrap="square" lIns="15240" tIns="15240" rIns="15240" bIns="15240" numCol="1" spcCol="1270" anchor="ctr" anchorCtr="0">
-          <a:noAutofit/>
-        </a:bodyPr>
-        <a:lstStyle/>
-        <a:p>
-          <a:pPr lvl="0" algn="ctr" defTabSz="1066800">
-            <a:lnSpc>
-              <a:spcPct val="90000"/>
-            </a:lnSpc>
-            <a:spcBef>
-              <a:spcPct val="0"/>
-            </a:spcBef>
-            <a:spcAft>
-              <a:spcPct val="35000"/>
-            </a:spcAft>
-          </a:pPr>
-          <a:r>
-            <a:rPr lang="en-US" sz="2400" kern="1200" smtClean="0">
-              <a:latin typeface="Arial" panose="020B0604020202020204" pitchFamily="34" charset="0"/>
-              <a:cs typeface="Arial" panose="020B0604020202020204" pitchFamily="34" charset="0"/>
-            </a:rPr>
-            <a:t>Đánh giá</a:t>
-          </a:r>
-          <a:endParaRPr lang="vi-VN" sz="2400" kern="1200">
-            <a:latin typeface="Arial" panose="020B0604020202020204" pitchFamily="34" charset="0"/>
-            <a:cs typeface="Arial" panose="020B0604020202020204" pitchFamily="34" charset="0"/>
-          </a:endParaRPr>
-        </a:p>
-      </dsp:txBody>
-      <dsp:txXfrm>
-        <a:off x="4979923" y="1335908"/>
-        <a:ext cx="1371691" cy="685845"/>
-      </dsp:txXfrm>
-    </dsp:sp>
-    <dsp:sp modelId="{6C38A81C-FB08-4BA8-B38E-CD0770D08F46}">
-      <dsp:nvSpPr>
-        <dsp:cNvPr id="0" name=""/>
-        <dsp:cNvSpPr/>
-      </dsp:nvSpPr>
-      <dsp:spPr>
-        <a:xfrm>
-          <a:off x="6639669" y="1335908"/>
-          <a:ext cx="1371691" cy="685845"/>
-        </a:xfrm>
-        <a:prstGeom prst="rect">
-          <a:avLst/>
-        </a:prstGeom>
-        <a:solidFill>
-          <a:schemeClr val="accent1">
-            <a:hueOff val="0"/>
-            <a:satOff val="0"/>
-            <a:lumOff val="0"/>
-            <a:alphaOff val="0"/>
-          </a:schemeClr>
-        </a:solidFill>
-        <a:ln w="19050" cap="rnd" cmpd="sng" algn="ctr">
-          <a:solidFill>
-            <a:schemeClr val="lt1">
-              <a:hueOff val="0"/>
-              <a:satOff val="0"/>
-              <a:lumOff val="0"/>
-              <a:alphaOff val="0"/>
-            </a:schemeClr>
-          </a:solidFill>
-          <a:prstDash val="solid"/>
-        </a:ln>
-        <a:effectLst/>
-      </dsp:spPr>
-      <dsp:style>
-        <a:lnRef idx="2">
-          <a:scrgbClr r="0" g="0" b="0"/>
-        </a:lnRef>
-        <a:fillRef idx="1">
-          <a:scrgbClr r="0" g="0" b="0"/>
-        </a:fillRef>
-        <a:effectRef idx="0">
-          <a:scrgbClr r="0" g="0" b="0"/>
-        </a:effectRef>
-        <a:fontRef idx="minor">
-          <a:schemeClr val="lt1"/>
-        </a:fontRef>
-      </dsp:style>
-      <dsp:txBody>
-        <a:bodyPr spcFirstLastPara="0" vert="horz" wrap="square" lIns="15240" tIns="15240" rIns="15240" bIns="15240" numCol="1" spcCol="1270" anchor="ctr" anchorCtr="0">
-          <a:noAutofit/>
-        </a:bodyPr>
-        <a:lstStyle/>
-        <a:p>
-          <a:pPr lvl="0" algn="ctr" defTabSz="1066800">
-            <a:lnSpc>
-              <a:spcPct val="90000"/>
-            </a:lnSpc>
-            <a:spcBef>
-              <a:spcPct val="0"/>
-            </a:spcBef>
-            <a:spcAft>
-              <a:spcPct val="35000"/>
-            </a:spcAft>
-          </a:pPr>
-          <a:r>
-            <a:rPr lang="en-US" sz="2400" kern="1200" smtClean="0">
-              <a:latin typeface="Arial" panose="020B0604020202020204" pitchFamily="34" charset="0"/>
-              <a:cs typeface="Arial" panose="020B0604020202020204" pitchFamily="34" charset="0"/>
-            </a:rPr>
-            <a:t>Góp ý</a:t>
-          </a:r>
-          <a:endParaRPr lang="vi-VN" sz="2400" kern="1200">
-            <a:latin typeface="Arial" panose="020B0604020202020204" pitchFamily="34" charset="0"/>
-            <a:cs typeface="Arial" panose="020B0604020202020204" pitchFamily="34" charset="0"/>
-          </a:endParaRPr>
-        </a:p>
-      </dsp:txBody>
-      <dsp:txXfrm>
-        <a:off x="6639669" y="1335908"/>
-        <a:ext cx="1371691" cy="685845"/>
-      </dsp:txXfrm>
-    </dsp:sp>
-  </dsp:spTree>
-</dsp:drawing>
-</file>
-
-<file path=ppt/diagrams/layout1.xml><?xml version="1.0" encoding="utf-8"?>
-<dgm:layoutDef xmlns:dgm="http://schemas.openxmlformats.org/drawingml/2006/diagram" xmlns:a="http://schemas.openxmlformats.org/drawingml/2006/main" uniqueId="urn:microsoft.com/office/officeart/2005/8/layout/orgChart1">
-  <dgm:title val=""/>
-  <dgm:desc val=""/>
-  <dgm:catLst>
-    <dgm:cat type="hierarchy" pri="1000"/>
-    <dgm:cat type="convert" pri="6000"/>
-  </dgm:catLst>
-  <dgm:sampData>
-    <dgm:dataModel>
-      <dgm:ptLst>
-        <dgm:pt modelId="0" type="doc"/>
-        <dgm:pt modelId="1">
-          <dgm:prSet phldr="1"/>
-        </dgm:pt>
-        <dgm:pt modelId="2" type="asst">
-          <dgm:prSet phldr="1"/>
-        </dgm:pt>
-        <dgm:pt modelId="3">
-          <dgm:prSet phldr="1"/>
-        </dgm:pt>
-        <dgm:pt modelId="4">
-          <dgm:prSet phldr="1"/>
-        </dgm:pt>
-        <dgm:pt modelId="5">
-          <dgm:prSet phldr="1"/>
-        </dgm:pt>
-      </dgm:ptLst>
-      <dgm:cxnLst>
-        <dgm:cxn modelId="5" srcId="0" destId="1" srcOrd="0" destOrd="0"/>
-        <dgm:cxn modelId="6" srcId="1" destId="2" srcOrd="0" destOrd="0"/>
-        <dgm:cxn modelId="7" srcId="1" destId="3" srcOrd="1" destOrd="0"/>
-        <dgm:cxn modelId="8" srcId="1" destId="4" srcOrd="2" destOrd="0"/>
-        <dgm:cxn modelId="9" srcId="1" destId="5" srcOrd="3" destOrd="0"/>
-      </dgm:cxnLst>
-      <dgm:bg/>
-      <dgm:whole/>
-    </dgm:dataModel>
-  </dgm:sampData>
-  <dgm:styleData>
-    <dgm:dataModel>
-      <dgm:ptLst>
-        <dgm:pt modelId="0" type="doc"/>
-        <dgm:pt modelId="1"/>
-        <dgm:pt modelId="12"/>
-        <dgm:pt modelId="13"/>
-      </dgm:ptLst>
-      <dgm:cxnLst>
-        <dgm:cxn modelId="2" srcId="0" destId="1" srcOrd="0" destOrd="0"/>
-        <dgm:cxn modelId="16" srcId="1" destId="12" srcOrd="1" destOrd="0"/>
-        <dgm:cxn modelId="17" srcId="1" destId="13" srcOrd="2" destOrd="0"/>
-      </dgm:cxnLst>
-      <dgm:bg/>
-      <dgm:whole/>
-    </dgm:dataModel>
-  </dgm:styleData>
-  <dgm:clrData>
-    <dgm:dataModel>
-      <dgm:ptLst>
-        <dgm:pt modelId="0" type="doc"/>
-        <dgm:pt modelId="1"/>
-        <dgm:pt modelId="11" type="asst"/>
-        <dgm:pt modelId="12"/>
-        <dgm:pt modelId="13"/>
-        <dgm:pt modelId="14"/>
-      </dgm:ptLst>
-      <dgm:cxnLst>
-        <dgm:cxn modelId="2" srcId="0" destId="1" srcOrd="0" destOrd="0"/>
-        <dgm:cxn modelId="15" srcId="1" destId="11" srcOrd="0" destOrd="0"/>
-        <dgm:cxn modelId="16" srcId="1" destId="12" srcOrd="1" destOrd="0"/>
-        <dgm:cxn modelId="17" srcId="1" destId="13" srcOrd="2" destOrd="0"/>
-        <dgm:cxn modelId="18" srcId="1" destId="14" srcOrd="2" destOrd="0"/>
-      </dgm:cxnLst>
-      <dgm:bg/>
-      <dgm:whole/>
-    </dgm:dataModel>
-  </dgm:clrData>
-  <dgm:layoutNode name="hierChild1">
-    <dgm:varLst>
-      <dgm:orgChart val="1"/>
-      <dgm:chPref val="1"/>
-      <dgm:dir/>
-      <dgm:animOne val="branch"/>
-      <dgm:animLvl val="lvl"/>
-      <dgm:resizeHandles/>
-    </dgm:varLst>
-    <dgm:choose name="Name0">
-      <dgm:if name="Name1" func="var" arg="dir" op="equ" val="norm">
-        <dgm:alg type="hierChild">
-          <dgm:param type="linDir" val="fromL"/>
-        </dgm:alg>
-      </dgm:if>
-      <dgm:else name="Name2">
-        <dgm:alg type="hierChild">
-          <dgm:param type="linDir" val="fromR"/>
-        </dgm:alg>
-      </dgm:else>
-    </dgm:choose>
-    <dgm:shape xmlns:r="http://schemas.openxmlformats.org/officeDocument/2006/relationships" r:blip="">
-      <dgm:adjLst/>
-    </dgm:shape>
-    <dgm:presOf/>
-    <dgm:constrLst>
-      <dgm:constr type="w" for="des" forName="rootComposite1" refType="w" fact="10"/>
-      <dgm:constr type="h" for="des" forName="rootComposite1" refType="w" refFor="des" refForName="rootComposite1" fact="0.5"/>
-      <dgm:constr type="w" for="des" forName="rootComposite" refType="w" fact="10"/>
-      <dgm:constr type="h" for="des" forName="rootComposite" refType="w" refFor="des" refForName="rootComposite1" fact="0.5"/>
-      <dgm:constr type="w" for="des" forName="rootComposite3" refType="w" fact="10"/>
-      <dgm:constr type="h" for="des" forName="rootComposite3" refType="w" refFor="des" refForName="rootComposite1" fact="0.5"/>
-      <dgm:constr type="primFontSz" for="des" ptType="node" op="equ"/>
-      <dgm:constr type="sp" for="des" op="equ"/>
-      <dgm:constr type="sp" for="des" forName="hierRoot1" refType="w" refFor="des" refForName="rootComposite1" fact="0.21"/>
-      <dgm:constr type="sp" for="des" forName="hierRoot2" refType="sp" refFor="des" refForName="hierRoot1"/>
-      <dgm:constr type="sp" for="des" forName="hierRoot3" refType="sp" refFor="des" refForName="hierRoot1"/>
-      <dgm:constr type="sibSp" refType="w" refFor="des" refForName="rootComposite1" fact="0.21"/>
-      <dgm:constr type="sibSp" for="des" forName="hierChild2" refType="sibSp"/>
-      <dgm:constr type="sibSp" for="des" forName="hierChild3" refType="sibSp"/>
-      <dgm:constr type="sibSp" for="des" forName="hierChild4" refType="sibSp"/>
-      <dgm:constr type="sibSp" for="des" forName="hierChild5" refType="sibSp"/>
-      <dgm:constr type="sibSp" for="des" forName="hierChild6" refType="sibSp"/>
-      <dgm:constr type="sibSp" for="des" forName="hierChild7" refType="sibSp"/>
-      <dgm:constr type="secSibSp" refType="w" refFor="des" refForName="rootComposite1" fact="0.21"/>
-      <dgm:constr type="secSibSp" for="des" forName="hierChild2" refType="secSibSp"/>
-      <dgm:constr type="secSibSp" for="des" forName="hierChild3" refType="secSibSp"/>
-      <dgm:constr type="secSibSp" for="des" forName="hierChild4" refType="secSibSp"/>
-      <dgm:constr type="secSibSp" for="des" forName="hierChild5" refType="secSibSp"/>
-      <dgm:constr type="secSibSp" for="des" forName="hierChild6" refType="secSibSp"/>
-      <dgm:constr type="secSibSp" for="des" forName="hierChild7" refType="secSibSp"/>
-    </dgm:constrLst>
-    <dgm:ruleLst/>
-    <dgm:forEach name="Name3" axis="ch">
-      <dgm:forEach name="Name4" axis="self" ptType="node">
-        <dgm:layoutNode name="hierRoot1">
-          <dgm:varLst>
-            <dgm:hierBranch val="init"/>
-          </dgm:varLst>
-          <dgm:choose name="Name5">
-            <dgm:if name="Name6" func="var" arg="hierBranch" op="equ" val="l">
-              <dgm:choose name="Name7">
-                <dgm:if name="Name8" axis="ch" ptType="asst" func="cnt" op="gte" val="1">
-                  <dgm:alg type="hierRoot">
-                    <dgm:param type="hierAlign" val="tR"/>
-                  </dgm:alg>
-                  <dgm:constrLst>
-                    <dgm:constr type="alignOff" val="0.65"/>
-                  </dgm:constrLst>
-                </dgm:if>
-                <dgm:else name="Name9">
-                  <dgm:alg type="hierRoot">
-                    <dgm:param type="hierAlign" val="tR"/>
-                  </dgm:alg>
-                  <dgm:constrLst>
-                    <dgm:constr type="alignOff" val="0.25"/>
-                  </dgm:constrLst>
-                </dgm:else>
-              </dgm:choose>
-            </dgm:if>
-            <dgm:if name="Name10" func="var" arg="hierBranch" op="equ" val="r">
-              <dgm:choose name="Name11">
-                <dgm:if name="Name12" axis="ch" ptType="asst" func="cnt" op="gte" val="1">
-                  <dgm:alg type="hierRoot">
-                    <dgm:param type="hierAlign" val="tL"/>
-                  </dgm:alg>
-                  <dgm:constrLst>
-                    <dgm:constr type="alignOff" val="0.65"/>
-                  </dgm:constrLst>
-                </dgm:if>
-                <dgm:else name="Name13">
-                  <dgm:alg type="hierRoot">
-                    <dgm:param type="hierAlign" val="tL"/>
-                  </dgm:alg>
-                  <dgm:constrLst>
-                    <dgm:constr type="alignOff" val="0.25"/>
-                  </dgm:constrLst>
-                </dgm:else>
-              </dgm:choose>
-            </dgm:if>
-            <dgm:if name="Name14" func="var" arg="hierBranch" op="equ" val="hang">
-              <dgm:alg type="hierRoot"/>
-              <dgm:constrLst>
-                <dgm:constr type="alignOff" val="0.65"/>
-              </dgm:constrLst>
-            </dgm:if>
-            <dgm:else name="Name15">
-              <dgm:alg type="hierRoot"/>
-              <dgm:constrLst>
-                <dgm:constr type="alignOff"/>
-                <dgm:constr type="bendDist" for="des" ptType="parTrans" refType="sp" fact="0.5"/>
-              </dgm:constrLst>
-            </dgm:else>
-          </dgm:choose>
-          <dgm:shape xmlns:r="http://schemas.openxmlformats.org/officeDocument/2006/relationships" r:blip="">
-            <dgm:adjLst/>
-          </dgm:shape>
-          <dgm:presOf/>
-          <dgm:ruleLst/>
-          <dgm:layoutNode name="rootComposite1">
-            <dgm:alg type="composite"/>
-            <dgm:shape xmlns:r="http://schemas.openxmlformats.org/officeDocument/2006/relationships" r:blip="">
-              <dgm:adjLst/>
-            </dgm:shape>
-            <dgm:presOf axis="self" ptType="node" cnt="1"/>
-            <dgm:choose name="Name16">
-              <dgm:if name="Name17" func="var" arg="hierBranch" op="equ" val="init">
-                <dgm:constrLst>
-                  <dgm:constr type="l" for="ch" forName="rootText1"/>
-                  <dgm:constr type="t" for="ch" forName="rootText1"/>
-                  <dgm:constr type="w" for="ch" forName="rootText1" refType="w"/>
-                  <dgm:constr type="h" for="ch" forName="rootText1" refType="h"/>
-                  <dgm:constr type="l" for="ch" forName="rootConnector1"/>
-                  <dgm:constr type="t" for="ch" forName="rootConnector1"/>
-                  <dgm:constr type="w" for="ch" forName="rootConnector1" refType="w" refFor="ch" refForName="rootText1" fact="0.2"/>
-                  <dgm:constr type="h" for="ch" forName="rootConnector1" refType="h" refFor="ch" refForName="rootText1"/>
-                </dgm:constrLst>
-              </dgm:if>
-              <dgm:if name="Name18" func="var" arg="hierBranch" op="equ" val="l">
-                <dgm:constrLst>
-                  <dgm:constr type="l" for="ch" forName="rootText1"/>
-                  <dgm:constr type="t" for="ch" forName="rootText1"/>
-                  <dgm:constr type="w" for="ch" forName="rootText1" refType="w"/>
-                  <dgm:constr type="h" for="ch" forName="rootText1" refType="h"/>
-                  <dgm:constr type="r" for="ch" forName="rootConnector1" refType="w"/>
-                  <dgm:constr type="t" for="ch" forName="rootConnector1"/>
-                  <dgm:constr type="w" for="ch" forName="rootConnector1" refType="w" refFor="ch" refForName="rootText1" fact="0.2"/>
-                  <dgm:constr type="h" for="ch" forName="rootConnector1" refType="h" refFor="ch" refForName="rootText1"/>
-                </dgm:constrLst>
-              </dgm:if>
-              <dgm:if name="Name19" func="var" arg="hierBranch" op="equ" val="r">
-                <dgm:constrLst>
-                  <dgm:constr type="l" for="ch" forName="rootText1"/>
-                  <dgm:constr type="t" for="ch" forName="rootText1"/>
-                  <dgm:constr type="w" for="ch" forName="rootText1" refType="w"/>
-                  <dgm:constr type="h" for="ch" forName="rootText1" refType="h"/>
-                  <dgm:constr type="l" for="ch" forName="rootConnector1"/>
-                  <dgm:constr type="t" for="ch" forName="rootConnector1"/>
-                  <dgm:constr type="w" for="ch" forName="rootConnector1" refType="w" refFor="ch" refForName="rootText1" fact="0.2"/>
-                  <dgm:constr type="h" for="ch" forName="rootConnector1" refType="h" refFor="ch" refForName="rootText1"/>
-                </dgm:constrLst>
-              </dgm:if>
-              <dgm:else name="Name20">
-                <dgm:constrLst>
-                  <dgm:constr type="l" for="ch" forName="rootText1"/>
-                  <dgm:constr type="t" for="ch" forName="rootText1"/>
-                  <dgm:constr type="w" for="ch" forName="rootText1" refType="w"/>
-                  <dgm:constr type="h" for="ch" forName="rootText1" refType="h"/>
-                  <dgm:constr type="r" for="ch" forName="rootConnector1" refType="w"/>
-                  <dgm:constr type="t" for="ch" forName="rootConnector1"/>
-                  <dgm:constr type="w" for="ch" forName="rootConnector1" refType="w" refFor="ch" refForName="rootText1" fact="0.2"/>
-                  <dgm:constr type="h" for="ch" forName="rootConnector1" refType="h" refFor="ch" refForName="rootText1"/>
-                </dgm:constrLst>
-              </dgm:else>
-            </dgm:choose>
-            <dgm:ruleLst/>
-            <dgm:layoutNode name="rootText1" styleLbl="node0">
-              <dgm:varLst>
-                <dgm:chPref val="3"/>
-              </dgm:varLst>
-              <dgm:alg type="tx"/>
-              <dgm:shape xmlns:r="http://schemas.openxmlformats.org/officeDocument/2006/relationships" type="rect" r:blip="">
-                <dgm:adjLst/>
-              </dgm:shape>
-              <dgm:presOf axis="self" ptType="node" cnt="1"/>
-              <dgm:constrLst>
-                <dgm:constr type="primFontSz" val="65"/>
-                <dgm:constr type="lMarg" refType="primFontSz" fact="0.05"/>
-                <dgm:constr type="rMarg" refType="primFontSz" fact="0.05"/>
-                <dgm:constr type="tMarg" refType="primFontSz" fact="0.05"/>
-                <dgm:constr type="bMarg" refType="primFontSz" fact="0.05"/>
-              </dgm:constrLst>
-              <dgm:ruleLst>
-                <dgm:rule type="primFontSz" val="5" fact="NaN" max="NaN"/>
-              </dgm:ruleLst>
-            </dgm:layoutNode>
-            <dgm:layoutNode name="rootConnector1" moveWith="rootText1">
-              <dgm:alg type="sp"/>
-              <dgm:shape xmlns:r="http://schemas.openxmlformats.org/officeDocument/2006/relationships" type="rect" r:blip="" hideGeom="1">
-                <dgm:adjLst/>
-              </dgm:shape>
-              <dgm:presOf axis="self" ptType="node" cnt="1"/>
-              <dgm:constrLst/>
-              <dgm:ruleLst/>
-            </dgm:layoutNode>
-          </dgm:layoutNode>
-          <dgm:layoutNode name="hierChild2">
-            <dgm:choose name="Name21">
-              <dgm:if name="Name22" func="var" arg="hierBranch" op="equ" val="l">
-                <dgm:alg type="hierChild">
-                  <dgm:param type="chAlign" val="r"/>
-                  <dgm:param type="linDir" val="fromT"/>
-                </dgm:alg>
-              </dgm:if>
-              <dgm:if name="Name23" func="var" arg="hierBranch" op="equ" val="r">
-                <dgm:alg type="hierChild">
-                  <dgm:param type="chAlign" val="l"/>
-                  <dgm:param type="linDir" val="fromT"/>
-                </dgm:alg>
-              </dgm:if>
-              <dgm:if name="Name24" func="var" arg="hierBranch" op="equ" val="hang">
-                <dgm:choose name="Name25">
-                  <dgm:if name="Name26" func="var" arg="dir" op="equ" val="norm">
-                    <dgm:alg type="hierChild">
-                      <dgm:param type="chAlign" val="l"/>
-                      <dgm:param type="linDir" val="fromL"/>
-                      <dgm:param type="secChAlign" val="t"/>
-                      <dgm:param type="secLinDir" val="fromT"/>
-                    </dgm:alg>
-                  </dgm:if>
-                  <dgm:else name="Name27">
-                    <dgm:alg type="hierChild">
-                      <dgm:param type="chAlign" val="l"/>
-                      <dgm:param type="linDir" val="fromR"/>
-                      <dgm:param type="secChAlign" val="t"/>
-                      <dgm:param type="secLinDir" val="fromT"/>
-                    </dgm:alg>
-                  </dgm:else>
-                </dgm:choose>
-              </dgm:if>
-              <dgm:else name="Name28">
-                <dgm:choose name="Name29">
-                  <dgm:if name="Name30" func="var" arg="dir" op="equ" val="norm">
-                    <dgm:alg type="hierChild"/>
-                  </dgm:if>
-                  <dgm:else name="Name31">
-                    <dgm:alg type="hierChild">
-                      <dgm:param type="linDir" val="fromR"/>
-                    </dgm:alg>
-                  </dgm:else>
-                </dgm:choose>
-              </dgm:else>
-            </dgm:choose>
-            <dgm:shape xmlns:r="http://schemas.openxmlformats.org/officeDocument/2006/relationships" r:blip="">
-              <dgm:adjLst/>
-            </dgm:shape>
-            <dgm:presOf/>
-            <dgm:constrLst/>
-            <dgm:ruleLst/>
-            <dgm:forEach name="rep2a" axis="ch" ptType="nonAsst">
-              <dgm:forEach name="Name32" axis="precedSib" ptType="parTrans" st="-1" cnt="1">
-                <dgm:choose name="Name33">
-                  <dgm:if name="Name34" func="var" arg="hierBranch" op="equ" val="std">
-                    <dgm:layoutNode name="Name35">
-                      <dgm:alg type="conn">
-                        <dgm:param type="connRout" val="bend"/>
-                        <dgm:param type="dim" val="1D"/>
-                        <dgm:param type="endSty" val="noArr"/>
-                        <dgm:param type="begPts" val="bCtr"/>
-                        <dgm:param type="endPts" val="tCtr"/>
-                        <dgm:param type="bendPt" val="end"/>
-                      </dgm:alg>
-                      <dgm:shape xmlns:r="http://schemas.openxmlformats.org/officeDocument/2006/relationships" type="conn" r:blip="" zOrderOff="-99999">
-                        <dgm:adjLst/>
-                      </dgm:shape>
-                      <dgm:presOf axis="self"/>
-                      <dgm:constrLst>
-                        <dgm:constr type="begPad"/>
-                        <dgm:constr type="endPad"/>
-                      </dgm:constrLst>
-                      <dgm:ruleLst/>
-                    </dgm:layoutNode>
-                  </dgm:if>
-                  <dgm:if name="Name36" func="var" arg="hierBranch" op="equ" val="init">
-                    <dgm:layoutNode name="Name37">
-                      <dgm:choose name="Name38">
-                        <dgm:if name="Name39" axis="self" func="depth" op="lte" val="2">
-                          <dgm:alg type="conn">
-                            <dgm:param type="connRout" val="bend"/>
-                            <dgm:param type="dim" val="1D"/>
-                            <dgm:param type="endSty" val="noArr"/>
-                            <dgm:param type="begPts" val="bCtr"/>
-                            <dgm:param type="endPts" val="tCtr"/>
-                            <dgm:param type="bendPt" val="end"/>
-                          </dgm:alg>
-                        </dgm:if>
-                        <dgm:else name="Name40">
-                          <dgm:choose name="Name41">
-                            <dgm:if name="Name42" axis="par des" func="maxDepth" op="lte" val="1">
-                              <dgm:choose name="Name43">
-                                <dgm:if name="Name44" axis="par ch" ptType="node asst" func="cnt" op="gte" val="1">
-                                  <dgm:alg type="conn">
-                                    <dgm:param type="connRout" val="bend"/>
-                                    <dgm:param type="dim" val="1D"/>
-                                    <dgm:param type="endSty" val="noArr"/>
-                                    <dgm:param type="begPts" val="bCtr"/>
-                                    <dgm:param type="endPts" val="midL midR"/>
-                                  </dgm:alg>
-                                </dgm:if>
-                                <dgm:else name="Name45">
-                                  <dgm:alg type="conn">
-                                    <dgm:param type="connRout" val="bend"/>
-                                    <dgm:param type="dim" val="1D"/>
-                                    <dgm:param type="endSty" val="noArr"/>
-                                    <dgm:param type="begPts" val="bCtr"/>
-                                    <dgm:param type="endPts" val="midL midR"/>
-                                    <dgm:param type="srcNode" val="rootConnector"/>
-                                  </dgm:alg>
-                                </dgm:else>
-                              </dgm:choose>
-                            </dgm:if>
-                            <dgm:else name="Name46">
-                              <dgm:alg type="conn">
-                                <dgm:param type="connRout" val="bend"/>
-                                <dgm:param type="dim" val="1D"/>
-                                <dgm:param type="endSty" val="noArr"/>
-                                <dgm:param type="begPts" val="bCtr"/>
-                                <dgm:param type="endPts" val="tCtr"/>
-                                <dgm:param type="bendPt" val="end"/>
-                              </dgm:alg>
-                            </dgm:else>
-                          </dgm:choose>
-                        </dgm:else>
-                      </dgm:choose>
-                      <dgm:shape xmlns:r="http://schemas.openxmlformats.org/officeDocument/2006/relationships" type="conn" r:blip="" zOrderOff="-99999">
-                        <dgm:adjLst/>
-                      </dgm:shape>
-                      <dgm:presOf axis="self"/>
-                      <dgm:constrLst>
-                        <dgm:constr type="begPad"/>
-                        <dgm:constr type="endPad"/>
-                      </dgm:constrLst>
-                      <dgm:ruleLst/>
-                    </dgm:layoutNode>
-                  </dgm:if>
-                  <dgm:if name="Name47" func="var" arg="hierBranch" op="equ" val="hang">
-                    <dgm:layoutNode name="Name48">
-                      <dgm:alg type="conn">
-                        <dgm:param type="connRout" val="bend"/>
-                        <dgm:param type="dim" val="1D"/>
-                        <dgm:param type="endSty" val="noArr"/>
-                        <dgm:param type="begPts" val="bCtr"/>
-                        <dgm:param type="endPts" val="midL midR"/>
-                      </dgm:alg>
-                      <dgm:shape xmlns:r="http://schemas.openxmlformats.org/officeDocument/2006/relationships" type="conn" r:blip="" zOrderOff="-99999">
-                        <dgm:adjLst/>
-                      </dgm:shape>
-                      <dgm:presOf axis="self"/>
-                      <dgm:constrLst>
-                        <dgm:constr type="begPad"/>
-                        <dgm:constr type="endPad"/>
-                      </dgm:constrLst>
-                      <dgm:ruleLst/>
-                    </dgm:layoutNode>
-                  </dgm:if>
-                  <dgm:else name="Name49">
-                    <dgm:layoutNode name="Name50">
-                      <dgm:choose name="Name51">
-                        <dgm:if name="Name52" axis="self" func="depth" op="lte" val="2">
-                          <dgm:choose name="Name53">
-                            <dgm:if name="Name54" axis="par ch" ptType="node asst" func="cnt" op="gte" val="1">
-                              <dgm:alg type="conn">
-                                <dgm:param type="connRout" val="bend"/>
-                                <dgm:param type="dim" val="1D"/>
-                                <dgm:param type="endSty" val="noArr"/>
-                                <dgm:param type="begPts" val="bCtr"/>
-                                <dgm:param type="endPts" val="midL midR"/>
-                              </dgm:alg>
-                            </dgm:if>
-                            <dgm:else name="Name55">
-                              <dgm:alg type="conn">
-                                <dgm:param type="connRout" val="bend"/>
-                                <dgm:param type="dim" val="1D"/>
-                                <dgm:param type="endSty" val="noArr"/>
-                                <dgm:param type="begPts" val="bCtr"/>
-                                <dgm:param type="endPts" val="midL midR"/>
-                                <dgm:param type="srcNode" val="rootConnector1"/>
-                              </dgm:alg>
-                            </dgm:else>
-                          </dgm:choose>
-                        </dgm:if>
-                        <dgm:else name="Name56">
-                          <dgm:choose name="Name57">
-                            <dgm:if name="Name58" axis="par ch" ptType="node asst" func="cnt" op="gte" val="1">
-                              <dgm:alg type="conn">
-                                <dgm:param type="connRout" val="bend"/>
-                                <dgm:param type="dim" val="1D"/>
-                                <dgm:param type="endSty" val="noArr"/>
-                                <dgm:param type="begPts" val="bCtr"/>
-                                <dgm:param type="endPts" val="midL midR"/>
-                              </dgm:alg>
-                            </dgm:if>
-                            <dgm:else name="Name59">
-                              <dgm:alg type="conn">
-                                <dgm:param type="connRout" val="bend"/>
-                                <dgm:param type="dim" val="1D"/>
-                                <dgm:param type="endSty" val="noArr"/>
-                                <dgm:param type="begPts" val="bCtr"/>
-                                <dgm:param type="endPts" val="midL midR"/>
-                                <dgm:param type="srcNode" val="rootConnector"/>
-                              </dgm:alg>
-                            </dgm:else>
-                          </dgm:choose>
-                        </dgm:else>
-                      </dgm:choose>
-                      <dgm:shape xmlns:r="http://schemas.openxmlformats.org/officeDocument/2006/relationships" type="conn" r:blip="" zOrderOff="-99999">
-                        <dgm:adjLst/>
-                      </dgm:shape>
-                      <dgm:presOf axis="self"/>
-                      <dgm:constrLst>
-                        <dgm:constr type="begPad"/>
-                        <dgm:constr type="endPad"/>
-                      </dgm:constrLst>
-                      <dgm:ruleLst/>
-                    </dgm:layoutNode>
-                  </dgm:else>
-                </dgm:choose>
-              </dgm:forEach>
-              <dgm:layoutNode name="hierRoot2">
-                <dgm:varLst>
-                  <dgm:hierBranch val="init"/>
-                </dgm:varLst>
-                <dgm:choose name="Name60">
-                  <dgm:if name="Name61" func="var" arg="hierBranch" op="equ" val="l">
-                    <dgm:choose name="Name62">
-                      <dgm:if name="Name63" axis="ch" ptType="asst" func="cnt" op="gte" val="1">
-                        <dgm:alg type="hierRoot">
-                          <dgm:param type="hierAlign" val="tR"/>
-                        </dgm:alg>
-                        <dgm:shape xmlns:r="http://schemas.openxmlformats.org/officeDocument/2006/relationships" r:blip="">
-                          <dgm:adjLst/>
-                        </dgm:shape>
-                        <dgm:presOf/>
-                        <dgm:constrLst>
-                          <dgm:constr type="alignOff" val="0.65"/>
-                        </dgm:constrLst>
-                      </dgm:if>
-                      <dgm:else name="Name64">
-                        <dgm:alg type="hierRoot">
-                          <dgm:param type="hierAlign" val="tR"/>
-                        </dgm:alg>
-                        <dgm:shape xmlns:r="http://schemas.openxmlformats.org/officeDocument/2006/relationships" r:blip="">
-                          <dgm:adjLst/>
-                        </dgm:shape>
-                        <dgm:presOf/>
-                        <dgm:constrLst>
-                          <dgm:constr type="alignOff" val="0.25"/>
-                        </dgm:constrLst>
-                      </dgm:else>
-                    </dgm:choose>
-                  </dgm:if>
-                  <dgm:if name="Name65" func="var" arg="hierBranch" op="equ" val="r">
-                    <dgm:choose name="Name66">
-                      <dgm:if name="Name67" axis="ch" ptType="asst" func="cnt" op="gte" val="1">
-                        <dgm:alg type="hierRoot">
-                          <dgm:param type="hierAlign" val="tL"/>
-                        </dgm:alg>
-                        <dgm:shape xmlns:r="http://schemas.openxmlformats.org/officeDocument/2006/relationships" r:blip="">
-                          <dgm:adjLst/>
-                        </dgm:shape>
-                        <dgm:presOf/>
-                        <dgm:constrLst>
-                          <dgm:constr type="alignOff" val="0.65"/>
-                        </dgm:constrLst>
-                      </dgm:if>
-                      <dgm:else name="Name68">
-                        <dgm:alg type="hierRoot">
-                          <dgm:param type="hierAlign" val="tL"/>
-                        </dgm:alg>
-                        <dgm:shape xmlns:r="http://schemas.openxmlformats.org/officeDocument/2006/relationships" r:blip="">
-                          <dgm:adjLst/>
-                        </dgm:shape>
-                        <dgm:presOf/>
-                        <dgm:constrLst>
-                          <dgm:constr type="alignOff" val="0.25"/>
-                        </dgm:constrLst>
-                      </dgm:else>
-                    </dgm:choose>
-                  </dgm:if>
-                  <dgm:if name="Name69" func="var" arg="hierBranch" op="equ" val="std">
-                    <dgm:alg type="hierRoot"/>
-                    <dgm:shape xmlns:r="http://schemas.openxmlformats.org/officeDocument/2006/relationships" r:blip="">
-                      <dgm:adjLst/>
-                    </dgm:shape>
-                    <dgm:presOf/>
-                    <dgm:constrLst>
-                      <dgm:constr type="alignOff"/>
-                      <dgm:constr type="bendDist" for="des" ptType="parTrans" refType="sp" fact="0.5"/>
-                    </dgm:constrLst>
-                  </dgm:if>
-                  <dgm:if name="Name70" func="var" arg="hierBranch" op="equ" val="init">
-                    <dgm:choose name="Name71">
-                      <dgm:if name="Name72" axis="des" func="maxDepth" op="lte" val="1">
-                        <dgm:choose name="Name73">
-                          <dgm:if name="Name74" axis="ch" ptType="asst" func="cnt" op="gte" val="1">
-                            <dgm:alg type="hierRoot">
-                              <dgm:param type="hierAlign" val="tL"/>
-                            </dgm:alg>
-                            <dgm:shape xmlns:r="http://schemas.openxmlformats.org/officeDocument/2006/relationships" r:blip="">
-                              <dgm:adjLst/>
-                            </dgm:shape>
-                            <dgm:presOf/>
-                            <dgm:constrLst>
-                              <dgm:constr type="alignOff" val="0.65"/>
-                            </dgm:constrLst>
-                          </dgm:if>
-                          <dgm:else name="Name75">
-                            <dgm:alg type="hierRoot">
-                              <dgm:param type="hierAlign" val="tL"/>
-                            </dgm:alg>
-                            <dgm:shape xmlns:r="http://schemas.openxmlformats.org/officeDocument/2006/relationships" r:blip="">
-                              <dgm:adjLst/>
-                            </dgm:shape>
-                            <dgm:presOf/>
-                            <dgm:constrLst>
-                              <dgm:constr type="alignOff" val="0.25"/>
-                            </dgm:constrLst>
-                          </dgm:else>
-                        </dgm:choose>
-                      </dgm:if>
-                      <dgm:else name="Name76">
-                        <dgm:alg type="hierRoot"/>
-                        <dgm:shape xmlns:r="http://schemas.openxmlformats.org/officeDocument/2006/relationships" r:blip="">
-                          <dgm:adjLst/>
-                        </dgm:shape>
-                        <dgm:presOf/>
-                        <dgm:constrLst>
-                          <dgm:constr type="alignOff"/>
-                          <dgm:constr type="bendDist" for="des" ptType="parTrans" refType="sp" fact="0.5"/>
-                        </dgm:constrLst>
-                      </dgm:else>
-                    </dgm:choose>
-                  </dgm:if>
-                  <dgm:else name="Name77">
-                    <dgm:alg type="hierRoot"/>
-                    <dgm:shape xmlns:r="http://schemas.openxmlformats.org/officeDocument/2006/relationships" r:blip="">
-                      <dgm:adjLst/>
-                    </dgm:shape>
-                    <dgm:presOf/>
-                    <dgm:constrLst>
-                      <dgm:constr type="alignOff" val="0.65"/>
-                    </dgm:constrLst>
-                  </dgm:else>
-                </dgm:choose>
-                <dgm:ruleLst/>
-                <dgm:layoutNode name="rootComposite">
-                  <dgm:alg type="composite"/>
-                  <dgm:shape xmlns:r="http://schemas.openxmlformats.org/officeDocument/2006/relationships" r:blip="">
-                    <dgm:adjLst/>
-                  </dgm:shape>
-                  <dgm:presOf axis="self" ptType="node" cnt="1"/>
-                  <dgm:choose name="Name78">
-                    <dgm:if name="Name79" func="var" arg="hierBranch" op="equ" val="init">
-                      <dgm:constrLst>
-                        <dgm:constr type="l" for="ch" forName="rootText"/>
-                        <dgm:constr type="t" for="ch" forName="rootText"/>
-                        <dgm:constr type="w" for="ch" forName="rootText" refType="w"/>
-                        <dgm:constr type="h" for="ch" forName="rootText" refType="h"/>
-                        <dgm:constr type="l" for="ch" forName="rootConnector"/>
-                        <dgm:constr type="t" for="ch" forName="rootConnector"/>
-                        <dgm:constr type="w" for="ch" forName="rootConnector" refType="w" refFor="ch" refForName="rootText" fact="0.2"/>
-                        <dgm:constr type="h" for="ch" forName="rootConnector" refType="h" refFor="ch" refForName="rootText"/>
-                      </dgm:constrLst>
-                    </dgm:if>
-                    <dgm:if name="Name80" func="var" arg="hierBranch" op="equ" val="l">
-                      <dgm:constrLst>
-                        <dgm:constr type="l" for="ch" forName="rootText"/>
-                        <dgm:constr type="t" for="ch" forName="rootText"/>
-                        <dgm:constr type="w" for="ch" forName="rootText" refType="w"/>
-                        <dgm:constr type="h" for="ch" forName="rootText" refType="h"/>
-                        <dgm:constr type="r" for="ch" forName="rootConnector" refType="w"/>
-                        <dgm:constr type="t" for="ch" forName="rootConnector"/>
-                        <dgm:constr type="w" for="ch" forName="rootConnector" refType="w" refFor="ch" refForName="rootText" fact="0.2"/>
-                        <dgm:constr type="h" for="ch" forName="rootConnector" refType="h" refFor="ch" refForName="rootText"/>
-                      </dgm:constrLst>
-                    </dgm:if>
-                    <dgm:if name="Name81" func="var" arg="hierBranch" op="equ" val="r">
-                      <dgm:constrLst>
-                        <dgm:constr type="l" for="ch" forName="rootText"/>
-                        <dgm:constr type="t" for="ch" forName="rootText"/>
-                        <dgm:constr type="w" for="ch" forName="rootText" refType="w"/>
-                        <dgm:constr type="h" for="ch" forName="rootText" refType="h"/>
-                        <dgm:constr type="l" for="ch" forName="rootConnector"/>
-                        <dgm:constr type="t" for="ch" forName="rootConnector"/>
-                        <dgm:constr type="w" for="ch" forName="rootConnector" refType="w" refFor="ch" refForName="rootText" fact="0.2"/>
-                        <dgm:constr type="h" for="ch" forName="rootConnector" refType="h" refFor="ch" refForName="rootText"/>
-                      </dgm:constrLst>
-                    </dgm:if>
-                    <dgm:else name="Name82">
-                      <dgm:constrLst>
-                        <dgm:constr type="l" for="ch" forName="rootText"/>
-                        <dgm:constr type="t" for="ch" forName="rootText"/>
-                        <dgm:constr type="w" for="ch" forName="rootText" refType="w"/>
-                        <dgm:constr type="h" for="ch" forName="rootText" refType="h"/>
-                        <dgm:constr type="r" for="ch" forName="rootConnector" refType="w"/>
-                        <dgm:constr type="t" for="ch" forName="rootConnector"/>
-                        <dgm:constr type="w" for="ch" forName="rootConnector" refType="w" refFor="ch" refForName="rootText" fact="0.2"/>
-                        <dgm:constr type="h" for="ch" forName="rootConnector" refType="h" refFor="ch" refForName="rootText"/>
-                      </dgm:constrLst>
-                    </dgm:else>
-                  </dgm:choose>
-                  <dgm:ruleLst/>
-                  <dgm:layoutNode name="rootText">
-                    <dgm:varLst>
-                      <dgm:chPref val="3"/>
-                    </dgm:varLst>
-                    <dgm:alg type="tx"/>
-                    <dgm:shape xmlns:r="http://schemas.openxmlformats.org/officeDocument/2006/relationships" type="rect" r:blip="">
-                      <dgm:adjLst/>
-                    </dgm:shape>
-                    <dgm:presOf axis="self" ptType="node" cnt="1"/>
-                    <dgm:constrLst>
-                      <dgm:constr type="primFontSz" val="65"/>
-                      <dgm:constr type="lMarg" refType="primFontSz" fact="0.05"/>
-                      <dgm:constr type="rMarg" refType="primFontSz" fact="0.05"/>
-                      <dgm:constr type="tMarg" refType="primFontSz" fact="0.05"/>
-                      <dgm:constr type="bMarg" refType="primFontSz" fact="0.05"/>
-                    </dgm:constrLst>
-                    <dgm:ruleLst>
-                      <dgm:rule type="primFontSz" val="5" fact="NaN" max="NaN"/>
-                    </dgm:ruleLst>
-                  </dgm:layoutNode>
-                  <dgm:layoutNode name="rootConnector" moveWith="rootText">
-                    <dgm:alg type="sp"/>
-                    <dgm:shape xmlns:r="http://schemas.openxmlformats.org/officeDocument/2006/relationships" type="rect" r:blip="" hideGeom="1">
-                      <dgm:adjLst/>
-                    </dgm:shape>
-                    <dgm:presOf axis="self" ptType="node" cnt="1"/>
-                    <dgm:constrLst/>
-                    <dgm:ruleLst/>
-                  </dgm:layoutNode>
-                </dgm:layoutNode>
-                <dgm:layoutNode name="hierChild4">
-                  <dgm:choose name="Name83">
-                    <dgm:if name="Name84" func="var" arg="hierBranch" op="equ" val="l">
-                      <dgm:alg type="hierChild">
-                        <dgm:param type="chAlign" val="r"/>
-                        <dgm:param type="linDir" val="fromT"/>
-                      </dgm:alg>
-                    </dgm:if>
-                    <dgm:if name="Name85" func="var" arg="hierBranch" op="equ" val="r">
-                      <dgm:alg type="hierChild">
-                        <dgm:param type="chAlign" val="l"/>
-                        <dgm:param type="linDir" val="fromT"/>
-                      </dgm:alg>
-                    </dgm:if>
-                    <dgm:if name="Name86" func="var" arg="hierBranch" op="equ" val="hang">
-                      <dgm:choose name="Name87">
-                        <dgm:if name="Name88" func="var" arg="dir" op="equ" val="norm">
-                          <dgm:alg type="hierChild">
-                            <dgm:param type="chAlign" val="l"/>
-                            <dgm:param type="linDir" val="fromL"/>
-                            <dgm:param type="secChAlign" val="t"/>
-                            <dgm:param type="secLinDir" val="fromT"/>
-                          </dgm:alg>
-                        </dgm:if>
-                        <dgm:else name="Name89">
-                          <dgm:alg type="hierChild">
-                            <dgm:param type="chAlign" val="l"/>
-                            <dgm:param type="linDir" val="fromR"/>
-                            <dgm:param type="secChAlign" val="t"/>
-                            <dgm:param type="secLinDir" val="fromT"/>
-                          </dgm:alg>
-                        </dgm:else>
-                      </dgm:choose>
-                    </dgm:if>
-                    <dgm:if name="Name90" func="var" arg="hierBranch" op="equ" val="std">
-                      <dgm:choose name="Name91">
-                        <dgm:if name="Name92" func="var" arg="dir" op="equ" val="norm">
-                          <dgm:alg type="hierChild"/>
-                        </dgm:if>
-                        <dgm:else name="Name93">
-                          <dgm:alg type="hierChild">
-                            <dgm:param type="linDir" val="fromR"/>
-                          </dgm:alg>
-                        </dgm:else>
-                      </dgm:choose>
-                    </dgm:if>
-                    <dgm:if name="Name94" func="var" arg="hierBranch" op="equ" val="init">
-                      <dgm:choose name="Name95">
-                        <dgm:if name="Name96" axis="des" func="maxDepth" op="lte" val="1">
-                          <dgm:alg type="hierChild">
-                            <dgm:param type="chAlign" val="l"/>
-                            <dgm:param type="linDir" val="fromT"/>
-                          </dgm:alg>
-                        </dgm:if>
-                        <dgm:else name="Name97">
-                          <dgm:choose name="Name98">
-                            <dgm:if name="Name99" func="var" arg="dir" op="equ" val="norm">
-                              <dgm:alg type="hierChild"/>
-                            </dgm:if>
-                            <dgm:else name="Name100">
-                              <dgm:alg type="hierChild">
-                                <dgm:param type="linDir" val="fromR"/>
-                              </dgm:alg>
-                            </dgm:else>
-                          </dgm:choose>
-                        </dgm:else>
-                      </dgm:choose>
-                    </dgm:if>
-                    <dgm:else name="Name101"/>
-                  </dgm:choose>
-                  <dgm:shape xmlns:r="http://schemas.openxmlformats.org/officeDocument/2006/relationships" r:blip="">
-                    <dgm:adjLst/>
-                  </dgm:shape>
-                  <dgm:presOf/>
-                  <dgm:constrLst/>
-                  <dgm:ruleLst/>
-                  <dgm:forEach name="Name102" ref="rep2a"/>
-                </dgm:layoutNode>
-                <dgm:layoutNode name="hierChild5">
-                  <dgm:choose name="Name103">
-                    <dgm:if name="Name104" func="var" arg="dir" op="equ" val="norm">
-                      <dgm:alg type="hierChild">
-                        <dgm:param type="chAlign" val="l"/>
-                        <dgm:param type="linDir" val="fromL"/>
-                        <dgm:param type="secChAlign" val="t"/>
-                        <dgm:param type="secLinDir" val="fromT"/>
-                      </dgm:alg>
-                    </dgm:if>
-                    <dgm:else name="Name105">
-                      <dgm:alg type="hierChild">
-                        <dgm:param type="chAlign" val="l"/>
-                        <dgm:param type="linDir" val="fromR"/>
-                        <dgm:param type="secChAlign" val="t"/>
-                        <dgm:param type="secLinDir" val="fromT"/>
-                      </dgm:alg>
-                    </dgm:else>
-                  </dgm:choose>
-                  <dgm:shape xmlns:r="http://schemas.openxmlformats.org/officeDocument/2006/relationships" r:blip="">
-                    <dgm:adjLst/>
-                  </dgm:shape>
-                  <dgm:presOf/>
-                  <dgm:constrLst/>
-                  <dgm:ruleLst/>
-                  <dgm:forEach name="Name106" ref="rep2b"/>
-                </dgm:layoutNode>
-              </dgm:layoutNode>
-            </dgm:forEach>
-          </dgm:layoutNode>
-          <dgm:layoutNode name="hierChild3">
-            <dgm:choose name="Name107">
-              <dgm:if name="Name108" func="var" arg="dir" op="equ" val="norm">
-                <dgm:alg type="hierChild">
-                  <dgm:param type="chAlign" val="l"/>
-                  <dgm:param type="linDir" val="fromL"/>
-                  <dgm:param type="secChAlign" val="t"/>
-                  <dgm:param type="secLinDir" val="fromT"/>
-                </dgm:alg>
-              </dgm:if>
-              <dgm:else name="Name109">
-                <dgm:alg type="hierChild">
-                  <dgm:param type="chAlign" val="l"/>
-                  <dgm:param type="linDir" val="fromR"/>
-                  <dgm:param type="secChAlign" val="t"/>
-                  <dgm:param type="secLinDir" val="fromT"/>
-                </dgm:alg>
-              </dgm:else>
-            </dgm:choose>
-            <dgm:shape xmlns:r="http://schemas.openxmlformats.org/officeDocument/2006/relationships" r:blip="">
-              <dgm:adjLst/>
-            </dgm:shape>
-            <dgm:presOf/>
-            <dgm:constrLst/>
-            <dgm:ruleLst/>
-            <dgm:forEach name="rep2b" axis="ch" ptType="asst">
-              <dgm:forEach name="Name110" axis="precedSib" ptType="parTrans" st="-1" cnt="1">
-                <dgm:layoutNode name="Name111">
-                  <dgm:alg type="conn">
-                    <dgm:param type="connRout" val="bend"/>
-                    <dgm:param type="dim" val="1D"/>
-                    <dgm:param type="endSty" val="noArr"/>
-                    <dgm:param type="begPts" val="bCtr"/>
-                    <dgm:param type="endPts" val="midL midR"/>
-                  </dgm:alg>
-                  <dgm:shape xmlns:r="http://schemas.openxmlformats.org/officeDocument/2006/relationships" type="conn" r:blip="" zOrderOff="-99999">
-                    <dgm:adjLst/>
-                  </dgm:shape>
-                  <dgm:presOf axis="self"/>
-                  <dgm:constrLst>
-                    <dgm:constr type="begPad"/>
-                    <dgm:constr type="endPad"/>
-                  </dgm:constrLst>
-                  <dgm:ruleLst/>
-                </dgm:layoutNode>
-              </dgm:forEach>
-              <dgm:layoutNode name="hierRoot3">
-                <dgm:varLst>
-                  <dgm:hierBranch val="init"/>
-                </dgm:varLst>
-                <dgm:choose name="Name112">
-                  <dgm:if name="Name113" func="var" arg="hierBranch" op="equ" val="l">
-                    <dgm:alg type="hierRoot">
-                      <dgm:param type="hierAlign" val="tR"/>
-                    </dgm:alg>
-                    <dgm:shape xmlns:r="http://schemas.openxmlformats.org/officeDocument/2006/relationships" r:blip="">
-                      <dgm:adjLst/>
-                    </dgm:shape>
-                    <dgm:presOf/>
-                    <dgm:constrLst>
-                      <dgm:constr type="alignOff" val="0.65"/>
-                    </dgm:constrLst>
-                  </dgm:if>
-                  <dgm:if name="Name114" func="var" arg="hierBranch" op="equ" val="r">
-                    <dgm:alg type="hierRoot">
-                      <dgm:param type="hierAlign" val="tL"/>
-                    </dgm:alg>
-                    <dgm:shape xmlns:r="http://schemas.openxmlformats.org/officeDocument/2006/relationships" r:blip="">
-                      <dgm:adjLst/>
-                    </dgm:shape>
-                    <dgm:presOf/>
-                    <dgm:constrLst>
-                      <dgm:constr type="alignOff" val="0.65"/>
-                    </dgm:constrLst>
-                  </dgm:if>
-                  <dgm:if name="Name115" func="var" arg="hierBranch" op="equ" val="hang">
-                    <dgm:alg type="hierRoot"/>
-                    <dgm:shape xmlns:r="http://schemas.openxmlformats.org/officeDocument/2006/relationships" r:blip="">
-                      <dgm:adjLst/>
-                    </dgm:shape>
-                    <dgm:presOf/>
-                    <dgm:constrLst>
-                      <dgm:constr type="alignOff" val="0.65"/>
-                    </dgm:constrLst>
-                  </dgm:if>
-                  <dgm:if name="Name116" func="var" arg="hierBranch" op="equ" val="std">
-                    <dgm:alg type="hierRoot"/>
-                    <dgm:shape xmlns:r="http://schemas.openxmlformats.org/officeDocument/2006/relationships" r:blip="">
-                      <dgm:adjLst/>
-                    </dgm:shape>
-                    <dgm:presOf/>
-                    <dgm:constrLst>
-                      <dgm:constr type="alignOff"/>
-                      <dgm:constr type="bendDist" for="des" ptType="parTrans" refType="sp" fact="0.5"/>
-                    </dgm:constrLst>
-                  </dgm:if>
-                  <dgm:if name="Name117" func="var" arg="hierBranch" op="equ" val="init">
-                    <dgm:choose name="Name118">
-                      <dgm:if name="Name119" axis="des" func="maxDepth" op="lte" val="1">
-                        <dgm:alg type="hierRoot">
-                          <dgm:param type="hierAlign" val="tL"/>
-                        </dgm:alg>
-                        <dgm:shape xmlns:r="http://schemas.openxmlformats.org/officeDocument/2006/relationships" r:blip="">
-                          <dgm:adjLst/>
-                        </dgm:shape>
-                        <dgm:presOf/>
-                        <dgm:constrLst>
-                          <dgm:constr type="alignOff" val="0.65"/>
-                        </dgm:constrLst>
-                      </dgm:if>
-                      <dgm:else name="Name120">
-                        <dgm:alg type="hierRoot"/>
-                        <dgm:shape xmlns:r="http://schemas.openxmlformats.org/officeDocument/2006/relationships" r:blip="">
-                          <dgm:adjLst/>
-                        </dgm:shape>
-                        <dgm:presOf/>
-                        <dgm:constrLst>
-                          <dgm:constr type="alignOff"/>
-                          <dgm:constr type="bendDist" for="des" ptType="parTrans" refType="sp" fact="0.5"/>
-                        </dgm:constrLst>
-                      </dgm:else>
-                    </dgm:choose>
-                  </dgm:if>
-                  <dgm:else name="Name121"/>
-                </dgm:choose>
-                <dgm:ruleLst/>
-                <dgm:layoutNode name="rootComposite3">
-                  <dgm:alg type="composite"/>
-                  <dgm:shape xmlns:r="http://schemas.openxmlformats.org/officeDocument/2006/relationships" r:blip="">
-                    <dgm:adjLst/>
-                  </dgm:shape>
-                  <dgm:presOf axis="self" ptType="node" cnt="1"/>
-                  <dgm:choose name="Name122">
-                    <dgm:if name="Name123" func="var" arg="hierBranch" op="equ" val="init">
-                      <dgm:constrLst>
-                        <dgm:constr type="l" for="ch" forName="rootText3"/>
-                        <dgm:constr type="t" for="ch" forName="rootText3"/>
-                        <dgm:constr type="w" for="ch" forName="rootText3" refType="w"/>
-                        <dgm:constr type="h" for="ch" forName="rootText3" refType="h"/>
-                        <dgm:constr type="l" for="ch" forName="rootConnector3"/>
-                        <dgm:constr type="t" for="ch" forName="rootConnector3"/>
-                        <dgm:constr type="w" for="ch" forName="rootConnector3" refType="w" refFor="ch" refForName="rootText3" fact="0.2"/>
-                        <dgm:constr type="h" for="ch" forName="rootConnector3" refType="h" refFor="ch" refForName="rootText3"/>
-                      </dgm:constrLst>
-                    </dgm:if>
-                    <dgm:if name="Name124" func="var" arg="hierBranch" op="equ" val="l">
-                      <dgm:constrLst>
-                        <dgm:constr type="l" for="ch" forName="rootText3"/>
-                        <dgm:constr type="t" for="ch" forName="rootText3"/>
-                        <dgm:constr type="w" for="ch" forName="rootText3" refType="w"/>
-                        <dgm:constr type="h" for="ch" forName="rootText3" refType="h"/>
-                        <dgm:constr type="r" for="ch" forName="rootConnector3" refType="w"/>
-                        <dgm:constr type="t" for="ch" forName="rootConnector3"/>
-                        <dgm:constr type="w" for="ch" forName="rootConnector3" refType="w" refFor="ch" refForName="rootText3" fact="0.2"/>
-                        <dgm:constr type="h" for="ch" forName="rootConnector3" refType="h" refFor="ch" refForName="rootText3"/>
-                      </dgm:constrLst>
-                    </dgm:if>
-                    <dgm:if name="Name125" func="var" arg="hierBranch" op="equ" val="r">
-                      <dgm:constrLst>
-                        <dgm:constr type="l" for="ch" forName="rootText3"/>
-                        <dgm:constr type="t" for="ch" forName="rootText3"/>
-                        <dgm:constr type="w" for="ch" forName="rootText3" refType="w"/>
-                        <dgm:constr type="h" for="ch" forName="rootText3" refType="h"/>
-                        <dgm:constr type="l" for="ch" forName="rootConnector3"/>
-                        <dgm:constr type="t" for="ch" forName="rootConnector3"/>
-                        <dgm:constr type="w" for="ch" forName="rootConnector3" refType="w" refFor="ch" refForName="rootText3" fact="0.2"/>
-                        <dgm:constr type="h" for="ch" forName="rootConnector3" refType="h" refFor="ch" refForName="rootText3"/>
-                      </dgm:constrLst>
-                    </dgm:if>
-                    <dgm:else name="Name126">
-                      <dgm:constrLst>
-                        <dgm:constr type="l" for="ch" forName="rootText3"/>
-                        <dgm:constr type="t" for="ch" forName="rootText3"/>
-                        <dgm:constr type="w" for="ch" forName="rootText3" refType="w"/>
-                        <dgm:constr type="h" for="ch" forName="rootText3" refType="h"/>
-                        <dgm:constr type="r" for="ch" forName="rootConnector3" refType="w"/>
-                        <dgm:constr type="t" for="ch" forName="rootConnector3"/>
-                        <dgm:constr type="w" for="ch" forName="rootConnector3" refType="w" refFor="ch" refForName="rootText3" fact="0.2"/>
-                        <dgm:constr type="h" for="ch" forName="rootConnector3" refType="h" refFor="ch" refForName="rootText3"/>
-                      </dgm:constrLst>
-                    </dgm:else>
-                  </dgm:choose>
-                  <dgm:ruleLst/>
-                  <dgm:layoutNode name="rootText3">
-                    <dgm:varLst>
-                      <dgm:chPref val="3"/>
-                    </dgm:varLst>
-                    <dgm:alg type="tx"/>
-                    <dgm:shape xmlns:r="http://schemas.openxmlformats.org/officeDocument/2006/relationships" type="rect" r:blip="">
-                      <dgm:adjLst/>
-                    </dgm:shape>
-                    <dgm:presOf axis="self" ptType="node" cnt="1"/>
-                    <dgm:constrLst>
-                      <dgm:constr type="primFontSz" val="65"/>
-                      <dgm:constr type="lMarg" refType="primFontSz" fact="0.05"/>
-                      <dgm:constr type="rMarg" refType="primFontSz" fact="0.05"/>
-                      <dgm:constr type="tMarg" refType="primFontSz" fact="0.05"/>
-                      <dgm:constr type="bMarg" refType="primFontSz" fact="0.05"/>
-                    </dgm:constrLst>
-                    <dgm:ruleLst>
-                      <dgm:rule type="primFontSz" val="5" fact="NaN" max="NaN"/>
-                    </dgm:ruleLst>
-                  </dgm:layoutNode>
-                  <dgm:layoutNode name="rootConnector3" moveWith="rootText1">
-                    <dgm:alg type="sp"/>
-                    <dgm:shape xmlns:r="http://schemas.openxmlformats.org/officeDocument/2006/relationships" type="rect" r:blip="" hideGeom="1">
-                      <dgm:adjLst/>
-                    </dgm:shape>
-                    <dgm:presOf axis="self" ptType="node" cnt="1"/>
-                    <dgm:constrLst/>
-                    <dgm:ruleLst/>
-                  </dgm:layoutNode>
-                </dgm:layoutNode>
-                <dgm:layoutNode name="hierChild6">
-                  <dgm:choose name="Name127">
-                    <dgm:if name="Name128" func="var" arg="hierBranch" op="equ" val="l">
-                      <dgm:alg type="hierChild">
-                        <dgm:param type="chAlign" val="r"/>
-                        <dgm:param type="linDir" val="fromT"/>
-                      </dgm:alg>
-                    </dgm:if>
-                    <dgm:if name="Name129" func="var" arg="hierBranch" op="equ" val="r">
-                      <dgm:alg type="hierChild">
-                        <dgm:param type="chAlign" val="l"/>
-                        <dgm:param type="linDir" val="fromT"/>
-                      </dgm:alg>
-                    </dgm:if>
-                    <dgm:if name="Name130" func="var" arg="hierBranch" op="equ" val="hang">
-                      <dgm:choose name="Name131">
-                        <dgm:if name="Name132" func="var" arg="dir" op="equ" val="norm">
-                          <dgm:alg type="hierChild">
-                            <dgm:param type="chAlign" val="l"/>
-                            <dgm:param type="linDir" val="fromL"/>
-                            <dgm:param type="secChAlign" val="t"/>
-                            <dgm:param type="secLinDir" val="fromT"/>
-                          </dgm:alg>
-                        </dgm:if>
-                        <dgm:else name="Name133">
-                          <dgm:alg type="hierChild">
-                            <dgm:param type="chAlign" val="l"/>
-                            <dgm:param type="linDir" val="fromR"/>
-                            <dgm:param type="secChAlign" val="t"/>
-                            <dgm:param type="secLinDir" val="fromT"/>
-                          </dgm:alg>
-                        </dgm:else>
-                      </dgm:choose>
-                    </dgm:if>
-                    <dgm:if name="Name134" func="var" arg="hierBranch" op="equ" val="std">
-                      <dgm:choose name="Name135">
-                        <dgm:if name="Name136" func="var" arg="dir" op="equ" val="norm">
-                          <dgm:alg type="hierChild"/>
-                        </dgm:if>
-                        <dgm:else name="Name137">
-                          <dgm:alg type="hierChild">
-                            <dgm:param type="linDir" val="fromR"/>
-                          </dgm:alg>
-                        </dgm:else>
-                      </dgm:choose>
-                    </dgm:if>
-                    <dgm:if name="Name138" func="var" arg="hierBranch" op="equ" val="init">
-                      <dgm:choose name="Name139">
-                        <dgm:if name="Name140" axis="des" func="maxDepth" op="lte" val="1">
-                          <dgm:alg type="hierChild">
-                            <dgm:param type="chAlign" val="l"/>
-                            <dgm:param type="linDir" val="fromT"/>
-                          </dgm:alg>
-                        </dgm:if>
-                        <dgm:else name="Name141">
-                          <dgm:alg type="hierChild"/>
-                        </dgm:else>
-                      </dgm:choose>
-                    </dgm:if>
-                    <dgm:else name="Name142"/>
-                  </dgm:choose>
-                  <dgm:shape xmlns:r="http://schemas.openxmlformats.org/officeDocument/2006/relationships" r:blip="">
-                    <dgm:adjLst/>
-                  </dgm:shape>
-                  <dgm:presOf/>
-                  <dgm:constrLst/>
-                  <dgm:ruleLst/>
-                  <dgm:forEach name="Name143" ref="rep2a"/>
-                </dgm:layoutNode>
-                <dgm:layoutNode name="hierChild7">
-                  <dgm:choose name="Name144">
-                    <dgm:if name="Name145" func="var" arg="dir" op="equ" val="norm">
-                      <dgm:alg type="hierChild">
-                        <dgm:param type="chAlign" val="l"/>
-                        <dgm:param type="linDir" val="fromL"/>
-                        <dgm:param type="secChAlign" val="t"/>
-                        <dgm:param type="secLinDir" val="fromT"/>
-                      </dgm:alg>
-                    </dgm:if>
-                    <dgm:else name="Name146">
-                      <dgm:alg type="hierChild">
-                        <dgm:param type="chAlign" val="l"/>
-                        <dgm:param type="linDir" val="fromR"/>
-                        <dgm:param type="secChAlign" val="t"/>
-                        <dgm:param type="secLinDir" val="fromT"/>
-                      </dgm:alg>
-                    </dgm:else>
-                  </dgm:choose>
-                  <dgm:shape xmlns:r="http://schemas.openxmlformats.org/officeDocument/2006/relationships" r:blip="">
-                    <dgm:adjLst/>
-                  </dgm:shape>
-                  <dgm:presOf/>
-                  <dgm:constrLst/>
-                  <dgm:ruleLst/>
-                  <dgm:forEach name="Name147" ref="rep2b"/>
-                </dgm:layoutNode>
-              </dgm:layoutNode>
-            </dgm:forEach>
-          </dgm:layoutNode>
-        </dgm:layoutNode>
-      </dgm:forEach>
-    </dgm:forEach>
-  </dgm:layoutNode>
-</dgm:layoutDef>
-</file>
-
-<file path=ppt/diagrams/quickStyle1.xml><?xml version="1.0" encoding="utf-8"?>
-<dgm:styleDef xmlns:dgm="http://schemas.openxmlformats.org/drawingml/2006/diagram" xmlns:a="http://schemas.openxmlformats.org/drawingml/2006/main" uniqueId="urn:microsoft.com/office/officeart/2005/8/quickstyle/simple1">
-  <dgm:title val=""/>
-  <dgm:desc val=""/>
-  <dgm:catLst>
-    <dgm:cat type="simple" pri="10100"/>
-  </dgm:catLst>
-  <dgm:scene3d>
-    <a:camera prst="orthographicFront"/>
-    <a:lightRig rig="threePt" dir="t"/>
-  </dgm:scene3d>
-  <dgm:styleLbl name="node0">
-    <dgm:scene3d>
-      <a:camera prst="orthographicFront"/>
-      <a:lightRig rig="threePt" dir="t"/>
-    </dgm:scene3d>
-    <dgm:sp3d/>
-    <dgm:txPr/>
-    <dgm:style>
-      <a:lnRef idx="2">
-        <a:scrgbClr r="0" g="0" b="0"/>
-      </a:lnRef>
-      <a:fillRef idx="1">
-        <a:scrgbClr r="0" g="0" b="0"/>
-      </a:fillRef>
-      <a:effectRef idx="0">
-        <a:scrgbClr r="0" g="0" b="0"/>
-      </a:effectRef>
-      <a:fontRef idx="minor">
-        <a:schemeClr val="lt1"/>
-      </a:fontRef>
-    </dgm:style>
-  </dgm:styleLbl>
-  <dgm:styleLbl name="lnNode1">
-    <dgm:scene3d>
-      <a:camera prst="orthographicFront"/>
-      <a:lightRig rig="threePt" dir="t"/>
-    </dgm:scene3d>
-    <dgm:sp3d/>
-    <dgm:txPr/>
-    <dgm:style>
-      <a:lnRef idx="2">
-        <a:scrgbClr r="0" g="0" b="0"/>
-      </a:lnRef>
-      <a:fillRef idx="1">
-        <a:scrgbClr r="0" g="0" b="0"/>
-      </a:fillRef>
-      <a:effectRef idx="0">
-        <a:scrgbClr r="0" g="0" b="0"/>
-      </a:effectRef>
-      <a:fontRef idx="minor">
-        <a:schemeClr val="lt1"/>
-      </a:fontRef>
-    </dgm:style>
-  </dgm:styleLbl>
-  <dgm:styleLbl name="vennNode1">
-    <dgm:scene3d>
-      <a:camera prst="orthographicFront"/>
-      <a:lightRig rig="threePt" dir="t"/>
-    </dgm:scene3d>
-    <dgm:sp3d/>
-    <dgm:txPr/>
-    <dgm:style>
-      <a:lnRef idx="2">
-        <a:scrgbClr r="0" g="0" b="0"/>
-      </a:lnRef>
-      <a:fillRef idx="1">
-        <a:scrgbClr r="0" g="0" b="0"/>
-      </a:fillRef>
-      <a:effectRef idx="0">
-        <a:scrgbClr r="0" g="0" b="0"/>
-      </a:effectRef>
-      <a:fontRef idx="minor">
-        <a:schemeClr val="tx1"/>
-      </a:fontRef>
-    </dgm:style>
-  </dgm:styleLbl>
-  <dgm:styleLbl name="alignNode1">
-    <dgm:scene3d>
-      <a:camera prst="orthographicFront"/>
-      <a:lightRig rig="threePt" dir="t"/>
-    </dgm:scene3d>
-    <dgm:sp3d/>
-    <dgm:txPr/>
-    <dgm:style>
-      <a:lnRef idx="2">
-        <a:scrgbClr r="0" g="0" b="0"/>
-      </a:lnRef>
-      <a:fillRef idx="1">
-        <a:scrgbClr r="0" g="0" b="0"/>
-      </a:fillRef>
-      <a:effectRef idx="0">
-        <a:scrgbClr r="0" g="0" b="0"/>
-      </a:effectRef>
-      <a:fontRef idx="minor">
-        <a:schemeClr val="lt1"/>
-      </a:fontRef>
-    </dgm:style>
-  </dgm:styleLbl>
-  <dgm:styleLbl name="node1">
-    <dgm:scene3d>
-      <a:camera prst="orthographicFront"/>
-      <a:lightRig rig="threePt" dir="t"/>
-    </dgm:scene3d>
-    <dgm:sp3d/>
-    <dgm:txPr/>
-    <dgm:style>
-      <a:lnRef idx="2">
-        <a:scrgbClr r="0" g="0" b="0"/>
-      </a:lnRef>
-      <a:fillRef idx="1">
-        <a:scrgbClr r="0" g="0" b="0"/>
-      </a:fillRef>
-      <a:effectRef idx="0">
-        <a:scrgbClr r="0" g="0" b="0"/>
-      </a:effectRef>
-      <a:fontRef idx="minor">
-        <a:schemeClr val="lt1"/>
-      </a:fontRef>
-    </dgm:style>
-  </dgm:styleLbl>
-  <dgm:styleLbl name="node2">
-    <dgm:scene3d>
-      <a:camera prst="orthographicFront"/>
-      <a:lightRig rig="threePt" dir="t"/>
-    </dgm:scene3d>
-    <dgm:sp3d/>
-    <dgm:txPr/>
-    <dgm:style>
-      <a:lnRef idx="2">
-        <a:scrgbClr r="0" g="0" b="0"/>
-      </a:lnRef>
-      <a:fillRef idx="1">
-        <a:scrgbClr r="0" g="0" b="0"/>
-      </a:fillRef>
-      <a:effectRef idx="0">
-        <a:scrgbClr r="0" g="0" b="0"/>
-      </a:effectRef>
-      <a:fontRef idx="minor">
-        <a:schemeClr val="lt1"/>
-      </a:fontRef>
-    </dgm:style>
-  </dgm:styleLbl>
-  <dgm:styleLbl name="node3">
-    <dgm:scene3d>
-      <a:camera prst="orthographicFront"/>
-      <a:lightRig rig="threePt" dir="t"/>
-    </dgm:scene3d>
-    <dgm:sp3d/>
-    <dgm:txPr/>
-    <dgm:style>
-      <a:lnRef idx="2">
-        <a:scrgbClr r="0" g="0" b="0"/>
-      </a:lnRef>
-      <a:fillRef idx="1">
-        <a:scrgbClr r="0" g="0" b="0"/>
-      </a:fillRef>
-      <a:effectRef idx="0">
-        <a:scrgbClr r="0" g="0" b="0"/>
-      </a:effectRef>
-      <a:fontRef idx="minor">
-        <a:schemeClr val="lt1"/>
-      </a:fontRef>
-    </dgm:style>
-  </dgm:styleLbl>
-  <dgm:styleLbl name="node4">
-    <dgm:scene3d>
-      <a:camera prst="orthographicFront"/>
-      <a:lightRig rig="threePt" dir="t"/>
-    </dgm:scene3d>
-    <dgm:sp3d/>
-    <dgm:txPr/>
-    <dgm:style>
-      <a:lnRef idx="2">
-        <a:scrgbClr r="0" g="0" b="0"/>
-      </a:lnRef>
-      <a:fillRef idx="1">
-        <a:scrgbClr r="0" g="0" b="0"/>
-      </a:fillRef>
-      <a:effectRef idx="0">
-        <a:scrgbClr r="0" g="0" b="0"/>
-      </a:effectRef>
-      <a:fontRef idx="minor">
-        <a:schemeClr val="lt1"/>
-      </a:fontRef>
-    </dgm:style>
-  </dgm:styleLbl>
-  <dgm:styleLbl name="fgImgPlace1">
-    <dgm:scene3d>
-      <a:camera prst="orthographicFront"/>
-      <a:lightRig rig="threePt" dir="t"/>
-    </dgm:scene3d>
-    <dgm:sp3d/>
-    <dgm:txPr/>
-    <dgm:style>
-      <a:lnRef idx="2">
-        <a:scrgbClr r="0" g="0" b="0"/>
-      </a:lnRef>
-      <a:fillRef idx="1">
-        <a:scrgbClr r="0" g="0" b="0"/>
-      </a:fillRef>
-      <a:effectRef idx="0">
-        <a:scrgbClr r="0" g="0" b="0"/>
-      </a:effectRef>
-      <a:fontRef idx="minor"/>
-    </dgm:style>
-  </dgm:styleLbl>
-  <dgm:styleLbl name="alignImgPlace1">
-    <dgm:scene3d>
-      <a:camera prst="orthographicFront"/>
-      <a:lightRig rig="threePt" dir="t"/>
-    </dgm:scene3d>
-    <dgm:sp3d/>
-    <dgm:txPr/>
-    <dgm:style>
-      <a:lnRef idx="2">
-        <a:scrgbClr r="0" g="0" b="0"/>
-      </a:lnRef>
-      <a:fillRef idx="1">
-        <a:scrgbClr r="0" g="0" b="0"/>
-      </a:fillRef>
-      <a:effectRef idx="0">
-        <a:scrgbClr r="0" g="0" b="0"/>
-      </a:effectRef>
-      <a:fontRef idx="minor"/>
-    </dgm:style>
-  </dgm:styleLbl>
-  <dgm:styleLbl name="bgImgPlace1">
-    <dgm:scene3d>
-      <a:camera prst="orthographicFront"/>
-      <a:lightRig rig="threePt" dir="t"/>
-    </dgm:scene3d>
-    <dgm:sp3d/>
-    <dgm:txPr/>
-    <dgm:style>
-      <a:lnRef idx="2">
-        <a:scrgbClr r="0" g="0" b="0"/>
-      </a:lnRef>
-      <a:fillRef idx="1">
-        <a:scrgbClr r="0" g="0" b="0"/>
-      </a:fillRef>
-      <a:effectRef idx="0">
-        <a:scrgbClr r="0" g="0" b="0"/>
-      </a:effectRef>
-      <a:fontRef idx="minor"/>
-    </dgm:style>
-  </dgm:styleLbl>
-  <dgm:styleLbl name="sibTrans2D1">
-    <dgm:scene3d>
-      <a:camera prst="orthographicFront"/>
-      <a:lightRig rig="threePt" dir="t"/>
-    </dgm:scene3d>
-    <dgm:sp3d/>
-    <dgm:txPr/>
-    <dgm:style>
-      <a:lnRef idx="0">
-        <a:scrgbClr r="0" g="0" b="0"/>
-      </a:lnRef>
-      <a:fillRef idx="1">
-        <a:scrgbClr r="0" g="0" b="0"/>
-      </a:fillRef>
-      <a:effectRef idx="0">
-        <a:scrgbClr r="0" g="0" b="0"/>
-      </a:effectRef>
-      <a:fontRef idx="minor">
-        <a:schemeClr val="lt1"/>
-      </a:fontRef>
-    </dgm:style>
-  </dgm:styleLbl>
-  <dgm:styleLbl name="fgSibTrans2D1">
-    <dgm:scene3d>
-      <a:camera prst="orthographicFront"/>
-      <a:lightRig rig="threePt" dir="t"/>
-    </dgm:scene3d>
-    <dgm:sp3d/>
-    <dgm:txPr/>
-    <dgm:style>
-      <a:lnRef idx="0">
-        <a:scrgbClr r="0" g="0" b="0"/>
-      </a:lnRef>
-      <a:fillRef idx="1">
-        <a:scrgbClr r="0" g="0" b="0"/>
-      </a:fillRef>
-      <a:effectRef idx="0">
-        <a:scrgbClr r="0" g="0" b="0"/>
-      </a:effectRef>
-      <a:fontRef idx="minor">
-        <a:schemeClr val="lt1"/>
-      </a:fontRef>
-    </dgm:style>
-  </dgm:styleLbl>
-  <dgm:styleLbl name="bgSibTrans2D1">
-    <dgm:scene3d>
-      <a:camera prst="orthographicFront"/>
-      <a:lightRig rig="threePt" dir="t"/>
-    </dgm:scene3d>
-    <dgm:sp3d/>
-    <dgm:txPr/>
-    <dgm:style>
-      <a:lnRef idx="0">
-        <a:scrgbClr r="0" g="0" b="0"/>
-      </a:lnRef>
-      <a:fillRef idx="1">
-        <a:scrgbClr r="0" g="0" b="0"/>
-      </a:fillRef>
-      <a:effectRef idx="0">
-        <a:scrgbClr r="0" g="0" b="0"/>
-      </a:effectRef>
-      <a:fontRef idx="minor">
-        <a:schemeClr val="lt1"/>
-      </a:fontRef>
-    </dgm:style>
-  </dgm:styleLbl>
-  <dgm:styleLbl name="sibTrans1D1">
-    <dgm:scene3d>
-      <a:camera prst="orthographicFront"/>
-      <a:lightRig rig="threePt" dir="t"/>
-    </dgm:scene3d>
-    <dgm:sp3d/>
-    <dgm:txPr/>
-    <dgm:style>
-      <a:lnRef idx="1">
-        <a:scrgbClr r="0" g="0" b="0"/>
-      </a:lnRef>
-      <a:fillRef idx="0">
-        <a:scrgbClr r="0" g="0" b="0"/>
-      </a:fillRef>
-      <a:effectRef idx="0">
-        <a:scrgbClr r="0" g="0" b="0"/>
-      </a:effectRef>
-      <a:fontRef idx="minor"/>
-    </dgm:style>
-  </dgm:styleLbl>
-  <dgm:styleLbl name="callout">
-    <dgm:scene3d>
-      <a:camera prst="orthographicFront"/>
-      <a:lightRig rig="threePt" dir="t"/>
-    </dgm:scene3d>
-    <dgm:sp3d/>
-    <dgm:txPr/>
-    <dgm:style>
-      <a:lnRef idx="2">
-        <a:scrgbClr r="0" g="0" b="0"/>
-      </a:lnRef>
-      <a:fillRef idx="1">
-        <a:scrgbClr r="0" g="0" b="0"/>
-      </a:fillRef>
-      <a:effectRef idx="0">
-        <a:scrgbClr r="0" g="0" b="0"/>
-      </a:effectRef>
-      <a:fontRef idx="minor"/>
-    </dgm:style>
-  </dgm:styleLbl>
-  <dgm:styleLbl name="asst0">
-    <dgm:scene3d>
-      <a:camera prst="orthographicFront"/>
-      <a:lightRig rig="threePt" dir="t"/>
-    </dgm:scene3d>
-    <dgm:sp3d/>
-    <dgm:txPr/>
-    <dgm:style>
-      <a:lnRef idx="2">
-        <a:scrgbClr r="0" g="0" b="0"/>
-      </a:lnRef>
-      <a:fillRef idx="1">
-        <a:scrgbClr r="0" g="0" b="0"/>
-      </a:fillRef>
-      <a:effectRef idx="0">
-        <a:scrgbClr r="0" g="0" b="0"/>
-      </a:effectRef>
-      <a:fontRef idx="minor">
-        <a:schemeClr val="lt1"/>
-      </a:fontRef>
-    </dgm:style>
-  </dgm:styleLbl>
-  <dgm:styleLbl name="asst1">
-    <dgm:scene3d>
-      <a:camera prst="orthographicFront"/>
-      <a:lightRig rig="threePt" dir="t"/>
-    </dgm:scene3d>
-    <dgm:sp3d/>
-    <dgm:txPr/>
-    <dgm:style>
-      <a:lnRef idx="2">
-        <a:scrgbClr r="0" g="0" b="0"/>
-      </a:lnRef>
-      <a:fillRef idx="1">
-        <a:scrgbClr r="0" g="0" b="0"/>
-      </a:fillRef>
-      <a:effectRef idx="0">
-        <a:scrgbClr r="0" g="0" b="0"/>
-      </a:effectRef>
-      <a:fontRef idx="minor">
-        <a:schemeClr val="lt1"/>
-      </a:fontRef>
-    </dgm:style>
-  </dgm:styleLbl>
-  <dgm:styleLbl name="asst2">
-    <dgm:scene3d>
-      <a:camera prst="orthographicFront"/>
-      <a:lightRig rig="threePt" dir="t"/>
-    </dgm:scene3d>
-    <dgm:sp3d/>
-    <dgm:txPr/>
-    <dgm:style>
-      <a:lnRef idx="2">
-        <a:scrgbClr r="0" g="0" b="0"/>
-      </a:lnRef>
-      <a:fillRef idx="1">
-        <a:scrgbClr r="0" g="0" b="0"/>
-      </a:fillRef>
-      <a:effectRef idx="0">
-        <a:scrgbClr r="0" g="0" b="0"/>
-      </a:effectRef>
-      <a:fontRef idx="minor">
-        <a:schemeClr val="lt1"/>
-      </a:fontRef>
-    </dgm:style>
-  </dgm:styleLbl>
-  <dgm:styleLbl name="asst3">
-    <dgm:scene3d>
-      <a:camera prst="orthographicFront"/>
-      <a:lightRig rig="threePt" dir="t"/>
-    </dgm:scene3d>
-    <dgm:sp3d/>
-    <dgm:txPr/>
-    <dgm:style>
-      <a:lnRef idx="2">
-        <a:scrgbClr r="0" g="0" b="0"/>
-      </a:lnRef>
-      <a:fillRef idx="1">
-        <a:scrgbClr r="0" g="0" b="0"/>
-      </a:fillRef>
-      <a:effectRef idx="0">
-        <a:scrgbClr r="0" g="0" b="0"/>
-      </a:effectRef>
-      <a:fontRef idx="minor">
-        <a:schemeClr val="lt1"/>
-      </a:fontRef>
-    </dgm:style>
-  </dgm:styleLbl>
-  <dgm:styleLbl name="asst4">
-    <dgm:scene3d>
-      <a:camera prst="orthographicFront"/>
-      <a:lightRig rig="threePt" dir="t"/>
-    </dgm:scene3d>
-    <dgm:sp3d/>
-    <dgm:txPr/>
-    <dgm:style>
-      <a:lnRef idx="2">
-        <a:scrgbClr r="0" g="0" b="0"/>
-      </a:lnRef>
-      <a:fillRef idx="1">
-        <a:scrgbClr r="0" g="0" b="0"/>
-      </a:fillRef>
-      <a:effectRef idx="0">
-        <a:scrgbClr r="0" g="0" b="0"/>
-      </a:effectRef>
-      <a:fontRef idx="minor">
-        <a:schemeClr val="lt1"/>
-      </a:fontRef>
-    </dgm:style>
-  </dgm:styleLbl>
-  <dgm:styleLbl name="parChTrans2D1">
-    <dgm:scene3d>
-      <a:camera prst="orthographicFront"/>
-      <a:lightRig rig="threePt" dir="t"/>
-    </dgm:scene3d>
-    <dgm:sp3d/>
-    <dgm:txPr/>
-    <dgm:style>
-      <a:lnRef idx="2">
-        <a:scrgbClr r="0" g="0" b="0"/>
-      </a:lnRef>
-      <a:fillRef idx="1">
-        <a:scrgbClr r="0" g="0" b="0"/>
-      </a:fillRef>
-      <a:effectRef idx="0">
-        <a:scrgbClr r="0" g="0" b="0"/>
-      </a:effectRef>
-      <a:fontRef idx="minor">
-        <a:schemeClr val="lt1"/>
-      </a:fontRef>
-    </dgm:style>
-  </dgm:styleLbl>
-  <dgm:styleLbl name="parChTrans2D2">
-    <dgm:scene3d>
-      <a:camera prst="orthographicFront"/>
-      <a:lightRig rig="threePt" dir="t"/>
-    </dgm:scene3d>
-    <dgm:sp3d/>
-    <dgm:txPr/>
-    <dgm:style>
-      <a:lnRef idx="2">
-        <a:scrgbClr r="0" g="0" b="0"/>
-      </a:lnRef>
-      <a:fillRef idx="1">
-        <a:scrgbClr r="0" g="0" b="0"/>
-      </a:fillRef>
-      <a:effectRef idx="0">
-        <a:scrgbClr r="0" g="0" b="0"/>
-      </a:effectRef>
-      <a:fontRef idx="minor">
-        <a:schemeClr val="lt1"/>
-      </a:fontRef>
-    </dgm:style>
-  </dgm:styleLbl>
-  <dgm:styleLbl name="parChTrans2D3">
-    <dgm:scene3d>
-      <a:camera prst="orthographicFront"/>
-      <a:lightRig rig="threePt" dir="t"/>
-    </dgm:scene3d>
-    <dgm:sp3d/>
-    <dgm:txPr/>
-    <dgm:style>
-      <a:lnRef idx="2">
-        <a:scrgbClr r="0" g="0" b="0"/>
-      </a:lnRef>
-      <a:fillRef idx="1">
-        <a:scrgbClr r="0" g="0" b="0"/>
-      </a:fillRef>
-      <a:effectRef idx="0">
-        <a:scrgbClr r="0" g="0" b="0"/>
-      </a:effectRef>
-      <a:fontRef idx="minor">
-        <a:schemeClr val="lt1"/>
-      </a:fontRef>
-    </dgm:style>
-  </dgm:styleLbl>
-  <dgm:styleLbl name="parChTrans2D4">
-    <dgm:scene3d>
-      <a:camera prst="orthographicFront"/>
-      <a:lightRig rig="threePt" dir="t"/>
-    </dgm:scene3d>
-    <dgm:sp3d/>
-    <dgm:txPr/>
-    <dgm:style>
-      <a:lnRef idx="2">
-        <a:scrgbClr r="0" g="0" b="0"/>
-      </a:lnRef>
-      <a:fillRef idx="1">
-        <a:scrgbClr r="0" g="0" b="0"/>
-      </a:fillRef>
-      <a:effectRef idx="0">
-        <a:scrgbClr r="0" g="0" b="0"/>
-      </a:effectRef>
-      <a:fontRef idx="minor">
-        <a:schemeClr val="lt1"/>
-      </a:fontRef>
-    </dgm:style>
-  </dgm:styleLbl>
-  <dgm:styleLbl name="parChTrans1D1">
-    <dgm:scene3d>
-      <a:camera prst="orthographicFront"/>
-      <a:lightRig rig="threePt" dir="t"/>
-    </dgm:scene3d>
-    <dgm:sp3d/>
-    <dgm:txPr/>
-    <dgm:style>
-      <a:lnRef idx="2">
-        <a:scrgbClr r="0" g="0" b="0"/>
-      </a:lnRef>
-      <a:fillRef idx="0">
-        <a:scrgbClr r="0" g="0" b="0"/>
-      </a:fillRef>
-      <a:effectRef idx="0">
-        <a:scrgbClr r="0" g="0" b="0"/>
-      </a:effectRef>
-      <a:fontRef idx="minor"/>
-    </dgm:style>
-  </dgm:styleLbl>
-  <dgm:styleLbl name="parChTrans1D2">
-    <dgm:scene3d>
-      <a:camera prst="orthographicFront"/>
-      <a:lightRig rig="threePt" dir="t"/>
-    </dgm:scene3d>
-    <dgm:sp3d/>
-    <dgm:txPr/>
-    <dgm:style>
-      <a:lnRef idx="2">
-        <a:scrgbClr r="0" g="0" b="0"/>
-      </a:lnRef>
-      <a:fillRef idx="0">
-        <a:scrgbClr r="0" g="0" b="0"/>
-      </a:fillRef>
-      <a:effectRef idx="0">
-        <a:scrgbClr r="0" g="0" b="0"/>
-      </a:effectRef>
-      <a:fontRef idx="minor"/>
-    </dgm:style>
-  </dgm:styleLbl>
-  <dgm:styleLbl name="parChTrans1D3">
-    <dgm:scene3d>
-      <a:camera prst="orthographicFront"/>
-      <a:lightRig rig="threePt" dir="t"/>
-    </dgm:scene3d>
-    <dgm:sp3d/>
-    <dgm:txPr/>
-    <dgm:style>
-      <a:lnRef idx="2">
-        <a:scrgbClr r="0" g="0" b="0"/>
-      </a:lnRef>
-      <a:fillRef idx="0">
-        <a:scrgbClr r="0" g="0" b="0"/>
-      </a:fillRef>
-      <a:effectRef idx="0">
-        <a:scrgbClr r="0" g="0" b="0"/>
-      </a:effectRef>
-      <a:fontRef idx="minor"/>
-    </dgm:style>
-  </dgm:styleLbl>
-  <dgm:styleLbl name="parChTrans1D4">
-    <dgm:scene3d>
-      <a:camera prst="orthographicFront"/>
-      <a:lightRig rig="threePt" dir="t"/>
-    </dgm:scene3d>
-    <dgm:sp3d/>
-    <dgm:txPr/>
-    <dgm:style>
-      <a:lnRef idx="2">
-        <a:scrgbClr r="0" g="0" b="0"/>
-      </a:lnRef>
-      <a:fillRef idx="0">
-        <a:scrgbClr r="0" g="0" b="0"/>
-      </a:fillRef>
-      <a:effectRef idx="0">
-        <a:scrgbClr r="0" g="0" b="0"/>
-      </a:effectRef>
-      <a:fontRef idx="minor"/>
-    </dgm:style>
-  </dgm:styleLbl>
-  <dgm:styleLbl name="fgAcc1">
-    <dgm:scene3d>
-      <a:camera prst="orthographicFront"/>
-      <a:lightRig rig="threePt" dir="t"/>
-    </dgm:scene3d>
-    <dgm:sp3d/>
-    <dgm:txPr/>
-    <dgm:style>
-      <a:lnRef idx="2">
-        <a:scrgbClr r="0" g="0" b="0"/>
-      </a:lnRef>
-      <a:fillRef idx="1">
-        <a:scrgbClr r="0" g="0" b="0"/>
-      </a:fillRef>
-      <a:effectRef idx="0">
-        <a:scrgbClr r="0" g="0" b="0"/>
-      </a:effectRef>
-      <a:fontRef idx="minor"/>
-    </dgm:style>
-  </dgm:styleLbl>
-  <dgm:styleLbl name="conFgAcc1">
-    <dgm:scene3d>
-      <a:camera prst="orthographicFront"/>
-      <a:lightRig rig="threePt" dir="t"/>
-    </dgm:scene3d>
-    <dgm:sp3d/>
-    <dgm:txPr/>
-    <dgm:style>
-      <a:lnRef idx="2">
-        <a:scrgbClr r="0" g="0" b="0"/>
-      </a:lnRef>
-      <a:fillRef idx="1">
-        <a:scrgbClr r="0" g="0" b="0"/>
-      </a:fillRef>
-      <a:effectRef idx="0">
-        <a:scrgbClr r="0" g="0" b="0"/>
-      </a:effectRef>
-      <a:fontRef idx="minor"/>
-    </dgm:style>
-  </dgm:styleLbl>
-  <dgm:styleLbl name="alignAcc1">
-    <dgm:scene3d>
-      <a:camera prst="orthographicFront"/>
-      <a:lightRig rig="threePt" dir="t"/>
-    </dgm:scene3d>
-    <dgm:sp3d/>
-    <dgm:txPr/>
-    <dgm:style>
-      <a:lnRef idx="2">
-        <a:scrgbClr r="0" g="0" b="0"/>
-      </a:lnRef>
-      <a:fillRef idx="1">
-        <a:scrgbClr r="0" g="0" b="0"/>
-      </a:fillRef>
-      <a:effectRef idx="0">
-        <a:scrgbClr r="0" g="0" b="0"/>
-      </a:effectRef>
-      <a:fontRef idx="minor"/>
-    </dgm:style>
-  </dgm:styleLbl>
-  <dgm:styleLbl name="trAlignAcc1">
-    <dgm:scene3d>
-      <a:camera prst="orthographicFront"/>
-      <a:lightRig rig="threePt" dir="t"/>
-    </dgm:scene3d>
-    <dgm:sp3d/>
-    <dgm:txPr/>
-    <dgm:style>
-      <a:lnRef idx="1">
-        <a:scrgbClr r="0" g="0" b="0"/>
-      </a:lnRef>
-      <a:fillRef idx="1">
-        <a:scrgbClr r="0" g="0" b="0"/>
-      </a:fillRef>
-      <a:effectRef idx="0">
-        <a:scrgbClr r="0" g="0" b="0"/>
-      </a:effectRef>
-      <a:fontRef idx="minor"/>
-    </dgm:style>
-  </dgm:styleLbl>
-  <dgm:styleLbl name="bgAcc1">
-    <dgm:scene3d>
-      <a:camera prst="orthographicFront"/>
-      <a:lightRig rig="threePt" dir="t"/>
-    </dgm:scene3d>
-    <dgm:sp3d/>
-    <dgm:txPr/>
-    <dgm:style>
-      <a:lnRef idx="2">
-        <a:scrgbClr r="0" g="0" b="0"/>
-      </a:lnRef>
-      <a:fillRef idx="1">
-        <a:scrgbClr r="0" g="0" b="0"/>
-      </a:fillRef>
-      <a:effectRef idx="0">
-        <a:scrgbClr r="0" g="0" b="0"/>
-      </a:effectRef>
-      <a:fontRef idx="minor"/>
-    </dgm:style>
-  </dgm:styleLbl>
-  <dgm:styleLbl name="solidFgAcc1">
-    <dgm:scene3d>
-      <a:camera prst="orthographicFront"/>
-      <a:lightRig rig="threePt" dir="t"/>
-    </dgm:scene3d>
-    <dgm:sp3d/>
-    <dgm:txPr/>
-    <dgm:style>
-      <a:lnRef idx="2">
-        <a:scrgbClr r="0" g="0" b="0"/>
-      </a:lnRef>
-      <a:fillRef idx="1">
-        <a:scrgbClr r="0" g="0" b="0"/>
-      </a:fillRef>
-      <a:effectRef idx="0">
-        <a:scrgbClr r="0" g="0" b="0"/>
-      </a:effectRef>
-      <a:fontRef idx="minor"/>
-    </dgm:style>
-  </dgm:styleLbl>
-  <dgm:styleLbl name="solidAlignAcc1">
-    <dgm:scene3d>
-      <a:camera prst="orthographicFront"/>
-      <a:lightRig rig="threePt" dir="t"/>
-    </dgm:scene3d>
-    <dgm:sp3d/>
-    <dgm:txPr/>
-    <dgm:style>
-      <a:lnRef idx="2">
-        <a:scrgbClr r="0" g="0" b="0"/>
-      </a:lnRef>
-      <a:fillRef idx="1">
-        <a:scrgbClr r="0" g="0" b="0"/>
-      </a:fillRef>
-      <a:effectRef idx="0">
-        <a:scrgbClr r="0" g="0" b="0"/>
-      </a:effectRef>
-      <a:fontRef idx="minor"/>
-    </dgm:style>
-  </dgm:styleLbl>
-  <dgm:styleLbl name="solidBgAcc1">
-    <dgm:scene3d>
-      <a:camera prst="orthographicFront"/>
-      <a:lightRig rig="threePt" dir="t"/>
-    </dgm:scene3d>
-    <dgm:sp3d/>
-    <dgm:txPr/>
-    <dgm:style>
-      <a:lnRef idx="2">
-        <a:scrgbClr r="0" g="0" b="0"/>
-      </a:lnRef>
-      <a:fillRef idx="1">
-        <a:scrgbClr r="0" g="0" b="0"/>
-      </a:fillRef>
-      <a:effectRef idx="0">
-        <a:scrgbClr r="0" g="0" b="0"/>
-      </a:effectRef>
-      <a:fontRef idx="minor"/>
-    </dgm:style>
-  </dgm:styleLbl>
-  <dgm:styleLbl name="fgAccFollowNode1">
-    <dgm:scene3d>
-      <a:camera prst="orthographicFront"/>
-      <a:lightRig rig="threePt" dir="t"/>
-    </dgm:scene3d>
-    <dgm:sp3d/>
-    <dgm:txPr/>
-    <dgm:style>
-      <a:lnRef idx="2">
-        <a:scrgbClr r="0" g="0" b="0"/>
-      </a:lnRef>
-      <a:fillRef idx="1">
-        <a:scrgbClr r="0" g="0" b="0"/>
-      </a:fillRef>
-      <a:effectRef idx="0">
-        <a:scrgbClr r="0" g="0" b="0"/>
-      </a:effectRef>
-      <a:fontRef idx="minor"/>
-    </dgm:style>
-  </dgm:styleLbl>
-  <dgm:styleLbl name="alignAccFollowNode1">
-    <dgm:scene3d>
-      <a:camera prst="orthographicFront"/>
-      <a:lightRig rig="threePt" dir="t"/>
-    </dgm:scene3d>
-    <dgm:sp3d/>
-    <dgm:txPr/>
-    <dgm:style>
-      <a:lnRef idx="2">
-        <a:scrgbClr r="0" g="0" b="0"/>
-      </a:lnRef>
-      <a:fillRef idx="1">
-        <a:scrgbClr r="0" g="0" b="0"/>
-      </a:fillRef>
-      <a:effectRef idx="0">
-        <a:scrgbClr r="0" g="0" b="0"/>
-      </a:effectRef>
-      <a:fontRef idx="minor"/>
-    </dgm:style>
-  </dgm:styleLbl>
-  <dgm:styleLbl name="bgAccFollowNode1">
-    <dgm:scene3d>
-      <a:camera prst="orthographicFront"/>
-      <a:lightRig rig="threePt" dir="t"/>
-    </dgm:scene3d>
-    <dgm:sp3d/>
-    <dgm:txPr/>
-    <dgm:style>
-      <a:lnRef idx="2">
-        <a:scrgbClr r="0" g="0" b="0"/>
-      </a:lnRef>
-      <a:fillRef idx="1">
-        <a:scrgbClr r="0" g="0" b="0"/>
-      </a:fillRef>
-      <a:effectRef idx="0">
-        <a:scrgbClr r="0" g="0" b="0"/>
-      </a:effectRef>
-      <a:fontRef idx="minor"/>
-    </dgm:style>
-  </dgm:styleLbl>
-  <dgm:styleLbl name="fgAcc0">
-    <dgm:scene3d>
-      <a:camera prst="orthographicFront"/>
-      <a:lightRig rig="threePt" dir="t"/>
-    </dgm:scene3d>
-    <dgm:sp3d/>
-    <dgm:txPr/>
-    <dgm:style>
-      <a:lnRef idx="2">
-        <a:scrgbClr r="0" g="0" b="0"/>
-      </a:lnRef>
-      <a:fillRef idx="1">
-        <a:scrgbClr r="0" g="0" b="0"/>
-      </a:fillRef>
-      <a:effectRef idx="0">
-        <a:scrgbClr r="0" g="0" b="0"/>
-      </a:effectRef>
-      <a:fontRef idx="minor"/>
-    </dgm:style>
-  </dgm:styleLbl>
-  <dgm:styleLbl name="fgAcc2">
-    <dgm:scene3d>
-      <a:camera prst="orthographicFront"/>
-      <a:lightRig rig="threePt" dir="t"/>
-    </dgm:scene3d>
-    <dgm:sp3d/>
-    <dgm:txPr/>
-    <dgm:style>
-      <a:lnRef idx="2">
-        <a:scrgbClr r="0" g="0" b="0"/>
-      </a:lnRef>
-      <a:fillRef idx="1">
-        <a:scrgbClr r="0" g="0" b="0"/>
-      </a:fillRef>
-      <a:effectRef idx="0">
-        <a:scrgbClr r="0" g="0" b="0"/>
-      </a:effectRef>
-      <a:fontRef idx="minor"/>
-    </dgm:style>
-  </dgm:styleLbl>
-  <dgm:styleLbl name="fgAcc3">
-    <dgm:scene3d>
-      <a:camera prst="orthographicFront"/>
-      <a:lightRig rig="threePt" dir="t"/>
-    </dgm:scene3d>
-    <dgm:sp3d/>
-    <dgm:txPr/>
-    <dgm:style>
-      <a:lnRef idx="2">
-        <a:scrgbClr r="0" g="0" b="0"/>
-      </a:lnRef>
-      <a:fillRef idx="1">
-        <a:scrgbClr r="0" g="0" b="0"/>
-      </a:fillRef>
-      <a:effectRef idx="0">
-        <a:scrgbClr r="0" g="0" b="0"/>
-      </a:effectRef>
-      <a:fontRef idx="minor"/>
-    </dgm:style>
-  </dgm:styleLbl>
-  <dgm:styleLbl name="fgAcc4">
-    <dgm:scene3d>
-      <a:camera prst="orthographicFront"/>
-      <a:lightRig rig="threePt" dir="t"/>
-    </dgm:scene3d>
-    <dgm:sp3d/>
-    <dgm:txPr/>
-    <dgm:style>
-      <a:lnRef idx="2">
-        <a:scrgbClr r="0" g="0" b="0"/>
-      </a:lnRef>
-      <a:fillRef idx="1">
-        <a:scrgbClr r="0" g="0" b="0"/>
-      </a:fillRef>
-      <a:effectRef idx="0">
-        <a:scrgbClr r="0" g="0" b="0"/>
-      </a:effectRef>
-      <a:fontRef idx="minor"/>
-    </dgm:style>
-  </dgm:styleLbl>
-  <dgm:styleLbl name="bgShp">
-    <dgm:scene3d>
-      <a:camera prst="orthographicFront"/>
-      <a:lightRig rig="threePt" dir="t"/>
-    </dgm:scene3d>
-    <dgm:sp3d/>
-    <dgm:txPr/>
-    <dgm:style>
-      <a:lnRef idx="0">
-        <a:scrgbClr r="0" g="0" b="0"/>
-      </a:lnRef>
-      <a:fillRef idx="1">
-        <a:scrgbClr r="0" g="0" b="0"/>
-      </a:fillRef>
-      <a:effectRef idx="0">
-        <a:scrgbClr r="0" g="0" b="0"/>
-      </a:effectRef>
-      <a:fontRef idx="minor"/>
-    </dgm:style>
-  </dgm:styleLbl>
-  <dgm:styleLbl name="dkBgShp">
-    <dgm:scene3d>
-      <a:camera prst="orthographicFront"/>
-      <a:lightRig rig="threePt" dir="t"/>
-    </dgm:scene3d>
-    <dgm:sp3d/>
-    <dgm:txPr/>
-    <dgm:style>
-      <a:lnRef idx="0">
-        <a:scrgbClr r="0" g="0" b="0"/>
-      </a:lnRef>
-      <a:fillRef idx="1">
-        <a:scrgbClr r="0" g="0" b="0"/>
-      </a:fillRef>
-      <a:effectRef idx="0">
-        <a:scrgbClr r="0" g="0" b="0"/>
-      </a:effectRef>
-      <a:fontRef idx="minor"/>
-    </dgm:style>
-  </dgm:styleLbl>
-  <dgm:styleLbl name="trBgShp">
-    <dgm:scene3d>
-      <a:camera prst="orthographicFront"/>
-      <a:lightRig rig="threePt" dir="t"/>
-    </dgm:scene3d>
-    <dgm:sp3d/>
-    <dgm:txPr/>
-    <dgm:style>
-      <a:lnRef idx="0">
-        <a:scrgbClr r="0" g="0" b="0"/>
-      </a:lnRef>
-      <a:fillRef idx="1">
-        <a:scrgbClr r="0" g="0" b="0"/>
-      </a:fillRef>
-      <a:effectRef idx="0">
-        <a:scrgbClr r="0" g="0" b="0"/>
-      </a:effectRef>
-      <a:fontRef idx="minor"/>
-    </dgm:style>
-  </dgm:styleLbl>
-  <dgm:styleLbl name="fgShp">
-    <dgm:scene3d>
-      <a:camera prst="orthographicFront"/>
-      <a:lightRig rig="threePt" dir="t"/>
-    </dgm:scene3d>
-    <dgm:sp3d/>
-    <dgm:txPr/>
-    <dgm:style>
-      <a:lnRef idx="2">
-        <a:scrgbClr r="0" g="0" b="0"/>
-      </a:lnRef>
-      <a:fillRef idx="1">
-        <a:scrgbClr r="0" g="0" b="0"/>
-      </a:fillRef>
-      <a:effectRef idx="0">
-        <a:scrgbClr r="0" g="0" b="0"/>
-      </a:effectRef>
-      <a:fontRef idx="minor"/>
-    </dgm:style>
-  </dgm:styleLbl>
-  <dgm:styleLbl name="revTx">
-    <dgm:scene3d>
-      <a:camera prst="orthographicFront"/>
-      <a:lightRig rig="threePt" dir="t"/>
-    </dgm:scene3d>
-    <dgm:sp3d/>
-    <dgm:txPr/>
-    <dgm:style>
-      <a:lnRef idx="0">
-        <a:scrgbClr r="0" g="0" b="0"/>
-      </a:lnRef>
-      <a:fillRef idx="0">
-        <a:scrgbClr r="0" g="0" b="0"/>
-      </a:fillRef>
-      <a:effectRef idx="0">
-        <a:scrgbClr r="0" g="0" b="0"/>
-      </a:effectRef>
-      <a:fontRef idx="minor"/>
-    </dgm:style>
-  </dgm:styleLbl>
-</dgm:styleDef>
-</file>
-
 <file path=ppt/notesMasters/notesMaster1.xml><?xml version="1.0" encoding="utf-8"?>
 <p:notesMaster xmlns:a="http://schemas.openxmlformats.org/drawingml/2006/main" xmlns:r="http://schemas.openxmlformats.org/officeDocument/2006/relationships" xmlns:p="http://schemas.openxmlformats.org/presentationml/2006/main">
   <p:cSld>
@@ -4558,7 +205,7 @@
           <a:p>
             <a:fld id="{2E3AF96E-09C9-433B-933B-4F1BE9EDD971}" type="datetimeFigureOut">
               <a:rPr lang="vi-VN" smtClean="0"/>
-              <a:t>04/11/2018</a:t>
+              <a:t>08/11/2018</a:t>
             </a:fld>
             <a:endParaRPr lang="vi-VN"/>
           </a:p>
@@ -5632,7 +1279,7 @@
           <a:p>
             <a:fld id="{197FB42D-FAD3-49A3-A078-1D44F47B97DC}" type="datetime1">
               <a:rPr lang="vi-VN" smtClean="0"/>
-              <a:t>04/11/2018</a:t>
+              <a:t>08/11/2018</a:t>
             </a:fld>
             <a:endParaRPr lang="vi-VN"/>
           </a:p>
@@ -5883,7 +1530,7 @@
           <a:p>
             <a:fld id="{9381CA84-3F60-4EE6-93D6-0CB6E4E4381E}" type="datetime1">
               <a:rPr lang="vi-VN" smtClean="0"/>
-              <a:t>04/11/2018</a:t>
+              <a:t>08/11/2018</a:t>
             </a:fld>
             <a:endParaRPr lang="vi-VN"/>
           </a:p>
@@ -6197,7 +1844,7 @@
           <a:p>
             <a:fld id="{562BDEED-0ABB-46C0-9288-1853FBD3CEFE}" type="datetime1">
               <a:rPr lang="vi-VN" smtClean="0"/>
-              <a:t>04/11/2018</a:t>
+              <a:t>08/11/2018</a:t>
             </a:fld>
             <a:endParaRPr lang="vi-VN"/>
           </a:p>
@@ -6538,7 +2185,7 @@
           <a:p>
             <a:fld id="{7E9E3449-3788-42A4-83DE-B4481677F237}" type="datetime1">
               <a:rPr lang="vi-VN" smtClean="0"/>
-              <a:t>04/11/2018</a:t>
+              <a:t>08/11/2018</a:t>
             </a:fld>
             <a:endParaRPr lang="vi-VN"/>
           </a:p>
@@ -6852,7 +2499,7 @@
           <a:p>
             <a:fld id="{245057D3-F864-48E9-9DC8-94A4EFAEF2EA}" type="datetime1">
               <a:rPr lang="vi-VN" smtClean="0"/>
-              <a:t>04/11/2018</a:t>
+              <a:t>08/11/2018</a:t>
             </a:fld>
             <a:endParaRPr lang="vi-VN"/>
           </a:p>
@@ -7245,7 +2892,7 @@
           <a:p>
             <a:fld id="{16557531-051E-41AA-9F48-7D716D745B64}" type="datetime1">
               <a:rPr lang="vi-VN" smtClean="0"/>
-              <a:t>04/11/2018</a:t>
+              <a:t>08/11/2018</a:t>
             </a:fld>
             <a:endParaRPr lang="vi-VN"/>
           </a:p>
@@ -7415,7 +3062,7 @@
           <a:p>
             <a:fld id="{D1B644E1-9895-4365-BC55-AD5D2D8DD356}" type="datetime1">
               <a:rPr lang="vi-VN" smtClean="0"/>
-              <a:t>04/11/2018</a:t>
+              <a:t>08/11/2018</a:t>
             </a:fld>
             <a:endParaRPr lang="vi-VN"/>
           </a:p>
@@ -7595,7 +3242,7 @@
           <a:p>
             <a:fld id="{A7D4BB8E-475F-430A-A53D-275AC8375F77}" type="datetime1">
               <a:rPr lang="vi-VN" smtClean="0"/>
-              <a:t>04/11/2018</a:t>
+              <a:t>08/11/2018</a:t>
             </a:fld>
             <a:endParaRPr lang="vi-VN"/>
           </a:p>
@@ -7771,7 +3418,7 @@
           <a:p>
             <a:fld id="{CA09B478-DF8A-444B-A141-61D5DACAF866}" type="datetime1">
               <a:rPr lang="vi-VN" smtClean="0"/>
-              <a:t>04/11/2018</a:t>
+              <a:t>08/11/2018</a:t>
             </a:fld>
             <a:endParaRPr lang="vi-VN"/>
           </a:p>
@@ -8018,7 +3665,7 @@
           <a:p>
             <a:fld id="{67C40E9F-4116-4698-A278-C5A7EA28994F}" type="datetime1">
               <a:rPr lang="vi-VN" smtClean="0"/>
-              <a:t>04/11/2018</a:t>
+              <a:t>08/11/2018</a:t>
             </a:fld>
             <a:endParaRPr lang="vi-VN"/>
           </a:p>
@@ -8250,7 +3897,7 @@
           <a:p>
             <a:fld id="{E4D61FF4-FD3D-4D9A-841A-7B5A5A1848E6}" type="datetime1">
               <a:rPr lang="vi-VN" smtClean="0"/>
-              <a:t>04/11/2018</a:t>
+              <a:t>08/11/2018</a:t>
             </a:fld>
             <a:endParaRPr lang="vi-VN"/>
           </a:p>
@@ -8624,7 +4271,7 @@
           <a:p>
             <a:fld id="{A0AB353D-95F0-46F8-BE87-8FC88FB6024D}" type="datetime1">
               <a:rPr lang="vi-VN" smtClean="0"/>
-              <a:t>04/11/2018</a:t>
+              <a:t>08/11/2018</a:t>
             </a:fld>
             <a:endParaRPr lang="vi-VN"/>
           </a:p>
@@ -8747,7 +4394,7 @@
           <a:p>
             <a:fld id="{26968B05-9982-45DB-8E01-4BE20EAA62A4}" type="datetime1">
               <a:rPr lang="vi-VN" smtClean="0"/>
-              <a:t>04/11/2018</a:t>
+              <a:t>08/11/2018</a:t>
             </a:fld>
             <a:endParaRPr lang="vi-VN"/>
           </a:p>
@@ -8842,7 +4489,7 @@
           <a:p>
             <a:fld id="{375925BD-888A-4679-B408-CAAF41AB7DB3}" type="datetime1">
               <a:rPr lang="vi-VN" smtClean="0"/>
-              <a:t>04/11/2018</a:t>
+              <a:t>08/11/2018</a:t>
             </a:fld>
             <a:endParaRPr lang="vi-VN"/>
           </a:p>
@@ -9097,7 +4744,7 @@
           <a:p>
             <a:fld id="{82C63F73-899F-4B02-AE38-3BDCFE981DAB}" type="datetime1">
               <a:rPr lang="vi-VN" smtClean="0"/>
-              <a:t>04/11/2018</a:t>
+              <a:t>08/11/2018</a:t>
             </a:fld>
             <a:endParaRPr lang="vi-VN"/>
           </a:p>
@@ -9360,7 +5007,7 @@
           <a:p>
             <a:fld id="{79091089-BA6D-4198-B82E-9E4CB89901F5}" type="datetime1">
               <a:rPr lang="vi-VN" smtClean="0"/>
-              <a:t>04/11/2018</a:t>
+              <a:t>08/11/2018</a:t>
             </a:fld>
             <a:endParaRPr lang="vi-VN"/>
           </a:p>
@@ -10103,7 +5750,7 @@
           <a:p>
             <a:fld id="{5579122F-0D62-4194-9420-5B8C90647B75}" type="datetime1">
               <a:rPr lang="vi-VN" smtClean="0"/>
-              <a:t>04/11/2018</a:t>
+              <a:t>08/11/2018</a:t>
             </a:fld>
             <a:endParaRPr lang="vi-VN"/>
           </a:p>
@@ -10681,8 +6328,8 @@
         </p:nvSpPr>
         <p:spPr>
           <a:xfrm>
-            <a:off x="1507066" y="5673574"/>
-            <a:ext cx="5782375" cy="938977"/>
+            <a:off x="1507066" y="5454631"/>
+            <a:ext cx="6349047" cy="1177989"/>
           </a:xfrm>
         </p:spPr>
         <p:txBody>
@@ -10693,29 +6340,42 @@
           <a:p>
             <a:pPr algn="l"/>
             <a:r>
-              <a:rPr lang="en-US" smtClean="0">
+              <a:rPr lang="en-US" sz="2000" smtClean="0">
                 <a:solidFill>
                   <a:schemeClr val="tx1"/>
                 </a:solidFill>
                 <a:latin typeface="Arial" panose="020B0604020202020204" pitchFamily="34" charset="0"/>
                 <a:cs typeface="Arial" panose="020B0604020202020204" pitchFamily="34" charset="0"/>
               </a:rPr>
-              <a:t>SINH VIÊN THỰC HIỆN: BÙI HOÀNG ANH</a:t>
+              <a:t>Sinh viên thực hiện: Bùi Hoàng Anh</a:t>
             </a:r>
           </a:p>
           <a:p>
             <a:pPr algn="l"/>
             <a:r>
-              <a:rPr lang="en-US" smtClean="0">
+              <a:rPr lang="en-US" sz="2000" smtClean="0">
                 <a:solidFill>
                   <a:schemeClr val="tx1"/>
                 </a:solidFill>
                 <a:latin typeface="Arial" panose="020B0604020202020204" pitchFamily="34" charset="0"/>
                 <a:cs typeface="Arial" panose="020B0604020202020204" pitchFamily="34" charset="0"/>
               </a:rPr>
-              <a:t>GIÁO VIÊN HƯỚNG DẪN: THS. PHÙNG ANH TUẤN</a:t>
-            </a:r>
-            <a:endParaRPr lang="vi-VN">
+              <a:t>Giáo viên hướng dẫn: Ths. Phùng Anh Tuấn</a:t>
+            </a:r>
+          </a:p>
+          <a:p>
+            <a:pPr algn="l"/>
+            <a:r>
+              <a:rPr lang="en-US" sz="2000" smtClean="0">
+                <a:solidFill>
+                  <a:schemeClr val="tx1"/>
+                </a:solidFill>
+                <a:latin typeface="Arial" panose="020B0604020202020204" pitchFamily="34" charset="0"/>
+                <a:cs typeface="Arial" panose="020B0604020202020204" pitchFamily="34" charset="0"/>
+              </a:rPr>
+              <a:t>Mã số sinh viên: 1412101114 – Lớp: CT1801</a:t>
+            </a:r>
+            <a:endParaRPr lang="vi-VN" sz="2000">
               <a:solidFill>
                 <a:schemeClr val="tx1"/>
               </a:solidFill>
@@ -10759,7 +6419,7 @@
         <p:spPr>
           <a:xfrm>
             <a:off x="2689775" y="284502"/>
-            <a:ext cx="4844364" cy="784445"/>
+            <a:ext cx="5514068" cy="784445"/>
           </a:xfrm>
           <a:prstGeom prst="rect">
             <a:avLst/>
@@ -10991,7 +6651,7 @@
           <a:p>
             <a:pPr algn="ctr"/>
             <a:r>
-              <a:rPr lang="vi-VN" smtClean="0">
+              <a:rPr lang="vi-VN" sz="2000" smtClean="0">
                 <a:solidFill>
                   <a:schemeClr val="tx1"/>
                 </a:solidFill>
@@ -11003,7 +6663,7 @@
           <a:p>
             <a:pPr algn="ctr"/>
             <a:r>
-              <a:rPr lang="vi-VN" smtClean="0">
+              <a:rPr lang="vi-VN" sz="2000" smtClean="0">
                 <a:solidFill>
                   <a:schemeClr val="tx1"/>
                 </a:solidFill>
@@ -11012,7 +6672,7 @@
               </a:rPr>
               <a:t>KHOA CÔNG NGHỆ THÔNG TIN</a:t>
             </a:r>
-            <a:endParaRPr lang="vi-VN">
+            <a:endParaRPr lang="vi-VN" sz="2000">
               <a:solidFill>
                 <a:schemeClr val="tx1"/>
               </a:solidFill>
@@ -11125,14 +6785,14 @@
                 <a:latin typeface="Arial" panose="020B0604020202020204" pitchFamily="34" charset="0"/>
                 <a:cs typeface="Arial" panose="020B0604020202020204" pitchFamily="34" charset="0"/>
               </a:rPr>
-              <a:t>ĐỀ</a:t>
+              <a:t>ĐỒ ÁN</a:t>
             </a:r>
             <a:r>
               <a:rPr lang="en-US" sz="4800" b="1" smtClean="0">
                 <a:latin typeface="Arial" panose="020B0604020202020204" pitchFamily="34" charset="0"/>
                 <a:cs typeface="Arial" panose="020B0604020202020204" pitchFamily="34" charset="0"/>
               </a:rPr>
-              <a:t> TÀI TỐT NGHIỆP</a:t>
+              <a:t> TỐT NGHIỆP</a:t>
             </a:r>
             <a:endParaRPr lang="vi-VN" sz="4800" b="1">
               <a:latin typeface="Arial" panose="020B0604020202020204" pitchFamily="34" charset="0"/>
@@ -11162,8 +6822,8 @@
         </p:blipFill>
         <p:spPr bwMode="auto">
           <a:xfrm>
-            <a:off x="1696199" y="221532"/>
-            <a:ext cx="993576" cy="949019"/>
+            <a:off x="1696200" y="221532"/>
+            <a:ext cx="993575" cy="1026881"/>
           </a:xfrm>
           <a:prstGeom prst="rect">
             <a:avLst/>
@@ -11226,7 +6886,12 @@
             <p:ph type="title"/>
           </p:nvPr>
         </p:nvSpPr>
-        <p:spPr/>
+        <p:spPr>
+          <a:xfrm>
+            <a:off x="677334" y="609600"/>
+            <a:ext cx="8596668" cy="1320800"/>
+          </a:xfrm>
+        </p:spPr>
         <p:txBody>
           <a:bodyPr/>
           <a:lstStyle/>
@@ -11238,7 +6903,7 @@
                 </a:solidFill>
                 <a:latin typeface="+mn-lt"/>
               </a:rPr>
-              <a:t>NỘI DUNG ĐỀ TÀI</a:t>
+              <a:t>NỘI DUNG</a:t>
             </a:r>
             <a:endParaRPr lang="vi-VN" b="1">
               <a:solidFill>
@@ -11286,6 +6951,11 @@
           <a:prstGeom prst="hexagon">
             <a:avLst/>
           </a:prstGeom>
+          <a:ln>
+            <a:solidFill>
+              <a:schemeClr val="accent1"/>
+            </a:solidFill>
+          </a:ln>
         </p:spPr>
         <p:style>
           <a:lnRef idx="2">
@@ -11460,6 +7130,11 @@
           <a:prstGeom prst="hexagon">
             <a:avLst/>
           </a:prstGeom>
+          <a:ln>
+            <a:solidFill>
+              <a:schemeClr val="accent1"/>
+            </a:solidFill>
+          </a:ln>
         </p:spPr>
         <p:style>
           <a:lnRef idx="2">
@@ -11633,6 +7308,11 @@
           <a:prstGeom prst="hexagon">
             <a:avLst/>
           </a:prstGeom>
+          <a:ln>
+            <a:solidFill>
+              <a:schemeClr val="accent1"/>
+            </a:solidFill>
+          </a:ln>
         </p:spPr>
         <p:style>
           <a:lnRef idx="2">
@@ -11806,6 +7486,11 @@
           <a:prstGeom prst="hexagon">
             <a:avLst/>
           </a:prstGeom>
+          <a:ln>
+            <a:solidFill>
+              <a:schemeClr val="accent1"/>
+            </a:solidFill>
+          </a:ln>
         </p:spPr>
         <p:style>
           <a:lnRef idx="2">
@@ -12059,17 +7744,7 @@
                 <a:latin typeface="Arial" panose="020B0604020202020204" pitchFamily="34" charset="0"/>
                 <a:cs typeface="Arial" panose="020B0604020202020204" pitchFamily="34" charset="0"/>
               </a:rPr>
-              <a:t>Ngày nay, vai trò của các ứng dụng đọc tin tức trên thiết bị di động ngày càng trở nên quan </a:t>
-            </a:r>
-            <a:r>
-              <a:rPr lang="en-US" sz="2400">
-                <a:solidFill>
-                  <a:schemeClr val="tx1"/>
-                </a:solidFill>
-                <a:latin typeface="Arial" panose="020B0604020202020204" pitchFamily="34" charset="0"/>
-                <a:cs typeface="Arial" panose="020B0604020202020204" pitchFamily="34" charset="0"/>
-              </a:rPr>
-              <a:t>trọng</a:t>
+              <a:t>Ngày nay, vai trò của các ứng dụng đọc tin tức trên thiết bị di động ngày càng trở nên quan trọng</a:t>
             </a:r>
             <a:r>
               <a:rPr lang="en-US" sz="2400" smtClean="0">
@@ -12130,17 +7805,7 @@
                 <a:latin typeface="Arial" panose="020B0604020202020204" pitchFamily="34" charset="0"/>
                 <a:cs typeface="Arial" panose="020B0604020202020204" pitchFamily="34" charset="0"/>
               </a:rPr>
-              <a:t>thông có giới </a:t>
-            </a:r>
-            <a:r>
-              <a:rPr lang="en-US" sz="2400">
-                <a:solidFill>
-                  <a:schemeClr val="tx1"/>
-                </a:solidFill>
-                <a:latin typeface="Arial" panose="020B0604020202020204" pitchFamily="34" charset="0"/>
-                <a:cs typeface="Arial" panose="020B0604020202020204" pitchFamily="34" charset="0"/>
-              </a:rPr>
-              <a:t>hạn </a:t>
+              <a:t>thông có giới hạn </a:t>
             </a:r>
             <a:r>
               <a:rPr lang="en-US" sz="2400" smtClean="0">
@@ -12160,17 +7825,7 @@
                 <a:latin typeface="Arial" panose="020B0604020202020204" pitchFamily="34" charset="0"/>
                 <a:cs typeface="Arial" panose="020B0604020202020204" pitchFamily="34" charset="0"/>
               </a:rPr>
-              <a:t> tin tức, </a:t>
-            </a:r>
-            <a:r>
-              <a:rPr lang="en-US" sz="2400">
-                <a:solidFill>
-                  <a:schemeClr val="tx1"/>
-                </a:solidFill>
-                <a:latin typeface="Arial" panose="020B0604020202020204" pitchFamily="34" charset="0"/>
-                <a:cs typeface="Arial" panose="020B0604020202020204" pitchFamily="34" charset="0"/>
-              </a:rPr>
-              <a:t>các </a:t>
+              <a:t> tin tức, các </a:t>
             </a:r>
             <a:r>
               <a:rPr lang="en-US" sz="2400" smtClean="0">
@@ -12190,17 +7845,7 @@
                 <a:latin typeface="Arial" panose="020B0604020202020204" pitchFamily="34" charset="0"/>
                 <a:cs typeface="Arial" panose="020B0604020202020204" pitchFamily="34" charset="0"/>
               </a:rPr>
-              <a:t>báo trực tuyến đã cung cấp được sự tiện lợi trong việc cập nhật và phát hành thông </a:t>
-            </a:r>
-            <a:r>
-              <a:rPr lang="en-US" sz="2400">
-                <a:solidFill>
-                  <a:schemeClr val="tx1"/>
-                </a:solidFill>
-                <a:latin typeface="Arial" panose="020B0604020202020204" pitchFamily="34" charset="0"/>
-                <a:cs typeface="Arial" panose="020B0604020202020204" pitchFamily="34" charset="0"/>
-              </a:rPr>
-              <a:t>tin</a:t>
+              <a:t>báo trực tuyến đã cung cấp được sự tiện lợi trong việc cập nhật và phát hành thông tin</a:t>
             </a:r>
             <a:r>
               <a:rPr lang="en-US" sz="2400" smtClean="0">
@@ -12555,8 +8200,8 @@
         </p:blipFill>
         <p:spPr>
           <a:xfrm>
-            <a:off x="677334" y="2426932"/>
-            <a:ext cx="7957984" cy="2887707"/>
+            <a:off x="345792" y="2401174"/>
+            <a:ext cx="8928210" cy="3239772"/>
           </a:xfrm>
           <a:prstGeom prst="rect">
             <a:avLst/>
@@ -12694,30 +8339,6 @@
           </a:p>
         </p:txBody>
       </p:sp>
-      <p:graphicFrame>
-        <p:nvGraphicFramePr>
-          <p:cNvPr id="9" name="Content Placeholder 4"/>
-          <p:cNvGraphicFramePr>
-            <a:graphicFrameLocks/>
-          </p:cNvGraphicFramePr>
-          <p:nvPr>
-            <p:extLst>
-              <p:ext uri="{D42A27DB-BD31-4B8C-83A1-F6EECF244321}">
-                <p14:modId xmlns:p14="http://schemas.microsoft.com/office/powerpoint/2010/main" val="1192982763"/>
-              </p:ext>
-            </p:extLst>
-          </p:nvPr>
-        </p:nvGraphicFramePr>
-        <p:xfrm>
-          <a:off x="1120289" y="2588654"/>
-          <a:ext cx="8012045" cy="2383762"/>
-        </p:xfrm>
-        <a:graphic>
-          <a:graphicData uri="http://schemas.openxmlformats.org/drawingml/2006/diagram">
-            <dgm:relIds xmlns:dgm="http://schemas.openxmlformats.org/drawingml/2006/diagram" xmlns:r="http://schemas.openxmlformats.org/officeDocument/2006/relationships" r:dm="rId2" r:lo="rId3" r:qs="rId4" r:cs="rId5"/>
-          </a:graphicData>
-        </a:graphic>
-      </p:graphicFrame>
     </p:spTree>
     <p:extLst>
       <p:ext uri="{BB962C8B-B14F-4D97-AF65-F5344CB8AC3E}">
@@ -12884,9 +8505,271 @@
           </a:ln>
         </p:spPr>
       </p:pic>
+      <p:sp>
+        <p:nvSpPr>
+          <p:cNvPr id="8" name="TextBox 6"/>
+          <p:cNvSpPr txBox="1"/>
+          <p:nvPr/>
+        </p:nvSpPr>
+        <p:spPr>
+          <a:xfrm>
+            <a:off x="1041502" y="6167896"/>
+            <a:ext cx="2608407" cy="584775"/>
+          </a:xfrm>
+          <a:prstGeom prst="rect">
+            <a:avLst/>
+          </a:prstGeom>
+          <a:noFill/>
+        </p:spPr>
+        <p:txBody>
+          <a:bodyPr wrap="square" rtlCol="0">
+            <a:spAutoFit/>
+          </a:bodyPr>
+          <a:lstStyle>
+            <a:defPPr>
+              <a:defRPr lang="en-US"/>
+            </a:defPPr>
+            <a:lvl1pPr marL="0" algn="l" defTabSz="914400" rtl="0" eaLnBrk="1" latinLnBrk="0" hangingPunct="1">
+              <a:defRPr sz="1800" kern="1200">
+                <a:solidFill>
+                  <a:schemeClr val="tx1"/>
+                </a:solidFill>
+                <a:latin typeface="+mn-lt"/>
+                <a:ea typeface="+mn-ea"/>
+                <a:cs typeface="+mn-cs"/>
+              </a:defRPr>
+            </a:lvl1pPr>
+            <a:lvl2pPr marL="457200" algn="l" defTabSz="914400" rtl="0" eaLnBrk="1" latinLnBrk="0" hangingPunct="1">
+              <a:defRPr sz="1800" kern="1200">
+                <a:solidFill>
+                  <a:schemeClr val="tx1"/>
+                </a:solidFill>
+                <a:latin typeface="+mn-lt"/>
+                <a:ea typeface="+mn-ea"/>
+                <a:cs typeface="+mn-cs"/>
+              </a:defRPr>
+            </a:lvl2pPr>
+            <a:lvl3pPr marL="914400" algn="l" defTabSz="914400" rtl="0" eaLnBrk="1" latinLnBrk="0" hangingPunct="1">
+              <a:defRPr sz="1800" kern="1200">
+                <a:solidFill>
+                  <a:schemeClr val="tx1"/>
+                </a:solidFill>
+                <a:latin typeface="+mn-lt"/>
+                <a:ea typeface="+mn-ea"/>
+                <a:cs typeface="+mn-cs"/>
+              </a:defRPr>
+            </a:lvl3pPr>
+            <a:lvl4pPr marL="1371600" algn="l" defTabSz="914400" rtl="0" eaLnBrk="1" latinLnBrk="0" hangingPunct="1">
+              <a:defRPr sz="1800" kern="1200">
+                <a:solidFill>
+                  <a:schemeClr val="tx1"/>
+                </a:solidFill>
+                <a:latin typeface="+mn-lt"/>
+                <a:ea typeface="+mn-ea"/>
+                <a:cs typeface="+mn-cs"/>
+              </a:defRPr>
+            </a:lvl4pPr>
+            <a:lvl5pPr marL="1828800" algn="l" defTabSz="914400" rtl="0" eaLnBrk="1" latinLnBrk="0" hangingPunct="1">
+              <a:defRPr sz="1800" kern="1200">
+                <a:solidFill>
+                  <a:schemeClr val="tx1"/>
+                </a:solidFill>
+                <a:latin typeface="+mn-lt"/>
+                <a:ea typeface="+mn-ea"/>
+                <a:cs typeface="+mn-cs"/>
+              </a:defRPr>
+            </a:lvl5pPr>
+            <a:lvl6pPr marL="2286000" algn="l" defTabSz="914400" rtl="0" eaLnBrk="1" latinLnBrk="0" hangingPunct="1">
+              <a:defRPr sz="1800" kern="1200">
+                <a:solidFill>
+                  <a:schemeClr val="tx1"/>
+                </a:solidFill>
+                <a:latin typeface="+mn-lt"/>
+                <a:ea typeface="+mn-ea"/>
+                <a:cs typeface="+mn-cs"/>
+              </a:defRPr>
+            </a:lvl6pPr>
+            <a:lvl7pPr marL="2743200" algn="l" defTabSz="914400" rtl="0" eaLnBrk="1" latinLnBrk="0" hangingPunct="1">
+              <a:defRPr sz="1800" kern="1200">
+                <a:solidFill>
+                  <a:schemeClr val="tx1"/>
+                </a:solidFill>
+                <a:latin typeface="+mn-lt"/>
+                <a:ea typeface="+mn-ea"/>
+                <a:cs typeface="+mn-cs"/>
+              </a:defRPr>
+            </a:lvl7pPr>
+            <a:lvl8pPr marL="3200400" algn="l" defTabSz="914400" rtl="0" eaLnBrk="1" latinLnBrk="0" hangingPunct="1">
+              <a:defRPr sz="1800" kern="1200">
+                <a:solidFill>
+                  <a:schemeClr val="tx1"/>
+                </a:solidFill>
+                <a:latin typeface="+mn-lt"/>
+                <a:ea typeface="+mn-ea"/>
+                <a:cs typeface="+mn-cs"/>
+              </a:defRPr>
+            </a:lvl8pPr>
+            <a:lvl9pPr marL="3657600" algn="l" defTabSz="914400" rtl="0" eaLnBrk="1" latinLnBrk="0" hangingPunct="1">
+              <a:defRPr sz="1800" kern="1200">
+                <a:solidFill>
+                  <a:schemeClr val="tx1"/>
+                </a:solidFill>
+                <a:latin typeface="+mn-lt"/>
+                <a:ea typeface="+mn-ea"/>
+                <a:cs typeface="+mn-cs"/>
+              </a:defRPr>
+            </a:lvl9pPr>
+          </a:lstStyle>
+          <a:p>
+            <a:pPr algn="ctr"/>
+            <a:r>
+              <a:rPr lang="en-US" sz="1600" smtClean="0">
+                <a:latin typeface="Arial" pitchFamily="34" charset="0"/>
+                <a:cs typeface="Arial" pitchFamily="34" charset="0"/>
+              </a:rPr>
+              <a:t>Hình 3.1: Giao diện màn hình chính</a:t>
+            </a:r>
+            <a:endParaRPr lang="en-US" sz="1600">
+              <a:latin typeface="Arial" pitchFamily="34" charset="0"/>
+              <a:cs typeface="Arial" pitchFamily="34" charset="0"/>
+            </a:endParaRPr>
+          </a:p>
+        </p:txBody>
+      </p:sp>
+      <p:sp>
+        <p:nvSpPr>
+          <p:cNvPr id="9" name="TextBox 6"/>
+          <p:cNvSpPr txBox="1"/>
+          <p:nvPr/>
+        </p:nvSpPr>
+        <p:spPr>
+          <a:xfrm>
+            <a:off x="4549978" y="6167896"/>
+            <a:ext cx="2790293" cy="584775"/>
+          </a:xfrm>
+          <a:prstGeom prst="rect">
+            <a:avLst/>
+          </a:prstGeom>
+          <a:noFill/>
+        </p:spPr>
+        <p:txBody>
+          <a:bodyPr wrap="square" rtlCol="0">
+            <a:spAutoFit/>
+          </a:bodyPr>
+          <a:lstStyle>
+            <a:defPPr>
+              <a:defRPr lang="en-US"/>
+            </a:defPPr>
+            <a:lvl1pPr marL="0" algn="l" defTabSz="914400" rtl="0" eaLnBrk="1" latinLnBrk="0" hangingPunct="1">
+              <a:defRPr sz="1800" kern="1200">
+                <a:solidFill>
+                  <a:schemeClr val="tx1"/>
+                </a:solidFill>
+                <a:latin typeface="+mn-lt"/>
+                <a:ea typeface="+mn-ea"/>
+                <a:cs typeface="+mn-cs"/>
+              </a:defRPr>
+            </a:lvl1pPr>
+            <a:lvl2pPr marL="457200" algn="l" defTabSz="914400" rtl="0" eaLnBrk="1" latinLnBrk="0" hangingPunct="1">
+              <a:defRPr sz="1800" kern="1200">
+                <a:solidFill>
+                  <a:schemeClr val="tx1"/>
+                </a:solidFill>
+                <a:latin typeface="+mn-lt"/>
+                <a:ea typeface="+mn-ea"/>
+                <a:cs typeface="+mn-cs"/>
+              </a:defRPr>
+            </a:lvl2pPr>
+            <a:lvl3pPr marL="914400" algn="l" defTabSz="914400" rtl="0" eaLnBrk="1" latinLnBrk="0" hangingPunct="1">
+              <a:defRPr sz="1800" kern="1200">
+                <a:solidFill>
+                  <a:schemeClr val="tx1"/>
+                </a:solidFill>
+                <a:latin typeface="+mn-lt"/>
+                <a:ea typeface="+mn-ea"/>
+                <a:cs typeface="+mn-cs"/>
+              </a:defRPr>
+            </a:lvl3pPr>
+            <a:lvl4pPr marL="1371600" algn="l" defTabSz="914400" rtl="0" eaLnBrk="1" latinLnBrk="0" hangingPunct="1">
+              <a:defRPr sz="1800" kern="1200">
+                <a:solidFill>
+                  <a:schemeClr val="tx1"/>
+                </a:solidFill>
+                <a:latin typeface="+mn-lt"/>
+                <a:ea typeface="+mn-ea"/>
+                <a:cs typeface="+mn-cs"/>
+              </a:defRPr>
+            </a:lvl4pPr>
+            <a:lvl5pPr marL="1828800" algn="l" defTabSz="914400" rtl="0" eaLnBrk="1" latinLnBrk="0" hangingPunct="1">
+              <a:defRPr sz="1800" kern="1200">
+                <a:solidFill>
+                  <a:schemeClr val="tx1"/>
+                </a:solidFill>
+                <a:latin typeface="+mn-lt"/>
+                <a:ea typeface="+mn-ea"/>
+                <a:cs typeface="+mn-cs"/>
+              </a:defRPr>
+            </a:lvl5pPr>
+            <a:lvl6pPr marL="2286000" algn="l" defTabSz="914400" rtl="0" eaLnBrk="1" latinLnBrk="0" hangingPunct="1">
+              <a:defRPr sz="1800" kern="1200">
+                <a:solidFill>
+                  <a:schemeClr val="tx1"/>
+                </a:solidFill>
+                <a:latin typeface="+mn-lt"/>
+                <a:ea typeface="+mn-ea"/>
+                <a:cs typeface="+mn-cs"/>
+              </a:defRPr>
+            </a:lvl6pPr>
+            <a:lvl7pPr marL="2743200" algn="l" defTabSz="914400" rtl="0" eaLnBrk="1" latinLnBrk="0" hangingPunct="1">
+              <a:defRPr sz="1800" kern="1200">
+                <a:solidFill>
+                  <a:schemeClr val="tx1"/>
+                </a:solidFill>
+                <a:latin typeface="+mn-lt"/>
+                <a:ea typeface="+mn-ea"/>
+                <a:cs typeface="+mn-cs"/>
+              </a:defRPr>
+            </a:lvl7pPr>
+            <a:lvl8pPr marL="3200400" algn="l" defTabSz="914400" rtl="0" eaLnBrk="1" latinLnBrk="0" hangingPunct="1">
+              <a:defRPr sz="1800" kern="1200">
+                <a:solidFill>
+                  <a:schemeClr val="tx1"/>
+                </a:solidFill>
+                <a:latin typeface="+mn-lt"/>
+                <a:ea typeface="+mn-ea"/>
+                <a:cs typeface="+mn-cs"/>
+              </a:defRPr>
+            </a:lvl8pPr>
+            <a:lvl9pPr marL="3657600" algn="l" defTabSz="914400" rtl="0" eaLnBrk="1" latinLnBrk="0" hangingPunct="1">
+              <a:defRPr sz="1800" kern="1200">
+                <a:solidFill>
+                  <a:schemeClr val="tx1"/>
+                </a:solidFill>
+                <a:latin typeface="+mn-lt"/>
+                <a:ea typeface="+mn-ea"/>
+                <a:cs typeface="+mn-cs"/>
+              </a:defRPr>
+            </a:lvl9pPr>
+          </a:lstStyle>
+          <a:p>
+            <a:pPr algn="ctr"/>
+            <a:r>
+              <a:rPr lang="en-US" sz="1600" smtClean="0">
+                <a:latin typeface="Arial" pitchFamily="34" charset="0"/>
+                <a:cs typeface="Arial" pitchFamily="34" charset="0"/>
+              </a:rPr>
+              <a:t>Hình 3.2: Giao diện màn hình nội dung chi tiết tin tức</a:t>
+            </a:r>
+            <a:endParaRPr lang="en-US" sz="1600">
+              <a:latin typeface="Arial" pitchFamily="34" charset="0"/>
+              <a:cs typeface="Arial" pitchFamily="34" charset="0"/>
+            </a:endParaRPr>
+          </a:p>
+        </p:txBody>
+      </p:sp>
       <p:pic>
         <p:nvPicPr>
-          <p:cNvPr id="7" name="Picture 6"/>
+          <p:cNvPr id="6" name="Picture 5"/>
           <p:cNvPicPr>
             <a:picLocks noChangeAspect="1"/>
           </p:cNvPicPr>
@@ -12906,8 +8789,8 @@
         </p:blipFill>
         <p:spPr>
           <a:xfrm>
-            <a:off x="1280022" y="2446986"/>
-            <a:ext cx="2063410" cy="3668284"/>
+            <a:off x="1270736" y="2451945"/>
+            <a:ext cx="2090222" cy="3715951"/>
           </a:xfrm>
           <a:prstGeom prst="rect">
             <a:avLst/>
@@ -12919,268 +8802,6 @@
           </a:ln>
         </p:spPr>
       </p:pic>
-      <p:sp>
-        <p:nvSpPr>
-          <p:cNvPr id="8" name="TextBox 6"/>
-          <p:cNvSpPr txBox="1"/>
-          <p:nvPr/>
-        </p:nvSpPr>
-        <p:spPr>
-          <a:xfrm>
-            <a:off x="1041502" y="6167896"/>
-            <a:ext cx="2608407" cy="584775"/>
-          </a:xfrm>
-          <a:prstGeom prst="rect">
-            <a:avLst/>
-          </a:prstGeom>
-          <a:noFill/>
-        </p:spPr>
-        <p:txBody>
-          <a:bodyPr wrap="square" rtlCol="0">
-            <a:spAutoFit/>
-          </a:bodyPr>
-          <a:lstStyle>
-            <a:defPPr>
-              <a:defRPr lang="en-US"/>
-            </a:defPPr>
-            <a:lvl1pPr marL="0" algn="l" defTabSz="914400" rtl="0" eaLnBrk="1" latinLnBrk="0" hangingPunct="1">
-              <a:defRPr sz="1800" kern="1200">
-                <a:solidFill>
-                  <a:schemeClr val="tx1"/>
-                </a:solidFill>
-                <a:latin typeface="+mn-lt"/>
-                <a:ea typeface="+mn-ea"/>
-                <a:cs typeface="+mn-cs"/>
-              </a:defRPr>
-            </a:lvl1pPr>
-            <a:lvl2pPr marL="457200" algn="l" defTabSz="914400" rtl="0" eaLnBrk="1" latinLnBrk="0" hangingPunct="1">
-              <a:defRPr sz="1800" kern="1200">
-                <a:solidFill>
-                  <a:schemeClr val="tx1"/>
-                </a:solidFill>
-                <a:latin typeface="+mn-lt"/>
-                <a:ea typeface="+mn-ea"/>
-                <a:cs typeface="+mn-cs"/>
-              </a:defRPr>
-            </a:lvl2pPr>
-            <a:lvl3pPr marL="914400" algn="l" defTabSz="914400" rtl="0" eaLnBrk="1" latinLnBrk="0" hangingPunct="1">
-              <a:defRPr sz="1800" kern="1200">
-                <a:solidFill>
-                  <a:schemeClr val="tx1"/>
-                </a:solidFill>
-                <a:latin typeface="+mn-lt"/>
-                <a:ea typeface="+mn-ea"/>
-                <a:cs typeface="+mn-cs"/>
-              </a:defRPr>
-            </a:lvl3pPr>
-            <a:lvl4pPr marL="1371600" algn="l" defTabSz="914400" rtl="0" eaLnBrk="1" latinLnBrk="0" hangingPunct="1">
-              <a:defRPr sz="1800" kern="1200">
-                <a:solidFill>
-                  <a:schemeClr val="tx1"/>
-                </a:solidFill>
-                <a:latin typeface="+mn-lt"/>
-                <a:ea typeface="+mn-ea"/>
-                <a:cs typeface="+mn-cs"/>
-              </a:defRPr>
-            </a:lvl4pPr>
-            <a:lvl5pPr marL="1828800" algn="l" defTabSz="914400" rtl="0" eaLnBrk="1" latinLnBrk="0" hangingPunct="1">
-              <a:defRPr sz="1800" kern="1200">
-                <a:solidFill>
-                  <a:schemeClr val="tx1"/>
-                </a:solidFill>
-                <a:latin typeface="+mn-lt"/>
-                <a:ea typeface="+mn-ea"/>
-                <a:cs typeface="+mn-cs"/>
-              </a:defRPr>
-            </a:lvl5pPr>
-            <a:lvl6pPr marL="2286000" algn="l" defTabSz="914400" rtl="0" eaLnBrk="1" latinLnBrk="0" hangingPunct="1">
-              <a:defRPr sz="1800" kern="1200">
-                <a:solidFill>
-                  <a:schemeClr val="tx1"/>
-                </a:solidFill>
-                <a:latin typeface="+mn-lt"/>
-                <a:ea typeface="+mn-ea"/>
-                <a:cs typeface="+mn-cs"/>
-              </a:defRPr>
-            </a:lvl6pPr>
-            <a:lvl7pPr marL="2743200" algn="l" defTabSz="914400" rtl="0" eaLnBrk="1" latinLnBrk="0" hangingPunct="1">
-              <a:defRPr sz="1800" kern="1200">
-                <a:solidFill>
-                  <a:schemeClr val="tx1"/>
-                </a:solidFill>
-                <a:latin typeface="+mn-lt"/>
-                <a:ea typeface="+mn-ea"/>
-                <a:cs typeface="+mn-cs"/>
-              </a:defRPr>
-            </a:lvl7pPr>
-            <a:lvl8pPr marL="3200400" algn="l" defTabSz="914400" rtl="0" eaLnBrk="1" latinLnBrk="0" hangingPunct="1">
-              <a:defRPr sz="1800" kern="1200">
-                <a:solidFill>
-                  <a:schemeClr val="tx1"/>
-                </a:solidFill>
-                <a:latin typeface="+mn-lt"/>
-                <a:ea typeface="+mn-ea"/>
-                <a:cs typeface="+mn-cs"/>
-              </a:defRPr>
-            </a:lvl8pPr>
-            <a:lvl9pPr marL="3657600" algn="l" defTabSz="914400" rtl="0" eaLnBrk="1" latinLnBrk="0" hangingPunct="1">
-              <a:defRPr sz="1800" kern="1200">
-                <a:solidFill>
-                  <a:schemeClr val="tx1"/>
-                </a:solidFill>
-                <a:latin typeface="+mn-lt"/>
-                <a:ea typeface="+mn-ea"/>
-                <a:cs typeface="+mn-cs"/>
-              </a:defRPr>
-            </a:lvl9pPr>
-          </a:lstStyle>
-          <a:p>
-            <a:pPr algn="ctr"/>
-            <a:r>
-              <a:rPr lang="en-US" sz="1600" smtClean="0">
-                <a:latin typeface="Arial" pitchFamily="34" charset="0"/>
-                <a:cs typeface="Arial" pitchFamily="34" charset="0"/>
-              </a:rPr>
-              <a:t>Hình 3.1: Giao diện màn hình chính</a:t>
-            </a:r>
-            <a:endParaRPr lang="en-US" sz="1600">
-              <a:latin typeface="Arial" pitchFamily="34" charset="0"/>
-              <a:cs typeface="Arial" pitchFamily="34" charset="0"/>
-            </a:endParaRPr>
-          </a:p>
-        </p:txBody>
-      </p:sp>
-      <p:sp>
-        <p:nvSpPr>
-          <p:cNvPr id="9" name="TextBox 6"/>
-          <p:cNvSpPr txBox="1"/>
-          <p:nvPr/>
-        </p:nvSpPr>
-        <p:spPr>
-          <a:xfrm>
-            <a:off x="4549978" y="6167896"/>
-            <a:ext cx="2790293" cy="584775"/>
-          </a:xfrm>
-          <a:prstGeom prst="rect">
-            <a:avLst/>
-          </a:prstGeom>
-          <a:noFill/>
-        </p:spPr>
-        <p:txBody>
-          <a:bodyPr wrap="square" rtlCol="0">
-            <a:spAutoFit/>
-          </a:bodyPr>
-          <a:lstStyle>
-            <a:defPPr>
-              <a:defRPr lang="en-US"/>
-            </a:defPPr>
-            <a:lvl1pPr marL="0" algn="l" defTabSz="914400" rtl="0" eaLnBrk="1" latinLnBrk="0" hangingPunct="1">
-              <a:defRPr sz="1800" kern="1200">
-                <a:solidFill>
-                  <a:schemeClr val="tx1"/>
-                </a:solidFill>
-                <a:latin typeface="+mn-lt"/>
-                <a:ea typeface="+mn-ea"/>
-                <a:cs typeface="+mn-cs"/>
-              </a:defRPr>
-            </a:lvl1pPr>
-            <a:lvl2pPr marL="457200" algn="l" defTabSz="914400" rtl="0" eaLnBrk="1" latinLnBrk="0" hangingPunct="1">
-              <a:defRPr sz="1800" kern="1200">
-                <a:solidFill>
-                  <a:schemeClr val="tx1"/>
-                </a:solidFill>
-                <a:latin typeface="+mn-lt"/>
-                <a:ea typeface="+mn-ea"/>
-                <a:cs typeface="+mn-cs"/>
-              </a:defRPr>
-            </a:lvl2pPr>
-            <a:lvl3pPr marL="914400" algn="l" defTabSz="914400" rtl="0" eaLnBrk="1" latinLnBrk="0" hangingPunct="1">
-              <a:defRPr sz="1800" kern="1200">
-                <a:solidFill>
-                  <a:schemeClr val="tx1"/>
-                </a:solidFill>
-                <a:latin typeface="+mn-lt"/>
-                <a:ea typeface="+mn-ea"/>
-                <a:cs typeface="+mn-cs"/>
-              </a:defRPr>
-            </a:lvl3pPr>
-            <a:lvl4pPr marL="1371600" algn="l" defTabSz="914400" rtl="0" eaLnBrk="1" latinLnBrk="0" hangingPunct="1">
-              <a:defRPr sz="1800" kern="1200">
-                <a:solidFill>
-                  <a:schemeClr val="tx1"/>
-                </a:solidFill>
-                <a:latin typeface="+mn-lt"/>
-                <a:ea typeface="+mn-ea"/>
-                <a:cs typeface="+mn-cs"/>
-              </a:defRPr>
-            </a:lvl4pPr>
-            <a:lvl5pPr marL="1828800" algn="l" defTabSz="914400" rtl="0" eaLnBrk="1" latinLnBrk="0" hangingPunct="1">
-              <a:defRPr sz="1800" kern="1200">
-                <a:solidFill>
-                  <a:schemeClr val="tx1"/>
-                </a:solidFill>
-                <a:latin typeface="+mn-lt"/>
-                <a:ea typeface="+mn-ea"/>
-                <a:cs typeface="+mn-cs"/>
-              </a:defRPr>
-            </a:lvl5pPr>
-            <a:lvl6pPr marL="2286000" algn="l" defTabSz="914400" rtl="0" eaLnBrk="1" latinLnBrk="0" hangingPunct="1">
-              <a:defRPr sz="1800" kern="1200">
-                <a:solidFill>
-                  <a:schemeClr val="tx1"/>
-                </a:solidFill>
-                <a:latin typeface="+mn-lt"/>
-                <a:ea typeface="+mn-ea"/>
-                <a:cs typeface="+mn-cs"/>
-              </a:defRPr>
-            </a:lvl6pPr>
-            <a:lvl7pPr marL="2743200" algn="l" defTabSz="914400" rtl="0" eaLnBrk="1" latinLnBrk="0" hangingPunct="1">
-              <a:defRPr sz="1800" kern="1200">
-                <a:solidFill>
-                  <a:schemeClr val="tx1"/>
-                </a:solidFill>
-                <a:latin typeface="+mn-lt"/>
-                <a:ea typeface="+mn-ea"/>
-                <a:cs typeface="+mn-cs"/>
-              </a:defRPr>
-            </a:lvl7pPr>
-            <a:lvl8pPr marL="3200400" algn="l" defTabSz="914400" rtl="0" eaLnBrk="1" latinLnBrk="0" hangingPunct="1">
-              <a:defRPr sz="1800" kern="1200">
-                <a:solidFill>
-                  <a:schemeClr val="tx1"/>
-                </a:solidFill>
-                <a:latin typeface="+mn-lt"/>
-                <a:ea typeface="+mn-ea"/>
-                <a:cs typeface="+mn-cs"/>
-              </a:defRPr>
-            </a:lvl8pPr>
-            <a:lvl9pPr marL="3657600" algn="l" defTabSz="914400" rtl="0" eaLnBrk="1" latinLnBrk="0" hangingPunct="1">
-              <a:defRPr sz="1800" kern="1200">
-                <a:solidFill>
-                  <a:schemeClr val="tx1"/>
-                </a:solidFill>
-                <a:latin typeface="+mn-lt"/>
-                <a:ea typeface="+mn-ea"/>
-                <a:cs typeface="+mn-cs"/>
-              </a:defRPr>
-            </a:lvl9pPr>
-          </a:lstStyle>
-          <a:p>
-            <a:pPr algn="ctr"/>
-            <a:r>
-              <a:rPr lang="en-US" sz="1600" smtClean="0">
-                <a:latin typeface="Arial" pitchFamily="34" charset="0"/>
-                <a:cs typeface="Arial" pitchFamily="34" charset="0"/>
-              </a:rPr>
-              <a:t>Hình 3.2: Giao diện màn hình nội dung chi tiết tin tức</a:t>
-            </a:r>
-            <a:endParaRPr lang="en-US" sz="1600">
-              <a:latin typeface="Arial" pitchFamily="34" charset="0"/>
-              <a:cs typeface="Arial" pitchFamily="34" charset="0"/>
-            </a:endParaRPr>
-          </a:p>
-        </p:txBody>
-      </p:sp>
     </p:spTree>
     <p:extLst>
       <p:ext uri="{BB962C8B-B14F-4D97-AF65-F5344CB8AC3E}">
@@ -13249,30 +8870,6 @@
       </p:sp>
       <p:sp>
         <p:nvSpPr>
-          <p:cNvPr id="3" name="Content Placeholder 2"/>
-          <p:cNvSpPr>
-            <a:spLocks noGrp="1"/>
-          </p:cNvSpPr>
-          <p:nvPr>
-            <p:ph idx="1"/>
-          </p:nvPr>
-        </p:nvSpPr>
-        <p:spPr>
-          <a:xfrm>
-            <a:off x="677334" y="1930400"/>
-            <a:ext cx="8596668" cy="3880773"/>
-          </a:xfrm>
-        </p:spPr>
-        <p:txBody>
-          <a:bodyPr/>
-          <a:lstStyle/>
-          <a:p>
-            <a:endParaRPr lang="vi-VN"/>
-          </a:p>
-        </p:txBody>
-      </p:sp>
-      <p:sp>
-        <p:nvSpPr>
           <p:cNvPr id="4" name="Slide Number Placeholder 3"/>
           <p:cNvSpPr>
             <a:spLocks noGrp="1"/>
@@ -13291,6 +8888,1119 @@
               <a:t>8</a:t>
             </a:fld>
             <a:endParaRPr lang="vi-VN"/>
+          </a:p>
+        </p:txBody>
+      </p:sp>
+      <p:sp>
+        <p:nvSpPr>
+          <p:cNvPr id="6" name="Freeform 10">
+            <a:extLst>
+              <a:ext uri="{FF2B5EF4-FFF2-40B4-BE49-F238E27FC236}">
+                <a16:creationId xmlns:a16="http://schemas.microsoft.com/office/drawing/2014/main" xmlns="" id="{C3D57E8A-11CC-494C-9E27-C346C915AACD}"/>
+              </a:ext>
+            </a:extLst>
+          </p:cNvPr>
+          <p:cNvSpPr/>
+          <p:nvPr/>
+        </p:nvSpPr>
+        <p:spPr>
+          <a:xfrm>
+            <a:off x="781134" y="1760486"/>
+            <a:ext cx="3275712" cy="1072284"/>
+          </a:xfrm>
+          <a:custGeom>
+            <a:avLst/>
+            <a:gdLst>
+              <a:gd name="connsiteX0" fmla="*/ 0 w 2361406"/>
+              <a:gd name="connsiteY0" fmla="*/ 0 h 944562"/>
+              <a:gd name="connsiteX1" fmla="*/ 1889125 w 2361406"/>
+              <a:gd name="connsiteY1" fmla="*/ 0 h 944562"/>
+              <a:gd name="connsiteX2" fmla="*/ 2361406 w 2361406"/>
+              <a:gd name="connsiteY2" fmla="*/ 472281 h 944562"/>
+              <a:gd name="connsiteX3" fmla="*/ 1889125 w 2361406"/>
+              <a:gd name="connsiteY3" fmla="*/ 944562 h 944562"/>
+              <a:gd name="connsiteX4" fmla="*/ 0 w 2361406"/>
+              <a:gd name="connsiteY4" fmla="*/ 944562 h 944562"/>
+              <a:gd name="connsiteX5" fmla="*/ 472281 w 2361406"/>
+              <a:gd name="connsiteY5" fmla="*/ 472281 h 944562"/>
+              <a:gd name="connsiteX6" fmla="*/ 0 w 2361406"/>
+              <a:gd name="connsiteY6" fmla="*/ 0 h 944562"/>
+            </a:gdLst>
+            <a:ahLst/>
+            <a:cxnLst>
+              <a:cxn ang="0">
+                <a:pos x="connsiteX0" y="connsiteY0"/>
+              </a:cxn>
+              <a:cxn ang="0">
+                <a:pos x="connsiteX1" y="connsiteY1"/>
+              </a:cxn>
+              <a:cxn ang="0">
+                <a:pos x="connsiteX2" y="connsiteY2"/>
+              </a:cxn>
+              <a:cxn ang="0">
+                <a:pos x="connsiteX3" y="connsiteY3"/>
+              </a:cxn>
+              <a:cxn ang="0">
+                <a:pos x="connsiteX4" y="connsiteY4"/>
+              </a:cxn>
+              <a:cxn ang="0">
+                <a:pos x="connsiteX5" y="connsiteY5"/>
+              </a:cxn>
+              <a:cxn ang="0">
+                <a:pos x="connsiteX6" y="connsiteY6"/>
+              </a:cxn>
+            </a:cxnLst>
+            <a:rect l="l" t="t" r="r" b="b"/>
+            <a:pathLst>
+              <a:path w="2361406" h="944562">
+                <a:moveTo>
+                  <a:pt x="0" y="0"/>
+                </a:moveTo>
+                <a:lnTo>
+                  <a:pt x="1889125" y="0"/>
+                </a:lnTo>
+                <a:lnTo>
+                  <a:pt x="2361406" y="472281"/>
+                </a:lnTo>
+                <a:lnTo>
+                  <a:pt x="1889125" y="944562"/>
+                </a:lnTo>
+                <a:lnTo>
+                  <a:pt x="0" y="944562"/>
+                </a:lnTo>
+                <a:lnTo>
+                  <a:pt x="472281" y="472281"/>
+                </a:lnTo>
+                <a:lnTo>
+                  <a:pt x="0" y="0"/>
+                </a:lnTo>
+                <a:close/>
+              </a:path>
+            </a:pathLst>
+          </a:custGeom>
+          <a:solidFill>
+            <a:schemeClr val="accent1"/>
+          </a:solidFill>
+          <a:ln>
+            <a:noFill/>
+          </a:ln>
+        </p:spPr>
+        <p:style>
+          <a:lnRef idx="2">
+            <a:schemeClr val="accent5">
+              <a:shade val="50000"/>
+            </a:schemeClr>
+          </a:lnRef>
+          <a:fillRef idx="1">
+            <a:schemeClr val="accent5"/>
+          </a:fillRef>
+          <a:effectRef idx="0">
+            <a:schemeClr val="accent5"/>
+          </a:effectRef>
+          <a:fontRef idx="minor">
+            <a:schemeClr val="lt1"/>
+          </a:fontRef>
+        </p:style>
+        <p:txBody>
+          <a:bodyPr spcFirstLastPara="0" vert="horz" wrap="square" lIns="531971" tIns="29845" rIns="472281" bIns="29845" numCol="1" spcCol="1270" anchor="ctr" anchorCtr="0">
+            <a:noAutofit/>
+          </a:bodyPr>
+          <a:lstStyle/>
+          <a:p>
+            <a:pPr lvl="0" algn="ctr" defTabSz="2089150">
+              <a:lnSpc>
+                <a:spcPct val="90000"/>
+              </a:lnSpc>
+              <a:spcBef>
+                <a:spcPct val="0"/>
+              </a:spcBef>
+              <a:spcAft>
+                <a:spcPct val="35000"/>
+              </a:spcAft>
+            </a:pPr>
+            <a:endParaRPr lang="en-US" sz="4700" kern="1200"/>
+          </a:p>
+        </p:txBody>
+      </p:sp>
+      <p:sp>
+        <p:nvSpPr>
+          <p:cNvPr id="7" name="TextBox 6">
+            <a:extLst>
+              <a:ext uri="{FF2B5EF4-FFF2-40B4-BE49-F238E27FC236}">
+                <a16:creationId xmlns:a16="http://schemas.microsoft.com/office/drawing/2014/main" xmlns="" id="{AEECD0D0-D336-48BB-96DB-54815E5AC149}"/>
+              </a:ext>
+            </a:extLst>
+          </p:cNvPr>
+          <p:cNvSpPr txBox="1"/>
+          <p:nvPr/>
+        </p:nvSpPr>
+        <p:spPr>
+          <a:xfrm>
+            <a:off x="1407167" y="2061556"/>
+            <a:ext cx="2271776" cy="400110"/>
+          </a:xfrm>
+          <a:prstGeom prst="rect">
+            <a:avLst/>
+          </a:prstGeom>
+          <a:noFill/>
+        </p:spPr>
+        <p:txBody>
+          <a:bodyPr wrap="none" rtlCol="0">
+            <a:spAutoFit/>
+          </a:bodyPr>
+          <a:lstStyle/>
+          <a:p>
+            <a:pPr algn="ctr"/>
+            <a:r>
+              <a:rPr lang="en-GB" sz="2000" b="1">
+                <a:solidFill>
+                  <a:srgbClr val="FFFFFF"/>
+                </a:solidFill>
+                <a:latin typeface="Segoe UI bold" panose="020B0802040204020203" pitchFamily="34" charset="0"/>
+                <a:ea typeface="Segoe UI bold" panose="020B0802040204020203" pitchFamily="34" charset="0"/>
+                <a:cs typeface="Segoe UI bold" panose="020B0802040204020203" pitchFamily="34" charset="0"/>
+              </a:rPr>
+              <a:t>Kết quả đạt đ</a:t>
+            </a:r>
+            <a:r>
+              <a:rPr lang="vi-VN" sz="2000" b="1">
+                <a:solidFill>
+                  <a:srgbClr val="FFFFFF"/>
+                </a:solidFill>
+                <a:latin typeface="Segoe UI bold" panose="020B0802040204020203" pitchFamily="34" charset="0"/>
+                <a:ea typeface="Segoe UI bold" panose="020B0802040204020203" pitchFamily="34" charset="0"/>
+                <a:cs typeface="Segoe UI bold" panose="020B0802040204020203" pitchFamily="34" charset="0"/>
+              </a:rPr>
+              <a:t>ư</a:t>
+            </a:r>
+            <a:r>
+              <a:rPr lang="en-GB" sz="2000" b="1">
+                <a:solidFill>
+                  <a:srgbClr val="FFFFFF"/>
+                </a:solidFill>
+                <a:latin typeface="Segoe UI bold" panose="020B0802040204020203" pitchFamily="34" charset="0"/>
+                <a:ea typeface="Segoe UI bold" panose="020B0802040204020203" pitchFamily="34" charset="0"/>
+                <a:cs typeface="Segoe UI bold" panose="020B0802040204020203" pitchFamily="34" charset="0"/>
+              </a:rPr>
+              <a:t>ợc</a:t>
+            </a:r>
+            <a:endParaRPr lang="en-US" sz="2000" b="1">
+              <a:solidFill>
+                <a:srgbClr val="FFFFFF"/>
+              </a:solidFill>
+              <a:latin typeface="Segoe UI bold" panose="020B0802040204020203" pitchFamily="34" charset="0"/>
+              <a:ea typeface="Segoe UI bold" panose="020B0802040204020203" pitchFamily="34" charset="0"/>
+              <a:cs typeface="Segoe UI bold" panose="020B0802040204020203" pitchFamily="34" charset="0"/>
+            </a:endParaRPr>
+          </a:p>
+        </p:txBody>
+      </p:sp>
+      <p:sp>
+        <p:nvSpPr>
+          <p:cNvPr id="8" name="Freeform 12">
+            <a:extLst>
+              <a:ext uri="{FF2B5EF4-FFF2-40B4-BE49-F238E27FC236}">
+                <a16:creationId xmlns:a16="http://schemas.microsoft.com/office/drawing/2014/main" xmlns="" id="{85AF39FF-D4A9-4A5C-9873-D4D741E67241}"/>
+              </a:ext>
+            </a:extLst>
+          </p:cNvPr>
+          <p:cNvSpPr/>
+          <p:nvPr/>
+        </p:nvSpPr>
+        <p:spPr>
+          <a:xfrm>
+            <a:off x="806891" y="3374814"/>
+            <a:ext cx="3249954" cy="1023680"/>
+          </a:xfrm>
+          <a:custGeom>
+            <a:avLst/>
+            <a:gdLst>
+              <a:gd name="connsiteX0" fmla="*/ 0 w 2361406"/>
+              <a:gd name="connsiteY0" fmla="*/ 0 h 944562"/>
+              <a:gd name="connsiteX1" fmla="*/ 1889125 w 2361406"/>
+              <a:gd name="connsiteY1" fmla="*/ 0 h 944562"/>
+              <a:gd name="connsiteX2" fmla="*/ 2361406 w 2361406"/>
+              <a:gd name="connsiteY2" fmla="*/ 472281 h 944562"/>
+              <a:gd name="connsiteX3" fmla="*/ 1889125 w 2361406"/>
+              <a:gd name="connsiteY3" fmla="*/ 944562 h 944562"/>
+              <a:gd name="connsiteX4" fmla="*/ 0 w 2361406"/>
+              <a:gd name="connsiteY4" fmla="*/ 944562 h 944562"/>
+              <a:gd name="connsiteX5" fmla="*/ 472281 w 2361406"/>
+              <a:gd name="connsiteY5" fmla="*/ 472281 h 944562"/>
+              <a:gd name="connsiteX6" fmla="*/ 0 w 2361406"/>
+              <a:gd name="connsiteY6" fmla="*/ 0 h 944562"/>
+            </a:gdLst>
+            <a:ahLst/>
+            <a:cxnLst>
+              <a:cxn ang="0">
+                <a:pos x="connsiteX0" y="connsiteY0"/>
+              </a:cxn>
+              <a:cxn ang="0">
+                <a:pos x="connsiteX1" y="connsiteY1"/>
+              </a:cxn>
+              <a:cxn ang="0">
+                <a:pos x="connsiteX2" y="connsiteY2"/>
+              </a:cxn>
+              <a:cxn ang="0">
+                <a:pos x="connsiteX3" y="connsiteY3"/>
+              </a:cxn>
+              <a:cxn ang="0">
+                <a:pos x="connsiteX4" y="connsiteY4"/>
+              </a:cxn>
+              <a:cxn ang="0">
+                <a:pos x="connsiteX5" y="connsiteY5"/>
+              </a:cxn>
+              <a:cxn ang="0">
+                <a:pos x="connsiteX6" y="connsiteY6"/>
+              </a:cxn>
+            </a:cxnLst>
+            <a:rect l="l" t="t" r="r" b="b"/>
+            <a:pathLst>
+              <a:path w="2361406" h="944562">
+                <a:moveTo>
+                  <a:pt x="0" y="0"/>
+                </a:moveTo>
+                <a:lnTo>
+                  <a:pt x="1889125" y="0"/>
+                </a:lnTo>
+                <a:lnTo>
+                  <a:pt x="2361406" y="472281"/>
+                </a:lnTo>
+                <a:lnTo>
+                  <a:pt x="1889125" y="944562"/>
+                </a:lnTo>
+                <a:lnTo>
+                  <a:pt x="0" y="944562"/>
+                </a:lnTo>
+                <a:lnTo>
+                  <a:pt x="472281" y="472281"/>
+                </a:lnTo>
+                <a:lnTo>
+                  <a:pt x="0" y="0"/>
+                </a:lnTo>
+                <a:close/>
+              </a:path>
+            </a:pathLst>
+          </a:custGeom>
+          <a:solidFill>
+            <a:schemeClr val="accent5"/>
+          </a:solidFill>
+          <a:ln>
+            <a:noFill/>
+          </a:ln>
+        </p:spPr>
+        <p:style>
+          <a:lnRef idx="2">
+            <a:schemeClr val="accent1">
+              <a:shade val="50000"/>
+            </a:schemeClr>
+          </a:lnRef>
+          <a:fillRef idx="1">
+            <a:schemeClr val="accent1"/>
+          </a:fillRef>
+          <a:effectRef idx="0">
+            <a:schemeClr val="accent1"/>
+          </a:effectRef>
+          <a:fontRef idx="minor">
+            <a:schemeClr val="lt1"/>
+          </a:fontRef>
+        </p:style>
+        <p:txBody>
+          <a:bodyPr spcFirstLastPara="0" vert="horz" wrap="square" lIns="531971" tIns="29845" rIns="472281" bIns="29845" numCol="1" spcCol="1270" anchor="ctr" anchorCtr="0">
+            <a:noAutofit/>
+          </a:bodyPr>
+          <a:lstStyle/>
+          <a:p>
+            <a:pPr lvl="0" algn="ctr" defTabSz="2089150">
+              <a:lnSpc>
+                <a:spcPct val="90000"/>
+              </a:lnSpc>
+              <a:spcBef>
+                <a:spcPct val="0"/>
+              </a:spcBef>
+              <a:spcAft>
+                <a:spcPct val="35000"/>
+              </a:spcAft>
+            </a:pPr>
+            <a:endParaRPr lang="en-US" sz="4700" kern="1200"/>
+          </a:p>
+        </p:txBody>
+      </p:sp>
+      <p:sp>
+        <p:nvSpPr>
+          <p:cNvPr id="9" name="TextBox 8">
+            <a:extLst>
+              <a:ext uri="{FF2B5EF4-FFF2-40B4-BE49-F238E27FC236}">
+                <a16:creationId xmlns:a16="http://schemas.microsoft.com/office/drawing/2014/main" xmlns="" id="{BD73688B-C56C-4E2B-BB01-D50218241912}"/>
+              </a:ext>
+            </a:extLst>
+          </p:cNvPr>
+          <p:cNvSpPr txBox="1"/>
+          <p:nvPr/>
+        </p:nvSpPr>
+        <p:spPr>
+          <a:xfrm>
+            <a:off x="1437345" y="3677622"/>
+            <a:ext cx="2396145" cy="400110"/>
+          </a:xfrm>
+          <a:prstGeom prst="rect">
+            <a:avLst/>
+          </a:prstGeom>
+          <a:noFill/>
+        </p:spPr>
+        <p:txBody>
+          <a:bodyPr wrap="square" rtlCol="0">
+            <a:spAutoFit/>
+          </a:bodyPr>
+          <a:lstStyle/>
+          <a:p>
+            <a:pPr algn="ctr"/>
+            <a:r>
+              <a:rPr lang="en-GB" sz="2000" b="1">
+                <a:solidFill>
+                  <a:srgbClr val="FFFFFF"/>
+                </a:solidFill>
+                <a:latin typeface="Segoe UI bold" panose="020B0802040204020203" pitchFamily="34" charset="0"/>
+                <a:ea typeface="Segoe UI bold" panose="020B0802040204020203" pitchFamily="34" charset="0"/>
+                <a:cs typeface="Segoe UI bold" panose="020B0802040204020203" pitchFamily="34" charset="0"/>
+              </a:rPr>
+              <a:t>Khó khăn, hạn chế</a:t>
+            </a:r>
+            <a:endParaRPr lang="en-US" sz="2000" b="1">
+              <a:solidFill>
+                <a:srgbClr val="FFFFFF"/>
+              </a:solidFill>
+              <a:latin typeface="Segoe UI bold" panose="020B0802040204020203" pitchFamily="34" charset="0"/>
+              <a:ea typeface="Segoe UI bold" panose="020B0802040204020203" pitchFamily="34" charset="0"/>
+              <a:cs typeface="Segoe UI bold" panose="020B0802040204020203" pitchFamily="34" charset="0"/>
+            </a:endParaRPr>
+          </a:p>
+        </p:txBody>
+      </p:sp>
+      <p:sp>
+        <p:nvSpPr>
+          <p:cNvPr id="10" name="Freeform 18">
+            <a:extLst>
+              <a:ext uri="{FF2B5EF4-FFF2-40B4-BE49-F238E27FC236}">
+                <a16:creationId xmlns:a16="http://schemas.microsoft.com/office/drawing/2014/main" xmlns="" id="{8D79CFD2-B3E4-4988-9C57-CDF979216AC8}"/>
+              </a:ext>
+            </a:extLst>
+          </p:cNvPr>
+          <p:cNvSpPr/>
+          <p:nvPr/>
+        </p:nvSpPr>
+        <p:spPr>
+          <a:xfrm>
+            <a:off x="806892" y="4876142"/>
+            <a:ext cx="3249953" cy="1072284"/>
+          </a:xfrm>
+          <a:custGeom>
+            <a:avLst/>
+            <a:gdLst>
+              <a:gd name="connsiteX0" fmla="*/ 0 w 2361406"/>
+              <a:gd name="connsiteY0" fmla="*/ 0 h 944562"/>
+              <a:gd name="connsiteX1" fmla="*/ 1889125 w 2361406"/>
+              <a:gd name="connsiteY1" fmla="*/ 0 h 944562"/>
+              <a:gd name="connsiteX2" fmla="*/ 2361406 w 2361406"/>
+              <a:gd name="connsiteY2" fmla="*/ 472281 h 944562"/>
+              <a:gd name="connsiteX3" fmla="*/ 1889125 w 2361406"/>
+              <a:gd name="connsiteY3" fmla="*/ 944562 h 944562"/>
+              <a:gd name="connsiteX4" fmla="*/ 0 w 2361406"/>
+              <a:gd name="connsiteY4" fmla="*/ 944562 h 944562"/>
+              <a:gd name="connsiteX5" fmla="*/ 472281 w 2361406"/>
+              <a:gd name="connsiteY5" fmla="*/ 472281 h 944562"/>
+              <a:gd name="connsiteX6" fmla="*/ 0 w 2361406"/>
+              <a:gd name="connsiteY6" fmla="*/ 0 h 944562"/>
+            </a:gdLst>
+            <a:ahLst/>
+            <a:cxnLst>
+              <a:cxn ang="0">
+                <a:pos x="connsiteX0" y="connsiteY0"/>
+              </a:cxn>
+              <a:cxn ang="0">
+                <a:pos x="connsiteX1" y="connsiteY1"/>
+              </a:cxn>
+              <a:cxn ang="0">
+                <a:pos x="connsiteX2" y="connsiteY2"/>
+              </a:cxn>
+              <a:cxn ang="0">
+                <a:pos x="connsiteX3" y="connsiteY3"/>
+              </a:cxn>
+              <a:cxn ang="0">
+                <a:pos x="connsiteX4" y="connsiteY4"/>
+              </a:cxn>
+              <a:cxn ang="0">
+                <a:pos x="connsiteX5" y="connsiteY5"/>
+              </a:cxn>
+              <a:cxn ang="0">
+                <a:pos x="connsiteX6" y="connsiteY6"/>
+              </a:cxn>
+            </a:cxnLst>
+            <a:rect l="l" t="t" r="r" b="b"/>
+            <a:pathLst>
+              <a:path w="2361406" h="944562">
+                <a:moveTo>
+                  <a:pt x="0" y="0"/>
+                </a:moveTo>
+                <a:lnTo>
+                  <a:pt x="1889125" y="0"/>
+                </a:lnTo>
+                <a:lnTo>
+                  <a:pt x="2361406" y="472281"/>
+                </a:lnTo>
+                <a:lnTo>
+                  <a:pt x="1889125" y="944562"/>
+                </a:lnTo>
+                <a:lnTo>
+                  <a:pt x="0" y="944562"/>
+                </a:lnTo>
+                <a:lnTo>
+                  <a:pt x="472281" y="472281"/>
+                </a:lnTo>
+                <a:lnTo>
+                  <a:pt x="0" y="0"/>
+                </a:lnTo>
+                <a:close/>
+              </a:path>
+            </a:pathLst>
+          </a:custGeom>
+          <a:solidFill>
+            <a:srgbClr val="00B050"/>
+          </a:solidFill>
+          <a:ln>
+            <a:solidFill>
+              <a:schemeClr val="accent2"/>
+            </a:solidFill>
+          </a:ln>
+        </p:spPr>
+        <p:style>
+          <a:lnRef idx="2">
+            <a:schemeClr val="accent4">
+              <a:shade val="50000"/>
+            </a:schemeClr>
+          </a:lnRef>
+          <a:fillRef idx="1">
+            <a:schemeClr val="accent4"/>
+          </a:fillRef>
+          <a:effectRef idx="0">
+            <a:schemeClr val="accent4"/>
+          </a:effectRef>
+          <a:fontRef idx="minor">
+            <a:schemeClr val="lt1"/>
+          </a:fontRef>
+        </p:style>
+        <p:txBody>
+          <a:bodyPr spcFirstLastPara="0" vert="horz" wrap="square" lIns="544671" tIns="36195" rIns="472281" bIns="36195" numCol="1" spcCol="1270" anchor="ctr" anchorCtr="0">
+            <a:noAutofit/>
+          </a:bodyPr>
+          <a:lstStyle/>
+          <a:p>
+            <a:pPr lvl="0" algn="ctr" defTabSz="2533650">
+              <a:lnSpc>
+                <a:spcPct val="90000"/>
+              </a:lnSpc>
+              <a:spcBef>
+                <a:spcPct val="0"/>
+              </a:spcBef>
+              <a:spcAft>
+                <a:spcPct val="35000"/>
+              </a:spcAft>
+            </a:pPr>
+            <a:endParaRPr lang="en-US" sz="5700" kern="1200"/>
+          </a:p>
+        </p:txBody>
+      </p:sp>
+      <p:sp>
+        <p:nvSpPr>
+          <p:cNvPr id="11" name="TextBox 10">
+            <a:extLst>
+              <a:ext uri="{FF2B5EF4-FFF2-40B4-BE49-F238E27FC236}">
+                <a16:creationId xmlns:a16="http://schemas.microsoft.com/office/drawing/2014/main" xmlns="" id="{25FA46BD-2039-4948-A0DD-D785B75C915A}"/>
+              </a:ext>
+            </a:extLst>
+          </p:cNvPr>
+          <p:cNvSpPr txBox="1"/>
+          <p:nvPr/>
+        </p:nvSpPr>
+        <p:spPr>
+          <a:xfrm>
+            <a:off x="1441897" y="5212229"/>
+            <a:ext cx="2289409" cy="400110"/>
+          </a:xfrm>
+          <a:prstGeom prst="rect">
+            <a:avLst/>
+          </a:prstGeom>
+          <a:noFill/>
+        </p:spPr>
+        <p:txBody>
+          <a:bodyPr wrap="none" rtlCol="0">
+            <a:spAutoFit/>
+          </a:bodyPr>
+          <a:lstStyle/>
+          <a:p>
+            <a:pPr algn="ctr"/>
+            <a:r>
+              <a:rPr lang="en-GB" sz="2000" b="1">
+                <a:solidFill>
+                  <a:srgbClr val="FFFFFF"/>
+                </a:solidFill>
+                <a:latin typeface="Segoe UI bold" panose="020B0802040204020203" pitchFamily="34" charset="0"/>
+                <a:ea typeface="Segoe UI bold" panose="020B0802040204020203" pitchFamily="34" charset="0"/>
+                <a:cs typeface="Segoe UI bold" panose="020B0802040204020203" pitchFamily="34" charset="0"/>
+              </a:rPr>
+              <a:t>H</a:t>
+            </a:r>
+            <a:r>
+              <a:rPr lang="vi-VN" sz="2000" b="1">
+                <a:solidFill>
+                  <a:srgbClr val="FFFFFF"/>
+                </a:solidFill>
+                <a:latin typeface="Segoe UI bold" panose="020B0802040204020203" pitchFamily="34" charset="0"/>
+                <a:ea typeface="Segoe UI bold" panose="020B0802040204020203" pitchFamily="34" charset="0"/>
+                <a:cs typeface="Segoe UI bold" panose="020B0802040204020203" pitchFamily="34" charset="0"/>
+              </a:rPr>
+              <a:t>ư</a:t>
+            </a:r>
+            <a:r>
+              <a:rPr lang="en-GB" sz="2000" b="1">
+                <a:solidFill>
+                  <a:srgbClr val="FFFFFF"/>
+                </a:solidFill>
+                <a:latin typeface="Segoe UI bold" panose="020B0802040204020203" pitchFamily="34" charset="0"/>
+                <a:ea typeface="Segoe UI bold" panose="020B0802040204020203" pitchFamily="34" charset="0"/>
+                <a:cs typeface="Segoe UI bold" panose="020B0802040204020203" pitchFamily="34" charset="0"/>
+              </a:rPr>
+              <a:t>ớng phát triển</a:t>
+            </a:r>
+            <a:endParaRPr lang="en-US" sz="2000" b="1">
+              <a:solidFill>
+                <a:srgbClr val="FFFFFF"/>
+              </a:solidFill>
+              <a:latin typeface="Segoe UI bold" panose="020B0802040204020203" pitchFamily="34" charset="0"/>
+              <a:ea typeface="Segoe UI bold" panose="020B0802040204020203" pitchFamily="34" charset="0"/>
+              <a:cs typeface="Segoe UI bold" panose="020B0802040204020203" pitchFamily="34" charset="0"/>
+            </a:endParaRPr>
+          </a:p>
+        </p:txBody>
+      </p:sp>
+      <p:sp>
+        <p:nvSpPr>
+          <p:cNvPr id="24" name="Title 1"/>
+          <p:cNvSpPr txBox="1">
+            <a:spLocks/>
+          </p:cNvSpPr>
+          <p:nvPr/>
+        </p:nvSpPr>
+        <p:spPr>
+          <a:xfrm>
+            <a:off x="4472907" y="1635618"/>
+            <a:ext cx="4640004" cy="1326523"/>
+          </a:xfrm>
+          <a:prstGeom prst="rect">
+            <a:avLst/>
+          </a:prstGeom>
+        </p:spPr>
+        <p:txBody>
+          <a:bodyPr vert="horz" lIns="91440" tIns="45720" rIns="91440" bIns="45720" rtlCol="0" anchor="t">
+            <a:normAutofit/>
+          </a:bodyPr>
+          <a:lstStyle>
+            <a:lvl1pPr algn="l" defTabSz="457200" rtl="0" eaLnBrk="1" latinLnBrk="0" hangingPunct="1">
+              <a:spcBef>
+                <a:spcPct val="0"/>
+              </a:spcBef>
+              <a:buNone/>
+              <a:defRPr sz="3600" kern="1200">
+                <a:solidFill>
+                  <a:schemeClr val="accent1"/>
+                </a:solidFill>
+                <a:latin typeface="+mj-lt"/>
+                <a:ea typeface="+mj-ea"/>
+                <a:cs typeface="+mj-cs"/>
+              </a:defRPr>
+            </a:lvl1pPr>
+            <a:lvl2pPr eaLnBrk="1" hangingPunct="1">
+              <a:defRPr>
+                <a:solidFill>
+                  <a:schemeClr val="tx2"/>
+                </a:solidFill>
+              </a:defRPr>
+            </a:lvl2pPr>
+            <a:lvl3pPr eaLnBrk="1" hangingPunct="1">
+              <a:defRPr>
+                <a:solidFill>
+                  <a:schemeClr val="tx2"/>
+                </a:solidFill>
+              </a:defRPr>
+            </a:lvl3pPr>
+            <a:lvl4pPr eaLnBrk="1" hangingPunct="1">
+              <a:defRPr>
+                <a:solidFill>
+                  <a:schemeClr val="tx2"/>
+                </a:solidFill>
+              </a:defRPr>
+            </a:lvl4pPr>
+            <a:lvl5pPr eaLnBrk="1" hangingPunct="1">
+              <a:defRPr>
+                <a:solidFill>
+                  <a:schemeClr val="tx2"/>
+                </a:solidFill>
+              </a:defRPr>
+            </a:lvl5pPr>
+            <a:lvl6pPr eaLnBrk="1" hangingPunct="1">
+              <a:defRPr>
+                <a:solidFill>
+                  <a:schemeClr val="tx2"/>
+                </a:solidFill>
+              </a:defRPr>
+            </a:lvl6pPr>
+            <a:lvl7pPr eaLnBrk="1" hangingPunct="1">
+              <a:defRPr>
+                <a:solidFill>
+                  <a:schemeClr val="tx2"/>
+                </a:solidFill>
+              </a:defRPr>
+            </a:lvl7pPr>
+            <a:lvl8pPr eaLnBrk="1" hangingPunct="1">
+              <a:defRPr>
+                <a:solidFill>
+                  <a:schemeClr val="tx2"/>
+                </a:solidFill>
+              </a:defRPr>
+            </a:lvl8pPr>
+            <a:lvl9pPr eaLnBrk="1" hangingPunct="1">
+              <a:defRPr>
+                <a:solidFill>
+                  <a:schemeClr val="tx2"/>
+                </a:solidFill>
+              </a:defRPr>
+            </a:lvl9pPr>
+          </a:lstStyle>
+          <a:p>
+            <a:pPr marL="571500" indent="-571500" algn="just">
+              <a:buFont typeface="Wingdings" panose="05000000000000000000" pitchFamily="2" charset="2"/>
+              <a:buChar char="§"/>
+            </a:pPr>
+            <a:r>
+              <a:rPr lang="vi-VN" sz="2000" smtClean="0">
+                <a:solidFill>
+                  <a:schemeClr val="tx1"/>
+                </a:solidFill>
+                <a:latin typeface="+mn-lt"/>
+              </a:rPr>
+              <a:t>Các kiến thức cơ bản về lập trình ứng dụng Android</a:t>
+            </a:r>
+          </a:p>
+          <a:p>
+            <a:pPr marL="571500" indent="-571500" algn="just">
+              <a:buFont typeface="Wingdings" panose="05000000000000000000" pitchFamily="2" charset="2"/>
+              <a:buChar char="§"/>
+            </a:pPr>
+            <a:r>
+              <a:rPr lang="vi-VN" sz="2000" smtClean="0">
+                <a:solidFill>
+                  <a:schemeClr val="tx1"/>
+                </a:solidFill>
+                <a:latin typeface="+mn-lt"/>
+              </a:rPr>
+              <a:t>Xây dựng ứng dụng thực nghiệm</a:t>
+            </a:r>
+          </a:p>
+          <a:p>
+            <a:pPr marL="571500" indent="-571500" algn="just">
+              <a:buFont typeface="Wingdings" panose="05000000000000000000" pitchFamily="2" charset="2"/>
+              <a:buChar char="§"/>
+            </a:pPr>
+            <a:r>
+              <a:rPr lang="vi-VN" sz="2000" smtClean="0">
+                <a:solidFill>
+                  <a:schemeClr val="tx1"/>
+                </a:solidFill>
+                <a:latin typeface="+mn-lt"/>
+              </a:rPr>
+              <a:t>Đưa ứng dụng lên Google Play</a:t>
+            </a:r>
+            <a:endParaRPr lang="vi-VN" sz="2000">
+              <a:solidFill>
+                <a:schemeClr val="tx1"/>
+              </a:solidFill>
+              <a:latin typeface="+mn-lt"/>
+            </a:endParaRPr>
+          </a:p>
+        </p:txBody>
+      </p:sp>
+      <p:sp>
+        <p:nvSpPr>
+          <p:cNvPr id="25" name="Title 1"/>
+          <p:cNvSpPr txBox="1">
+            <a:spLocks/>
+          </p:cNvSpPr>
+          <p:nvPr/>
+        </p:nvSpPr>
+        <p:spPr>
+          <a:xfrm>
+            <a:off x="4472907" y="3284114"/>
+            <a:ext cx="4640004" cy="1313644"/>
+          </a:xfrm>
+          <a:prstGeom prst="rect">
+            <a:avLst/>
+          </a:prstGeom>
+        </p:spPr>
+        <p:txBody>
+          <a:bodyPr vert="horz" lIns="91440" tIns="45720" rIns="91440" bIns="45720" rtlCol="0" anchor="t">
+            <a:normAutofit/>
+          </a:bodyPr>
+          <a:lstStyle>
+            <a:lvl1pPr algn="l" defTabSz="457200" rtl="0" eaLnBrk="1" latinLnBrk="0" hangingPunct="1">
+              <a:spcBef>
+                <a:spcPct val="0"/>
+              </a:spcBef>
+              <a:buNone/>
+              <a:defRPr sz="3600" kern="1200">
+                <a:solidFill>
+                  <a:schemeClr val="accent1"/>
+                </a:solidFill>
+                <a:latin typeface="+mj-lt"/>
+                <a:ea typeface="+mj-ea"/>
+                <a:cs typeface="+mj-cs"/>
+              </a:defRPr>
+            </a:lvl1pPr>
+            <a:lvl2pPr eaLnBrk="1" hangingPunct="1">
+              <a:defRPr>
+                <a:solidFill>
+                  <a:schemeClr val="tx2"/>
+                </a:solidFill>
+              </a:defRPr>
+            </a:lvl2pPr>
+            <a:lvl3pPr eaLnBrk="1" hangingPunct="1">
+              <a:defRPr>
+                <a:solidFill>
+                  <a:schemeClr val="tx2"/>
+                </a:solidFill>
+              </a:defRPr>
+            </a:lvl3pPr>
+            <a:lvl4pPr eaLnBrk="1" hangingPunct="1">
+              <a:defRPr>
+                <a:solidFill>
+                  <a:schemeClr val="tx2"/>
+                </a:solidFill>
+              </a:defRPr>
+            </a:lvl4pPr>
+            <a:lvl5pPr eaLnBrk="1" hangingPunct="1">
+              <a:defRPr>
+                <a:solidFill>
+                  <a:schemeClr val="tx2"/>
+                </a:solidFill>
+              </a:defRPr>
+            </a:lvl5pPr>
+            <a:lvl6pPr eaLnBrk="1" hangingPunct="1">
+              <a:defRPr>
+                <a:solidFill>
+                  <a:schemeClr val="tx2"/>
+                </a:solidFill>
+              </a:defRPr>
+            </a:lvl6pPr>
+            <a:lvl7pPr eaLnBrk="1" hangingPunct="1">
+              <a:defRPr>
+                <a:solidFill>
+                  <a:schemeClr val="tx2"/>
+                </a:solidFill>
+              </a:defRPr>
+            </a:lvl7pPr>
+            <a:lvl8pPr eaLnBrk="1" hangingPunct="1">
+              <a:defRPr>
+                <a:solidFill>
+                  <a:schemeClr val="tx2"/>
+                </a:solidFill>
+              </a:defRPr>
+            </a:lvl8pPr>
+            <a:lvl9pPr eaLnBrk="1" hangingPunct="1">
+              <a:defRPr>
+                <a:solidFill>
+                  <a:schemeClr val="tx2"/>
+                </a:solidFill>
+              </a:defRPr>
+            </a:lvl9pPr>
+          </a:lstStyle>
+          <a:p>
+            <a:pPr marL="571500" indent="-571500" algn="just">
+              <a:buFont typeface="Wingdings" panose="05000000000000000000" pitchFamily="2" charset="2"/>
+              <a:buChar char="§"/>
+            </a:pPr>
+            <a:r>
+              <a:rPr lang="vi-VN" sz="2000" smtClean="0">
+                <a:solidFill>
+                  <a:schemeClr val="tx1"/>
+                </a:solidFill>
+                <a:latin typeface="+mn-lt"/>
+              </a:rPr>
+              <a:t>Cách thiết kế ứng dụng chưa được đẹp</a:t>
+            </a:r>
+          </a:p>
+          <a:p>
+            <a:pPr marL="571500" indent="-571500" algn="just">
+              <a:buFont typeface="Wingdings" panose="05000000000000000000" pitchFamily="2" charset="2"/>
+              <a:buChar char="§"/>
+            </a:pPr>
+            <a:r>
+              <a:rPr lang="vi-VN" sz="2000" smtClean="0">
+                <a:solidFill>
+                  <a:schemeClr val="tx1"/>
+                </a:solidFill>
+                <a:latin typeface="+mn-lt"/>
+              </a:rPr>
+              <a:t>Thiếu một số chức năng cần thiết cho ứng dụng</a:t>
+            </a:r>
+          </a:p>
+          <a:p>
+            <a:pPr marL="571500" indent="-571500">
+              <a:buFont typeface="Wingdings" panose="05000000000000000000" pitchFamily="2" charset="2"/>
+              <a:buChar char="§"/>
+            </a:pPr>
+            <a:endParaRPr lang="vi-VN" sz="2000">
+              <a:solidFill>
+                <a:schemeClr val="tx1"/>
+              </a:solidFill>
+              <a:latin typeface="+mn-lt"/>
+            </a:endParaRPr>
+          </a:p>
+        </p:txBody>
+      </p:sp>
+      <p:sp>
+        <p:nvSpPr>
+          <p:cNvPr id="26" name="Title 1"/>
+          <p:cNvSpPr txBox="1">
+            <a:spLocks/>
+          </p:cNvSpPr>
+          <p:nvPr/>
+        </p:nvSpPr>
+        <p:spPr>
+          <a:xfrm>
+            <a:off x="4633998" y="4890259"/>
+            <a:ext cx="4640004" cy="1444159"/>
+          </a:xfrm>
+          <a:prstGeom prst="rect">
+            <a:avLst/>
+          </a:prstGeom>
+        </p:spPr>
+        <p:txBody>
+          <a:bodyPr vert="horz" lIns="91440" tIns="45720" rIns="91440" bIns="45720" rtlCol="0" anchor="t">
+            <a:normAutofit/>
+          </a:bodyPr>
+          <a:lstStyle>
+            <a:lvl1pPr algn="l" defTabSz="457200" rtl="0" eaLnBrk="1" latinLnBrk="0" hangingPunct="1">
+              <a:spcBef>
+                <a:spcPct val="0"/>
+              </a:spcBef>
+              <a:buNone/>
+              <a:defRPr sz="3600" kern="1200">
+                <a:solidFill>
+                  <a:schemeClr val="accent1"/>
+                </a:solidFill>
+                <a:latin typeface="+mj-lt"/>
+                <a:ea typeface="+mj-ea"/>
+                <a:cs typeface="+mj-cs"/>
+              </a:defRPr>
+            </a:lvl1pPr>
+            <a:lvl2pPr eaLnBrk="1" hangingPunct="1">
+              <a:defRPr>
+                <a:solidFill>
+                  <a:schemeClr val="tx2"/>
+                </a:solidFill>
+              </a:defRPr>
+            </a:lvl2pPr>
+            <a:lvl3pPr eaLnBrk="1" hangingPunct="1">
+              <a:defRPr>
+                <a:solidFill>
+                  <a:schemeClr val="tx2"/>
+                </a:solidFill>
+              </a:defRPr>
+            </a:lvl3pPr>
+            <a:lvl4pPr eaLnBrk="1" hangingPunct="1">
+              <a:defRPr>
+                <a:solidFill>
+                  <a:schemeClr val="tx2"/>
+                </a:solidFill>
+              </a:defRPr>
+            </a:lvl4pPr>
+            <a:lvl5pPr eaLnBrk="1" hangingPunct="1">
+              <a:defRPr>
+                <a:solidFill>
+                  <a:schemeClr val="tx2"/>
+                </a:solidFill>
+              </a:defRPr>
+            </a:lvl5pPr>
+            <a:lvl6pPr eaLnBrk="1" hangingPunct="1">
+              <a:defRPr>
+                <a:solidFill>
+                  <a:schemeClr val="tx2"/>
+                </a:solidFill>
+              </a:defRPr>
+            </a:lvl6pPr>
+            <a:lvl7pPr eaLnBrk="1" hangingPunct="1">
+              <a:defRPr>
+                <a:solidFill>
+                  <a:schemeClr val="tx2"/>
+                </a:solidFill>
+              </a:defRPr>
+            </a:lvl7pPr>
+            <a:lvl8pPr eaLnBrk="1" hangingPunct="1">
+              <a:defRPr>
+                <a:solidFill>
+                  <a:schemeClr val="tx2"/>
+                </a:solidFill>
+              </a:defRPr>
+            </a:lvl8pPr>
+            <a:lvl9pPr eaLnBrk="1" hangingPunct="1">
+              <a:defRPr>
+                <a:solidFill>
+                  <a:schemeClr val="tx2"/>
+                </a:solidFill>
+              </a:defRPr>
+            </a:lvl9pPr>
+          </a:lstStyle>
+          <a:p>
+            <a:pPr marL="571500" indent="-571500">
+              <a:buFont typeface="Wingdings" panose="05000000000000000000" pitchFamily="2" charset="2"/>
+              <a:buChar char="§"/>
+            </a:pPr>
+            <a:endParaRPr lang="vi-VN" sz="2000">
+              <a:solidFill>
+                <a:schemeClr val="tx1"/>
+              </a:solidFill>
+              <a:latin typeface="+mn-lt"/>
+            </a:endParaRPr>
+          </a:p>
+        </p:txBody>
+      </p:sp>
+      <p:sp>
+        <p:nvSpPr>
+          <p:cNvPr id="27" name="Title 1"/>
+          <p:cNvSpPr txBox="1">
+            <a:spLocks/>
+          </p:cNvSpPr>
+          <p:nvPr/>
+        </p:nvSpPr>
+        <p:spPr>
+          <a:xfrm>
+            <a:off x="4472907" y="4818190"/>
+            <a:ext cx="4640004" cy="1337911"/>
+          </a:xfrm>
+          <a:prstGeom prst="rect">
+            <a:avLst/>
+          </a:prstGeom>
+        </p:spPr>
+        <p:txBody>
+          <a:bodyPr vert="horz" lIns="91440" tIns="45720" rIns="91440" bIns="45720" rtlCol="0" anchor="t">
+            <a:normAutofit/>
+          </a:bodyPr>
+          <a:lstStyle>
+            <a:lvl1pPr algn="l" defTabSz="457200" rtl="0" eaLnBrk="1" latinLnBrk="0" hangingPunct="1">
+              <a:spcBef>
+                <a:spcPct val="0"/>
+              </a:spcBef>
+              <a:buNone/>
+              <a:defRPr sz="3600" kern="1200">
+                <a:solidFill>
+                  <a:schemeClr val="accent1"/>
+                </a:solidFill>
+                <a:latin typeface="+mj-lt"/>
+                <a:ea typeface="+mj-ea"/>
+                <a:cs typeface="+mj-cs"/>
+              </a:defRPr>
+            </a:lvl1pPr>
+            <a:lvl2pPr eaLnBrk="1" hangingPunct="1">
+              <a:defRPr>
+                <a:solidFill>
+                  <a:schemeClr val="tx2"/>
+                </a:solidFill>
+              </a:defRPr>
+            </a:lvl2pPr>
+            <a:lvl3pPr eaLnBrk="1" hangingPunct="1">
+              <a:defRPr>
+                <a:solidFill>
+                  <a:schemeClr val="tx2"/>
+                </a:solidFill>
+              </a:defRPr>
+            </a:lvl3pPr>
+            <a:lvl4pPr eaLnBrk="1" hangingPunct="1">
+              <a:defRPr>
+                <a:solidFill>
+                  <a:schemeClr val="tx2"/>
+                </a:solidFill>
+              </a:defRPr>
+            </a:lvl4pPr>
+            <a:lvl5pPr eaLnBrk="1" hangingPunct="1">
+              <a:defRPr>
+                <a:solidFill>
+                  <a:schemeClr val="tx2"/>
+                </a:solidFill>
+              </a:defRPr>
+            </a:lvl5pPr>
+            <a:lvl6pPr eaLnBrk="1" hangingPunct="1">
+              <a:defRPr>
+                <a:solidFill>
+                  <a:schemeClr val="tx2"/>
+                </a:solidFill>
+              </a:defRPr>
+            </a:lvl6pPr>
+            <a:lvl7pPr eaLnBrk="1" hangingPunct="1">
+              <a:defRPr>
+                <a:solidFill>
+                  <a:schemeClr val="tx2"/>
+                </a:solidFill>
+              </a:defRPr>
+            </a:lvl7pPr>
+            <a:lvl8pPr eaLnBrk="1" hangingPunct="1">
+              <a:defRPr>
+                <a:solidFill>
+                  <a:schemeClr val="tx2"/>
+                </a:solidFill>
+              </a:defRPr>
+            </a:lvl8pPr>
+            <a:lvl9pPr eaLnBrk="1" hangingPunct="1">
+              <a:defRPr>
+                <a:solidFill>
+                  <a:schemeClr val="tx2"/>
+                </a:solidFill>
+              </a:defRPr>
+            </a:lvl9pPr>
+          </a:lstStyle>
+          <a:p>
+            <a:pPr marL="571500" indent="-571500" algn="just">
+              <a:buFont typeface="Wingdings" panose="05000000000000000000" pitchFamily="2" charset="2"/>
+              <a:buChar char="§"/>
+            </a:pPr>
+            <a:r>
+              <a:rPr lang="vi-VN" sz="2000" smtClean="0">
+                <a:solidFill>
+                  <a:schemeClr val="tx1"/>
+                </a:solidFill>
+                <a:latin typeface="+mn-lt"/>
+              </a:rPr>
+              <a:t>Thiết kế ứng dụng chuyên nghiệp hơn</a:t>
+            </a:r>
+          </a:p>
+          <a:p>
+            <a:pPr marL="571500" indent="-571500" algn="just">
+              <a:buFont typeface="Wingdings" panose="05000000000000000000" pitchFamily="2" charset="2"/>
+              <a:buChar char="§"/>
+            </a:pPr>
+            <a:r>
+              <a:rPr lang="vi-VN" sz="2000" smtClean="0">
+                <a:solidFill>
+                  <a:schemeClr val="tx1"/>
+                </a:solidFill>
+                <a:latin typeface="+mn-lt"/>
+              </a:rPr>
+              <a:t>Thêm các tính năng cần thiết cho ứng dụng</a:t>
+            </a:r>
+            <a:endParaRPr lang="vi-VN" sz="2000">
+              <a:solidFill>
+                <a:schemeClr val="tx1"/>
+              </a:solidFill>
+              <a:latin typeface="+mn-lt"/>
+            </a:endParaRPr>
           </a:p>
         </p:txBody>
       </p:sp>

--- a/pp_BuiHoangAnh_1412101114.pptx
+++ b/pp_BuiHoangAnh_1412101114.pptx
@@ -5,7 +5,7 @@
     <p:sldMasterId id="2147483694" r:id="rId1"/>
   </p:sldMasterIdLst>
   <p:notesMasterIdLst>
-    <p:notesMasterId r:id="rId11"/>
+    <p:notesMasterId r:id="rId12"/>
   </p:notesMasterIdLst>
   <p:sldIdLst>
     <p:sldId id="256" r:id="rId2"/>
@@ -13,10 +13,11 @@
     <p:sldId id="258" r:id="rId4"/>
     <p:sldId id="264" r:id="rId5"/>
     <p:sldId id="266" r:id="rId6"/>
-    <p:sldId id="268" r:id="rId7"/>
-    <p:sldId id="267" r:id="rId8"/>
-    <p:sldId id="265" r:id="rId9"/>
-    <p:sldId id="259" r:id="rId10"/>
+    <p:sldId id="269" r:id="rId7"/>
+    <p:sldId id="268" r:id="rId8"/>
+    <p:sldId id="267" r:id="rId9"/>
+    <p:sldId id="265" r:id="rId10"/>
+    <p:sldId id="259" r:id="rId11"/>
   </p:sldIdLst>
   <p:sldSz cx="12192000" cy="6858000"/>
   <p:notesSz cx="6858000" cy="9144000"/>
@@ -6287,8 +6288,8 @@
         </p:nvSpPr>
         <p:spPr>
           <a:xfrm>
-            <a:off x="1507066" y="2968481"/>
-            <a:ext cx="8126331" cy="1352813"/>
+            <a:off x="1507066" y="3193959"/>
+            <a:ext cx="8126331" cy="1127335"/>
           </a:xfrm>
         </p:spPr>
         <p:txBody>
@@ -6340,20 +6341,7 @@
           <a:p>
             <a:pPr algn="l"/>
             <a:r>
-              <a:rPr lang="en-US" sz="2000" smtClean="0">
-                <a:solidFill>
-                  <a:schemeClr val="tx1"/>
-                </a:solidFill>
-                <a:latin typeface="Arial" panose="020B0604020202020204" pitchFamily="34" charset="0"/>
-                <a:cs typeface="Arial" panose="020B0604020202020204" pitchFamily="34" charset="0"/>
-              </a:rPr>
-              <a:t>Sinh viên thực hiện: Bùi Hoàng Anh</a:t>
-            </a:r>
-          </a:p>
-          <a:p>
-            <a:pPr algn="l"/>
-            <a:r>
-              <a:rPr lang="en-US" sz="2000" smtClean="0">
+              <a:rPr lang="en-US" sz="2000">
                 <a:solidFill>
                   <a:schemeClr val="tx1"/>
                 </a:solidFill>
@@ -6373,7 +6361,87 @@
                 <a:latin typeface="Arial" panose="020B0604020202020204" pitchFamily="34" charset="0"/>
                 <a:cs typeface="Arial" panose="020B0604020202020204" pitchFamily="34" charset="0"/>
               </a:rPr>
-              <a:t>Mã số sinh viên: 1412101114 – Lớp: CT1801</a:t>
+              <a:t>Sinh </a:t>
+            </a:r>
+            <a:r>
+              <a:rPr lang="en-US" sz="2000" smtClean="0">
+                <a:solidFill>
+                  <a:schemeClr val="tx1"/>
+                </a:solidFill>
+                <a:latin typeface="Arial" panose="020B0604020202020204" pitchFamily="34" charset="0"/>
+                <a:cs typeface="Arial" panose="020B0604020202020204" pitchFamily="34" charset="0"/>
+              </a:rPr>
+              <a:t>viên thực hiện: Bùi Hoàng </a:t>
+            </a:r>
+            <a:r>
+              <a:rPr lang="en-US" sz="2000" smtClean="0">
+                <a:solidFill>
+                  <a:schemeClr val="tx1"/>
+                </a:solidFill>
+                <a:latin typeface="Arial" panose="020B0604020202020204" pitchFamily="34" charset="0"/>
+                <a:cs typeface="Arial" panose="020B0604020202020204" pitchFamily="34" charset="0"/>
+              </a:rPr>
+              <a:t>Anh</a:t>
+            </a:r>
+            <a:endParaRPr lang="en-US" sz="2000" smtClean="0">
+              <a:solidFill>
+                <a:schemeClr val="tx1"/>
+              </a:solidFill>
+              <a:latin typeface="Arial" panose="020B0604020202020204" pitchFamily="34" charset="0"/>
+              <a:cs typeface="Arial" panose="020B0604020202020204" pitchFamily="34" charset="0"/>
+            </a:endParaRPr>
+          </a:p>
+          <a:p>
+            <a:pPr algn="l"/>
+            <a:r>
+              <a:rPr lang="en-US" sz="2000">
+                <a:solidFill>
+                  <a:schemeClr val="tx1"/>
+                </a:solidFill>
+                <a:latin typeface="Arial" panose="020B0604020202020204" pitchFamily="34" charset="0"/>
+                <a:cs typeface="Arial" panose="020B0604020202020204" pitchFamily="34" charset="0"/>
+              </a:rPr>
+              <a:t>Lớp: </a:t>
+            </a:r>
+            <a:r>
+              <a:rPr lang="en-US" sz="2000">
+                <a:solidFill>
+                  <a:schemeClr val="tx1"/>
+                </a:solidFill>
+                <a:latin typeface="Arial" panose="020B0604020202020204" pitchFamily="34" charset="0"/>
+                <a:cs typeface="Arial" panose="020B0604020202020204" pitchFamily="34" charset="0"/>
+              </a:rPr>
+              <a:t>CT1801 </a:t>
+            </a:r>
+            <a:r>
+              <a:rPr lang="en-US" sz="2000" smtClean="0">
+                <a:solidFill>
+                  <a:schemeClr val="tx1"/>
+                </a:solidFill>
+                <a:latin typeface="Arial" panose="020B0604020202020204" pitchFamily="34" charset="0"/>
+                <a:cs typeface="Arial" panose="020B0604020202020204" pitchFamily="34" charset="0"/>
+              </a:rPr>
+              <a:t>- Mã </a:t>
+            </a:r>
+            <a:r>
+              <a:rPr lang="en-US" sz="2000" smtClean="0">
+                <a:solidFill>
+                  <a:schemeClr val="tx1"/>
+                </a:solidFill>
+                <a:latin typeface="Arial" panose="020B0604020202020204" pitchFamily="34" charset="0"/>
+                <a:cs typeface="Arial" panose="020B0604020202020204" pitchFamily="34" charset="0"/>
+              </a:rPr>
+              <a:t>số sinh viên: </a:t>
+            </a:r>
+            <a:r>
+              <a:rPr lang="en-US" sz="2000" smtClean="0">
+                <a:solidFill>
+                  <a:schemeClr val="tx1"/>
+                </a:solidFill>
+                <a:latin typeface="Arial" panose="020B0604020202020204" pitchFamily="34" charset="0"/>
+                <a:cs typeface="Arial" panose="020B0604020202020204" pitchFamily="34" charset="0"/>
+              </a:rPr>
+              <a:t>1412101114</a:t>
             </a:r>
             <a:endParaRPr lang="vi-VN" sz="2000">
               <a:solidFill>
@@ -6692,8 +6760,8 @@
         </p:nvSpPr>
         <p:spPr>
           <a:xfrm>
-            <a:off x="1801139" y="2554473"/>
-            <a:ext cx="7215290" cy="639486"/>
+            <a:off x="1801139" y="2381750"/>
+            <a:ext cx="7215290" cy="812209"/>
           </a:xfrm>
           <a:prstGeom prst="rect">
             <a:avLst/>
@@ -6854,6 +6922,98 @@
 </p:sld>
 </file>
 
+<file path=ppt/slides/slide10.xml><?xml version="1.0" encoding="utf-8"?>
+<p:sld xmlns:a="http://schemas.openxmlformats.org/drawingml/2006/main" xmlns:r="http://schemas.openxmlformats.org/officeDocument/2006/relationships" xmlns:p="http://schemas.openxmlformats.org/presentationml/2006/main">
+  <p:cSld>
+    <p:spTree>
+      <p:nvGrpSpPr>
+        <p:cNvPr id="1" name=""/>
+        <p:cNvGrpSpPr/>
+        <p:nvPr/>
+      </p:nvGrpSpPr>
+      <p:grpSpPr>
+        <a:xfrm>
+          <a:off x="0" y="0"/>
+          <a:ext cx="0" cy="0"/>
+          <a:chOff x="0" y="0"/>
+          <a:chExt cx="0" cy="0"/>
+        </a:xfrm>
+      </p:grpSpPr>
+      <p:sp>
+        <p:nvSpPr>
+          <p:cNvPr id="2" name="Title 1"/>
+          <p:cNvSpPr>
+            <a:spLocks noGrp="1"/>
+          </p:cNvSpPr>
+          <p:nvPr>
+            <p:ph type="title"/>
+          </p:nvPr>
+        </p:nvSpPr>
+        <p:spPr>
+          <a:xfrm>
+            <a:off x="677334" y="2786127"/>
+            <a:ext cx="8596668" cy="1320800"/>
+          </a:xfrm>
+        </p:spPr>
+        <p:txBody>
+          <a:bodyPr/>
+          <a:lstStyle/>
+          <a:p>
+            <a:r>
+              <a:rPr lang="vi-VN" sz="4000" b="1" smtClean="0">
+                <a:latin typeface="+mn-lt"/>
+              </a:rPr>
+              <a:t>CẢM ƠN QUÝ THẦY CÔ VÀ CÁC BẠN ĐÃ LẮNG NGHE!</a:t>
+            </a:r>
+            <a:endParaRPr lang="vi-VN" sz="4000" b="1">
+              <a:latin typeface="+mn-lt"/>
+            </a:endParaRPr>
+          </a:p>
+        </p:txBody>
+      </p:sp>
+      <p:sp>
+        <p:nvSpPr>
+          <p:cNvPr id="3" name="Slide Number Placeholder 2"/>
+          <p:cNvSpPr>
+            <a:spLocks noGrp="1"/>
+          </p:cNvSpPr>
+          <p:nvPr>
+            <p:ph type="sldNum" sz="quarter" idx="12"/>
+          </p:nvPr>
+        </p:nvSpPr>
+        <p:spPr/>
+        <p:txBody>
+          <a:bodyPr/>
+          <a:lstStyle/>
+          <a:p>
+            <a:fld id="{73B5BF7B-DAD1-4DA5-A555-55991F7C0E6A}" type="slidenum">
+              <a:rPr lang="vi-VN" smtClean="0"/>
+              <a:t>10</a:t>
+            </a:fld>
+            <a:endParaRPr lang="vi-VN"/>
+          </a:p>
+        </p:txBody>
+      </p:sp>
+    </p:spTree>
+    <p:extLst>
+      <p:ext uri="{BB962C8B-B14F-4D97-AF65-F5344CB8AC3E}">
+        <p14:creationId xmlns:p14="http://schemas.microsoft.com/office/powerpoint/2010/main" val="2550261549"/>
+      </p:ext>
+    </p:extLst>
+  </p:cSld>
+  <p:clrMapOvr>
+    <a:masterClrMapping/>
+  </p:clrMapOvr>
+  <p:timing>
+    <p:tnLst>
+      <p:par>
+        <p:cTn id="1" dur="indefinite" restart="never" nodeType="tmRoot"/>
+      </p:par>
+    </p:tnLst>
+  </p:timing>
+</p:sld>
+</file>
+
 <file path=ppt/slides/slide2.xml><?xml version="1.0" encoding="utf-8"?>
 <p:sld xmlns:a="http://schemas.openxmlformats.org/drawingml/2006/main" xmlns:r="http://schemas.openxmlformats.org/officeDocument/2006/relationships" xmlns:p="http://schemas.openxmlformats.org/presentationml/2006/main">
   <p:cSld>
@@ -6934,185 +7094,6 @@
               <a:t>2</a:t>
             </a:fld>
             <a:endParaRPr lang="vi-VN"/>
-          </a:p>
-        </p:txBody>
-      </p:sp>
-      <p:sp>
-        <p:nvSpPr>
-          <p:cNvPr id="5" name="Hexagon 4"/>
-          <p:cNvSpPr/>
-          <p:nvPr/>
-        </p:nvSpPr>
-        <p:spPr>
-          <a:xfrm>
-            <a:off x="782682" y="1930400"/>
-            <a:ext cx="659751" cy="573653"/>
-          </a:xfrm>
-          <a:prstGeom prst="hexagon">
-            <a:avLst/>
-          </a:prstGeom>
-          <a:ln>
-            <a:solidFill>
-              <a:schemeClr val="accent1"/>
-            </a:solidFill>
-          </a:ln>
-        </p:spPr>
-        <p:style>
-          <a:lnRef idx="2">
-            <a:schemeClr val="accent1">
-              <a:shade val="50000"/>
-            </a:schemeClr>
-          </a:lnRef>
-          <a:fillRef idx="1">
-            <a:schemeClr val="accent1"/>
-          </a:fillRef>
-          <a:effectRef idx="0">
-            <a:schemeClr val="accent1"/>
-          </a:effectRef>
-          <a:fontRef idx="minor">
-            <a:schemeClr val="lt1"/>
-          </a:fontRef>
-        </p:style>
-        <p:txBody>
-          <a:bodyPr rtlCol="0" anchor="ctr"/>
-          <a:lstStyle/>
-          <a:p>
-            <a:pPr algn="ctr"/>
-            <a:r>
-              <a:rPr lang="vi-VN" smtClean="0"/>
-              <a:t>1</a:t>
-            </a:r>
-            <a:endParaRPr lang="vi-VN"/>
-          </a:p>
-        </p:txBody>
-      </p:sp>
-      <p:sp>
-        <p:nvSpPr>
-          <p:cNvPr id="8" name="TextBox 6"/>
-          <p:cNvSpPr txBox="1"/>
-          <p:nvPr/>
-        </p:nvSpPr>
-        <p:spPr>
-          <a:xfrm>
-            <a:off x="1623169" y="1990872"/>
-            <a:ext cx="2738044" cy="461665"/>
-          </a:xfrm>
-          <a:prstGeom prst="rect">
-            <a:avLst/>
-          </a:prstGeom>
-          <a:noFill/>
-        </p:spPr>
-        <p:txBody>
-          <a:bodyPr wrap="square" rtlCol="0">
-            <a:spAutoFit/>
-          </a:bodyPr>
-          <a:lstStyle>
-            <a:defPPr>
-              <a:defRPr lang="en-US"/>
-            </a:defPPr>
-            <a:lvl1pPr marL="0" algn="l" defTabSz="914400" rtl="0" eaLnBrk="1" latinLnBrk="0" hangingPunct="1">
-              <a:defRPr sz="1800" kern="1200">
-                <a:solidFill>
-                  <a:schemeClr val="tx1"/>
-                </a:solidFill>
-                <a:latin typeface="+mn-lt"/>
-                <a:ea typeface="+mn-ea"/>
-                <a:cs typeface="+mn-cs"/>
-              </a:defRPr>
-            </a:lvl1pPr>
-            <a:lvl2pPr marL="457200" algn="l" defTabSz="914400" rtl="0" eaLnBrk="1" latinLnBrk="0" hangingPunct="1">
-              <a:defRPr sz="1800" kern="1200">
-                <a:solidFill>
-                  <a:schemeClr val="tx1"/>
-                </a:solidFill>
-                <a:latin typeface="+mn-lt"/>
-                <a:ea typeface="+mn-ea"/>
-                <a:cs typeface="+mn-cs"/>
-              </a:defRPr>
-            </a:lvl2pPr>
-            <a:lvl3pPr marL="914400" algn="l" defTabSz="914400" rtl="0" eaLnBrk="1" latinLnBrk="0" hangingPunct="1">
-              <a:defRPr sz="1800" kern="1200">
-                <a:solidFill>
-                  <a:schemeClr val="tx1"/>
-                </a:solidFill>
-                <a:latin typeface="+mn-lt"/>
-                <a:ea typeface="+mn-ea"/>
-                <a:cs typeface="+mn-cs"/>
-              </a:defRPr>
-            </a:lvl3pPr>
-            <a:lvl4pPr marL="1371600" algn="l" defTabSz="914400" rtl="0" eaLnBrk="1" latinLnBrk="0" hangingPunct="1">
-              <a:defRPr sz="1800" kern="1200">
-                <a:solidFill>
-                  <a:schemeClr val="tx1"/>
-                </a:solidFill>
-                <a:latin typeface="+mn-lt"/>
-                <a:ea typeface="+mn-ea"/>
-                <a:cs typeface="+mn-cs"/>
-              </a:defRPr>
-            </a:lvl4pPr>
-            <a:lvl5pPr marL="1828800" algn="l" defTabSz="914400" rtl="0" eaLnBrk="1" latinLnBrk="0" hangingPunct="1">
-              <a:defRPr sz="1800" kern="1200">
-                <a:solidFill>
-                  <a:schemeClr val="tx1"/>
-                </a:solidFill>
-                <a:latin typeface="+mn-lt"/>
-                <a:ea typeface="+mn-ea"/>
-                <a:cs typeface="+mn-cs"/>
-              </a:defRPr>
-            </a:lvl5pPr>
-            <a:lvl6pPr marL="2286000" algn="l" defTabSz="914400" rtl="0" eaLnBrk="1" latinLnBrk="0" hangingPunct="1">
-              <a:defRPr sz="1800" kern="1200">
-                <a:solidFill>
-                  <a:schemeClr val="tx1"/>
-                </a:solidFill>
-                <a:latin typeface="+mn-lt"/>
-                <a:ea typeface="+mn-ea"/>
-                <a:cs typeface="+mn-cs"/>
-              </a:defRPr>
-            </a:lvl6pPr>
-            <a:lvl7pPr marL="2743200" algn="l" defTabSz="914400" rtl="0" eaLnBrk="1" latinLnBrk="0" hangingPunct="1">
-              <a:defRPr sz="1800" kern="1200">
-                <a:solidFill>
-                  <a:schemeClr val="tx1"/>
-                </a:solidFill>
-                <a:latin typeface="+mn-lt"/>
-                <a:ea typeface="+mn-ea"/>
-                <a:cs typeface="+mn-cs"/>
-              </a:defRPr>
-            </a:lvl7pPr>
-            <a:lvl8pPr marL="3200400" algn="l" defTabSz="914400" rtl="0" eaLnBrk="1" latinLnBrk="0" hangingPunct="1">
-              <a:defRPr sz="1800" kern="1200">
-                <a:solidFill>
-                  <a:schemeClr val="tx1"/>
-                </a:solidFill>
-                <a:latin typeface="+mn-lt"/>
-                <a:ea typeface="+mn-ea"/>
-                <a:cs typeface="+mn-cs"/>
-              </a:defRPr>
-            </a:lvl8pPr>
-            <a:lvl9pPr marL="3657600" algn="l" defTabSz="914400" rtl="0" eaLnBrk="1" latinLnBrk="0" hangingPunct="1">
-              <a:defRPr sz="1800" kern="1200">
-                <a:solidFill>
-                  <a:schemeClr val="tx1"/>
-                </a:solidFill>
-                <a:latin typeface="+mn-lt"/>
-                <a:ea typeface="+mn-ea"/>
-                <a:cs typeface="+mn-cs"/>
-              </a:defRPr>
-            </a:lvl9pPr>
-          </a:lstStyle>
-          <a:p>
-            <a:r>
-              <a:rPr lang="en-US" sz="2400" smtClean="0">
-                <a:latin typeface="Arial" pitchFamily="34" charset="0"/>
-                <a:cs typeface="Arial" pitchFamily="34" charset="0"/>
-              </a:rPr>
-              <a:t>ĐƯA RA VẤN ĐỀ</a:t>
-            </a:r>
-            <a:endParaRPr lang="en-US" sz="2400">
-              <a:latin typeface="Arial" pitchFamily="34" charset="0"/>
-              <a:cs typeface="Arial" pitchFamily="34" charset="0"/>
-            </a:endParaRPr>
           </a:p>
         </p:txBody>
       </p:sp>
@@ -7474,16 +7455,16 @@
       </p:sp>
       <p:sp>
         <p:nvSpPr>
-          <p:cNvPr id="15" name="Hexagon 14"/>
+          <p:cNvPr id="3" name="Oval 2"/>
           <p:cNvSpPr/>
           <p:nvPr/>
         </p:nvSpPr>
         <p:spPr>
           <a:xfrm>
-            <a:off x="782682" y="4364849"/>
-            <a:ext cx="659751" cy="573653"/>
+            <a:off x="782682" y="1930400"/>
+            <a:ext cx="659751" cy="659751"/>
           </a:xfrm>
-          <a:prstGeom prst="hexagon">
+          <a:prstGeom prst="ellipse">
             <a:avLst/>
           </a:prstGeom>
           <a:ln>
@@ -7515,7 +7496,7 @@
             <a:pPr algn="ctr"/>
             <a:r>
               <a:rPr lang="vi-VN" smtClean="0"/>
-              <a:t>4</a:t>
+              <a:t>1</a:t>
             </a:r>
             <a:endParaRPr lang="vi-VN"/>
           </a:p>
@@ -7523,131 +7504,147 @@
       </p:sp>
       <p:sp>
         <p:nvSpPr>
-          <p:cNvPr id="16" name="TextBox 6"/>
-          <p:cNvSpPr txBox="1"/>
+          <p:cNvPr id="7" name="Pentagon 6"/>
+          <p:cNvSpPr/>
           <p:nvPr/>
         </p:nvSpPr>
         <p:spPr>
           <a:xfrm>
-            <a:off x="1623168" y="4425321"/>
-            <a:ext cx="5370059" cy="461665"/>
+            <a:off x="1623168" y="1930400"/>
+            <a:ext cx="4661518" cy="659751"/>
           </a:xfrm>
-          <a:prstGeom prst="rect">
+          <a:prstGeom prst="homePlate">
             <a:avLst/>
           </a:prstGeom>
-          <a:noFill/>
+          <a:ln>
+            <a:solidFill>
+              <a:schemeClr val="accent1"/>
+            </a:solidFill>
+          </a:ln>
         </p:spPr>
-        <p:txBody>
-          <a:bodyPr wrap="square" rtlCol="0">
-            <a:spAutoFit/>
-          </a:bodyPr>
-          <a:lstStyle>
-            <a:defPPr>
-              <a:defRPr lang="en-US"/>
-            </a:defPPr>
-            <a:lvl1pPr marL="0" algn="l" defTabSz="914400" rtl="0" eaLnBrk="1" latinLnBrk="0" hangingPunct="1">
-              <a:defRPr sz="1800" kern="1200">
-                <a:solidFill>
-                  <a:schemeClr val="tx1"/>
-                </a:solidFill>
-                <a:latin typeface="+mn-lt"/>
-                <a:ea typeface="+mn-ea"/>
-                <a:cs typeface="+mn-cs"/>
-              </a:defRPr>
-            </a:lvl1pPr>
-            <a:lvl2pPr marL="457200" algn="l" defTabSz="914400" rtl="0" eaLnBrk="1" latinLnBrk="0" hangingPunct="1">
-              <a:defRPr sz="1800" kern="1200">
-                <a:solidFill>
-                  <a:schemeClr val="tx1"/>
-                </a:solidFill>
-                <a:latin typeface="+mn-lt"/>
-                <a:ea typeface="+mn-ea"/>
-                <a:cs typeface="+mn-cs"/>
-              </a:defRPr>
-            </a:lvl2pPr>
-            <a:lvl3pPr marL="914400" algn="l" defTabSz="914400" rtl="0" eaLnBrk="1" latinLnBrk="0" hangingPunct="1">
-              <a:defRPr sz="1800" kern="1200">
-                <a:solidFill>
-                  <a:schemeClr val="tx1"/>
-                </a:solidFill>
-                <a:latin typeface="+mn-lt"/>
-                <a:ea typeface="+mn-ea"/>
-                <a:cs typeface="+mn-cs"/>
-              </a:defRPr>
-            </a:lvl3pPr>
-            <a:lvl4pPr marL="1371600" algn="l" defTabSz="914400" rtl="0" eaLnBrk="1" latinLnBrk="0" hangingPunct="1">
-              <a:defRPr sz="1800" kern="1200">
-                <a:solidFill>
-                  <a:schemeClr val="tx1"/>
-                </a:solidFill>
-                <a:latin typeface="+mn-lt"/>
-                <a:ea typeface="+mn-ea"/>
-                <a:cs typeface="+mn-cs"/>
-              </a:defRPr>
-            </a:lvl4pPr>
-            <a:lvl5pPr marL="1828800" algn="l" defTabSz="914400" rtl="0" eaLnBrk="1" latinLnBrk="0" hangingPunct="1">
-              <a:defRPr sz="1800" kern="1200">
-                <a:solidFill>
-                  <a:schemeClr val="tx1"/>
-                </a:solidFill>
-                <a:latin typeface="+mn-lt"/>
-                <a:ea typeface="+mn-ea"/>
-                <a:cs typeface="+mn-cs"/>
-              </a:defRPr>
-            </a:lvl5pPr>
-            <a:lvl6pPr marL="2286000" algn="l" defTabSz="914400" rtl="0" eaLnBrk="1" latinLnBrk="0" hangingPunct="1">
-              <a:defRPr sz="1800" kern="1200">
-                <a:solidFill>
-                  <a:schemeClr val="tx1"/>
-                </a:solidFill>
-                <a:latin typeface="+mn-lt"/>
-                <a:ea typeface="+mn-ea"/>
-                <a:cs typeface="+mn-cs"/>
-              </a:defRPr>
-            </a:lvl6pPr>
-            <a:lvl7pPr marL="2743200" algn="l" defTabSz="914400" rtl="0" eaLnBrk="1" latinLnBrk="0" hangingPunct="1">
-              <a:defRPr sz="1800" kern="1200">
-                <a:solidFill>
-                  <a:schemeClr val="tx1"/>
-                </a:solidFill>
-                <a:latin typeface="+mn-lt"/>
-                <a:ea typeface="+mn-ea"/>
-                <a:cs typeface="+mn-cs"/>
-              </a:defRPr>
-            </a:lvl7pPr>
-            <a:lvl8pPr marL="3200400" algn="l" defTabSz="914400" rtl="0" eaLnBrk="1" latinLnBrk="0" hangingPunct="1">
-              <a:defRPr sz="1800" kern="1200">
-                <a:solidFill>
-                  <a:schemeClr val="tx1"/>
-                </a:solidFill>
-                <a:latin typeface="+mn-lt"/>
-                <a:ea typeface="+mn-ea"/>
-                <a:cs typeface="+mn-cs"/>
-              </a:defRPr>
-            </a:lvl8pPr>
-            <a:lvl9pPr marL="3657600" algn="l" defTabSz="914400" rtl="0" eaLnBrk="1" latinLnBrk="0" hangingPunct="1">
-              <a:defRPr sz="1800" kern="1200">
-                <a:solidFill>
-                  <a:schemeClr val="tx1"/>
-                </a:solidFill>
-                <a:latin typeface="+mn-lt"/>
-                <a:ea typeface="+mn-ea"/>
-                <a:cs typeface="+mn-cs"/>
-              </a:defRPr>
-            </a:lvl9pPr>
-          </a:lstStyle>
-          <a:p>
-            <a:r>
-              <a:rPr lang="en-US" sz="2400" smtClean="0">
-                <a:latin typeface="Arial" pitchFamily="34" charset="0"/>
-                <a:cs typeface="Arial" pitchFamily="34" charset="0"/>
-              </a:rPr>
+        <p:style>
+          <a:lnRef idx="2">
+            <a:schemeClr val="accent1">
+              <a:shade val="50000"/>
+            </a:schemeClr>
+          </a:lnRef>
+          <a:fillRef idx="1">
+            <a:schemeClr val="accent1"/>
+          </a:fillRef>
+          <a:effectRef idx="0">
+            <a:schemeClr val="accent1"/>
+          </a:effectRef>
+          <a:fontRef idx="minor">
+            <a:schemeClr val="lt1"/>
+          </a:fontRef>
+        </p:style>
+        <p:txBody>
+          <a:bodyPr rtlCol="0" anchor="ctr"/>
+          <a:lstStyle/>
+          <a:p>
+            <a:pPr algn="ctr"/>
+            <a:r>
+              <a:rPr lang="vi-VN" sz="2400" smtClean="0"/>
+              <a:t>ĐƯA RA VẤN ĐỀ</a:t>
+            </a:r>
+            <a:endParaRPr lang="vi-VN" sz="2400"/>
+          </a:p>
+        </p:txBody>
+      </p:sp>
+      <p:sp>
+        <p:nvSpPr>
+          <p:cNvPr id="17" name="Oval 16"/>
+          <p:cNvSpPr/>
+          <p:nvPr/>
+        </p:nvSpPr>
+        <p:spPr>
+          <a:xfrm>
+            <a:off x="782682" y="4341929"/>
+            <a:ext cx="659751" cy="659751"/>
+          </a:xfrm>
+          <a:prstGeom prst="ellipse">
+            <a:avLst/>
+          </a:prstGeom>
+          <a:ln>
+            <a:solidFill>
+              <a:schemeClr val="accent1"/>
+            </a:solidFill>
+          </a:ln>
+        </p:spPr>
+        <p:style>
+          <a:lnRef idx="2">
+            <a:schemeClr val="accent1">
+              <a:shade val="50000"/>
+            </a:schemeClr>
+          </a:lnRef>
+          <a:fillRef idx="1">
+            <a:schemeClr val="accent1"/>
+          </a:fillRef>
+          <a:effectRef idx="0">
+            <a:schemeClr val="accent1"/>
+          </a:effectRef>
+          <a:fontRef idx="minor">
+            <a:schemeClr val="lt1"/>
+          </a:fontRef>
+        </p:style>
+        <p:txBody>
+          <a:bodyPr rtlCol="0" anchor="ctr"/>
+          <a:lstStyle/>
+          <a:p>
+            <a:pPr algn="ctr"/>
+            <a:r>
+              <a:rPr lang="vi-VN"/>
+              <a:t>4</a:t>
+            </a:r>
+          </a:p>
+        </p:txBody>
+      </p:sp>
+      <p:sp>
+        <p:nvSpPr>
+          <p:cNvPr id="18" name="Pentagon 17"/>
+          <p:cNvSpPr/>
+          <p:nvPr/>
+        </p:nvSpPr>
+        <p:spPr>
+          <a:xfrm>
+            <a:off x="1623168" y="4341929"/>
+            <a:ext cx="4661518" cy="659751"/>
+          </a:xfrm>
+          <a:prstGeom prst="homePlate">
+            <a:avLst/>
+          </a:prstGeom>
+          <a:ln>
+            <a:solidFill>
+              <a:schemeClr val="accent1"/>
+            </a:solidFill>
+          </a:ln>
+        </p:spPr>
+        <p:style>
+          <a:lnRef idx="2">
+            <a:schemeClr val="accent1">
+              <a:shade val="50000"/>
+            </a:schemeClr>
+          </a:lnRef>
+          <a:fillRef idx="1">
+            <a:schemeClr val="accent1"/>
+          </a:fillRef>
+          <a:effectRef idx="0">
+            <a:schemeClr val="accent1"/>
+          </a:effectRef>
+          <a:fontRef idx="minor">
+            <a:schemeClr val="lt1"/>
+          </a:fontRef>
+        </p:style>
+        <p:txBody>
+          <a:bodyPr rtlCol="0" anchor="ctr"/>
+          <a:lstStyle/>
+          <a:p>
+            <a:pPr algn="ctr"/>
+            <a:r>
+              <a:rPr lang="vi-VN" sz="2400" smtClean="0"/>
               <a:t>KẾT LUẬN</a:t>
             </a:r>
-            <a:endParaRPr lang="en-US" sz="2400">
-              <a:latin typeface="Arial" pitchFamily="34" charset="0"/>
-              <a:cs typeface="Arial" pitchFamily="34" charset="0"/>
-            </a:endParaRPr>
+            <a:endParaRPr lang="vi-VN" sz="2400"/>
           </a:p>
         </p:txBody>
       </p:sp>
@@ -7717,171 +7714,6 @@
       </p:sp>
       <p:sp>
         <p:nvSpPr>
-          <p:cNvPr id="3" name="Content Placeholder 2"/>
-          <p:cNvSpPr>
-            <a:spLocks noGrp="1"/>
-          </p:cNvSpPr>
-          <p:nvPr>
-            <p:ph idx="1"/>
-          </p:nvPr>
-        </p:nvSpPr>
-        <p:spPr>
-          <a:xfrm>
-            <a:off x="677334" y="1930400"/>
-            <a:ext cx="8596668" cy="3880773"/>
-          </a:xfrm>
-        </p:spPr>
-        <p:txBody>
-          <a:bodyPr/>
-          <a:lstStyle/>
-          <a:p>
-            <a:pPr algn="just"/>
-            <a:r>
-              <a:rPr lang="en-US" sz="2400">
-                <a:solidFill>
-                  <a:schemeClr val="tx1"/>
-                </a:solidFill>
-                <a:latin typeface="Arial" panose="020B0604020202020204" pitchFamily="34" charset="0"/>
-                <a:cs typeface="Arial" panose="020B0604020202020204" pitchFamily="34" charset="0"/>
-              </a:rPr>
-              <a:t>Ngày nay, vai trò của các ứng dụng đọc tin tức trên thiết bị di động ngày càng trở nên quan trọng</a:t>
-            </a:r>
-            <a:r>
-              <a:rPr lang="en-US" sz="2400" smtClean="0">
-                <a:solidFill>
-                  <a:schemeClr val="tx1"/>
-                </a:solidFill>
-              </a:rPr>
-              <a:t>.</a:t>
-            </a:r>
-          </a:p>
-          <a:p>
-            <a:pPr algn="just"/>
-            <a:r>
-              <a:rPr lang="en-US" sz="2400">
-                <a:solidFill>
-                  <a:schemeClr val="tx1"/>
-                </a:solidFill>
-                <a:latin typeface="Arial" panose="020B0604020202020204" pitchFamily="34" charset="0"/>
-                <a:cs typeface="Arial" panose="020B0604020202020204" pitchFamily="34" charset="0"/>
-              </a:rPr>
-              <a:t>Khác </a:t>
-            </a:r>
-            <a:r>
-              <a:rPr lang="en-US" sz="2400" smtClean="0">
-                <a:solidFill>
-                  <a:schemeClr val="tx1"/>
-                </a:solidFill>
-                <a:latin typeface="Arial" panose="020B0604020202020204" pitchFamily="34" charset="0"/>
-                <a:cs typeface="Arial" panose="020B0604020202020204" pitchFamily="34" charset="0"/>
-              </a:rPr>
-              <a:t>với tin tức qua các bài </a:t>
-            </a:r>
-            <a:r>
-              <a:rPr lang="en-US" sz="2400">
-                <a:solidFill>
-                  <a:schemeClr val="tx1"/>
-                </a:solidFill>
-                <a:latin typeface="Arial" panose="020B0604020202020204" pitchFamily="34" charset="0"/>
-                <a:cs typeface="Arial" panose="020B0604020202020204" pitchFamily="34" charset="0"/>
-              </a:rPr>
-              <a:t>báo </a:t>
-            </a:r>
-            <a:r>
-              <a:rPr lang="en-US" sz="2400" smtClean="0">
-                <a:solidFill>
-                  <a:schemeClr val="tx1"/>
-                </a:solidFill>
-                <a:latin typeface="Arial" panose="020B0604020202020204" pitchFamily="34" charset="0"/>
-                <a:cs typeface="Arial" panose="020B0604020202020204" pitchFamily="34" charset="0"/>
-              </a:rPr>
-              <a:t>truyền </a:t>
-            </a:r>
-            <a:r>
-              <a:rPr lang="en-US" sz="2400">
-                <a:solidFill>
-                  <a:schemeClr val="tx1"/>
-                </a:solidFill>
-                <a:latin typeface="Arial" panose="020B0604020202020204" pitchFamily="34" charset="0"/>
-                <a:cs typeface="Arial" panose="020B0604020202020204" pitchFamily="34" charset="0"/>
-              </a:rPr>
-              <a:t>thông có giới hạn </a:t>
-            </a:r>
-            <a:r>
-              <a:rPr lang="en-US" sz="2400" smtClean="0">
-                <a:solidFill>
-                  <a:schemeClr val="tx1"/>
-                </a:solidFill>
-                <a:latin typeface="Arial" panose="020B0604020202020204" pitchFamily="34" charset="0"/>
-                <a:cs typeface="Arial" panose="020B0604020202020204" pitchFamily="34" charset="0"/>
-              </a:rPr>
-              <a:t>cập nhật</a:t>
-            </a:r>
-            <a:r>
-              <a:rPr lang="en-US" sz="2400">
-                <a:solidFill>
-                  <a:schemeClr val="tx1"/>
-                </a:solidFill>
-                <a:latin typeface="Arial" panose="020B0604020202020204" pitchFamily="34" charset="0"/>
-                <a:cs typeface="Arial" panose="020B0604020202020204" pitchFamily="34" charset="0"/>
-              </a:rPr>
-              <a:t> tin tức, các </a:t>
-            </a:r>
-            <a:r>
-              <a:rPr lang="en-US" sz="2400" smtClean="0">
-                <a:solidFill>
-                  <a:schemeClr val="tx1"/>
-                </a:solidFill>
-                <a:latin typeface="Arial" panose="020B0604020202020204" pitchFamily="34" charset="0"/>
-                <a:cs typeface="Arial" panose="020B0604020202020204" pitchFamily="34" charset="0"/>
-              </a:rPr>
-              <a:t>bài </a:t>
-            </a:r>
-            <a:r>
-              <a:rPr lang="en-US" sz="2400">
-                <a:solidFill>
-                  <a:schemeClr val="tx1"/>
-                </a:solidFill>
-                <a:latin typeface="Arial" panose="020B0604020202020204" pitchFamily="34" charset="0"/>
-                <a:cs typeface="Arial" panose="020B0604020202020204" pitchFamily="34" charset="0"/>
-              </a:rPr>
-              <a:t>báo trực tuyến đã cung cấp được sự tiện lợi trong việc cập nhật và phát hành thông tin</a:t>
-            </a:r>
-            <a:r>
-              <a:rPr lang="en-US" sz="2400" smtClean="0">
-                <a:solidFill>
-                  <a:schemeClr val="tx1"/>
-                </a:solidFill>
-                <a:latin typeface="Arial" panose="020B0604020202020204" pitchFamily="34" charset="0"/>
-                <a:cs typeface="Arial" panose="020B0604020202020204" pitchFamily="34" charset="0"/>
-              </a:rPr>
-              <a:t>.</a:t>
-            </a:r>
-          </a:p>
-          <a:p>
-            <a:pPr algn="just"/>
-            <a:r>
-              <a:rPr lang="en-US" sz="2400" smtClean="0">
-                <a:solidFill>
-                  <a:schemeClr val="tx1"/>
-                </a:solidFill>
-                <a:latin typeface="Arial" panose="020B0604020202020204" pitchFamily="34" charset="0"/>
-                <a:cs typeface="Arial" panose="020B0604020202020204" pitchFamily="34" charset="0"/>
-              </a:rPr>
-              <a:t>Do đó việc sử dụng ứng dụng đọc tin tức qua dịch vụ RSS luôn là điều cần thiết nhất hiện nay, nhằm đáp ứng nhu cầu cập nhật thông tin của mỗi người. </a:t>
-            </a:r>
-            <a:endParaRPr lang="vi-VN" sz="2400">
-              <a:solidFill>
-                <a:schemeClr val="tx1"/>
-              </a:solidFill>
-              <a:latin typeface="Arial" panose="020B0604020202020204" pitchFamily="34" charset="0"/>
-              <a:cs typeface="Arial" panose="020B0604020202020204" pitchFamily="34" charset="0"/>
-            </a:endParaRPr>
-          </a:p>
-        </p:txBody>
-      </p:sp>
-      <p:sp>
-        <p:nvSpPr>
           <p:cNvPr id="4" name="Slide Number Placeholder 3"/>
           <p:cNvSpPr>
             <a:spLocks noGrp="1"/>
@@ -7899,6 +7731,76 @@
               <a:rPr lang="vi-VN" smtClean="0"/>
               <a:t>3</a:t>
             </a:fld>
+            <a:endParaRPr lang="vi-VN"/>
+          </a:p>
+        </p:txBody>
+      </p:sp>
+      <p:sp>
+        <p:nvSpPr>
+          <p:cNvPr id="10" name="Content Placeholder 2"/>
+          <p:cNvSpPr>
+            <a:spLocks noGrp="1"/>
+          </p:cNvSpPr>
+          <p:nvPr>
+            <p:ph idx="1"/>
+          </p:nvPr>
+        </p:nvSpPr>
+        <p:spPr>
+          <a:xfrm>
+            <a:off x="677334" y="1941848"/>
+            <a:ext cx="8596668" cy="3880773"/>
+          </a:xfrm>
+        </p:spPr>
+        <p:txBody>
+          <a:bodyPr/>
+          <a:lstStyle/>
+          <a:p>
+            <a:pPr algn="just"/>
+            <a:r>
+              <a:rPr lang="vi-VN" sz="2400">
+                <a:solidFill>
+                  <a:schemeClr val="tx1"/>
+                </a:solidFill>
+                <a:cs typeface="Arial" panose="020B0604020202020204" pitchFamily="34" charset="0"/>
+              </a:rPr>
+              <a:t>Ngày nay, vai trò của các ứng dụng đọc tin tức trên thiết bị di động ngày càng trở nên quan trọng.</a:t>
+            </a:r>
+          </a:p>
+          <a:p>
+            <a:pPr algn="just"/>
+            <a:r>
+              <a:rPr lang="vi-VN" sz="2400">
+                <a:solidFill>
+                  <a:schemeClr val="tx1"/>
+                </a:solidFill>
+                <a:cs typeface="Arial" panose="020B0604020202020204" pitchFamily="34" charset="0"/>
+              </a:rPr>
+              <a:t>Khác với tin tức qua các bài báo truyền thông có giới hạn cập nhật tin tức, các bài báo trực tuyến đã cung cấp được sự tiện lợi trong việc cập nhật và phát hành thông tin.</a:t>
+            </a:r>
+          </a:p>
+          <a:p>
+            <a:pPr algn="just"/>
+            <a:r>
+              <a:rPr lang="vi-VN" sz="2400">
+                <a:solidFill>
+                  <a:schemeClr val="tx1"/>
+                </a:solidFill>
+                <a:cs typeface="Arial" panose="020B0604020202020204" pitchFamily="34" charset="0"/>
+              </a:rPr>
+              <a:t>Do đó việc sử dụng ứng dụng đọc tin tức qua dịch vụ RSS luôn là điều cần thiết nhất hiện nay, nhằm đáp ứng nhu cầu cập nhật thông tin của mỗi người. </a:t>
+            </a:r>
+            <a:endParaRPr lang="en-US" sz="2400">
+              <a:solidFill>
+                <a:schemeClr val="tx1"/>
+              </a:solidFill>
+              <a:latin typeface="Arial" panose="020B0604020202020204" pitchFamily="34" charset="0"/>
+              <a:cs typeface="Arial" panose="020B0604020202020204" pitchFamily="34" charset="0"/>
+            </a:endParaRPr>
+          </a:p>
+          <a:p>
+            <a:pPr marL="0" indent="0">
+              <a:buNone/>
+            </a:pPr>
             <a:endParaRPr lang="vi-VN"/>
           </a:p>
         </p:txBody>
@@ -7916,7 +7818,213 @@
   <p:timing>
     <p:tnLst>
       <p:par>
-        <p:cTn id="1" dur="indefinite" restart="never" nodeType="tmRoot"/>
+        <p:cTn id="1" dur="indefinite" restart="never" nodeType="tmRoot">
+          <p:childTnLst>
+            <p:seq concurrent="1" nextAc="seek">
+              <p:cTn id="2" dur="indefinite" nodeType="mainSeq">
+                <p:childTnLst>
+                  <p:par>
+                    <p:cTn id="3" fill="hold">
+                      <p:stCondLst>
+                        <p:cond delay="indefinite"/>
+                      </p:stCondLst>
+                      <p:childTnLst>
+                        <p:par>
+                          <p:cTn id="4" fill="hold">
+                            <p:stCondLst>
+                              <p:cond delay="0"/>
+                            </p:stCondLst>
+                            <p:childTnLst>
+                              <p:par>
+                                <p:cTn id="5" presetID="10" presetClass="entr" presetSubtype="0" fill="hold" nodeType="clickEffect">
+                                  <p:stCondLst>
+                                    <p:cond delay="0"/>
+                                  </p:stCondLst>
+                                  <p:childTnLst>
+                                    <p:set>
+                                      <p:cBhvr>
+                                        <p:cTn id="6" dur="1" fill="hold">
+                                          <p:stCondLst>
+                                            <p:cond delay="0"/>
+                                          </p:stCondLst>
+                                        </p:cTn>
+                                        <p:tgtEl>
+                                          <p:spTgt spid="10">
+                                            <p:txEl>
+                                              <p:pRg st="0" end="0"/>
+                                            </p:txEl>
+                                          </p:spTgt>
+                                        </p:tgtEl>
+                                        <p:attrNameLst>
+                                          <p:attrName>style.visibility</p:attrName>
+                                        </p:attrNameLst>
+                                      </p:cBhvr>
+                                      <p:to>
+                                        <p:strVal val="visible"/>
+                                      </p:to>
+                                    </p:set>
+                                    <p:animEffect transition="in" filter="fade">
+                                      <p:cBhvr>
+                                        <p:cTn id="7" dur="500"/>
+                                        <p:tgtEl>
+                                          <p:spTgt spid="10">
+                                            <p:txEl>
+                                              <p:pRg st="0" end="0"/>
+                                            </p:txEl>
+                                          </p:spTgt>
+                                        </p:tgtEl>
+                                      </p:cBhvr>
+                                    </p:animEffect>
+                                  </p:childTnLst>
+                                </p:cTn>
+                              </p:par>
+                            </p:childTnLst>
+                          </p:cTn>
+                        </p:par>
+                      </p:childTnLst>
+                    </p:cTn>
+                  </p:par>
+                  <p:par>
+                    <p:cTn id="8" fill="hold">
+                      <p:stCondLst>
+                        <p:cond delay="indefinite"/>
+                      </p:stCondLst>
+                      <p:childTnLst>
+                        <p:par>
+                          <p:cTn id="9" fill="hold">
+                            <p:stCondLst>
+                              <p:cond delay="0"/>
+                            </p:stCondLst>
+                            <p:childTnLst>
+                              <p:par>
+                                <p:cTn id="10" presetID="10" presetClass="entr" presetSubtype="0" fill="hold" nodeType="clickEffect">
+                                  <p:stCondLst>
+                                    <p:cond delay="0"/>
+                                  </p:stCondLst>
+                                  <p:childTnLst>
+                                    <p:set>
+                                      <p:cBhvr>
+                                        <p:cTn id="11" dur="1" fill="hold">
+                                          <p:stCondLst>
+                                            <p:cond delay="0"/>
+                                          </p:stCondLst>
+                                        </p:cTn>
+                                        <p:tgtEl>
+                                          <p:spTgt spid="10">
+                                            <p:txEl>
+                                              <p:pRg st="1" end="1"/>
+                                            </p:txEl>
+                                          </p:spTgt>
+                                        </p:tgtEl>
+                                        <p:attrNameLst>
+                                          <p:attrName>style.visibility</p:attrName>
+                                        </p:attrNameLst>
+                                      </p:cBhvr>
+                                      <p:to>
+                                        <p:strVal val="visible"/>
+                                      </p:to>
+                                    </p:set>
+                                    <p:animEffect transition="in" filter="fade">
+                                      <p:cBhvr>
+                                        <p:cTn id="12" dur="500"/>
+                                        <p:tgtEl>
+                                          <p:spTgt spid="10">
+                                            <p:txEl>
+                                              <p:pRg st="1" end="1"/>
+                                            </p:txEl>
+                                          </p:spTgt>
+                                        </p:tgtEl>
+                                      </p:cBhvr>
+                                    </p:animEffect>
+                                  </p:childTnLst>
+                                </p:cTn>
+                              </p:par>
+                            </p:childTnLst>
+                          </p:cTn>
+                        </p:par>
+                      </p:childTnLst>
+                    </p:cTn>
+                  </p:par>
+                  <p:par>
+                    <p:cTn id="13" fill="hold">
+                      <p:stCondLst>
+                        <p:cond delay="indefinite"/>
+                      </p:stCondLst>
+                      <p:childTnLst>
+                        <p:par>
+                          <p:cTn id="14" fill="hold">
+                            <p:stCondLst>
+                              <p:cond delay="0"/>
+                            </p:stCondLst>
+                            <p:childTnLst>
+                              <p:par>
+                                <p:cTn id="15" presetID="10" presetClass="entr" presetSubtype="0" fill="hold" nodeType="clickEffect">
+                                  <p:stCondLst>
+                                    <p:cond delay="0"/>
+                                  </p:stCondLst>
+                                  <p:childTnLst>
+                                    <p:set>
+                                      <p:cBhvr>
+                                        <p:cTn id="16" dur="1" fill="hold">
+                                          <p:stCondLst>
+                                            <p:cond delay="0"/>
+                                          </p:stCondLst>
+                                        </p:cTn>
+                                        <p:tgtEl>
+                                          <p:spTgt spid="10">
+                                            <p:txEl>
+                                              <p:pRg st="2" end="2"/>
+                                            </p:txEl>
+                                          </p:spTgt>
+                                        </p:tgtEl>
+                                        <p:attrNameLst>
+                                          <p:attrName>style.visibility</p:attrName>
+                                        </p:attrNameLst>
+                                      </p:cBhvr>
+                                      <p:to>
+                                        <p:strVal val="visible"/>
+                                      </p:to>
+                                    </p:set>
+                                    <p:animEffect transition="in" filter="fade">
+                                      <p:cBhvr>
+                                        <p:cTn id="17" dur="500"/>
+                                        <p:tgtEl>
+                                          <p:spTgt spid="10">
+                                            <p:txEl>
+                                              <p:pRg st="2" end="2"/>
+                                            </p:txEl>
+                                          </p:spTgt>
+                                        </p:tgtEl>
+                                      </p:cBhvr>
+                                    </p:animEffect>
+                                  </p:childTnLst>
+                                </p:cTn>
+                              </p:par>
+                            </p:childTnLst>
+                          </p:cTn>
+                        </p:par>
+                      </p:childTnLst>
+                    </p:cTn>
+                  </p:par>
+                </p:childTnLst>
+              </p:cTn>
+              <p:prevCondLst>
+                <p:cond evt="onPrev" delay="0">
+                  <p:tgtEl>
+                    <p:sldTgt/>
+                  </p:tgtEl>
+                </p:cond>
+              </p:prevCondLst>
+              <p:nextCondLst>
+                <p:cond evt="onNext" delay="0">
+                  <p:tgtEl>
+                    <p:sldTgt/>
+                  </p:tgtEl>
+                </p:cond>
+              </p:nextCondLst>
+            </p:seq>
+          </p:childTnLst>
+        </p:cTn>
       </p:par>
     </p:tnLst>
   </p:timing>
@@ -8110,53 +8218,6 @@
       </p:sp>
       <p:sp>
         <p:nvSpPr>
-          <p:cNvPr id="3" name="Content Placeholder 2"/>
-          <p:cNvSpPr>
-            <a:spLocks noGrp="1"/>
-          </p:cNvSpPr>
-          <p:nvPr>
-            <p:ph idx="1"/>
-          </p:nvPr>
-        </p:nvSpPr>
-        <p:spPr>
-          <a:xfrm>
-            <a:off x="677334" y="1930400"/>
-            <a:ext cx="8596668" cy="3880773"/>
-          </a:xfrm>
-        </p:spPr>
-        <p:txBody>
-          <a:bodyPr>
-            <a:normAutofit/>
-          </a:bodyPr>
-          <a:lstStyle/>
-          <a:p>
-            <a:r>
-              <a:rPr lang="en-US" sz="2400" smtClean="0">
-                <a:solidFill>
-                  <a:schemeClr val="tx1"/>
-                </a:solidFill>
-                <a:latin typeface="Arial" panose="020B0604020202020204" pitchFamily="34" charset="0"/>
-                <a:cs typeface="Arial" panose="020B0604020202020204" pitchFamily="34" charset="0"/>
-              </a:rPr>
-              <a:t>Mô hình hoạt động</a:t>
-            </a:r>
-          </a:p>
-          <a:p>
-            <a:pPr marL="0" indent="0">
-              <a:buNone/>
-            </a:pPr>
-            <a:endParaRPr lang="en-US" sz="2400">
-              <a:solidFill>
-                <a:schemeClr val="tx1"/>
-              </a:solidFill>
-              <a:latin typeface="Arial" panose="020B0604020202020204" pitchFamily="34" charset="0"/>
-              <a:cs typeface="Arial" panose="020B0604020202020204" pitchFamily="34" charset="0"/>
-            </a:endParaRPr>
-          </a:p>
-        </p:txBody>
-      </p:sp>
-      <p:sp>
-        <p:nvSpPr>
           <p:cNvPr id="4" name="Slide Number Placeholder 3"/>
           <p:cNvSpPr>
             <a:spLocks noGrp="1"/>
@@ -8180,7 +8241,7 @@
       </p:sp>
       <p:pic>
         <p:nvPicPr>
-          <p:cNvPr id="6" name="Picture 5"/>
+          <p:cNvPr id="27" name="Picture 26"/>
           <p:cNvPicPr>
             <a:picLocks noChangeAspect="1"/>
           </p:cNvPicPr>
@@ -8200,14 +8261,411 @@
         </p:blipFill>
         <p:spPr>
           <a:xfrm>
-            <a:off x="345792" y="2401174"/>
-            <a:ext cx="8928210" cy="3239772"/>
+            <a:off x="677334" y="2898350"/>
+            <a:ext cx="2143125" cy="2143125"/>
           </a:xfrm>
           <a:prstGeom prst="rect">
             <a:avLst/>
           </a:prstGeom>
         </p:spPr>
       </p:pic>
+      <p:pic>
+        <p:nvPicPr>
+          <p:cNvPr id="29" name="Picture 28"/>
+          <p:cNvPicPr>
+            <a:picLocks noChangeAspect="1"/>
+          </p:cNvPicPr>
+          <p:nvPr/>
+        </p:nvPicPr>
+        <p:blipFill>
+          <a:blip r:embed="rId3" cstate="print">
+            <a:extLst>
+              <a:ext uri="{28A0092B-C50C-407E-A947-70E740481C1C}">
+                <a14:useLocalDpi xmlns:a14="http://schemas.microsoft.com/office/drawing/2010/main" val="0"/>
+              </a:ext>
+            </a:extLst>
+          </a:blip>
+          <a:stretch>
+            <a:fillRect/>
+          </a:stretch>
+        </p:blipFill>
+        <p:spPr>
+          <a:xfrm>
+            <a:off x="3747053" y="2898350"/>
+            <a:ext cx="2143125" cy="2143125"/>
+          </a:xfrm>
+          <a:prstGeom prst="rect">
+            <a:avLst/>
+          </a:prstGeom>
+        </p:spPr>
+      </p:pic>
+      <p:pic>
+        <p:nvPicPr>
+          <p:cNvPr id="30" name="Picture 29"/>
+          <p:cNvPicPr>
+            <a:picLocks noChangeAspect="1"/>
+          </p:cNvPicPr>
+          <p:nvPr/>
+        </p:nvPicPr>
+        <p:blipFill>
+          <a:blip r:embed="rId4">
+            <a:extLst>
+              <a:ext uri="{28A0092B-C50C-407E-A947-70E740481C1C}">
+                <a14:useLocalDpi xmlns:a14="http://schemas.microsoft.com/office/drawing/2010/main" val="0"/>
+              </a:ext>
+            </a:extLst>
+          </a:blip>
+          <a:stretch>
+            <a:fillRect/>
+          </a:stretch>
+        </p:blipFill>
+        <p:spPr>
+          <a:xfrm>
+            <a:off x="7109033" y="2898349"/>
+            <a:ext cx="1294909" cy="2143125"/>
+          </a:xfrm>
+          <a:prstGeom prst="rect">
+            <a:avLst/>
+          </a:prstGeom>
+        </p:spPr>
+      </p:pic>
+      <p:sp>
+        <p:nvSpPr>
+          <p:cNvPr id="31" name="TextBox 6"/>
+          <p:cNvSpPr txBox="1"/>
+          <p:nvPr/>
+        </p:nvSpPr>
+        <p:spPr>
+          <a:xfrm>
+            <a:off x="957068" y="5041474"/>
+            <a:ext cx="1695980" cy="369332"/>
+          </a:xfrm>
+          <a:prstGeom prst="rect">
+            <a:avLst/>
+          </a:prstGeom>
+          <a:noFill/>
+        </p:spPr>
+        <p:txBody>
+          <a:bodyPr wrap="square" rtlCol="0">
+            <a:spAutoFit/>
+          </a:bodyPr>
+          <a:lstStyle>
+            <a:defPPr>
+              <a:defRPr lang="en-US"/>
+            </a:defPPr>
+            <a:lvl1pPr marL="0" algn="l" defTabSz="914400" rtl="0" eaLnBrk="1" latinLnBrk="0" hangingPunct="1">
+              <a:defRPr sz="1800" kern="1200">
+                <a:solidFill>
+                  <a:schemeClr val="tx1"/>
+                </a:solidFill>
+                <a:latin typeface="+mn-lt"/>
+                <a:ea typeface="+mn-ea"/>
+                <a:cs typeface="+mn-cs"/>
+              </a:defRPr>
+            </a:lvl1pPr>
+            <a:lvl2pPr marL="457200" algn="l" defTabSz="914400" rtl="0" eaLnBrk="1" latinLnBrk="0" hangingPunct="1">
+              <a:defRPr sz="1800" kern="1200">
+                <a:solidFill>
+                  <a:schemeClr val="tx1"/>
+                </a:solidFill>
+                <a:latin typeface="+mn-lt"/>
+                <a:ea typeface="+mn-ea"/>
+                <a:cs typeface="+mn-cs"/>
+              </a:defRPr>
+            </a:lvl2pPr>
+            <a:lvl3pPr marL="914400" algn="l" defTabSz="914400" rtl="0" eaLnBrk="1" latinLnBrk="0" hangingPunct="1">
+              <a:defRPr sz="1800" kern="1200">
+                <a:solidFill>
+                  <a:schemeClr val="tx1"/>
+                </a:solidFill>
+                <a:latin typeface="+mn-lt"/>
+                <a:ea typeface="+mn-ea"/>
+                <a:cs typeface="+mn-cs"/>
+              </a:defRPr>
+            </a:lvl3pPr>
+            <a:lvl4pPr marL="1371600" algn="l" defTabSz="914400" rtl="0" eaLnBrk="1" latinLnBrk="0" hangingPunct="1">
+              <a:defRPr sz="1800" kern="1200">
+                <a:solidFill>
+                  <a:schemeClr val="tx1"/>
+                </a:solidFill>
+                <a:latin typeface="+mn-lt"/>
+                <a:ea typeface="+mn-ea"/>
+                <a:cs typeface="+mn-cs"/>
+              </a:defRPr>
+            </a:lvl4pPr>
+            <a:lvl5pPr marL="1828800" algn="l" defTabSz="914400" rtl="0" eaLnBrk="1" latinLnBrk="0" hangingPunct="1">
+              <a:defRPr sz="1800" kern="1200">
+                <a:solidFill>
+                  <a:schemeClr val="tx1"/>
+                </a:solidFill>
+                <a:latin typeface="+mn-lt"/>
+                <a:ea typeface="+mn-ea"/>
+                <a:cs typeface="+mn-cs"/>
+              </a:defRPr>
+            </a:lvl5pPr>
+            <a:lvl6pPr marL="2286000" algn="l" defTabSz="914400" rtl="0" eaLnBrk="1" latinLnBrk="0" hangingPunct="1">
+              <a:defRPr sz="1800" kern="1200">
+                <a:solidFill>
+                  <a:schemeClr val="tx1"/>
+                </a:solidFill>
+                <a:latin typeface="+mn-lt"/>
+                <a:ea typeface="+mn-ea"/>
+                <a:cs typeface="+mn-cs"/>
+              </a:defRPr>
+            </a:lvl6pPr>
+            <a:lvl7pPr marL="2743200" algn="l" defTabSz="914400" rtl="0" eaLnBrk="1" latinLnBrk="0" hangingPunct="1">
+              <a:defRPr sz="1800" kern="1200">
+                <a:solidFill>
+                  <a:schemeClr val="tx1"/>
+                </a:solidFill>
+                <a:latin typeface="+mn-lt"/>
+                <a:ea typeface="+mn-ea"/>
+                <a:cs typeface="+mn-cs"/>
+              </a:defRPr>
+            </a:lvl7pPr>
+            <a:lvl8pPr marL="3200400" algn="l" defTabSz="914400" rtl="0" eaLnBrk="1" latinLnBrk="0" hangingPunct="1">
+              <a:defRPr sz="1800" kern="1200">
+                <a:solidFill>
+                  <a:schemeClr val="tx1"/>
+                </a:solidFill>
+                <a:latin typeface="+mn-lt"/>
+                <a:ea typeface="+mn-ea"/>
+                <a:cs typeface="+mn-cs"/>
+              </a:defRPr>
+            </a:lvl8pPr>
+            <a:lvl9pPr marL="3657600" algn="l" defTabSz="914400" rtl="0" eaLnBrk="1" latinLnBrk="0" hangingPunct="1">
+              <a:defRPr sz="1800" kern="1200">
+                <a:solidFill>
+                  <a:schemeClr val="tx1"/>
+                </a:solidFill>
+                <a:latin typeface="+mn-lt"/>
+                <a:ea typeface="+mn-ea"/>
+                <a:cs typeface="+mn-cs"/>
+              </a:defRPr>
+            </a:lvl9pPr>
+          </a:lstStyle>
+          <a:p>
+            <a:r>
+              <a:rPr lang="en-US" smtClean="0">
+                <a:latin typeface="Arial" pitchFamily="34" charset="0"/>
+                <a:cs typeface="Arial" pitchFamily="34" charset="0"/>
+              </a:rPr>
+              <a:t>Android Studio</a:t>
+            </a:r>
+            <a:endParaRPr lang="en-US">
+              <a:latin typeface="Arial" pitchFamily="34" charset="0"/>
+              <a:cs typeface="Arial" pitchFamily="34" charset="0"/>
+            </a:endParaRPr>
+          </a:p>
+        </p:txBody>
+      </p:sp>
+      <p:sp>
+        <p:nvSpPr>
+          <p:cNvPr id="32" name="TextBox 6"/>
+          <p:cNvSpPr txBox="1"/>
+          <p:nvPr/>
+        </p:nvSpPr>
+        <p:spPr>
+          <a:xfrm>
+            <a:off x="3955635" y="5041474"/>
+            <a:ext cx="1814099" cy="369332"/>
+          </a:xfrm>
+          <a:prstGeom prst="rect">
+            <a:avLst/>
+          </a:prstGeom>
+          <a:noFill/>
+        </p:spPr>
+        <p:txBody>
+          <a:bodyPr wrap="square" rtlCol="0">
+            <a:spAutoFit/>
+          </a:bodyPr>
+          <a:lstStyle>
+            <a:defPPr>
+              <a:defRPr lang="en-US"/>
+            </a:defPPr>
+            <a:lvl1pPr marL="0" algn="l" defTabSz="914400" rtl="0" eaLnBrk="1" latinLnBrk="0" hangingPunct="1">
+              <a:defRPr sz="1800" kern="1200">
+                <a:solidFill>
+                  <a:schemeClr val="tx1"/>
+                </a:solidFill>
+                <a:latin typeface="+mn-lt"/>
+                <a:ea typeface="+mn-ea"/>
+                <a:cs typeface="+mn-cs"/>
+              </a:defRPr>
+            </a:lvl1pPr>
+            <a:lvl2pPr marL="457200" algn="l" defTabSz="914400" rtl="0" eaLnBrk="1" latinLnBrk="0" hangingPunct="1">
+              <a:defRPr sz="1800" kern="1200">
+                <a:solidFill>
+                  <a:schemeClr val="tx1"/>
+                </a:solidFill>
+                <a:latin typeface="+mn-lt"/>
+                <a:ea typeface="+mn-ea"/>
+                <a:cs typeface="+mn-cs"/>
+              </a:defRPr>
+            </a:lvl2pPr>
+            <a:lvl3pPr marL="914400" algn="l" defTabSz="914400" rtl="0" eaLnBrk="1" latinLnBrk="0" hangingPunct="1">
+              <a:defRPr sz="1800" kern="1200">
+                <a:solidFill>
+                  <a:schemeClr val="tx1"/>
+                </a:solidFill>
+                <a:latin typeface="+mn-lt"/>
+                <a:ea typeface="+mn-ea"/>
+                <a:cs typeface="+mn-cs"/>
+              </a:defRPr>
+            </a:lvl3pPr>
+            <a:lvl4pPr marL="1371600" algn="l" defTabSz="914400" rtl="0" eaLnBrk="1" latinLnBrk="0" hangingPunct="1">
+              <a:defRPr sz="1800" kern="1200">
+                <a:solidFill>
+                  <a:schemeClr val="tx1"/>
+                </a:solidFill>
+                <a:latin typeface="+mn-lt"/>
+                <a:ea typeface="+mn-ea"/>
+                <a:cs typeface="+mn-cs"/>
+              </a:defRPr>
+            </a:lvl4pPr>
+            <a:lvl5pPr marL="1828800" algn="l" defTabSz="914400" rtl="0" eaLnBrk="1" latinLnBrk="0" hangingPunct="1">
+              <a:defRPr sz="1800" kern="1200">
+                <a:solidFill>
+                  <a:schemeClr val="tx1"/>
+                </a:solidFill>
+                <a:latin typeface="+mn-lt"/>
+                <a:ea typeface="+mn-ea"/>
+                <a:cs typeface="+mn-cs"/>
+              </a:defRPr>
+            </a:lvl5pPr>
+            <a:lvl6pPr marL="2286000" algn="l" defTabSz="914400" rtl="0" eaLnBrk="1" latinLnBrk="0" hangingPunct="1">
+              <a:defRPr sz="1800" kern="1200">
+                <a:solidFill>
+                  <a:schemeClr val="tx1"/>
+                </a:solidFill>
+                <a:latin typeface="+mn-lt"/>
+                <a:ea typeface="+mn-ea"/>
+                <a:cs typeface="+mn-cs"/>
+              </a:defRPr>
+            </a:lvl6pPr>
+            <a:lvl7pPr marL="2743200" algn="l" defTabSz="914400" rtl="0" eaLnBrk="1" latinLnBrk="0" hangingPunct="1">
+              <a:defRPr sz="1800" kern="1200">
+                <a:solidFill>
+                  <a:schemeClr val="tx1"/>
+                </a:solidFill>
+                <a:latin typeface="+mn-lt"/>
+                <a:ea typeface="+mn-ea"/>
+                <a:cs typeface="+mn-cs"/>
+              </a:defRPr>
+            </a:lvl7pPr>
+            <a:lvl8pPr marL="3200400" algn="l" defTabSz="914400" rtl="0" eaLnBrk="1" latinLnBrk="0" hangingPunct="1">
+              <a:defRPr sz="1800" kern="1200">
+                <a:solidFill>
+                  <a:schemeClr val="tx1"/>
+                </a:solidFill>
+                <a:latin typeface="+mn-lt"/>
+                <a:ea typeface="+mn-ea"/>
+                <a:cs typeface="+mn-cs"/>
+              </a:defRPr>
+            </a:lvl8pPr>
+            <a:lvl9pPr marL="3657600" algn="l" defTabSz="914400" rtl="0" eaLnBrk="1" latinLnBrk="0" hangingPunct="1">
+              <a:defRPr sz="1800" kern="1200">
+                <a:solidFill>
+                  <a:schemeClr val="tx1"/>
+                </a:solidFill>
+                <a:latin typeface="+mn-lt"/>
+                <a:ea typeface="+mn-ea"/>
+                <a:cs typeface="+mn-cs"/>
+              </a:defRPr>
+            </a:lvl9pPr>
+          </a:lstStyle>
+          <a:p>
+            <a:r>
+              <a:rPr lang="en-US" smtClean="0">
+                <a:latin typeface="Arial" pitchFamily="34" charset="0"/>
+                <a:cs typeface="Arial" pitchFamily="34" charset="0"/>
+              </a:rPr>
+              <a:t>Ngôn ngữ Java</a:t>
+            </a:r>
+            <a:endParaRPr lang="en-US">
+              <a:latin typeface="Arial" pitchFamily="34" charset="0"/>
+              <a:cs typeface="Arial" pitchFamily="34" charset="0"/>
+            </a:endParaRPr>
+          </a:p>
+        </p:txBody>
+      </p:sp>
+      <p:sp>
+        <p:nvSpPr>
+          <p:cNvPr id="33" name="Rectangle 32"/>
+          <p:cNvSpPr/>
+          <p:nvPr/>
+        </p:nvSpPr>
+        <p:spPr>
+          <a:xfrm>
+            <a:off x="6758254" y="5086997"/>
+            <a:ext cx="2069862" cy="369332"/>
+          </a:xfrm>
+          <a:prstGeom prst="rect">
+            <a:avLst/>
+          </a:prstGeom>
+        </p:spPr>
+        <p:txBody>
+          <a:bodyPr wrap="none">
+            <a:spAutoFit/>
+          </a:bodyPr>
+          <a:lstStyle/>
+          <a:p>
+            <a:r>
+              <a:rPr lang="en-US" smtClean="0">
+                <a:latin typeface="Arial" pitchFamily="34" charset="0"/>
+                <a:cs typeface="Arial" pitchFamily="34" charset="0"/>
+              </a:rPr>
+              <a:t>Điện thoại Android</a:t>
+            </a:r>
+            <a:endParaRPr lang="en-US">
+              <a:latin typeface="Arial" pitchFamily="34" charset="0"/>
+              <a:cs typeface="Arial" pitchFamily="34" charset="0"/>
+            </a:endParaRPr>
+          </a:p>
+        </p:txBody>
+      </p:sp>
+      <p:sp>
+        <p:nvSpPr>
+          <p:cNvPr id="34" name="Content Placeholder 33"/>
+          <p:cNvSpPr>
+            <a:spLocks noGrp="1"/>
+          </p:cNvSpPr>
+          <p:nvPr>
+            <p:ph idx="1"/>
+          </p:nvPr>
+        </p:nvSpPr>
+        <p:spPr>
+          <a:xfrm>
+            <a:off x="677334" y="1930400"/>
+            <a:ext cx="8596668" cy="3880773"/>
+          </a:xfrm>
+        </p:spPr>
+        <p:txBody>
+          <a:bodyPr>
+            <a:normAutofit/>
+          </a:bodyPr>
+          <a:lstStyle/>
+          <a:p>
+            <a:r>
+              <a:rPr lang="en-US" sz="2400" smtClean="0">
+                <a:solidFill>
+                  <a:schemeClr val="tx1"/>
+                </a:solidFill>
+                <a:latin typeface="Arial" panose="020B0604020202020204" pitchFamily="34" charset="0"/>
+                <a:cs typeface="Arial" panose="020B0604020202020204" pitchFamily="34" charset="0"/>
+              </a:rPr>
+              <a:t>Công cụ phát triển</a:t>
+            </a:r>
+            <a:endParaRPr lang="vi-VN" sz="2400">
+              <a:solidFill>
+                <a:schemeClr val="tx1"/>
+              </a:solidFill>
+              <a:latin typeface="Arial" panose="020B0604020202020204" pitchFamily="34" charset="0"/>
+              <a:cs typeface="Arial" panose="020B0604020202020204" pitchFamily="34" charset="0"/>
+            </a:endParaRPr>
+          </a:p>
+        </p:txBody>
+      </p:sp>
     </p:spTree>
     <p:extLst>
       <p:ext uri="{BB962C8B-B14F-4D97-AF65-F5344CB8AC3E}">
@@ -8221,9 +8679,577 @@
   <p:timing>
     <p:tnLst>
       <p:par>
-        <p:cTn id="1" dur="indefinite" restart="never" nodeType="tmRoot"/>
+        <p:cTn id="1" dur="indefinite" restart="never" nodeType="tmRoot">
+          <p:childTnLst>
+            <p:seq concurrent="1" nextAc="seek">
+              <p:cTn id="2" dur="indefinite" nodeType="mainSeq">
+                <p:childTnLst>
+                  <p:par>
+                    <p:cTn id="3" fill="hold">
+                      <p:stCondLst>
+                        <p:cond delay="indefinite"/>
+                      </p:stCondLst>
+                      <p:childTnLst>
+                        <p:par>
+                          <p:cTn id="4" fill="hold">
+                            <p:stCondLst>
+                              <p:cond delay="0"/>
+                            </p:stCondLst>
+                            <p:childTnLst>
+                              <p:par>
+                                <p:cTn id="5" presetID="42" presetClass="entr" presetSubtype="0" fill="hold" nodeType="clickEffect">
+                                  <p:stCondLst>
+                                    <p:cond delay="0"/>
+                                  </p:stCondLst>
+                                  <p:childTnLst>
+                                    <p:set>
+                                      <p:cBhvr>
+                                        <p:cTn id="6" dur="1" fill="hold">
+                                          <p:stCondLst>
+                                            <p:cond delay="0"/>
+                                          </p:stCondLst>
+                                        </p:cTn>
+                                        <p:tgtEl>
+                                          <p:spTgt spid="27"/>
+                                        </p:tgtEl>
+                                        <p:attrNameLst>
+                                          <p:attrName>style.visibility</p:attrName>
+                                        </p:attrNameLst>
+                                      </p:cBhvr>
+                                      <p:to>
+                                        <p:strVal val="visible"/>
+                                      </p:to>
+                                    </p:set>
+                                    <p:animEffect transition="in" filter="fade">
+                                      <p:cBhvr>
+                                        <p:cTn id="7" dur="1000"/>
+                                        <p:tgtEl>
+                                          <p:spTgt spid="27"/>
+                                        </p:tgtEl>
+                                      </p:cBhvr>
+                                    </p:animEffect>
+                                    <p:anim calcmode="lin" valueType="num">
+                                      <p:cBhvr>
+                                        <p:cTn id="8" dur="1000" fill="hold"/>
+                                        <p:tgtEl>
+                                          <p:spTgt spid="27"/>
+                                        </p:tgtEl>
+                                        <p:attrNameLst>
+                                          <p:attrName>ppt_x</p:attrName>
+                                        </p:attrNameLst>
+                                      </p:cBhvr>
+                                      <p:tavLst>
+                                        <p:tav tm="0">
+                                          <p:val>
+                                            <p:strVal val="#ppt_x"/>
+                                          </p:val>
+                                        </p:tav>
+                                        <p:tav tm="100000">
+                                          <p:val>
+                                            <p:strVal val="#ppt_x"/>
+                                          </p:val>
+                                        </p:tav>
+                                      </p:tavLst>
+                                    </p:anim>
+                                    <p:anim calcmode="lin" valueType="num">
+                                      <p:cBhvr>
+                                        <p:cTn id="9" dur="1000" fill="hold"/>
+                                        <p:tgtEl>
+                                          <p:spTgt spid="27"/>
+                                        </p:tgtEl>
+                                        <p:attrNameLst>
+                                          <p:attrName>ppt_y</p:attrName>
+                                        </p:attrNameLst>
+                                      </p:cBhvr>
+                                      <p:tavLst>
+                                        <p:tav tm="0">
+                                          <p:val>
+                                            <p:strVal val="#ppt_y+.1"/>
+                                          </p:val>
+                                        </p:tav>
+                                        <p:tav tm="100000">
+                                          <p:val>
+                                            <p:strVal val="#ppt_y"/>
+                                          </p:val>
+                                        </p:tav>
+                                      </p:tavLst>
+                                    </p:anim>
+                                  </p:childTnLst>
+                                </p:cTn>
+                              </p:par>
+                              <p:par>
+                                <p:cTn id="10" presetID="42" presetClass="entr" presetSubtype="0" fill="hold" grpId="0" nodeType="withEffect">
+                                  <p:stCondLst>
+                                    <p:cond delay="0"/>
+                                  </p:stCondLst>
+                                  <p:childTnLst>
+                                    <p:set>
+                                      <p:cBhvr>
+                                        <p:cTn id="11" dur="1" fill="hold">
+                                          <p:stCondLst>
+                                            <p:cond delay="0"/>
+                                          </p:stCondLst>
+                                        </p:cTn>
+                                        <p:tgtEl>
+                                          <p:spTgt spid="31"/>
+                                        </p:tgtEl>
+                                        <p:attrNameLst>
+                                          <p:attrName>style.visibility</p:attrName>
+                                        </p:attrNameLst>
+                                      </p:cBhvr>
+                                      <p:to>
+                                        <p:strVal val="visible"/>
+                                      </p:to>
+                                    </p:set>
+                                    <p:animEffect transition="in" filter="fade">
+                                      <p:cBhvr>
+                                        <p:cTn id="12" dur="1000"/>
+                                        <p:tgtEl>
+                                          <p:spTgt spid="31"/>
+                                        </p:tgtEl>
+                                      </p:cBhvr>
+                                    </p:animEffect>
+                                    <p:anim calcmode="lin" valueType="num">
+                                      <p:cBhvr>
+                                        <p:cTn id="13" dur="1000" fill="hold"/>
+                                        <p:tgtEl>
+                                          <p:spTgt spid="31"/>
+                                        </p:tgtEl>
+                                        <p:attrNameLst>
+                                          <p:attrName>ppt_x</p:attrName>
+                                        </p:attrNameLst>
+                                      </p:cBhvr>
+                                      <p:tavLst>
+                                        <p:tav tm="0">
+                                          <p:val>
+                                            <p:strVal val="#ppt_x"/>
+                                          </p:val>
+                                        </p:tav>
+                                        <p:tav tm="100000">
+                                          <p:val>
+                                            <p:strVal val="#ppt_x"/>
+                                          </p:val>
+                                        </p:tav>
+                                      </p:tavLst>
+                                    </p:anim>
+                                    <p:anim calcmode="lin" valueType="num">
+                                      <p:cBhvr>
+                                        <p:cTn id="14" dur="1000" fill="hold"/>
+                                        <p:tgtEl>
+                                          <p:spTgt spid="31"/>
+                                        </p:tgtEl>
+                                        <p:attrNameLst>
+                                          <p:attrName>ppt_y</p:attrName>
+                                        </p:attrNameLst>
+                                      </p:cBhvr>
+                                      <p:tavLst>
+                                        <p:tav tm="0">
+                                          <p:val>
+                                            <p:strVal val="#ppt_y+.1"/>
+                                          </p:val>
+                                        </p:tav>
+                                        <p:tav tm="100000">
+                                          <p:val>
+                                            <p:strVal val="#ppt_y"/>
+                                          </p:val>
+                                        </p:tav>
+                                      </p:tavLst>
+                                    </p:anim>
+                                  </p:childTnLst>
+                                </p:cTn>
+                              </p:par>
+                            </p:childTnLst>
+                          </p:cTn>
+                        </p:par>
+                      </p:childTnLst>
+                    </p:cTn>
+                  </p:par>
+                  <p:par>
+                    <p:cTn id="15" fill="hold">
+                      <p:stCondLst>
+                        <p:cond delay="indefinite"/>
+                      </p:stCondLst>
+                      <p:childTnLst>
+                        <p:par>
+                          <p:cTn id="16" fill="hold">
+                            <p:stCondLst>
+                              <p:cond delay="0"/>
+                            </p:stCondLst>
+                            <p:childTnLst>
+                              <p:par>
+                                <p:cTn id="17" presetID="42" presetClass="entr" presetSubtype="0" fill="hold" nodeType="clickEffect">
+                                  <p:stCondLst>
+                                    <p:cond delay="0"/>
+                                  </p:stCondLst>
+                                  <p:childTnLst>
+                                    <p:set>
+                                      <p:cBhvr>
+                                        <p:cTn id="18" dur="1" fill="hold">
+                                          <p:stCondLst>
+                                            <p:cond delay="0"/>
+                                          </p:stCondLst>
+                                        </p:cTn>
+                                        <p:tgtEl>
+                                          <p:spTgt spid="29"/>
+                                        </p:tgtEl>
+                                        <p:attrNameLst>
+                                          <p:attrName>style.visibility</p:attrName>
+                                        </p:attrNameLst>
+                                      </p:cBhvr>
+                                      <p:to>
+                                        <p:strVal val="visible"/>
+                                      </p:to>
+                                    </p:set>
+                                    <p:animEffect transition="in" filter="fade">
+                                      <p:cBhvr>
+                                        <p:cTn id="19" dur="1000"/>
+                                        <p:tgtEl>
+                                          <p:spTgt spid="29"/>
+                                        </p:tgtEl>
+                                      </p:cBhvr>
+                                    </p:animEffect>
+                                    <p:anim calcmode="lin" valueType="num">
+                                      <p:cBhvr>
+                                        <p:cTn id="20" dur="1000" fill="hold"/>
+                                        <p:tgtEl>
+                                          <p:spTgt spid="29"/>
+                                        </p:tgtEl>
+                                        <p:attrNameLst>
+                                          <p:attrName>ppt_x</p:attrName>
+                                        </p:attrNameLst>
+                                      </p:cBhvr>
+                                      <p:tavLst>
+                                        <p:tav tm="0">
+                                          <p:val>
+                                            <p:strVal val="#ppt_x"/>
+                                          </p:val>
+                                        </p:tav>
+                                        <p:tav tm="100000">
+                                          <p:val>
+                                            <p:strVal val="#ppt_x"/>
+                                          </p:val>
+                                        </p:tav>
+                                      </p:tavLst>
+                                    </p:anim>
+                                    <p:anim calcmode="lin" valueType="num">
+                                      <p:cBhvr>
+                                        <p:cTn id="21" dur="1000" fill="hold"/>
+                                        <p:tgtEl>
+                                          <p:spTgt spid="29"/>
+                                        </p:tgtEl>
+                                        <p:attrNameLst>
+                                          <p:attrName>ppt_y</p:attrName>
+                                        </p:attrNameLst>
+                                      </p:cBhvr>
+                                      <p:tavLst>
+                                        <p:tav tm="0">
+                                          <p:val>
+                                            <p:strVal val="#ppt_y+.1"/>
+                                          </p:val>
+                                        </p:tav>
+                                        <p:tav tm="100000">
+                                          <p:val>
+                                            <p:strVal val="#ppt_y"/>
+                                          </p:val>
+                                        </p:tav>
+                                      </p:tavLst>
+                                    </p:anim>
+                                  </p:childTnLst>
+                                </p:cTn>
+                              </p:par>
+                              <p:par>
+                                <p:cTn id="22" presetID="42" presetClass="entr" presetSubtype="0" fill="hold" grpId="0" nodeType="withEffect">
+                                  <p:stCondLst>
+                                    <p:cond delay="0"/>
+                                  </p:stCondLst>
+                                  <p:childTnLst>
+                                    <p:set>
+                                      <p:cBhvr>
+                                        <p:cTn id="23" dur="1" fill="hold">
+                                          <p:stCondLst>
+                                            <p:cond delay="0"/>
+                                          </p:stCondLst>
+                                        </p:cTn>
+                                        <p:tgtEl>
+                                          <p:spTgt spid="32"/>
+                                        </p:tgtEl>
+                                        <p:attrNameLst>
+                                          <p:attrName>style.visibility</p:attrName>
+                                        </p:attrNameLst>
+                                      </p:cBhvr>
+                                      <p:to>
+                                        <p:strVal val="visible"/>
+                                      </p:to>
+                                    </p:set>
+                                    <p:animEffect transition="in" filter="fade">
+                                      <p:cBhvr>
+                                        <p:cTn id="24" dur="1000"/>
+                                        <p:tgtEl>
+                                          <p:spTgt spid="32"/>
+                                        </p:tgtEl>
+                                      </p:cBhvr>
+                                    </p:animEffect>
+                                    <p:anim calcmode="lin" valueType="num">
+                                      <p:cBhvr>
+                                        <p:cTn id="25" dur="1000" fill="hold"/>
+                                        <p:tgtEl>
+                                          <p:spTgt spid="32"/>
+                                        </p:tgtEl>
+                                        <p:attrNameLst>
+                                          <p:attrName>ppt_x</p:attrName>
+                                        </p:attrNameLst>
+                                      </p:cBhvr>
+                                      <p:tavLst>
+                                        <p:tav tm="0">
+                                          <p:val>
+                                            <p:strVal val="#ppt_x"/>
+                                          </p:val>
+                                        </p:tav>
+                                        <p:tav tm="100000">
+                                          <p:val>
+                                            <p:strVal val="#ppt_x"/>
+                                          </p:val>
+                                        </p:tav>
+                                      </p:tavLst>
+                                    </p:anim>
+                                    <p:anim calcmode="lin" valueType="num">
+                                      <p:cBhvr>
+                                        <p:cTn id="26" dur="1000" fill="hold"/>
+                                        <p:tgtEl>
+                                          <p:spTgt spid="32"/>
+                                        </p:tgtEl>
+                                        <p:attrNameLst>
+                                          <p:attrName>ppt_y</p:attrName>
+                                        </p:attrNameLst>
+                                      </p:cBhvr>
+                                      <p:tavLst>
+                                        <p:tav tm="0">
+                                          <p:val>
+                                            <p:strVal val="#ppt_y+.1"/>
+                                          </p:val>
+                                        </p:tav>
+                                        <p:tav tm="100000">
+                                          <p:val>
+                                            <p:strVal val="#ppt_y"/>
+                                          </p:val>
+                                        </p:tav>
+                                      </p:tavLst>
+                                    </p:anim>
+                                  </p:childTnLst>
+                                </p:cTn>
+                              </p:par>
+                            </p:childTnLst>
+                          </p:cTn>
+                        </p:par>
+                      </p:childTnLst>
+                    </p:cTn>
+                  </p:par>
+                  <p:par>
+                    <p:cTn id="27" fill="hold">
+                      <p:stCondLst>
+                        <p:cond delay="indefinite"/>
+                      </p:stCondLst>
+                      <p:childTnLst>
+                        <p:par>
+                          <p:cTn id="28" fill="hold">
+                            <p:stCondLst>
+                              <p:cond delay="0"/>
+                            </p:stCondLst>
+                            <p:childTnLst>
+                              <p:par>
+                                <p:cTn id="29" presetID="42" presetClass="entr" presetSubtype="0" fill="hold" nodeType="clickEffect">
+                                  <p:stCondLst>
+                                    <p:cond delay="0"/>
+                                  </p:stCondLst>
+                                  <p:childTnLst>
+                                    <p:set>
+                                      <p:cBhvr>
+                                        <p:cTn id="30" dur="1" fill="hold">
+                                          <p:stCondLst>
+                                            <p:cond delay="0"/>
+                                          </p:stCondLst>
+                                        </p:cTn>
+                                        <p:tgtEl>
+                                          <p:spTgt spid="30"/>
+                                        </p:tgtEl>
+                                        <p:attrNameLst>
+                                          <p:attrName>style.visibility</p:attrName>
+                                        </p:attrNameLst>
+                                      </p:cBhvr>
+                                      <p:to>
+                                        <p:strVal val="visible"/>
+                                      </p:to>
+                                    </p:set>
+                                    <p:animEffect transition="in" filter="fade">
+                                      <p:cBhvr>
+                                        <p:cTn id="31" dur="1000"/>
+                                        <p:tgtEl>
+                                          <p:spTgt spid="30"/>
+                                        </p:tgtEl>
+                                      </p:cBhvr>
+                                    </p:animEffect>
+                                    <p:anim calcmode="lin" valueType="num">
+                                      <p:cBhvr>
+                                        <p:cTn id="32" dur="1000" fill="hold"/>
+                                        <p:tgtEl>
+                                          <p:spTgt spid="30"/>
+                                        </p:tgtEl>
+                                        <p:attrNameLst>
+                                          <p:attrName>ppt_x</p:attrName>
+                                        </p:attrNameLst>
+                                      </p:cBhvr>
+                                      <p:tavLst>
+                                        <p:tav tm="0">
+                                          <p:val>
+                                            <p:strVal val="#ppt_x"/>
+                                          </p:val>
+                                        </p:tav>
+                                        <p:tav tm="100000">
+                                          <p:val>
+                                            <p:strVal val="#ppt_x"/>
+                                          </p:val>
+                                        </p:tav>
+                                      </p:tavLst>
+                                    </p:anim>
+                                    <p:anim calcmode="lin" valueType="num">
+                                      <p:cBhvr>
+                                        <p:cTn id="33" dur="1000" fill="hold"/>
+                                        <p:tgtEl>
+                                          <p:spTgt spid="30"/>
+                                        </p:tgtEl>
+                                        <p:attrNameLst>
+                                          <p:attrName>ppt_y</p:attrName>
+                                        </p:attrNameLst>
+                                      </p:cBhvr>
+                                      <p:tavLst>
+                                        <p:tav tm="0">
+                                          <p:val>
+                                            <p:strVal val="#ppt_y+.1"/>
+                                          </p:val>
+                                        </p:tav>
+                                        <p:tav tm="100000">
+                                          <p:val>
+                                            <p:strVal val="#ppt_y"/>
+                                          </p:val>
+                                        </p:tav>
+                                      </p:tavLst>
+                                    </p:anim>
+                                  </p:childTnLst>
+                                </p:cTn>
+                              </p:par>
+                              <p:par>
+                                <p:cTn id="34" presetID="42" presetClass="entr" presetSubtype="0" fill="hold" grpId="0" nodeType="withEffect">
+                                  <p:stCondLst>
+                                    <p:cond delay="0"/>
+                                  </p:stCondLst>
+                                  <p:childTnLst>
+                                    <p:set>
+                                      <p:cBhvr>
+                                        <p:cTn id="35" dur="1" fill="hold">
+                                          <p:stCondLst>
+                                            <p:cond delay="0"/>
+                                          </p:stCondLst>
+                                        </p:cTn>
+                                        <p:tgtEl>
+                                          <p:spTgt spid="33"/>
+                                        </p:tgtEl>
+                                        <p:attrNameLst>
+                                          <p:attrName>style.visibility</p:attrName>
+                                        </p:attrNameLst>
+                                      </p:cBhvr>
+                                      <p:to>
+                                        <p:strVal val="visible"/>
+                                      </p:to>
+                                    </p:set>
+                                    <p:animEffect transition="in" filter="fade">
+                                      <p:cBhvr>
+                                        <p:cTn id="36" dur="1000"/>
+                                        <p:tgtEl>
+                                          <p:spTgt spid="33"/>
+                                        </p:tgtEl>
+                                      </p:cBhvr>
+                                    </p:animEffect>
+                                    <p:anim calcmode="lin" valueType="num">
+                                      <p:cBhvr>
+                                        <p:cTn id="37" dur="1000" fill="hold"/>
+                                        <p:tgtEl>
+                                          <p:spTgt spid="33"/>
+                                        </p:tgtEl>
+                                        <p:attrNameLst>
+                                          <p:attrName>ppt_x</p:attrName>
+                                        </p:attrNameLst>
+                                      </p:cBhvr>
+                                      <p:tavLst>
+                                        <p:tav tm="0">
+                                          <p:val>
+                                            <p:strVal val="#ppt_x"/>
+                                          </p:val>
+                                        </p:tav>
+                                        <p:tav tm="100000">
+                                          <p:val>
+                                            <p:strVal val="#ppt_x"/>
+                                          </p:val>
+                                        </p:tav>
+                                      </p:tavLst>
+                                    </p:anim>
+                                    <p:anim calcmode="lin" valueType="num">
+                                      <p:cBhvr>
+                                        <p:cTn id="38" dur="1000" fill="hold"/>
+                                        <p:tgtEl>
+                                          <p:spTgt spid="33"/>
+                                        </p:tgtEl>
+                                        <p:attrNameLst>
+                                          <p:attrName>ppt_y</p:attrName>
+                                        </p:attrNameLst>
+                                      </p:cBhvr>
+                                      <p:tavLst>
+                                        <p:tav tm="0">
+                                          <p:val>
+                                            <p:strVal val="#ppt_y+.1"/>
+                                          </p:val>
+                                        </p:tav>
+                                        <p:tav tm="100000">
+                                          <p:val>
+                                            <p:strVal val="#ppt_y"/>
+                                          </p:val>
+                                        </p:tav>
+                                      </p:tavLst>
+                                    </p:anim>
+                                  </p:childTnLst>
+                                </p:cTn>
+                              </p:par>
+                            </p:childTnLst>
+                          </p:cTn>
+                        </p:par>
+                      </p:childTnLst>
+                    </p:cTn>
+                  </p:par>
+                </p:childTnLst>
+              </p:cTn>
+              <p:prevCondLst>
+                <p:cond evt="onPrev" delay="0">
+                  <p:tgtEl>
+                    <p:sldTgt/>
+                  </p:tgtEl>
+                </p:cond>
+              </p:prevCondLst>
+              <p:nextCondLst>
+                <p:cond evt="onNext" delay="0">
+                  <p:tgtEl>
+                    <p:sldTgt/>
+                  </p:tgtEl>
+                </p:cond>
+              </p:nextCondLst>
+            </p:seq>
+          </p:childTnLst>
+        </p:cTn>
       </p:par>
     </p:tnLst>
+    <p:bldLst>
+      <p:bldP spid="31" grpId="0"/>
+      <p:bldP spid="32" grpId="0"/>
+      <p:bldP spid="33" grpId="0"/>
+    </p:bldLst>
   </p:timing>
 </p:sld>
 </file>
@@ -8276,6 +9302,60 @@
       </p:sp>
       <p:sp>
         <p:nvSpPr>
+          <p:cNvPr id="3" name="Content Placeholder 2"/>
+          <p:cNvSpPr>
+            <a:spLocks noGrp="1"/>
+          </p:cNvSpPr>
+          <p:nvPr>
+            <p:ph idx="1"/>
+          </p:nvPr>
+        </p:nvSpPr>
+        <p:spPr>
+          <a:xfrm>
+            <a:off x="677334" y="1930400"/>
+            <a:ext cx="8596668" cy="3880773"/>
+          </a:xfrm>
+        </p:spPr>
+        <p:txBody>
+          <a:bodyPr>
+            <a:normAutofit/>
+          </a:bodyPr>
+          <a:lstStyle/>
+          <a:p>
+            <a:r>
+              <a:rPr lang="en-US" sz="2400" smtClean="0">
+                <a:solidFill>
+                  <a:schemeClr val="tx1"/>
+                </a:solidFill>
+                <a:latin typeface="Arial" panose="020B0604020202020204" pitchFamily="34" charset="0"/>
+                <a:cs typeface="Arial" panose="020B0604020202020204" pitchFamily="34" charset="0"/>
+              </a:rPr>
+              <a:t>Quy trình lấy dữ liệu trên trang web về điện thoại</a:t>
+            </a:r>
+            <a:endParaRPr lang="en-US" sz="2400" smtClean="0">
+              <a:solidFill>
+                <a:schemeClr val="tx1"/>
+              </a:solidFill>
+              <a:latin typeface="Arial" panose="020B0604020202020204" pitchFamily="34" charset="0"/>
+              <a:cs typeface="Arial" panose="020B0604020202020204" pitchFamily="34" charset="0"/>
+            </a:endParaRPr>
+          </a:p>
+          <a:p>
+            <a:pPr marL="0" indent="0">
+              <a:buNone/>
+            </a:pPr>
+            <a:endParaRPr lang="en-US" sz="2400">
+              <a:solidFill>
+                <a:schemeClr val="tx1"/>
+              </a:solidFill>
+              <a:latin typeface="Arial" panose="020B0604020202020204" pitchFamily="34" charset="0"/>
+              <a:cs typeface="Arial" panose="020B0604020202020204" pitchFamily="34" charset="0"/>
+            </a:endParaRPr>
+          </a:p>
+        </p:txBody>
+      </p:sp>
+      <p:sp>
+        <p:nvSpPr>
           <p:cNvPr id="4" name="Slide Number Placeholder 3"/>
           <p:cNvSpPr>
             <a:spLocks noGrp="1"/>
@@ -8297,52 +9377,684 @@
           </a:p>
         </p:txBody>
       </p:sp>
-      <p:sp>
-        <p:nvSpPr>
-          <p:cNvPr id="7" name="Content Placeholder 6"/>
-          <p:cNvSpPr>
-            <a:spLocks noGrp="1"/>
-          </p:cNvSpPr>
-          <p:nvPr>
-            <p:ph idx="1"/>
-          </p:nvPr>
-        </p:nvSpPr>
+      <p:pic>
+        <p:nvPicPr>
+          <p:cNvPr id="5" name="Picture 4"/>
+          <p:cNvPicPr>
+            <a:picLocks noChangeAspect="1"/>
+          </p:cNvPicPr>
+          <p:nvPr/>
+        </p:nvPicPr>
+        <p:blipFill>
+          <a:blip r:embed="rId2">
+            <a:extLst>
+              <a:ext uri="{28A0092B-C50C-407E-A947-70E740481C1C}">
+                <a14:useLocalDpi xmlns:a14="http://schemas.microsoft.com/office/drawing/2010/main" val="0"/>
+              </a:ext>
+            </a:extLst>
+          </a:blip>
+          <a:stretch>
+            <a:fillRect/>
+          </a:stretch>
+        </p:blipFill>
         <p:spPr>
           <a:xfrm>
-            <a:off x="677334" y="1930400"/>
-            <a:ext cx="8596668" cy="3880773"/>
+            <a:off x="367048" y="3070538"/>
+            <a:ext cx="1667814" cy="1667814"/>
           </a:xfrm>
+          <a:prstGeom prst="rect">
+            <a:avLst/>
+          </a:prstGeom>
         </p:spPr>
-        <p:txBody>
-          <a:bodyPr/>
+      </p:pic>
+      <p:pic>
+        <p:nvPicPr>
+          <p:cNvPr id="7" name="Picture 6"/>
+          <p:cNvPicPr>
+            <a:picLocks noChangeAspect="1"/>
+          </p:cNvPicPr>
+          <p:nvPr/>
+        </p:nvPicPr>
+        <p:blipFill>
+          <a:blip r:embed="rId3" cstate="print">
+            <a:extLst>
+              <a:ext uri="{28A0092B-C50C-407E-A947-70E740481C1C}">
+                <a14:useLocalDpi xmlns:a14="http://schemas.microsoft.com/office/drawing/2010/main" val="0"/>
+              </a:ext>
+            </a:extLst>
+          </a:blip>
+          <a:stretch>
+            <a:fillRect/>
+          </a:stretch>
+        </p:blipFill>
+        <p:spPr>
+          <a:xfrm>
+            <a:off x="3544736" y="3070537"/>
+            <a:ext cx="1667815" cy="1667815"/>
+          </a:xfrm>
+          <a:prstGeom prst="rect">
+            <a:avLst/>
+          </a:prstGeom>
+        </p:spPr>
+      </p:pic>
+      <p:pic>
+        <p:nvPicPr>
+          <p:cNvPr id="8" name="Picture 7"/>
+          <p:cNvPicPr>
+            <a:picLocks noChangeAspect="1"/>
+          </p:cNvPicPr>
+          <p:nvPr/>
+        </p:nvPicPr>
+        <p:blipFill>
+          <a:blip r:embed="rId4" cstate="print">
+            <a:extLst>
+              <a:ext uri="{28A0092B-C50C-407E-A947-70E740481C1C}">
+                <a14:useLocalDpi xmlns:a14="http://schemas.microsoft.com/office/drawing/2010/main" val="0"/>
+              </a:ext>
+            </a:extLst>
+          </a:blip>
+          <a:stretch>
+            <a:fillRect/>
+          </a:stretch>
+        </p:blipFill>
+        <p:spPr>
+          <a:xfrm>
+            <a:off x="7279906" y="3070537"/>
+            <a:ext cx="1380260" cy="1667815"/>
+          </a:xfrm>
+          <a:prstGeom prst="rect">
+            <a:avLst/>
+          </a:prstGeom>
+        </p:spPr>
+      </p:pic>
+      <p:sp>
+        <p:nvSpPr>
+          <p:cNvPr id="14" name="Right Arrow 13"/>
+          <p:cNvSpPr/>
+          <p:nvPr/>
+        </p:nvSpPr>
+        <p:spPr>
+          <a:xfrm>
+            <a:off x="1808837" y="3070537"/>
+            <a:ext cx="1558341" cy="638220"/>
+          </a:xfrm>
+          <a:prstGeom prst="rightArrow">
+            <a:avLst/>
+          </a:prstGeom>
+          <a:ln>
+            <a:solidFill>
+              <a:schemeClr val="accent1"/>
+            </a:solidFill>
+          </a:ln>
+        </p:spPr>
+        <p:style>
+          <a:lnRef idx="2">
+            <a:schemeClr val="accent1">
+              <a:shade val="50000"/>
+            </a:schemeClr>
+          </a:lnRef>
+          <a:fillRef idx="1">
+            <a:schemeClr val="accent1"/>
+          </a:fillRef>
+          <a:effectRef idx="0">
+            <a:schemeClr val="accent1"/>
+          </a:effectRef>
+          <a:fontRef idx="minor">
+            <a:schemeClr val="lt1"/>
+          </a:fontRef>
+        </p:style>
+        <p:txBody>
+          <a:bodyPr rtlCol="0" anchor="ctr"/>
           <a:lstStyle/>
           <a:p>
-            <a:r>
-              <a:rPr lang="en-US" sz="2400" smtClean="0">
+            <a:pPr algn="ctr"/>
+            <a:r>
+              <a:rPr lang="vi-VN" smtClean="0"/>
+              <a:t>1</a:t>
+            </a:r>
+            <a:endParaRPr lang="vi-VN"/>
+          </a:p>
+        </p:txBody>
+      </p:sp>
+      <p:sp>
+        <p:nvSpPr>
+          <p:cNvPr id="15" name="Right Arrow 14"/>
+          <p:cNvSpPr/>
+          <p:nvPr/>
+        </p:nvSpPr>
+        <p:spPr>
+          <a:xfrm>
+            <a:off x="5467056" y="3070537"/>
+            <a:ext cx="1558343" cy="638220"/>
+          </a:xfrm>
+          <a:prstGeom prst="rightArrow">
+            <a:avLst/>
+          </a:prstGeom>
+          <a:ln>
+            <a:solidFill>
+              <a:schemeClr val="accent1"/>
+            </a:solidFill>
+          </a:ln>
+        </p:spPr>
+        <p:style>
+          <a:lnRef idx="2">
+            <a:schemeClr val="accent1">
+              <a:shade val="50000"/>
+            </a:schemeClr>
+          </a:lnRef>
+          <a:fillRef idx="1">
+            <a:schemeClr val="accent1"/>
+          </a:fillRef>
+          <a:effectRef idx="0">
+            <a:schemeClr val="accent1"/>
+          </a:effectRef>
+          <a:fontRef idx="minor">
+            <a:schemeClr val="lt1"/>
+          </a:fontRef>
+        </p:style>
+        <p:txBody>
+          <a:bodyPr rtlCol="0" anchor="ctr"/>
+          <a:lstStyle/>
+          <a:p>
+            <a:pPr algn="ctr"/>
+            <a:r>
+              <a:rPr lang="vi-VN"/>
+              <a:t>2</a:t>
+            </a:r>
+          </a:p>
+        </p:txBody>
+      </p:sp>
+      <p:sp>
+        <p:nvSpPr>
+          <p:cNvPr id="20" name="Left Arrow 19"/>
+          <p:cNvSpPr/>
+          <p:nvPr/>
+        </p:nvSpPr>
+        <p:spPr>
+          <a:xfrm>
+            <a:off x="5467056" y="4069724"/>
+            <a:ext cx="1558343" cy="668628"/>
+          </a:xfrm>
+          <a:prstGeom prst="leftArrow">
+            <a:avLst/>
+          </a:prstGeom>
+          <a:ln>
+            <a:solidFill>
+              <a:schemeClr val="accent1"/>
+            </a:solidFill>
+          </a:ln>
+        </p:spPr>
+        <p:style>
+          <a:lnRef idx="2">
+            <a:schemeClr val="accent1">
+              <a:shade val="50000"/>
+            </a:schemeClr>
+          </a:lnRef>
+          <a:fillRef idx="1">
+            <a:schemeClr val="accent1"/>
+          </a:fillRef>
+          <a:effectRef idx="0">
+            <a:schemeClr val="accent1"/>
+          </a:effectRef>
+          <a:fontRef idx="minor">
+            <a:schemeClr val="lt1"/>
+          </a:fontRef>
+        </p:style>
+        <p:txBody>
+          <a:bodyPr rtlCol="0" anchor="ctr"/>
+          <a:lstStyle/>
+          <a:p>
+            <a:pPr algn="ctr"/>
+            <a:r>
+              <a:rPr lang="vi-VN" smtClean="0"/>
+              <a:t>3</a:t>
+            </a:r>
+            <a:endParaRPr lang="vi-VN"/>
+          </a:p>
+        </p:txBody>
+      </p:sp>
+      <p:sp>
+        <p:nvSpPr>
+          <p:cNvPr id="21" name="Left Arrow 20"/>
+          <p:cNvSpPr/>
+          <p:nvPr/>
+        </p:nvSpPr>
+        <p:spPr>
+          <a:xfrm>
+            <a:off x="1808835" y="4069724"/>
+            <a:ext cx="1558343" cy="668628"/>
+          </a:xfrm>
+          <a:prstGeom prst="leftArrow">
+            <a:avLst/>
+          </a:prstGeom>
+          <a:ln>
+            <a:solidFill>
+              <a:schemeClr val="accent1"/>
+            </a:solidFill>
+          </a:ln>
+        </p:spPr>
+        <p:style>
+          <a:lnRef idx="2">
+            <a:schemeClr val="accent1">
+              <a:shade val="50000"/>
+            </a:schemeClr>
+          </a:lnRef>
+          <a:fillRef idx="1">
+            <a:schemeClr val="accent1"/>
+          </a:fillRef>
+          <a:effectRef idx="0">
+            <a:schemeClr val="accent1"/>
+          </a:effectRef>
+          <a:fontRef idx="minor">
+            <a:schemeClr val="lt1"/>
+          </a:fontRef>
+        </p:style>
+        <p:txBody>
+          <a:bodyPr rtlCol="0" anchor="ctr"/>
+          <a:lstStyle/>
+          <a:p>
+            <a:pPr algn="ctr"/>
+            <a:r>
+              <a:rPr lang="vi-VN"/>
+              <a:t>4</a:t>
+            </a:r>
+          </a:p>
+        </p:txBody>
+      </p:sp>
+      <p:sp>
+        <p:nvSpPr>
+          <p:cNvPr id="22" name="TextBox 6"/>
+          <p:cNvSpPr txBox="1"/>
+          <p:nvPr/>
+        </p:nvSpPr>
+        <p:spPr>
+          <a:xfrm>
+            <a:off x="677335" y="4813097"/>
+            <a:ext cx="1241618" cy="369332"/>
+          </a:xfrm>
+          <a:prstGeom prst="rect">
+            <a:avLst/>
+          </a:prstGeom>
+          <a:noFill/>
+        </p:spPr>
+        <p:txBody>
+          <a:bodyPr wrap="square" rtlCol="0">
+            <a:spAutoFit/>
+          </a:bodyPr>
+          <a:lstStyle>
+            <a:defPPr>
+              <a:defRPr lang="en-US"/>
+            </a:defPPr>
+            <a:lvl1pPr marL="0" algn="l" defTabSz="914400" rtl="0" eaLnBrk="1" latinLnBrk="0" hangingPunct="1">
+              <a:defRPr sz="1800" kern="1200">
                 <a:solidFill>
                   <a:schemeClr val="tx1"/>
                 </a:solidFill>
-                <a:latin typeface="Arial" panose="020B0604020202020204" pitchFamily="34" charset="0"/>
-                <a:cs typeface="Arial" panose="020B0604020202020204" pitchFamily="34" charset="0"/>
+                <a:latin typeface="+mn-lt"/>
+                <a:ea typeface="+mn-ea"/>
+                <a:cs typeface="+mn-cs"/>
+              </a:defRPr>
+            </a:lvl1pPr>
+            <a:lvl2pPr marL="457200" algn="l" defTabSz="914400" rtl="0" eaLnBrk="1" latinLnBrk="0" hangingPunct="1">
+              <a:defRPr sz="1800" kern="1200">
+                <a:solidFill>
+                  <a:schemeClr val="tx1"/>
+                </a:solidFill>
+                <a:latin typeface="+mn-lt"/>
+                <a:ea typeface="+mn-ea"/>
+                <a:cs typeface="+mn-cs"/>
+              </a:defRPr>
+            </a:lvl2pPr>
+            <a:lvl3pPr marL="914400" algn="l" defTabSz="914400" rtl="0" eaLnBrk="1" latinLnBrk="0" hangingPunct="1">
+              <a:defRPr sz="1800" kern="1200">
+                <a:solidFill>
+                  <a:schemeClr val="tx1"/>
+                </a:solidFill>
+                <a:latin typeface="+mn-lt"/>
+                <a:ea typeface="+mn-ea"/>
+                <a:cs typeface="+mn-cs"/>
+              </a:defRPr>
+            </a:lvl3pPr>
+            <a:lvl4pPr marL="1371600" algn="l" defTabSz="914400" rtl="0" eaLnBrk="1" latinLnBrk="0" hangingPunct="1">
+              <a:defRPr sz="1800" kern="1200">
+                <a:solidFill>
+                  <a:schemeClr val="tx1"/>
+                </a:solidFill>
+                <a:latin typeface="+mn-lt"/>
+                <a:ea typeface="+mn-ea"/>
+                <a:cs typeface="+mn-cs"/>
+              </a:defRPr>
+            </a:lvl4pPr>
+            <a:lvl5pPr marL="1828800" algn="l" defTabSz="914400" rtl="0" eaLnBrk="1" latinLnBrk="0" hangingPunct="1">
+              <a:defRPr sz="1800" kern="1200">
+                <a:solidFill>
+                  <a:schemeClr val="tx1"/>
+                </a:solidFill>
+                <a:latin typeface="+mn-lt"/>
+                <a:ea typeface="+mn-ea"/>
+                <a:cs typeface="+mn-cs"/>
+              </a:defRPr>
+            </a:lvl5pPr>
+            <a:lvl6pPr marL="2286000" algn="l" defTabSz="914400" rtl="0" eaLnBrk="1" latinLnBrk="0" hangingPunct="1">
+              <a:defRPr sz="1800" kern="1200">
+                <a:solidFill>
+                  <a:schemeClr val="tx1"/>
+                </a:solidFill>
+                <a:latin typeface="+mn-lt"/>
+                <a:ea typeface="+mn-ea"/>
+                <a:cs typeface="+mn-cs"/>
+              </a:defRPr>
+            </a:lvl6pPr>
+            <a:lvl7pPr marL="2743200" algn="l" defTabSz="914400" rtl="0" eaLnBrk="1" latinLnBrk="0" hangingPunct="1">
+              <a:defRPr sz="1800" kern="1200">
+                <a:solidFill>
+                  <a:schemeClr val="tx1"/>
+                </a:solidFill>
+                <a:latin typeface="+mn-lt"/>
+                <a:ea typeface="+mn-ea"/>
+                <a:cs typeface="+mn-cs"/>
+              </a:defRPr>
+            </a:lvl7pPr>
+            <a:lvl8pPr marL="3200400" algn="l" defTabSz="914400" rtl="0" eaLnBrk="1" latinLnBrk="0" hangingPunct="1">
+              <a:defRPr sz="1800" kern="1200">
+                <a:solidFill>
+                  <a:schemeClr val="tx1"/>
+                </a:solidFill>
+                <a:latin typeface="+mn-lt"/>
+                <a:ea typeface="+mn-ea"/>
+                <a:cs typeface="+mn-cs"/>
+              </a:defRPr>
+            </a:lvl8pPr>
+            <a:lvl9pPr marL="3657600" algn="l" defTabSz="914400" rtl="0" eaLnBrk="1" latinLnBrk="0" hangingPunct="1">
+              <a:defRPr sz="1800" kern="1200">
+                <a:solidFill>
+                  <a:schemeClr val="tx1"/>
+                </a:solidFill>
+                <a:latin typeface="+mn-lt"/>
+                <a:ea typeface="+mn-ea"/>
+                <a:cs typeface="+mn-cs"/>
+              </a:defRPr>
+            </a:lvl9pPr>
+          </a:lstStyle>
+          <a:p>
+            <a:r>
+              <a:rPr lang="en-US" smtClean="0">
+                <a:latin typeface="Arial" pitchFamily="34" charset="0"/>
+                <a:cs typeface="Arial" pitchFamily="34" charset="0"/>
               </a:rPr>
-              <a:t>Mô hình chức năng</a:t>
-            </a:r>
-          </a:p>
-          <a:p>
-            <a:endParaRPr lang="en-US"/>
-          </a:p>
-          <a:p>
-            <a:pPr marL="0" indent="0">
-              <a:buNone/>
-            </a:pPr>
-            <a:endParaRPr lang="vi-VN"/>
+              <a:t>Điện thoại</a:t>
+            </a:r>
+            <a:endParaRPr lang="en-US">
+              <a:latin typeface="Arial" pitchFamily="34" charset="0"/>
+              <a:cs typeface="Arial" pitchFamily="34" charset="0"/>
+            </a:endParaRPr>
+          </a:p>
+        </p:txBody>
+      </p:sp>
+      <p:sp>
+        <p:nvSpPr>
+          <p:cNvPr id="23" name="TextBox 6"/>
+          <p:cNvSpPr txBox="1"/>
+          <p:nvPr/>
+        </p:nvSpPr>
+        <p:spPr>
+          <a:xfrm>
+            <a:off x="3637329" y="4813097"/>
+            <a:ext cx="1575222" cy="369332"/>
+          </a:xfrm>
+          <a:prstGeom prst="rect">
+            <a:avLst/>
+          </a:prstGeom>
+          <a:noFill/>
+        </p:spPr>
+        <p:txBody>
+          <a:bodyPr wrap="square" rtlCol="0">
+            <a:spAutoFit/>
+          </a:bodyPr>
+          <a:lstStyle>
+            <a:defPPr>
+              <a:defRPr lang="en-US"/>
+            </a:defPPr>
+            <a:lvl1pPr marL="0" algn="l" defTabSz="914400" rtl="0" eaLnBrk="1" latinLnBrk="0" hangingPunct="1">
+              <a:defRPr sz="1800" kern="1200">
+                <a:solidFill>
+                  <a:schemeClr val="tx1"/>
+                </a:solidFill>
+                <a:latin typeface="+mn-lt"/>
+                <a:ea typeface="+mn-ea"/>
+                <a:cs typeface="+mn-cs"/>
+              </a:defRPr>
+            </a:lvl1pPr>
+            <a:lvl2pPr marL="457200" algn="l" defTabSz="914400" rtl="0" eaLnBrk="1" latinLnBrk="0" hangingPunct="1">
+              <a:defRPr sz="1800" kern="1200">
+                <a:solidFill>
+                  <a:schemeClr val="tx1"/>
+                </a:solidFill>
+                <a:latin typeface="+mn-lt"/>
+                <a:ea typeface="+mn-ea"/>
+                <a:cs typeface="+mn-cs"/>
+              </a:defRPr>
+            </a:lvl2pPr>
+            <a:lvl3pPr marL="914400" algn="l" defTabSz="914400" rtl="0" eaLnBrk="1" latinLnBrk="0" hangingPunct="1">
+              <a:defRPr sz="1800" kern="1200">
+                <a:solidFill>
+                  <a:schemeClr val="tx1"/>
+                </a:solidFill>
+                <a:latin typeface="+mn-lt"/>
+                <a:ea typeface="+mn-ea"/>
+                <a:cs typeface="+mn-cs"/>
+              </a:defRPr>
+            </a:lvl3pPr>
+            <a:lvl4pPr marL="1371600" algn="l" defTabSz="914400" rtl="0" eaLnBrk="1" latinLnBrk="0" hangingPunct="1">
+              <a:defRPr sz="1800" kern="1200">
+                <a:solidFill>
+                  <a:schemeClr val="tx1"/>
+                </a:solidFill>
+                <a:latin typeface="+mn-lt"/>
+                <a:ea typeface="+mn-ea"/>
+                <a:cs typeface="+mn-cs"/>
+              </a:defRPr>
+            </a:lvl4pPr>
+            <a:lvl5pPr marL="1828800" algn="l" defTabSz="914400" rtl="0" eaLnBrk="1" latinLnBrk="0" hangingPunct="1">
+              <a:defRPr sz="1800" kern="1200">
+                <a:solidFill>
+                  <a:schemeClr val="tx1"/>
+                </a:solidFill>
+                <a:latin typeface="+mn-lt"/>
+                <a:ea typeface="+mn-ea"/>
+                <a:cs typeface="+mn-cs"/>
+              </a:defRPr>
+            </a:lvl5pPr>
+            <a:lvl6pPr marL="2286000" algn="l" defTabSz="914400" rtl="0" eaLnBrk="1" latinLnBrk="0" hangingPunct="1">
+              <a:defRPr sz="1800" kern="1200">
+                <a:solidFill>
+                  <a:schemeClr val="tx1"/>
+                </a:solidFill>
+                <a:latin typeface="+mn-lt"/>
+                <a:ea typeface="+mn-ea"/>
+                <a:cs typeface="+mn-cs"/>
+              </a:defRPr>
+            </a:lvl6pPr>
+            <a:lvl7pPr marL="2743200" algn="l" defTabSz="914400" rtl="0" eaLnBrk="1" latinLnBrk="0" hangingPunct="1">
+              <a:defRPr sz="1800" kern="1200">
+                <a:solidFill>
+                  <a:schemeClr val="tx1"/>
+                </a:solidFill>
+                <a:latin typeface="+mn-lt"/>
+                <a:ea typeface="+mn-ea"/>
+                <a:cs typeface="+mn-cs"/>
+              </a:defRPr>
+            </a:lvl7pPr>
+            <a:lvl8pPr marL="3200400" algn="l" defTabSz="914400" rtl="0" eaLnBrk="1" latinLnBrk="0" hangingPunct="1">
+              <a:defRPr sz="1800" kern="1200">
+                <a:solidFill>
+                  <a:schemeClr val="tx1"/>
+                </a:solidFill>
+                <a:latin typeface="+mn-lt"/>
+                <a:ea typeface="+mn-ea"/>
+                <a:cs typeface="+mn-cs"/>
+              </a:defRPr>
+            </a:lvl8pPr>
+            <a:lvl9pPr marL="3657600" algn="l" defTabSz="914400" rtl="0" eaLnBrk="1" latinLnBrk="0" hangingPunct="1">
+              <a:defRPr sz="1800" kern="1200">
+                <a:solidFill>
+                  <a:schemeClr val="tx1"/>
+                </a:solidFill>
+                <a:latin typeface="+mn-lt"/>
+                <a:ea typeface="+mn-ea"/>
+                <a:cs typeface="+mn-cs"/>
+              </a:defRPr>
+            </a:lvl9pPr>
+          </a:lstStyle>
+          <a:p>
+            <a:r>
+              <a:rPr lang="en-US" smtClean="0">
+                <a:latin typeface="Arial" pitchFamily="34" charset="0"/>
+                <a:cs typeface="Arial" pitchFamily="34" charset="0"/>
+              </a:rPr>
+              <a:t>Dịch vụ RSS</a:t>
+            </a:r>
+            <a:endParaRPr lang="en-US">
+              <a:latin typeface="Arial" pitchFamily="34" charset="0"/>
+              <a:cs typeface="Arial" pitchFamily="34" charset="0"/>
+            </a:endParaRPr>
+          </a:p>
+        </p:txBody>
+      </p:sp>
+      <p:sp>
+        <p:nvSpPr>
+          <p:cNvPr id="24" name="TextBox 6"/>
+          <p:cNvSpPr txBox="1"/>
+          <p:nvPr/>
+        </p:nvSpPr>
+        <p:spPr>
+          <a:xfrm>
+            <a:off x="7169553" y="4813097"/>
+            <a:ext cx="1703998" cy="369332"/>
+          </a:xfrm>
+          <a:prstGeom prst="rect">
+            <a:avLst/>
+          </a:prstGeom>
+          <a:noFill/>
+        </p:spPr>
+        <p:txBody>
+          <a:bodyPr wrap="square" rtlCol="0">
+            <a:spAutoFit/>
+          </a:bodyPr>
+          <a:lstStyle>
+            <a:defPPr>
+              <a:defRPr lang="en-US"/>
+            </a:defPPr>
+            <a:lvl1pPr marL="0" algn="l" defTabSz="914400" rtl="0" eaLnBrk="1" latinLnBrk="0" hangingPunct="1">
+              <a:defRPr sz="1800" kern="1200">
+                <a:solidFill>
+                  <a:schemeClr val="tx1"/>
+                </a:solidFill>
+                <a:latin typeface="+mn-lt"/>
+                <a:ea typeface="+mn-ea"/>
+                <a:cs typeface="+mn-cs"/>
+              </a:defRPr>
+            </a:lvl1pPr>
+            <a:lvl2pPr marL="457200" algn="l" defTabSz="914400" rtl="0" eaLnBrk="1" latinLnBrk="0" hangingPunct="1">
+              <a:defRPr sz="1800" kern="1200">
+                <a:solidFill>
+                  <a:schemeClr val="tx1"/>
+                </a:solidFill>
+                <a:latin typeface="+mn-lt"/>
+                <a:ea typeface="+mn-ea"/>
+                <a:cs typeface="+mn-cs"/>
+              </a:defRPr>
+            </a:lvl2pPr>
+            <a:lvl3pPr marL="914400" algn="l" defTabSz="914400" rtl="0" eaLnBrk="1" latinLnBrk="0" hangingPunct="1">
+              <a:defRPr sz="1800" kern="1200">
+                <a:solidFill>
+                  <a:schemeClr val="tx1"/>
+                </a:solidFill>
+                <a:latin typeface="+mn-lt"/>
+                <a:ea typeface="+mn-ea"/>
+                <a:cs typeface="+mn-cs"/>
+              </a:defRPr>
+            </a:lvl3pPr>
+            <a:lvl4pPr marL="1371600" algn="l" defTabSz="914400" rtl="0" eaLnBrk="1" latinLnBrk="0" hangingPunct="1">
+              <a:defRPr sz="1800" kern="1200">
+                <a:solidFill>
+                  <a:schemeClr val="tx1"/>
+                </a:solidFill>
+                <a:latin typeface="+mn-lt"/>
+                <a:ea typeface="+mn-ea"/>
+                <a:cs typeface="+mn-cs"/>
+              </a:defRPr>
+            </a:lvl4pPr>
+            <a:lvl5pPr marL="1828800" algn="l" defTabSz="914400" rtl="0" eaLnBrk="1" latinLnBrk="0" hangingPunct="1">
+              <a:defRPr sz="1800" kern="1200">
+                <a:solidFill>
+                  <a:schemeClr val="tx1"/>
+                </a:solidFill>
+                <a:latin typeface="+mn-lt"/>
+                <a:ea typeface="+mn-ea"/>
+                <a:cs typeface="+mn-cs"/>
+              </a:defRPr>
+            </a:lvl5pPr>
+            <a:lvl6pPr marL="2286000" algn="l" defTabSz="914400" rtl="0" eaLnBrk="1" latinLnBrk="0" hangingPunct="1">
+              <a:defRPr sz="1800" kern="1200">
+                <a:solidFill>
+                  <a:schemeClr val="tx1"/>
+                </a:solidFill>
+                <a:latin typeface="+mn-lt"/>
+                <a:ea typeface="+mn-ea"/>
+                <a:cs typeface="+mn-cs"/>
+              </a:defRPr>
+            </a:lvl6pPr>
+            <a:lvl7pPr marL="2743200" algn="l" defTabSz="914400" rtl="0" eaLnBrk="1" latinLnBrk="0" hangingPunct="1">
+              <a:defRPr sz="1800" kern="1200">
+                <a:solidFill>
+                  <a:schemeClr val="tx1"/>
+                </a:solidFill>
+                <a:latin typeface="+mn-lt"/>
+                <a:ea typeface="+mn-ea"/>
+                <a:cs typeface="+mn-cs"/>
+              </a:defRPr>
+            </a:lvl7pPr>
+            <a:lvl8pPr marL="3200400" algn="l" defTabSz="914400" rtl="0" eaLnBrk="1" latinLnBrk="0" hangingPunct="1">
+              <a:defRPr sz="1800" kern="1200">
+                <a:solidFill>
+                  <a:schemeClr val="tx1"/>
+                </a:solidFill>
+                <a:latin typeface="+mn-lt"/>
+                <a:ea typeface="+mn-ea"/>
+                <a:cs typeface="+mn-cs"/>
+              </a:defRPr>
+            </a:lvl8pPr>
+            <a:lvl9pPr marL="3657600" algn="l" defTabSz="914400" rtl="0" eaLnBrk="1" latinLnBrk="0" hangingPunct="1">
+              <a:defRPr sz="1800" kern="1200">
+                <a:solidFill>
+                  <a:schemeClr val="tx1"/>
+                </a:solidFill>
+                <a:latin typeface="+mn-lt"/>
+                <a:ea typeface="+mn-ea"/>
+                <a:cs typeface="+mn-cs"/>
+              </a:defRPr>
+            </a:lvl9pPr>
+          </a:lstStyle>
+          <a:p>
+            <a:r>
+              <a:rPr lang="en-US" smtClean="0">
+                <a:latin typeface="Arial" pitchFamily="34" charset="0"/>
+                <a:cs typeface="Arial" pitchFamily="34" charset="0"/>
+              </a:rPr>
+              <a:t>Cơ sở dữ liệu</a:t>
+            </a:r>
+            <a:endParaRPr lang="en-US">
+              <a:latin typeface="Arial" pitchFamily="34" charset="0"/>
+              <a:cs typeface="Arial" pitchFamily="34" charset="0"/>
+            </a:endParaRPr>
           </a:p>
         </p:txBody>
       </p:sp>
     </p:spTree>
     <p:extLst>
       <p:ext uri="{BB962C8B-B14F-4D97-AF65-F5344CB8AC3E}">
-        <p14:creationId xmlns:p14="http://schemas.microsoft.com/office/powerpoint/2010/main" val="692277665"/>
+        <p14:creationId xmlns:p14="http://schemas.microsoft.com/office/powerpoint/2010/main" val="3653267726"/>
       </p:ext>
     </p:extLst>
   </p:cSld>
@@ -8352,9 +10064,941 @@
   <p:timing>
     <p:tnLst>
       <p:par>
-        <p:cTn id="1" dur="indefinite" restart="never" nodeType="tmRoot"/>
+        <p:cTn id="1" dur="indefinite" restart="never" nodeType="tmRoot">
+          <p:childTnLst>
+            <p:seq concurrent="1" nextAc="seek">
+              <p:cTn id="2" dur="indefinite" nodeType="mainSeq">
+                <p:childTnLst>
+                  <p:par>
+                    <p:cTn id="3" fill="hold">
+                      <p:stCondLst>
+                        <p:cond delay="indefinite"/>
+                      </p:stCondLst>
+                      <p:childTnLst>
+                        <p:par>
+                          <p:cTn id="4" fill="hold">
+                            <p:stCondLst>
+                              <p:cond delay="0"/>
+                            </p:stCondLst>
+                            <p:childTnLst>
+                              <p:par>
+                                <p:cTn id="5" presetID="42" presetClass="entr" presetSubtype="0" fill="hold" nodeType="clickEffect">
+                                  <p:stCondLst>
+                                    <p:cond delay="0"/>
+                                  </p:stCondLst>
+                                  <p:childTnLst>
+                                    <p:set>
+                                      <p:cBhvr>
+                                        <p:cTn id="6" dur="1" fill="hold">
+                                          <p:stCondLst>
+                                            <p:cond delay="0"/>
+                                          </p:stCondLst>
+                                        </p:cTn>
+                                        <p:tgtEl>
+                                          <p:spTgt spid="5"/>
+                                        </p:tgtEl>
+                                        <p:attrNameLst>
+                                          <p:attrName>style.visibility</p:attrName>
+                                        </p:attrNameLst>
+                                      </p:cBhvr>
+                                      <p:to>
+                                        <p:strVal val="visible"/>
+                                      </p:to>
+                                    </p:set>
+                                    <p:animEffect transition="in" filter="fade">
+                                      <p:cBhvr>
+                                        <p:cTn id="7" dur="1000"/>
+                                        <p:tgtEl>
+                                          <p:spTgt spid="5"/>
+                                        </p:tgtEl>
+                                      </p:cBhvr>
+                                    </p:animEffect>
+                                    <p:anim calcmode="lin" valueType="num">
+                                      <p:cBhvr>
+                                        <p:cTn id="8" dur="1000" fill="hold"/>
+                                        <p:tgtEl>
+                                          <p:spTgt spid="5"/>
+                                        </p:tgtEl>
+                                        <p:attrNameLst>
+                                          <p:attrName>ppt_x</p:attrName>
+                                        </p:attrNameLst>
+                                      </p:cBhvr>
+                                      <p:tavLst>
+                                        <p:tav tm="0">
+                                          <p:val>
+                                            <p:strVal val="#ppt_x"/>
+                                          </p:val>
+                                        </p:tav>
+                                        <p:tav tm="100000">
+                                          <p:val>
+                                            <p:strVal val="#ppt_x"/>
+                                          </p:val>
+                                        </p:tav>
+                                      </p:tavLst>
+                                    </p:anim>
+                                    <p:anim calcmode="lin" valueType="num">
+                                      <p:cBhvr>
+                                        <p:cTn id="9" dur="1000" fill="hold"/>
+                                        <p:tgtEl>
+                                          <p:spTgt spid="5"/>
+                                        </p:tgtEl>
+                                        <p:attrNameLst>
+                                          <p:attrName>ppt_y</p:attrName>
+                                        </p:attrNameLst>
+                                      </p:cBhvr>
+                                      <p:tavLst>
+                                        <p:tav tm="0">
+                                          <p:val>
+                                            <p:strVal val="#ppt_y+.1"/>
+                                          </p:val>
+                                        </p:tav>
+                                        <p:tav tm="100000">
+                                          <p:val>
+                                            <p:strVal val="#ppt_y"/>
+                                          </p:val>
+                                        </p:tav>
+                                      </p:tavLst>
+                                    </p:anim>
+                                  </p:childTnLst>
+                                </p:cTn>
+                              </p:par>
+                              <p:par>
+                                <p:cTn id="10" presetID="42" presetClass="entr" presetSubtype="0" fill="hold" nodeType="withEffect">
+                                  <p:stCondLst>
+                                    <p:cond delay="0"/>
+                                  </p:stCondLst>
+                                  <p:childTnLst>
+                                    <p:set>
+                                      <p:cBhvr>
+                                        <p:cTn id="11" dur="1" fill="hold">
+                                          <p:stCondLst>
+                                            <p:cond delay="0"/>
+                                          </p:stCondLst>
+                                        </p:cTn>
+                                        <p:tgtEl>
+                                          <p:spTgt spid="8"/>
+                                        </p:tgtEl>
+                                        <p:attrNameLst>
+                                          <p:attrName>style.visibility</p:attrName>
+                                        </p:attrNameLst>
+                                      </p:cBhvr>
+                                      <p:to>
+                                        <p:strVal val="visible"/>
+                                      </p:to>
+                                    </p:set>
+                                    <p:animEffect transition="in" filter="fade">
+                                      <p:cBhvr>
+                                        <p:cTn id="12" dur="1000"/>
+                                        <p:tgtEl>
+                                          <p:spTgt spid="8"/>
+                                        </p:tgtEl>
+                                      </p:cBhvr>
+                                    </p:animEffect>
+                                    <p:anim calcmode="lin" valueType="num">
+                                      <p:cBhvr>
+                                        <p:cTn id="13" dur="1000" fill="hold"/>
+                                        <p:tgtEl>
+                                          <p:spTgt spid="8"/>
+                                        </p:tgtEl>
+                                        <p:attrNameLst>
+                                          <p:attrName>ppt_x</p:attrName>
+                                        </p:attrNameLst>
+                                      </p:cBhvr>
+                                      <p:tavLst>
+                                        <p:tav tm="0">
+                                          <p:val>
+                                            <p:strVal val="#ppt_x"/>
+                                          </p:val>
+                                        </p:tav>
+                                        <p:tav tm="100000">
+                                          <p:val>
+                                            <p:strVal val="#ppt_x"/>
+                                          </p:val>
+                                        </p:tav>
+                                      </p:tavLst>
+                                    </p:anim>
+                                    <p:anim calcmode="lin" valueType="num">
+                                      <p:cBhvr>
+                                        <p:cTn id="14" dur="1000" fill="hold"/>
+                                        <p:tgtEl>
+                                          <p:spTgt spid="8"/>
+                                        </p:tgtEl>
+                                        <p:attrNameLst>
+                                          <p:attrName>ppt_y</p:attrName>
+                                        </p:attrNameLst>
+                                      </p:cBhvr>
+                                      <p:tavLst>
+                                        <p:tav tm="0">
+                                          <p:val>
+                                            <p:strVal val="#ppt_y+.1"/>
+                                          </p:val>
+                                        </p:tav>
+                                        <p:tav tm="100000">
+                                          <p:val>
+                                            <p:strVal val="#ppt_y"/>
+                                          </p:val>
+                                        </p:tav>
+                                      </p:tavLst>
+                                    </p:anim>
+                                  </p:childTnLst>
+                                </p:cTn>
+                              </p:par>
+                              <p:par>
+                                <p:cTn id="15" presetID="42" presetClass="entr" presetSubtype="0" fill="hold" grpId="0" nodeType="withEffect">
+                                  <p:stCondLst>
+                                    <p:cond delay="0"/>
+                                  </p:stCondLst>
+                                  <p:childTnLst>
+                                    <p:set>
+                                      <p:cBhvr>
+                                        <p:cTn id="16" dur="1" fill="hold">
+                                          <p:stCondLst>
+                                            <p:cond delay="0"/>
+                                          </p:stCondLst>
+                                        </p:cTn>
+                                        <p:tgtEl>
+                                          <p:spTgt spid="24"/>
+                                        </p:tgtEl>
+                                        <p:attrNameLst>
+                                          <p:attrName>style.visibility</p:attrName>
+                                        </p:attrNameLst>
+                                      </p:cBhvr>
+                                      <p:to>
+                                        <p:strVal val="visible"/>
+                                      </p:to>
+                                    </p:set>
+                                    <p:animEffect transition="in" filter="fade">
+                                      <p:cBhvr>
+                                        <p:cTn id="17" dur="1000"/>
+                                        <p:tgtEl>
+                                          <p:spTgt spid="24"/>
+                                        </p:tgtEl>
+                                      </p:cBhvr>
+                                    </p:animEffect>
+                                    <p:anim calcmode="lin" valueType="num">
+                                      <p:cBhvr>
+                                        <p:cTn id="18" dur="1000" fill="hold"/>
+                                        <p:tgtEl>
+                                          <p:spTgt spid="24"/>
+                                        </p:tgtEl>
+                                        <p:attrNameLst>
+                                          <p:attrName>ppt_x</p:attrName>
+                                        </p:attrNameLst>
+                                      </p:cBhvr>
+                                      <p:tavLst>
+                                        <p:tav tm="0">
+                                          <p:val>
+                                            <p:strVal val="#ppt_x"/>
+                                          </p:val>
+                                        </p:tav>
+                                        <p:tav tm="100000">
+                                          <p:val>
+                                            <p:strVal val="#ppt_x"/>
+                                          </p:val>
+                                        </p:tav>
+                                      </p:tavLst>
+                                    </p:anim>
+                                    <p:anim calcmode="lin" valueType="num">
+                                      <p:cBhvr>
+                                        <p:cTn id="19" dur="1000" fill="hold"/>
+                                        <p:tgtEl>
+                                          <p:spTgt spid="24"/>
+                                        </p:tgtEl>
+                                        <p:attrNameLst>
+                                          <p:attrName>ppt_y</p:attrName>
+                                        </p:attrNameLst>
+                                      </p:cBhvr>
+                                      <p:tavLst>
+                                        <p:tav tm="0">
+                                          <p:val>
+                                            <p:strVal val="#ppt_y+.1"/>
+                                          </p:val>
+                                        </p:tav>
+                                        <p:tav tm="100000">
+                                          <p:val>
+                                            <p:strVal val="#ppt_y"/>
+                                          </p:val>
+                                        </p:tav>
+                                      </p:tavLst>
+                                    </p:anim>
+                                  </p:childTnLst>
+                                </p:cTn>
+                              </p:par>
+                              <p:par>
+                                <p:cTn id="20" presetID="42" presetClass="entr" presetSubtype="0" fill="hold" nodeType="withEffect">
+                                  <p:stCondLst>
+                                    <p:cond delay="0"/>
+                                  </p:stCondLst>
+                                  <p:childTnLst>
+                                    <p:set>
+                                      <p:cBhvr>
+                                        <p:cTn id="21" dur="1" fill="hold">
+                                          <p:stCondLst>
+                                            <p:cond delay="0"/>
+                                          </p:stCondLst>
+                                        </p:cTn>
+                                        <p:tgtEl>
+                                          <p:spTgt spid="7"/>
+                                        </p:tgtEl>
+                                        <p:attrNameLst>
+                                          <p:attrName>style.visibility</p:attrName>
+                                        </p:attrNameLst>
+                                      </p:cBhvr>
+                                      <p:to>
+                                        <p:strVal val="visible"/>
+                                      </p:to>
+                                    </p:set>
+                                    <p:animEffect transition="in" filter="fade">
+                                      <p:cBhvr>
+                                        <p:cTn id="22" dur="1000"/>
+                                        <p:tgtEl>
+                                          <p:spTgt spid="7"/>
+                                        </p:tgtEl>
+                                      </p:cBhvr>
+                                    </p:animEffect>
+                                    <p:anim calcmode="lin" valueType="num">
+                                      <p:cBhvr>
+                                        <p:cTn id="23" dur="1000" fill="hold"/>
+                                        <p:tgtEl>
+                                          <p:spTgt spid="7"/>
+                                        </p:tgtEl>
+                                        <p:attrNameLst>
+                                          <p:attrName>ppt_x</p:attrName>
+                                        </p:attrNameLst>
+                                      </p:cBhvr>
+                                      <p:tavLst>
+                                        <p:tav tm="0">
+                                          <p:val>
+                                            <p:strVal val="#ppt_x"/>
+                                          </p:val>
+                                        </p:tav>
+                                        <p:tav tm="100000">
+                                          <p:val>
+                                            <p:strVal val="#ppt_x"/>
+                                          </p:val>
+                                        </p:tav>
+                                      </p:tavLst>
+                                    </p:anim>
+                                    <p:anim calcmode="lin" valueType="num">
+                                      <p:cBhvr>
+                                        <p:cTn id="24" dur="1000" fill="hold"/>
+                                        <p:tgtEl>
+                                          <p:spTgt spid="7"/>
+                                        </p:tgtEl>
+                                        <p:attrNameLst>
+                                          <p:attrName>ppt_y</p:attrName>
+                                        </p:attrNameLst>
+                                      </p:cBhvr>
+                                      <p:tavLst>
+                                        <p:tav tm="0">
+                                          <p:val>
+                                            <p:strVal val="#ppt_y+.1"/>
+                                          </p:val>
+                                        </p:tav>
+                                        <p:tav tm="100000">
+                                          <p:val>
+                                            <p:strVal val="#ppt_y"/>
+                                          </p:val>
+                                        </p:tav>
+                                      </p:tavLst>
+                                    </p:anim>
+                                  </p:childTnLst>
+                                </p:cTn>
+                              </p:par>
+                              <p:par>
+                                <p:cTn id="25" presetID="42" presetClass="entr" presetSubtype="0" fill="hold" grpId="0" nodeType="withEffect">
+                                  <p:stCondLst>
+                                    <p:cond delay="0"/>
+                                  </p:stCondLst>
+                                  <p:childTnLst>
+                                    <p:set>
+                                      <p:cBhvr>
+                                        <p:cTn id="26" dur="1" fill="hold">
+                                          <p:stCondLst>
+                                            <p:cond delay="0"/>
+                                          </p:stCondLst>
+                                        </p:cTn>
+                                        <p:tgtEl>
+                                          <p:spTgt spid="23"/>
+                                        </p:tgtEl>
+                                        <p:attrNameLst>
+                                          <p:attrName>style.visibility</p:attrName>
+                                        </p:attrNameLst>
+                                      </p:cBhvr>
+                                      <p:to>
+                                        <p:strVal val="visible"/>
+                                      </p:to>
+                                    </p:set>
+                                    <p:animEffect transition="in" filter="fade">
+                                      <p:cBhvr>
+                                        <p:cTn id="27" dur="1000"/>
+                                        <p:tgtEl>
+                                          <p:spTgt spid="23"/>
+                                        </p:tgtEl>
+                                      </p:cBhvr>
+                                    </p:animEffect>
+                                    <p:anim calcmode="lin" valueType="num">
+                                      <p:cBhvr>
+                                        <p:cTn id="28" dur="1000" fill="hold"/>
+                                        <p:tgtEl>
+                                          <p:spTgt spid="23"/>
+                                        </p:tgtEl>
+                                        <p:attrNameLst>
+                                          <p:attrName>ppt_x</p:attrName>
+                                        </p:attrNameLst>
+                                      </p:cBhvr>
+                                      <p:tavLst>
+                                        <p:tav tm="0">
+                                          <p:val>
+                                            <p:strVal val="#ppt_x"/>
+                                          </p:val>
+                                        </p:tav>
+                                        <p:tav tm="100000">
+                                          <p:val>
+                                            <p:strVal val="#ppt_x"/>
+                                          </p:val>
+                                        </p:tav>
+                                      </p:tavLst>
+                                    </p:anim>
+                                    <p:anim calcmode="lin" valueType="num">
+                                      <p:cBhvr>
+                                        <p:cTn id="29" dur="1000" fill="hold"/>
+                                        <p:tgtEl>
+                                          <p:spTgt spid="23"/>
+                                        </p:tgtEl>
+                                        <p:attrNameLst>
+                                          <p:attrName>ppt_y</p:attrName>
+                                        </p:attrNameLst>
+                                      </p:cBhvr>
+                                      <p:tavLst>
+                                        <p:tav tm="0">
+                                          <p:val>
+                                            <p:strVal val="#ppt_y+.1"/>
+                                          </p:val>
+                                        </p:tav>
+                                        <p:tav tm="100000">
+                                          <p:val>
+                                            <p:strVal val="#ppt_y"/>
+                                          </p:val>
+                                        </p:tav>
+                                      </p:tavLst>
+                                    </p:anim>
+                                  </p:childTnLst>
+                                </p:cTn>
+                              </p:par>
+                              <p:par>
+                                <p:cTn id="30" presetID="42" presetClass="entr" presetSubtype="0" fill="hold" grpId="0" nodeType="withEffect">
+                                  <p:stCondLst>
+                                    <p:cond delay="0"/>
+                                  </p:stCondLst>
+                                  <p:childTnLst>
+                                    <p:set>
+                                      <p:cBhvr>
+                                        <p:cTn id="31" dur="1" fill="hold">
+                                          <p:stCondLst>
+                                            <p:cond delay="0"/>
+                                          </p:stCondLst>
+                                        </p:cTn>
+                                        <p:tgtEl>
+                                          <p:spTgt spid="22"/>
+                                        </p:tgtEl>
+                                        <p:attrNameLst>
+                                          <p:attrName>style.visibility</p:attrName>
+                                        </p:attrNameLst>
+                                      </p:cBhvr>
+                                      <p:to>
+                                        <p:strVal val="visible"/>
+                                      </p:to>
+                                    </p:set>
+                                    <p:animEffect transition="in" filter="fade">
+                                      <p:cBhvr>
+                                        <p:cTn id="32" dur="1000"/>
+                                        <p:tgtEl>
+                                          <p:spTgt spid="22"/>
+                                        </p:tgtEl>
+                                      </p:cBhvr>
+                                    </p:animEffect>
+                                    <p:anim calcmode="lin" valueType="num">
+                                      <p:cBhvr>
+                                        <p:cTn id="33" dur="1000" fill="hold"/>
+                                        <p:tgtEl>
+                                          <p:spTgt spid="22"/>
+                                        </p:tgtEl>
+                                        <p:attrNameLst>
+                                          <p:attrName>ppt_x</p:attrName>
+                                        </p:attrNameLst>
+                                      </p:cBhvr>
+                                      <p:tavLst>
+                                        <p:tav tm="0">
+                                          <p:val>
+                                            <p:strVal val="#ppt_x"/>
+                                          </p:val>
+                                        </p:tav>
+                                        <p:tav tm="100000">
+                                          <p:val>
+                                            <p:strVal val="#ppt_x"/>
+                                          </p:val>
+                                        </p:tav>
+                                      </p:tavLst>
+                                    </p:anim>
+                                    <p:anim calcmode="lin" valueType="num">
+                                      <p:cBhvr>
+                                        <p:cTn id="34" dur="1000" fill="hold"/>
+                                        <p:tgtEl>
+                                          <p:spTgt spid="22"/>
+                                        </p:tgtEl>
+                                        <p:attrNameLst>
+                                          <p:attrName>ppt_y</p:attrName>
+                                        </p:attrNameLst>
+                                      </p:cBhvr>
+                                      <p:tavLst>
+                                        <p:tav tm="0">
+                                          <p:val>
+                                            <p:strVal val="#ppt_y+.1"/>
+                                          </p:val>
+                                        </p:tav>
+                                        <p:tav tm="100000">
+                                          <p:val>
+                                            <p:strVal val="#ppt_y"/>
+                                          </p:val>
+                                        </p:tav>
+                                      </p:tavLst>
+                                    </p:anim>
+                                  </p:childTnLst>
+                                </p:cTn>
+                              </p:par>
+                            </p:childTnLst>
+                          </p:cTn>
+                        </p:par>
+                      </p:childTnLst>
+                    </p:cTn>
+                  </p:par>
+                  <p:par>
+                    <p:cTn id="35" fill="hold">
+                      <p:stCondLst>
+                        <p:cond delay="indefinite"/>
+                      </p:stCondLst>
+                      <p:childTnLst>
+                        <p:par>
+                          <p:cTn id="36" fill="hold">
+                            <p:stCondLst>
+                              <p:cond delay="0"/>
+                            </p:stCondLst>
+                            <p:childTnLst>
+                              <p:par>
+                                <p:cTn id="37" presetID="42" presetClass="entr" presetSubtype="0" fill="hold" grpId="0" nodeType="clickEffect">
+                                  <p:stCondLst>
+                                    <p:cond delay="0"/>
+                                  </p:stCondLst>
+                                  <p:childTnLst>
+                                    <p:set>
+                                      <p:cBhvr>
+                                        <p:cTn id="38" dur="1" fill="hold">
+                                          <p:stCondLst>
+                                            <p:cond delay="0"/>
+                                          </p:stCondLst>
+                                        </p:cTn>
+                                        <p:tgtEl>
+                                          <p:spTgt spid="14"/>
+                                        </p:tgtEl>
+                                        <p:attrNameLst>
+                                          <p:attrName>style.visibility</p:attrName>
+                                        </p:attrNameLst>
+                                      </p:cBhvr>
+                                      <p:to>
+                                        <p:strVal val="visible"/>
+                                      </p:to>
+                                    </p:set>
+                                    <p:animEffect transition="in" filter="fade">
+                                      <p:cBhvr>
+                                        <p:cTn id="39" dur="1000"/>
+                                        <p:tgtEl>
+                                          <p:spTgt spid="14"/>
+                                        </p:tgtEl>
+                                      </p:cBhvr>
+                                    </p:animEffect>
+                                    <p:anim calcmode="lin" valueType="num">
+                                      <p:cBhvr>
+                                        <p:cTn id="40" dur="1000" fill="hold"/>
+                                        <p:tgtEl>
+                                          <p:spTgt spid="14"/>
+                                        </p:tgtEl>
+                                        <p:attrNameLst>
+                                          <p:attrName>ppt_x</p:attrName>
+                                        </p:attrNameLst>
+                                      </p:cBhvr>
+                                      <p:tavLst>
+                                        <p:tav tm="0">
+                                          <p:val>
+                                            <p:strVal val="#ppt_x"/>
+                                          </p:val>
+                                        </p:tav>
+                                        <p:tav tm="100000">
+                                          <p:val>
+                                            <p:strVal val="#ppt_x"/>
+                                          </p:val>
+                                        </p:tav>
+                                      </p:tavLst>
+                                    </p:anim>
+                                    <p:anim calcmode="lin" valueType="num">
+                                      <p:cBhvr>
+                                        <p:cTn id="41" dur="1000" fill="hold"/>
+                                        <p:tgtEl>
+                                          <p:spTgt spid="14"/>
+                                        </p:tgtEl>
+                                        <p:attrNameLst>
+                                          <p:attrName>ppt_y</p:attrName>
+                                        </p:attrNameLst>
+                                      </p:cBhvr>
+                                      <p:tavLst>
+                                        <p:tav tm="0">
+                                          <p:val>
+                                            <p:strVal val="#ppt_y+.1"/>
+                                          </p:val>
+                                        </p:tav>
+                                        <p:tav tm="100000">
+                                          <p:val>
+                                            <p:strVal val="#ppt_y"/>
+                                          </p:val>
+                                        </p:tav>
+                                      </p:tavLst>
+                                    </p:anim>
+                                  </p:childTnLst>
+                                </p:cTn>
+                              </p:par>
+                            </p:childTnLst>
+                          </p:cTn>
+                        </p:par>
+                      </p:childTnLst>
+                    </p:cTn>
+                  </p:par>
+                  <p:par>
+                    <p:cTn id="42" fill="hold">
+                      <p:stCondLst>
+                        <p:cond delay="indefinite"/>
+                      </p:stCondLst>
+                      <p:childTnLst>
+                        <p:par>
+                          <p:cTn id="43" fill="hold">
+                            <p:stCondLst>
+                              <p:cond delay="0"/>
+                            </p:stCondLst>
+                            <p:childTnLst>
+                              <p:par>
+                                <p:cTn id="44" presetID="42" presetClass="entr" presetSubtype="0" fill="hold" grpId="0" nodeType="clickEffect">
+                                  <p:stCondLst>
+                                    <p:cond delay="0"/>
+                                  </p:stCondLst>
+                                  <p:childTnLst>
+                                    <p:set>
+                                      <p:cBhvr>
+                                        <p:cTn id="45" dur="1" fill="hold">
+                                          <p:stCondLst>
+                                            <p:cond delay="0"/>
+                                          </p:stCondLst>
+                                        </p:cTn>
+                                        <p:tgtEl>
+                                          <p:spTgt spid="15"/>
+                                        </p:tgtEl>
+                                        <p:attrNameLst>
+                                          <p:attrName>style.visibility</p:attrName>
+                                        </p:attrNameLst>
+                                      </p:cBhvr>
+                                      <p:to>
+                                        <p:strVal val="visible"/>
+                                      </p:to>
+                                    </p:set>
+                                    <p:animEffect transition="in" filter="fade">
+                                      <p:cBhvr>
+                                        <p:cTn id="46" dur="1000"/>
+                                        <p:tgtEl>
+                                          <p:spTgt spid="15"/>
+                                        </p:tgtEl>
+                                      </p:cBhvr>
+                                    </p:animEffect>
+                                    <p:anim calcmode="lin" valueType="num">
+                                      <p:cBhvr>
+                                        <p:cTn id="47" dur="1000" fill="hold"/>
+                                        <p:tgtEl>
+                                          <p:spTgt spid="15"/>
+                                        </p:tgtEl>
+                                        <p:attrNameLst>
+                                          <p:attrName>ppt_x</p:attrName>
+                                        </p:attrNameLst>
+                                      </p:cBhvr>
+                                      <p:tavLst>
+                                        <p:tav tm="0">
+                                          <p:val>
+                                            <p:strVal val="#ppt_x"/>
+                                          </p:val>
+                                        </p:tav>
+                                        <p:tav tm="100000">
+                                          <p:val>
+                                            <p:strVal val="#ppt_x"/>
+                                          </p:val>
+                                        </p:tav>
+                                      </p:tavLst>
+                                    </p:anim>
+                                    <p:anim calcmode="lin" valueType="num">
+                                      <p:cBhvr>
+                                        <p:cTn id="48" dur="1000" fill="hold"/>
+                                        <p:tgtEl>
+                                          <p:spTgt spid="15"/>
+                                        </p:tgtEl>
+                                        <p:attrNameLst>
+                                          <p:attrName>ppt_y</p:attrName>
+                                        </p:attrNameLst>
+                                      </p:cBhvr>
+                                      <p:tavLst>
+                                        <p:tav tm="0">
+                                          <p:val>
+                                            <p:strVal val="#ppt_y+.1"/>
+                                          </p:val>
+                                        </p:tav>
+                                        <p:tav tm="100000">
+                                          <p:val>
+                                            <p:strVal val="#ppt_y"/>
+                                          </p:val>
+                                        </p:tav>
+                                      </p:tavLst>
+                                    </p:anim>
+                                  </p:childTnLst>
+                                </p:cTn>
+                              </p:par>
+                            </p:childTnLst>
+                          </p:cTn>
+                        </p:par>
+                      </p:childTnLst>
+                    </p:cTn>
+                  </p:par>
+                  <p:par>
+                    <p:cTn id="49" fill="hold">
+                      <p:stCondLst>
+                        <p:cond delay="indefinite"/>
+                      </p:stCondLst>
+                      <p:childTnLst>
+                        <p:par>
+                          <p:cTn id="50" fill="hold">
+                            <p:stCondLst>
+                              <p:cond delay="0"/>
+                            </p:stCondLst>
+                            <p:childTnLst>
+                              <p:par>
+                                <p:cTn id="51" presetID="42" presetClass="entr" presetSubtype="0" fill="hold" grpId="0" nodeType="clickEffect">
+                                  <p:stCondLst>
+                                    <p:cond delay="0"/>
+                                  </p:stCondLst>
+                                  <p:childTnLst>
+                                    <p:set>
+                                      <p:cBhvr>
+                                        <p:cTn id="52" dur="1" fill="hold">
+                                          <p:stCondLst>
+                                            <p:cond delay="0"/>
+                                          </p:stCondLst>
+                                        </p:cTn>
+                                        <p:tgtEl>
+                                          <p:spTgt spid="20"/>
+                                        </p:tgtEl>
+                                        <p:attrNameLst>
+                                          <p:attrName>style.visibility</p:attrName>
+                                        </p:attrNameLst>
+                                      </p:cBhvr>
+                                      <p:to>
+                                        <p:strVal val="visible"/>
+                                      </p:to>
+                                    </p:set>
+                                    <p:animEffect transition="in" filter="fade">
+                                      <p:cBhvr>
+                                        <p:cTn id="53" dur="1000"/>
+                                        <p:tgtEl>
+                                          <p:spTgt spid="20"/>
+                                        </p:tgtEl>
+                                      </p:cBhvr>
+                                    </p:animEffect>
+                                    <p:anim calcmode="lin" valueType="num">
+                                      <p:cBhvr>
+                                        <p:cTn id="54" dur="1000" fill="hold"/>
+                                        <p:tgtEl>
+                                          <p:spTgt spid="20"/>
+                                        </p:tgtEl>
+                                        <p:attrNameLst>
+                                          <p:attrName>ppt_x</p:attrName>
+                                        </p:attrNameLst>
+                                      </p:cBhvr>
+                                      <p:tavLst>
+                                        <p:tav tm="0">
+                                          <p:val>
+                                            <p:strVal val="#ppt_x"/>
+                                          </p:val>
+                                        </p:tav>
+                                        <p:tav tm="100000">
+                                          <p:val>
+                                            <p:strVal val="#ppt_x"/>
+                                          </p:val>
+                                        </p:tav>
+                                      </p:tavLst>
+                                    </p:anim>
+                                    <p:anim calcmode="lin" valueType="num">
+                                      <p:cBhvr>
+                                        <p:cTn id="55" dur="1000" fill="hold"/>
+                                        <p:tgtEl>
+                                          <p:spTgt spid="20"/>
+                                        </p:tgtEl>
+                                        <p:attrNameLst>
+                                          <p:attrName>ppt_y</p:attrName>
+                                        </p:attrNameLst>
+                                      </p:cBhvr>
+                                      <p:tavLst>
+                                        <p:tav tm="0">
+                                          <p:val>
+                                            <p:strVal val="#ppt_y+.1"/>
+                                          </p:val>
+                                        </p:tav>
+                                        <p:tav tm="100000">
+                                          <p:val>
+                                            <p:strVal val="#ppt_y"/>
+                                          </p:val>
+                                        </p:tav>
+                                      </p:tavLst>
+                                    </p:anim>
+                                  </p:childTnLst>
+                                </p:cTn>
+                              </p:par>
+                            </p:childTnLst>
+                          </p:cTn>
+                        </p:par>
+                      </p:childTnLst>
+                    </p:cTn>
+                  </p:par>
+                  <p:par>
+                    <p:cTn id="56" fill="hold">
+                      <p:stCondLst>
+                        <p:cond delay="indefinite"/>
+                      </p:stCondLst>
+                      <p:childTnLst>
+                        <p:par>
+                          <p:cTn id="57" fill="hold">
+                            <p:stCondLst>
+                              <p:cond delay="0"/>
+                            </p:stCondLst>
+                            <p:childTnLst>
+                              <p:par>
+                                <p:cTn id="58" presetID="42" presetClass="entr" presetSubtype="0" fill="hold" grpId="0" nodeType="clickEffect">
+                                  <p:stCondLst>
+                                    <p:cond delay="0"/>
+                                  </p:stCondLst>
+                                  <p:childTnLst>
+                                    <p:set>
+                                      <p:cBhvr>
+                                        <p:cTn id="59" dur="1" fill="hold">
+                                          <p:stCondLst>
+                                            <p:cond delay="0"/>
+                                          </p:stCondLst>
+                                        </p:cTn>
+                                        <p:tgtEl>
+                                          <p:spTgt spid="21"/>
+                                        </p:tgtEl>
+                                        <p:attrNameLst>
+                                          <p:attrName>style.visibility</p:attrName>
+                                        </p:attrNameLst>
+                                      </p:cBhvr>
+                                      <p:to>
+                                        <p:strVal val="visible"/>
+                                      </p:to>
+                                    </p:set>
+                                    <p:animEffect transition="in" filter="fade">
+                                      <p:cBhvr>
+                                        <p:cTn id="60" dur="1000"/>
+                                        <p:tgtEl>
+                                          <p:spTgt spid="21"/>
+                                        </p:tgtEl>
+                                      </p:cBhvr>
+                                    </p:animEffect>
+                                    <p:anim calcmode="lin" valueType="num">
+                                      <p:cBhvr>
+                                        <p:cTn id="61" dur="1000" fill="hold"/>
+                                        <p:tgtEl>
+                                          <p:spTgt spid="21"/>
+                                        </p:tgtEl>
+                                        <p:attrNameLst>
+                                          <p:attrName>ppt_x</p:attrName>
+                                        </p:attrNameLst>
+                                      </p:cBhvr>
+                                      <p:tavLst>
+                                        <p:tav tm="0">
+                                          <p:val>
+                                            <p:strVal val="#ppt_x"/>
+                                          </p:val>
+                                        </p:tav>
+                                        <p:tav tm="100000">
+                                          <p:val>
+                                            <p:strVal val="#ppt_x"/>
+                                          </p:val>
+                                        </p:tav>
+                                      </p:tavLst>
+                                    </p:anim>
+                                    <p:anim calcmode="lin" valueType="num">
+                                      <p:cBhvr>
+                                        <p:cTn id="62" dur="1000" fill="hold"/>
+                                        <p:tgtEl>
+                                          <p:spTgt spid="21"/>
+                                        </p:tgtEl>
+                                        <p:attrNameLst>
+                                          <p:attrName>ppt_y</p:attrName>
+                                        </p:attrNameLst>
+                                      </p:cBhvr>
+                                      <p:tavLst>
+                                        <p:tav tm="0">
+                                          <p:val>
+                                            <p:strVal val="#ppt_y+.1"/>
+                                          </p:val>
+                                        </p:tav>
+                                        <p:tav tm="100000">
+                                          <p:val>
+                                            <p:strVal val="#ppt_y"/>
+                                          </p:val>
+                                        </p:tav>
+                                      </p:tavLst>
+                                    </p:anim>
+                                  </p:childTnLst>
+                                </p:cTn>
+                              </p:par>
+                            </p:childTnLst>
+                          </p:cTn>
+                        </p:par>
+                      </p:childTnLst>
+                    </p:cTn>
+                  </p:par>
+                </p:childTnLst>
+              </p:cTn>
+              <p:prevCondLst>
+                <p:cond evt="onPrev" delay="0">
+                  <p:tgtEl>
+                    <p:sldTgt/>
+                  </p:tgtEl>
+                </p:cond>
+              </p:prevCondLst>
+              <p:nextCondLst>
+                <p:cond evt="onNext" delay="0">
+                  <p:tgtEl>
+                    <p:sldTgt/>
+                  </p:tgtEl>
+                </p:cond>
+              </p:nextCondLst>
+            </p:seq>
+          </p:childTnLst>
+        </p:cTn>
       </p:par>
     </p:tnLst>
+    <p:bldLst>
+      <p:bldP spid="14" grpId="0" animBg="1"/>
+      <p:bldP spid="15" grpId="0" animBg="1"/>
+      <p:bldP spid="20" grpId="0" animBg="1"/>
+      <p:bldP spid="21" grpId="0" animBg="1"/>
+      <p:bldP spid="22" grpId="0"/>
+      <p:bldP spid="23" grpId="0"/>
+      <p:bldP spid="24" grpId="0"/>
+    </p:bldLst>
   </p:timing>
 </p:sld>
 </file>
@@ -8407,6 +11051,1383 @@
       </p:sp>
       <p:sp>
         <p:nvSpPr>
+          <p:cNvPr id="4" name="Slide Number Placeholder 3"/>
+          <p:cNvSpPr>
+            <a:spLocks noGrp="1"/>
+          </p:cNvSpPr>
+          <p:nvPr>
+            <p:ph type="sldNum" sz="quarter" idx="12"/>
+          </p:nvPr>
+        </p:nvSpPr>
+        <p:spPr/>
+        <p:txBody>
+          <a:bodyPr/>
+          <a:lstStyle/>
+          <a:p>
+            <a:fld id="{73B5BF7B-DAD1-4DA5-A555-55991F7C0E6A}" type="slidenum">
+              <a:rPr lang="vi-VN" smtClean="0"/>
+              <a:t>7</a:t>
+            </a:fld>
+            <a:endParaRPr lang="vi-VN"/>
+          </a:p>
+        </p:txBody>
+      </p:sp>
+      <p:sp>
+        <p:nvSpPr>
+          <p:cNvPr id="7" name="Content Placeholder 6"/>
+          <p:cNvSpPr>
+            <a:spLocks noGrp="1"/>
+          </p:cNvSpPr>
+          <p:nvPr>
+            <p:ph idx="1"/>
+          </p:nvPr>
+        </p:nvSpPr>
+        <p:spPr>
+          <a:xfrm>
+            <a:off x="677334" y="1930400"/>
+            <a:ext cx="8596668" cy="4676462"/>
+          </a:xfrm>
+        </p:spPr>
+        <p:txBody>
+          <a:bodyPr/>
+          <a:lstStyle/>
+          <a:p>
+            <a:r>
+              <a:rPr lang="en-US" sz="2400" smtClean="0">
+                <a:solidFill>
+                  <a:schemeClr val="tx1"/>
+                </a:solidFill>
+                <a:latin typeface="Arial" panose="020B0604020202020204" pitchFamily="34" charset="0"/>
+                <a:cs typeface="Arial" panose="020B0604020202020204" pitchFamily="34" charset="0"/>
+              </a:rPr>
+              <a:t>Chức năng ứng dụng</a:t>
+            </a:r>
+          </a:p>
+          <a:p>
+            <a:endParaRPr lang="en-US" sz="2400">
+              <a:solidFill>
+                <a:schemeClr val="tx1"/>
+              </a:solidFill>
+              <a:latin typeface="Arial" panose="020B0604020202020204" pitchFamily="34" charset="0"/>
+              <a:cs typeface="Arial" panose="020B0604020202020204" pitchFamily="34" charset="0"/>
+            </a:endParaRPr>
+          </a:p>
+          <a:p>
+            <a:endParaRPr lang="en-US" sz="2400" smtClean="0">
+              <a:solidFill>
+                <a:schemeClr val="tx1"/>
+              </a:solidFill>
+              <a:latin typeface="Arial" panose="020B0604020202020204" pitchFamily="34" charset="0"/>
+              <a:cs typeface="Arial" panose="020B0604020202020204" pitchFamily="34" charset="0"/>
+            </a:endParaRPr>
+          </a:p>
+          <a:p>
+            <a:pPr marL="0" indent="0">
+              <a:buNone/>
+            </a:pPr>
+            <a:endParaRPr lang="en-US" sz="2400" smtClean="0">
+              <a:solidFill>
+                <a:schemeClr val="tx1"/>
+              </a:solidFill>
+              <a:latin typeface="Arial" panose="020B0604020202020204" pitchFamily="34" charset="0"/>
+              <a:cs typeface="Arial" panose="020B0604020202020204" pitchFamily="34" charset="0"/>
+            </a:endParaRPr>
+          </a:p>
+          <a:p>
+            <a:endParaRPr lang="en-US"/>
+          </a:p>
+          <a:p>
+            <a:pPr marL="0" indent="0">
+              <a:buNone/>
+            </a:pPr>
+            <a:endParaRPr lang="vi-VN"/>
+          </a:p>
+        </p:txBody>
+      </p:sp>
+      <p:pic>
+        <p:nvPicPr>
+          <p:cNvPr id="5" name="Picture 4"/>
+          <p:cNvPicPr>
+            <a:picLocks noChangeAspect="1"/>
+          </p:cNvPicPr>
+          <p:nvPr/>
+        </p:nvPicPr>
+        <p:blipFill>
+          <a:blip r:embed="rId2" cstate="print">
+            <a:extLst>
+              <a:ext uri="{28A0092B-C50C-407E-A947-70E740481C1C}">
+                <a14:useLocalDpi xmlns:a14="http://schemas.microsoft.com/office/drawing/2010/main" val="0"/>
+              </a:ext>
+            </a:extLst>
+          </a:blip>
+          <a:stretch>
+            <a:fillRect/>
+          </a:stretch>
+        </p:blipFill>
+        <p:spPr>
+          <a:xfrm>
+            <a:off x="4088875" y="3790502"/>
+            <a:ext cx="816492" cy="1513268"/>
+          </a:xfrm>
+          <a:prstGeom prst="rect">
+            <a:avLst/>
+          </a:prstGeom>
+        </p:spPr>
+      </p:pic>
+      <p:sp>
+        <p:nvSpPr>
+          <p:cNvPr id="6" name="Oval 5"/>
+          <p:cNvSpPr/>
+          <p:nvPr/>
+        </p:nvSpPr>
+        <p:spPr>
+          <a:xfrm>
+            <a:off x="2165631" y="2412462"/>
+            <a:ext cx="1378040" cy="1378040"/>
+          </a:xfrm>
+          <a:prstGeom prst="ellipse">
+            <a:avLst/>
+          </a:prstGeom>
+          <a:ln>
+            <a:solidFill>
+              <a:schemeClr val="accent1"/>
+            </a:solidFill>
+          </a:ln>
+        </p:spPr>
+        <p:style>
+          <a:lnRef idx="2">
+            <a:schemeClr val="accent1">
+              <a:shade val="50000"/>
+            </a:schemeClr>
+          </a:lnRef>
+          <a:fillRef idx="1">
+            <a:schemeClr val="accent1"/>
+          </a:fillRef>
+          <a:effectRef idx="0">
+            <a:schemeClr val="accent1"/>
+          </a:effectRef>
+          <a:fontRef idx="minor">
+            <a:schemeClr val="lt1"/>
+          </a:fontRef>
+        </p:style>
+        <p:txBody>
+          <a:bodyPr rtlCol="0" anchor="ctr"/>
+          <a:lstStyle/>
+          <a:p>
+            <a:pPr algn="ctr"/>
+            <a:r>
+              <a:rPr lang="en-US" sz="2400" smtClean="0">
+                <a:latin typeface="Arial" panose="020B0604020202020204" pitchFamily="34" charset="0"/>
+                <a:cs typeface="Arial" panose="020B0604020202020204" pitchFamily="34" charset="0"/>
+              </a:rPr>
+              <a:t>Đọc tin</a:t>
+            </a:r>
+            <a:endParaRPr lang="vi-VN" sz="2400">
+              <a:latin typeface="Arial" panose="020B0604020202020204" pitchFamily="34" charset="0"/>
+              <a:cs typeface="Arial" panose="020B0604020202020204" pitchFamily="34" charset="0"/>
+            </a:endParaRPr>
+          </a:p>
+        </p:txBody>
+      </p:sp>
+      <p:sp>
+        <p:nvSpPr>
+          <p:cNvPr id="8" name="Oval 7"/>
+          <p:cNvSpPr/>
+          <p:nvPr/>
+        </p:nvSpPr>
+        <p:spPr>
+          <a:xfrm>
+            <a:off x="1694085" y="3823236"/>
+            <a:ext cx="1378040" cy="1378040"/>
+          </a:xfrm>
+          <a:prstGeom prst="ellipse">
+            <a:avLst/>
+          </a:prstGeom>
+          <a:ln>
+            <a:solidFill>
+              <a:schemeClr val="accent1"/>
+            </a:solidFill>
+          </a:ln>
+        </p:spPr>
+        <p:style>
+          <a:lnRef idx="2">
+            <a:schemeClr val="accent1">
+              <a:shade val="50000"/>
+            </a:schemeClr>
+          </a:lnRef>
+          <a:fillRef idx="1">
+            <a:schemeClr val="accent1"/>
+          </a:fillRef>
+          <a:effectRef idx="0">
+            <a:schemeClr val="accent1"/>
+          </a:effectRef>
+          <a:fontRef idx="minor">
+            <a:schemeClr val="lt1"/>
+          </a:fontRef>
+        </p:style>
+        <p:txBody>
+          <a:bodyPr rtlCol="0" anchor="ctr"/>
+          <a:lstStyle/>
+          <a:p>
+            <a:pPr algn="ctr"/>
+            <a:r>
+              <a:rPr lang="en-US" sz="2400" smtClean="0">
+                <a:latin typeface="Arial" panose="020B0604020202020204" pitchFamily="34" charset="0"/>
+                <a:cs typeface="Arial" panose="020B0604020202020204" pitchFamily="34" charset="0"/>
+              </a:rPr>
+              <a:t>Lưu tin</a:t>
+            </a:r>
+            <a:endParaRPr lang="vi-VN" sz="2400">
+              <a:latin typeface="Arial" panose="020B0604020202020204" pitchFamily="34" charset="0"/>
+              <a:cs typeface="Arial" panose="020B0604020202020204" pitchFamily="34" charset="0"/>
+            </a:endParaRPr>
+          </a:p>
+        </p:txBody>
+      </p:sp>
+      <p:sp>
+        <p:nvSpPr>
+          <p:cNvPr id="9" name="Oval 8"/>
+          <p:cNvSpPr/>
+          <p:nvPr/>
+        </p:nvSpPr>
+        <p:spPr>
+          <a:xfrm>
+            <a:off x="2165631" y="5258962"/>
+            <a:ext cx="1378040" cy="1378040"/>
+          </a:xfrm>
+          <a:prstGeom prst="ellipse">
+            <a:avLst/>
+          </a:prstGeom>
+          <a:ln>
+            <a:solidFill>
+              <a:schemeClr val="accent1"/>
+            </a:solidFill>
+          </a:ln>
+        </p:spPr>
+        <p:style>
+          <a:lnRef idx="2">
+            <a:schemeClr val="accent1">
+              <a:shade val="50000"/>
+            </a:schemeClr>
+          </a:lnRef>
+          <a:fillRef idx="1">
+            <a:schemeClr val="accent1"/>
+          </a:fillRef>
+          <a:effectRef idx="0">
+            <a:schemeClr val="accent1"/>
+          </a:effectRef>
+          <a:fontRef idx="minor">
+            <a:schemeClr val="lt1"/>
+          </a:fontRef>
+        </p:style>
+        <p:txBody>
+          <a:bodyPr rtlCol="0" anchor="ctr"/>
+          <a:lstStyle/>
+          <a:p>
+            <a:pPr algn="ctr"/>
+            <a:r>
+              <a:rPr lang="en-US" sz="2400" smtClean="0">
+                <a:latin typeface="Arial" panose="020B0604020202020204" pitchFamily="34" charset="0"/>
+                <a:cs typeface="Arial" panose="020B0604020202020204" pitchFamily="34" charset="0"/>
+              </a:rPr>
+              <a:t>Tìm kiếm</a:t>
+            </a:r>
+            <a:endParaRPr lang="vi-VN" sz="2400">
+              <a:latin typeface="Arial" panose="020B0604020202020204" pitchFamily="34" charset="0"/>
+              <a:cs typeface="Arial" panose="020B0604020202020204" pitchFamily="34" charset="0"/>
+            </a:endParaRPr>
+          </a:p>
+        </p:txBody>
+      </p:sp>
+      <p:sp>
+        <p:nvSpPr>
+          <p:cNvPr id="10" name="Oval 9"/>
+          <p:cNvSpPr/>
+          <p:nvPr/>
+        </p:nvSpPr>
+        <p:spPr>
+          <a:xfrm>
+            <a:off x="5450571" y="2412462"/>
+            <a:ext cx="1378040" cy="1378040"/>
+          </a:xfrm>
+          <a:prstGeom prst="ellipse">
+            <a:avLst/>
+          </a:prstGeom>
+          <a:ln>
+            <a:solidFill>
+              <a:schemeClr val="accent1"/>
+            </a:solidFill>
+          </a:ln>
+        </p:spPr>
+        <p:style>
+          <a:lnRef idx="2">
+            <a:schemeClr val="accent1">
+              <a:shade val="50000"/>
+            </a:schemeClr>
+          </a:lnRef>
+          <a:fillRef idx="1">
+            <a:schemeClr val="accent1"/>
+          </a:fillRef>
+          <a:effectRef idx="0">
+            <a:schemeClr val="accent1"/>
+          </a:effectRef>
+          <a:fontRef idx="minor">
+            <a:schemeClr val="lt1"/>
+          </a:fontRef>
+        </p:style>
+        <p:txBody>
+          <a:bodyPr rtlCol="0" anchor="ctr"/>
+          <a:lstStyle/>
+          <a:p>
+            <a:pPr algn="ctr"/>
+            <a:r>
+              <a:rPr lang="en-US" sz="2400" smtClean="0">
+                <a:latin typeface="Arial" panose="020B0604020202020204" pitchFamily="34" charset="0"/>
+                <a:cs typeface="Arial" panose="020B0604020202020204" pitchFamily="34" charset="0"/>
+              </a:rPr>
+              <a:t>Góp ý</a:t>
+            </a:r>
+            <a:endParaRPr lang="vi-VN" sz="2400">
+              <a:latin typeface="Arial" panose="020B0604020202020204" pitchFamily="34" charset="0"/>
+              <a:cs typeface="Arial" panose="020B0604020202020204" pitchFamily="34" charset="0"/>
+            </a:endParaRPr>
+          </a:p>
+        </p:txBody>
+      </p:sp>
+      <p:sp>
+        <p:nvSpPr>
+          <p:cNvPr id="11" name="Oval 10"/>
+          <p:cNvSpPr/>
+          <p:nvPr/>
+        </p:nvSpPr>
+        <p:spPr>
+          <a:xfrm>
+            <a:off x="5803253" y="3902299"/>
+            <a:ext cx="1378040" cy="1378040"/>
+          </a:xfrm>
+          <a:prstGeom prst="ellipse">
+            <a:avLst/>
+          </a:prstGeom>
+          <a:ln>
+            <a:solidFill>
+              <a:schemeClr val="accent1"/>
+            </a:solidFill>
+          </a:ln>
+        </p:spPr>
+        <p:style>
+          <a:lnRef idx="2">
+            <a:schemeClr val="accent1">
+              <a:shade val="50000"/>
+            </a:schemeClr>
+          </a:lnRef>
+          <a:fillRef idx="1">
+            <a:schemeClr val="accent1"/>
+          </a:fillRef>
+          <a:effectRef idx="0">
+            <a:schemeClr val="accent1"/>
+          </a:effectRef>
+          <a:fontRef idx="minor">
+            <a:schemeClr val="lt1"/>
+          </a:fontRef>
+        </p:style>
+        <p:txBody>
+          <a:bodyPr rtlCol="0" anchor="ctr"/>
+          <a:lstStyle/>
+          <a:p>
+            <a:pPr algn="ctr"/>
+            <a:r>
+              <a:rPr lang="en-US" sz="2400" smtClean="0">
+                <a:latin typeface="Arial" panose="020B0604020202020204" pitchFamily="34" charset="0"/>
+                <a:cs typeface="Arial" panose="020B0604020202020204" pitchFamily="34" charset="0"/>
+              </a:rPr>
+              <a:t>Đánh giá</a:t>
+            </a:r>
+            <a:endParaRPr lang="vi-VN" sz="2400">
+              <a:latin typeface="Arial" panose="020B0604020202020204" pitchFamily="34" charset="0"/>
+              <a:cs typeface="Arial" panose="020B0604020202020204" pitchFamily="34" charset="0"/>
+            </a:endParaRPr>
+          </a:p>
+        </p:txBody>
+      </p:sp>
+      <p:sp>
+        <p:nvSpPr>
+          <p:cNvPr id="12" name="Oval 11"/>
+          <p:cNvSpPr/>
+          <p:nvPr/>
+        </p:nvSpPr>
+        <p:spPr>
+          <a:xfrm>
+            <a:off x="5445878" y="5392136"/>
+            <a:ext cx="1378040" cy="1378040"/>
+          </a:xfrm>
+          <a:prstGeom prst="ellipse">
+            <a:avLst/>
+          </a:prstGeom>
+          <a:ln>
+            <a:solidFill>
+              <a:schemeClr val="accent1"/>
+            </a:solidFill>
+          </a:ln>
+        </p:spPr>
+        <p:style>
+          <a:lnRef idx="2">
+            <a:schemeClr val="accent1">
+              <a:shade val="50000"/>
+            </a:schemeClr>
+          </a:lnRef>
+          <a:fillRef idx="1">
+            <a:schemeClr val="accent1"/>
+          </a:fillRef>
+          <a:effectRef idx="0">
+            <a:schemeClr val="accent1"/>
+          </a:effectRef>
+          <a:fontRef idx="minor">
+            <a:schemeClr val="lt1"/>
+          </a:fontRef>
+        </p:style>
+        <p:txBody>
+          <a:bodyPr rtlCol="0" anchor="ctr"/>
+          <a:lstStyle/>
+          <a:p>
+            <a:pPr algn="ctr"/>
+            <a:r>
+              <a:rPr lang="en-US" sz="2400" smtClean="0">
+                <a:latin typeface="Arial" panose="020B0604020202020204" pitchFamily="34" charset="0"/>
+                <a:cs typeface="Arial" panose="020B0604020202020204" pitchFamily="34" charset="0"/>
+              </a:rPr>
+              <a:t>Chia sẻ</a:t>
+            </a:r>
+            <a:endParaRPr lang="vi-VN" sz="2400">
+              <a:latin typeface="Arial" panose="020B0604020202020204" pitchFamily="34" charset="0"/>
+              <a:cs typeface="Arial" panose="020B0604020202020204" pitchFamily="34" charset="0"/>
+            </a:endParaRPr>
+          </a:p>
+        </p:txBody>
+      </p:sp>
+      <p:cxnSp>
+        <p:nvCxnSpPr>
+          <p:cNvPr id="16" name="Straight Connector 15"/>
+          <p:cNvCxnSpPr/>
+          <p:nvPr/>
+        </p:nvCxnSpPr>
+        <p:spPr>
+          <a:xfrm>
+            <a:off x="3452813" y="3514725"/>
+            <a:ext cx="636062" cy="333463"/>
+          </a:xfrm>
+          <a:prstGeom prst="line">
+            <a:avLst/>
+          </a:prstGeom>
+          <a:ln w="63500">
+            <a:prstDash val="sysDash"/>
+          </a:ln>
+        </p:spPr>
+        <p:style>
+          <a:lnRef idx="1">
+            <a:schemeClr val="accent1"/>
+          </a:lnRef>
+          <a:fillRef idx="0">
+            <a:schemeClr val="accent1"/>
+          </a:fillRef>
+          <a:effectRef idx="0">
+            <a:schemeClr val="accent1"/>
+          </a:effectRef>
+          <a:fontRef idx="minor">
+            <a:schemeClr val="tx1"/>
+          </a:fontRef>
+        </p:style>
+      </p:cxnSp>
+      <p:cxnSp>
+        <p:nvCxnSpPr>
+          <p:cNvPr id="19" name="Straight Connector 18"/>
+          <p:cNvCxnSpPr/>
+          <p:nvPr/>
+        </p:nvCxnSpPr>
+        <p:spPr>
+          <a:xfrm>
+            <a:off x="3112294" y="4512256"/>
+            <a:ext cx="945356" cy="0"/>
+          </a:xfrm>
+          <a:prstGeom prst="line">
+            <a:avLst/>
+          </a:prstGeom>
+          <a:ln w="63500">
+            <a:prstDash val="sysDash"/>
+          </a:ln>
+        </p:spPr>
+        <p:style>
+          <a:lnRef idx="1">
+            <a:schemeClr val="accent1"/>
+          </a:lnRef>
+          <a:fillRef idx="0">
+            <a:schemeClr val="accent1"/>
+          </a:fillRef>
+          <a:effectRef idx="0">
+            <a:schemeClr val="accent1"/>
+          </a:effectRef>
+          <a:fontRef idx="minor">
+            <a:schemeClr val="tx1"/>
+          </a:fontRef>
+        </p:style>
+      </p:cxnSp>
+      <p:cxnSp>
+        <p:nvCxnSpPr>
+          <p:cNvPr id="24" name="Straight Connector 23"/>
+          <p:cNvCxnSpPr/>
+          <p:nvPr/>
+        </p:nvCxnSpPr>
+        <p:spPr>
+          <a:xfrm flipV="1">
+            <a:off x="3385081" y="5205723"/>
+            <a:ext cx="688181" cy="235891"/>
+          </a:xfrm>
+          <a:prstGeom prst="line">
+            <a:avLst/>
+          </a:prstGeom>
+          <a:ln w="63500">
+            <a:prstDash val="sysDash"/>
+          </a:ln>
+        </p:spPr>
+        <p:style>
+          <a:lnRef idx="1">
+            <a:schemeClr val="accent1"/>
+          </a:lnRef>
+          <a:fillRef idx="0">
+            <a:schemeClr val="accent1"/>
+          </a:fillRef>
+          <a:effectRef idx="0">
+            <a:schemeClr val="accent1"/>
+          </a:effectRef>
+          <a:fontRef idx="minor">
+            <a:schemeClr val="tx1"/>
+          </a:fontRef>
+        </p:style>
+      </p:cxnSp>
+      <p:cxnSp>
+        <p:nvCxnSpPr>
+          <p:cNvPr id="26" name="Straight Connector 25"/>
+          <p:cNvCxnSpPr/>
+          <p:nvPr/>
+        </p:nvCxnSpPr>
+        <p:spPr>
+          <a:xfrm flipV="1">
+            <a:off x="4917771" y="3486150"/>
+            <a:ext cx="623658" cy="337086"/>
+          </a:xfrm>
+          <a:prstGeom prst="line">
+            <a:avLst/>
+          </a:prstGeom>
+          <a:ln w="63500">
+            <a:prstDash val="sysDash"/>
+          </a:ln>
+        </p:spPr>
+        <p:style>
+          <a:lnRef idx="1">
+            <a:schemeClr val="accent1"/>
+          </a:lnRef>
+          <a:fillRef idx="0">
+            <a:schemeClr val="accent1"/>
+          </a:fillRef>
+          <a:effectRef idx="0">
+            <a:schemeClr val="accent1"/>
+          </a:effectRef>
+          <a:fontRef idx="minor">
+            <a:schemeClr val="tx1"/>
+          </a:fontRef>
+        </p:style>
+      </p:cxnSp>
+      <p:cxnSp>
+        <p:nvCxnSpPr>
+          <p:cNvPr id="31" name="Straight Connector 30"/>
+          <p:cNvCxnSpPr/>
+          <p:nvPr/>
+        </p:nvCxnSpPr>
+        <p:spPr>
+          <a:xfrm>
+            <a:off x="4944613" y="4535644"/>
+            <a:ext cx="821187" cy="11492"/>
+          </a:xfrm>
+          <a:prstGeom prst="line">
+            <a:avLst/>
+          </a:prstGeom>
+          <a:ln w="63500">
+            <a:prstDash val="sysDash"/>
+          </a:ln>
+        </p:spPr>
+        <p:style>
+          <a:lnRef idx="1">
+            <a:schemeClr val="accent1"/>
+          </a:lnRef>
+          <a:fillRef idx="0">
+            <a:schemeClr val="accent1"/>
+          </a:fillRef>
+          <a:effectRef idx="0">
+            <a:schemeClr val="accent1"/>
+          </a:effectRef>
+          <a:fontRef idx="minor">
+            <a:schemeClr val="tx1"/>
+          </a:fontRef>
+        </p:style>
+      </p:cxnSp>
+      <p:cxnSp>
+        <p:nvCxnSpPr>
+          <p:cNvPr id="33" name="Straight Connector 32"/>
+          <p:cNvCxnSpPr/>
+          <p:nvPr/>
+        </p:nvCxnSpPr>
+        <p:spPr>
+          <a:xfrm flipH="1" flipV="1">
+            <a:off x="4936592" y="5258962"/>
+            <a:ext cx="629183" cy="344913"/>
+          </a:xfrm>
+          <a:prstGeom prst="line">
+            <a:avLst/>
+          </a:prstGeom>
+          <a:ln w="63500">
+            <a:prstDash val="sysDash"/>
+          </a:ln>
+        </p:spPr>
+        <p:style>
+          <a:lnRef idx="1">
+            <a:schemeClr val="accent1"/>
+          </a:lnRef>
+          <a:fillRef idx="0">
+            <a:schemeClr val="accent1"/>
+          </a:fillRef>
+          <a:effectRef idx="0">
+            <a:schemeClr val="accent1"/>
+          </a:effectRef>
+          <a:fontRef idx="minor">
+            <a:schemeClr val="tx1"/>
+          </a:fontRef>
+        </p:style>
+      </p:cxnSp>
+    </p:spTree>
+    <p:extLst>
+      <p:ext uri="{BB962C8B-B14F-4D97-AF65-F5344CB8AC3E}">
+        <p14:creationId xmlns:p14="http://schemas.microsoft.com/office/powerpoint/2010/main" val="692277665"/>
+      </p:ext>
+    </p:extLst>
+  </p:cSld>
+  <p:clrMapOvr>
+    <a:masterClrMapping/>
+  </p:clrMapOvr>
+  <p:timing>
+    <p:tnLst>
+      <p:par>
+        <p:cTn id="1" dur="indefinite" restart="never" nodeType="tmRoot">
+          <p:childTnLst>
+            <p:seq concurrent="1" nextAc="seek">
+              <p:cTn id="2" dur="indefinite" nodeType="mainSeq">
+                <p:childTnLst>
+                  <p:par>
+                    <p:cTn id="3" fill="hold">
+                      <p:stCondLst>
+                        <p:cond delay="indefinite"/>
+                      </p:stCondLst>
+                      <p:childTnLst>
+                        <p:par>
+                          <p:cTn id="4" fill="hold">
+                            <p:stCondLst>
+                              <p:cond delay="0"/>
+                            </p:stCondLst>
+                            <p:childTnLst>
+                              <p:par>
+                                <p:cTn id="5" presetID="42" presetClass="entr" presetSubtype="0" fill="hold" nodeType="clickEffect">
+                                  <p:stCondLst>
+                                    <p:cond delay="0"/>
+                                  </p:stCondLst>
+                                  <p:childTnLst>
+                                    <p:set>
+                                      <p:cBhvr>
+                                        <p:cTn id="6" dur="1" fill="hold">
+                                          <p:stCondLst>
+                                            <p:cond delay="0"/>
+                                          </p:stCondLst>
+                                        </p:cTn>
+                                        <p:tgtEl>
+                                          <p:spTgt spid="5"/>
+                                        </p:tgtEl>
+                                        <p:attrNameLst>
+                                          <p:attrName>style.visibility</p:attrName>
+                                        </p:attrNameLst>
+                                      </p:cBhvr>
+                                      <p:to>
+                                        <p:strVal val="visible"/>
+                                      </p:to>
+                                    </p:set>
+                                    <p:animEffect transition="in" filter="fade">
+                                      <p:cBhvr>
+                                        <p:cTn id="7" dur="1000"/>
+                                        <p:tgtEl>
+                                          <p:spTgt spid="5"/>
+                                        </p:tgtEl>
+                                      </p:cBhvr>
+                                    </p:animEffect>
+                                    <p:anim calcmode="lin" valueType="num">
+                                      <p:cBhvr>
+                                        <p:cTn id="8" dur="1000" fill="hold"/>
+                                        <p:tgtEl>
+                                          <p:spTgt spid="5"/>
+                                        </p:tgtEl>
+                                        <p:attrNameLst>
+                                          <p:attrName>ppt_x</p:attrName>
+                                        </p:attrNameLst>
+                                      </p:cBhvr>
+                                      <p:tavLst>
+                                        <p:tav tm="0">
+                                          <p:val>
+                                            <p:strVal val="#ppt_x"/>
+                                          </p:val>
+                                        </p:tav>
+                                        <p:tav tm="100000">
+                                          <p:val>
+                                            <p:strVal val="#ppt_x"/>
+                                          </p:val>
+                                        </p:tav>
+                                      </p:tavLst>
+                                    </p:anim>
+                                    <p:anim calcmode="lin" valueType="num">
+                                      <p:cBhvr>
+                                        <p:cTn id="9" dur="1000" fill="hold"/>
+                                        <p:tgtEl>
+                                          <p:spTgt spid="5"/>
+                                        </p:tgtEl>
+                                        <p:attrNameLst>
+                                          <p:attrName>ppt_y</p:attrName>
+                                        </p:attrNameLst>
+                                      </p:cBhvr>
+                                      <p:tavLst>
+                                        <p:tav tm="0">
+                                          <p:val>
+                                            <p:strVal val="#ppt_y+.1"/>
+                                          </p:val>
+                                        </p:tav>
+                                        <p:tav tm="100000">
+                                          <p:val>
+                                            <p:strVal val="#ppt_y"/>
+                                          </p:val>
+                                        </p:tav>
+                                      </p:tavLst>
+                                    </p:anim>
+                                  </p:childTnLst>
+                                </p:cTn>
+                              </p:par>
+                            </p:childTnLst>
+                          </p:cTn>
+                        </p:par>
+                      </p:childTnLst>
+                    </p:cTn>
+                  </p:par>
+                  <p:par>
+                    <p:cTn id="10" fill="hold">
+                      <p:stCondLst>
+                        <p:cond delay="indefinite"/>
+                      </p:stCondLst>
+                      <p:childTnLst>
+                        <p:par>
+                          <p:cTn id="11" fill="hold">
+                            <p:stCondLst>
+                              <p:cond delay="0"/>
+                            </p:stCondLst>
+                            <p:childTnLst>
+                              <p:par>
+                                <p:cTn id="12" presetID="10" presetClass="entr" presetSubtype="0" fill="hold" grpId="0" nodeType="clickEffect">
+                                  <p:stCondLst>
+                                    <p:cond delay="0"/>
+                                  </p:stCondLst>
+                                  <p:childTnLst>
+                                    <p:set>
+                                      <p:cBhvr>
+                                        <p:cTn id="13" dur="1" fill="hold">
+                                          <p:stCondLst>
+                                            <p:cond delay="0"/>
+                                          </p:stCondLst>
+                                        </p:cTn>
+                                        <p:tgtEl>
+                                          <p:spTgt spid="6"/>
+                                        </p:tgtEl>
+                                        <p:attrNameLst>
+                                          <p:attrName>style.visibility</p:attrName>
+                                        </p:attrNameLst>
+                                      </p:cBhvr>
+                                      <p:to>
+                                        <p:strVal val="visible"/>
+                                      </p:to>
+                                    </p:set>
+                                    <p:animEffect transition="in" filter="fade">
+                                      <p:cBhvr>
+                                        <p:cTn id="14" dur="500"/>
+                                        <p:tgtEl>
+                                          <p:spTgt spid="6"/>
+                                        </p:tgtEl>
+                                      </p:cBhvr>
+                                    </p:animEffect>
+                                  </p:childTnLst>
+                                </p:cTn>
+                              </p:par>
+                              <p:par>
+                                <p:cTn id="15" presetID="10" presetClass="entr" presetSubtype="0" fill="hold" nodeType="withEffect">
+                                  <p:stCondLst>
+                                    <p:cond delay="0"/>
+                                  </p:stCondLst>
+                                  <p:childTnLst>
+                                    <p:set>
+                                      <p:cBhvr>
+                                        <p:cTn id="16" dur="1" fill="hold">
+                                          <p:stCondLst>
+                                            <p:cond delay="0"/>
+                                          </p:stCondLst>
+                                        </p:cTn>
+                                        <p:tgtEl>
+                                          <p:spTgt spid="16"/>
+                                        </p:tgtEl>
+                                        <p:attrNameLst>
+                                          <p:attrName>style.visibility</p:attrName>
+                                        </p:attrNameLst>
+                                      </p:cBhvr>
+                                      <p:to>
+                                        <p:strVal val="visible"/>
+                                      </p:to>
+                                    </p:set>
+                                    <p:animEffect transition="in" filter="fade">
+                                      <p:cBhvr>
+                                        <p:cTn id="17" dur="500"/>
+                                        <p:tgtEl>
+                                          <p:spTgt spid="16"/>
+                                        </p:tgtEl>
+                                      </p:cBhvr>
+                                    </p:animEffect>
+                                  </p:childTnLst>
+                                </p:cTn>
+                              </p:par>
+                            </p:childTnLst>
+                          </p:cTn>
+                        </p:par>
+                      </p:childTnLst>
+                    </p:cTn>
+                  </p:par>
+                  <p:par>
+                    <p:cTn id="18" fill="hold">
+                      <p:stCondLst>
+                        <p:cond delay="indefinite"/>
+                      </p:stCondLst>
+                      <p:childTnLst>
+                        <p:par>
+                          <p:cTn id="19" fill="hold">
+                            <p:stCondLst>
+                              <p:cond delay="0"/>
+                            </p:stCondLst>
+                            <p:childTnLst>
+                              <p:par>
+                                <p:cTn id="20" presetID="10" presetClass="entr" presetSubtype="0" fill="hold" grpId="0" nodeType="clickEffect">
+                                  <p:stCondLst>
+                                    <p:cond delay="0"/>
+                                  </p:stCondLst>
+                                  <p:childTnLst>
+                                    <p:set>
+                                      <p:cBhvr>
+                                        <p:cTn id="21" dur="1" fill="hold">
+                                          <p:stCondLst>
+                                            <p:cond delay="0"/>
+                                          </p:stCondLst>
+                                        </p:cTn>
+                                        <p:tgtEl>
+                                          <p:spTgt spid="8"/>
+                                        </p:tgtEl>
+                                        <p:attrNameLst>
+                                          <p:attrName>style.visibility</p:attrName>
+                                        </p:attrNameLst>
+                                      </p:cBhvr>
+                                      <p:to>
+                                        <p:strVal val="visible"/>
+                                      </p:to>
+                                    </p:set>
+                                    <p:animEffect transition="in" filter="fade">
+                                      <p:cBhvr>
+                                        <p:cTn id="22" dur="500"/>
+                                        <p:tgtEl>
+                                          <p:spTgt spid="8"/>
+                                        </p:tgtEl>
+                                      </p:cBhvr>
+                                    </p:animEffect>
+                                  </p:childTnLst>
+                                </p:cTn>
+                              </p:par>
+                              <p:par>
+                                <p:cTn id="23" presetID="10" presetClass="entr" presetSubtype="0" fill="hold" nodeType="withEffect">
+                                  <p:stCondLst>
+                                    <p:cond delay="0"/>
+                                  </p:stCondLst>
+                                  <p:childTnLst>
+                                    <p:set>
+                                      <p:cBhvr>
+                                        <p:cTn id="24" dur="1" fill="hold">
+                                          <p:stCondLst>
+                                            <p:cond delay="0"/>
+                                          </p:stCondLst>
+                                        </p:cTn>
+                                        <p:tgtEl>
+                                          <p:spTgt spid="19"/>
+                                        </p:tgtEl>
+                                        <p:attrNameLst>
+                                          <p:attrName>style.visibility</p:attrName>
+                                        </p:attrNameLst>
+                                      </p:cBhvr>
+                                      <p:to>
+                                        <p:strVal val="visible"/>
+                                      </p:to>
+                                    </p:set>
+                                    <p:animEffect transition="in" filter="fade">
+                                      <p:cBhvr>
+                                        <p:cTn id="25" dur="500"/>
+                                        <p:tgtEl>
+                                          <p:spTgt spid="19"/>
+                                        </p:tgtEl>
+                                      </p:cBhvr>
+                                    </p:animEffect>
+                                  </p:childTnLst>
+                                </p:cTn>
+                              </p:par>
+                            </p:childTnLst>
+                          </p:cTn>
+                        </p:par>
+                      </p:childTnLst>
+                    </p:cTn>
+                  </p:par>
+                  <p:par>
+                    <p:cTn id="26" fill="hold">
+                      <p:stCondLst>
+                        <p:cond delay="indefinite"/>
+                      </p:stCondLst>
+                      <p:childTnLst>
+                        <p:par>
+                          <p:cTn id="27" fill="hold">
+                            <p:stCondLst>
+                              <p:cond delay="0"/>
+                            </p:stCondLst>
+                            <p:childTnLst>
+                              <p:par>
+                                <p:cTn id="28" presetID="10" presetClass="entr" presetSubtype="0" fill="hold" grpId="0" nodeType="clickEffect">
+                                  <p:stCondLst>
+                                    <p:cond delay="0"/>
+                                  </p:stCondLst>
+                                  <p:childTnLst>
+                                    <p:set>
+                                      <p:cBhvr>
+                                        <p:cTn id="29" dur="1" fill="hold">
+                                          <p:stCondLst>
+                                            <p:cond delay="0"/>
+                                          </p:stCondLst>
+                                        </p:cTn>
+                                        <p:tgtEl>
+                                          <p:spTgt spid="9"/>
+                                        </p:tgtEl>
+                                        <p:attrNameLst>
+                                          <p:attrName>style.visibility</p:attrName>
+                                        </p:attrNameLst>
+                                      </p:cBhvr>
+                                      <p:to>
+                                        <p:strVal val="visible"/>
+                                      </p:to>
+                                    </p:set>
+                                    <p:animEffect transition="in" filter="fade">
+                                      <p:cBhvr>
+                                        <p:cTn id="30" dur="500"/>
+                                        <p:tgtEl>
+                                          <p:spTgt spid="9"/>
+                                        </p:tgtEl>
+                                      </p:cBhvr>
+                                    </p:animEffect>
+                                  </p:childTnLst>
+                                </p:cTn>
+                              </p:par>
+                              <p:par>
+                                <p:cTn id="31" presetID="10" presetClass="entr" presetSubtype="0" fill="hold" nodeType="withEffect">
+                                  <p:stCondLst>
+                                    <p:cond delay="0"/>
+                                  </p:stCondLst>
+                                  <p:childTnLst>
+                                    <p:set>
+                                      <p:cBhvr>
+                                        <p:cTn id="32" dur="1" fill="hold">
+                                          <p:stCondLst>
+                                            <p:cond delay="0"/>
+                                          </p:stCondLst>
+                                        </p:cTn>
+                                        <p:tgtEl>
+                                          <p:spTgt spid="24"/>
+                                        </p:tgtEl>
+                                        <p:attrNameLst>
+                                          <p:attrName>style.visibility</p:attrName>
+                                        </p:attrNameLst>
+                                      </p:cBhvr>
+                                      <p:to>
+                                        <p:strVal val="visible"/>
+                                      </p:to>
+                                    </p:set>
+                                    <p:animEffect transition="in" filter="fade">
+                                      <p:cBhvr>
+                                        <p:cTn id="33" dur="500"/>
+                                        <p:tgtEl>
+                                          <p:spTgt spid="24"/>
+                                        </p:tgtEl>
+                                      </p:cBhvr>
+                                    </p:animEffect>
+                                  </p:childTnLst>
+                                </p:cTn>
+                              </p:par>
+                            </p:childTnLst>
+                          </p:cTn>
+                        </p:par>
+                      </p:childTnLst>
+                    </p:cTn>
+                  </p:par>
+                  <p:par>
+                    <p:cTn id="34" fill="hold">
+                      <p:stCondLst>
+                        <p:cond delay="indefinite"/>
+                      </p:stCondLst>
+                      <p:childTnLst>
+                        <p:par>
+                          <p:cTn id="35" fill="hold">
+                            <p:stCondLst>
+                              <p:cond delay="0"/>
+                            </p:stCondLst>
+                            <p:childTnLst>
+                              <p:par>
+                                <p:cTn id="36" presetID="10" presetClass="entr" presetSubtype="0" fill="hold" grpId="0" nodeType="clickEffect">
+                                  <p:stCondLst>
+                                    <p:cond delay="0"/>
+                                  </p:stCondLst>
+                                  <p:childTnLst>
+                                    <p:set>
+                                      <p:cBhvr>
+                                        <p:cTn id="37" dur="1" fill="hold">
+                                          <p:stCondLst>
+                                            <p:cond delay="0"/>
+                                          </p:stCondLst>
+                                        </p:cTn>
+                                        <p:tgtEl>
+                                          <p:spTgt spid="12"/>
+                                        </p:tgtEl>
+                                        <p:attrNameLst>
+                                          <p:attrName>style.visibility</p:attrName>
+                                        </p:attrNameLst>
+                                      </p:cBhvr>
+                                      <p:to>
+                                        <p:strVal val="visible"/>
+                                      </p:to>
+                                    </p:set>
+                                    <p:animEffect transition="in" filter="fade">
+                                      <p:cBhvr>
+                                        <p:cTn id="38" dur="500"/>
+                                        <p:tgtEl>
+                                          <p:spTgt spid="12"/>
+                                        </p:tgtEl>
+                                      </p:cBhvr>
+                                    </p:animEffect>
+                                  </p:childTnLst>
+                                </p:cTn>
+                              </p:par>
+                              <p:par>
+                                <p:cTn id="39" presetID="10" presetClass="entr" presetSubtype="0" fill="hold" nodeType="withEffect">
+                                  <p:stCondLst>
+                                    <p:cond delay="0"/>
+                                  </p:stCondLst>
+                                  <p:childTnLst>
+                                    <p:set>
+                                      <p:cBhvr>
+                                        <p:cTn id="40" dur="1" fill="hold">
+                                          <p:stCondLst>
+                                            <p:cond delay="0"/>
+                                          </p:stCondLst>
+                                        </p:cTn>
+                                        <p:tgtEl>
+                                          <p:spTgt spid="33"/>
+                                        </p:tgtEl>
+                                        <p:attrNameLst>
+                                          <p:attrName>style.visibility</p:attrName>
+                                        </p:attrNameLst>
+                                      </p:cBhvr>
+                                      <p:to>
+                                        <p:strVal val="visible"/>
+                                      </p:to>
+                                    </p:set>
+                                    <p:animEffect transition="in" filter="fade">
+                                      <p:cBhvr>
+                                        <p:cTn id="41" dur="500"/>
+                                        <p:tgtEl>
+                                          <p:spTgt spid="33"/>
+                                        </p:tgtEl>
+                                      </p:cBhvr>
+                                    </p:animEffect>
+                                  </p:childTnLst>
+                                </p:cTn>
+                              </p:par>
+                            </p:childTnLst>
+                          </p:cTn>
+                        </p:par>
+                      </p:childTnLst>
+                    </p:cTn>
+                  </p:par>
+                  <p:par>
+                    <p:cTn id="42" fill="hold">
+                      <p:stCondLst>
+                        <p:cond delay="indefinite"/>
+                      </p:stCondLst>
+                      <p:childTnLst>
+                        <p:par>
+                          <p:cTn id="43" fill="hold">
+                            <p:stCondLst>
+                              <p:cond delay="0"/>
+                            </p:stCondLst>
+                            <p:childTnLst>
+                              <p:par>
+                                <p:cTn id="44" presetID="10" presetClass="entr" presetSubtype="0" fill="hold" grpId="0" nodeType="clickEffect">
+                                  <p:stCondLst>
+                                    <p:cond delay="0"/>
+                                  </p:stCondLst>
+                                  <p:childTnLst>
+                                    <p:set>
+                                      <p:cBhvr>
+                                        <p:cTn id="45" dur="1" fill="hold">
+                                          <p:stCondLst>
+                                            <p:cond delay="0"/>
+                                          </p:stCondLst>
+                                        </p:cTn>
+                                        <p:tgtEl>
+                                          <p:spTgt spid="11"/>
+                                        </p:tgtEl>
+                                        <p:attrNameLst>
+                                          <p:attrName>style.visibility</p:attrName>
+                                        </p:attrNameLst>
+                                      </p:cBhvr>
+                                      <p:to>
+                                        <p:strVal val="visible"/>
+                                      </p:to>
+                                    </p:set>
+                                    <p:animEffect transition="in" filter="fade">
+                                      <p:cBhvr>
+                                        <p:cTn id="46" dur="500"/>
+                                        <p:tgtEl>
+                                          <p:spTgt spid="11"/>
+                                        </p:tgtEl>
+                                      </p:cBhvr>
+                                    </p:animEffect>
+                                  </p:childTnLst>
+                                </p:cTn>
+                              </p:par>
+                              <p:par>
+                                <p:cTn id="47" presetID="10" presetClass="entr" presetSubtype="0" fill="hold" nodeType="withEffect">
+                                  <p:stCondLst>
+                                    <p:cond delay="0"/>
+                                  </p:stCondLst>
+                                  <p:childTnLst>
+                                    <p:set>
+                                      <p:cBhvr>
+                                        <p:cTn id="48" dur="1" fill="hold">
+                                          <p:stCondLst>
+                                            <p:cond delay="0"/>
+                                          </p:stCondLst>
+                                        </p:cTn>
+                                        <p:tgtEl>
+                                          <p:spTgt spid="31"/>
+                                        </p:tgtEl>
+                                        <p:attrNameLst>
+                                          <p:attrName>style.visibility</p:attrName>
+                                        </p:attrNameLst>
+                                      </p:cBhvr>
+                                      <p:to>
+                                        <p:strVal val="visible"/>
+                                      </p:to>
+                                    </p:set>
+                                    <p:animEffect transition="in" filter="fade">
+                                      <p:cBhvr>
+                                        <p:cTn id="49" dur="500"/>
+                                        <p:tgtEl>
+                                          <p:spTgt spid="31"/>
+                                        </p:tgtEl>
+                                      </p:cBhvr>
+                                    </p:animEffect>
+                                  </p:childTnLst>
+                                </p:cTn>
+                              </p:par>
+                            </p:childTnLst>
+                          </p:cTn>
+                        </p:par>
+                      </p:childTnLst>
+                    </p:cTn>
+                  </p:par>
+                  <p:par>
+                    <p:cTn id="50" fill="hold">
+                      <p:stCondLst>
+                        <p:cond delay="indefinite"/>
+                      </p:stCondLst>
+                      <p:childTnLst>
+                        <p:par>
+                          <p:cTn id="51" fill="hold">
+                            <p:stCondLst>
+                              <p:cond delay="0"/>
+                            </p:stCondLst>
+                            <p:childTnLst>
+                              <p:par>
+                                <p:cTn id="52" presetID="10" presetClass="entr" presetSubtype="0" fill="hold" grpId="0" nodeType="clickEffect">
+                                  <p:stCondLst>
+                                    <p:cond delay="0"/>
+                                  </p:stCondLst>
+                                  <p:childTnLst>
+                                    <p:set>
+                                      <p:cBhvr>
+                                        <p:cTn id="53" dur="1" fill="hold">
+                                          <p:stCondLst>
+                                            <p:cond delay="0"/>
+                                          </p:stCondLst>
+                                        </p:cTn>
+                                        <p:tgtEl>
+                                          <p:spTgt spid="10"/>
+                                        </p:tgtEl>
+                                        <p:attrNameLst>
+                                          <p:attrName>style.visibility</p:attrName>
+                                        </p:attrNameLst>
+                                      </p:cBhvr>
+                                      <p:to>
+                                        <p:strVal val="visible"/>
+                                      </p:to>
+                                    </p:set>
+                                    <p:animEffect transition="in" filter="fade">
+                                      <p:cBhvr>
+                                        <p:cTn id="54" dur="500"/>
+                                        <p:tgtEl>
+                                          <p:spTgt spid="10"/>
+                                        </p:tgtEl>
+                                      </p:cBhvr>
+                                    </p:animEffect>
+                                  </p:childTnLst>
+                                </p:cTn>
+                              </p:par>
+                              <p:par>
+                                <p:cTn id="55" presetID="10" presetClass="entr" presetSubtype="0" fill="hold" nodeType="withEffect">
+                                  <p:stCondLst>
+                                    <p:cond delay="0"/>
+                                  </p:stCondLst>
+                                  <p:childTnLst>
+                                    <p:set>
+                                      <p:cBhvr>
+                                        <p:cTn id="56" dur="1" fill="hold">
+                                          <p:stCondLst>
+                                            <p:cond delay="0"/>
+                                          </p:stCondLst>
+                                        </p:cTn>
+                                        <p:tgtEl>
+                                          <p:spTgt spid="26"/>
+                                        </p:tgtEl>
+                                        <p:attrNameLst>
+                                          <p:attrName>style.visibility</p:attrName>
+                                        </p:attrNameLst>
+                                      </p:cBhvr>
+                                      <p:to>
+                                        <p:strVal val="visible"/>
+                                      </p:to>
+                                    </p:set>
+                                    <p:animEffect transition="in" filter="fade">
+                                      <p:cBhvr>
+                                        <p:cTn id="57" dur="500"/>
+                                        <p:tgtEl>
+                                          <p:spTgt spid="26"/>
+                                        </p:tgtEl>
+                                      </p:cBhvr>
+                                    </p:animEffect>
+                                  </p:childTnLst>
+                                </p:cTn>
+                              </p:par>
+                            </p:childTnLst>
+                          </p:cTn>
+                        </p:par>
+                      </p:childTnLst>
+                    </p:cTn>
+                  </p:par>
+                </p:childTnLst>
+              </p:cTn>
+              <p:prevCondLst>
+                <p:cond evt="onPrev" delay="0">
+                  <p:tgtEl>
+                    <p:sldTgt/>
+                  </p:tgtEl>
+                </p:cond>
+              </p:prevCondLst>
+              <p:nextCondLst>
+                <p:cond evt="onNext" delay="0">
+                  <p:tgtEl>
+                    <p:sldTgt/>
+                  </p:tgtEl>
+                </p:cond>
+              </p:nextCondLst>
+            </p:seq>
+          </p:childTnLst>
+        </p:cTn>
+      </p:par>
+    </p:tnLst>
+    <p:bldLst>
+      <p:bldP spid="6" grpId="0" animBg="1"/>
+      <p:bldP spid="8" grpId="0" animBg="1"/>
+      <p:bldP spid="9" grpId="0" animBg="1"/>
+      <p:bldP spid="10" grpId="0" animBg="1"/>
+      <p:bldP spid="11" grpId="0" animBg="1"/>
+      <p:bldP spid="12" grpId="0" animBg="1"/>
+    </p:bldLst>
+  </p:timing>
+</p:sld>
+</file>
+
+<file path=ppt/slides/slide8.xml><?xml version="1.0" encoding="utf-8"?>
+<p:sld xmlns:a="http://schemas.openxmlformats.org/drawingml/2006/main" xmlns:r="http://schemas.openxmlformats.org/officeDocument/2006/relationships" xmlns:p="http://schemas.openxmlformats.org/presentationml/2006/main">
+  <p:cSld>
+    <p:spTree>
+      <p:nvGrpSpPr>
+        <p:cNvPr id="1" name=""/>
+        <p:cNvGrpSpPr/>
+        <p:nvPr/>
+      </p:nvGrpSpPr>
+      <p:grpSpPr>
+        <a:xfrm>
+          <a:off x="0" y="0"/>
+          <a:ext cx="0" cy="0"/>
+          <a:chOff x="0" y="0"/>
+          <a:chExt cx="0" cy="0"/>
+        </a:xfrm>
+      </p:grpSpPr>
+      <p:sp>
+        <p:nvSpPr>
+          <p:cNvPr id="2" name="Title 1"/>
+          <p:cNvSpPr>
+            <a:spLocks noGrp="1"/>
+          </p:cNvSpPr>
+          <p:nvPr>
+            <p:ph type="title"/>
+          </p:nvPr>
+        </p:nvSpPr>
+        <p:spPr/>
+        <p:txBody>
+          <a:bodyPr/>
+          <a:lstStyle/>
+          <a:p>
+            <a:r>
+              <a:rPr lang="en-US" b="1" smtClean="0">
+                <a:latin typeface="Arial" panose="020B0604020202020204" pitchFamily="34" charset="0"/>
+                <a:cs typeface="Arial" panose="020B0604020202020204" pitchFamily="34" charset="0"/>
+              </a:rPr>
+              <a:t>3. TỔNG QUAN VỀ ỨNG DỤNG</a:t>
+            </a:r>
+            <a:endParaRPr lang="vi-VN" b="1">
+              <a:latin typeface="Arial" panose="020B0604020202020204" pitchFamily="34" charset="0"/>
+              <a:cs typeface="Arial" panose="020B0604020202020204" pitchFamily="34" charset="0"/>
+            </a:endParaRPr>
+          </a:p>
+        </p:txBody>
+      </p:sp>
+      <p:sp>
+        <p:nvSpPr>
           <p:cNvPr id="3" name="Content Placeholder 2"/>
           <p:cNvSpPr>
             <a:spLocks noGrp="1"/>
@@ -8464,7 +12485,7 @@
           <a:p>
             <a:fld id="{73B5BF7B-DAD1-4DA5-A555-55991F7C0E6A}" type="slidenum">
               <a:rPr lang="vi-VN" smtClean="0"/>
-              <a:t>7</a:t>
+              <a:t>8</a:t>
             </a:fld>
             <a:endParaRPr lang="vi-VN"/>
           </a:p>
@@ -8493,7 +12514,7 @@
         <p:spPr>
           <a:xfrm>
             <a:off x="4881093" y="2451945"/>
-            <a:ext cx="2060620" cy="3663325"/>
+            <a:ext cx="2102794" cy="3738301"/>
           </a:xfrm>
           <a:prstGeom prst="rect">
             <a:avLst/>
@@ -8514,7 +12535,7 @@
         <p:spPr>
           <a:xfrm>
             <a:off x="1041502" y="6167896"/>
-            <a:ext cx="2608407" cy="584775"/>
+            <a:ext cx="2608407" cy="646331"/>
           </a:xfrm>
           <a:prstGeom prst="rect">
             <a:avLst/>
@@ -8623,13 +12644,13 @@
           <a:p>
             <a:pPr algn="ctr"/>
             <a:r>
-              <a:rPr lang="en-US" sz="1600" smtClean="0">
+              <a:rPr lang="en-US" smtClean="0">
                 <a:latin typeface="Arial" pitchFamily="34" charset="0"/>
                 <a:cs typeface="Arial" pitchFamily="34" charset="0"/>
               </a:rPr>
               <a:t>Hình 3.1: Giao diện màn hình chính</a:t>
             </a:r>
-            <a:endParaRPr lang="en-US" sz="1600">
+            <a:endParaRPr lang="en-US">
               <a:latin typeface="Arial" pitchFamily="34" charset="0"/>
               <a:cs typeface="Arial" pitchFamily="34" charset="0"/>
             </a:endParaRPr>
@@ -8645,7 +12666,7 @@
         <p:spPr>
           <a:xfrm>
             <a:off x="4549978" y="6167896"/>
-            <a:ext cx="2790293" cy="584775"/>
+            <a:ext cx="2790293" cy="646331"/>
           </a:xfrm>
           <a:prstGeom prst="rect">
             <a:avLst/>
@@ -8754,13 +12775,27 @@
           <a:p>
             <a:pPr algn="ctr"/>
             <a:r>
-              <a:rPr lang="en-US" sz="1600" smtClean="0">
+              <a:rPr lang="en-US" smtClean="0">
                 <a:latin typeface="Arial" pitchFamily="34" charset="0"/>
                 <a:cs typeface="Arial" pitchFamily="34" charset="0"/>
               </a:rPr>
-              <a:t>Hình 3.2: Giao diện màn hình nội dung chi tiết tin tức</a:t>
-            </a:r>
-            <a:endParaRPr lang="en-US" sz="1600">
+              <a:t>Hình 3.2: Giao diện màn hình </a:t>
+            </a:r>
+            <a:r>
+              <a:rPr lang="en-US" smtClean="0">
+                <a:latin typeface="Arial" pitchFamily="34" charset="0"/>
+                <a:cs typeface="Arial" pitchFamily="34" charset="0"/>
+              </a:rPr>
+              <a:t>chi </a:t>
+            </a:r>
+            <a:r>
+              <a:rPr lang="en-US" smtClean="0">
+                <a:latin typeface="Arial" pitchFamily="34" charset="0"/>
+                <a:cs typeface="Arial" pitchFamily="34" charset="0"/>
+              </a:rPr>
+              <a:t>tiết tin tức</a:t>
+            </a:r>
+            <a:endParaRPr lang="en-US">
               <a:latin typeface="Arial" pitchFamily="34" charset="0"/>
               <a:cs typeface="Arial" pitchFamily="34" charset="0"/>
             </a:endParaRPr>
@@ -8769,7 +12804,7 @@
       </p:sp>
       <p:pic>
         <p:nvPicPr>
-          <p:cNvPr id="6" name="Picture 5"/>
+          <p:cNvPr id="7" name="Picture 6"/>
           <p:cNvPicPr>
             <a:picLocks noChangeAspect="1"/>
           </p:cNvPicPr>
@@ -8789,7 +12824,7 @@
         </p:blipFill>
         <p:spPr>
           <a:xfrm>
-            <a:off x="1270736" y="2451945"/>
+            <a:off x="1300594" y="2474295"/>
             <a:ext cx="2090222" cy="3715951"/>
           </a:xfrm>
           <a:prstGeom prst="rect">
@@ -8815,14 +12850,217 @@
   <p:timing>
     <p:tnLst>
       <p:par>
-        <p:cTn id="1" dur="indefinite" restart="never" nodeType="tmRoot"/>
+        <p:cTn id="1" dur="indefinite" restart="never" nodeType="tmRoot">
+          <p:childTnLst>
+            <p:seq concurrent="1" nextAc="seek">
+              <p:cTn id="2" dur="indefinite" nodeType="mainSeq">
+                <p:childTnLst>
+                  <p:par>
+                    <p:cTn id="3" fill="hold">
+                      <p:stCondLst>
+                        <p:cond delay="indefinite"/>
+                      </p:stCondLst>
+                      <p:childTnLst>
+                        <p:par>
+                          <p:cTn id="4" fill="hold">
+                            <p:stCondLst>
+                              <p:cond delay="0"/>
+                            </p:stCondLst>
+                            <p:childTnLst>
+                              <p:par>
+                                <p:cTn id="5" presetID="6" presetClass="entr" presetSubtype="16" fill="hold" nodeType="clickEffect">
+                                  <p:stCondLst>
+                                    <p:cond delay="0"/>
+                                  </p:stCondLst>
+                                  <p:childTnLst>
+                                    <p:set>
+                                      <p:cBhvr>
+                                        <p:cTn id="6" dur="1" fill="hold">
+                                          <p:stCondLst>
+                                            <p:cond delay="0"/>
+                                          </p:stCondLst>
+                                        </p:cTn>
+                                        <p:tgtEl>
+                                          <p:spTgt spid="7"/>
+                                        </p:tgtEl>
+                                        <p:attrNameLst>
+                                          <p:attrName>style.visibility</p:attrName>
+                                        </p:attrNameLst>
+                                      </p:cBhvr>
+                                      <p:to>
+                                        <p:strVal val="visible"/>
+                                      </p:to>
+                                    </p:set>
+                                    <p:animEffect transition="in" filter="circle(in)">
+                                      <p:cBhvr>
+                                        <p:cTn id="7" dur="2000"/>
+                                        <p:tgtEl>
+                                          <p:spTgt spid="7"/>
+                                        </p:tgtEl>
+                                      </p:cBhvr>
+                                    </p:animEffect>
+                                  </p:childTnLst>
+                                </p:cTn>
+                              </p:par>
+                              <p:par>
+                                <p:cTn id="8" presetID="6" presetClass="entr" presetSubtype="16" fill="hold" grpId="0" nodeType="withEffect">
+                                  <p:stCondLst>
+                                    <p:cond delay="0"/>
+                                  </p:stCondLst>
+                                  <p:childTnLst>
+                                    <p:set>
+                                      <p:cBhvr>
+                                        <p:cTn id="9" dur="1" fill="hold">
+                                          <p:stCondLst>
+                                            <p:cond delay="0"/>
+                                          </p:stCondLst>
+                                        </p:cTn>
+                                        <p:tgtEl>
+                                          <p:spTgt spid="8"/>
+                                        </p:tgtEl>
+                                        <p:attrNameLst>
+                                          <p:attrName>style.visibility</p:attrName>
+                                        </p:attrNameLst>
+                                      </p:cBhvr>
+                                      <p:to>
+                                        <p:strVal val="visible"/>
+                                      </p:to>
+                                    </p:set>
+                                    <p:animEffect transition="in" filter="circle(in)">
+                                      <p:cBhvr>
+                                        <p:cTn id="10" dur="2000"/>
+                                        <p:tgtEl>
+                                          <p:spTgt spid="8"/>
+                                        </p:tgtEl>
+                                      </p:cBhvr>
+                                    </p:animEffect>
+                                  </p:childTnLst>
+                                </p:cTn>
+                              </p:par>
+                            </p:childTnLst>
+                          </p:cTn>
+                        </p:par>
+                      </p:childTnLst>
+                    </p:cTn>
+                  </p:par>
+                  <p:par>
+                    <p:cTn id="11" fill="hold">
+                      <p:stCondLst>
+                        <p:cond delay="indefinite"/>
+                      </p:stCondLst>
+                      <p:childTnLst>
+                        <p:par>
+                          <p:cTn id="12" fill="hold">
+                            <p:stCondLst>
+                              <p:cond delay="0"/>
+                            </p:stCondLst>
+                            <p:childTnLst>
+                              <p:par>
+                                <p:cTn id="13" presetID="6" presetClass="entr" presetSubtype="16" fill="hold" nodeType="clickEffect">
+                                  <p:stCondLst>
+                                    <p:cond delay="0"/>
+                                  </p:stCondLst>
+                                  <p:childTnLst>
+                                    <p:set>
+                                      <p:cBhvr>
+                                        <p:cTn id="14" dur="1" fill="hold">
+                                          <p:stCondLst>
+                                            <p:cond delay="0"/>
+                                          </p:stCondLst>
+                                        </p:cTn>
+                                        <p:tgtEl>
+                                          <p:spTgt spid="5"/>
+                                        </p:tgtEl>
+                                        <p:attrNameLst>
+                                          <p:attrName>style.visibility</p:attrName>
+                                        </p:attrNameLst>
+                                      </p:cBhvr>
+                                      <p:to>
+                                        <p:strVal val="visible"/>
+                                      </p:to>
+                                    </p:set>
+                                    <p:animEffect transition="in" filter="circle(in)">
+                                      <p:cBhvr>
+                                        <p:cTn id="15" dur="2000"/>
+                                        <p:tgtEl>
+                                          <p:spTgt spid="5"/>
+                                        </p:tgtEl>
+                                      </p:cBhvr>
+                                    </p:animEffect>
+                                  </p:childTnLst>
+                                </p:cTn>
+                              </p:par>
+                              <p:par>
+                                <p:cTn id="16" presetID="6" presetClass="entr" presetSubtype="16" fill="hold" grpId="0" nodeType="withEffect">
+                                  <p:stCondLst>
+                                    <p:cond delay="0"/>
+                                  </p:stCondLst>
+                                  <p:childTnLst>
+                                    <p:set>
+                                      <p:cBhvr>
+                                        <p:cTn id="17" dur="1" fill="hold">
+                                          <p:stCondLst>
+                                            <p:cond delay="0"/>
+                                          </p:stCondLst>
+                                        </p:cTn>
+                                        <p:tgtEl>
+                                          <p:spTgt spid="9"/>
+                                        </p:tgtEl>
+                                        <p:attrNameLst>
+                                          <p:attrName>style.visibility</p:attrName>
+                                        </p:attrNameLst>
+                                      </p:cBhvr>
+                                      <p:to>
+                                        <p:strVal val="visible"/>
+                                      </p:to>
+                                    </p:set>
+                                    <p:animEffect transition="in" filter="circle(in)">
+                                      <p:cBhvr>
+                                        <p:cTn id="18" dur="2000"/>
+                                        <p:tgtEl>
+                                          <p:spTgt spid="9"/>
+                                        </p:tgtEl>
+                                      </p:cBhvr>
+                                    </p:animEffect>
+                                  </p:childTnLst>
+                                </p:cTn>
+                              </p:par>
+                            </p:childTnLst>
+                          </p:cTn>
+                        </p:par>
+                      </p:childTnLst>
+                    </p:cTn>
+                  </p:par>
+                </p:childTnLst>
+              </p:cTn>
+              <p:prevCondLst>
+                <p:cond evt="onPrev" delay="0">
+                  <p:tgtEl>
+                    <p:sldTgt/>
+                  </p:tgtEl>
+                </p:cond>
+              </p:prevCondLst>
+              <p:nextCondLst>
+                <p:cond evt="onNext" delay="0">
+                  <p:tgtEl>
+                    <p:sldTgt/>
+                  </p:tgtEl>
+                </p:cond>
+              </p:nextCondLst>
+            </p:seq>
+          </p:childTnLst>
+        </p:cTn>
       </p:par>
     </p:tnLst>
+    <p:bldLst>
+      <p:bldP spid="8" grpId="0"/>
+      <p:bldP spid="9" grpId="0"/>
+    </p:bldLst>
   </p:timing>
 </p:sld>
 </file>
 
-<file path=ppt/slides/slide8.xml><?xml version="1.0" encoding="utf-8"?>
+<file path=ppt/slides/slide9.xml><?xml version="1.0" encoding="utf-8"?>
 <p:sld xmlns:a="http://schemas.openxmlformats.org/drawingml/2006/main" xmlns:r="http://schemas.openxmlformats.org/officeDocument/2006/relationships" xmlns:p="http://schemas.openxmlformats.org/presentationml/2006/main">
   <p:cSld>
     <p:spTree>
@@ -8885,7 +13123,7 @@
           <a:p>
             <a:fld id="{73B5BF7B-DAD1-4DA5-A555-55991F7C0E6A}" type="slidenum">
               <a:rPr lang="vi-VN" smtClean="0"/>
-              <a:t>8</a:t>
+              <a:t>9</a:t>
             </a:fld>
             <a:endParaRPr lang="vi-VN"/>
           </a:p>
@@ -8896,7 +13134,7 @@
           <p:cNvPr id="6" name="Freeform 10">
             <a:extLst>
               <a:ext uri="{FF2B5EF4-FFF2-40B4-BE49-F238E27FC236}">
-                <a16:creationId xmlns:a16="http://schemas.microsoft.com/office/drawing/2014/main" xmlns="" id="{C3D57E8A-11CC-494C-9E27-C346C915AACD}"/>
+                <a16:creationId xmlns="" xmlns:a16="http://schemas.microsoft.com/office/drawing/2014/main" id="{C3D57E8A-11CC-494C-9E27-C346C915AACD}"/>
               </a:ext>
             </a:extLst>
           </p:cNvPr>
@@ -8905,7 +13143,7 @@
         </p:nvSpPr>
         <p:spPr>
           <a:xfrm>
-            <a:off x="781134" y="1760486"/>
+            <a:off x="781134" y="1940792"/>
             <a:ext cx="3275712" cy="1072284"/>
           </a:xfrm>
           <a:custGeom>
@@ -9027,7 +13265,7 @@
           <p:cNvPr id="7" name="TextBox 6">
             <a:extLst>
               <a:ext uri="{FF2B5EF4-FFF2-40B4-BE49-F238E27FC236}">
-                <a16:creationId xmlns:a16="http://schemas.microsoft.com/office/drawing/2014/main" xmlns="" id="{AEECD0D0-D336-48BB-96DB-54815E5AC149}"/>
+                <a16:creationId xmlns="" xmlns:a16="http://schemas.microsoft.com/office/drawing/2014/main" id="{AEECD0D0-D336-48BB-96DB-54815E5AC149}"/>
               </a:ext>
             </a:extLst>
           </p:cNvPr>
@@ -9036,7 +13274,7 @@
         </p:nvSpPr>
         <p:spPr>
           <a:xfrm>
-            <a:off x="1407167" y="2061556"/>
+            <a:off x="1407167" y="2241862"/>
             <a:ext cx="2271776" cy="400110"/>
           </a:xfrm>
           <a:prstGeom prst="rect">
@@ -9100,7 +13338,7 @@
           <p:cNvPr id="8" name="Freeform 12">
             <a:extLst>
               <a:ext uri="{FF2B5EF4-FFF2-40B4-BE49-F238E27FC236}">
-                <a16:creationId xmlns:a16="http://schemas.microsoft.com/office/drawing/2014/main" xmlns="" id="{85AF39FF-D4A9-4A5C-9873-D4D741E67241}"/>
+                <a16:creationId xmlns="" xmlns:a16="http://schemas.microsoft.com/office/drawing/2014/main" id="{85AF39FF-D4A9-4A5C-9873-D4D741E67241}"/>
               </a:ext>
             </a:extLst>
           </p:cNvPr>
@@ -9109,7 +13347,7 @@
         </p:nvSpPr>
         <p:spPr>
           <a:xfrm>
-            <a:off x="806891" y="3374814"/>
+            <a:off x="806891" y="3439209"/>
             <a:ext cx="3249954" cy="1023680"/>
           </a:xfrm>
           <a:custGeom>
@@ -9231,7 +13469,7 @@
           <p:cNvPr id="9" name="TextBox 8">
             <a:extLst>
               <a:ext uri="{FF2B5EF4-FFF2-40B4-BE49-F238E27FC236}">
-                <a16:creationId xmlns:a16="http://schemas.microsoft.com/office/drawing/2014/main" xmlns="" id="{BD73688B-C56C-4E2B-BB01-D50218241912}"/>
+                <a16:creationId xmlns="" xmlns:a16="http://schemas.microsoft.com/office/drawing/2014/main" id="{BD73688B-C56C-4E2B-BB01-D50218241912}"/>
               </a:ext>
             </a:extLst>
           </p:cNvPr>
@@ -9240,7 +13478,7 @@
         </p:nvSpPr>
         <p:spPr>
           <a:xfrm>
-            <a:off x="1437345" y="3677622"/>
+            <a:off x="1437345" y="3742017"/>
             <a:ext cx="2396145" cy="400110"/>
           </a:xfrm>
           <a:prstGeom prst="rect">
@@ -9282,7 +13520,7 @@
           <p:cNvPr id="10" name="Freeform 18">
             <a:extLst>
               <a:ext uri="{FF2B5EF4-FFF2-40B4-BE49-F238E27FC236}">
-                <a16:creationId xmlns:a16="http://schemas.microsoft.com/office/drawing/2014/main" xmlns="" id="{8D79CFD2-B3E4-4988-9C57-CDF979216AC8}"/>
+                <a16:creationId xmlns="" xmlns:a16="http://schemas.microsoft.com/office/drawing/2014/main" id="{8D79CFD2-B3E4-4988-9C57-CDF979216AC8}"/>
               </a:ext>
             </a:extLst>
           </p:cNvPr>
@@ -9415,7 +13653,7 @@
           <p:cNvPr id="11" name="TextBox 10">
             <a:extLst>
               <a:ext uri="{FF2B5EF4-FFF2-40B4-BE49-F238E27FC236}">
-                <a16:creationId xmlns:a16="http://schemas.microsoft.com/office/drawing/2014/main" xmlns="" id="{25FA46BD-2039-4948-A0DD-D785B75C915A}"/>
+                <a16:creationId xmlns="" xmlns:a16="http://schemas.microsoft.com/office/drawing/2014/main" id="{25FA46BD-2039-4948-A0DD-D785B75C915A}"/>
               </a:ext>
             </a:extLst>
           </p:cNvPr>
@@ -9493,7 +13731,7 @@
         </p:nvSpPr>
         <p:spPr>
           <a:xfrm>
-            <a:off x="4472907" y="1635618"/>
+            <a:off x="4472907" y="1815924"/>
             <a:ext cx="4640004" cy="1326523"/>
           </a:xfrm>
           <a:prstGeom prst="rect">
@@ -9639,7 +13877,7 @@
         </p:nvSpPr>
         <p:spPr>
           <a:xfrm>
-            <a:off x="4472907" y="3284114"/>
+            <a:off x="4472907" y="3348509"/>
             <a:ext cx="4640004" cy="1313644"/>
           </a:xfrm>
           <a:prstGeom prst="rect">
@@ -10017,101 +14255,826 @@
   <p:timing>
     <p:tnLst>
       <p:par>
-        <p:cTn id="1" dur="indefinite" restart="never" nodeType="tmRoot"/>
+        <p:cTn id="1" dur="indefinite" restart="never" nodeType="tmRoot">
+          <p:childTnLst>
+            <p:seq concurrent="1" nextAc="seek">
+              <p:cTn id="2" dur="indefinite" nodeType="mainSeq">
+                <p:childTnLst>
+                  <p:par>
+                    <p:cTn id="3" fill="hold">
+                      <p:stCondLst>
+                        <p:cond delay="indefinite"/>
+                      </p:stCondLst>
+                      <p:childTnLst>
+                        <p:par>
+                          <p:cTn id="4" fill="hold">
+                            <p:stCondLst>
+                              <p:cond delay="0"/>
+                            </p:stCondLst>
+                            <p:childTnLst>
+                              <p:par>
+                                <p:cTn id="5" presetID="42" presetClass="entr" presetSubtype="0" fill="hold" grpId="0" nodeType="clickEffect">
+                                  <p:stCondLst>
+                                    <p:cond delay="0"/>
+                                  </p:stCondLst>
+                                  <p:childTnLst>
+                                    <p:set>
+                                      <p:cBhvr>
+                                        <p:cTn id="6" dur="1" fill="hold">
+                                          <p:stCondLst>
+                                            <p:cond delay="0"/>
+                                          </p:stCondLst>
+                                        </p:cTn>
+                                        <p:tgtEl>
+                                          <p:spTgt spid="6"/>
+                                        </p:tgtEl>
+                                        <p:attrNameLst>
+                                          <p:attrName>style.visibility</p:attrName>
+                                        </p:attrNameLst>
+                                      </p:cBhvr>
+                                      <p:to>
+                                        <p:strVal val="visible"/>
+                                      </p:to>
+                                    </p:set>
+                                    <p:animEffect transition="in" filter="fade">
+                                      <p:cBhvr>
+                                        <p:cTn id="7" dur="1000"/>
+                                        <p:tgtEl>
+                                          <p:spTgt spid="6"/>
+                                        </p:tgtEl>
+                                      </p:cBhvr>
+                                    </p:animEffect>
+                                    <p:anim calcmode="lin" valueType="num">
+                                      <p:cBhvr>
+                                        <p:cTn id="8" dur="1000" fill="hold"/>
+                                        <p:tgtEl>
+                                          <p:spTgt spid="6"/>
+                                        </p:tgtEl>
+                                        <p:attrNameLst>
+                                          <p:attrName>ppt_x</p:attrName>
+                                        </p:attrNameLst>
+                                      </p:cBhvr>
+                                      <p:tavLst>
+                                        <p:tav tm="0">
+                                          <p:val>
+                                            <p:strVal val="#ppt_x"/>
+                                          </p:val>
+                                        </p:tav>
+                                        <p:tav tm="100000">
+                                          <p:val>
+                                            <p:strVal val="#ppt_x"/>
+                                          </p:val>
+                                        </p:tav>
+                                      </p:tavLst>
+                                    </p:anim>
+                                    <p:anim calcmode="lin" valueType="num">
+                                      <p:cBhvr>
+                                        <p:cTn id="9" dur="1000" fill="hold"/>
+                                        <p:tgtEl>
+                                          <p:spTgt spid="6"/>
+                                        </p:tgtEl>
+                                        <p:attrNameLst>
+                                          <p:attrName>ppt_y</p:attrName>
+                                        </p:attrNameLst>
+                                      </p:cBhvr>
+                                      <p:tavLst>
+                                        <p:tav tm="0">
+                                          <p:val>
+                                            <p:strVal val="#ppt_y+.1"/>
+                                          </p:val>
+                                        </p:tav>
+                                        <p:tav tm="100000">
+                                          <p:val>
+                                            <p:strVal val="#ppt_y"/>
+                                          </p:val>
+                                        </p:tav>
+                                      </p:tavLst>
+                                    </p:anim>
+                                  </p:childTnLst>
+                                </p:cTn>
+                              </p:par>
+                              <p:par>
+                                <p:cTn id="10" presetID="42" presetClass="entr" presetSubtype="0" fill="hold" grpId="0" nodeType="withEffect">
+                                  <p:stCondLst>
+                                    <p:cond delay="0"/>
+                                  </p:stCondLst>
+                                  <p:childTnLst>
+                                    <p:set>
+                                      <p:cBhvr>
+                                        <p:cTn id="11" dur="1" fill="hold">
+                                          <p:stCondLst>
+                                            <p:cond delay="0"/>
+                                          </p:stCondLst>
+                                        </p:cTn>
+                                        <p:tgtEl>
+                                          <p:spTgt spid="7"/>
+                                        </p:tgtEl>
+                                        <p:attrNameLst>
+                                          <p:attrName>style.visibility</p:attrName>
+                                        </p:attrNameLst>
+                                      </p:cBhvr>
+                                      <p:to>
+                                        <p:strVal val="visible"/>
+                                      </p:to>
+                                    </p:set>
+                                    <p:animEffect transition="in" filter="fade">
+                                      <p:cBhvr>
+                                        <p:cTn id="12" dur="1000"/>
+                                        <p:tgtEl>
+                                          <p:spTgt spid="7"/>
+                                        </p:tgtEl>
+                                      </p:cBhvr>
+                                    </p:animEffect>
+                                    <p:anim calcmode="lin" valueType="num">
+                                      <p:cBhvr>
+                                        <p:cTn id="13" dur="1000" fill="hold"/>
+                                        <p:tgtEl>
+                                          <p:spTgt spid="7"/>
+                                        </p:tgtEl>
+                                        <p:attrNameLst>
+                                          <p:attrName>ppt_x</p:attrName>
+                                        </p:attrNameLst>
+                                      </p:cBhvr>
+                                      <p:tavLst>
+                                        <p:tav tm="0">
+                                          <p:val>
+                                            <p:strVal val="#ppt_x"/>
+                                          </p:val>
+                                        </p:tav>
+                                        <p:tav tm="100000">
+                                          <p:val>
+                                            <p:strVal val="#ppt_x"/>
+                                          </p:val>
+                                        </p:tav>
+                                      </p:tavLst>
+                                    </p:anim>
+                                    <p:anim calcmode="lin" valueType="num">
+                                      <p:cBhvr>
+                                        <p:cTn id="14" dur="1000" fill="hold"/>
+                                        <p:tgtEl>
+                                          <p:spTgt spid="7"/>
+                                        </p:tgtEl>
+                                        <p:attrNameLst>
+                                          <p:attrName>ppt_y</p:attrName>
+                                        </p:attrNameLst>
+                                      </p:cBhvr>
+                                      <p:tavLst>
+                                        <p:tav tm="0">
+                                          <p:val>
+                                            <p:strVal val="#ppt_y+.1"/>
+                                          </p:val>
+                                        </p:tav>
+                                        <p:tav tm="100000">
+                                          <p:val>
+                                            <p:strVal val="#ppt_y"/>
+                                          </p:val>
+                                        </p:tav>
+                                      </p:tavLst>
+                                    </p:anim>
+                                  </p:childTnLst>
+                                </p:cTn>
+                              </p:par>
+                              <p:par>
+                                <p:cTn id="15" presetID="42" presetClass="entr" presetSubtype="0" fill="hold" grpId="0" nodeType="withEffect">
+                                  <p:stCondLst>
+                                    <p:cond delay="0"/>
+                                  </p:stCondLst>
+                                  <p:childTnLst>
+                                    <p:set>
+                                      <p:cBhvr>
+                                        <p:cTn id="16" dur="1" fill="hold">
+                                          <p:stCondLst>
+                                            <p:cond delay="0"/>
+                                          </p:stCondLst>
+                                        </p:cTn>
+                                        <p:tgtEl>
+                                          <p:spTgt spid="24"/>
+                                        </p:tgtEl>
+                                        <p:attrNameLst>
+                                          <p:attrName>style.visibility</p:attrName>
+                                        </p:attrNameLst>
+                                      </p:cBhvr>
+                                      <p:to>
+                                        <p:strVal val="visible"/>
+                                      </p:to>
+                                    </p:set>
+                                    <p:animEffect transition="in" filter="fade">
+                                      <p:cBhvr>
+                                        <p:cTn id="17" dur="1000"/>
+                                        <p:tgtEl>
+                                          <p:spTgt spid="24"/>
+                                        </p:tgtEl>
+                                      </p:cBhvr>
+                                    </p:animEffect>
+                                    <p:anim calcmode="lin" valueType="num">
+                                      <p:cBhvr>
+                                        <p:cTn id="18" dur="1000" fill="hold"/>
+                                        <p:tgtEl>
+                                          <p:spTgt spid="24"/>
+                                        </p:tgtEl>
+                                        <p:attrNameLst>
+                                          <p:attrName>ppt_x</p:attrName>
+                                        </p:attrNameLst>
+                                      </p:cBhvr>
+                                      <p:tavLst>
+                                        <p:tav tm="0">
+                                          <p:val>
+                                            <p:strVal val="#ppt_x"/>
+                                          </p:val>
+                                        </p:tav>
+                                        <p:tav tm="100000">
+                                          <p:val>
+                                            <p:strVal val="#ppt_x"/>
+                                          </p:val>
+                                        </p:tav>
+                                      </p:tavLst>
+                                    </p:anim>
+                                    <p:anim calcmode="lin" valueType="num">
+                                      <p:cBhvr>
+                                        <p:cTn id="19" dur="1000" fill="hold"/>
+                                        <p:tgtEl>
+                                          <p:spTgt spid="24"/>
+                                        </p:tgtEl>
+                                        <p:attrNameLst>
+                                          <p:attrName>ppt_y</p:attrName>
+                                        </p:attrNameLst>
+                                      </p:cBhvr>
+                                      <p:tavLst>
+                                        <p:tav tm="0">
+                                          <p:val>
+                                            <p:strVal val="#ppt_y+.1"/>
+                                          </p:val>
+                                        </p:tav>
+                                        <p:tav tm="100000">
+                                          <p:val>
+                                            <p:strVal val="#ppt_y"/>
+                                          </p:val>
+                                        </p:tav>
+                                      </p:tavLst>
+                                    </p:anim>
+                                  </p:childTnLst>
+                                </p:cTn>
+                              </p:par>
+                            </p:childTnLst>
+                          </p:cTn>
+                        </p:par>
+                      </p:childTnLst>
+                    </p:cTn>
+                  </p:par>
+                  <p:par>
+                    <p:cTn id="20" fill="hold">
+                      <p:stCondLst>
+                        <p:cond delay="indefinite"/>
+                      </p:stCondLst>
+                      <p:childTnLst>
+                        <p:par>
+                          <p:cTn id="21" fill="hold">
+                            <p:stCondLst>
+                              <p:cond delay="0"/>
+                            </p:stCondLst>
+                            <p:childTnLst>
+                              <p:par>
+                                <p:cTn id="22" presetID="42" presetClass="entr" presetSubtype="0" fill="hold" grpId="0" nodeType="clickEffect">
+                                  <p:stCondLst>
+                                    <p:cond delay="0"/>
+                                  </p:stCondLst>
+                                  <p:childTnLst>
+                                    <p:set>
+                                      <p:cBhvr>
+                                        <p:cTn id="23" dur="1" fill="hold">
+                                          <p:stCondLst>
+                                            <p:cond delay="0"/>
+                                          </p:stCondLst>
+                                        </p:cTn>
+                                        <p:tgtEl>
+                                          <p:spTgt spid="8"/>
+                                        </p:tgtEl>
+                                        <p:attrNameLst>
+                                          <p:attrName>style.visibility</p:attrName>
+                                        </p:attrNameLst>
+                                      </p:cBhvr>
+                                      <p:to>
+                                        <p:strVal val="visible"/>
+                                      </p:to>
+                                    </p:set>
+                                    <p:animEffect transition="in" filter="fade">
+                                      <p:cBhvr>
+                                        <p:cTn id="24" dur="1000"/>
+                                        <p:tgtEl>
+                                          <p:spTgt spid="8"/>
+                                        </p:tgtEl>
+                                      </p:cBhvr>
+                                    </p:animEffect>
+                                    <p:anim calcmode="lin" valueType="num">
+                                      <p:cBhvr>
+                                        <p:cTn id="25" dur="1000" fill="hold"/>
+                                        <p:tgtEl>
+                                          <p:spTgt spid="8"/>
+                                        </p:tgtEl>
+                                        <p:attrNameLst>
+                                          <p:attrName>ppt_x</p:attrName>
+                                        </p:attrNameLst>
+                                      </p:cBhvr>
+                                      <p:tavLst>
+                                        <p:tav tm="0">
+                                          <p:val>
+                                            <p:strVal val="#ppt_x"/>
+                                          </p:val>
+                                        </p:tav>
+                                        <p:tav tm="100000">
+                                          <p:val>
+                                            <p:strVal val="#ppt_x"/>
+                                          </p:val>
+                                        </p:tav>
+                                      </p:tavLst>
+                                    </p:anim>
+                                    <p:anim calcmode="lin" valueType="num">
+                                      <p:cBhvr>
+                                        <p:cTn id="26" dur="1000" fill="hold"/>
+                                        <p:tgtEl>
+                                          <p:spTgt spid="8"/>
+                                        </p:tgtEl>
+                                        <p:attrNameLst>
+                                          <p:attrName>ppt_y</p:attrName>
+                                        </p:attrNameLst>
+                                      </p:cBhvr>
+                                      <p:tavLst>
+                                        <p:tav tm="0">
+                                          <p:val>
+                                            <p:strVal val="#ppt_y+.1"/>
+                                          </p:val>
+                                        </p:tav>
+                                        <p:tav tm="100000">
+                                          <p:val>
+                                            <p:strVal val="#ppt_y"/>
+                                          </p:val>
+                                        </p:tav>
+                                      </p:tavLst>
+                                    </p:anim>
+                                  </p:childTnLst>
+                                </p:cTn>
+                              </p:par>
+                              <p:par>
+                                <p:cTn id="27" presetID="42" presetClass="entr" presetSubtype="0" fill="hold" grpId="0" nodeType="withEffect">
+                                  <p:stCondLst>
+                                    <p:cond delay="0"/>
+                                  </p:stCondLst>
+                                  <p:childTnLst>
+                                    <p:set>
+                                      <p:cBhvr>
+                                        <p:cTn id="28" dur="1" fill="hold">
+                                          <p:stCondLst>
+                                            <p:cond delay="0"/>
+                                          </p:stCondLst>
+                                        </p:cTn>
+                                        <p:tgtEl>
+                                          <p:spTgt spid="9"/>
+                                        </p:tgtEl>
+                                        <p:attrNameLst>
+                                          <p:attrName>style.visibility</p:attrName>
+                                        </p:attrNameLst>
+                                      </p:cBhvr>
+                                      <p:to>
+                                        <p:strVal val="visible"/>
+                                      </p:to>
+                                    </p:set>
+                                    <p:animEffect transition="in" filter="fade">
+                                      <p:cBhvr>
+                                        <p:cTn id="29" dur="1000"/>
+                                        <p:tgtEl>
+                                          <p:spTgt spid="9"/>
+                                        </p:tgtEl>
+                                      </p:cBhvr>
+                                    </p:animEffect>
+                                    <p:anim calcmode="lin" valueType="num">
+                                      <p:cBhvr>
+                                        <p:cTn id="30" dur="1000" fill="hold"/>
+                                        <p:tgtEl>
+                                          <p:spTgt spid="9"/>
+                                        </p:tgtEl>
+                                        <p:attrNameLst>
+                                          <p:attrName>ppt_x</p:attrName>
+                                        </p:attrNameLst>
+                                      </p:cBhvr>
+                                      <p:tavLst>
+                                        <p:tav tm="0">
+                                          <p:val>
+                                            <p:strVal val="#ppt_x"/>
+                                          </p:val>
+                                        </p:tav>
+                                        <p:tav tm="100000">
+                                          <p:val>
+                                            <p:strVal val="#ppt_x"/>
+                                          </p:val>
+                                        </p:tav>
+                                      </p:tavLst>
+                                    </p:anim>
+                                    <p:anim calcmode="lin" valueType="num">
+                                      <p:cBhvr>
+                                        <p:cTn id="31" dur="1000" fill="hold"/>
+                                        <p:tgtEl>
+                                          <p:spTgt spid="9"/>
+                                        </p:tgtEl>
+                                        <p:attrNameLst>
+                                          <p:attrName>ppt_y</p:attrName>
+                                        </p:attrNameLst>
+                                      </p:cBhvr>
+                                      <p:tavLst>
+                                        <p:tav tm="0">
+                                          <p:val>
+                                            <p:strVal val="#ppt_y+.1"/>
+                                          </p:val>
+                                        </p:tav>
+                                        <p:tav tm="100000">
+                                          <p:val>
+                                            <p:strVal val="#ppt_y"/>
+                                          </p:val>
+                                        </p:tav>
+                                      </p:tavLst>
+                                    </p:anim>
+                                  </p:childTnLst>
+                                </p:cTn>
+                              </p:par>
+                              <p:par>
+                                <p:cTn id="32" presetID="42" presetClass="entr" presetSubtype="0" fill="hold" grpId="0" nodeType="withEffect">
+                                  <p:stCondLst>
+                                    <p:cond delay="0"/>
+                                  </p:stCondLst>
+                                  <p:childTnLst>
+                                    <p:set>
+                                      <p:cBhvr>
+                                        <p:cTn id="33" dur="1" fill="hold">
+                                          <p:stCondLst>
+                                            <p:cond delay="0"/>
+                                          </p:stCondLst>
+                                        </p:cTn>
+                                        <p:tgtEl>
+                                          <p:spTgt spid="25"/>
+                                        </p:tgtEl>
+                                        <p:attrNameLst>
+                                          <p:attrName>style.visibility</p:attrName>
+                                        </p:attrNameLst>
+                                      </p:cBhvr>
+                                      <p:to>
+                                        <p:strVal val="visible"/>
+                                      </p:to>
+                                    </p:set>
+                                    <p:animEffect transition="in" filter="fade">
+                                      <p:cBhvr>
+                                        <p:cTn id="34" dur="1000"/>
+                                        <p:tgtEl>
+                                          <p:spTgt spid="25"/>
+                                        </p:tgtEl>
+                                      </p:cBhvr>
+                                    </p:animEffect>
+                                    <p:anim calcmode="lin" valueType="num">
+                                      <p:cBhvr>
+                                        <p:cTn id="35" dur="1000" fill="hold"/>
+                                        <p:tgtEl>
+                                          <p:spTgt spid="25"/>
+                                        </p:tgtEl>
+                                        <p:attrNameLst>
+                                          <p:attrName>ppt_x</p:attrName>
+                                        </p:attrNameLst>
+                                      </p:cBhvr>
+                                      <p:tavLst>
+                                        <p:tav tm="0">
+                                          <p:val>
+                                            <p:strVal val="#ppt_x"/>
+                                          </p:val>
+                                        </p:tav>
+                                        <p:tav tm="100000">
+                                          <p:val>
+                                            <p:strVal val="#ppt_x"/>
+                                          </p:val>
+                                        </p:tav>
+                                      </p:tavLst>
+                                    </p:anim>
+                                    <p:anim calcmode="lin" valueType="num">
+                                      <p:cBhvr>
+                                        <p:cTn id="36" dur="1000" fill="hold"/>
+                                        <p:tgtEl>
+                                          <p:spTgt spid="25"/>
+                                        </p:tgtEl>
+                                        <p:attrNameLst>
+                                          <p:attrName>ppt_y</p:attrName>
+                                        </p:attrNameLst>
+                                      </p:cBhvr>
+                                      <p:tavLst>
+                                        <p:tav tm="0">
+                                          <p:val>
+                                            <p:strVal val="#ppt_y+.1"/>
+                                          </p:val>
+                                        </p:tav>
+                                        <p:tav tm="100000">
+                                          <p:val>
+                                            <p:strVal val="#ppt_y"/>
+                                          </p:val>
+                                        </p:tav>
+                                      </p:tavLst>
+                                    </p:anim>
+                                  </p:childTnLst>
+                                </p:cTn>
+                              </p:par>
+                            </p:childTnLst>
+                          </p:cTn>
+                        </p:par>
+                      </p:childTnLst>
+                    </p:cTn>
+                  </p:par>
+                  <p:par>
+                    <p:cTn id="37" fill="hold">
+                      <p:stCondLst>
+                        <p:cond delay="indefinite"/>
+                      </p:stCondLst>
+                      <p:childTnLst>
+                        <p:par>
+                          <p:cTn id="38" fill="hold">
+                            <p:stCondLst>
+                              <p:cond delay="0"/>
+                            </p:stCondLst>
+                            <p:childTnLst>
+                              <p:par>
+                                <p:cTn id="39" presetID="42" presetClass="entr" presetSubtype="0" fill="hold" grpId="0" nodeType="clickEffect">
+                                  <p:stCondLst>
+                                    <p:cond delay="0"/>
+                                  </p:stCondLst>
+                                  <p:childTnLst>
+                                    <p:set>
+                                      <p:cBhvr>
+                                        <p:cTn id="40" dur="1" fill="hold">
+                                          <p:stCondLst>
+                                            <p:cond delay="0"/>
+                                          </p:stCondLst>
+                                        </p:cTn>
+                                        <p:tgtEl>
+                                          <p:spTgt spid="10"/>
+                                        </p:tgtEl>
+                                        <p:attrNameLst>
+                                          <p:attrName>style.visibility</p:attrName>
+                                        </p:attrNameLst>
+                                      </p:cBhvr>
+                                      <p:to>
+                                        <p:strVal val="visible"/>
+                                      </p:to>
+                                    </p:set>
+                                    <p:animEffect transition="in" filter="fade">
+                                      <p:cBhvr>
+                                        <p:cTn id="41" dur="1000"/>
+                                        <p:tgtEl>
+                                          <p:spTgt spid="10"/>
+                                        </p:tgtEl>
+                                      </p:cBhvr>
+                                    </p:animEffect>
+                                    <p:anim calcmode="lin" valueType="num">
+                                      <p:cBhvr>
+                                        <p:cTn id="42" dur="1000" fill="hold"/>
+                                        <p:tgtEl>
+                                          <p:spTgt spid="10"/>
+                                        </p:tgtEl>
+                                        <p:attrNameLst>
+                                          <p:attrName>ppt_x</p:attrName>
+                                        </p:attrNameLst>
+                                      </p:cBhvr>
+                                      <p:tavLst>
+                                        <p:tav tm="0">
+                                          <p:val>
+                                            <p:strVal val="#ppt_x"/>
+                                          </p:val>
+                                        </p:tav>
+                                        <p:tav tm="100000">
+                                          <p:val>
+                                            <p:strVal val="#ppt_x"/>
+                                          </p:val>
+                                        </p:tav>
+                                      </p:tavLst>
+                                    </p:anim>
+                                    <p:anim calcmode="lin" valueType="num">
+                                      <p:cBhvr>
+                                        <p:cTn id="43" dur="1000" fill="hold"/>
+                                        <p:tgtEl>
+                                          <p:spTgt spid="10"/>
+                                        </p:tgtEl>
+                                        <p:attrNameLst>
+                                          <p:attrName>ppt_y</p:attrName>
+                                        </p:attrNameLst>
+                                      </p:cBhvr>
+                                      <p:tavLst>
+                                        <p:tav tm="0">
+                                          <p:val>
+                                            <p:strVal val="#ppt_y+.1"/>
+                                          </p:val>
+                                        </p:tav>
+                                        <p:tav tm="100000">
+                                          <p:val>
+                                            <p:strVal val="#ppt_y"/>
+                                          </p:val>
+                                        </p:tav>
+                                      </p:tavLst>
+                                    </p:anim>
+                                  </p:childTnLst>
+                                </p:cTn>
+                              </p:par>
+                              <p:par>
+                                <p:cTn id="44" presetID="42" presetClass="entr" presetSubtype="0" fill="hold" grpId="0" nodeType="withEffect">
+                                  <p:stCondLst>
+                                    <p:cond delay="0"/>
+                                  </p:stCondLst>
+                                  <p:childTnLst>
+                                    <p:set>
+                                      <p:cBhvr>
+                                        <p:cTn id="45" dur="1" fill="hold">
+                                          <p:stCondLst>
+                                            <p:cond delay="0"/>
+                                          </p:stCondLst>
+                                        </p:cTn>
+                                        <p:tgtEl>
+                                          <p:spTgt spid="11"/>
+                                        </p:tgtEl>
+                                        <p:attrNameLst>
+                                          <p:attrName>style.visibility</p:attrName>
+                                        </p:attrNameLst>
+                                      </p:cBhvr>
+                                      <p:to>
+                                        <p:strVal val="visible"/>
+                                      </p:to>
+                                    </p:set>
+                                    <p:animEffect transition="in" filter="fade">
+                                      <p:cBhvr>
+                                        <p:cTn id="46" dur="1000"/>
+                                        <p:tgtEl>
+                                          <p:spTgt spid="11"/>
+                                        </p:tgtEl>
+                                      </p:cBhvr>
+                                    </p:animEffect>
+                                    <p:anim calcmode="lin" valueType="num">
+                                      <p:cBhvr>
+                                        <p:cTn id="47" dur="1000" fill="hold"/>
+                                        <p:tgtEl>
+                                          <p:spTgt spid="11"/>
+                                        </p:tgtEl>
+                                        <p:attrNameLst>
+                                          <p:attrName>ppt_x</p:attrName>
+                                        </p:attrNameLst>
+                                      </p:cBhvr>
+                                      <p:tavLst>
+                                        <p:tav tm="0">
+                                          <p:val>
+                                            <p:strVal val="#ppt_x"/>
+                                          </p:val>
+                                        </p:tav>
+                                        <p:tav tm="100000">
+                                          <p:val>
+                                            <p:strVal val="#ppt_x"/>
+                                          </p:val>
+                                        </p:tav>
+                                      </p:tavLst>
+                                    </p:anim>
+                                    <p:anim calcmode="lin" valueType="num">
+                                      <p:cBhvr>
+                                        <p:cTn id="48" dur="1000" fill="hold"/>
+                                        <p:tgtEl>
+                                          <p:spTgt spid="11"/>
+                                        </p:tgtEl>
+                                        <p:attrNameLst>
+                                          <p:attrName>ppt_y</p:attrName>
+                                        </p:attrNameLst>
+                                      </p:cBhvr>
+                                      <p:tavLst>
+                                        <p:tav tm="0">
+                                          <p:val>
+                                            <p:strVal val="#ppt_y+.1"/>
+                                          </p:val>
+                                        </p:tav>
+                                        <p:tav tm="100000">
+                                          <p:val>
+                                            <p:strVal val="#ppt_y"/>
+                                          </p:val>
+                                        </p:tav>
+                                      </p:tavLst>
+                                    </p:anim>
+                                  </p:childTnLst>
+                                </p:cTn>
+                              </p:par>
+                              <p:par>
+                                <p:cTn id="49" presetID="42" presetClass="entr" presetSubtype="0" fill="hold" grpId="0" nodeType="withEffect">
+                                  <p:stCondLst>
+                                    <p:cond delay="0"/>
+                                  </p:stCondLst>
+                                  <p:childTnLst>
+                                    <p:set>
+                                      <p:cBhvr>
+                                        <p:cTn id="50" dur="1" fill="hold">
+                                          <p:stCondLst>
+                                            <p:cond delay="0"/>
+                                          </p:stCondLst>
+                                        </p:cTn>
+                                        <p:tgtEl>
+                                          <p:spTgt spid="27"/>
+                                        </p:tgtEl>
+                                        <p:attrNameLst>
+                                          <p:attrName>style.visibility</p:attrName>
+                                        </p:attrNameLst>
+                                      </p:cBhvr>
+                                      <p:to>
+                                        <p:strVal val="visible"/>
+                                      </p:to>
+                                    </p:set>
+                                    <p:animEffect transition="in" filter="fade">
+                                      <p:cBhvr>
+                                        <p:cTn id="51" dur="1000"/>
+                                        <p:tgtEl>
+                                          <p:spTgt spid="27"/>
+                                        </p:tgtEl>
+                                      </p:cBhvr>
+                                    </p:animEffect>
+                                    <p:anim calcmode="lin" valueType="num">
+                                      <p:cBhvr>
+                                        <p:cTn id="52" dur="1000" fill="hold"/>
+                                        <p:tgtEl>
+                                          <p:spTgt spid="27"/>
+                                        </p:tgtEl>
+                                        <p:attrNameLst>
+                                          <p:attrName>ppt_x</p:attrName>
+                                        </p:attrNameLst>
+                                      </p:cBhvr>
+                                      <p:tavLst>
+                                        <p:tav tm="0">
+                                          <p:val>
+                                            <p:strVal val="#ppt_x"/>
+                                          </p:val>
+                                        </p:tav>
+                                        <p:tav tm="100000">
+                                          <p:val>
+                                            <p:strVal val="#ppt_x"/>
+                                          </p:val>
+                                        </p:tav>
+                                      </p:tavLst>
+                                    </p:anim>
+                                    <p:anim calcmode="lin" valueType="num">
+                                      <p:cBhvr>
+                                        <p:cTn id="53" dur="1000" fill="hold"/>
+                                        <p:tgtEl>
+                                          <p:spTgt spid="27"/>
+                                        </p:tgtEl>
+                                        <p:attrNameLst>
+                                          <p:attrName>ppt_y</p:attrName>
+                                        </p:attrNameLst>
+                                      </p:cBhvr>
+                                      <p:tavLst>
+                                        <p:tav tm="0">
+                                          <p:val>
+                                            <p:strVal val="#ppt_y+.1"/>
+                                          </p:val>
+                                        </p:tav>
+                                        <p:tav tm="100000">
+                                          <p:val>
+                                            <p:strVal val="#ppt_y"/>
+                                          </p:val>
+                                        </p:tav>
+                                      </p:tavLst>
+                                    </p:anim>
+                                  </p:childTnLst>
+                                </p:cTn>
+                              </p:par>
+                            </p:childTnLst>
+                          </p:cTn>
+                        </p:par>
+                      </p:childTnLst>
+                    </p:cTn>
+                  </p:par>
+                </p:childTnLst>
+              </p:cTn>
+              <p:prevCondLst>
+                <p:cond evt="onPrev" delay="0">
+                  <p:tgtEl>
+                    <p:sldTgt/>
+                  </p:tgtEl>
+                </p:cond>
+              </p:prevCondLst>
+              <p:nextCondLst>
+                <p:cond evt="onNext" delay="0">
+                  <p:tgtEl>
+                    <p:sldTgt/>
+                  </p:tgtEl>
+                </p:cond>
+              </p:nextCondLst>
+            </p:seq>
+          </p:childTnLst>
+        </p:cTn>
       </p:par>
     </p:tnLst>
-  </p:timing>
-</p:sld>
-</file>
-
-<file path=ppt/slides/slide9.xml><?xml version="1.0" encoding="utf-8"?>
-<p:sld xmlns:a="http://schemas.openxmlformats.org/drawingml/2006/main" xmlns:r="http://schemas.openxmlformats.org/officeDocument/2006/relationships" xmlns:p="http://schemas.openxmlformats.org/presentationml/2006/main">
-  <p:cSld>
-    <p:spTree>
-      <p:nvGrpSpPr>
-        <p:cNvPr id="1" name=""/>
-        <p:cNvGrpSpPr/>
-        <p:nvPr/>
-      </p:nvGrpSpPr>
-      <p:grpSpPr>
-        <a:xfrm>
-          <a:off x="0" y="0"/>
-          <a:ext cx="0" cy="0"/>
-          <a:chOff x="0" y="0"/>
-          <a:chExt cx="0" cy="0"/>
-        </a:xfrm>
-      </p:grpSpPr>
-      <p:sp>
-        <p:nvSpPr>
-          <p:cNvPr id="2" name="Title 1"/>
-          <p:cNvSpPr>
-            <a:spLocks noGrp="1"/>
-          </p:cNvSpPr>
-          <p:nvPr>
-            <p:ph type="title"/>
-          </p:nvPr>
-        </p:nvSpPr>
-        <p:spPr>
-          <a:xfrm>
-            <a:off x="677334" y="2786127"/>
-            <a:ext cx="8596668" cy="1320800"/>
-          </a:xfrm>
-        </p:spPr>
-        <p:txBody>
-          <a:bodyPr/>
-          <a:lstStyle/>
-          <a:p>
-            <a:r>
-              <a:rPr lang="vi-VN" sz="4000" b="1" smtClean="0">
-                <a:latin typeface="+mn-lt"/>
-              </a:rPr>
-              <a:t>CẢM ƠN QUÝ THẦY CÔ VÀ CÁC BẠN ĐÃ LẮNG NGHE!</a:t>
-            </a:r>
-            <a:endParaRPr lang="vi-VN" sz="4000" b="1">
-              <a:latin typeface="+mn-lt"/>
-            </a:endParaRPr>
-          </a:p>
-        </p:txBody>
-      </p:sp>
-      <p:sp>
-        <p:nvSpPr>
-          <p:cNvPr id="3" name="Slide Number Placeholder 2"/>
-          <p:cNvSpPr>
-            <a:spLocks noGrp="1"/>
-          </p:cNvSpPr>
-          <p:nvPr>
-            <p:ph type="sldNum" sz="quarter" idx="12"/>
-          </p:nvPr>
-        </p:nvSpPr>
-        <p:spPr/>
-        <p:txBody>
-          <a:bodyPr/>
-          <a:lstStyle/>
-          <a:p>
-            <a:fld id="{73B5BF7B-DAD1-4DA5-A555-55991F7C0E6A}" type="slidenum">
-              <a:rPr lang="vi-VN" smtClean="0"/>
-              <a:t>9</a:t>
-            </a:fld>
-            <a:endParaRPr lang="vi-VN"/>
-          </a:p>
-        </p:txBody>
-      </p:sp>
-    </p:spTree>
-    <p:extLst>
-      <p:ext uri="{BB962C8B-B14F-4D97-AF65-F5344CB8AC3E}">
-        <p14:creationId xmlns:p14="http://schemas.microsoft.com/office/powerpoint/2010/main" val="2550261549"/>
-      </p:ext>
-    </p:extLst>
-  </p:cSld>
-  <p:clrMapOvr>
-    <a:masterClrMapping/>
-  </p:clrMapOvr>
-  <p:timing>
-    <p:tnLst>
-      <p:par>
-        <p:cTn id="1" dur="indefinite" restart="never" nodeType="tmRoot"/>
-      </p:par>
-    </p:tnLst>
+    <p:bldLst>
+      <p:bldP spid="6" grpId="0" animBg="1"/>
+      <p:bldP spid="7" grpId="0"/>
+      <p:bldP spid="8" grpId="0" animBg="1"/>
+      <p:bldP spid="9" grpId="0"/>
+      <p:bldP spid="10" grpId="0" animBg="1"/>
+      <p:bldP spid="11" grpId="0"/>
+      <p:bldP spid="24" grpId="0"/>
+      <p:bldP spid="25" grpId="0"/>
+      <p:bldP spid="27" grpId="0"/>
+    </p:bldLst>
   </p:timing>
 </p:sld>
 </file>

--- a/pp_BuiHoangAnh_1412101114.pptx
+++ b/pp_BuiHoangAnh_1412101114.pptx
@@ -5,19 +5,20 @@
     <p:sldMasterId id="2147483694" r:id="rId1"/>
   </p:sldMasterIdLst>
   <p:notesMasterIdLst>
-    <p:notesMasterId r:id="rId12"/>
+    <p:notesMasterId r:id="rId13"/>
   </p:notesMasterIdLst>
   <p:sldIdLst>
     <p:sldId id="256" r:id="rId2"/>
     <p:sldId id="257" r:id="rId3"/>
     <p:sldId id="258" r:id="rId4"/>
-    <p:sldId id="264" r:id="rId5"/>
-    <p:sldId id="266" r:id="rId6"/>
-    <p:sldId id="269" r:id="rId7"/>
-    <p:sldId id="268" r:id="rId8"/>
-    <p:sldId id="267" r:id="rId9"/>
-    <p:sldId id="265" r:id="rId10"/>
-    <p:sldId id="259" r:id="rId11"/>
+    <p:sldId id="266" r:id="rId5"/>
+    <p:sldId id="269" r:id="rId6"/>
+    <p:sldId id="268" r:id="rId7"/>
+    <p:sldId id="267" r:id="rId8"/>
+    <p:sldId id="270" r:id="rId9"/>
+    <p:sldId id="271" r:id="rId10"/>
+    <p:sldId id="265" r:id="rId11"/>
+    <p:sldId id="259" r:id="rId12"/>
   </p:sldIdLst>
   <p:sldSz cx="12192000" cy="6858000"/>
   <p:notesSz cx="6858000" cy="9144000"/>
@@ -206,7 +207,7 @@
           <a:p>
             <a:fld id="{2E3AF96E-09C9-433B-933B-4F1BE9EDD971}" type="datetimeFigureOut">
               <a:rPr lang="vi-VN" smtClean="0"/>
-              <a:t>08/11/2018</a:t>
+              <a:t>09/11/2018</a:t>
             </a:fld>
             <a:endParaRPr lang="vi-VN"/>
           </a:p>
@@ -1280,7 +1281,7 @@
           <a:p>
             <a:fld id="{197FB42D-FAD3-49A3-A078-1D44F47B97DC}" type="datetime1">
               <a:rPr lang="vi-VN" smtClean="0"/>
-              <a:t>08/11/2018</a:t>
+              <a:t>09/11/2018</a:t>
             </a:fld>
             <a:endParaRPr lang="vi-VN"/>
           </a:p>
@@ -1531,7 +1532,7 @@
           <a:p>
             <a:fld id="{9381CA84-3F60-4EE6-93D6-0CB6E4E4381E}" type="datetime1">
               <a:rPr lang="vi-VN" smtClean="0"/>
-              <a:t>08/11/2018</a:t>
+              <a:t>09/11/2018</a:t>
             </a:fld>
             <a:endParaRPr lang="vi-VN"/>
           </a:p>
@@ -1845,7 +1846,7 @@
           <a:p>
             <a:fld id="{562BDEED-0ABB-46C0-9288-1853FBD3CEFE}" type="datetime1">
               <a:rPr lang="vi-VN" smtClean="0"/>
-              <a:t>08/11/2018</a:t>
+              <a:t>09/11/2018</a:t>
             </a:fld>
             <a:endParaRPr lang="vi-VN"/>
           </a:p>
@@ -2186,7 +2187,7 @@
           <a:p>
             <a:fld id="{7E9E3449-3788-42A4-83DE-B4481677F237}" type="datetime1">
               <a:rPr lang="vi-VN" smtClean="0"/>
-              <a:t>08/11/2018</a:t>
+              <a:t>09/11/2018</a:t>
             </a:fld>
             <a:endParaRPr lang="vi-VN"/>
           </a:p>
@@ -2500,7 +2501,7 @@
           <a:p>
             <a:fld id="{245057D3-F864-48E9-9DC8-94A4EFAEF2EA}" type="datetime1">
               <a:rPr lang="vi-VN" smtClean="0"/>
-              <a:t>08/11/2018</a:t>
+              <a:t>09/11/2018</a:t>
             </a:fld>
             <a:endParaRPr lang="vi-VN"/>
           </a:p>
@@ -2893,7 +2894,7 @@
           <a:p>
             <a:fld id="{16557531-051E-41AA-9F48-7D716D745B64}" type="datetime1">
               <a:rPr lang="vi-VN" smtClean="0"/>
-              <a:t>08/11/2018</a:t>
+              <a:t>09/11/2018</a:t>
             </a:fld>
             <a:endParaRPr lang="vi-VN"/>
           </a:p>
@@ -3063,7 +3064,7 @@
           <a:p>
             <a:fld id="{D1B644E1-9895-4365-BC55-AD5D2D8DD356}" type="datetime1">
               <a:rPr lang="vi-VN" smtClean="0"/>
-              <a:t>08/11/2018</a:t>
+              <a:t>09/11/2018</a:t>
             </a:fld>
             <a:endParaRPr lang="vi-VN"/>
           </a:p>
@@ -3243,7 +3244,7 @@
           <a:p>
             <a:fld id="{A7D4BB8E-475F-430A-A53D-275AC8375F77}" type="datetime1">
               <a:rPr lang="vi-VN" smtClean="0"/>
-              <a:t>08/11/2018</a:t>
+              <a:t>09/11/2018</a:t>
             </a:fld>
             <a:endParaRPr lang="vi-VN"/>
           </a:p>
@@ -3419,7 +3420,7 @@
           <a:p>
             <a:fld id="{CA09B478-DF8A-444B-A141-61D5DACAF866}" type="datetime1">
               <a:rPr lang="vi-VN" smtClean="0"/>
-              <a:t>08/11/2018</a:t>
+              <a:t>09/11/2018</a:t>
             </a:fld>
             <a:endParaRPr lang="vi-VN"/>
           </a:p>
@@ -3666,7 +3667,7 @@
           <a:p>
             <a:fld id="{67C40E9F-4116-4698-A278-C5A7EA28994F}" type="datetime1">
               <a:rPr lang="vi-VN" smtClean="0"/>
-              <a:t>08/11/2018</a:t>
+              <a:t>09/11/2018</a:t>
             </a:fld>
             <a:endParaRPr lang="vi-VN"/>
           </a:p>
@@ -3898,7 +3899,7 @@
           <a:p>
             <a:fld id="{E4D61FF4-FD3D-4D9A-841A-7B5A5A1848E6}" type="datetime1">
               <a:rPr lang="vi-VN" smtClean="0"/>
-              <a:t>08/11/2018</a:t>
+              <a:t>09/11/2018</a:t>
             </a:fld>
             <a:endParaRPr lang="vi-VN"/>
           </a:p>
@@ -4272,7 +4273,7 @@
           <a:p>
             <a:fld id="{A0AB353D-95F0-46F8-BE87-8FC88FB6024D}" type="datetime1">
               <a:rPr lang="vi-VN" smtClean="0"/>
-              <a:t>08/11/2018</a:t>
+              <a:t>09/11/2018</a:t>
             </a:fld>
             <a:endParaRPr lang="vi-VN"/>
           </a:p>
@@ -4395,7 +4396,7 @@
           <a:p>
             <a:fld id="{26968B05-9982-45DB-8E01-4BE20EAA62A4}" type="datetime1">
               <a:rPr lang="vi-VN" smtClean="0"/>
-              <a:t>08/11/2018</a:t>
+              <a:t>09/11/2018</a:t>
             </a:fld>
             <a:endParaRPr lang="vi-VN"/>
           </a:p>
@@ -4490,7 +4491,7 @@
           <a:p>
             <a:fld id="{375925BD-888A-4679-B408-CAAF41AB7DB3}" type="datetime1">
               <a:rPr lang="vi-VN" smtClean="0"/>
-              <a:t>08/11/2018</a:t>
+              <a:t>09/11/2018</a:t>
             </a:fld>
             <a:endParaRPr lang="vi-VN"/>
           </a:p>
@@ -4745,7 +4746,7 @@
           <a:p>
             <a:fld id="{82C63F73-899F-4B02-AE38-3BDCFE981DAB}" type="datetime1">
               <a:rPr lang="vi-VN" smtClean="0"/>
-              <a:t>08/11/2018</a:t>
+              <a:t>09/11/2018</a:t>
             </a:fld>
             <a:endParaRPr lang="vi-VN"/>
           </a:p>
@@ -5008,7 +5009,7 @@
           <a:p>
             <a:fld id="{79091089-BA6D-4198-B82E-9E4CB89901F5}" type="datetime1">
               <a:rPr lang="vi-VN" smtClean="0"/>
-              <a:t>08/11/2018</a:t>
+              <a:t>09/11/2018</a:t>
             </a:fld>
             <a:endParaRPr lang="vi-VN"/>
           </a:p>
@@ -5751,7 +5752,7 @@
           <a:p>
             <a:fld id="{5579122F-0D62-4194-9420-5B8C90647B75}" type="datetime1">
               <a:rPr lang="vi-VN" smtClean="0"/>
-              <a:t>08/11/2018</a:t>
+              <a:t>09/11/2018</a:t>
             </a:fld>
             <a:endParaRPr lang="vi-VN"/>
           </a:p>
@@ -6361,17 +6362,20 @@
                 <a:latin typeface="Arial" panose="020B0604020202020204" pitchFamily="34" charset="0"/>
                 <a:cs typeface="Arial" panose="020B0604020202020204" pitchFamily="34" charset="0"/>
               </a:rPr>
-              <a:t>Sinh </a:t>
-            </a:r>
-            <a:r>
-              <a:rPr lang="en-US" sz="2000" smtClean="0">
+              <a:t>Sinh viên thực hiện: Bùi Hoàng Anh</a:t>
+            </a:r>
+          </a:p>
+          <a:p>
+            <a:pPr algn="l"/>
+            <a:r>
+              <a:rPr lang="en-US" sz="2000">
                 <a:solidFill>
                   <a:schemeClr val="tx1"/>
                 </a:solidFill>
                 <a:latin typeface="Arial" panose="020B0604020202020204" pitchFamily="34" charset="0"/>
                 <a:cs typeface="Arial" panose="020B0604020202020204" pitchFamily="34" charset="0"/>
               </a:rPr>
-              <a:t>viên thực hiện: Bùi Hoàng </a:t>
+              <a:t>Lớp: CT1801 </a:t>
             </a:r>
             <a:r>
               <a:rPr lang="en-US" sz="2000" smtClean="0">
@@ -6381,67 +6385,7 @@
                 <a:latin typeface="Arial" panose="020B0604020202020204" pitchFamily="34" charset="0"/>
                 <a:cs typeface="Arial" panose="020B0604020202020204" pitchFamily="34" charset="0"/>
               </a:rPr>
-              <a:t>Anh</a:t>
-            </a:r>
-            <a:endParaRPr lang="en-US" sz="2000" smtClean="0">
-              <a:solidFill>
-                <a:schemeClr val="tx1"/>
-              </a:solidFill>
-              <a:latin typeface="Arial" panose="020B0604020202020204" pitchFamily="34" charset="0"/>
-              <a:cs typeface="Arial" panose="020B0604020202020204" pitchFamily="34" charset="0"/>
-            </a:endParaRPr>
-          </a:p>
-          <a:p>
-            <a:pPr algn="l"/>
-            <a:r>
-              <a:rPr lang="en-US" sz="2000">
-                <a:solidFill>
-                  <a:schemeClr val="tx1"/>
-                </a:solidFill>
-                <a:latin typeface="Arial" panose="020B0604020202020204" pitchFamily="34" charset="0"/>
-                <a:cs typeface="Arial" panose="020B0604020202020204" pitchFamily="34" charset="0"/>
-              </a:rPr>
-              <a:t>Lớp: </a:t>
-            </a:r>
-            <a:r>
-              <a:rPr lang="en-US" sz="2000">
-                <a:solidFill>
-                  <a:schemeClr val="tx1"/>
-                </a:solidFill>
-                <a:latin typeface="Arial" panose="020B0604020202020204" pitchFamily="34" charset="0"/>
-                <a:cs typeface="Arial" panose="020B0604020202020204" pitchFamily="34" charset="0"/>
-              </a:rPr>
-              <a:t>CT1801 </a:t>
-            </a:r>
-            <a:r>
-              <a:rPr lang="en-US" sz="2000" smtClean="0">
-                <a:solidFill>
-                  <a:schemeClr val="tx1"/>
-                </a:solidFill>
-                <a:latin typeface="Arial" panose="020B0604020202020204" pitchFamily="34" charset="0"/>
-                <a:cs typeface="Arial" panose="020B0604020202020204" pitchFamily="34" charset="0"/>
-              </a:rPr>
-              <a:t>- Mã </a:t>
-            </a:r>
-            <a:r>
-              <a:rPr lang="en-US" sz="2000" smtClean="0">
-                <a:solidFill>
-                  <a:schemeClr val="tx1"/>
-                </a:solidFill>
-                <a:latin typeface="Arial" panose="020B0604020202020204" pitchFamily="34" charset="0"/>
-                <a:cs typeface="Arial" panose="020B0604020202020204" pitchFamily="34" charset="0"/>
-              </a:rPr>
-              <a:t>số sinh viên: </a:t>
-            </a:r>
-            <a:r>
-              <a:rPr lang="en-US" sz="2000" smtClean="0">
-                <a:solidFill>
-                  <a:schemeClr val="tx1"/>
-                </a:solidFill>
-                <a:latin typeface="Arial" panose="020B0604020202020204" pitchFamily="34" charset="0"/>
-                <a:cs typeface="Arial" panose="020B0604020202020204" pitchFamily="34" charset="0"/>
-              </a:rPr>
-              <a:t>1412101114</a:t>
+              <a:t>- Mã số sinh viên: 1412101114</a:t>
             </a:r>
             <a:endParaRPr lang="vi-VN" sz="2000">
               <a:solidFill>
@@ -6949,6 +6893,2048 @@
             <p:ph type="title"/>
           </p:nvPr>
         </p:nvSpPr>
+        <p:spPr/>
+        <p:txBody>
+          <a:bodyPr/>
+          <a:lstStyle/>
+          <a:p>
+            <a:r>
+              <a:rPr lang="en-US" b="1">
+                <a:latin typeface="Arial" panose="020B0604020202020204" pitchFamily="34" charset="0"/>
+                <a:cs typeface="Arial" panose="020B0604020202020204" pitchFamily="34" charset="0"/>
+              </a:rPr>
+              <a:t>3</a:t>
+            </a:r>
+            <a:r>
+              <a:rPr lang="en-US" b="1" smtClean="0">
+                <a:latin typeface="Arial" panose="020B0604020202020204" pitchFamily="34" charset="0"/>
+                <a:cs typeface="Arial" panose="020B0604020202020204" pitchFamily="34" charset="0"/>
+              </a:rPr>
+              <a:t>. </a:t>
+            </a:r>
+            <a:r>
+              <a:rPr lang="en-US" b="1" smtClean="0">
+                <a:latin typeface="Arial" panose="020B0604020202020204" pitchFamily="34" charset="0"/>
+                <a:cs typeface="Arial" panose="020B0604020202020204" pitchFamily="34" charset="0"/>
+              </a:rPr>
+              <a:t>KẾT QUẢ</a:t>
+            </a:r>
+            <a:endParaRPr lang="vi-VN" b="1">
+              <a:latin typeface="Arial" panose="020B0604020202020204" pitchFamily="34" charset="0"/>
+              <a:cs typeface="Arial" panose="020B0604020202020204" pitchFamily="34" charset="0"/>
+            </a:endParaRPr>
+          </a:p>
+        </p:txBody>
+      </p:sp>
+      <p:sp>
+        <p:nvSpPr>
+          <p:cNvPr id="4" name="Slide Number Placeholder 3"/>
+          <p:cNvSpPr>
+            <a:spLocks noGrp="1"/>
+          </p:cNvSpPr>
+          <p:nvPr>
+            <p:ph type="sldNum" sz="quarter" idx="12"/>
+          </p:nvPr>
+        </p:nvSpPr>
+        <p:spPr/>
+        <p:txBody>
+          <a:bodyPr/>
+          <a:lstStyle/>
+          <a:p>
+            <a:fld id="{73B5BF7B-DAD1-4DA5-A555-55991F7C0E6A}" type="slidenum">
+              <a:rPr lang="vi-VN" smtClean="0"/>
+              <a:t>10</a:t>
+            </a:fld>
+            <a:endParaRPr lang="vi-VN"/>
+          </a:p>
+        </p:txBody>
+      </p:sp>
+      <p:sp>
+        <p:nvSpPr>
+          <p:cNvPr id="6" name="Freeform 10">
+            <a:extLst>
+              <a:ext uri="{FF2B5EF4-FFF2-40B4-BE49-F238E27FC236}">
+                <a16:creationId xmlns:a16="http://schemas.microsoft.com/office/drawing/2014/main" xmlns="" id="{C3D57E8A-11CC-494C-9E27-C346C915AACD}"/>
+              </a:ext>
+            </a:extLst>
+          </p:cNvPr>
+          <p:cNvSpPr/>
+          <p:nvPr/>
+        </p:nvSpPr>
+        <p:spPr>
+          <a:xfrm>
+            <a:off x="781134" y="1940792"/>
+            <a:ext cx="3275712" cy="1072284"/>
+          </a:xfrm>
+          <a:custGeom>
+            <a:avLst/>
+            <a:gdLst>
+              <a:gd name="connsiteX0" fmla="*/ 0 w 2361406"/>
+              <a:gd name="connsiteY0" fmla="*/ 0 h 944562"/>
+              <a:gd name="connsiteX1" fmla="*/ 1889125 w 2361406"/>
+              <a:gd name="connsiteY1" fmla="*/ 0 h 944562"/>
+              <a:gd name="connsiteX2" fmla="*/ 2361406 w 2361406"/>
+              <a:gd name="connsiteY2" fmla="*/ 472281 h 944562"/>
+              <a:gd name="connsiteX3" fmla="*/ 1889125 w 2361406"/>
+              <a:gd name="connsiteY3" fmla="*/ 944562 h 944562"/>
+              <a:gd name="connsiteX4" fmla="*/ 0 w 2361406"/>
+              <a:gd name="connsiteY4" fmla="*/ 944562 h 944562"/>
+              <a:gd name="connsiteX5" fmla="*/ 472281 w 2361406"/>
+              <a:gd name="connsiteY5" fmla="*/ 472281 h 944562"/>
+              <a:gd name="connsiteX6" fmla="*/ 0 w 2361406"/>
+              <a:gd name="connsiteY6" fmla="*/ 0 h 944562"/>
+            </a:gdLst>
+            <a:ahLst/>
+            <a:cxnLst>
+              <a:cxn ang="0">
+                <a:pos x="connsiteX0" y="connsiteY0"/>
+              </a:cxn>
+              <a:cxn ang="0">
+                <a:pos x="connsiteX1" y="connsiteY1"/>
+              </a:cxn>
+              <a:cxn ang="0">
+                <a:pos x="connsiteX2" y="connsiteY2"/>
+              </a:cxn>
+              <a:cxn ang="0">
+                <a:pos x="connsiteX3" y="connsiteY3"/>
+              </a:cxn>
+              <a:cxn ang="0">
+                <a:pos x="connsiteX4" y="connsiteY4"/>
+              </a:cxn>
+              <a:cxn ang="0">
+                <a:pos x="connsiteX5" y="connsiteY5"/>
+              </a:cxn>
+              <a:cxn ang="0">
+                <a:pos x="connsiteX6" y="connsiteY6"/>
+              </a:cxn>
+            </a:cxnLst>
+            <a:rect l="l" t="t" r="r" b="b"/>
+            <a:pathLst>
+              <a:path w="2361406" h="944562">
+                <a:moveTo>
+                  <a:pt x="0" y="0"/>
+                </a:moveTo>
+                <a:lnTo>
+                  <a:pt x="1889125" y="0"/>
+                </a:lnTo>
+                <a:lnTo>
+                  <a:pt x="2361406" y="472281"/>
+                </a:lnTo>
+                <a:lnTo>
+                  <a:pt x="1889125" y="944562"/>
+                </a:lnTo>
+                <a:lnTo>
+                  <a:pt x="0" y="944562"/>
+                </a:lnTo>
+                <a:lnTo>
+                  <a:pt x="472281" y="472281"/>
+                </a:lnTo>
+                <a:lnTo>
+                  <a:pt x="0" y="0"/>
+                </a:lnTo>
+                <a:close/>
+              </a:path>
+            </a:pathLst>
+          </a:custGeom>
+          <a:solidFill>
+            <a:schemeClr val="accent1"/>
+          </a:solidFill>
+          <a:ln>
+            <a:noFill/>
+          </a:ln>
+        </p:spPr>
+        <p:style>
+          <a:lnRef idx="2">
+            <a:schemeClr val="accent5">
+              <a:shade val="50000"/>
+            </a:schemeClr>
+          </a:lnRef>
+          <a:fillRef idx="1">
+            <a:schemeClr val="accent5"/>
+          </a:fillRef>
+          <a:effectRef idx="0">
+            <a:schemeClr val="accent5"/>
+          </a:effectRef>
+          <a:fontRef idx="minor">
+            <a:schemeClr val="lt1"/>
+          </a:fontRef>
+        </p:style>
+        <p:txBody>
+          <a:bodyPr spcFirstLastPara="0" vert="horz" wrap="square" lIns="531971" tIns="29845" rIns="472281" bIns="29845" numCol="1" spcCol="1270" anchor="ctr" anchorCtr="0">
+            <a:noAutofit/>
+          </a:bodyPr>
+          <a:lstStyle/>
+          <a:p>
+            <a:pPr lvl="0" algn="ctr" defTabSz="2089150">
+              <a:lnSpc>
+                <a:spcPct val="90000"/>
+              </a:lnSpc>
+              <a:spcBef>
+                <a:spcPct val="0"/>
+              </a:spcBef>
+              <a:spcAft>
+                <a:spcPct val="35000"/>
+              </a:spcAft>
+            </a:pPr>
+            <a:endParaRPr lang="en-US" sz="4700" kern="1200"/>
+          </a:p>
+        </p:txBody>
+      </p:sp>
+      <p:sp>
+        <p:nvSpPr>
+          <p:cNvPr id="7" name="TextBox 6">
+            <a:extLst>
+              <a:ext uri="{FF2B5EF4-FFF2-40B4-BE49-F238E27FC236}">
+                <a16:creationId xmlns:a16="http://schemas.microsoft.com/office/drawing/2014/main" xmlns="" id="{AEECD0D0-D336-48BB-96DB-54815E5AC149}"/>
+              </a:ext>
+            </a:extLst>
+          </p:cNvPr>
+          <p:cNvSpPr txBox="1"/>
+          <p:nvPr/>
+        </p:nvSpPr>
+        <p:spPr>
+          <a:xfrm>
+            <a:off x="1407167" y="2241862"/>
+            <a:ext cx="2271776" cy="400110"/>
+          </a:xfrm>
+          <a:prstGeom prst="rect">
+            <a:avLst/>
+          </a:prstGeom>
+          <a:noFill/>
+        </p:spPr>
+        <p:txBody>
+          <a:bodyPr wrap="none" rtlCol="0">
+            <a:spAutoFit/>
+          </a:bodyPr>
+          <a:lstStyle/>
+          <a:p>
+            <a:pPr algn="ctr"/>
+            <a:r>
+              <a:rPr lang="en-GB" sz="2000" b="1">
+                <a:solidFill>
+                  <a:srgbClr val="FFFFFF"/>
+                </a:solidFill>
+                <a:latin typeface="Segoe UI bold" panose="020B0802040204020203" pitchFamily="34" charset="0"/>
+                <a:ea typeface="Segoe UI bold" panose="020B0802040204020203" pitchFamily="34" charset="0"/>
+                <a:cs typeface="Segoe UI bold" panose="020B0802040204020203" pitchFamily="34" charset="0"/>
+              </a:rPr>
+              <a:t>Kết quả đạt đ</a:t>
+            </a:r>
+            <a:r>
+              <a:rPr lang="vi-VN" sz="2000" b="1">
+                <a:solidFill>
+                  <a:srgbClr val="FFFFFF"/>
+                </a:solidFill>
+                <a:latin typeface="Segoe UI bold" panose="020B0802040204020203" pitchFamily="34" charset="0"/>
+                <a:ea typeface="Segoe UI bold" panose="020B0802040204020203" pitchFamily="34" charset="0"/>
+                <a:cs typeface="Segoe UI bold" panose="020B0802040204020203" pitchFamily="34" charset="0"/>
+              </a:rPr>
+              <a:t>ư</a:t>
+            </a:r>
+            <a:r>
+              <a:rPr lang="en-GB" sz="2000" b="1">
+                <a:solidFill>
+                  <a:srgbClr val="FFFFFF"/>
+                </a:solidFill>
+                <a:latin typeface="Segoe UI bold" panose="020B0802040204020203" pitchFamily="34" charset="0"/>
+                <a:ea typeface="Segoe UI bold" panose="020B0802040204020203" pitchFamily="34" charset="0"/>
+                <a:cs typeface="Segoe UI bold" panose="020B0802040204020203" pitchFamily="34" charset="0"/>
+              </a:rPr>
+              <a:t>ợc</a:t>
+            </a:r>
+            <a:endParaRPr lang="en-US" sz="2000" b="1">
+              <a:solidFill>
+                <a:srgbClr val="FFFFFF"/>
+              </a:solidFill>
+              <a:latin typeface="Segoe UI bold" panose="020B0802040204020203" pitchFamily="34" charset="0"/>
+              <a:ea typeface="Segoe UI bold" panose="020B0802040204020203" pitchFamily="34" charset="0"/>
+              <a:cs typeface="Segoe UI bold" panose="020B0802040204020203" pitchFamily="34" charset="0"/>
+            </a:endParaRPr>
+          </a:p>
+        </p:txBody>
+      </p:sp>
+      <p:sp>
+        <p:nvSpPr>
+          <p:cNvPr id="8" name="Freeform 12">
+            <a:extLst>
+              <a:ext uri="{FF2B5EF4-FFF2-40B4-BE49-F238E27FC236}">
+                <a16:creationId xmlns:a16="http://schemas.microsoft.com/office/drawing/2014/main" xmlns="" id="{85AF39FF-D4A9-4A5C-9873-D4D741E67241}"/>
+              </a:ext>
+            </a:extLst>
+          </p:cNvPr>
+          <p:cNvSpPr/>
+          <p:nvPr/>
+        </p:nvSpPr>
+        <p:spPr>
+          <a:xfrm>
+            <a:off x="806891" y="3439209"/>
+            <a:ext cx="3249954" cy="1023680"/>
+          </a:xfrm>
+          <a:custGeom>
+            <a:avLst/>
+            <a:gdLst>
+              <a:gd name="connsiteX0" fmla="*/ 0 w 2361406"/>
+              <a:gd name="connsiteY0" fmla="*/ 0 h 944562"/>
+              <a:gd name="connsiteX1" fmla="*/ 1889125 w 2361406"/>
+              <a:gd name="connsiteY1" fmla="*/ 0 h 944562"/>
+              <a:gd name="connsiteX2" fmla="*/ 2361406 w 2361406"/>
+              <a:gd name="connsiteY2" fmla="*/ 472281 h 944562"/>
+              <a:gd name="connsiteX3" fmla="*/ 1889125 w 2361406"/>
+              <a:gd name="connsiteY3" fmla="*/ 944562 h 944562"/>
+              <a:gd name="connsiteX4" fmla="*/ 0 w 2361406"/>
+              <a:gd name="connsiteY4" fmla="*/ 944562 h 944562"/>
+              <a:gd name="connsiteX5" fmla="*/ 472281 w 2361406"/>
+              <a:gd name="connsiteY5" fmla="*/ 472281 h 944562"/>
+              <a:gd name="connsiteX6" fmla="*/ 0 w 2361406"/>
+              <a:gd name="connsiteY6" fmla="*/ 0 h 944562"/>
+            </a:gdLst>
+            <a:ahLst/>
+            <a:cxnLst>
+              <a:cxn ang="0">
+                <a:pos x="connsiteX0" y="connsiteY0"/>
+              </a:cxn>
+              <a:cxn ang="0">
+                <a:pos x="connsiteX1" y="connsiteY1"/>
+              </a:cxn>
+              <a:cxn ang="0">
+                <a:pos x="connsiteX2" y="connsiteY2"/>
+              </a:cxn>
+              <a:cxn ang="0">
+                <a:pos x="connsiteX3" y="connsiteY3"/>
+              </a:cxn>
+              <a:cxn ang="0">
+                <a:pos x="connsiteX4" y="connsiteY4"/>
+              </a:cxn>
+              <a:cxn ang="0">
+                <a:pos x="connsiteX5" y="connsiteY5"/>
+              </a:cxn>
+              <a:cxn ang="0">
+                <a:pos x="connsiteX6" y="connsiteY6"/>
+              </a:cxn>
+            </a:cxnLst>
+            <a:rect l="l" t="t" r="r" b="b"/>
+            <a:pathLst>
+              <a:path w="2361406" h="944562">
+                <a:moveTo>
+                  <a:pt x="0" y="0"/>
+                </a:moveTo>
+                <a:lnTo>
+                  <a:pt x="1889125" y="0"/>
+                </a:lnTo>
+                <a:lnTo>
+                  <a:pt x="2361406" y="472281"/>
+                </a:lnTo>
+                <a:lnTo>
+                  <a:pt x="1889125" y="944562"/>
+                </a:lnTo>
+                <a:lnTo>
+                  <a:pt x="0" y="944562"/>
+                </a:lnTo>
+                <a:lnTo>
+                  <a:pt x="472281" y="472281"/>
+                </a:lnTo>
+                <a:lnTo>
+                  <a:pt x="0" y="0"/>
+                </a:lnTo>
+                <a:close/>
+              </a:path>
+            </a:pathLst>
+          </a:custGeom>
+          <a:solidFill>
+            <a:schemeClr val="accent5"/>
+          </a:solidFill>
+          <a:ln>
+            <a:noFill/>
+          </a:ln>
+        </p:spPr>
+        <p:style>
+          <a:lnRef idx="2">
+            <a:schemeClr val="accent1">
+              <a:shade val="50000"/>
+            </a:schemeClr>
+          </a:lnRef>
+          <a:fillRef idx="1">
+            <a:schemeClr val="accent1"/>
+          </a:fillRef>
+          <a:effectRef idx="0">
+            <a:schemeClr val="accent1"/>
+          </a:effectRef>
+          <a:fontRef idx="minor">
+            <a:schemeClr val="lt1"/>
+          </a:fontRef>
+        </p:style>
+        <p:txBody>
+          <a:bodyPr spcFirstLastPara="0" vert="horz" wrap="square" lIns="531971" tIns="29845" rIns="472281" bIns="29845" numCol="1" spcCol="1270" anchor="ctr" anchorCtr="0">
+            <a:noAutofit/>
+          </a:bodyPr>
+          <a:lstStyle/>
+          <a:p>
+            <a:pPr lvl="0" algn="ctr" defTabSz="2089150">
+              <a:lnSpc>
+                <a:spcPct val="90000"/>
+              </a:lnSpc>
+              <a:spcBef>
+                <a:spcPct val="0"/>
+              </a:spcBef>
+              <a:spcAft>
+                <a:spcPct val="35000"/>
+              </a:spcAft>
+            </a:pPr>
+            <a:endParaRPr lang="en-US" sz="4700" kern="1200"/>
+          </a:p>
+        </p:txBody>
+      </p:sp>
+      <p:sp>
+        <p:nvSpPr>
+          <p:cNvPr id="9" name="TextBox 8">
+            <a:extLst>
+              <a:ext uri="{FF2B5EF4-FFF2-40B4-BE49-F238E27FC236}">
+                <a16:creationId xmlns:a16="http://schemas.microsoft.com/office/drawing/2014/main" xmlns="" id="{BD73688B-C56C-4E2B-BB01-D50218241912}"/>
+              </a:ext>
+            </a:extLst>
+          </p:cNvPr>
+          <p:cNvSpPr txBox="1"/>
+          <p:nvPr/>
+        </p:nvSpPr>
+        <p:spPr>
+          <a:xfrm>
+            <a:off x="1437345" y="3742017"/>
+            <a:ext cx="2396145" cy="400110"/>
+          </a:xfrm>
+          <a:prstGeom prst="rect">
+            <a:avLst/>
+          </a:prstGeom>
+          <a:noFill/>
+        </p:spPr>
+        <p:txBody>
+          <a:bodyPr wrap="square" rtlCol="0">
+            <a:spAutoFit/>
+          </a:bodyPr>
+          <a:lstStyle/>
+          <a:p>
+            <a:pPr algn="ctr"/>
+            <a:r>
+              <a:rPr lang="en-GB" sz="2000" b="1">
+                <a:solidFill>
+                  <a:srgbClr val="FFFFFF"/>
+                </a:solidFill>
+                <a:latin typeface="Segoe UI bold" panose="020B0802040204020203" pitchFamily="34" charset="0"/>
+                <a:ea typeface="Segoe UI bold" panose="020B0802040204020203" pitchFamily="34" charset="0"/>
+                <a:cs typeface="Segoe UI bold" panose="020B0802040204020203" pitchFamily="34" charset="0"/>
+              </a:rPr>
+              <a:t>Khó khăn, hạn chế</a:t>
+            </a:r>
+            <a:endParaRPr lang="en-US" sz="2000" b="1">
+              <a:solidFill>
+                <a:srgbClr val="FFFFFF"/>
+              </a:solidFill>
+              <a:latin typeface="Segoe UI bold" panose="020B0802040204020203" pitchFamily="34" charset="0"/>
+              <a:ea typeface="Segoe UI bold" panose="020B0802040204020203" pitchFamily="34" charset="0"/>
+              <a:cs typeface="Segoe UI bold" panose="020B0802040204020203" pitchFamily="34" charset="0"/>
+            </a:endParaRPr>
+          </a:p>
+        </p:txBody>
+      </p:sp>
+      <p:sp>
+        <p:nvSpPr>
+          <p:cNvPr id="10" name="Freeform 18">
+            <a:extLst>
+              <a:ext uri="{FF2B5EF4-FFF2-40B4-BE49-F238E27FC236}">
+                <a16:creationId xmlns:a16="http://schemas.microsoft.com/office/drawing/2014/main" xmlns="" id="{8D79CFD2-B3E4-4988-9C57-CDF979216AC8}"/>
+              </a:ext>
+            </a:extLst>
+          </p:cNvPr>
+          <p:cNvSpPr/>
+          <p:nvPr/>
+        </p:nvSpPr>
+        <p:spPr>
+          <a:xfrm>
+            <a:off x="806892" y="4876142"/>
+            <a:ext cx="3249953" cy="1072284"/>
+          </a:xfrm>
+          <a:custGeom>
+            <a:avLst/>
+            <a:gdLst>
+              <a:gd name="connsiteX0" fmla="*/ 0 w 2361406"/>
+              <a:gd name="connsiteY0" fmla="*/ 0 h 944562"/>
+              <a:gd name="connsiteX1" fmla="*/ 1889125 w 2361406"/>
+              <a:gd name="connsiteY1" fmla="*/ 0 h 944562"/>
+              <a:gd name="connsiteX2" fmla="*/ 2361406 w 2361406"/>
+              <a:gd name="connsiteY2" fmla="*/ 472281 h 944562"/>
+              <a:gd name="connsiteX3" fmla="*/ 1889125 w 2361406"/>
+              <a:gd name="connsiteY3" fmla="*/ 944562 h 944562"/>
+              <a:gd name="connsiteX4" fmla="*/ 0 w 2361406"/>
+              <a:gd name="connsiteY4" fmla="*/ 944562 h 944562"/>
+              <a:gd name="connsiteX5" fmla="*/ 472281 w 2361406"/>
+              <a:gd name="connsiteY5" fmla="*/ 472281 h 944562"/>
+              <a:gd name="connsiteX6" fmla="*/ 0 w 2361406"/>
+              <a:gd name="connsiteY6" fmla="*/ 0 h 944562"/>
+            </a:gdLst>
+            <a:ahLst/>
+            <a:cxnLst>
+              <a:cxn ang="0">
+                <a:pos x="connsiteX0" y="connsiteY0"/>
+              </a:cxn>
+              <a:cxn ang="0">
+                <a:pos x="connsiteX1" y="connsiteY1"/>
+              </a:cxn>
+              <a:cxn ang="0">
+                <a:pos x="connsiteX2" y="connsiteY2"/>
+              </a:cxn>
+              <a:cxn ang="0">
+                <a:pos x="connsiteX3" y="connsiteY3"/>
+              </a:cxn>
+              <a:cxn ang="0">
+                <a:pos x="connsiteX4" y="connsiteY4"/>
+              </a:cxn>
+              <a:cxn ang="0">
+                <a:pos x="connsiteX5" y="connsiteY5"/>
+              </a:cxn>
+              <a:cxn ang="0">
+                <a:pos x="connsiteX6" y="connsiteY6"/>
+              </a:cxn>
+            </a:cxnLst>
+            <a:rect l="l" t="t" r="r" b="b"/>
+            <a:pathLst>
+              <a:path w="2361406" h="944562">
+                <a:moveTo>
+                  <a:pt x="0" y="0"/>
+                </a:moveTo>
+                <a:lnTo>
+                  <a:pt x="1889125" y="0"/>
+                </a:lnTo>
+                <a:lnTo>
+                  <a:pt x="2361406" y="472281"/>
+                </a:lnTo>
+                <a:lnTo>
+                  <a:pt x="1889125" y="944562"/>
+                </a:lnTo>
+                <a:lnTo>
+                  <a:pt x="0" y="944562"/>
+                </a:lnTo>
+                <a:lnTo>
+                  <a:pt x="472281" y="472281"/>
+                </a:lnTo>
+                <a:lnTo>
+                  <a:pt x="0" y="0"/>
+                </a:lnTo>
+                <a:close/>
+              </a:path>
+            </a:pathLst>
+          </a:custGeom>
+          <a:solidFill>
+            <a:srgbClr val="00B050"/>
+          </a:solidFill>
+          <a:ln>
+            <a:solidFill>
+              <a:schemeClr val="accent2"/>
+            </a:solidFill>
+          </a:ln>
+        </p:spPr>
+        <p:style>
+          <a:lnRef idx="2">
+            <a:schemeClr val="accent4">
+              <a:shade val="50000"/>
+            </a:schemeClr>
+          </a:lnRef>
+          <a:fillRef idx="1">
+            <a:schemeClr val="accent4"/>
+          </a:fillRef>
+          <a:effectRef idx="0">
+            <a:schemeClr val="accent4"/>
+          </a:effectRef>
+          <a:fontRef idx="minor">
+            <a:schemeClr val="lt1"/>
+          </a:fontRef>
+        </p:style>
+        <p:txBody>
+          <a:bodyPr spcFirstLastPara="0" vert="horz" wrap="square" lIns="544671" tIns="36195" rIns="472281" bIns="36195" numCol="1" spcCol="1270" anchor="ctr" anchorCtr="0">
+            <a:noAutofit/>
+          </a:bodyPr>
+          <a:lstStyle/>
+          <a:p>
+            <a:pPr lvl="0" algn="ctr" defTabSz="2533650">
+              <a:lnSpc>
+                <a:spcPct val="90000"/>
+              </a:lnSpc>
+              <a:spcBef>
+                <a:spcPct val="0"/>
+              </a:spcBef>
+              <a:spcAft>
+                <a:spcPct val="35000"/>
+              </a:spcAft>
+            </a:pPr>
+            <a:endParaRPr lang="en-US" sz="5700" kern="1200"/>
+          </a:p>
+        </p:txBody>
+      </p:sp>
+      <p:sp>
+        <p:nvSpPr>
+          <p:cNvPr id="11" name="TextBox 10">
+            <a:extLst>
+              <a:ext uri="{FF2B5EF4-FFF2-40B4-BE49-F238E27FC236}">
+                <a16:creationId xmlns:a16="http://schemas.microsoft.com/office/drawing/2014/main" xmlns="" id="{25FA46BD-2039-4948-A0DD-D785B75C915A}"/>
+              </a:ext>
+            </a:extLst>
+          </p:cNvPr>
+          <p:cNvSpPr txBox="1"/>
+          <p:nvPr/>
+        </p:nvSpPr>
+        <p:spPr>
+          <a:xfrm>
+            <a:off x="1441897" y="5212229"/>
+            <a:ext cx="2289409" cy="400110"/>
+          </a:xfrm>
+          <a:prstGeom prst="rect">
+            <a:avLst/>
+          </a:prstGeom>
+          <a:noFill/>
+        </p:spPr>
+        <p:txBody>
+          <a:bodyPr wrap="none" rtlCol="0">
+            <a:spAutoFit/>
+          </a:bodyPr>
+          <a:lstStyle/>
+          <a:p>
+            <a:pPr algn="ctr"/>
+            <a:r>
+              <a:rPr lang="en-GB" sz="2000" b="1">
+                <a:solidFill>
+                  <a:srgbClr val="FFFFFF"/>
+                </a:solidFill>
+                <a:latin typeface="Segoe UI bold" panose="020B0802040204020203" pitchFamily="34" charset="0"/>
+                <a:ea typeface="Segoe UI bold" panose="020B0802040204020203" pitchFamily="34" charset="0"/>
+                <a:cs typeface="Segoe UI bold" panose="020B0802040204020203" pitchFamily="34" charset="0"/>
+              </a:rPr>
+              <a:t>H</a:t>
+            </a:r>
+            <a:r>
+              <a:rPr lang="vi-VN" sz="2000" b="1">
+                <a:solidFill>
+                  <a:srgbClr val="FFFFFF"/>
+                </a:solidFill>
+                <a:latin typeface="Segoe UI bold" panose="020B0802040204020203" pitchFamily="34" charset="0"/>
+                <a:ea typeface="Segoe UI bold" panose="020B0802040204020203" pitchFamily="34" charset="0"/>
+                <a:cs typeface="Segoe UI bold" panose="020B0802040204020203" pitchFamily="34" charset="0"/>
+              </a:rPr>
+              <a:t>ư</a:t>
+            </a:r>
+            <a:r>
+              <a:rPr lang="en-GB" sz="2000" b="1">
+                <a:solidFill>
+                  <a:srgbClr val="FFFFFF"/>
+                </a:solidFill>
+                <a:latin typeface="Segoe UI bold" panose="020B0802040204020203" pitchFamily="34" charset="0"/>
+                <a:ea typeface="Segoe UI bold" panose="020B0802040204020203" pitchFamily="34" charset="0"/>
+                <a:cs typeface="Segoe UI bold" panose="020B0802040204020203" pitchFamily="34" charset="0"/>
+              </a:rPr>
+              <a:t>ớng phát triển</a:t>
+            </a:r>
+            <a:endParaRPr lang="en-US" sz="2000" b="1">
+              <a:solidFill>
+                <a:srgbClr val="FFFFFF"/>
+              </a:solidFill>
+              <a:latin typeface="Segoe UI bold" panose="020B0802040204020203" pitchFamily="34" charset="0"/>
+              <a:ea typeface="Segoe UI bold" panose="020B0802040204020203" pitchFamily="34" charset="0"/>
+              <a:cs typeface="Segoe UI bold" panose="020B0802040204020203" pitchFamily="34" charset="0"/>
+            </a:endParaRPr>
+          </a:p>
+        </p:txBody>
+      </p:sp>
+      <p:sp>
+        <p:nvSpPr>
+          <p:cNvPr id="24" name="Title 1"/>
+          <p:cNvSpPr txBox="1">
+            <a:spLocks/>
+          </p:cNvSpPr>
+          <p:nvPr/>
+        </p:nvSpPr>
+        <p:spPr>
+          <a:xfrm>
+            <a:off x="4472907" y="1815924"/>
+            <a:ext cx="4640004" cy="1326523"/>
+          </a:xfrm>
+          <a:prstGeom prst="rect">
+            <a:avLst/>
+          </a:prstGeom>
+        </p:spPr>
+        <p:txBody>
+          <a:bodyPr vert="horz" lIns="91440" tIns="45720" rIns="91440" bIns="45720" rtlCol="0" anchor="t">
+            <a:normAutofit/>
+          </a:bodyPr>
+          <a:lstStyle>
+            <a:lvl1pPr algn="l" defTabSz="457200" rtl="0" eaLnBrk="1" latinLnBrk="0" hangingPunct="1">
+              <a:spcBef>
+                <a:spcPct val="0"/>
+              </a:spcBef>
+              <a:buNone/>
+              <a:defRPr sz="3600" kern="1200">
+                <a:solidFill>
+                  <a:schemeClr val="accent1"/>
+                </a:solidFill>
+                <a:latin typeface="+mj-lt"/>
+                <a:ea typeface="+mj-ea"/>
+                <a:cs typeface="+mj-cs"/>
+              </a:defRPr>
+            </a:lvl1pPr>
+            <a:lvl2pPr eaLnBrk="1" hangingPunct="1">
+              <a:defRPr>
+                <a:solidFill>
+                  <a:schemeClr val="tx2"/>
+                </a:solidFill>
+              </a:defRPr>
+            </a:lvl2pPr>
+            <a:lvl3pPr eaLnBrk="1" hangingPunct="1">
+              <a:defRPr>
+                <a:solidFill>
+                  <a:schemeClr val="tx2"/>
+                </a:solidFill>
+              </a:defRPr>
+            </a:lvl3pPr>
+            <a:lvl4pPr eaLnBrk="1" hangingPunct="1">
+              <a:defRPr>
+                <a:solidFill>
+                  <a:schemeClr val="tx2"/>
+                </a:solidFill>
+              </a:defRPr>
+            </a:lvl4pPr>
+            <a:lvl5pPr eaLnBrk="1" hangingPunct="1">
+              <a:defRPr>
+                <a:solidFill>
+                  <a:schemeClr val="tx2"/>
+                </a:solidFill>
+              </a:defRPr>
+            </a:lvl5pPr>
+            <a:lvl6pPr eaLnBrk="1" hangingPunct="1">
+              <a:defRPr>
+                <a:solidFill>
+                  <a:schemeClr val="tx2"/>
+                </a:solidFill>
+              </a:defRPr>
+            </a:lvl6pPr>
+            <a:lvl7pPr eaLnBrk="1" hangingPunct="1">
+              <a:defRPr>
+                <a:solidFill>
+                  <a:schemeClr val="tx2"/>
+                </a:solidFill>
+              </a:defRPr>
+            </a:lvl7pPr>
+            <a:lvl8pPr eaLnBrk="1" hangingPunct="1">
+              <a:defRPr>
+                <a:solidFill>
+                  <a:schemeClr val="tx2"/>
+                </a:solidFill>
+              </a:defRPr>
+            </a:lvl8pPr>
+            <a:lvl9pPr eaLnBrk="1" hangingPunct="1">
+              <a:defRPr>
+                <a:solidFill>
+                  <a:schemeClr val="tx2"/>
+                </a:solidFill>
+              </a:defRPr>
+            </a:lvl9pPr>
+          </a:lstStyle>
+          <a:p>
+            <a:pPr marL="571500" indent="-571500" algn="just">
+              <a:buFont typeface="Wingdings" panose="05000000000000000000" pitchFamily="2" charset="2"/>
+              <a:buChar char="§"/>
+            </a:pPr>
+            <a:r>
+              <a:rPr lang="vi-VN" sz="2000" smtClean="0">
+                <a:solidFill>
+                  <a:schemeClr val="tx1"/>
+                </a:solidFill>
+                <a:latin typeface="+mn-lt"/>
+              </a:rPr>
+              <a:t>Hiểu các </a:t>
+            </a:r>
+            <a:r>
+              <a:rPr lang="vi-VN" sz="2000" smtClean="0">
+                <a:solidFill>
+                  <a:schemeClr val="tx1"/>
+                </a:solidFill>
+                <a:latin typeface="+mn-lt"/>
+              </a:rPr>
+              <a:t>kiến thức cơ bản về lập trình ứng dụng Android</a:t>
+            </a:r>
+          </a:p>
+          <a:p>
+            <a:pPr marL="571500" indent="-571500" algn="just">
+              <a:buFont typeface="Wingdings" panose="05000000000000000000" pitchFamily="2" charset="2"/>
+              <a:buChar char="§"/>
+            </a:pPr>
+            <a:r>
+              <a:rPr lang="vi-VN" sz="2000" smtClean="0">
+                <a:solidFill>
+                  <a:schemeClr val="tx1"/>
+                </a:solidFill>
+                <a:latin typeface="+mn-lt"/>
+              </a:rPr>
+              <a:t>Xây dựng ứng dụng thực nghiệm</a:t>
+            </a:r>
+          </a:p>
+          <a:p>
+            <a:pPr marL="571500" indent="-571500" algn="just">
+              <a:buFont typeface="Wingdings" panose="05000000000000000000" pitchFamily="2" charset="2"/>
+              <a:buChar char="§"/>
+            </a:pPr>
+            <a:r>
+              <a:rPr lang="vi-VN" sz="2000" smtClean="0">
+                <a:solidFill>
+                  <a:schemeClr val="tx1"/>
+                </a:solidFill>
+                <a:latin typeface="+mn-lt"/>
+              </a:rPr>
+              <a:t>Đưa ứng dụng lên Google Play</a:t>
+            </a:r>
+            <a:endParaRPr lang="vi-VN" sz="2000">
+              <a:solidFill>
+                <a:schemeClr val="tx1"/>
+              </a:solidFill>
+              <a:latin typeface="+mn-lt"/>
+            </a:endParaRPr>
+          </a:p>
+        </p:txBody>
+      </p:sp>
+      <p:sp>
+        <p:nvSpPr>
+          <p:cNvPr id="25" name="Title 1"/>
+          <p:cNvSpPr txBox="1">
+            <a:spLocks/>
+          </p:cNvSpPr>
+          <p:nvPr/>
+        </p:nvSpPr>
+        <p:spPr>
+          <a:xfrm>
+            <a:off x="4472907" y="3348509"/>
+            <a:ext cx="4640004" cy="1313644"/>
+          </a:xfrm>
+          <a:prstGeom prst="rect">
+            <a:avLst/>
+          </a:prstGeom>
+        </p:spPr>
+        <p:txBody>
+          <a:bodyPr vert="horz" lIns="91440" tIns="45720" rIns="91440" bIns="45720" rtlCol="0" anchor="t">
+            <a:normAutofit/>
+          </a:bodyPr>
+          <a:lstStyle>
+            <a:lvl1pPr algn="l" defTabSz="457200" rtl="0" eaLnBrk="1" latinLnBrk="0" hangingPunct="1">
+              <a:spcBef>
+                <a:spcPct val="0"/>
+              </a:spcBef>
+              <a:buNone/>
+              <a:defRPr sz="3600" kern="1200">
+                <a:solidFill>
+                  <a:schemeClr val="accent1"/>
+                </a:solidFill>
+                <a:latin typeface="+mj-lt"/>
+                <a:ea typeface="+mj-ea"/>
+                <a:cs typeface="+mj-cs"/>
+              </a:defRPr>
+            </a:lvl1pPr>
+            <a:lvl2pPr eaLnBrk="1" hangingPunct="1">
+              <a:defRPr>
+                <a:solidFill>
+                  <a:schemeClr val="tx2"/>
+                </a:solidFill>
+              </a:defRPr>
+            </a:lvl2pPr>
+            <a:lvl3pPr eaLnBrk="1" hangingPunct="1">
+              <a:defRPr>
+                <a:solidFill>
+                  <a:schemeClr val="tx2"/>
+                </a:solidFill>
+              </a:defRPr>
+            </a:lvl3pPr>
+            <a:lvl4pPr eaLnBrk="1" hangingPunct="1">
+              <a:defRPr>
+                <a:solidFill>
+                  <a:schemeClr val="tx2"/>
+                </a:solidFill>
+              </a:defRPr>
+            </a:lvl4pPr>
+            <a:lvl5pPr eaLnBrk="1" hangingPunct="1">
+              <a:defRPr>
+                <a:solidFill>
+                  <a:schemeClr val="tx2"/>
+                </a:solidFill>
+              </a:defRPr>
+            </a:lvl5pPr>
+            <a:lvl6pPr eaLnBrk="1" hangingPunct="1">
+              <a:defRPr>
+                <a:solidFill>
+                  <a:schemeClr val="tx2"/>
+                </a:solidFill>
+              </a:defRPr>
+            </a:lvl6pPr>
+            <a:lvl7pPr eaLnBrk="1" hangingPunct="1">
+              <a:defRPr>
+                <a:solidFill>
+                  <a:schemeClr val="tx2"/>
+                </a:solidFill>
+              </a:defRPr>
+            </a:lvl7pPr>
+            <a:lvl8pPr eaLnBrk="1" hangingPunct="1">
+              <a:defRPr>
+                <a:solidFill>
+                  <a:schemeClr val="tx2"/>
+                </a:solidFill>
+              </a:defRPr>
+            </a:lvl8pPr>
+            <a:lvl9pPr eaLnBrk="1" hangingPunct="1">
+              <a:defRPr>
+                <a:solidFill>
+                  <a:schemeClr val="tx2"/>
+                </a:solidFill>
+              </a:defRPr>
+            </a:lvl9pPr>
+          </a:lstStyle>
+          <a:p>
+            <a:pPr marL="571500" indent="-571500" algn="just">
+              <a:buFont typeface="Wingdings" panose="05000000000000000000" pitchFamily="2" charset="2"/>
+              <a:buChar char="§"/>
+            </a:pPr>
+            <a:r>
+              <a:rPr lang="vi-VN" sz="2000" smtClean="0">
+                <a:solidFill>
+                  <a:schemeClr val="tx1"/>
+                </a:solidFill>
+                <a:latin typeface="+mn-lt"/>
+              </a:rPr>
+              <a:t>Cách thiết kế ứng dụng chưa được đẹp</a:t>
+            </a:r>
+          </a:p>
+          <a:p>
+            <a:pPr marL="571500" indent="-571500" algn="just">
+              <a:buFont typeface="Wingdings" panose="05000000000000000000" pitchFamily="2" charset="2"/>
+              <a:buChar char="§"/>
+            </a:pPr>
+            <a:r>
+              <a:rPr lang="vi-VN" sz="2000" smtClean="0">
+                <a:solidFill>
+                  <a:schemeClr val="tx1"/>
+                </a:solidFill>
+                <a:latin typeface="+mn-lt"/>
+              </a:rPr>
+              <a:t>Thiếu một số chức năng cần thiết cho ứng dụng</a:t>
+            </a:r>
+          </a:p>
+          <a:p>
+            <a:pPr marL="571500" indent="-571500">
+              <a:buFont typeface="Wingdings" panose="05000000000000000000" pitchFamily="2" charset="2"/>
+              <a:buChar char="§"/>
+            </a:pPr>
+            <a:endParaRPr lang="vi-VN" sz="2000">
+              <a:solidFill>
+                <a:schemeClr val="tx1"/>
+              </a:solidFill>
+              <a:latin typeface="+mn-lt"/>
+            </a:endParaRPr>
+          </a:p>
+        </p:txBody>
+      </p:sp>
+      <p:sp>
+        <p:nvSpPr>
+          <p:cNvPr id="26" name="Title 1"/>
+          <p:cNvSpPr txBox="1">
+            <a:spLocks/>
+          </p:cNvSpPr>
+          <p:nvPr/>
+        </p:nvSpPr>
+        <p:spPr>
+          <a:xfrm>
+            <a:off x="4633998" y="4890259"/>
+            <a:ext cx="4640004" cy="1444159"/>
+          </a:xfrm>
+          <a:prstGeom prst="rect">
+            <a:avLst/>
+          </a:prstGeom>
+        </p:spPr>
+        <p:txBody>
+          <a:bodyPr vert="horz" lIns="91440" tIns="45720" rIns="91440" bIns="45720" rtlCol="0" anchor="t">
+            <a:normAutofit/>
+          </a:bodyPr>
+          <a:lstStyle>
+            <a:lvl1pPr algn="l" defTabSz="457200" rtl="0" eaLnBrk="1" latinLnBrk="0" hangingPunct="1">
+              <a:spcBef>
+                <a:spcPct val="0"/>
+              </a:spcBef>
+              <a:buNone/>
+              <a:defRPr sz="3600" kern="1200">
+                <a:solidFill>
+                  <a:schemeClr val="accent1"/>
+                </a:solidFill>
+                <a:latin typeface="+mj-lt"/>
+                <a:ea typeface="+mj-ea"/>
+                <a:cs typeface="+mj-cs"/>
+              </a:defRPr>
+            </a:lvl1pPr>
+            <a:lvl2pPr eaLnBrk="1" hangingPunct="1">
+              <a:defRPr>
+                <a:solidFill>
+                  <a:schemeClr val="tx2"/>
+                </a:solidFill>
+              </a:defRPr>
+            </a:lvl2pPr>
+            <a:lvl3pPr eaLnBrk="1" hangingPunct="1">
+              <a:defRPr>
+                <a:solidFill>
+                  <a:schemeClr val="tx2"/>
+                </a:solidFill>
+              </a:defRPr>
+            </a:lvl3pPr>
+            <a:lvl4pPr eaLnBrk="1" hangingPunct="1">
+              <a:defRPr>
+                <a:solidFill>
+                  <a:schemeClr val="tx2"/>
+                </a:solidFill>
+              </a:defRPr>
+            </a:lvl4pPr>
+            <a:lvl5pPr eaLnBrk="1" hangingPunct="1">
+              <a:defRPr>
+                <a:solidFill>
+                  <a:schemeClr val="tx2"/>
+                </a:solidFill>
+              </a:defRPr>
+            </a:lvl5pPr>
+            <a:lvl6pPr eaLnBrk="1" hangingPunct="1">
+              <a:defRPr>
+                <a:solidFill>
+                  <a:schemeClr val="tx2"/>
+                </a:solidFill>
+              </a:defRPr>
+            </a:lvl6pPr>
+            <a:lvl7pPr eaLnBrk="1" hangingPunct="1">
+              <a:defRPr>
+                <a:solidFill>
+                  <a:schemeClr val="tx2"/>
+                </a:solidFill>
+              </a:defRPr>
+            </a:lvl7pPr>
+            <a:lvl8pPr eaLnBrk="1" hangingPunct="1">
+              <a:defRPr>
+                <a:solidFill>
+                  <a:schemeClr val="tx2"/>
+                </a:solidFill>
+              </a:defRPr>
+            </a:lvl8pPr>
+            <a:lvl9pPr eaLnBrk="1" hangingPunct="1">
+              <a:defRPr>
+                <a:solidFill>
+                  <a:schemeClr val="tx2"/>
+                </a:solidFill>
+              </a:defRPr>
+            </a:lvl9pPr>
+          </a:lstStyle>
+          <a:p>
+            <a:pPr marL="571500" indent="-571500">
+              <a:buFont typeface="Wingdings" panose="05000000000000000000" pitchFamily="2" charset="2"/>
+              <a:buChar char="§"/>
+            </a:pPr>
+            <a:endParaRPr lang="vi-VN" sz="2000">
+              <a:solidFill>
+                <a:schemeClr val="tx1"/>
+              </a:solidFill>
+              <a:latin typeface="+mn-lt"/>
+            </a:endParaRPr>
+          </a:p>
+        </p:txBody>
+      </p:sp>
+      <p:sp>
+        <p:nvSpPr>
+          <p:cNvPr id="27" name="Title 1"/>
+          <p:cNvSpPr txBox="1">
+            <a:spLocks/>
+          </p:cNvSpPr>
+          <p:nvPr/>
+        </p:nvSpPr>
+        <p:spPr>
+          <a:xfrm>
+            <a:off x="4472907" y="4818190"/>
+            <a:ext cx="4640004" cy="1337911"/>
+          </a:xfrm>
+          <a:prstGeom prst="rect">
+            <a:avLst/>
+          </a:prstGeom>
+        </p:spPr>
+        <p:txBody>
+          <a:bodyPr vert="horz" lIns="91440" tIns="45720" rIns="91440" bIns="45720" rtlCol="0" anchor="t">
+            <a:normAutofit/>
+          </a:bodyPr>
+          <a:lstStyle>
+            <a:lvl1pPr algn="l" defTabSz="457200" rtl="0" eaLnBrk="1" latinLnBrk="0" hangingPunct="1">
+              <a:spcBef>
+                <a:spcPct val="0"/>
+              </a:spcBef>
+              <a:buNone/>
+              <a:defRPr sz="3600" kern="1200">
+                <a:solidFill>
+                  <a:schemeClr val="accent1"/>
+                </a:solidFill>
+                <a:latin typeface="+mj-lt"/>
+                <a:ea typeface="+mj-ea"/>
+                <a:cs typeface="+mj-cs"/>
+              </a:defRPr>
+            </a:lvl1pPr>
+            <a:lvl2pPr eaLnBrk="1" hangingPunct="1">
+              <a:defRPr>
+                <a:solidFill>
+                  <a:schemeClr val="tx2"/>
+                </a:solidFill>
+              </a:defRPr>
+            </a:lvl2pPr>
+            <a:lvl3pPr eaLnBrk="1" hangingPunct="1">
+              <a:defRPr>
+                <a:solidFill>
+                  <a:schemeClr val="tx2"/>
+                </a:solidFill>
+              </a:defRPr>
+            </a:lvl3pPr>
+            <a:lvl4pPr eaLnBrk="1" hangingPunct="1">
+              <a:defRPr>
+                <a:solidFill>
+                  <a:schemeClr val="tx2"/>
+                </a:solidFill>
+              </a:defRPr>
+            </a:lvl4pPr>
+            <a:lvl5pPr eaLnBrk="1" hangingPunct="1">
+              <a:defRPr>
+                <a:solidFill>
+                  <a:schemeClr val="tx2"/>
+                </a:solidFill>
+              </a:defRPr>
+            </a:lvl5pPr>
+            <a:lvl6pPr eaLnBrk="1" hangingPunct="1">
+              <a:defRPr>
+                <a:solidFill>
+                  <a:schemeClr val="tx2"/>
+                </a:solidFill>
+              </a:defRPr>
+            </a:lvl6pPr>
+            <a:lvl7pPr eaLnBrk="1" hangingPunct="1">
+              <a:defRPr>
+                <a:solidFill>
+                  <a:schemeClr val="tx2"/>
+                </a:solidFill>
+              </a:defRPr>
+            </a:lvl7pPr>
+            <a:lvl8pPr eaLnBrk="1" hangingPunct="1">
+              <a:defRPr>
+                <a:solidFill>
+                  <a:schemeClr val="tx2"/>
+                </a:solidFill>
+              </a:defRPr>
+            </a:lvl8pPr>
+            <a:lvl9pPr eaLnBrk="1" hangingPunct="1">
+              <a:defRPr>
+                <a:solidFill>
+                  <a:schemeClr val="tx2"/>
+                </a:solidFill>
+              </a:defRPr>
+            </a:lvl9pPr>
+          </a:lstStyle>
+          <a:p>
+            <a:pPr marL="571500" indent="-571500" algn="just">
+              <a:buFont typeface="Wingdings" panose="05000000000000000000" pitchFamily="2" charset="2"/>
+              <a:buChar char="§"/>
+            </a:pPr>
+            <a:r>
+              <a:rPr lang="vi-VN" sz="2000" smtClean="0">
+                <a:solidFill>
+                  <a:schemeClr val="tx1"/>
+                </a:solidFill>
+                <a:latin typeface="+mn-lt"/>
+              </a:rPr>
+              <a:t>Thiết kế ứng dụng chuyên nghiệp hơn</a:t>
+            </a:r>
+          </a:p>
+          <a:p>
+            <a:pPr marL="571500" indent="-571500" algn="just">
+              <a:buFont typeface="Wingdings" panose="05000000000000000000" pitchFamily="2" charset="2"/>
+              <a:buChar char="§"/>
+            </a:pPr>
+            <a:r>
+              <a:rPr lang="vi-VN" sz="2000" smtClean="0">
+                <a:solidFill>
+                  <a:schemeClr val="tx1"/>
+                </a:solidFill>
+                <a:latin typeface="+mn-lt"/>
+              </a:rPr>
+              <a:t>Thêm các tính năng cần thiết cho ứng dụng</a:t>
+            </a:r>
+            <a:endParaRPr lang="vi-VN" sz="2000">
+              <a:solidFill>
+                <a:schemeClr val="tx1"/>
+              </a:solidFill>
+              <a:latin typeface="+mn-lt"/>
+            </a:endParaRPr>
+          </a:p>
+        </p:txBody>
+      </p:sp>
+    </p:spTree>
+    <p:extLst>
+      <p:ext uri="{BB962C8B-B14F-4D97-AF65-F5344CB8AC3E}">
+        <p14:creationId xmlns:p14="http://schemas.microsoft.com/office/powerpoint/2010/main" val="939976921"/>
+      </p:ext>
+    </p:extLst>
+  </p:cSld>
+  <p:clrMapOvr>
+    <a:masterClrMapping/>
+  </p:clrMapOvr>
+  <p:timing>
+    <p:tnLst>
+      <p:par>
+        <p:cTn id="1" dur="indefinite" restart="never" nodeType="tmRoot">
+          <p:childTnLst>
+            <p:seq concurrent="1" nextAc="seek">
+              <p:cTn id="2" dur="indefinite" nodeType="mainSeq">
+                <p:childTnLst>
+                  <p:par>
+                    <p:cTn id="3" fill="hold">
+                      <p:stCondLst>
+                        <p:cond delay="indefinite"/>
+                      </p:stCondLst>
+                      <p:childTnLst>
+                        <p:par>
+                          <p:cTn id="4" fill="hold">
+                            <p:stCondLst>
+                              <p:cond delay="0"/>
+                            </p:stCondLst>
+                            <p:childTnLst>
+                              <p:par>
+                                <p:cTn id="5" presetID="42" presetClass="entr" presetSubtype="0" fill="hold" grpId="0" nodeType="clickEffect">
+                                  <p:stCondLst>
+                                    <p:cond delay="0"/>
+                                  </p:stCondLst>
+                                  <p:childTnLst>
+                                    <p:set>
+                                      <p:cBhvr>
+                                        <p:cTn id="6" dur="1" fill="hold">
+                                          <p:stCondLst>
+                                            <p:cond delay="0"/>
+                                          </p:stCondLst>
+                                        </p:cTn>
+                                        <p:tgtEl>
+                                          <p:spTgt spid="6"/>
+                                        </p:tgtEl>
+                                        <p:attrNameLst>
+                                          <p:attrName>style.visibility</p:attrName>
+                                        </p:attrNameLst>
+                                      </p:cBhvr>
+                                      <p:to>
+                                        <p:strVal val="visible"/>
+                                      </p:to>
+                                    </p:set>
+                                    <p:animEffect transition="in" filter="fade">
+                                      <p:cBhvr>
+                                        <p:cTn id="7" dur="1000"/>
+                                        <p:tgtEl>
+                                          <p:spTgt spid="6"/>
+                                        </p:tgtEl>
+                                      </p:cBhvr>
+                                    </p:animEffect>
+                                    <p:anim calcmode="lin" valueType="num">
+                                      <p:cBhvr>
+                                        <p:cTn id="8" dur="1000" fill="hold"/>
+                                        <p:tgtEl>
+                                          <p:spTgt spid="6"/>
+                                        </p:tgtEl>
+                                        <p:attrNameLst>
+                                          <p:attrName>ppt_x</p:attrName>
+                                        </p:attrNameLst>
+                                      </p:cBhvr>
+                                      <p:tavLst>
+                                        <p:tav tm="0">
+                                          <p:val>
+                                            <p:strVal val="#ppt_x"/>
+                                          </p:val>
+                                        </p:tav>
+                                        <p:tav tm="100000">
+                                          <p:val>
+                                            <p:strVal val="#ppt_x"/>
+                                          </p:val>
+                                        </p:tav>
+                                      </p:tavLst>
+                                    </p:anim>
+                                    <p:anim calcmode="lin" valueType="num">
+                                      <p:cBhvr>
+                                        <p:cTn id="9" dur="1000" fill="hold"/>
+                                        <p:tgtEl>
+                                          <p:spTgt spid="6"/>
+                                        </p:tgtEl>
+                                        <p:attrNameLst>
+                                          <p:attrName>ppt_y</p:attrName>
+                                        </p:attrNameLst>
+                                      </p:cBhvr>
+                                      <p:tavLst>
+                                        <p:tav tm="0">
+                                          <p:val>
+                                            <p:strVal val="#ppt_y+.1"/>
+                                          </p:val>
+                                        </p:tav>
+                                        <p:tav tm="100000">
+                                          <p:val>
+                                            <p:strVal val="#ppt_y"/>
+                                          </p:val>
+                                        </p:tav>
+                                      </p:tavLst>
+                                    </p:anim>
+                                  </p:childTnLst>
+                                </p:cTn>
+                              </p:par>
+                              <p:par>
+                                <p:cTn id="10" presetID="42" presetClass="entr" presetSubtype="0" fill="hold" grpId="0" nodeType="withEffect">
+                                  <p:stCondLst>
+                                    <p:cond delay="0"/>
+                                  </p:stCondLst>
+                                  <p:childTnLst>
+                                    <p:set>
+                                      <p:cBhvr>
+                                        <p:cTn id="11" dur="1" fill="hold">
+                                          <p:stCondLst>
+                                            <p:cond delay="0"/>
+                                          </p:stCondLst>
+                                        </p:cTn>
+                                        <p:tgtEl>
+                                          <p:spTgt spid="7"/>
+                                        </p:tgtEl>
+                                        <p:attrNameLst>
+                                          <p:attrName>style.visibility</p:attrName>
+                                        </p:attrNameLst>
+                                      </p:cBhvr>
+                                      <p:to>
+                                        <p:strVal val="visible"/>
+                                      </p:to>
+                                    </p:set>
+                                    <p:animEffect transition="in" filter="fade">
+                                      <p:cBhvr>
+                                        <p:cTn id="12" dur="1000"/>
+                                        <p:tgtEl>
+                                          <p:spTgt spid="7"/>
+                                        </p:tgtEl>
+                                      </p:cBhvr>
+                                    </p:animEffect>
+                                    <p:anim calcmode="lin" valueType="num">
+                                      <p:cBhvr>
+                                        <p:cTn id="13" dur="1000" fill="hold"/>
+                                        <p:tgtEl>
+                                          <p:spTgt spid="7"/>
+                                        </p:tgtEl>
+                                        <p:attrNameLst>
+                                          <p:attrName>ppt_x</p:attrName>
+                                        </p:attrNameLst>
+                                      </p:cBhvr>
+                                      <p:tavLst>
+                                        <p:tav tm="0">
+                                          <p:val>
+                                            <p:strVal val="#ppt_x"/>
+                                          </p:val>
+                                        </p:tav>
+                                        <p:tav tm="100000">
+                                          <p:val>
+                                            <p:strVal val="#ppt_x"/>
+                                          </p:val>
+                                        </p:tav>
+                                      </p:tavLst>
+                                    </p:anim>
+                                    <p:anim calcmode="lin" valueType="num">
+                                      <p:cBhvr>
+                                        <p:cTn id="14" dur="1000" fill="hold"/>
+                                        <p:tgtEl>
+                                          <p:spTgt spid="7"/>
+                                        </p:tgtEl>
+                                        <p:attrNameLst>
+                                          <p:attrName>ppt_y</p:attrName>
+                                        </p:attrNameLst>
+                                      </p:cBhvr>
+                                      <p:tavLst>
+                                        <p:tav tm="0">
+                                          <p:val>
+                                            <p:strVal val="#ppt_y+.1"/>
+                                          </p:val>
+                                        </p:tav>
+                                        <p:tav tm="100000">
+                                          <p:val>
+                                            <p:strVal val="#ppt_y"/>
+                                          </p:val>
+                                        </p:tav>
+                                      </p:tavLst>
+                                    </p:anim>
+                                  </p:childTnLst>
+                                </p:cTn>
+                              </p:par>
+                              <p:par>
+                                <p:cTn id="15" presetID="42" presetClass="entr" presetSubtype="0" fill="hold" grpId="0" nodeType="withEffect">
+                                  <p:stCondLst>
+                                    <p:cond delay="0"/>
+                                  </p:stCondLst>
+                                  <p:childTnLst>
+                                    <p:set>
+                                      <p:cBhvr>
+                                        <p:cTn id="16" dur="1" fill="hold">
+                                          <p:stCondLst>
+                                            <p:cond delay="0"/>
+                                          </p:stCondLst>
+                                        </p:cTn>
+                                        <p:tgtEl>
+                                          <p:spTgt spid="24"/>
+                                        </p:tgtEl>
+                                        <p:attrNameLst>
+                                          <p:attrName>style.visibility</p:attrName>
+                                        </p:attrNameLst>
+                                      </p:cBhvr>
+                                      <p:to>
+                                        <p:strVal val="visible"/>
+                                      </p:to>
+                                    </p:set>
+                                    <p:animEffect transition="in" filter="fade">
+                                      <p:cBhvr>
+                                        <p:cTn id="17" dur="1000"/>
+                                        <p:tgtEl>
+                                          <p:spTgt spid="24"/>
+                                        </p:tgtEl>
+                                      </p:cBhvr>
+                                    </p:animEffect>
+                                    <p:anim calcmode="lin" valueType="num">
+                                      <p:cBhvr>
+                                        <p:cTn id="18" dur="1000" fill="hold"/>
+                                        <p:tgtEl>
+                                          <p:spTgt spid="24"/>
+                                        </p:tgtEl>
+                                        <p:attrNameLst>
+                                          <p:attrName>ppt_x</p:attrName>
+                                        </p:attrNameLst>
+                                      </p:cBhvr>
+                                      <p:tavLst>
+                                        <p:tav tm="0">
+                                          <p:val>
+                                            <p:strVal val="#ppt_x"/>
+                                          </p:val>
+                                        </p:tav>
+                                        <p:tav tm="100000">
+                                          <p:val>
+                                            <p:strVal val="#ppt_x"/>
+                                          </p:val>
+                                        </p:tav>
+                                      </p:tavLst>
+                                    </p:anim>
+                                    <p:anim calcmode="lin" valueType="num">
+                                      <p:cBhvr>
+                                        <p:cTn id="19" dur="1000" fill="hold"/>
+                                        <p:tgtEl>
+                                          <p:spTgt spid="24"/>
+                                        </p:tgtEl>
+                                        <p:attrNameLst>
+                                          <p:attrName>ppt_y</p:attrName>
+                                        </p:attrNameLst>
+                                      </p:cBhvr>
+                                      <p:tavLst>
+                                        <p:tav tm="0">
+                                          <p:val>
+                                            <p:strVal val="#ppt_y+.1"/>
+                                          </p:val>
+                                        </p:tav>
+                                        <p:tav tm="100000">
+                                          <p:val>
+                                            <p:strVal val="#ppt_y"/>
+                                          </p:val>
+                                        </p:tav>
+                                      </p:tavLst>
+                                    </p:anim>
+                                  </p:childTnLst>
+                                </p:cTn>
+                              </p:par>
+                            </p:childTnLst>
+                          </p:cTn>
+                        </p:par>
+                      </p:childTnLst>
+                    </p:cTn>
+                  </p:par>
+                  <p:par>
+                    <p:cTn id="20" fill="hold">
+                      <p:stCondLst>
+                        <p:cond delay="indefinite"/>
+                      </p:stCondLst>
+                      <p:childTnLst>
+                        <p:par>
+                          <p:cTn id="21" fill="hold">
+                            <p:stCondLst>
+                              <p:cond delay="0"/>
+                            </p:stCondLst>
+                            <p:childTnLst>
+                              <p:par>
+                                <p:cTn id="22" presetID="42" presetClass="entr" presetSubtype="0" fill="hold" grpId="0" nodeType="clickEffect">
+                                  <p:stCondLst>
+                                    <p:cond delay="0"/>
+                                  </p:stCondLst>
+                                  <p:childTnLst>
+                                    <p:set>
+                                      <p:cBhvr>
+                                        <p:cTn id="23" dur="1" fill="hold">
+                                          <p:stCondLst>
+                                            <p:cond delay="0"/>
+                                          </p:stCondLst>
+                                        </p:cTn>
+                                        <p:tgtEl>
+                                          <p:spTgt spid="8"/>
+                                        </p:tgtEl>
+                                        <p:attrNameLst>
+                                          <p:attrName>style.visibility</p:attrName>
+                                        </p:attrNameLst>
+                                      </p:cBhvr>
+                                      <p:to>
+                                        <p:strVal val="visible"/>
+                                      </p:to>
+                                    </p:set>
+                                    <p:animEffect transition="in" filter="fade">
+                                      <p:cBhvr>
+                                        <p:cTn id="24" dur="1000"/>
+                                        <p:tgtEl>
+                                          <p:spTgt spid="8"/>
+                                        </p:tgtEl>
+                                      </p:cBhvr>
+                                    </p:animEffect>
+                                    <p:anim calcmode="lin" valueType="num">
+                                      <p:cBhvr>
+                                        <p:cTn id="25" dur="1000" fill="hold"/>
+                                        <p:tgtEl>
+                                          <p:spTgt spid="8"/>
+                                        </p:tgtEl>
+                                        <p:attrNameLst>
+                                          <p:attrName>ppt_x</p:attrName>
+                                        </p:attrNameLst>
+                                      </p:cBhvr>
+                                      <p:tavLst>
+                                        <p:tav tm="0">
+                                          <p:val>
+                                            <p:strVal val="#ppt_x"/>
+                                          </p:val>
+                                        </p:tav>
+                                        <p:tav tm="100000">
+                                          <p:val>
+                                            <p:strVal val="#ppt_x"/>
+                                          </p:val>
+                                        </p:tav>
+                                      </p:tavLst>
+                                    </p:anim>
+                                    <p:anim calcmode="lin" valueType="num">
+                                      <p:cBhvr>
+                                        <p:cTn id="26" dur="1000" fill="hold"/>
+                                        <p:tgtEl>
+                                          <p:spTgt spid="8"/>
+                                        </p:tgtEl>
+                                        <p:attrNameLst>
+                                          <p:attrName>ppt_y</p:attrName>
+                                        </p:attrNameLst>
+                                      </p:cBhvr>
+                                      <p:tavLst>
+                                        <p:tav tm="0">
+                                          <p:val>
+                                            <p:strVal val="#ppt_y+.1"/>
+                                          </p:val>
+                                        </p:tav>
+                                        <p:tav tm="100000">
+                                          <p:val>
+                                            <p:strVal val="#ppt_y"/>
+                                          </p:val>
+                                        </p:tav>
+                                      </p:tavLst>
+                                    </p:anim>
+                                  </p:childTnLst>
+                                </p:cTn>
+                              </p:par>
+                              <p:par>
+                                <p:cTn id="27" presetID="42" presetClass="entr" presetSubtype="0" fill="hold" grpId="0" nodeType="withEffect">
+                                  <p:stCondLst>
+                                    <p:cond delay="0"/>
+                                  </p:stCondLst>
+                                  <p:childTnLst>
+                                    <p:set>
+                                      <p:cBhvr>
+                                        <p:cTn id="28" dur="1" fill="hold">
+                                          <p:stCondLst>
+                                            <p:cond delay="0"/>
+                                          </p:stCondLst>
+                                        </p:cTn>
+                                        <p:tgtEl>
+                                          <p:spTgt spid="9"/>
+                                        </p:tgtEl>
+                                        <p:attrNameLst>
+                                          <p:attrName>style.visibility</p:attrName>
+                                        </p:attrNameLst>
+                                      </p:cBhvr>
+                                      <p:to>
+                                        <p:strVal val="visible"/>
+                                      </p:to>
+                                    </p:set>
+                                    <p:animEffect transition="in" filter="fade">
+                                      <p:cBhvr>
+                                        <p:cTn id="29" dur="1000"/>
+                                        <p:tgtEl>
+                                          <p:spTgt spid="9"/>
+                                        </p:tgtEl>
+                                      </p:cBhvr>
+                                    </p:animEffect>
+                                    <p:anim calcmode="lin" valueType="num">
+                                      <p:cBhvr>
+                                        <p:cTn id="30" dur="1000" fill="hold"/>
+                                        <p:tgtEl>
+                                          <p:spTgt spid="9"/>
+                                        </p:tgtEl>
+                                        <p:attrNameLst>
+                                          <p:attrName>ppt_x</p:attrName>
+                                        </p:attrNameLst>
+                                      </p:cBhvr>
+                                      <p:tavLst>
+                                        <p:tav tm="0">
+                                          <p:val>
+                                            <p:strVal val="#ppt_x"/>
+                                          </p:val>
+                                        </p:tav>
+                                        <p:tav tm="100000">
+                                          <p:val>
+                                            <p:strVal val="#ppt_x"/>
+                                          </p:val>
+                                        </p:tav>
+                                      </p:tavLst>
+                                    </p:anim>
+                                    <p:anim calcmode="lin" valueType="num">
+                                      <p:cBhvr>
+                                        <p:cTn id="31" dur="1000" fill="hold"/>
+                                        <p:tgtEl>
+                                          <p:spTgt spid="9"/>
+                                        </p:tgtEl>
+                                        <p:attrNameLst>
+                                          <p:attrName>ppt_y</p:attrName>
+                                        </p:attrNameLst>
+                                      </p:cBhvr>
+                                      <p:tavLst>
+                                        <p:tav tm="0">
+                                          <p:val>
+                                            <p:strVal val="#ppt_y+.1"/>
+                                          </p:val>
+                                        </p:tav>
+                                        <p:tav tm="100000">
+                                          <p:val>
+                                            <p:strVal val="#ppt_y"/>
+                                          </p:val>
+                                        </p:tav>
+                                      </p:tavLst>
+                                    </p:anim>
+                                  </p:childTnLst>
+                                </p:cTn>
+                              </p:par>
+                              <p:par>
+                                <p:cTn id="32" presetID="42" presetClass="entr" presetSubtype="0" fill="hold" grpId="0" nodeType="withEffect">
+                                  <p:stCondLst>
+                                    <p:cond delay="0"/>
+                                  </p:stCondLst>
+                                  <p:childTnLst>
+                                    <p:set>
+                                      <p:cBhvr>
+                                        <p:cTn id="33" dur="1" fill="hold">
+                                          <p:stCondLst>
+                                            <p:cond delay="0"/>
+                                          </p:stCondLst>
+                                        </p:cTn>
+                                        <p:tgtEl>
+                                          <p:spTgt spid="25"/>
+                                        </p:tgtEl>
+                                        <p:attrNameLst>
+                                          <p:attrName>style.visibility</p:attrName>
+                                        </p:attrNameLst>
+                                      </p:cBhvr>
+                                      <p:to>
+                                        <p:strVal val="visible"/>
+                                      </p:to>
+                                    </p:set>
+                                    <p:animEffect transition="in" filter="fade">
+                                      <p:cBhvr>
+                                        <p:cTn id="34" dur="1000"/>
+                                        <p:tgtEl>
+                                          <p:spTgt spid="25"/>
+                                        </p:tgtEl>
+                                      </p:cBhvr>
+                                    </p:animEffect>
+                                    <p:anim calcmode="lin" valueType="num">
+                                      <p:cBhvr>
+                                        <p:cTn id="35" dur="1000" fill="hold"/>
+                                        <p:tgtEl>
+                                          <p:spTgt spid="25"/>
+                                        </p:tgtEl>
+                                        <p:attrNameLst>
+                                          <p:attrName>ppt_x</p:attrName>
+                                        </p:attrNameLst>
+                                      </p:cBhvr>
+                                      <p:tavLst>
+                                        <p:tav tm="0">
+                                          <p:val>
+                                            <p:strVal val="#ppt_x"/>
+                                          </p:val>
+                                        </p:tav>
+                                        <p:tav tm="100000">
+                                          <p:val>
+                                            <p:strVal val="#ppt_x"/>
+                                          </p:val>
+                                        </p:tav>
+                                      </p:tavLst>
+                                    </p:anim>
+                                    <p:anim calcmode="lin" valueType="num">
+                                      <p:cBhvr>
+                                        <p:cTn id="36" dur="1000" fill="hold"/>
+                                        <p:tgtEl>
+                                          <p:spTgt spid="25"/>
+                                        </p:tgtEl>
+                                        <p:attrNameLst>
+                                          <p:attrName>ppt_y</p:attrName>
+                                        </p:attrNameLst>
+                                      </p:cBhvr>
+                                      <p:tavLst>
+                                        <p:tav tm="0">
+                                          <p:val>
+                                            <p:strVal val="#ppt_y+.1"/>
+                                          </p:val>
+                                        </p:tav>
+                                        <p:tav tm="100000">
+                                          <p:val>
+                                            <p:strVal val="#ppt_y"/>
+                                          </p:val>
+                                        </p:tav>
+                                      </p:tavLst>
+                                    </p:anim>
+                                  </p:childTnLst>
+                                </p:cTn>
+                              </p:par>
+                            </p:childTnLst>
+                          </p:cTn>
+                        </p:par>
+                      </p:childTnLst>
+                    </p:cTn>
+                  </p:par>
+                  <p:par>
+                    <p:cTn id="37" fill="hold">
+                      <p:stCondLst>
+                        <p:cond delay="indefinite"/>
+                      </p:stCondLst>
+                      <p:childTnLst>
+                        <p:par>
+                          <p:cTn id="38" fill="hold">
+                            <p:stCondLst>
+                              <p:cond delay="0"/>
+                            </p:stCondLst>
+                            <p:childTnLst>
+                              <p:par>
+                                <p:cTn id="39" presetID="42" presetClass="entr" presetSubtype="0" fill="hold" grpId="0" nodeType="clickEffect">
+                                  <p:stCondLst>
+                                    <p:cond delay="0"/>
+                                  </p:stCondLst>
+                                  <p:childTnLst>
+                                    <p:set>
+                                      <p:cBhvr>
+                                        <p:cTn id="40" dur="1" fill="hold">
+                                          <p:stCondLst>
+                                            <p:cond delay="0"/>
+                                          </p:stCondLst>
+                                        </p:cTn>
+                                        <p:tgtEl>
+                                          <p:spTgt spid="10"/>
+                                        </p:tgtEl>
+                                        <p:attrNameLst>
+                                          <p:attrName>style.visibility</p:attrName>
+                                        </p:attrNameLst>
+                                      </p:cBhvr>
+                                      <p:to>
+                                        <p:strVal val="visible"/>
+                                      </p:to>
+                                    </p:set>
+                                    <p:animEffect transition="in" filter="fade">
+                                      <p:cBhvr>
+                                        <p:cTn id="41" dur="1000"/>
+                                        <p:tgtEl>
+                                          <p:spTgt spid="10"/>
+                                        </p:tgtEl>
+                                      </p:cBhvr>
+                                    </p:animEffect>
+                                    <p:anim calcmode="lin" valueType="num">
+                                      <p:cBhvr>
+                                        <p:cTn id="42" dur="1000" fill="hold"/>
+                                        <p:tgtEl>
+                                          <p:spTgt spid="10"/>
+                                        </p:tgtEl>
+                                        <p:attrNameLst>
+                                          <p:attrName>ppt_x</p:attrName>
+                                        </p:attrNameLst>
+                                      </p:cBhvr>
+                                      <p:tavLst>
+                                        <p:tav tm="0">
+                                          <p:val>
+                                            <p:strVal val="#ppt_x"/>
+                                          </p:val>
+                                        </p:tav>
+                                        <p:tav tm="100000">
+                                          <p:val>
+                                            <p:strVal val="#ppt_x"/>
+                                          </p:val>
+                                        </p:tav>
+                                      </p:tavLst>
+                                    </p:anim>
+                                    <p:anim calcmode="lin" valueType="num">
+                                      <p:cBhvr>
+                                        <p:cTn id="43" dur="1000" fill="hold"/>
+                                        <p:tgtEl>
+                                          <p:spTgt spid="10"/>
+                                        </p:tgtEl>
+                                        <p:attrNameLst>
+                                          <p:attrName>ppt_y</p:attrName>
+                                        </p:attrNameLst>
+                                      </p:cBhvr>
+                                      <p:tavLst>
+                                        <p:tav tm="0">
+                                          <p:val>
+                                            <p:strVal val="#ppt_y+.1"/>
+                                          </p:val>
+                                        </p:tav>
+                                        <p:tav tm="100000">
+                                          <p:val>
+                                            <p:strVal val="#ppt_y"/>
+                                          </p:val>
+                                        </p:tav>
+                                      </p:tavLst>
+                                    </p:anim>
+                                  </p:childTnLst>
+                                </p:cTn>
+                              </p:par>
+                              <p:par>
+                                <p:cTn id="44" presetID="42" presetClass="entr" presetSubtype="0" fill="hold" grpId="0" nodeType="withEffect">
+                                  <p:stCondLst>
+                                    <p:cond delay="0"/>
+                                  </p:stCondLst>
+                                  <p:childTnLst>
+                                    <p:set>
+                                      <p:cBhvr>
+                                        <p:cTn id="45" dur="1" fill="hold">
+                                          <p:stCondLst>
+                                            <p:cond delay="0"/>
+                                          </p:stCondLst>
+                                        </p:cTn>
+                                        <p:tgtEl>
+                                          <p:spTgt spid="11"/>
+                                        </p:tgtEl>
+                                        <p:attrNameLst>
+                                          <p:attrName>style.visibility</p:attrName>
+                                        </p:attrNameLst>
+                                      </p:cBhvr>
+                                      <p:to>
+                                        <p:strVal val="visible"/>
+                                      </p:to>
+                                    </p:set>
+                                    <p:animEffect transition="in" filter="fade">
+                                      <p:cBhvr>
+                                        <p:cTn id="46" dur="1000"/>
+                                        <p:tgtEl>
+                                          <p:spTgt spid="11"/>
+                                        </p:tgtEl>
+                                      </p:cBhvr>
+                                    </p:animEffect>
+                                    <p:anim calcmode="lin" valueType="num">
+                                      <p:cBhvr>
+                                        <p:cTn id="47" dur="1000" fill="hold"/>
+                                        <p:tgtEl>
+                                          <p:spTgt spid="11"/>
+                                        </p:tgtEl>
+                                        <p:attrNameLst>
+                                          <p:attrName>ppt_x</p:attrName>
+                                        </p:attrNameLst>
+                                      </p:cBhvr>
+                                      <p:tavLst>
+                                        <p:tav tm="0">
+                                          <p:val>
+                                            <p:strVal val="#ppt_x"/>
+                                          </p:val>
+                                        </p:tav>
+                                        <p:tav tm="100000">
+                                          <p:val>
+                                            <p:strVal val="#ppt_x"/>
+                                          </p:val>
+                                        </p:tav>
+                                      </p:tavLst>
+                                    </p:anim>
+                                    <p:anim calcmode="lin" valueType="num">
+                                      <p:cBhvr>
+                                        <p:cTn id="48" dur="1000" fill="hold"/>
+                                        <p:tgtEl>
+                                          <p:spTgt spid="11"/>
+                                        </p:tgtEl>
+                                        <p:attrNameLst>
+                                          <p:attrName>ppt_y</p:attrName>
+                                        </p:attrNameLst>
+                                      </p:cBhvr>
+                                      <p:tavLst>
+                                        <p:tav tm="0">
+                                          <p:val>
+                                            <p:strVal val="#ppt_y+.1"/>
+                                          </p:val>
+                                        </p:tav>
+                                        <p:tav tm="100000">
+                                          <p:val>
+                                            <p:strVal val="#ppt_y"/>
+                                          </p:val>
+                                        </p:tav>
+                                      </p:tavLst>
+                                    </p:anim>
+                                  </p:childTnLst>
+                                </p:cTn>
+                              </p:par>
+                              <p:par>
+                                <p:cTn id="49" presetID="42" presetClass="entr" presetSubtype="0" fill="hold" grpId="0" nodeType="withEffect">
+                                  <p:stCondLst>
+                                    <p:cond delay="0"/>
+                                  </p:stCondLst>
+                                  <p:childTnLst>
+                                    <p:set>
+                                      <p:cBhvr>
+                                        <p:cTn id="50" dur="1" fill="hold">
+                                          <p:stCondLst>
+                                            <p:cond delay="0"/>
+                                          </p:stCondLst>
+                                        </p:cTn>
+                                        <p:tgtEl>
+                                          <p:spTgt spid="27"/>
+                                        </p:tgtEl>
+                                        <p:attrNameLst>
+                                          <p:attrName>style.visibility</p:attrName>
+                                        </p:attrNameLst>
+                                      </p:cBhvr>
+                                      <p:to>
+                                        <p:strVal val="visible"/>
+                                      </p:to>
+                                    </p:set>
+                                    <p:animEffect transition="in" filter="fade">
+                                      <p:cBhvr>
+                                        <p:cTn id="51" dur="1000"/>
+                                        <p:tgtEl>
+                                          <p:spTgt spid="27"/>
+                                        </p:tgtEl>
+                                      </p:cBhvr>
+                                    </p:animEffect>
+                                    <p:anim calcmode="lin" valueType="num">
+                                      <p:cBhvr>
+                                        <p:cTn id="52" dur="1000" fill="hold"/>
+                                        <p:tgtEl>
+                                          <p:spTgt spid="27"/>
+                                        </p:tgtEl>
+                                        <p:attrNameLst>
+                                          <p:attrName>ppt_x</p:attrName>
+                                        </p:attrNameLst>
+                                      </p:cBhvr>
+                                      <p:tavLst>
+                                        <p:tav tm="0">
+                                          <p:val>
+                                            <p:strVal val="#ppt_x"/>
+                                          </p:val>
+                                        </p:tav>
+                                        <p:tav tm="100000">
+                                          <p:val>
+                                            <p:strVal val="#ppt_x"/>
+                                          </p:val>
+                                        </p:tav>
+                                      </p:tavLst>
+                                    </p:anim>
+                                    <p:anim calcmode="lin" valueType="num">
+                                      <p:cBhvr>
+                                        <p:cTn id="53" dur="1000" fill="hold"/>
+                                        <p:tgtEl>
+                                          <p:spTgt spid="27"/>
+                                        </p:tgtEl>
+                                        <p:attrNameLst>
+                                          <p:attrName>ppt_y</p:attrName>
+                                        </p:attrNameLst>
+                                      </p:cBhvr>
+                                      <p:tavLst>
+                                        <p:tav tm="0">
+                                          <p:val>
+                                            <p:strVal val="#ppt_y+.1"/>
+                                          </p:val>
+                                        </p:tav>
+                                        <p:tav tm="100000">
+                                          <p:val>
+                                            <p:strVal val="#ppt_y"/>
+                                          </p:val>
+                                        </p:tav>
+                                      </p:tavLst>
+                                    </p:anim>
+                                  </p:childTnLst>
+                                </p:cTn>
+                              </p:par>
+                            </p:childTnLst>
+                          </p:cTn>
+                        </p:par>
+                      </p:childTnLst>
+                    </p:cTn>
+                  </p:par>
+                </p:childTnLst>
+              </p:cTn>
+              <p:prevCondLst>
+                <p:cond evt="onPrev" delay="0">
+                  <p:tgtEl>
+                    <p:sldTgt/>
+                  </p:tgtEl>
+                </p:cond>
+              </p:prevCondLst>
+              <p:nextCondLst>
+                <p:cond evt="onNext" delay="0">
+                  <p:tgtEl>
+                    <p:sldTgt/>
+                  </p:tgtEl>
+                </p:cond>
+              </p:nextCondLst>
+            </p:seq>
+          </p:childTnLst>
+        </p:cTn>
+      </p:par>
+    </p:tnLst>
+    <p:bldLst>
+      <p:bldP spid="6" grpId="0" animBg="1"/>
+      <p:bldP spid="7" grpId="0"/>
+      <p:bldP spid="8" grpId="0" animBg="1"/>
+      <p:bldP spid="9" grpId="0"/>
+      <p:bldP spid="10" grpId="0" animBg="1"/>
+      <p:bldP spid="11" grpId="0"/>
+      <p:bldP spid="24" grpId="0"/>
+      <p:bldP spid="25" grpId="0"/>
+      <p:bldP spid="27" grpId="0"/>
+    </p:bldLst>
+  </p:timing>
+</p:sld>
+</file>
+
+<file path=ppt/slides/slide11.xml><?xml version="1.0" encoding="utf-8"?>
+<p:sld xmlns:a="http://schemas.openxmlformats.org/drawingml/2006/main" xmlns:r="http://schemas.openxmlformats.org/officeDocument/2006/relationships" xmlns:p="http://schemas.openxmlformats.org/presentationml/2006/main">
+  <p:cSld>
+    <p:spTree>
+      <p:nvGrpSpPr>
+        <p:cNvPr id="1" name=""/>
+        <p:cNvGrpSpPr/>
+        <p:nvPr/>
+      </p:nvGrpSpPr>
+      <p:grpSpPr>
+        <a:xfrm>
+          <a:off x="0" y="0"/>
+          <a:ext cx="0" cy="0"/>
+          <a:chOff x="0" y="0"/>
+          <a:chExt cx="0" cy="0"/>
+        </a:xfrm>
+      </p:grpSpPr>
+      <p:sp>
+        <p:nvSpPr>
+          <p:cNvPr id="2" name="Title 1"/>
+          <p:cNvSpPr>
+            <a:spLocks noGrp="1"/>
+          </p:cNvSpPr>
+          <p:nvPr>
+            <p:ph type="title"/>
+          </p:nvPr>
+        </p:nvSpPr>
         <p:spPr>
           <a:xfrm>
             <a:off x="677334" y="2786127"/>
@@ -6988,7 +8974,7 @@
           <a:p>
             <a:fld id="{73B5BF7B-DAD1-4DA5-A555-55991F7C0E6A}" type="slidenum">
               <a:rPr lang="vi-VN" smtClean="0"/>
-              <a:t>10</a:t>
+              <a:t>11</a:t>
             </a:fld>
             <a:endParaRPr lang="vi-VN"/>
           </a:p>
@@ -7099,362 +9085,6 @@
       </p:sp>
       <p:sp>
         <p:nvSpPr>
-          <p:cNvPr id="9" name="Hexagon 8"/>
-          <p:cNvSpPr/>
-          <p:nvPr/>
-        </p:nvSpPr>
-        <p:spPr>
-          <a:xfrm>
-            <a:off x="782682" y="2734243"/>
-            <a:ext cx="659751" cy="573653"/>
-          </a:xfrm>
-          <a:prstGeom prst="hexagon">
-            <a:avLst/>
-          </a:prstGeom>
-          <a:ln>
-            <a:solidFill>
-              <a:schemeClr val="accent1"/>
-            </a:solidFill>
-          </a:ln>
-        </p:spPr>
-        <p:style>
-          <a:lnRef idx="2">
-            <a:schemeClr val="accent1">
-              <a:shade val="50000"/>
-            </a:schemeClr>
-          </a:lnRef>
-          <a:fillRef idx="1">
-            <a:schemeClr val="accent1"/>
-          </a:fillRef>
-          <a:effectRef idx="0">
-            <a:schemeClr val="accent1"/>
-          </a:effectRef>
-          <a:fontRef idx="minor">
-            <a:schemeClr val="lt1"/>
-          </a:fontRef>
-        </p:style>
-        <p:txBody>
-          <a:bodyPr rtlCol="0" anchor="ctr"/>
-          <a:lstStyle/>
-          <a:p>
-            <a:pPr algn="ctr"/>
-            <a:r>
-              <a:rPr lang="vi-VN"/>
-              <a:t>2</a:t>
-            </a:r>
-          </a:p>
-        </p:txBody>
-      </p:sp>
-      <p:sp>
-        <p:nvSpPr>
-          <p:cNvPr id="10" name="TextBox 6"/>
-          <p:cNvSpPr txBox="1"/>
-          <p:nvPr/>
-        </p:nvSpPr>
-        <p:spPr>
-          <a:xfrm>
-            <a:off x="1623168" y="2794715"/>
-            <a:ext cx="3541259" cy="461665"/>
-          </a:xfrm>
-          <a:prstGeom prst="rect">
-            <a:avLst/>
-          </a:prstGeom>
-          <a:noFill/>
-        </p:spPr>
-        <p:txBody>
-          <a:bodyPr wrap="square" rtlCol="0">
-            <a:spAutoFit/>
-          </a:bodyPr>
-          <a:lstStyle>
-            <a:defPPr>
-              <a:defRPr lang="en-US"/>
-            </a:defPPr>
-            <a:lvl1pPr marL="0" algn="l" defTabSz="914400" rtl="0" eaLnBrk="1" latinLnBrk="0" hangingPunct="1">
-              <a:defRPr sz="1800" kern="1200">
-                <a:solidFill>
-                  <a:schemeClr val="tx1"/>
-                </a:solidFill>
-                <a:latin typeface="+mn-lt"/>
-                <a:ea typeface="+mn-ea"/>
-                <a:cs typeface="+mn-cs"/>
-              </a:defRPr>
-            </a:lvl1pPr>
-            <a:lvl2pPr marL="457200" algn="l" defTabSz="914400" rtl="0" eaLnBrk="1" latinLnBrk="0" hangingPunct="1">
-              <a:defRPr sz="1800" kern="1200">
-                <a:solidFill>
-                  <a:schemeClr val="tx1"/>
-                </a:solidFill>
-                <a:latin typeface="+mn-lt"/>
-                <a:ea typeface="+mn-ea"/>
-                <a:cs typeface="+mn-cs"/>
-              </a:defRPr>
-            </a:lvl2pPr>
-            <a:lvl3pPr marL="914400" algn="l" defTabSz="914400" rtl="0" eaLnBrk="1" latinLnBrk="0" hangingPunct="1">
-              <a:defRPr sz="1800" kern="1200">
-                <a:solidFill>
-                  <a:schemeClr val="tx1"/>
-                </a:solidFill>
-                <a:latin typeface="+mn-lt"/>
-                <a:ea typeface="+mn-ea"/>
-                <a:cs typeface="+mn-cs"/>
-              </a:defRPr>
-            </a:lvl3pPr>
-            <a:lvl4pPr marL="1371600" algn="l" defTabSz="914400" rtl="0" eaLnBrk="1" latinLnBrk="0" hangingPunct="1">
-              <a:defRPr sz="1800" kern="1200">
-                <a:solidFill>
-                  <a:schemeClr val="tx1"/>
-                </a:solidFill>
-                <a:latin typeface="+mn-lt"/>
-                <a:ea typeface="+mn-ea"/>
-                <a:cs typeface="+mn-cs"/>
-              </a:defRPr>
-            </a:lvl4pPr>
-            <a:lvl5pPr marL="1828800" algn="l" defTabSz="914400" rtl="0" eaLnBrk="1" latinLnBrk="0" hangingPunct="1">
-              <a:defRPr sz="1800" kern="1200">
-                <a:solidFill>
-                  <a:schemeClr val="tx1"/>
-                </a:solidFill>
-                <a:latin typeface="+mn-lt"/>
-                <a:ea typeface="+mn-ea"/>
-                <a:cs typeface="+mn-cs"/>
-              </a:defRPr>
-            </a:lvl5pPr>
-            <a:lvl6pPr marL="2286000" algn="l" defTabSz="914400" rtl="0" eaLnBrk="1" latinLnBrk="0" hangingPunct="1">
-              <a:defRPr sz="1800" kern="1200">
-                <a:solidFill>
-                  <a:schemeClr val="tx1"/>
-                </a:solidFill>
-                <a:latin typeface="+mn-lt"/>
-                <a:ea typeface="+mn-ea"/>
-                <a:cs typeface="+mn-cs"/>
-              </a:defRPr>
-            </a:lvl6pPr>
-            <a:lvl7pPr marL="2743200" algn="l" defTabSz="914400" rtl="0" eaLnBrk="1" latinLnBrk="0" hangingPunct="1">
-              <a:defRPr sz="1800" kern="1200">
-                <a:solidFill>
-                  <a:schemeClr val="tx1"/>
-                </a:solidFill>
-                <a:latin typeface="+mn-lt"/>
-                <a:ea typeface="+mn-ea"/>
-                <a:cs typeface="+mn-cs"/>
-              </a:defRPr>
-            </a:lvl7pPr>
-            <a:lvl8pPr marL="3200400" algn="l" defTabSz="914400" rtl="0" eaLnBrk="1" latinLnBrk="0" hangingPunct="1">
-              <a:defRPr sz="1800" kern="1200">
-                <a:solidFill>
-                  <a:schemeClr val="tx1"/>
-                </a:solidFill>
-                <a:latin typeface="+mn-lt"/>
-                <a:ea typeface="+mn-ea"/>
-                <a:cs typeface="+mn-cs"/>
-              </a:defRPr>
-            </a:lvl8pPr>
-            <a:lvl9pPr marL="3657600" algn="l" defTabSz="914400" rtl="0" eaLnBrk="1" latinLnBrk="0" hangingPunct="1">
-              <a:defRPr sz="1800" kern="1200">
-                <a:solidFill>
-                  <a:schemeClr val="tx1"/>
-                </a:solidFill>
-                <a:latin typeface="+mn-lt"/>
-                <a:ea typeface="+mn-ea"/>
-                <a:cs typeface="+mn-cs"/>
-              </a:defRPr>
-            </a:lvl9pPr>
-          </a:lstStyle>
-          <a:p>
-            <a:r>
-              <a:rPr lang="en-US" sz="2400" smtClean="0">
-                <a:latin typeface="Arial" pitchFamily="34" charset="0"/>
-                <a:cs typeface="Arial" pitchFamily="34" charset="0"/>
-              </a:rPr>
-              <a:t>MỤC ĐÍCH CỦA ĐỀ TÀI</a:t>
-            </a:r>
-            <a:endParaRPr lang="en-US" sz="2400">
-              <a:latin typeface="Arial" pitchFamily="34" charset="0"/>
-              <a:cs typeface="Arial" pitchFamily="34" charset="0"/>
-            </a:endParaRPr>
-          </a:p>
-        </p:txBody>
-      </p:sp>
-      <p:sp>
-        <p:nvSpPr>
-          <p:cNvPr id="11" name="Hexagon 10"/>
-          <p:cNvSpPr/>
-          <p:nvPr/>
-        </p:nvSpPr>
-        <p:spPr>
-          <a:xfrm>
-            <a:off x="782682" y="3538086"/>
-            <a:ext cx="659751" cy="573653"/>
-          </a:xfrm>
-          <a:prstGeom prst="hexagon">
-            <a:avLst/>
-          </a:prstGeom>
-          <a:ln>
-            <a:solidFill>
-              <a:schemeClr val="accent1"/>
-            </a:solidFill>
-          </a:ln>
-        </p:spPr>
-        <p:style>
-          <a:lnRef idx="2">
-            <a:schemeClr val="accent1">
-              <a:shade val="50000"/>
-            </a:schemeClr>
-          </a:lnRef>
-          <a:fillRef idx="1">
-            <a:schemeClr val="accent1"/>
-          </a:fillRef>
-          <a:effectRef idx="0">
-            <a:schemeClr val="accent1"/>
-          </a:effectRef>
-          <a:fontRef idx="minor">
-            <a:schemeClr val="lt1"/>
-          </a:fontRef>
-        </p:style>
-        <p:txBody>
-          <a:bodyPr rtlCol="0" anchor="ctr"/>
-          <a:lstStyle/>
-          <a:p>
-            <a:pPr algn="ctr"/>
-            <a:r>
-              <a:rPr lang="vi-VN"/>
-              <a:t>3</a:t>
-            </a:r>
-          </a:p>
-        </p:txBody>
-      </p:sp>
-      <p:sp>
-        <p:nvSpPr>
-          <p:cNvPr id="12" name="TextBox 6"/>
-          <p:cNvSpPr txBox="1"/>
-          <p:nvPr/>
-        </p:nvSpPr>
-        <p:spPr>
-          <a:xfrm>
-            <a:off x="1623169" y="3598558"/>
-            <a:ext cx="5202634" cy="461665"/>
-          </a:xfrm>
-          <a:prstGeom prst="rect">
-            <a:avLst/>
-          </a:prstGeom>
-          <a:noFill/>
-        </p:spPr>
-        <p:txBody>
-          <a:bodyPr wrap="square" rtlCol="0">
-            <a:spAutoFit/>
-          </a:bodyPr>
-          <a:lstStyle>
-            <a:defPPr>
-              <a:defRPr lang="en-US"/>
-            </a:defPPr>
-            <a:lvl1pPr marL="0" algn="l" defTabSz="914400" rtl="0" eaLnBrk="1" latinLnBrk="0" hangingPunct="1">
-              <a:defRPr sz="1800" kern="1200">
-                <a:solidFill>
-                  <a:schemeClr val="tx1"/>
-                </a:solidFill>
-                <a:latin typeface="+mn-lt"/>
-                <a:ea typeface="+mn-ea"/>
-                <a:cs typeface="+mn-cs"/>
-              </a:defRPr>
-            </a:lvl1pPr>
-            <a:lvl2pPr marL="457200" algn="l" defTabSz="914400" rtl="0" eaLnBrk="1" latinLnBrk="0" hangingPunct="1">
-              <a:defRPr sz="1800" kern="1200">
-                <a:solidFill>
-                  <a:schemeClr val="tx1"/>
-                </a:solidFill>
-                <a:latin typeface="+mn-lt"/>
-                <a:ea typeface="+mn-ea"/>
-                <a:cs typeface="+mn-cs"/>
-              </a:defRPr>
-            </a:lvl2pPr>
-            <a:lvl3pPr marL="914400" algn="l" defTabSz="914400" rtl="0" eaLnBrk="1" latinLnBrk="0" hangingPunct="1">
-              <a:defRPr sz="1800" kern="1200">
-                <a:solidFill>
-                  <a:schemeClr val="tx1"/>
-                </a:solidFill>
-                <a:latin typeface="+mn-lt"/>
-                <a:ea typeface="+mn-ea"/>
-                <a:cs typeface="+mn-cs"/>
-              </a:defRPr>
-            </a:lvl3pPr>
-            <a:lvl4pPr marL="1371600" algn="l" defTabSz="914400" rtl="0" eaLnBrk="1" latinLnBrk="0" hangingPunct="1">
-              <a:defRPr sz="1800" kern="1200">
-                <a:solidFill>
-                  <a:schemeClr val="tx1"/>
-                </a:solidFill>
-                <a:latin typeface="+mn-lt"/>
-                <a:ea typeface="+mn-ea"/>
-                <a:cs typeface="+mn-cs"/>
-              </a:defRPr>
-            </a:lvl4pPr>
-            <a:lvl5pPr marL="1828800" algn="l" defTabSz="914400" rtl="0" eaLnBrk="1" latinLnBrk="0" hangingPunct="1">
-              <a:defRPr sz="1800" kern="1200">
-                <a:solidFill>
-                  <a:schemeClr val="tx1"/>
-                </a:solidFill>
-                <a:latin typeface="+mn-lt"/>
-                <a:ea typeface="+mn-ea"/>
-                <a:cs typeface="+mn-cs"/>
-              </a:defRPr>
-            </a:lvl5pPr>
-            <a:lvl6pPr marL="2286000" algn="l" defTabSz="914400" rtl="0" eaLnBrk="1" latinLnBrk="0" hangingPunct="1">
-              <a:defRPr sz="1800" kern="1200">
-                <a:solidFill>
-                  <a:schemeClr val="tx1"/>
-                </a:solidFill>
-                <a:latin typeface="+mn-lt"/>
-                <a:ea typeface="+mn-ea"/>
-                <a:cs typeface="+mn-cs"/>
-              </a:defRPr>
-            </a:lvl6pPr>
-            <a:lvl7pPr marL="2743200" algn="l" defTabSz="914400" rtl="0" eaLnBrk="1" latinLnBrk="0" hangingPunct="1">
-              <a:defRPr sz="1800" kern="1200">
-                <a:solidFill>
-                  <a:schemeClr val="tx1"/>
-                </a:solidFill>
-                <a:latin typeface="+mn-lt"/>
-                <a:ea typeface="+mn-ea"/>
-                <a:cs typeface="+mn-cs"/>
-              </a:defRPr>
-            </a:lvl7pPr>
-            <a:lvl8pPr marL="3200400" algn="l" defTabSz="914400" rtl="0" eaLnBrk="1" latinLnBrk="0" hangingPunct="1">
-              <a:defRPr sz="1800" kern="1200">
-                <a:solidFill>
-                  <a:schemeClr val="tx1"/>
-                </a:solidFill>
-                <a:latin typeface="+mn-lt"/>
-                <a:ea typeface="+mn-ea"/>
-                <a:cs typeface="+mn-cs"/>
-              </a:defRPr>
-            </a:lvl8pPr>
-            <a:lvl9pPr marL="3657600" algn="l" defTabSz="914400" rtl="0" eaLnBrk="1" latinLnBrk="0" hangingPunct="1">
-              <a:defRPr sz="1800" kern="1200">
-                <a:solidFill>
-                  <a:schemeClr val="tx1"/>
-                </a:solidFill>
-                <a:latin typeface="+mn-lt"/>
-                <a:ea typeface="+mn-ea"/>
-                <a:cs typeface="+mn-cs"/>
-              </a:defRPr>
-            </a:lvl9pPr>
-          </a:lstStyle>
-          <a:p>
-            <a:r>
-              <a:rPr lang="en-US" sz="2400" smtClean="0">
-                <a:latin typeface="Arial" pitchFamily="34" charset="0"/>
-                <a:cs typeface="Arial" pitchFamily="34" charset="0"/>
-              </a:rPr>
-              <a:t>TỔNG QUAN VỀ ỨNG DỤNG</a:t>
-            </a:r>
-            <a:endParaRPr lang="en-US" sz="2400">
-              <a:latin typeface="Arial" pitchFamily="34" charset="0"/>
-              <a:cs typeface="Arial" pitchFamily="34" charset="0"/>
-            </a:endParaRPr>
-          </a:p>
-        </p:txBody>
-      </p:sp>
-      <p:sp>
-        <p:nvSpPr>
           <p:cNvPr id="3" name="Oval 2"/>
           <p:cNvSpPr/>
           <p:nvPr/>
@@ -7511,7 +9141,7 @@
         <p:spPr>
           <a:xfrm>
             <a:off x="1623168" y="1930400"/>
-            <a:ext cx="4661518" cy="659751"/>
+            <a:ext cx="5099604" cy="659751"/>
           </a:xfrm>
           <a:prstGeom prst="homePlate">
             <a:avLst/>
@@ -7545,7 +9175,7 @@
             <a:pPr algn="ctr"/>
             <a:r>
               <a:rPr lang="vi-VN" sz="2400" smtClean="0"/>
-              <a:t>ĐƯA RA VẤN ĐỀ</a:t>
+              <a:t>PHÁT BIỂU BÀI TOÁN</a:t>
             </a:r>
             <a:endParaRPr lang="vi-VN" sz="2400"/>
           </a:p>
@@ -7559,7 +9189,7 @@
         </p:nvSpPr>
         <p:spPr>
           <a:xfrm>
-            <a:off x="782682" y="4341929"/>
+            <a:off x="782682" y="3672228"/>
             <a:ext cx="659751" cy="659751"/>
           </a:xfrm>
           <a:prstGeom prst="ellipse">
@@ -7594,8 +9224,9 @@
             <a:pPr algn="ctr"/>
             <a:r>
               <a:rPr lang="vi-VN"/>
-              <a:t>4</a:t>
-            </a:r>
+              <a:t>3</a:t>
+            </a:r>
+            <a:endParaRPr lang="vi-VN"/>
           </a:p>
         </p:txBody>
       </p:sp>
@@ -7607,8 +9238,8 @@
         </p:nvSpPr>
         <p:spPr>
           <a:xfrm>
-            <a:off x="1623168" y="4341929"/>
-            <a:ext cx="4661518" cy="659751"/>
+            <a:off x="1623168" y="3672228"/>
+            <a:ext cx="5099604" cy="659751"/>
           </a:xfrm>
           <a:prstGeom prst="homePlate">
             <a:avLst/>
@@ -7648,6 +9279,104 @@
           </a:p>
         </p:txBody>
       </p:sp>
+      <p:sp>
+        <p:nvSpPr>
+          <p:cNvPr id="13" name="Pentagon 12"/>
+          <p:cNvSpPr/>
+          <p:nvPr/>
+        </p:nvSpPr>
+        <p:spPr>
+          <a:xfrm>
+            <a:off x="1623168" y="2799577"/>
+            <a:ext cx="5099604" cy="659751"/>
+          </a:xfrm>
+          <a:prstGeom prst="homePlate">
+            <a:avLst/>
+          </a:prstGeom>
+          <a:ln>
+            <a:solidFill>
+              <a:schemeClr val="accent1"/>
+            </a:solidFill>
+          </a:ln>
+        </p:spPr>
+        <p:style>
+          <a:lnRef idx="2">
+            <a:schemeClr val="accent1">
+              <a:shade val="50000"/>
+            </a:schemeClr>
+          </a:lnRef>
+          <a:fillRef idx="1">
+            <a:schemeClr val="accent1"/>
+          </a:fillRef>
+          <a:effectRef idx="0">
+            <a:schemeClr val="accent1"/>
+          </a:effectRef>
+          <a:fontRef idx="minor">
+            <a:schemeClr val="lt1"/>
+          </a:fontRef>
+        </p:style>
+        <p:txBody>
+          <a:bodyPr rtlCol="0" anchor="ctr"/>
+          <a:lstStyle/>
+          <a:p>
+            <a:pPr algn="ctr"/>
+            <a:r>
+              <a:rPr lang="vi-VN" sz="2400" smtClean="0"/>
+              <a:t>TỔNG QUAN VỀ ỨNG DỤNG</a:t>
+            </a:r>
+            <a:endParaRPr lang="vi-VN" sz="2400"/>
+          </a:p>
+        </p:txBody>
+      </p:sp>
+      <p:sp>
+        <p:nvSpPr>
+          <p:cNvPr id="14" name="Oval 13"/>
+          <p:cNvSpPr/>
+          <p:nvPr/>
+        </p:nvSpPr>
+        <p:spPr>
+          <a:xfrm>
+            <a:off x="782681" y="2799577"/>
+            <a:ext cx="659751" cy="659751"/>
+          </a:xfrm>
+          <a:prstGeom prst="ellipse">
+            <a:avLst/>
+          </a:prstGeom>
+          <a:ln>
+            <a:solidFill>
+              <a:schemeClr val="accent1"/>
+            </a:solidFill>
+          </a:ln>
+        </p:spPr>
+        <p:style>
+          <a:lnRef idx="2">
+            <a:schemeClr val="accent1">
+              <a:shade val="50000"/>
+            </a:schemeClr>
+          </a:lnRef>
+          <a:fillRef idx="1">
+            <a:schemeClr val="accent1"/>
+          </a:fillRef>
+          <a:effectRef idx="0">
+            <a:schemeClr val="accent1"/>
+          </a:effectRef>
+          <a:fontRef idx="minor">
+            <a:schemeClr val="lt1"/>
+          </a:fontRef>
+        </p:style>
+        <p:txBody>
+          <a:bodyPr rtlCol="0" anchor="ctr"/>
+          <a:lstStyle/>
+          <a:p>
+            <a:pPr algn="ctr"/>
+            <a:r>
+              <a:rPr lang="vi-VN" smtClean="0"/>
+              <a:t>2</a:t>
+            </a:r>
+            <a:endParaRPr lang="vi-VN"/>
+          </a:p>
+        </p:txBody>
+      </p:sp>
     </p:spTree>
     <p:extLst>
       <p:ext uri="{BB962C8B-B14F-4D97-AF65-F5344CB8AC3E}">
@@ -7658,6 +9387,18 @@
   <p:clrMapOvr>
     <a:overrideClrMapping bg1="lt1" tx1="dk1" bg2="lt2" tx2="dk2" accent1="accent1" accent2="accent2" accent3="accent3" accent4="accent4" accent5="accent5" accent6="accent6" hlink="hlink" folHlink="folHlink"/>
   </p:clrMapOvr>
+  <mc:AlternateContent xmlns:mc="http://schemas.openxmlformats.org/markup-compatibility/2006">
+    <mc:Choice xmlns:p14="http://schemas.microsoft.com/office/powerpoint/2010/main" Requires="p14">
+      <p:transition spd="med" p14:dur="700">
+        <p:fade/>
+      </p:transition>
+    </mc:Choice>
+    <mc:Fallback>
+      <p:transition spd="med">
+        <p:fade/>
+      </p:transition>
+    </mc:Fallback>
+  </mc:AlternateContent>
   <p:timing>
     <p:tnLst>
       <p:par>
@@ -7704,7 +9445,13 @@
               <a:rPr lang="vi-VN" b="1" smtClean="0">
                 <a:latin typeface="+mn-lt"/>
               </a:rPr>
-              <a:t>1. ĐƯA RA VẤN ĐỀ</a:t>
+              <a:t>1. </a:t>
+            </a:r>
+            <a:r>
+              <a:rPr lang="vi-VN" b="1" smtClean="0">
+                <a:latin typeface="+mn-lt"/>
+              </a:rPr>
+              <a:t>PHÁT BIỂU BÀI TOÁN</a:t>
             </a:r>
             <a:endParaRPr lang="vi-VN" b="1">
               <a:latin typeface="+mn-lt"/>
@@ -8068,62 +9815,26 @@
                 <a:latin typeface="Arial" panose="020B0604020202020204" pitchFamily="34" charset="0"/>
                 <a:cs typeface="Arial" panose="020B0604020202020204" pitchFamily="34" charset="0"/>
               </a:rPr>
-              <a:t>2. MỤC ĐÍCH CỦA ĐỀ TÀI</a:t>
+              <a:t>2</a:t>
+            </a:r>
+            <a:r>
+              <a:rPr lang="en-US" b="1" smtClean="0">
+                <a:latin typeface="Arial" panose="020B0604020202020204" pitchFamily="34" charset="0"/>
+                <a:cs typeface="Arial" panose="020B0604020202020204" pitchFamily="34" charset="0"/>
+              </a:rPr>
+              <a:t>. </a:t>
+            </a:r>
+            <a:r>
+              <a:rPr lang="en-US" b="1" smtClean="0">
+                <a:latin typeface="Arial" panose="020B0604020202020204" pitchFamily="34" charset="0"/>
+                <a:cs typeface="Arial" panose="020B0604020202020204" pitchFamily="34" charset="0"/>
+              </a:rPr>
+              <a:t>TỔNG QUAN VỀ ỨNG DỤNG</a:t>
             </a:r>
             <a:endParaRPr lang="vi-VN" b="1">
               <a:latin typeface="Arial" panose="020B0604020202020204" pitchFamily="34" charset="0"/>
               <a:cs typeface="Arial" panose="020B0604020202020204" pitchFamily="34" charset="0"/>
             </a:endParaRPr>
-          </a:p>
-        </p:txBody>
-      </p:sp>
-      <p:sp>
-        <p:nvSpPr>
-          <p:cNvPr id="3" name="Content Placeholder 2"/>
-          <p:cNvSpPr>
-            <a:spLocks noGrp="1"/>
-          </p:cNvSpPr>
-          <p:nvPr>
-            <p:ph idx="1"/>
-          </p:nvPr>
-        </p:nvSpPr>
-        <p:spPr>
-          <a:xfrm>
-            <a:off x="677334" y="1930400"/>
-            <a:ext cx="8596668" cy="3880773"/>
-          </a:xfrm>
-        </p:spPr>
-        <p:txBody>
-          <a:bodyPr/>
-          <a:lstStyle/>
-          <a:p>
-            <a:pPr algn="just"/>
-            <a:r>
-              <a:rPr lang="en-US" sz="2400" smtClean="0">
-                <a:solidFill>
-                  <a:schemeClr val="tx1"/>
-                </a:solidFill>
-                <a:latin typeface="Arial" panose="020B0604020202020204" pitchFamily="34" charset="0"/>
-                <a:cs typeface="Arial" panose="020B0604020202020204" pitchFamily="34" charset="0"/>
-              </a:rPr>
-              <a:t>Tìm hiểu các thành phần và quá trình xây dựng một ứng dụng Android đọc báo mạng qua dịch vụ RSS</a:t>
-            </a:r>
-          </a:p>
-          <a:p>
-            <a:pPr algn="just"/>
-            <a:endParaRPr lang="en-US" sz="2400">
-              <a:solidFill>
-                <a:schemeClr val="tx1"/>
-              </a:solidFill>
-              <a:latin typeface="Arial" panose="020B0604020202020204" pitchFamily="34" charset="0"/>
-              <a:cs typeface="Arial" panose="020B0604020202020204" pitchFamily="34" charset="0"/>
-            </a:endParaRPr>
-          </a:p>
-          <a:p>
-            <a:pPr marL="0" indent="0">
-              <a:buNone/>
-            </a:pPr>
-            <a:endParaRPr lang="vi-VN"/>
           </a:p>
         </p:txBody>
       </p:sp>
@@ -8145,95 +9856,6 @@
             <a:fld id="{73B5BF7B-DAD1-4DA5-A555-55991F7C0E6A}" type="slidenum">
               <a:rPr lang="vi-VN" smtClean="0"/>
               <a:t>4</a:t>
-            </a:fld>
-            <a:endParaRPr lang="vi-VN"/>
-          </a:p>
-        </p:txBody>
-      </p:sp>
-    </p:spTree>
-    <p:extLst>
-      <p:ext uri="{BB962C8B-B14F-4D97-AF65-F5344CB8AC3E}">
-        <p14:creationId xmlns:p14="http://schemas.microsoft.com/office/powerpoint/2010/main" val="332803522"/>
-      </p:ext>
-    </p:extLst>
-  </p:cSld>
-  <p:clrMapOvr>
-    <a:masterClrMapping/>
-  </p:clrMapOvr>
-  <p:timing>
-    <p:tnLst>
-      <p:par>
-        <p:cTn id="1" dur="indefinite" restart="never" nodeType="tmRoot"/>
-      </p:par>
-    </p:tnLst>
-  </p:timing>
-</p:sld>
-</file>
-
-<file path=ppt/slides/slide5.xml><?xml version="1.0" encoding="utf-8"?>
-<p:sld xmlns:a="http://schemas.openxmlformats.org/drawingml/2006/main" xmlns:r="http://schemas.openxmlformats.org/officeDocument/2006/relationships" xmlns:p="http://schemas.openxmlformats.org/presentationml/2006/main">
-  <p:cSld>
-    <p:spTree>
-      <p:nvGrpSpPr>
-        <p:cNvPr id="1" name=""/>
-        <p:cNvGrpSpPr/>
-        <p:nvPr/>
-      </p:nvGrpSpPr>
-      <p:grpSpPr>
-        <a:xfrm>
-          <a:off x="0" y="0"/>
-          <a:ext cx="0" cy="0"/>
-          <a:chOff x="0" y="0"/>
-          <a:chExt cx="0" cy="0"/>
-        </a:xfrm>
-      </p:grpSpPr>
-      <p:sp>
-        <p:nvSpPr>
-          <p:cNvPr id="2" name="Title 1"/>
-          <p:cNvSpPr>
-            <a:spLocks noGrp="1"/>
-          </p:cNvSpPr>
-          <p:nvPr>
-            <p:ph type="title"/>
-          </p:nvPr>
-        </p:nvSpPr>
-        <p:spPr/>
-        <p:txBody>
-          <a:bodyPr/>
-          <a:lstStyle/>
-          <a:p>
-            <a:r>
-              <a:rPr lang="en-US" b="1" smtClean="0">
-                <a:latin typeface="Arial" panose="020B0604020202020204" pitchFamily="34" charset="0"/>
-                <a:cs typeface="Arial" panose="020B0604020202020204" pitchFamily="34" charset="0"/>
-              </a:rPr>
-              <a:t>3. TỔNG QUAN VỀ ỨNG DỤNG</a:t>
-            </a:r>
-            <a:endParaRPr lang="vi-VN" b="1">
-              <a:latin typeface="Arial" panose="020B0604020202020204" pitchFamily="34" charset="0"/>
-              <a:cs typeface="Arial" panose="020B0604020202020204" pitchFamily="34" charset="0"/>
-            </a:endParaRPr>
-          </a:p>
-        </p:txBody>
-      </p:sp>
-      <p:sp>
-        <p:nvSpPr>
-          <p:cNvPr id="4" name="Slide Number Placeholder 3"/>
-          <p:cNvSpPr>
-            <a:spLocks noGrp="1"/>
-          </p:cNvSpPr>
-          <p:nvPr>
-            <p:ph type="sldNum" sz="quarter" idx="12"/>
-          </p:nvPr>
-        </p:nvSpPr>
-        <p:spPr/>
-        <p:txBody>
-          <a:bodyPr/>
-          <a:lstStyle/>
-          <a:p>
-            <a:fld id="{73B5BF7B-DAD1-4DA5-A555-55991F7C0E6A}" type="slidenum">
-              <a:rPr lang="vi-VN" smtClean="0"/>
-              <a:t>5</a:t>
             </a:fld>
             <a:endParaRPr lang="vi-VN"/>
           </a:p>
@@ -8271,36 +9893,6 @@
       </p:pic>
       <p:pic>
         <p:nvPicPr>
-          <p:cNvPr id="29" name="Picture 28"/>
-          <p:cNvPicPr>
-            <a:picLocks noChangeAspect="1"/>
-          </p:cNvPicPr>
-          <p:nvPr/>
-        </p:nvPicPr>
-        <p:blipFill>
-          <a:blip r:embed="rId3" cstate="print">
-            <a:extLst>
-              <a:ext uri="{28A0092B-C50C-407E-A947-70E740481C1C}">
-                <a14:useLocalDpi xmlns:a14="http://schemas.microsoft.com/office/drawing/2010/main" val="0"/>
-              </a:ext>
-            </a:extLst>
-          </a:blip>
-          <a:stretch>
-            <a:fillRect/>
-          </a:stretch>
-        </p:blipFill>
-        <p:spPr>
-          <a:xfrm>
-            <a:off x="3747053" y="2898350"/>
-            <a:ext cx="2143125" cy="2143125"/>
-          </a:xfrm>
-          <a:prstGeom prst="rect">
-            <a:avLst/>
-          </a:prstGeom>
-        </p:spPr>
-      </p:pic>
-      <p:pic>
-        <p:nvPicPr>
           <p:cNvPr id="30" name="Picture 29"/>
           <p:cNvPicPr>
             <a:picLocks noChangeAspect="1"/>
@@ -8308,7 +9900,7 @@
           <p:nvPr/>
         </p:nvPicPr>
         <p:blipFill>
-          <a:blip r:embed="rId4">
+          <a:blip r:embed="rId3">
             <a:extLst>
               <a:ext uri="{28A0092B-C50C-407E-A947-70E740481C1C}">
                 <a14:useLocalDpi xmlns:a14="http://schemas.microsoft.com/office/drawing/2010/main" val="0"/>
@@ -8575,12 +10167,13 @@
             </a:lvl9pPr>
           </a:lstStyle>
           <a:p>
+            <a:pPr algn="ctr"/>
             <a:r>
               <a:rPr lang="en-US" smtClean="0">
                 <a:latin typeface="Arial" pitchFamily="34" charset="0"/>
                 <a:cs typeface="Arial" pitchFamily="34" charset="0"/>
               </a:rPr>
-              <a:t>Ngôn ngữ Java</a:t>
+              <a:t>Git</a:t>
             </a:r>
             <a:endParaRPr lang="en-US">
               <a:latin typeface="Arial" pitchFamily="34" charset="0"/>
@@ -8656,7 +10249,7 @@
               </a:rPr>
               <a:t>Công cụ phát triển</a:t>
             </a:r>
-            <a:endParaRPr lang="vi-VN" sz="2400">
+            <a:endParaRPr lang="vi-VN" sz="2400" b="1">
               <a:solidFill>
                 <a:schemeClr val="tx1"/>
               </a:solidFill>
@@ -8666,6 +10259,36 @@
           </a:p>
         </p:txBody>
       </p:sp>
+      <p:pic>
+        <p:nvPicPr>
+          <p:cNvPr id="5" name="Picture 4"/>
+          <p:cNvPicPr>
+            <a:picLocks noChangeAspect="1"/>
+          </p:cNvPicPr>
+          <p:nvPr/>
+        </p:nvPicPr>
+        <p:blipFill>
+          <a:blip r:embed="rId4" cstate="print">
+            <a:extLst>
+              <a:ext uri="{28A0092B-C50C-407E-A947-70E740481C1C}">
+                <a14:useLocalDpi xmlns:a14="http://schemas.microsoft.com/office/drawing/2010/main" val="0"/>
+              </a:ext>
+            </a:extLst>
+          </a:blip>
+          <a:stretch>
+            <a:fillRect/>
+          </a:stretch>
+        </p:blipFill>
+        <p:spPr>
+          <a:xfrm>
+            <a:off x="3770663" y="2902955"/>
+            <a:ext cx="2184042" cy="2184042"/>
+          </a:xfrm>
+          <a:prstGeom prst="rect">
+            <a:avLst/>
+          </a:prstGeom>
+        </p:spPr>
+      </p:pic>
     </p:spTree>
     <p:extLst>
       <p:ext uri="{BB962C8B-B14F-4D97-AF65-F5344CB8AC3E}">
@@ -8858,114 +10481,15 @@
                                   </p:childTnLst>
                                 </p:cTn>
                               </p:par>
-                            </p:childTnLst>
-                          </p:cTn>
-                        </p:par>
-                      </p:childTnLst>
-                    </p:cTn>
-                  </p:par>
-                  <p:par>
-                    <p:cTn id="15" fill="hold">
-                      <p:stCondLst>
-                        <p:cond delay="indefinite"/>
-                      </p:stCondLst>
-                      <p:childTnLst>
-                        <p:par>
-                          <p:cTn id="16" fill="hold">
-                            <p:stCondLst>
-                              <p:cond delay="0"/>
-                            </p:stCondLst>
-                            <p:childTnLst>
                               <p:par>
-                                <p:cTn id="17" presetID="42" presetClass="entr" presetSubtype="0" fill="hold" nodeType="clickEffect">
+                                <p:cTn id="15" presetID="42" presetClass="entr" presetSubtype="0" fill="hold" grpId="0" nodeType="withEffect">
                                   <p:stCondLst>
                                     <p:cond delay="0"/>
                                   </p:stCondLst>
                                   <p:childTnLst>
                                     <p:set>
                                       <p:cBhvr>
-                                        <p:cTn id="18" dur="1" fill="hold">
-                                          <p:stCondLst>
-                                            <p:cond delay="0"/>
-                                          </p:stCondLst>
-                                        </p:cTn>
-                                        <p:tgtEl>
-                                          <p:spTgt spid="29"/>
-                                        </p:tgtEl>
-                                        <p:attrNameLst>
-                                          <p:attrName>style.visibility</p:attrName>
-                                        </p:attrNameLst>
-                                      </p:cBhvr>
-                                      <p:to>
-                                        <p:strVal val="visible"/>
-                                      </p:to>
-                                    </p:set>
-                                    <p:animEffect transition="in" filter="fade">
-                                      <p:cBhvr>
-                                        <p:cTn id="19" dur="1000"/>
-                                        <p:tgtEl>
-                                          <p:spTgt spid="29"/>
-                                        </p:tgtEl>
-                                      </p:cBhvr>
-                                    </p:animEffect>
-                                    <p:anim calcmode="lin" valueType="num">
-                                      <p:cBhvr>
-                                        <p:cTn id="20" dur="1000" fill="hold"/>
-                                        <p:tgtEl>
-                                          <p:spTgt spid="29"/>
-                                        </p:tgtEl>
-                                        <p:attrNameLst>
-                                          <p:attrName>ppt_x</p:attrName>
-                                        </p:attrNameLst>
-                                      </p:cBhvr>
-                                      <p:tavLst>
-                                        <p:tav tm="0">
-                                          <p:val>
-                                            <p:strVal val="#ppt_x"/>
-                                          </p:val>
-                                        </p:tav>
-                                        <p:tav tm="100000">
-                                          <p:val>
-                                            <p:strVal val="#ppt_x"/>
-                                          </p:val>
-                                        </p:tav>
-                                      </p:tavLst>
-                                    </p:anim>
-                                    <p:anim calcmode="lin" valueType="num">
-                                      <p:cBhvr>
-                                        <p:cTn id="21" dur="1000" fill="hold"/>
-                                        <p:tgtEl>
-                                          <p:spTgt spid="29"/>
-                                        </p:tgtEl>
-                                        <p:attrNameLst>
-                                          <p:attrName>ppt_y</p:attrName>
-                                        </p:attrNameLst>
-                                      </p:cBhvr>
-                                      <p:tavLst>
-                                        <p:tav tm="0">
-                                          <p:val>
-                                            <p:strVal val="#ppt_y+.1"/>
-                                          </p:val>
-                                        </p:tav>
-                                        <p:tav tm="100000">
-                                          <p:val>
-                                            <p:strVal val="#ppt_y"/>
-                                          </p:val>
-                                        </p:tav>
-                                      </p:tavLst>
-                                    </p:anim>
-                                  </p:childTnLst>
-                                </p:cTn>
-                              </p:par>
-                              <p:par>
-                                <p:cTn id="22" presetID="42" presetClass="entr" presetSubtype="0" fill="hold" grpId="0" nodeType="withEffect">
-                                  <p:stCondLst>
-                                    <p:cond delay="0"/>
-                                  </p:stCondLst>
-                                  <p:childTnLst>
-                                    <p:set>
-                                      <p:cBhvr>
-                                        <p:cTn id="23" dur="1" fill="hold">
+                                        <p:cTn id="16" dur="1" fill="hold">
                                           <p:stCondLst>
                                             <p:cond delay="0"/>
                                           </p:stCondLst>
@@ -8983,7 +10507,7 @@
                                     </p:set>
                                     <p:animEffect transition="in" filter="fade">
                                       <p:cBhvr>
-                                        <p:cTn id="24" dur="1000"/>
+                                        <p:cTn id="17" dur="1000"/>
                                         <p:tgtEl>
                                           <p:spTgt spid="32"/>
                                         </p:tgtEl>
@@ -8991,7 +10515,7 @@
                                     </p:animEffect>
                                     <p:anim calcmode="lin" valueType="num">
                                       <p:cBhvr>
-                                        <p:cTn id="25" dur="1000" fill="hold"/>
+                                        <p:cTn id="18" dur="1000" fill="hold"/>
                                         <p:tgtEl>
                                           <p:spTgt spid="32"/>
                                         </p:tgtEl>
@@ -9014,7 +10538,7 @@
                                     </p:anim>
                                     <p:anim calcmode="lin" valueType="num">
                                       <p:cBhvr>
-                                        <p:cTn id="26" dur="1000" fill="hold"/>
+                                        <p:cTn id="19" dur="1000" fill="hold"/>
                                         <p:tgtEl>
                                           <p:spTgt spid="32"/>
                                         </p:tgtEl>
@@ -9038,33 +10562,96 @@
                                   </p:childTnLst>
                                 </p:cTn>
                               </p:par>
-                            </p:childTnLst>
-                          </p:cTn>
-                        </p:par>
-                      </p:childTnLst>
-                    </p:cTn>
-                  </p:par>
-                  <p:par>
-                    <p:cTn id="27" fill="hold">
-                      <p:stCondLst>
-                        <p:cond delay="indefinite"/>
-                      </p:stCondLst>
-                      <p:childTnLst>
-                        <p:par>
-                          <p:cTn id="28" fill="hold">
-                            <p:stCondLst>
-                              <p:cond delay="0"/>
-                            </p:stCondLst>
-                            <p:childTnLst>
                               <p:par>
-                                <p:cTn id="29" presetID="42" presetClass="entr" presetSubtype="0" fill="hold" nodeType="clickEffect">
+                                <p:cTn id="20" presetID="42" presetClass="entr" presetSubtype="0" fill="hold" nodeType="withEffect">
                                   <p:stCondLst>
                                     <p:cond delay="0"/>
                                   </p:stCondLst>
                                   <p:childTnLst>
                                     <p:set>
                                       <p:cBhvr>
-                                        <p:cTn id="30" dur="1" fill="hold">
+                                        <p:cTn id="21" dur="1" fill="hold">
+                                          <p:stCondLst>
+                                            <p:cond delay="0"/>
+                                          </p:stCondLst>
+                                        </p:cTn>
+                                        <p:tgtEl>
+                                          <p:spTgt spid="5"/>
+                                        </p:tgtEl>
+                                        <p:attrNameLst>
+                                          <p:attrName>style.visibility</p:attrName>
+                                        </p:attrNameLst>
+                                      </p:cBhvr>
+                                      <p:to>
+                                        <p:strVal val="visible"/>
+                                      </p:to>
+                                    </p:set>
+                                    <p:animEffect transition="in" filter="fade">
+                                      <p:cBhvr>
+                                        <p:cTn id="22" dur="1000"/>
+                                        <p:tgtEl>
+                                          <p:spTgt spid="5"/>
+                                        </p:tgtEl>
+                                      </p:cBhvr>
+                                    </p:animEffect>
+                                    <p:anim calcmode="lin" valueType="num">
+                                      <p:cBhvr>
+                                        <p:cTn id="23" dur="1000" fill="hold"/>
+                                        <p:tgtEl>
+                                          <p:spTgt spid="5"/>
+                                        </p:tgtEl>
+                                        <p:attrNameLst>
+                                          <p:attrName>ppt_x</p:attrName>
+                                        </p:attrNameLst>
+                                      </p:cBhvr>
+                                      <p:tavLst>
+                                        <p:tav tm="0">
+                                          <p:val>
+                                            <p:strVal val="#ppt_x"/>
+                                          </p:val>
+                                        </p:tav>
+                                        <p:tav tm="100000">
+                                          <p:val>
+                                            <p:strVal val="#ppt_x"/>
+                                          </p:val>
+                                        </p:tav>
+                                      </p:tavLst>
+                                    </p:anim>
+                                    <p:anim calcmode="lin" valueType="num">
+                                      <p:cBhvr>
+                                        <p:cTn id="24" dur="1000" fill="hold"/>
+                                        <p:tgtEl>
+                                          <p:spTgt spid="5"/>
+                                        </p:tgtEl>
+                                        <p:attrNameLst>
+                                          <p:attrName>ppt_y</p:attrName>
+                                        </p:attrNameLst>
+                                      </p:cBhvr>
+                                      <p:tavLst>
+                                        <p:tav tm="0">
+                                          <p:val>
+                                            <p:strVal val="#ppt_y+.1"/>
+                                          </p:val>
+                                        </p:tav>
+                                        <p:tav tm="100000">
+                                          <p:val>
+                                            <p:strVal val="#ppt_y"/>
+                                          </p:val>
+                                        </p:tav>
+                                      </p:tavLst>
+                                    </p:anim>
+                                  </p:childTnLst>
+                                </p:cTn>
+                              </p:par>
+                              <p:par>
+                                <p:cTn id="25" presetID="42" presetClass="entr" presetSubtype="0" fill="hold" nodeType="withEffect">
+                                  <p:stCondLst>
+                                    <p:cond delay="0"/>
+                                  </p:stCondLst>
+                                  <p:childTnLst>
+                                    <p:set>
+                                      <p:cBhvr>
+                                        <p:cTn id="26" dur="1" fill="hold">
                                           <p:stCondLst>
                                             <p:cond delay="0"/>
                                           </p:stCondLst>
@@ -9082,7 +10669,7 @@
                                     </p:set>
                                     <p:animEffect transition="in" filter="fade">
                                       <p:cBhvr>
-                                        <p:cTn id="31" dur="1000"/>
+                                        <p:cTn id="27" dur="1000"/>
                                         <p:tgtEl>
                                           <p:spTgt spid="30"/>
                                         </p:tgtEl>
@@ -9090,7 +10677,7 @@
                                     </p:animEffect>
                                     <p:anim calcmode="lin" valueType="num">
                                       <p:cBhvr>
-                                        <p:cTn id="32" dur="1000" fill="hold"/>
+                                        <p:cTn id="28" dur="1000" fill="hold"/>
                                         <p:tgtEl>
                                           <p:spTgt spid="30"/>
                                         </p:tgtEl>
@@ -9113,7 +10700,7 @@
                                     </p:anim>
                                     <p:anim calcmode="lin" valueType="num">
                                       <p:cBhvr>
-                                        <p:cTn id="33" dur="1000" fill="hold"/>
+                                        <p:cTn id="29" dur="1000" fill="hold"/>
                                         <p:tgtEl>
                                           <p:spTgt spid="30"/>
                                         </p:tgtEl>
@@ -9138,14 +10725,14 @@
                                 </p:cTn>
                               </p:par>
                               <p:par>
-                                <p:cTn id="34" presetID="42" presetClass="entr" presetSubtype="0" fill="hold" grpId="0" nodeType="withEffect">
+                                <p:cTn id="30" presetID="42" presetClass="entr" presetSubtype="0" fill="hold" grpId="0" nodeType="withEffect">
                                   <p:stCondLst>
                                     <p:cond delay="0"/>
                                   </p:stCondLst>
                                   <p:childTnLst>
                                     <p:set>
                                       <p:cBhvr>
-                                        <p:cTn id="35" dur="1" fill="hold">
+                                        <p:cTn id="31" dur="1" fill="hold">
                                           <p:stCondLst>
                                             <p:cond delay="0"/>
                                           </p:stCondLst>
@@ -9163,7 +10750,7 @@
                                     </p:set>
                                     <p:animEffect transition="in" filter="fade">
                                       <p:cBhvr>
-                                        <p:cTn id="36" dur="1000"/>
+                                        <p:cTn id="32" dur="1000"/>
                                         <p:tgtEl>
                                           <p:spTgt spid="33"/>
                                         </p:tgtEl>
@@ -9171,7 +10758,7 @@
                                     </p:animEffect>
                                     <p:anim calcmode="lin" valueType="num">
                                       <p:cBhvr>
-                                        <p:cTn id="37" dur="1000" fill="hold"/>
+                                        <p:cTn id="33" dur="1000" fill="hold"/>
                                         <p:tgtEl>
                                           <p:spTgt spid="33"/>
                                         </p:tgtEl>
@@ -9194,7 +10781,7 @@
                                     </p:anim>
                                     <p:anim calcmode="lin" valueType="num">
                                       <p:cBhvr>
-                                        <p:cTn id="38" dur="1000" fill="hold"/>
+                                        <p:cTn id="34" dur="1000" fill="hold"/>
                                         <p:tgtEl>
                                           <p:spTgt spid="33"/>
                                         </p:tgtEl>
@@ -9254,7 +10841,7 @@
 </p:sld>
 </file>
 
-<file path=ppt/slides/slide6.xml><?xml version="1.0" encoding="utf-8"?>
+<file path=ppt/slides/slide5.xml><?xml version="1.0" encoding="utf-8"?>
 <p:sld xmlns:a="http://schemas.openxmlformats.org/drawingml/2006/main" xmlns:r="http://schemas.openxmlformats.org/officeDocument/2006/relationships" xmlns:p="http://schemas.openxmlformats.org/presentationml/2006/main">
   <p:cSld>
     <p:spTree>
@@ -9287,11 +10874,25 @@
           <a:lstStyle/>
           <a:p>
             <a:r>
+              <a:rPr lang="en-US" b="1">
+                <a:latin typeface="Arial" panose="020B0604020202020204" pitchFamily="34" charset="0"/>
+                <a:cs typeface="Arial" panose="020B0604020202020204" pitchFamily="34" charset="0"/>
+              </a:rPr>
+              <a:t>2</a:t>
+            </a:r>
+            <a:r>
               <a:rPr lang="en-US" b="1" smtClean="0">
                 <a:latin typeface="Arial" panose="020B0604020202020204" pitchFamily="34" charset="0"/>
                 <a:cs typeface="Arial" panose="020B0604020202020204" pitchFamily="34" charset="0"/>
               </a:rPr>
-              <a:t>3. TỔNG QUAN VỀ ỨNG DỤNG</a:t>
+              <a:t>. </a:t>
+            </a:r>
+            <a:r>
+              <a:rPr lang="en-US" b="1" smtClean="0">
+                <a:latin typeface="Arial" panose="020B0604020202020204" pitchFamily="34" charset="0"/>
+                <a:cs typeface="Arial" panose="020B0604020202020204" pitchFamily="34" charset="0"/>
+              </a:rPr>
+              <a:t>TỔNG QUAN VỀ ỨNG DỤNG</a:t>
             </a:r>
             <a:endParaRPr lang="vi-VN" b="1">
               <a:latin typeface="Arial" panose="020B0604020202020204" pitchFamily="34" charset="0"/>
@@ -9332,13 +10933,6 @@
               </a:rPr>
               <a:t>Quy trình lấy dữ liệu trên trang web về điện thoại</a:t>
             </a:r>
-            <a:endParaRPr lang="en-US" sz="2400" smtClean="0">
-              <a:solidFill>
-                <a:schemeClr val="tx1"/>
-              </a:solidFill>
-              <a:latin typeface="Arial" panose="020B0604020202020204" pitchFamily="34" charset="0"/>
-              <a:cs typeface="Arial" panose="020B0604020202020204" pitchFamily="34" charset="0"/>
-            </a:endParaRPr>
           </a:p>
           <a:p>
             <a:pPr marL="0" indent="0">
@@ -9371,7 +10965,7 @@
           <a:p>
             <a:fld id="{73B5BF7B-DAD1-4DA5-A555-55991F7C0E6A}" type="slidenum">
               <a:rPr lang="vi-VN" smtClean="0"/>
-              <a:t>6</a:t>
+              <a:t>5</a:t>
             </a:fld>
             <a:endParaRPr lang="vi-VN"/>
           </a:p>
@@ -10588,7 +12182,7 @@
                               <p:par>
                                 <p:cTn id="37" presetID="42" presetClass="entr" presetSubtype="0" fill="hold" grpId="0" nodeType="clickEffect">
                                   <p:stCondLst>
-                                    <p:cond delay="0"/>
+                                    <p:cond delay="250"/>
                                   </p:stCondLst>
                                   <p:childTnLst>
                                     <p:set>
@@ -10666,33 +12260,15 @@
                                   </p:childTnLst>
                                 </p:cTn>
                               </p:par>
-                            </p:childTnLst>
-                          </p:cTn>
-                        </p:par>
-                      </p:childTnLst>
-                    </p:cTn>
-                  </p:par>
-                  <p:par>
-                    <p:cTn id="42" fill="hold">
-                      <p:stCondLst>
-                        <p:cond delay="indefinite"/>
-                      </p:stCondLst>
-                      <p:childTnLst>
-                        <p:par>
-                          <p:cTn id="43" fill="hold">
-                            <p:stCondLst>
-                              <p:cond delay="0"/>
-                            </p:stCondLst>
-                            <p:childTnLst>
                               <p:par>
-                                <p:cTn id="44" presetID="42" presetClass="entr" presetSubtype="0" fill="hold" grpId="0" nodeType="clickEffect">
+                                <p:cTn id="42" presetID="42" presetClass="entr" presetSubtype="0" fill="hold" grpId="0" nodeType="withEffect">
                                   <p:stCondLst>
-                                    <p:cond delay="0"/>
+                                    <p:cond delay="500"/>
                                   </p:stCondLst>
                                   <p:childTnLst>
                                     <p:set>
                                       <p:cBhvr>
-                                        <p:cTn id="45" dur="1" fill="hold">
+                                        <p:cTn id="43" dur="1" fill="hold">
                                           <p:stCondLst>
                                             <p:cond delay="0"/>
                                           </p:stCondLst>
@@ -10710,7 +12286,7 @@
                                     </p:set>
                                     <p:animEffect transition="in" filter="fade">
                                       <p:cBhvr>
-                                        <p:cTn id="46" dur="1000"/>
+                                        <p:cTn id="44" dur="1000"/>
                                         <p:tgtEl>
                                           <p:spTgt spid="15"/>
                                         </p:tgtEl>
@@ -10718,7 +12294,7 @@
                                     </p:animEffect>
                                     <p:anim calcmode="lin" valueType="num">
                                       <p:cBhvr>
-                                        <p:cTn id="47" dur="1000" fill="hold"/>
+                                        <p:cTn id="45" dur="1000" fill="hold"/>
                                         <p:tgtEl>
                                           <p:spTgt spid="15"/>
                                         </p:tgtEl>
@@ -10741,7 +12317,7 @@
                                     </p:anim>
                                     <p:anim calcmode="lin" valueType="num">
                                       <p:cBhvr>
-                                        <p:cTn id="48" dur="1000" fill="hold"/>
+                                        <p:cTn id="46" dur="1000" fill="hold"/>
                                         <p:tgtEl>
                                           <p:spTgt spid="15"/>
                                         </p:tgtEl>
@@ -10765,33 +12341,15 @@
                                   </p:childTnLst>
                                 </p:cTn>
                               </p:par>
-                            </p:childTnLst>
-                          </p:cTn>
-                        </p:par>
-                      </p:childTnLst>
-                    </p:cTn>
-                  </p:par>
-                  <p:par>
-                    <p:cTn id="49" fill="hold">
-                      <p:stCondLst>
-                        <p:cond delay="indefinite"/>
-                      </p:stCondLst>
-                      <p:childTnLst>
-                        <p:par>
-                          <p:cTn id="50" fill="hold">
-                            <p:stCondLst>
-                              <p:cond delay="0"/>
-                            </p:stCondLst>
-                            <p:childTnLst>
                               <p:par>
-                                <p:cTn id="51" presetID="42" presetClass="entr" presetSubtype="0" fill="hold" grpId="0" nodeType="clickEffect">
+                                <p:cTn id="47" presetID="42" presetClass="entr" presetSubtype="0" fill="hold" grpId="0" nodeType="withEffect">
                                   <p:stCondLst>
-                                    <p:cond delay="0"/>
+                                    <p:cond delay="750"/>
                                   </p:stCondLst>
                                   <p:childTnLst>
                                     <p:set>
                                       <p:cBhvr>
-                                        <p:cTn id="52" dur="1" fill="hold">
+                                        <p:cTn id="48" dur="1" fill="hold">
                                           <p:stCondLst>
                                             <p:cond delay="0"/>
                                           </p:stCondLst>
@@ -10809,7 +12367,7 @@
                                     </p:set>
                                     <p:animEffect transition="in" filter="fade">
                                       <p:cBhvr>
-                                        <p:cTn id="53" dur="1000"/>
+                                        <p:cTn id="49" dur="1000"/>
                                         <p:tgtEl>
                                           <p:spTgt spid="20"/>
                                         </p:tgtEl>
@@ -10817,7 +12375,7 @@
                                     </p:animEffect>
                                     <p:anim calcmode="lin" valueType="num">
                                       <p:cBhvr>
-                                        <p:cTn id="54" dur="1000" fill="hold"/>
+                                        <p:cTn id="50" dur="1000" fill="hold"/>
                                         <p:tgtEl>
                                           <p:spTgt spid="20"/>
                                         </p:tgtEl>
@@ -10840,7 +12398,7 @@
                                     </p:anim>
                                     <p:anim calcmode="lin" valueType="num">
                                       <p:cBhvr>
-                                        <p:cTn id="55" dur="1000" fill="hold"/>
+                                        <p:cTn id="51" dur="1000" fill="hold"/>
                                         <p:tgtEl>
                                           <p:spTgt spid="20"/>
                                         </p:tgtEl>
@@ -10864,33 +12422,15 @@
                                   </p:childTnLst>
                                 </p:cTn>
                               </p:par>
-                            </p:childTnLst>
-                          </p:cTn>
-                        </p:par>
-                      </p:childTnLst>
-                    </p:cTn>
-                  </p:par>
-                  <p:par>
-                    <p:cTn id="56" fill="hold">
-                      <p:stCondLst>
-                        <p:cond delay="indefinite"/>
-                      </p:stCondLst>
-                      <p:childTnLst>
-                        <p:par>
-                          <p:cTn id="57" fill="hold">
-                            <p:stCondLst>
-                              <p:cond delay="0"/>
-                            </p:stCondLst>
-                            <p:childTnLst>
                               <p:par>
-                                <p:cTn id="58" presetID="42" presetClass="entr" presetSubtype="0" fill="hold" grpId="0" nodeType="clickEffect">
+                                <p:cTn id="52" presetID="42" presetClass="entr" presetSubtype="0" fill="hold" grpId="0" nodeType="withEffect">
                                   <p:stCondLst>
-                                    <p:cond delay="0"/>
+                                    <p:cond delay="1000"/>
                                   </p:stCondLst>
                                   <p:childTnLst>
                                     <p:set>
                                       <p:cBhvr>
-                                        <p:cTn id="59" dur="1" fill="hold">
+                                        <p:cTn id="53" dur="1" fill="hold">
                                           <p:stCondLst>
                                             <p:cond delay="0"/>
                                           </p:stCondLst>
@@ -10908,7 +12448,7 @@
                                     </p:set>
                                     <p:animEffect transition="in" filter="fade">
                                       <p:cBhvr>
-                                        <p:cTn id="60" dur="1000"/>
+                                        <p:cTn id="54" dur="1000"/>
                                         <p:tgtEl>
                                           <p:spTgt spid="21"/>
                                         </p:tgtEl>
@@ -10916,7 +12456,7 @@
                                     </p:animEffect>
                                     <p:anim calcmode="lin" valueType="num">
                                       <p:cBhvr>
-                                        <p:cTn id="61" dur="1000" fill="hold"/>
+                                        <p:cTn id="55" dur="1000" fill="hold"/>
                                         <p:tgtEl>
                                           <p:spTgt spid="21"/>
                                         </p:tgtEl>
@@ -10939,7 +12479,7 @@
                                     </p:anim>
                                     <p:anim calcmode="lin" valueType="num">
                                       <p:cBhvr>
-                                        <p:cTn id="62" dur="1000" fill="hold"/>
+                                        <p:cTn id="56" dur="1000" fill="hold"/>
                                         <p:tgtEl>
                                           <p:spTgt spid="21"/>
                                         </p:tgtEl>
@@ -11003,7 +12543,7 @@
 </p:sld>
 </file>
 
-<file path=ppt/slides/slide7.xml><?xml version="1.0" encoding="utf-8"?>
+<file path=ppt/slides/slide6.xml><?xml version="1.0" encoding="utf-8"?>
 <p:sld xmlns:a="http://schemas.openxmlformats.org/drawingml/2006/main" xmlns:r="http://schemas.openxmlformats.org/officeDocument/2006/relationships" xmlns:p="http://schemas.openxmlformats.org/presentationml/2006/main">
   <p:cSld>
     <p:spTree>
@@ -11036,11 +12576,25 @@
           <a:lstStyle/>
           <a:p>
             <a:r>
+              <a:rPr lang="en-US" b="1">
+                <a:latin typeface="Arial" panose="020B0604020202020204" pitchFamily="34" charset="0"/>
+                <a:cs typeface="Arial" panose="020B0604020202020204" pitchFamily="34" charset="0"/>
+              </a:rPr>
+              <a:t>2</a:t>
+            </a:r>
+            <a:r>
               <a:rPr lang="en-US" b="1" smtClean="0">
                 <a:latin typeface="Arial" panose="020B0604020202020204" pitchFamily="34" charset="0"/>
                 <a:cs typeface="Arial" panose="020B0604020202020204" pitchFamily="34" charset="0"/>
               </a:rPr>
-              <a:t>3. TỔNG QUAN VỀ ỨNG DỤNG</a:t>
+              <a:t>. </a:t>
+            </a:r>
+            <a:r>
+              <a:rPr lang="en-US" b="1" smtClean="0">
+                <a:latin typeface="Arial" panose="020B0604020202020204" pitchFamily="34" charset="0"/>
+                <a:cs typeface="Arial" panose="020B0604020202020204" pitchFamily="34" charset="0"/>
+              </a:rPr>
+              <a:t>TỔNG QUAN VỀ ỨNG DỤNG</a:t>
             </a:r>
             <a:endParaRPr lang="vi-VN" b="1">
               <a:latin typeface="Arial" panose="020B0604020202020204" pitchFamily="34" charset="0"/>
@@ -11066,7 +12620,7 @@
           <a:p>
             <a:fld id="{73B5BF7B-DAD1-4DA5-A555-55991F7C0E6A}" type="slidenum">
               <a:rPr lang="vi-VN" smtClean="0"/>
-              <a:t>7</a:t>
+              <a:t>6</a:t>
             </a:fld>
             <a:endParaRPr lang="vi-VN"/>
           </a:p>
@@ -12380,7 +13934,7 @@
 </p:sld>
 </file>
 
-<file path=ppt/slides/slide8.xml><?xml version="1.0" encoding="utf-8"?>
+<file path=ppt/slides/slide7.xml><?xml version="1.0" encoding="utf-8"?>
 <p:sld xmlns:a="http://schemas.openxmlformats.org/drawingml/2006/main" xmlns:r="http://schemas.openxmlformats.org/officeDocument/2006/relationships" xmlns:p="http://schemas.openxmlformats.org/presentationml/2006/main">
   <p:cSld>
     <p:spTree>
@@ -12413,11 +13967,25 @@
           <a:lstStyle/>
           <a:p>
             <a:r>
+              <a:rPr lang="en-US" b="1">
+                <a:latin typeface="Arial" panose="020B0604020202020204" pitchFamily="34" charset="0"/>
+                <a:cs typeface="Arial" panose="020B0604020202020204" pitchFamily="34" charset="0"/>
+              </a:rPr>
+              <a:t>2</a:t>
+            </a:r>
+            <a:r>
               <a:rPr lang="en-US" b="1" smtClean="0">
                 <a:latin typeface="Arial" panose="020B0604020202020204" pitchFamily="34" charset="0"/>
                 <a:cs typeface="Arial" panose="020B0604020202020204" pitchFamily="34" charset="0"/>
               </a:rPr>
-              <a:t>3. TỔNG QUAN VỀ ỨNG DỤNG</a:t>
+              <a:t>. </a:t>
+            </a:r>
+            <a:r>
+              <a:rPr lang="en-US" b="1" smtClean="0">
+                <a:latin typeface="Arial" panose="020B0604020202020204" pitchFamily="34" charset="0"/>
+                <a:cs typeface="Arial" panose="020B0604020202020204" pitchFamily="34" charset="0"/>
+              </a:rPr>
+              <a:t>TỔNG QUAN VỀ ỨNG DỤNG</a:t>
             </a:r>
             <a:endParaRPr lang="vi-VN" b="1">
               <a:latin typeface="Arial" panose="020B0604020202020204" pitchFamily="34" charset="0"/>
@@ -12485,7 +14053,7 @@
           <a:p>
             <a:fld id="{73B5BF7B-DAD1-4DA5-A555-55991F7C0E6A}" type="slidenum">
               <a:rPr lang="vi-VN" smtClean="0"/>
-              <a:t>8</a:t>
+              <a:t>7</a:t>
             </a:fld>
             <a:endParaRPr lang="vi-VN"/>
           </a:p>
@@ -12648,7 +14216,21 @@
                 <a:latin typeface="Arial" pitchFamily="34" charset="0"/>
                 <a:cs typeface="Arial" pitchFamily="34" charset="0"/>
               </a:rPr>
-              <a:t>Hình 3.1: Giao diện màn hình chính</a:t>
+              <a:t>Hình </a:t>
+            </a:r>
+            <a:r>
+              <a:rPr lang="en-US" smtClean="0">
+                <a:latin typeface="Arial" pitchFamily="34" charset="0"/>
+                <a:cs typeface="Arial" pitchFamily="34" charset="0"/>
+              </a:rPr>
+              <a:t>2.1</a:t>
+            </a:r>
+            <a:r>
+              <a:rPr lang="en-US" smtClean="0">
+                <a:latin typeface="Arial" pitchFamily="34" charset="0"/>
+                <a:cs typeface="Arial" pitchFamily="34" charset="0"/>
+              </a:rPr>
+              <a:t>: Giao diện màn hình chính</a:t>
             </a:r>
             <a:endParaRPr lang="en-US">
               <a:latin typeface="Arial" pitchFamily="34" charset="0"/>
@@ -12779,21 +14361,21 @@
                 <a:latin typeface="Arial" pitchFamily="34" charset="0"/>
                 <a:cs typeface="Arial" pitchFamily="34" charset="0"/>
               </a:rPr>
-              <a:t>Hình 3.2: Giao diện màn hình </a:t>
+              <a:t>Hình </a:t>
             </a:r>
             <a:r>
               <a:rPr lang="en-US" smtClean="0">
                 <a:latin typeface="Arial" pitchFamily="34" charset="0"/>
                 <a:cs typeface="Arial" pitchFamily="34" charset="0"/>
               </a:rPr>
-              <a:t>chi </a:t>
+              <a:t>2.2</a:t>
             </a:r>
             <a:r>
               <a:rPr lang="en-US" smtClean="0">
                 <a:latin typeface="Arial" pitchFamily="34" charset="0"/>
                 <a:cs typeface="Arial" pitchFamily="34" charset="0"/>
               </a:rPr>
-              <a:t>tiết tin tức</a:t>
+              <a:t>: Giao diện màn hình chi tiết tin tức</a:t>
             </a:r>
             <a:endParaRPr lang="en-US">
               <a:latin typeface="Arial" pitchFamily="34" charset="0"/>
@@ -12850,212 +14432,528 @@
   <p:timing>
     <p:tnLst>
       <p:par>
-        <p:cTn id="1" dur="indefinite" restart="never" nodeType="tmRoot">
-          <p:childTnLst>
-            <p:seq concurrent="1" nextAc="seek">
-              <p:cTn id="2" dur="indefinite" nodeType="mainSeq">
-                <p:childTnLst>
-                  <p:par>
-                    <p:cTn id="3" fill="hold">
-                      <p:stCondLst>
-                        <p:cond delay="indefinite"/>
-                      </p:stCondLst>
-                      <p:childTnLst>
-                        <p:par>
-                          <p:cTn id="4" fill="hold">
-                            <p:stCondLst>
-                              <p:cond delay="0"/>
-                            </p:stCondLst>
-                            <p:childTnLst>
-                              <p:par>
-                                <p:cTn id="5" presetID="6" presetClass="entr" presetSubtype="16" fill="hold" nodeType="clickEffect">
-                                  <p:stCondLst>
-                                    <p:cond delay="0"/>
-                                  </p:stCondLst>
-                                  <p:childTnLst>
-                                    <p:set>
-                                      <p:cBhvr>
-                                        <p:cTn id="6" dur="1" fill="hold">
-                                          <p:stCondLst>
-                                            <p:cond delay="0"/>
-                                          </p:stCondLst>
-                                        </p:cTn>
-                                        <p:tgtEl>
-                                          <p:spTgt spid="7"/>
-                                        </p:tgtEl>
-                                        <p:attrNameLst>
-                                          <p:attrName>style.visibility</p:attrName>
-                                        </p:attrNameLst>
-                                      </p:cBhvr>
-                                      <p:to>
-                                        <p:strVal val="visible"/>
-                                      </p:to>
-                                    </p:set>
-                                    <p:animEffect transition="in" filter="circle(in)">
-                                      <p:cBhvr>
-                                        <p:cTn id="7" dur="2000"/>
-                                        <p:tgtEl>
-                                          <p:spTgt spid="7"/>
-                                        </p:tgtEl>
-                                      </p:cBhvr>
-                                    </p:animEffect>
-                                  </p:childTnLst>
-                                </p:cTn>
-                              </p:par>
-                              <p:par>
-                                <p:cTn id="8" presetID="6" presetClass="entr" presetSubtype="16" fill="hold" grpId="0" nodeType="withEffect">
-                                  <p:stCondLst>
-                                    <p:cond delay="0"/>
-                                  </p:stCondLst>
-                                  <p:childTnLst>
-                                    <p:set>
-                                      <p:cBhvr>
-                                        <p:cTn id="9" dur="1" fill="hold">
-                                          <p:stCondLst>
-                                            <p:cond delay="0"/>
-                                          </p:stCondLst>
-                                        </p:cTn>
-                                        <p:tgtEl>
-                                          <p:spTgt spid="8"/>
-                                        </p:tgtEl>
-                                        <p:attrNameLst>
-                                          <p:attrName>style.visibility</p:attrName>
-                                        </p:attrNameLst>
-                                      </p:cBhvr>
-                                      <p:to>
-                                        <p:strVal val="visible"/>
-                                      </p:to>
-                                    </p:set>
-                                    <p:animEffect transition="in" filter="circle(in)">
-                                      <p:cBhvr>
-                                        <p:cTn id="10" dur="2000"/>
-                                        <p:tgtEl>
-                                          <p:spTgt spid="8"/>
-                                        </p:tgtEl>
-                                      </p:cBhvr>
-                                    </p:animEffect>
-                                  </p:childTnLst>
-                                </p:cTn>
-                              </p:par>
-                            </p:childTnLst>
-                          </p:cTn>
-                        </p:par>
-                      </p:childTnLst>
-                    </p:cTn>
-                  </p:par>
-                  <p:par>
-                    <p:cTn id="11" fill="hold">
-                      <p:stCondLst>
-                        <p:cond delay="indefinite"/>
-                      </p:stCondLst>
-                      <p:childTnLst>
-                        <p:par>
-                          <p:cTn id="12" fill="hold">
-                            <p:stCondLst>
-                              <p:cond delay="0"/>
-                            </p:stCondLst>
-                            <p:childTnLst>
-                              <p:par>
-                                <p:cTn id="13" presetID="6" presetClass="entr" presetSubtype="16" fill="hold" nodeType="clickEffect">
-                                  <p:stCondLst>
-                                    <p:cond delay="0"/>
-                                  </p:stCondLst>
-                                  <p:childTnLst>
-                                    <p:set>
-                                      <p:cBhvr>
-                                        <p:cTn id="14" dur="1" fill="hold">
-                                          <p:stCondLst>
-                                            <p:cond delay="0"/>
-                                          </p:stCondLst>
-                                        </p:cTn>
-                                        <p:tgtEl>
-                                          <p:spTgt spid="5"/>
-                                        </p:tgtEl>
-                                        <p:attrNameLst>
-                                          <p:attrName>style.visibility</p:attrName>
-                                        </p:attrNameLst>
-                                      </p:cBhvr>
-                                      <p:to>
-                                        <p:strVal val="visible"/>
-                                      </p:to>
-                                    </p:set>
-                                    <p:animEffect transition="in" filter="circle(in)">
-                                      <p:cBhvr>
-                                        <p:cTn id="15" dur="2000"/>
-                                        <p:tgtEl>
-                                          <p:spTgt spid="5"/>
-                                        </p:tgtEl>
-                                      </p:cBhvr>
-                                    </p:animEffect>
-                                  </p:childTnLst>
-                                </p:cTn>
-                              </p:par>
-                              <p:par>
-                                <p:cTn id="16" presetID="6" presetClass="entr" presetSubtype="16" fill="hold" grpId="0" nodeType="withEffect">
-                                  <p:stCondLst>
-                                    <p:cond delay="0"/>
-                                  </p:stCondLst>
-                                  <p:childTnLst>
-                                    <p:set>
-                                      <p:cBhvr>
-                                        <p:cTn id="17" dur="1" fill="hold">
-                                          <p:stCondLst>
-                                            <p:cond delay="0"/>
-                                          </p:stCondLst>
-                                        </p:cTn>
-                                        <p:tgtEl>
-                                          <p:spTgt spid="9"/>
-                                        </p:tgtEl>
-                                        <p:attrNameLst>
-                                          <p:attrName>style.visibility</p:attrName>
-                                        </p:attrNameLst>
-                                      </p:cBhvr>
-                                      <p:to>
-                                        <p:strVal val="visible"/>
-                                      </p:to>
-                                    </p:set>
-                                    <p:animEffect transition="in" filter="circle(in)">
-                                      <p:cBhvr>
-                                        <p:cTn id="18" dur="2000"/>
-                                        <p:tgtEl>
-                                          <p:spTgt spid="9"/>
-                                        </p:tgtEl>
-                                      </p:cBhvr>
-                                    </p:animEffect>
-                                  </p:childTnLst>
-                                </p:cTn>
-                              </p:par>
-                            </p:childTnLst>
-                          </p:cTn>
-                        </p:par>
-                      </p:childTnLst>
-                    </p:cTn>
-                  </p:par>
-                </p:childTnLst>
-              </p:cTn>
-              <p:prevCondLst>
-                <p:cond evt="onPrev" delay="0">
-                  <p:tgtEl>
-                    <p:sldTgt/>
-                  </p:tgtEl>
-                </p:cond>
-              </p:prevCondLst>
-              <p:nextCondLst>
-                <p:cond evt="onNext" delay="0">
-                  <p:tgtEl>
-                    <p:sldTgt/>
-                  </p:tgtEl>
-                </p:cond>
-              </p:nextCondLst>
-            </p:seq>
-          </p:childTnLst>
-        </p:cTn>
+        <p:cTn id="1" dur="indefinite" restart="never" nodeType="tmRoot"/>
       </p:par>
     </p:tnLst>
-    <p:bldLst>
-      <p:bldP spid="8" grpId="0"/>
-      <p:bldP spid="9" grpId="0"/>
-    </p:bldLst>
+  </p:timing>
+</p:sld>
+</file>
+
+<file path=ppt/slides/slide8.xml><?xml version="1.0" encoding="utf-8"?>
+<p:sld xmlns:a="http://schemas.openxmlformats.org/drawingml/2006/main" xmlns:r="http://schemas.openxmlformats.org/officeDocument/2006/relationships" xmlns:p="http://schemas.openxmlformats.org/presentationml/2006/main">
+  <p:cSld>
+    <p:spTree>
+      <p:nvGrpSpPr>
+        <p:cNvPr id="1" name=""/>
+        <p:cNvGrpSpPr/>
+        <p:nvPr/>
+      </p:nvGrpSpPr>
+      <p:grpSpPr>
+        <a:xfrm>
+          <a:off x="0" y="0"/>
+          <a:ext cx="0" cy="0"/>
+          <a:chOff x="0" y="0"/>
+          <a:chExt cx="0" cy="0"/>
+        </a:xfrm>
+      </p:grpSpPr>
+      <p:sp>
+        <p:nvSpPr>
+          <p:cNvPr id="2" name="Title 1"/>
+          <p:cNvSpPr>
+            <a:spLocks noGrp="1"/>
+          </p:cNvSpPr>
+          <p:nvPr>
+            <p:ph type="title"/>
+          </p:nvPr>
+        </p:nvSpPr>
+        <p:spPr/>
+        <p:txBody>
+          <a:bodyPr/>
+          <a:lstStyle/>
+          <a:p>
+            <a:r>
+              <a:rPr lang="en-US" b="1">
+                <a:latin typeface="Arial" panose="020B0604020202020204" pitchFamily="34" charset="0"/>
+                <a:cs typeface="Arial" panose="020B0604020202020204" pitchFamily="34" charset="0"/>
+              </a:rPr>
+              <a:t>2</a:t>
+            </a:r>
+            <a:r>
+              <a:rPr lang="en-US" b="1" smtClean="0">
+                <a:latin typeface="Arial" panose="020B0604020202020204" pitchFamily="34" charset="0"/>
+                <a:cs typeface="Arial" panose="020B0604020202020204" pitchFamily="34" charset="0"/>
+              </a:rPr>
+              <a:t>. </a:t>
+            </a:r>
+            <a:r>
+              <a:rPr lang="en-US" b="1" smtClean="0">
+                <a:latin typeface="Arial" panose="020B0604020202020204" pitchFamily="34" charset="0"/>
+                <a:cs typeface="Arial" panose="020B0604020202020204" pitchFamily="34" charset="0"/>
+              </a:rPr>
+              <a:t>TỔNG QUAN VỀ ỨNG DỤNG</a:t>
+            </a:r>
+            <a:endParaRPr lang="vi-VN" b="1">
+              <a:latin typeface="Arial" panose="020B0604020202020204" pitchFamily="34" charset="0"/>
+              <a:cs typeface="Arial" panose="020B0604020202020204" pitchFamily="34" charset="0"/>
+            </a:endParaRPr>
+          </a:p>
+        </p:txBody>
+      </p:sp>
+      <p:sp>
+        <p:nvSpPr>
+          <p:cNvPr id="3" name="Content Placeholder 2"/>
+          <p:cNvSpPr>
+            <a:spLocks noGrp="1"/>
+          </p:cNvSpPr>
+          <p:nvPr>
+            <p:ph idx="1"/>
+          </p:nvPr>
+        </p:nvSpPr>
+        <p:spPr>
+          <a:xfrm>
+            <a:off x="677334" y="1930400"/>
+            <a:ext cx="8596668" cy="3880773"/>
+          </a:xfrm>
+        </p:spPr>
+        <p:txBody>
+          <a:bodyPr>
+            <a:normAutofit/>
+          </a:bodyPr>
+          <a:lstStyle/>
+          <a:p>
+            <a:r>
+              <a:rPr lang="en-US" sz="2400" smtClean="0">
+                <a:solidFill>
+                  <a:schemeClr val="tx1"/>
+                </a:solidFill>
+                <a:latin typeface="Arial" panose="020B0604020202020204" pitchFamily="34" charset="0"/>
+                <a:cs typeface="Arial" panose="020B0604020202020204" pitchFamily="34" charset="0"/>
+              </a:rPr>
+              <a:t>Giao diện ứng dụng</a:t>
+            </a:r>
+            <a:endParaRPr lang="en-US" sz="2400">
+              <a:solidFill>
+                <a:schemeClr val="tx1"/>
+              </a:solidFill>
+              <a:latin typeface="Arial" panose="020B0604020202020204" pitchFamily="34" charset="0"/>
+              <a:cs typeface="Arial" panose="020B0604020202020204" pitchFamily="34" charset="0"/>
+            </a:endParaRPr>
+          </a:p>
+        </p:txBody>
+      </p:sp>
+      <p:sp>
+        <p:nvSpPr>
+          <p:cNvPr id="4" name="Slide Number Placeholder 3"/>
+          <p:cNvSpPr>
+            <a:spLocks noGrp="1"/>
+          </p:cNvSpPr>
+          <p:nvPr>
+            <p:ph type="sldNum" sz="quarter" idx="12"/>
+          </p:nvPr>
+        </p:nvSpPr>
+        <p:spPr/>
+        <p:txBody>
+          <a:bodyPr/>
+          <a:lstStyle/>
+          <a:p>
+            <a:fld id="{73B5BF7B-DAD1-4DA5-A555-55991F7C0E6A}" type="slidenum">
+              <a:rPr lang="vi-VN" smtClean="0"/>
+              <a:t>8</a:t>
+            </a:fld>
+            <a:endParaRPr lang="vi-VN"/>
+          </a:p>
+        </p:txBody>
+      </p:sp>
+      <p:sp>
+        <p:nvSpPr>
+          <p:cNvPr id="8" name="TextBox 6"/>
+          <p:cNvSpPr txBox="1"/>
+          <p:nvPr/>
+        </p:nvSpPr>
+        <p:spPr>
+          <a:xfrm>
+            <a:off x="1041502" y="6167896"/>
+            <a:ext cx="2608407" cy="646331"/>
+          </a:xfrm>
+          <a:prstGeom prst="rect">
+            <a:avLst/>
+          </a:prstGeom>
+          <a:noFill/>
+        </p:spPr>
+        <p:txBody>
+          <a:bodyPr wrap="square" rtlCol="0">
+            <a:spAutoFit/>
+          </a:bodyPr>
+          <a:lstStyle>
+            <a:defPPr>
+              <a:defRPr lang="en-US"/>
+            </a:defPPr>
+            <a:lvl1pPr marL="0" algn="l" defTabSz="914400" rtl="0" eaLnBrk="1" latinLnBrk="0" hangingPunct="1">
+              <a:defRPr sz="1800" kern="1200">
+                <a:solidFill>
+                  <a:schemeClr val="tx1"/>
+                </a:solidFill>
+                <a:latin typeface="+mn-lt"/>
+                <a:ea typeface="+mn-ea"/>
+                <a:cs typeface="+mn-cs"/>
+              </a:defRPr>
+            </a:lvl1pPr>
+            <a:lvl2pPr marL="457200" algn="l" defTabSz="914400" rtl="0" eaLnBrk="1" latinLnBrk="0" hangingPunct="1">
+              <a:defRPr sz="1800" kern="1200">
+                <a:solidFill>
+                  <a:schemeClr val="tx1"/>
+                </a:solidFill>
+                <a:latin typeface="+mn-lt"/>
+                <a:ea typeface="+mn-ea"/>
+                <a:cs typeface="+mn-cs"/>
+              </a:defRPr>
+            </a:lvl2pPr>
+            <a:lvl3pPr marL="914400" algn="l" defTabSz="914400" rtl="0" eaLnBrk="1" latinLnBrk="0" hangingPunct="1">
+              <a:defRPr sz="1800" kern="1200">
+                <a:solidFill>
+                  <a:schemeClr val="tx1"/>
+                </a:solidFill>
+                <a:latin typeface="+mn-lt"/>
+                <a:ea typeface="+mn-ea"/>
+                <a:cs typeface="+mn-cs"/>
+              </a:defRPr>
+            </a:lvl3pPr>
+            <a:lvl4pPr marL="1371600" algn="l" defTabSz="914400" rtl="0" eaLnBrk="1" latinLnBrk="0" hangingPunct="1">
+              <a:defRPr sz="1800" kern="1200">
+                <a:solidFill>
+                  <a:schemeClr val="tx1"/>
+                </a:solidFill>
+                <a:latin typeface="+mn-lt"/>
+                <a:ea typeface="+mn-ea"/>
+                <a:cs typeface="+mn-cs"/>
+              </a:defRPr>
+            </a:lvl4pPr>
+            <a:lvl5pPr marL="1828800" algn="l" defTabSz="914400" rtl="0" eaLnBrk="1" latinLnBrk="0" hangingPunct="1">
+              <a:defRPr sz="1800" kern="1200">
+                <a:solidFill>
+                  <a:schemeClr val="tx1"/>
+                </a:solidFill>
+                <a:latin typeface="+mn-lt"/>
+                <a:ea typeface="+mn-ea"/>
+                <a:cs typeface="+mn-cs"/>
+              </a:defRPr>
+            </a:lvl5pPr>
+            <a:lvl6pPr marL="2286000" algn="l" defTabSz="914400" rtl="0" eaLnBrk="1" latinLnBrk="0" hangingPunct="1">
+              <a:defRPr sz="1800" kern="1200">
+                <a:solidFill>
+                  <a:schemeClr val="tx1"/>
+                </a:solidFill>
+                <a:latin typeface="+mn-lt"/>
+                <a:ea typeface="+mn-ea"/>
+                <a:cs typeface="+mn-cs"/>
+              </a:defRPr>
+            </a:lvl6pPr>
+            <a:lvl7pPr marL="2743200" algn="l" defTabSz="914400" rtl="0" eaLnBrk="1" latinLnBrk="0" hangingPunct="1">
+              <a:defRPr sz="1800" kern="1200">
+                <a:solidFill>
+                  <a:schemeClr val="tx1"/>
+                </a:solidFill>
+                <a:latin typeface="+mn-lt"/>
+                <a:ea typeface="+mn-ea"/>
+                <a:cs typeface="+mn-cs"/>
+              </a:defRPr>
+            </a:lvl7pPr>
+            <a:lvl8pPr marL="3200400" algn="l" defTabSz="914400" rtl="0" eaLnBrk="1" latinLnBrk="0" hangingPunct="1">
+              <a:defRPr sz="1800" kern="1200">
+                <a:solidFill>
+                  <a:schemeClr val="tx1"/>
+                </a:solidFill>
+                <a:latin typeface="+mn-lt"/>
+                <a:ea typeface="+mn-ea"/>
+                <a:cs typeface="+mn-cs"/>
+              </a:defRPr>
+            </a:lvl8pPr>
+            <a:lvl9pPr marL="3657600" algn="l" defTabSz="914400" rtl="0" eaLnBrk="1" latinLnBrk="0" hangingPunct="1">
+              <a:defRPr sz="1800" kern="1200">
+                <a:solidFill>
+                  <a:schemeClr val="tx1"/>
+                </a:solidFill>
+                <a:latin typeface="+mn-lt"/>
+                <a:ea typeface="+mn-ea"/>
+                <a:cs typeface="+mn-cs"/>
+              </a:defRPr>
+            </a:lvl9pPr>
+          </a:lstStyle>
+          <a:p>
+            <a:pPr algn="ctr"/>
+            <a:r>
+              <a:rPr lang="en-US" smtClean="0">
+                <a:latin typeface="Arial" pitchFamily="34" charset="0"/>
+                <a:cs typeface="Arial" pitchFamily="34" charset="0"/>
+              </a:rPr>
+              <a:t>Hình </a:t>
+            </a:r>
+            <a:r>
+              <a:rPr lang="en-US" smtClean="0">
+                <a:latin typeface="Arial" pitchFamily="34" charset="0"/>
+                <a:cs typeface="Arial" pitchFamily="34" charset="0"/>
+              </a:rPr>
+              <a:t>2.3: </a:t>
+            </a:r>
+            <a:r>
+              <a:rPr lang="en-US" smtClean="0">
+                <a:latin typeface="Arial" pitchFamily="34" charset="0"/>
+                <a:cs typeface="Arial" pitchFamily="34" charset="0"/>
+              </a:rPr>
+              <a:t>Giao </a:t>
+            </a:r>
+            <a:r>
+              <a:rPr lang="en-US" smtClean="0">
+                <a:latin typeface="Arial" pitchFamily="34" charset="0"/>
+                <a:cs typeface="Arial" pitchFamily="34" charset="0"/>
+              </a:rPr>
+              <a:t>diện tìm kiếm tin tức</a:t>
+            </a:r>
+            <a:endParaRPr lang="en-US">
+              <a:latin typeface="Arial" pitchFamily="34" charset="0"/>
+              <a:cs typeface="Arial" pitchFamily="34" charset="0"/>
+            </a:endParaRPr>
+          </a:p>
+        </p:txBody>
+      </p:sp>
+      <p:sp>
+        <p:nvSpPr>
+          <p:cNvPr id="9" name="TextBox 6"/>
+          <p:cNvSpPr txBox="1"/>
+          <p:nvPr/>
+        </p:nvSpPr>
+        <p:spPr>
+          <a:xfrm>
+            <a:off x="4549978" y="6167896"/>
+            <a:ext cx="2790293" cy="646331"/>
+          </a:xfrm>
+          <a:prstGeom prst="rect">
+            <a:avLst/>
+          </a:prstGeom>
+          <a:noFill/>
+        </p:spPr>
+        <p:txBody>
+          <a:bodyPr wrap="square" rtlCol="0">
+            <a:spAutoFit/>
+          </a:bodyPr>
+          <a:lstStyle>
+            <a:defPPr>
+              <a:defRPr lang="en-US"/>
+            </a:defPPr>
+            <a:lvl1pPr marL="0" algn="l" defTabSz="914400" rtl="0" eaLnBrk="1" latinLnBrk="0" hangingPunct="1">
+              <a:defRPr sz="1800" kern="1200">
+                <a:solidFill>
+                  <a:schemeClr val="tx1"/>
+                </a:solidFill>
+                <a:latin typeface="+mn-lt"/>
+                <a:ea typeface="+mn-ea"/>
+                <a:cs typeface="+mn-cs"/>
+              </a:defRPr>
+            </a:lvl1pPr>
+            <a:lvl2pPr marL="457200" algn="l" defTabSz="914400" rtl="0" eaLnBrk="1" latinLnBrk="0" hangingPunct="1">
+              <a:defRPr sz="1800" kern="1200">
+                <a:solidFill>
+                  <a:schemeClr val="tx1"/>
+                </a:solidFill>
+                <a:latin typeface="+mn-lt"/>
+                <a:ea typeface="+mn-ea"/>
+                <a:cs typeface="+mn-cs"/>
+              </a:defRPr>
+            </a:lvl2pPr>
+            <a:lvl3pPr marL="914400" algn="l" defTabSz="914400" rtl="0" eaLnBrk="1" latinLnBrk="0" hangingPunct="1">
+              <a:defRPr sz="1800" kern="1200">
+                <a:solidFill>
+                  <a:schemeClr val="tx1"/>
+                </a:solidFill>
+                <a:latin typeface="+mn-lt"/>
+                <a:ea typeface="+mn-ea"/>
+                <a:cs typeface="+mn-cs"/>
+              </a:defRPr>
+            </a:lvl3pPr>
+            <a:lvl4pPr marL="1371600" algn="l" defTabSz="914400" rtl="0" eaLnBrk="1" latinLnBrk="0" hangingPunct="1">
+              <a:defRPr sz="1800" kern="1200">
+                <a:solidFill>
+                  <a:schemeClr val="tx1"/>
+                </a:solidFill>
+                <a:latin typeface="+mn-lt"/>
+                <a:ea typeface="+mn-ea"/>
+                <a:cs typeface="+mn-cs"/>
+              </a:defRPr>
+            </a:lvl4pPr>
+            <a:lvl5pPr marL="1828800" algn="l" defTabSz="914400" rtl="0" eaLnBrk="1" latinLnBrk="0" hangingPunct="1">
+              <a:defRPr sz="1800" kern="1200">
+                <a:solidFill>
+                  <a:schemeClr val="tx1"/>
+                </a:solidFill>
+                <a:latin typeface="+mn-lt"/>
+                <a:ea typeface="+mn-ea"/>
+                <a:cs typeface="+mn-cs"/>
+              </a:defRPr>
+            </a:lvl5pPr>
+            <a:lvl6pPr marL="2286000" algn="l" defTabSz="914400" rtl="0" eaLnBrk="1" latinLnBrk="0" hangingPunct="1">
+              <a:defRPr sz="1800" kern="1200">
+                <a:solidFill>
+                  <a:schemeClr val="tx1"/>
+                </a:solidFill>
+                <a:latin typeface="+mn-lt"/>
+                <a:ea typeface="+mn-ea"/>
+                <a:cs typeface="+mn-cs"/>
+              </a:defRPr>
+            </a:lvl6pPr>
+            <a:lvl7pPr marL="2743200" algn="l" defTabSz="914400" rtl="0" eaLnBrk="1" latinLnBrk="0" hangingPunct="1">
+              <a:defRPr sz="1800" kern="1200">
+                <a:solidFill>
+                  <a:schemeClr val="tx1"/>
+                </a:solidFill>
+                <a:latin typeface="+mn-lt"/>
+                <a:ea typeface="+mn-ea"/>
+                <a:cs typeface="+mn-cs"/>
+              </a:defRPr>
+            </a:lvl7pPr>
+            <a:lvl8pPr marL="3200400" algn="l" defTabSz="914400" rtl="0" eaLnBrk="1" latinLnBrk="0" hangingPunct="1">
+              <a:defRPr sz="1800" kern="1200">
+                <a:solidFill>
+                  <a:schemeClr val="tx1"/>
+                </a:solidFill>
+                <a:latin typeface="+mn-lt"/>
+                <a:ea typeface="+mn-ea"/>
+                <a:cs typeface="+mn-cs"/>
+              </a:defRPr>
+            </a:lvl8pPr>
+            <a:lvl9pPr marL="3657600" algn="l" defTabSz="914400" rtl="0" eaLnBrk="1" latinLnBrk="0" hangingPunct="1">
+              <a:defRPr sz="1800" kern="1200">
+                <a:solidFill>
+                  <a:schemeClr val="tx1"/>
+                </a:solidFill>
+                <a:latin typeface="+mn-lt"/>
+                <a:ea typeface="+mn-ea"/>
+                <a:cs typeface="+mn-cs"/>
+              </a:defRPr>
+            </a:lvl9pPr>
+          </a:lstStyle>
+          <a:p>
+            <a:pPr algn="ctr"/>
+            <a:r>
+              <a:rPr lang="en-US" smtClean="0">
+                <a:latin typeface="Arial" pitchFamily="34" charset="0"/>
+                <a:cs typeface="Arial" pitchFamily="34" charset="0"/>
+              </a:rPr>
+              <a:t>Hình </a:t>
+            </a:r>
+            <a:r>
+              <a:rPr lang="en-US" smtClean="0">
+                <a:latin typeface="Arial" pitchFamily="34" charset="0"/>
+                <a:cs typeface="Arial" pitchFamily="34" charset="0"/>
+              </a:rPr>
+              <a:t>2.4: </a:t>
+            </a:r>
+            <a:r>
+              <a:rPr lang="en-US" smtClean="0">
+                <a:latin typeface="Arial" pitchFamily="34" charset="0"/>
+                <a:cs typeface="Arial" pitchFamily="34" charset="0"/>
+              </a:rPr>
+              <a:t>Giao </a:t>
+            </a:r>
+            <a:r>
+              <a:rPr lang="en-US" smtClean="0">
+                <a:latin typeface="Arial" pitchFamily="34" charset="0"/>
+                <a:cs typeface="Arial" pitchFamily="34" charset="0"/>
+              </a:rPr>
+              <a:t>diện màn hình tin đã lưu</a:t>
+            </a:r>
+            <a:endParaRPr lang="en-US">
+              <a:latin typeface="Arial" pitchFamily="34" charset="0"/>
+              <a:cs typeface="Arial" pitchFamily="34" charset="0"/>
+            </a:endParaRPr>
+          </a:p>
+        </p:txBody>
+      </p:sp>
+      <p:pic>
+        <p:nvPicPr>
+          <p:cNvPr id="6" name="Picture 5"/>
+          <p:cNvPicPr>
+            <a:picLocks noChangeAspect="1"/>
+          </p:cNvPicPr>
+          <p:nvPr/>
+        </p:nvPicPr>
+        <p:blipFill>
+          <a:blip r:embed="rId2" cstate="print">
+            <a:extLst>
+              <a:ext uri="{28A0092B-C50C-407E-A947-70E740481C1C}">
+                <a14:useLocalDpi xmlns:a14="http://schemas.microsoft.com/office/drawing/2010/main" val="0"/>
+              </a:ext>
+            </a:extLst>
+          </a:blip>
+          <a:stretch>
+            <a:fillRect/>
+          </a:stretch>
+        </p:blipFill>
+        <p:spPr>
+          <a:xfrm>
+            <a:off x="1299103" y="2451945"/>
+            <a:ext cx="2102796" cy="3738302"/>
+          </a:xfrm>
+          <a:prstGeom prst="rect">
+            <a:avLst/>
+          </a:prstGeom>
+          <a:ln>
+            <a:solidFill>
+              <a:schemeClr val="tx1"/>
+            </a:solidFill>
+          </a:ln>
+        </p:spPr>
+      </p:pic>
+      <p:pic>
+        <p:nvPicPr>
+          <p:cNvPr id="11" name="Picture 10"/>
+          <p:cNvPicPr>
+            <a:picLocks noChangeAspect="1"/>
+          </p:cNvPicPr>
+          <p:nvPr/>
+        </p:nvPicPr>
+        <p:blipFill>
+          <a:blip r:embed="rId3" cstate="print">
+            <a:extLst>
+              <a:ext uri="{28A0092B-C50C-407E-A947-70E740481C1C}">
+                <a14:useLocalDpi xmlns:a14="http://schemas.microsoft.com/office/drawing/2010/main" val="0"/>
+              </a:ext>
+            </a:extLst>
+          </a:blip>
+          <a:stretch>
+            <a:fillRect/>
+          </a:stretch>
+        </p:blipFill>
+        <p:spPr>
+          <a:xfrm>
+            <a:off x="4900301" y="2451945"/>
+            <a:ext cx="2118685" cy="3766551"/>
+          </a:xfrm>
+          <a:prstGeom prst="rect">
+            <a:avLst/>
+          </a:prstGeom>
+          <a:ln>
+            <a:solidFill>
+              <a:schemeClr val="tx1"/>
+            </a:solidFill>
+          </a:ln>
+        </p:spPr>
+      </p:pic>
+    </p:spTree>
+    <p:extLst>
+      <p:ext uri="{BB962C8B-B14F-4D97-AF65-F5344CB8AC3E}">
+        <p14:creationId xmlns:p14="http://schemas.microsoft.com/office/powerpoint/2010/main" val="2383468937"/>
+      </p:ext>
+    </p:extLst>
+  </p:cSld>
+  <p:clrMapOvr>
+    <a:masterClrMapping/>
+  </p:clrMapOvr>
+  <p:timing>
+    <p:tnLst>
+      <p:par>
+        <p:cTn id="1" dur="indefinite" restart="never" nodeType="tmRoot"/>
+      </p:par>
+    </p:tnLst>
   </p:timing>
 </p:sld>
 </file>
@@ -13093,13 +14991,69 @@
           <a:lstStyle/>
           <a:p>
             <a:r>
+              <a:rPr lang="en-US" b="1">
+                <a:latin typeface="Arial" panose="020B0604020202020204" pitchFamily="34" charset="0"/>
+                <a:cs typeface="Arial" panose="020B0604020202020204" pitchFamily="34" charset="0"/>
+              </a:rPr>
+              <a:t>2</a:t>
+            </a:r>
+            <a:r>
               <a:rPr lang="en-US" b="1" smtClean="0">
                 <a:latin typeface="Arial" panose="020B0604020202020204" pitchFamily="34" charset="0"/>
                 <a:cs typeface="Arial" panose="020B0604020202020204" pitchFamily="34" charset="0"/>
               </a:rPr>
-              <a:t>4. KẾT QUẢ</a:t>
+              <a:t>. </a:t>
+            </a:r>
+            <a:r>
+              <a:rPr lang="en-US" b="1" smtClean="0">
+                <a:latin typeface="Arial" panose="020B0604020202020204" pitchFamily="34" charset="0"/>
+                <a:cs typeface="Arial" panose="020B0604020202020204" pitchFamily="34" charset="0"/>
+              </a:rPr>
+              <a:t>TỔNG QUAN VỀ ỨNG DỤNG</a:t>
             </a:r>
             <a:endParaRPr lang="vi-VN" b="1">
+              <a:latin typeface="Arial" panose="020B0604020202020204" pitchFamily="34" charset="0"/>
+              <a:cs typeface="Arial" panose="020B0604020202020204" pitchFamily="34" charset="0"/>
+            </a:endParaRPr>
+          </a:p>
+        </p:txBody>
+      </p:sp>
+      <p:sp>
+        <p:nvSpPr>
+          <p:cNvPr id="3" name="Content Placeholder 2"/>
+          <p:cNvSpPr>
+            <a:spLocks noGrp="1"/>
+          </p:cNvSpPr>
+          <p:nvPr>
+            <p:ph idx="1"/>
+          </p:nvPr>
+        </p:nvSpPr>
+        <p:spPr>
+          <a:xfrm>
+            <a:off x="677334" y="1930400"/>
+            <a:ext cx="8596668" cy="3880773"/>
+          </a:xfrm>
+        </p:spPr>
+        <p:txBody>
+          <a:bodyPr>
+            <a:normAutofit/>
+          </a:bodyPr>
+          <a:lstStyle/>
+          <a:p>
+            <a:r>
+              <a:rPr lang="en-US" sz="2400" smtClean="0">
+                <a:solidFill>
+                  <a:schemeClr val="tx1"/>
+                </a:solidFill>
+                <a:latin typeface="Arial" panose="020B0604020202020204" pitchFamily="34" charset="0"/>
+                <a:cs typeface="Arial" panose="020B0604020202020204" pitchFamily="34" charset="0"/>
+              </a:rPr>
+              <a:t>Giao diện ứng dụng</a:t>
+            </a:r>
+            <a:endParaRPr lang="en-US" sz="2400">
+              <a:solidFill>
+                <a:schemeClr val="tx1"/>
+              </a:solidFill>
               <a:latin typeface="Arial" panose="020B0604020202020204" pitchFamily="34" charset="0"/>
               <a:cs typeface="Arial" panose="020B0604020202020204" pitchFamily="34" charset="0"/>
             </a:endParaRPr>
@@ -13131,151 +15085,14 @@
       </p:sp>
       <p:sp>
         <p:nvSpPr>
-          <p:cNvPr id="6" name="Freeform 10">
-            <a:extLst>
-              <a:ext uri="{FF2B5EF4-FFF2-40B4-BE49-F238E27FC236}">
-                <a16:creationId xmlns="" xmlns:a16="http://schemas.microsoft.com/office/drawing/2014/main" id="{C3D57E8A-11CC-494C-9E27-C346C915AACD}"/>
-              </a:ext>
-            </a:extLst>
-          </p:cNvPr>
-          <p:cNvSpPr/>
+          <p:cNvPr id="8" name="TextBox 6"/>
+          <p:cNvSpPr txBox="1"/>
           <p:nvPr/>
         </p:nvSpPr>
         <p:spPr>
           <a:xfrm>
-            <a:off x="781134" y="1940792"/>
-            <a:ext cx="3275712" cy="1072284"/>
-          </a:xfrm>
-          <a:custGeom>
-            <a:avLst/>
-            <a:gdLst>
-              <a:gd name="connsiteX0" fmla="*/ 0 w 2361406"/>
-              <a:gd name="connsiteY0" fmla="*/ 0 h 944562"/>
-              <a:gd name="connsiteX1" fmla="*/ 1889125 w 2361406"/>
-              <a:gd name="connsiteY1" fmla="*/ 0 h 944562"/>
-              <a:gd name="connsiteX2" fmla="*/ 2361406 w 2361406"/>
-              <a:gd name="connsiteY2" fmla="*/ 472281 h 944562"/>
-              <a:gd name="connsiteX3" fmla="*/ 1889125 w 2361406"/>
-              <a:gd name="connsiteY3" fmla="*/ 944562 h 944562"/>
-              <a:gd name="connsiteX4" fmla="*/ 0 w 2361406"/>
-              <a:gd name="connsiteY4" fmla="*/ 944562 h 944562"/>
-              <a:gd name="connsiteX5" fmla="*/ 472281 w 2361406"/>
-              <a:gd name="connsiteY5" fmla="*/ 472281 h 944562"/>
-              <a:gd name="connsiteX6" fmla="*/ 0 w 2361406"/>
-              <a:gd name="connsiteY6" fmla="*/ 0 h 944562"/>
-            </a:gdLst>
-            <a:ahLst/>
-            <a:cxnLst>
-              <a:cxn ang="0">
-                <a:pos x="connsiteX0" y="connsiteY0"/>
-              </a:cxn>
-              <a:cxn ang="0">
-                <a:pos x="connsiteX1" y="connsiteY1"/>
-              </a:cxn>
-              <a:cxn ang="0">
-                <a:pos x="connsiteX2" y="connsiteY2"/>
-              </a:cxn>
-              <a:cxn ang="0">
-                <a:pos x="connsiteX3" y="connsiteY3"/>
-              </a:cxn>
-              <a:cxn ang="0">
-                <a:pos x="connsiteX4" y="connsiteY4"/>
-              </a:cxn>
-              <a:cxn ang="0">
-                <a:pos x="connsiteX5" y="connsiteY5"/>
-              </a:cxn>
-              <a:cxn ang="0">
-                <a:pos x="connsiteX6" y="connsiteY6"/>
-              </a:cxn>
-            </a:cxnLst>
-            <a:rect l="l" t="t" r="r" b="b"/>
-            <a:pathLst>
-              <a:path w="2361406" h="944562">
-                <a:moveTo>
-                  <a:pt x="0" y="0"/>
-                </a:moveTo>
-                <a:lnTo>
-                  <a:pt x="1889125" y="0"/>
-                </a:lnTo>
-                <a:lnTo>
-                  <a:pt x="2361406" y="472281"/>
-                </a:lnTo>
-                <a:lnTo>
-                  <a:pt x="1889125" y="944562"/>
-                </a:lnTo>
-                <a:lnTo>
-                  <a:pt x="0" y="944562"/>
-                </a:lnTo>
-                <a:lnTo>
-                  <a:pt x="472281" y="472281"/>
-                </a:lnTo>
-                <a:lnTo>
-                  <a:pt x="0" y="0"/>
-                </a:lnTo>
-                <a:close/>
-              </a:path>
-            </a:pathLst>
-          </a:custGeom>
-          <a:solidFill>
-            <a:schemeClr val="accent1"/>
-          </a:solidFill>
-          <a:ln>
-            <a:noFill/>
-          </a:ln>
-        </p:spPr>
-        <p:style>
-          <a:lnRef idx="2">
-            <a:schemeClr val="accent5">
-              <a:shade val="50000"/>
-            </a:schemeClr>
-          </a:lnRef>
-          <a:fillRef idx="1">
-            <a:schemeClr val="accent5"/>
-          </a:fillRef>
-          <a:effectRef idx="0">
-            <a:schemeClr val="accent5"/>
-          </a:effectRef>
-          <a:fontRef idx="minor">
-            <a:schemeClr val="lt1"/>
-          </a:fontRef>
-        </p:style>
-        <p:txBody>
-          <a:bodyPr spcFirstLastPara="0" vert="horz" wrap="square" lIns="531971" tIns="29845" rIns="472281" bIns="29845" numCol="1" spcCol="1270" anchor="ctr" anchorCtr="0">
-            <a:noAutofit/>
-          </a:bodyPr>
-          <a:lstStyle/>
-          <a:p>
-            <a:pPr lvl="0" algn="ctr" defTabSz="2089150">
-              <a:lnSpc>
-                <a:spcPct val="90000"/>
-              </a:lnSpc>
-              <a:spcBef>
-                <a:spcPct val="0"/>
-              </a:spcBef>
-              <a:spcAft>
-                <a:spcPct val="35000"/>
-              </a:spcAft>
-            </a:pPr>
-            <a:endParaRPr lang="en-US" sz="4700" kern="1200"/>
-          </a:p>
-        </p:txBody>
-      </p:sp>
-      <p:sp>
-        <p:nvSpPr>
-          <p:cNvPr id="7" name="TextBox 6">
-            <a:extLst>
-              <a:ext uri="{FF2B5EF4-FFF2-40B4-BE49-F238E27FC236}">
-                <a16:creationId xmlns="" xmlns:a16="http://schemas.microsoft.com/office/drawing/2014/main" id="{AEECD0D0-D336-48BB-96DB-54815E5AC149}"/>
-              </a:ext>
-            </a:extLst>
-          </p:cNvPr>
-          <p:cNvSpPr txBox="1"/>
-          <p:nvPr/>
-        </p:nvSpPr>
-        <p:spPr>
-          <a:xfrm>
-            <a:off x="1407167" y="2241862"/>
-            <a:ext cx="2271776" cy="400110"/>
+            <a:off x="951349" y="6167896"/>
+            <a:ext cx="2835039" cy="646331"/>
           </a:xfrm>
           <a:prstGeom prst="rect">
             <a:avLst/>
@@ -13283,203 +15100,151 @@
           <a:noFill/>
         </p:spPr>
         <p:txBody>
-          <a:bodyPr wrap="none" rtlCol="0">
+          <a:bodyPr wrap="square" rtlCol="0">
             <a:spAutoFit/>
           </a:bodyPr>
-          <a:lstStyle/>
+          <a:lstStyle>
+            <a:defPPr>
+              <a:defRPr lang="en-US"/>
+            </a:defPPr>
+            <a:lvl1pPr marL="0" algn="l" defTabSz="914400" rtl="0" eaLnBrk="1" latinLnBrk="0" hangingPunct="1">
+              <a:defRPr sz="1800" kern="1200">
+                <a:solidFill>
+                  <a:schemeClr val="tx1"/>
+                </a:solidFill>
+                <a:latin typeface="+mn-lt"/>
+                <a:ea typeface="+mn-ea"/>
+                <a:cs typeface="+mn-cs"/>
+              </a:defRPr>
+            </a:lvl1pPr>
+            <a:lvl2pPr marL="457200" algn="l" defTabSz="914400" rtl="0" eaLnBrk="1" latinLnBrk="0" hangingPunct="1">
+              <a:defRPr sz="1800" kern="1200">
+                <a:solidFill>
+                  <a:schemeClr val="tx1"/>
+                </a:solidFill>
+                <a:latin typeface="+mn-lt"/>
+                <a:ea typeface="+mn-ea"/>
+                <a:cs typeface="+mn-cs"/>
+              </a:defRPr>
+            </a:lvl2pPr>
+            <a:lvl3pPr marL="914400" algn="l" defTabSz="914400" rtl="0" eaLnBrk="1" latinLnBrk="0" hangingPunct="1">
+              <a:defRPr sz="1800" kern="1200">
+                <a:solidFill>
+                  <a:schemeClr val="tx1"/>
+                </a:solidFill>
+                <a:latin typeface="+mn-lt"/>
+                <a:ea typeface="+mn-ea"/>
+                <a:cs typeface="+mn-cs"/>
+              </a:defRPr>
+            </a:lvl3pPr>
+            <a:lvl4pPr marL="1371600" algn="l" defTabSz="914400" rtl="0" eaLnBrk="1" latinLnBrk="0" hangingPunct="1">
+              <a:defRPr sz="1800" kern="1200">
+                <a:solidFill>
+                  <a:schemeClr val="tx1"/>
+                </a:solidFill>
+                <a:latin typeface="+mn-lt"/>
+                <a:ea typeface="+mn-ea"/>
+                <a:cs typeface="+mn-cs"/>
+              </a:defRPr>
+            </a:lvl4pPr>
+            <a:lvl5pPr marL="1828800" algn="l" defTabSz="914400" rtl="0" eaLnBrk="1" latinLnBrk="0" hangingPunct="1">
+              <a:defRPr sz="1800" kern="1200">
+                <a:solidFill>
+                  <a:schemeClr val="tx1"/>
+                </a:solidFill>
+                <a:latin typeface="+mn-lt"/>
+                <a:ea typeface="+mn-ea"/>
+                <a:cs typeface="+mn-cs"/>
+              </a:defRPr>
+            </a:lvl5pPr>
+            <a:lvl6pPr marL="2286000" algn="l" defTabSz="914400" rtl="0" eaLnBrk="1" latinLnBrk="0" hangingPunct="1">
+              <a:defRPr sz="1800" kern="1200">
+                <a:solidFill>
+                  <a:schemeClr val="tx1"/>
+                </a:solidFill>
+                <a:latin typeface="+mn-lt"/>
+                <a:ea typeface="+mn-ea"/>
+                <a:cs typeface="+mn-cs"/>
+              </a:defRPr>
+            </a:lvl6pPr>
+            <a:lvl7pPr marL="2743200" algn="l" defTabSz="914400" rtl="0" eaLnBrk="1" latinLnBrk="0" hangingPunct="1">
+              <a:defRPr sz="1800" kern="1200">
+                <a:solidFill>
+                  <a:schemeClr val="tx1"/>
+                </a:solidFill>
+                <a:latin typeface="+mn-lt"/>
+                <a:ea typeface="+mn-ea"/>
+                <a:cs typeface="+mn-cs"/>
+              </a:defRPr>
+            </a:lvl7pPr>
+            <a:lvl8pPr marL="3200400" algn="l" defTabSz="914400" rtl="0" eaLnBrk="1" latinLnBrk="0" hangingPunct="1">
+              <a:defRPr sz="1800" kern="1200">
+                <a:solidFill>
+                  <a:schemeClr val="tx1"/>
+                </a:solidFill>
+                <a:latin typeface="+mn-lt"/>
+                <a:ea typeface="+mn-ea"/>
+                <a:cs typeface="+mn-cs"/>
+              </a:defRPr>
+            </a:lvl8pPr>
+            <a:lvl9pPr marL="3657600" algn="l" defTabSz="914400" rtl="0" eaLnBrk="1" latinLnBrk="0" hangingPunct="1">
+              <a:defRPr sz="1800" kern="1200">
+                <a:solidFill>
+                  <a:schemeClr val="tx1"/>
+                </a:solidFill>
+                <a:latin typeface="+mn-lt"/>
+                <a:ea typeface="+mn-ea"/>
+                <a:cs typeface="+mn-cs"/>
+              </a:defRPr>
+            </a:lvl9pPr>
+          </a:lstStyle>
           <a:p>
             <a:pPr algn="ctr"/>
             <a:r>
-              <a:rPr lang="en-GB" sz="2000" b="1">
-                <a:solidFill>
-                  <a:srgbClr val="FFFFFF"/>
-                </a:solidFill>
-                <a:latin typeface="Segoe UI bold" panose="020B0802040204020203" pitchFamily="34" charset="0"/>
-                <a:ea typeface="Segoe UI bold" panose="020B0802040204020203" pitchFamily="34" charset="0"/>
-                <a:cs typeface="Segoe UI bold" panose="020B0802040204020203" pitchFamily="34" charset="0"/>
+              <a:rPr lang="en-US" smtClean="0">
+                <a:latin typeface="Arial" pitchFamily="34" charset="0"/>
+                <a:cs typeface="Arial" pitchFamily="34" charset="0"/>
               </a:rPr>
-              <a:t>Kết quả đạt đ</a:t>
-            </a:r>
-            <a:r>
-              <a:rPr lang="vi-VN" sz="2000" b="1">
-                <a:solidFill>
-                  <a:srgbClr val="FFFFFF"/>
-                </a:solidFill>
-                <a:latin typeface="Segoe UI bold" panose="020B0802040204020203" pitchFamily="34" charset="0"/>
-                <a:ea typeface="Segoe UI bold" panose="020B0802040204020203" pitchFamily="34" charset="0"/>
-                <a:cs typeface="Segoe UI bold" panose="020B0802040204020203" pitchFamily="34" charset="0"/>
+              <a:t>Hình </a:t>
+            </a:r>
+            <a:r>
+              <a:rPr lang="en-US" smtClean="0">
+                <a:latin typeface="Arial" pitchFamily="34" charset="0"/>
+                <a:cs typeface="Arial" pitchFamily="34" charset="0"/>
               </a:rPr>
-              <a:t>ư</a:t>
-            </a:r>
-            <a:r>
-              <a:rPr lang="en-GB" sz="2000" b="1">
-                <a:solidFill>
-                  <a:srgbClr val="FFFFFF"/>
-                </a:solidFill>
-                <a:latin typeface="Segoe UI bold" panose="020B0802040204020203" pitchFamily="34" charset="0"/>
-                <a:ea typeface="Segoe UI bold" panose="020B0802040204020203" pitchFamily="34" charset="0"/>
-                <a:cs typeface="Segoe UI bold" panose="020B0802040204020203" pitchFamily="34" charset="0"/>
+              <a:t>2.5: </a:t>
+            </a:r>
+            <a:r>
+              <a:rPr lang="en-US" smtClean="0">
+                <a:latin typeface="Arial" pitchFamily="34" charset="0"/>
+                <a:cs typeface="Arial" pitchFamily="34" charset="0"/>
               </a:rPr>
-              <a:t>ợc</a:t>
-            </a:r>
-            <a:endParaRPr lang="en-US" sz="2000" b="1">
-              <a:solidFill>
-                <a:srgbClr val="FFFFFF"/>
-              </a:solidFill>
-              <a:latin typeface="Segoe UI bold" panose="020B0802040204020203" pitchFamily="34" charset="0"/>
-              <a:ea typeface="Segoe UI bold" panose="020B0802040204020203" pitchFamily="34" charset="0"/>
-              <a:cs typeface="Segoe UI bold" panose="020B0802040204020203" pitchFamily="34" charset="0"/>
+              <a:t>Giao </a:t>
+            </a:r>
+            <a:r>
+              <a:rPr lang="en-US" smtClean="0">
+                <a:latin typeface="Arial" pitchFamily="34" charset="0"/>
+                <a:cs typeface="Arial" pitchFamily="34" charset="0"/>
+              </a:rPr>
+              <a:t>diện màn hình tin đã đọc</a:t>
+            </a:r>
+            <a:endParaRPr lang="en-US">
+              <a:latin typeface="Arial" pitchFamily="34" charset="0"/>
+              <a:cs typeface="Arial" pitchFamily="34" charset="0"/>
             </a:endParaRPr>
           </a:p>
         </p:txBody>
       </p:sp>
       <p:sp>
         <p:nvSpPr>
-          <p:cNvPr id="8" name="Freeform 12">
-            <a:extLst>
-              <a:ext uri="{FF2B5EF4-FFF2-40B4-BE49-F238E27FC236}">
-                <a16:creationId xmlns="" xmlns:a16="http://schemas.microsoft.com/office/drawing/2014/main" id="{85AF39FF-D4A9-4A5C-9873-D4D741E67241}"/>
-              </a:ext>
-            </a:extLst>
-          </p:cNvPr>
-          <p:cNvSpPr/>
+          <p:cNvPr id="9" name="TextBox 6"/>
+          <p:cNvSpPr txBox="1"/>
           <p:nvPr/>
         </p:nvSpPr>
         <p:spPr>
           <a:xfrm>
-            <a:off x="806891" y="3439209"/>
-            <a:ext cx="3249954" cy="1023680"/>
-          </a:xfrm>
-          <a:custGeom>
-            <a:avLst/>
-            <a:gdLst>
-              <a:gd name="connsiteX0" fmla="*/ 0 w 2361406"/>
-              <a:gd name="connsiteY0" fmla="*/ 0 h 944562"/>
-              <a:gd name="connsiteX1" fmla="*/ 1889125 w 2361406"/>
-              <a:gd name="connsiteY1" fmla="*/ 0 h 944562"/>
-              <a:gd name="connsiteX2" fmla="*/ 2361406 w 2361406"/>
-              <a:gd name="connsiteY2" fmla="*/ 472281 h 944562"/>
-              <a:gd name="connsiteX3" fmla="*/ 1889125 w 2361406"/>
-              <a:gd name="connsiteY3" fmla="*/ 944562 h 944562"/>
-              <a:gd name="connsiteX4" fmla="*/ 0 w 2361406"/>
-              <a:gd name="connsiteY4" fmla="*/ 944562 h 944562"/>
-              <a:gd name="connsiteX5" fmla="*/ 472281 w 2361406"/>
-              <a:gd name="connsiteY5" fmla="*/ 472281 h 944562"/>
-              <a:gd name="connsiteX6" fmla="*/ 0 w 2361406"/>
-              <a:gd name="connsiteY6" fmla="*/ 0 h 944562"/>
-            </a:gdLst>
-            <a:ahLst/>
-            <a:cxnLst>
-              <a:cxn ang="0">
-                <a:pos x="connsiteX0" y="connsiteY0"/>
-              </a:cxn>
-              <a:cxn ang="0">
-                <a:pos x="connsiteX1" y="connsiteY1"/>
-              </a:cxn>
-              <a:cxn ang="0">
-                <a:pos x="connsiteX2" y="connsiteY2"/>
-              </a:cxn>
-              <a:cxn ang="0">
-                <a:pos x="connsiteX3" y="connsiteY3"/>
-              </a:cxn>
-              <a:cxn ang="0">
-                <a:pos x="connsiteX4" y="connsiteY4"/>
-              </a:cxn>
-              <a:cxn ang="0">
-                <a:pos x="connsiteX5" y="connsiteY5"/>
-              </a:cxn>
-              <a:cxn ang="0">
-                <a:pos x="connsiteX6" y="connsiteY6"/>
-              </a:cxn>
-            </a:cxnLst>
-            <a:rect l="l" t="t" r="r" b="b"/>
-            <a:pathLst>
-              <a:path w="2361406" h="944562">
-                <a:moveTo>
-                  <a:pt x="0" y="0"/>
-                </a:moveTo>
-                <a:lnTo>
-                  <a:pt x="1889125" y="0"/>
-                </a:lnTo>
-                <a:lnTo>
-                  <a:pt x="2361406" y="472281"/>
-                </a:lnTo>
-                <a:lnTo>
-                  <a:pt x="1889125" y="944562"/>
-                </a:lnTo>
-                <a:lnTo>
-                  <a:pt x="0" y="944562"/>
-                </a:lnTo>
-                <a:lnTo>
-                  <a:pt x="472281" y="472281"/>
-                </a:lnTo>
-                <a:lnTo>
-                  <a:pt x="0" y="0"/>
-                </a:lnTo>
-                <a:close/>
-              </a:path>
-            </a:pathLst>
-          </a:custGeom>
-          <a:solidFill>
-            <a:schemeClr val="accent5"/>
-          </a:solidFill>
-          <a:ln>
-            <a:noFill/>
-          </a:ln>
-        </p:spPr>
-        <p:style>
-          <a:lnRef idx="2">
-            <a:schemeClr val="accent1">
-              <a:shade val="50000"/>
-            </a:schemeClr>
-          </a:lnRef>
-          <a:fillRef idx="1">
-            <a:schemeClr val="accent1"/>
-          </a:fillRef>
-          <a:effectRef idx="0">
-            <a:schemeClr val="accent1"/>
-          </a:effectRef>
-          <a:fontRef idx="minor">
-            <a:schemeClr val="lt1"/>
-          </a:fontRef>
-        </p:style>
-        <p:txBody>
-          <a:bodyPr spcFirstLastPara="0" vert="horz" wrap="square" lIns="531971" tIns="29845" rIns="472281" bIns="29845" numCol="1" spcCol="1270" anchor="ctr" anchorCtr="0">
-            <a:noAutofit/>
-          </a:bodyPr>
-          <a:lstStyle/>
-          <a:p>
-            <a:pPr lvl="0" algn="ctr" defTabSz="2089150">
-              <a:lnSpc>
-                <a:spcPct val="90000"/>
-              </a:lnSpc>
-              <a:spcBef>
-                <a:spcPct val="0"/>
-              </a:spcBef>
-              <a:spcAft>
-                <a:spcPct val="35000"/>
-              </a:spcAft>
-            </a:pPr>
-            <a:endParaRPr lang="en-US" sz="4700" kern="1200"/>
-          </a:p>
-        </p:txBody>
-      </p:sp>
-      <p:sp>
-        <p:nvSpPr>
-          <p:cNvPr id="9" name="TextBox 8">
-            <a:extLst>
-              <a:ext uri="{FF2B5EF4-FFF2-40B4-BE49-F238E27FC236}">
-                <a16:creationId xmlns="" xmlns:a16="http://schemas.microsoft.com/office/drawing/2014/main" id="{BD73688B-C56C-4E2B-BB01-D50218241912}"/>
-              </a:ext>
-            </a:extLst>
-          </p:cNvPr>
-          <p:cNvSpPr txBox="1"/>
-          <p:nvPr/>
-        </p:nvSpPr>
-        <p:spPr>
-          <a:xfrm>
-            <a:off x="1437345" y="3742017"/>
-            <a:ext cx="2396145" cy="400110"/>
+            <a:off x="4549978" y="6167896"/>
+            <a:ext cx="2790293" cy="646331"/>
           </a:xfrm>
           <a:prstGeom prst="rect">
             <a:avLst/>
@@ -13490,762 +15255,202 @@
           <a:bodyPr wrap="square" rtlCol="0">
             <a:spAutoFit/>
           </a:bodyPr>
-          <a:lstStyle/>
+          <a:lstStyle>
+            <a:defPPr>
+              <a:defRPr lang="en-US"/>
+            </a:defPPr>
+            <a:lvl1pPr marL="0" algn="l" defTabSz="914400" rtl="0" eaLnBrk="1" latinLnBrk="0" hangingPunct="1">
+              <a:defRPr sz="1800" kern="1200">
+                <a:solidFill>
+                  <a:schemeClr val="tx1"/>
+                </a:solidFill>
+                <a:latin typeface="+mn-lt"/>
+                <a:ea typeface="+mn-ea"/>
+                <a:cs typeface="+mn-cs"/>
+              </a:defRPr>
+            </a:lvl1pPr>
+            <a:lvl2pPr marL="457200" algn="l" defTabSz="914400" rtl="0" eaLnBrk="1" latinLnBrk="0" hangingPunct="1">
+              <a:defRPr sz="1800" kern="1200">
+                <a:solidFill>
+                  <a:schemeClr val="tx1"/>
+                </a:solidFill>
+                <a:latin typeface="+mn-lt"/>
+                <a:ea typeface="+mn-ea"/>
+                <a:cs typeface="+mn-cs"/>
+              </a:defRPr>
+            </a:lvl2pPr>
+            <a:lvl3pPr marL="914400" algn="l" defTabSz="914400" rtl="0" eaLnBrk="1" latinLnBrk="0" hangingPunct="1">
+              <a:defRPr sz="1800" kern="1200">
+                <a:solidFill>
+                  <a:schemeClr val="tx1"/>
+                </a:solidFill>
+                <a:latin typeface="+mn-lt"/>
+                <a:ea typeface="+mn-ea"/>
+                <a:cs typeface="+mn-cs"/>
+              </a:defRPr>
+            </a:lvl3pPr>
+            <a:lvl4pPr marL="1371600" algn="l" defTabSz="914400" rtl="0" eaLnBrk="1" latinLnBrk="0" hangingPunct="1">
+              <a:defRPr sz="1800" kern="1200">
+                <a:solidFill>
+                  <a:schemeClr val="tx1"/>
+                </a:solidFill>
+                <a:latin typeface="+mn-lt"/>
+                <a:ea typeface="+mn-ea"/>
+                <a:cs typeface="+mn-cs"/>
+              </a:defRPr>
+            </a:lvl4pPr>
+            <a:lvl5pPr marL="1828800" algn="l" defTabSz="914400" rtl="0" eaLnBrk="1" latinLnBrk="0" hangingPunct="1">
+              <a:defRPr sz="1800" kern="1200">
+                <a:solidFill>
+                  <a:schemeClr val="tx1"/>
+                </a:solidFill>
+                <a:latin typeface="+mn-lt"/>
+                <a:ea typeface="+mn-ea"/>
+                <a:cs typeface="+mn-cs"/>
+              </a:defRPr>
+            </a:lvl5pPr>
+            <a:lvl6pPr marL="2286000" algn="l" defTabSz="914400" rtl="0" eaLnBrk="1" latinLnBrk="0" hangingPunct="1">
+              <a:defRPr sz="1800" kern="1200">
+                <a:solidFill>
+                  <a:schemeClr val="tx1"/>
+                </a:solidFill>
+                <a:latin typeface="+mn-lt"/>
+                <a:ea typeface="+mn-ea"/>
+                <a:cs typeface="+mn-cs"/>
+              </a:defRPr>
+            </a:lvl6pPr>
+            <a:lvl7pPr marL="2743200" algn="l" defTabSz="914400" rtl="0" eaLnBrk="1" latinLnBrk="0" hangingPunct="1">
+              <a:defRPr sz="1800" kern="1200">
+                <a:solidFill>
+                  <a:schemeClr val="tx1"/>
+                </a:solidFill>
+                <a:latin typeface="+mn-lt"/>
+                <a:ea typeface="+mn-ea"/>
+                <a:cs typeface="+mn-cs"/>
+              </a:defRPr>
+            </a:lvl7pPr>
+            <a:lvl8pPr marL="3200400" algn="l" defTabSz="914400" rtl="0" eaLnBrk="1" latinLnBrk="0" hangingPunct="1">
+              <a:defRPr sz="1800" kern="1200">
+                <a:solidFill>
+                  <a:schemeClr val="tx1"/>
+                </a:solidFill>
+                <a:latin typeface="+mn-lt"/>
+                <a:ea typeface="+mn-ea"/>
+                <a:cs typeface="+mn-cs"/>
+              </a:defRPr>
+            </a:lvl8pPr>
+            <a:lvl9pPr marL="3657600" algn="l" defTabSz="914400" rtl="0" eaLnBrk="1" latinLnBrk="0" hangingPunct="1">
+              <a:defRPr sz="1800" kern="1200">
+                <a:solidFill>
+                  <a:schemeClr val="tx1"/>
+                </a:solidFill>
+                <a:latin typeface="+mn-lt"/>
+                <a:ea typeface="+mn-ea"/>
+                <a:cs typeface="+mn-cs"/>
+              </a:defRPr>
+            </a:lvl9pPr>
+          </a:lstStyle>
           <a:p>
             <a:pPr algn="ctr"/>
             <a:r>
-              <a:rPr lang="en-GB" sz="2000" b="1">
-                <a:solidFill>
-                  <a:srgbClr val="FFFFFF"/>
-                </a:solidFill>
-                <a:latin typeface="Segoe UI bold" panose="020B0802040204020203" pitchFamily="34" charset="0"/>
-                <a:ea typeface="Segoe UI bold" panose="020B0802040204020203" pitchFamily="34" charset="0"/>
-                <a:cs typeface="Segoe UI bold" panose="020B0802040204020203" pitchFamily="34" charset="0"/>
+              <a:rPr lang="en-US" smtClean="0">
+                <a:latin typeface="Arial" pitchFamily="34" charset="0"/>
+                <a:cs typeface="Arial" pitchFamily="34" charset="0"/>
               </a:rPr>
-              <a:t>Khó khăn, hạn chế</a:t>
-            </a:r>
-            <a:endParaRPr lang="en-US" sz="2000" b="1">
-              <a:solidFill>
-                <a:srgbClr val="FFFFFF"/>
-              </a:solidFill>
-              <a:latin typeface="Segoe UI bold" panose="020B0802040204020203" pitchFamily="34" charset="0"/>
-              <a:ea typeface="Segoe UI bold" panose="020B0802040204020203" pitchFamily="34" charset="0"/>
-              <a:cs typeface="Segoe UI bold" panose="020B0802040204020203" pitchFamily="34" charset="0"/>
+              <a:t>Hình </a:t>
+            </a:r>
+            <a:r>
+              <a:rPr lang="en-US" smtClean="0">
+                <a:latin typeface="Arial" pitchFamily="34" charset="0"/>
+                <a:cs typeface="Arial" pitchFamily="34" charset="0"/>
+              </a:rPr>
+              <a:t>2.6: Giao diện ứng dụng có trên Google Play</a:t>
+            </a:r>
+            <a:endParaRPr lang="en-US">
+              <a:latin typeface="Arial" pitchFamily="34" charset="0"/>
+              <a:cs typeface="Arial" pitchFamily="34" charset="0"/>
             </a:endParaRPr>
           </a:p>
         </p:txBody>
       </p:sp>
-      <p:sp>
-        <p:nvSpPr>
-          <p:cNvPr id="10" name="Freeform 18">
+      <p:pic>
+        <p:nvPicPr>
+          <p:cNvPr id="5" name="Picture 4"/>
+          <p:cNvPicPr>
+            <a:picLocks noChangeAspect="1"/>
+          </p:cNvPicPr>
+          <p:nvPr/>
+        </p:nvPicPr>
+        <p:blipFill>
+          <a:blip r:embed="rId2" cstate="print">
             <a:extLst>
-              <a:ext uri="{FF2B5EF4-FFF2-40B4-BE49-F238E27FC236}">
-                <a16:creationId xmlns="" xmlns:a16="http://schemas.microsoft.com/office/drawing/2014/main" id="{8D79CFD2-B3E4-4988-9C57-CDF979216AC8}"/>
+              <a:ext uri="{28A0092B-C50C-407E-A947-70E740481C1C}">
+                <a14:useLocalDpi xmlns:a14="http://schemas.microsoft.com/office/drawing/2010/main" val="0"/>
               </a:ext>
             </a:extLst>
-          </p:cNvPr>
-          <p:cNvSpPr/>
-          <p:nvPr/>
-        </p:nvSpPr>
+          </a:blip>
+          <a:stretch>
+            <a:fillRect/>
+          </a:stretch>
+        </p:blipFill>
         <p:spPr>
           <a:xfrm>
-            <a:off x="806892" y="4876142"/>
-            <a:ext cx="3249953" cy="1072284"/>
+            <a:off x="1260443" y="2429654"/>
+            <a:ext cx="2131223" cy="3788842"/>
           </a:xfrm>
-          <a:custGeom>
+          <a:prstGeom prst="rect">
             <a:avLst/>
-            <a:gdLst>
-              <a:gd name="connsiteX0" fmla="*/ 0 w 2361406"/>
-              <a:gd name="connsiteY0" fmla="*/ 0 h 944562"/>
-              <a:gd name="connsiteX1" fmla="*/ 1889125 w 2361406"/>
-              <a:gd name="connsiteY1" fmla="*/ 0 h 944562"/>
-              <a:gd name="connsiteX2" fmla="*/ 2361406 w 2361406"/>
-              <a:gd name="connsiteY2" fmla="*/ 472281 h 944562"/>
-              <a:gd name="connsiteX3" fmla="*/ 1889125 w 2361406"/>
-              <a:gd name="connsiteY3" fmla="*/ 944562 h 944562"/>
-              <a:gd name="connsiteX4" fmla="*/ 0 w 2361406"/>
-              <a:gd name="connsiteY4" fmla="*/ 944562 h 944562"/>
-              <a:gd name="connsiteX5" fmla="*/ 472281 w 2361406"/>
-              <a:gd name="connsiteY5" fmla="*/ 472281 h 944562"/>
-              <a:gd name="connsiteX6" fmla="*/ 0 w 2361406"/>
-              <a:gd name="connsiteY6" fmla="*/ 0 h 944562"/>
-            </a:gdLst>
-            <a:ahLst/>
-            <a:cxnLst>
-              <a:cxn ang="0">
-                <a:pos x="connsiteX0" y="connsiteY0"/>
-              </a:cxn>
-              <a:cxn ang="0">
-                <a:pos x="connsiteX1" y="connsiteY1"/>
-              </a:cxn>
-              <a:cxn ang="0">
-                <a:pos x="connsiteX2" y="connsiteY2"/>
-              </a:cxn>
-              <a:cxn ang="0">
-                <a:pos x="connsiteX3" y="connsiteY3"/>
-              </a:cxn>
-              <a:cxn ang="0">
-                <a:pos x="connsiteX4" y="connsiteY4"/>
-              </a:cxn>
-              <a:cxn ang="0">
-                <a:pos x="connsiteX5" y="connsiteY5"/>
-              </a:cxn>
-              <a:cxn ang="0">
-                <a:pos x="connsiteX6" y="connsiteY6"/>
-              </a:cxn>
-            </a:cxnLst>
-            <a:rect l="l" t="t" r="r" b="b"/>
-            <a:pathLst>
-              <a:path w="2361406" h="944562">
-                <a:moveTo>
-                  <a:pt x="0" y="0"/>
-                </a:moveTo>
-                <a:lnTo>
-                  <a:pt x="1889125" y="0"/>
-                </a:lnTo>
-                <a:lnTo>
-                  <a:pt x="2361406" y="472281"/>
-                </a:lnTo>
-                <a:lnTo>
-                  <a:pt x="1889125" y="944562"/>
-                </a:lnTo>
-                <a:lnTo>
-                  <a:pt x="0" y="944562"/>
-                </a:lnTo>
-                <a:lnTo>
-                  <a:pt x="472281" y="472281"/>
-                </a:lnTo>
-                <a:lnTo>
-                  <a:pt x="0" y="0"/>
-                </a:lnTo>
-                <a:close/>
-              </a:path>
-            </a:pathLst>
-          </a:custGeom>
-          <a:solidFill>
-            <a:srgbClr val="00B050"/>
-          </a:solidFill>
+          </a:prstGeom>
           <a:ln>
             <a:solidFill>
-              <a:schemeClr val="accent2"/>
+              <a:schemeClr val="tx1"/>
             </a:solidFill>
           </a:ln>
         </p:spPr>
-        <p:style>
-          <a:lnRef idx="2">
-            <a:schemeClr val="accent4">
-              <a:shade val="50000"/>
-            </a:schemeClr>
-          </a:lnRef>
-          <a:fillRef idx="1">
-            <a:schemeClr val="accent4"/>
-          </a:fillRef>
-          <a:effectRef idx="0">
-            <a:schemeClr val="accent4"/>
-          </a:effectRef>
-          <a:fontRef idx="minor">
-            <a:schemeClr val="lt1"/>
-          </a:fontRef>
-        </p:style>
-        <p:txBody>
-          <a:bodyPr spcFirstLastPara="0" vert="horz" wrap="square" lIns="544671" tIns="36195" rIns="472281" bIns="36195" numCol="1" spcCol="1270" anchor="ctr" anchorCtr="0">
-            <a:noAutofit/>
-          </a:bodyPr>
-          <a:lstStyle/>
-          <a:p>
-            <a:pPr lvl="0" algn="ctr" defTabSz="2533650">
-              <a:lnSpc>
-                <a:spcPct val="90000"/>
-              </a:lnSpc>
-              <a:spcBef>
-                <a:spcPct val="0"/>
-              </a:spcBef>
-              <a:spcAft>
-                <a:spcPct val="35000"/>
-              </a:spcAft>
-            </a:pPr>
-            <a:endParaRPr lang="en-US" sz="5700" kern="1200"/>
-          </a:p>
-        </p:txBody>
-      </p:sp>
-      <p:sp>
-        <p:nvSpPr>
-          <p:cNvPr id="11" name="TextBox 10">
+      </p:pic>
+      <p:pic>
+        <p:nvPicPr>
+          <p:cNvPr id="10" name="Picture 9" descr="Description: C:\Users\AnhBui\Downloads\44882472_2191802320851828_3263789869213679616_n.jpg"/>
+          <p:cNvPicPr/>
+          <p:nvPr/>
+        </p:nvPicPr>
+        <p:blipFill>
+          <a:blip r:embed="rId3" cstate="print">
             <a:extLst>
-              <a:ext uri="{FF2B5EF4-FFF2-40B4-BE49-F238E27FC236}">
-                <a16:creationId xmlns="" xmlns:a16="http://schemas.microsoft.com/office/drawing/2014/main" id="{25FA46BD-2039-4948-A0DD-D785B75C915A}"/>
+              <a:ext uri="{28A0092B-C50C-407E-A947-70E740481C1C}">
+                <a14:useLocalDpi xmlns:a14="http://schemas.microsoft.com/office/drawing/2010/main" val="0"/>
               </a:ext>
             </a:extLst>
-          </p:cNvPr>
-          <p:cNvSpPr txBox="1"/>
-          <p:nvPr/>
-        </p:nvSpPr>
-        <p:spPr>
+          </a:blip>
+          <a:srcRect/>
+          <a:stretch>
+            <a:fillRect/>
+          </a:stretch>
+        </p:blipFill>
+        <p:spPr bwMode="auto">
           <a:xfrm>
-            <a:off x="1441897" y="5212229"/>
-            <a:ext cx="2289409" cy="400110"/>
+            <a:off x="4816700" y="2429654"/>
+            <a:ext cx="2150770" cy="3788842"/>
           </a:xfrm>
           <a:prstGeom prst="rect">
             <a:avLst/>
           </a:prstGeom>
           <a:noFill/>
+          <a:ln w="9525" cmpd="sng">
+            <a:solidFill>
+              <a:srgbClr val="000000"/>
+            </a:solidFill>
+            <a:miter lim="800000"/>
+            <a:headEnd/>
+            <a:tailEnd/>
+          </a:ln>
+          <a:effectLst/>
         </p:spPr>
-        <p:txBody>
-          <a:bodyPr wrap="none" rtlCol="0">
-            <a:spAutoFit/>
-          </a:bodyPr>
-          <a:lstStyle/>
-          <a:p>
-            <a:pPr algn="ctr"/>
-            <a:r>
-              <a:rPr lang="en-GB" sz="2000" b="1">
-                <a:solidFill>
-                  <a:srgbClr val="FFFFFF"/>
-                </a:solidFill>
-                <a:latin typeface="Segoe UI bold" panose="020B0802040204020203" pitchFamily="34" charset="0"/>
-                <a:ea typeface="Segoe UI bold" panose="020B0802040204020203" pitchFamily="34" charset="0"/>
-                <a:cs typeface="Segoe UI bold" panose="020B0802040204020203" pitchFamily="34" charset="0"/>
-              </a:rPr>
-              <a:t>H</a:t>
-            </a:r>
-            <a:r>
-              <a:rPr lang="vi-VN" sz="2000" b="1">
-                <a:solidFill>
-                  <a:srgbClr val="FFFFFF"/>
-                </a:solidFill>
-                <a:latin typeface="Segoe UI bold" panose="020B0802040204020203" pitchFamily="34" charset="0"/>
-                <a:ea typeface="Segoe UI bold" panose="020B0802040204020203" pitchFamily="34" charset="0"/>
-                <a:cs typeface="Segoe UI bold" panose="020B0802040204020203" pitchFamily="34" charset="0"/>
-              </a:rPr>
-              <a:t>ư</a:t>
-            </a:r>
-            <a:r>
-              <a:rPr lang="en-GB" sz="2000" b="1">
-                <a:solidFill>
-                  <a:srgbClr val="FFFFFF"/>
-                </a:solidFill>
-                <a:latin typeface="Segoe UI bold" panose="020B0802040204020203" pitchFamily="34" charset="0"/>
-                <a:ea typeface="Segoe UI bold" panose="020B0802040204020203" pitchFamily="34" charset="0"/>
-                <a:cs typeface="Segoe UI bold" panose="020B0802040204020203" pitchFamily="34" charset="0"/>
-              </a:rPr>
-              <a:t>ớng phát triển</a:t>
-            </a:r>
-            <a:endParaRPr lang="en-US" sz="2000" b="1">
-              <a:solidFill>
-                <a:srgbClr val="FFFFFF"/>
-              </a:solidFill>
-              <a:latin typeface="Segoe UI bold" panose="020B0802040204020203" pitchFamily="34" charset="0"/>
-              <a:ea typeface="Segoe UI bold" panose="020B0802040204020203" pitchFamily="34" charset="0"/>
-              <a:cs typeface="Segoe UI bold" panose="020B0802040204020203" pitchFamily="34" charset="0"/>
-            </a:endParaRPr>
-          </a:p>
-        </p:txBody>
-      </p:sp>
-      <p:sp>
-        <p:nvSpPr>
-          <p:cNvPr id="24" name="Title 1"/>
-          <p:cNvSpPr txBox="1">
-            <a:spLocks/>
-          </p:cNvSpPr>
-          <p:nvPr/>
-        </p:nvSpPr>
-        <p:spPr>
-          <a:xfrm>
-            <a:off x="4472907" y="1815924"/>
-            <a:ext cx="4640004" cy="1326523"/>
-          </a:xfrm>
-          <a:prstGeom prst="rect">
-            <a:avLst/>
-          </a:prstGeom>
-        </p:spPr>
-        <p:txBody>
-          <a:bodyPr vert="horz" lIns="91440" tIns="45720" rIns="91440" bIns="45720" rtlCol="0" anchor="t">
-            <a:normAutofit/>
-          </a:bodyPr>
-          <a:lstStyle>
-            <a:lvl1pPr algn="l" defTabSz="457200" rtl="0" eaLnBrk="1" latinLnBrk="0" hangingPunct="1">
-              <a:spcBef>
-                <a:spcPct val="0"/>
-              </a:spcBef>
-              <a:buNone/>
-              <a:defRPr sz="3600" kern="1200">
-                <a:solidFill>
-                  <a:schemeClr val="accent1"/>
-                </a:solidFill>
-                <a:latin typeface="+mj-lt"/>
-                <a:ea typeface="+mj-ea"/>
-                <a:cs typeface="+mj-cs"/>
-              </a:defRPr>
-            </a:lvl1pPr>
-            <a:lvl2pPr eaLnBrk="1" hangingPunct="1">
-              <a:defRPr>
-                <a:solidFill>
-                  <a:schemeClr val="tx2"/>
-                </a:solidFill>
-              </a:defRPr>
-            </a:lvl2pPr>
-            <a:lvl3pPr eaLnBrk="1" hangingPunct="1">
-              <a:defRPr>
-                <a:solidFill>
-                  <a:schemeClr val="tx2"/>
-                </a:solidFill>
-              </a:defRPr>
-            </a:lvl3pPr>
-            <a:lvl4pPr eaLnBrk="1" hangingPunct="1">
-              <a:defRPr>
-                <a:solidFill>
-                  <a:schemeClr val="tx2"/>
-                </a:solidFill>
-              </a:defRPr>
-            </a:lvl4pPr>
-            <a:lvl5pPr eaLnBrk="1" hangingPunct="1">
-              <a:defRPr>
-                <a:solidFill>
-                  <a:schemeClr val="tx2"/>
-                </a:solidFill>
-              </a:defRPr>
-            </a:lvl5pPr>
-            <a:lvl6pPr eaLnBrk="1" hangingPunct="1">
-              <a:defRPr>
-                <a:solidFill>
-                  <a:schemeClr val="tx2"/>
-                </a:solidFill>
-              </a:defRPr>
-            </a:lvl6pPr>
-            <a:lvl7pPr eaLnBrk="1" hangingPunct="1">
-              <a:defRPr>
-                <a:solidFill>
-                  <a:schemeClr val="tx2"/>
-                </a:solidFill>
-              </a:defRPr>
-            </a:lvl7pPr>
-            <a:lvl8pPr eaLnBrk="1" hangingPunct="1">
-              <a:defRPr>
-                <a:solidFill>
-                  <a:schemeClr val="tx2"/>
-                </a:solidFill>
-              </a:defRPr>
-            </a:lvl8pPr>
-            <a:lvl9pPr eaLnBrk="1" hangingPunct="1">
-              <a:defRPr>
-                <a:solidFill>
-                  <a:schemeClr val="tx2"/>
-                </a:solidFill>
-              </a:defRPr>
-            </a:lvl9pPr>
-          </a:lstStyle>
-          <a:p>
-            <a:pPr marL="571500" indent="-571500" algn="just">
-              <a:buFont typeface="Wingdings" panose="05000000000000000000" pitchFamily="2" charset="2"/>
-              <a:buChar char="§"/>
-            </a:pPr>
-            <a:r>
-              <a:rPr lang="vi-VN" sz="2000" smtClean="0">
-                <a:solidFill>
-                  <a:schemeClr val="tx1"/>
-                </a:solidFill>
-                <a:latin typeface="+mn-lt"/>
-              </a:rPr>
-              <a:t>Các kiến thức cơ bản về lập trình ứng dụng Android</a:t>
-            </a:r>
-          </a:p>
-          <a:p>
-            <a:pPr marL="571500" indent="-571500" algn="just">
-              <a:buFont typeface="Wingdings" panose="05000000000000000000" pitchFamily="2" charset="2"/>
-              <a:buChar char="§"/>
-            </a:pPr>
-            <a:r>
-              <a:rPr lang="vi-VN" sz="2000" smtClean="0">
-                <a:solidFill>
-                  <a:schemeClr val="tx1"/>
-                </a:solidFill>
-                <a:latin typeface="+mn-lt"/>
-              </a:rPr>
-              <a:t>Xây dựng ứng dụng thực nghiệm</a:t>
-            </a:r>
-          </a:p>
-          <a:p>
-            <a:pPr marL="571500" indent="-571500" algn="just">
-              <a:buFont typeface="Wingdings" panose="05000000000000000000" pitchFamily="2" charset="2"/>
-              <a:buChar char="§"/>
-            </a:pPr>
-            <a:r>
-              <a:rPr lang="vi-VN" sz="2000" smtClean="0">
-                <a:solidFill>
-                  <a:schemeClr val="tx1"/>
-                </a:solidFill>
-                <a:latin typeface="+mn-lt"/>
-              </a:rPr>
-              <a:t>Đưa ứng dụng lên Google Play</a:t>
-            </a:r>
-            <a:endParaRPr lang="vi-VN" sz="2000">
-              <a:solidFill>
-                <a:schemeClr val="tx1"/>
-              </a:solidFill>
-              <a:latin typeface="+mn-lt"/>
-            </a:endParaRPr>
-          </a:p>
-        </p:txBody>
-      </p:sp>
-      <p:sp>
-        <p:nvSpPr>
-          <p:cNvPr id="25" name="Title 1"/>
-          <p:cNvSpPr txBox="1">
-            <a:spLocks/>
-          </p:cNvSpPr>
-          <p:nvPr/>
-        </p:nvSpPr>
-        <p:spPr>
-          <a:xfrm>
-            <a:off x="4472907" y="3348509"/>
-            <a:ext cx="4640004" cy="1313644"/>
-          </a:xfrm>
-          <a:prstGeom prst="rect">
-            <a:avLst/>
-          </a:prstGeom>
-        </p:spPr>
-        <p:txBody>
-          <a:bodyPr vert="horz" lIns="91440" tIns="45720" rIns="91440" bIns="45720" rtlCol="0" anchor="t">
-            <a:normAutofit/>
-          </a:bodyPr>
-          <a:lstStyle>
-            <a:lvl1pPr algn="l" defTabSz="457200" rtl="0" eaLnBrk="1" latinLnBrk="0" hangingPunct="1">
-              <a:spcBef>
-                <a:spcPct val="0"/>
-              </a:spcBef>
-              <a:buNone/>
-              <a:defRPr sz="3600" kern="1200">
-                <a:solidFill>
-                  <a:schemeClr val="accent1"/>
-                </a:solidFill>
-                <a:latin typeface="+mj-lt"/>
-                <a:ea typeface="+mj-ea"/>
-                <a:cs typeface="+mj-cs"/>
-              </a:defRPr>
-            </a:lvl1pPr>
-            <a:lvl2pPr eaLnBrk="1" hangingPunct="1">
-              <a:defRPr>
-                <a:solidFill>
-                  <a:schemeClr val="tx2"/>
-                </a:solidFill>
-              </a:defRPr>
-            </a:lvl2pPr>
-            <a:lvl3pPr eaLnBrk="1" hangingPunct="1">
-              <a:defRPr>
-                <a:solidFill>
-                  <a:schemeClr val="tx2"/>
-                </a:solidFill>
-              </a:defRPr>
-            </a:lvl3pPr>
-            <a:lvl4pPr eaLnBrk="1" hangingPunct="1">
-              <a:defRPr>
-                <a:solidFill>
-                  <a:schemeClr val="tx2"/>
-                </a:solidFill>
-              </a:defRPr>
-            </a:lvl4pPr>
-            <a:lvl5pPr eaLnBrk="1" hangingPunct="1">
-              <a:defRPr>
-                <a:solidFill>
-                  <a:schemeClr val="tx2"/>
-                </a:solidFill>
-              </a:defRPr>
-            </a:lvl5pPr>
-            <a:lvl6pPr eaLnBrk="1" hangingPunct="1">
-              <a:defRPr>
-                <a:solidFill>
-                  <a:schemeClr val="tx2"/>
-                </a:solidFill>
-              </a:defRPr>
-            </a:lvl6pPr>
-            <a:lvl7pPr eaLnBrk="1" hangingPunct="1">
-              <a:defRPr>
-                <a:solidFill>
-                  <a:schemeClr val="tx2"/>
-                </a:solidFill>
-              </a:defRPr>
-            </a:lvl7pPr>
-            <a:lvl8pPr eaLnBrk="1" hangingPunct="1">
-              <a:defRPr>
-                <a:solidFill>
-                  <a:schemeClr val="tx2"/>
-                </a:solidFill>
-              </a:defRPr>
-            </a:lvl8pPr>
-            <a:lvl9pPr eaLnBrk="1" hangingPunct="1">
-              <a:defRPr>
-                <a:solidFill>
-                  <a:schemeClr val="tx2"/>
-                </a:solidFill>
-              </a:defRPr>
-            </a:lvl9pPr>
-          </a:lstStyle>
-          <a:p>
-            <a:pPr marL="571500" indent="-571500" algn="just">
-              <a:buFont typeface="Wingdings" panose="05000000000000000000" pitchFamily="2" charset="2"/>
-              <a:buChar char="§"/>
-            </a:pPr>
-            <a:r>
-              <a:rPr lang="vi-VN" sz="2000" smtClean="0">
-                <a:solidFill>
-                  <a:schemeClr val="tx1"/>
-                </a:solidFill>
-                <a:latin typeface="+mn-lt"/>
-              </a:rPr>
-              <a:t>Cách thiết kế ứng dụng chưa được đẹp</a:t>
-            </a:r>
-          </a:p>
-          <a:p>
-            <a:pPr marL="571500" indent="-571500" algn="just">
-              <a:buFont typeface="Wingdings" panose="05000000000000000000" pitchFamily="2" charset="2"/>
-              <a:buChar char="§"/>
-            </a:pPr>
-            <a:r>
-              <a:rPr lang="vi-VN" sz="2000" smtClean="0">
-                <a:solidFill>
-                  <a:schemeClr val="tx1"/>
-                </a:solidFill>
-                <a:latin typeface="+mn-lt"/>
-              </a:rPr>
-              <a:t>Thiếu một số chức năng cần thiết cho ứng dụng</a:t>
-            </a:r>
-          </a:p>
-          <a:p>
-            <a:pPr marL="571500" indent="-571500">
-              <a:buFont typeface="Wingdings" panose="05000000000000000000" pitchFamily="2" charset="2"/>
-              <a:buChar char="§"/>
-            </a:pPr>
-            <a:endParaRPr lang="vi-VN" sz="2000">
-              <a:solidFill>
-                <a:schemeClr val="tx1"/>
-              </a:solidFill>
-              <a:latin typeface="+mn-lt"/>
-            </a:endParaRPr>
-          </a:p>
-        </p:txBody>
-      </p:sp>
-      <p:sp>
-        <p:nvSpPr>
-          <p:cNvPr id="26" name="Title 1"/>
-          <p:cNvSpPr txBox="1">
-            <a:spLocks/>
-          </p:cNvSpPr>
-          <p:nvPr/>
-        </p:nvSpPr>
-        <p:spPr>
-          <a:xfrm>
-            <a:off x="4633998" y="4890259"/>
-            <a:ext cx="4640004" cy="1444159"/>
-          </a:xfrm>
-          <a:prstGeom prst="rect">
-            <a:avLst/>
-          </a:prstGeom>
-        </p:spPr>
-        <p:txBody>
-          <a:bodyPr vert="horz" lIns="91440" tIns="45720" rIns="91440" bIns="45720" rtlCol="0" anchor="t">
-            <a:normAutofit/>
-          </a:bodyPr>
-          <a:lstStyle>
-            <a:lvl1pPr algn="l" defTabSz="457200" rtl="0" eaLnBrk="1" latinLnBrk="0" hangingPunct="1">
-              <a:spcBef>
-                <a:spcPct val="0"/>
-              </a:spcBef>
-              <a:buNone/>
-              <a:defRPr sz="3600" kern="1200">
-                <a:solidFill>
-                  <a:schemeClr val="accent1"/>
-                </a:solidFill>
-                <a:latin typeface="+mj-lt"/>
-                <a:ea typeface="+mj-ea"/>
-                <a:cs typeface="+mj-cs"/>
-              </a:defRPr>
-            </a:lvl1pPr>
-            <a:lvl2pPr eaLnBrk="1" hangingPunct="1">
-              <a:defRPr>
-                <a:solidFill>
-                  <a:schemeClr val="tx2"/>
-                </a:solidFill>
-              </a:defRPr>
-            </a:lvl2pPr>
-            <a:lvl3pPr eaLnBrk="1" hangingPunct="1">
-              <a:defRPr>
-                <a:solidFill>
-                  <a:schemeClr val="tx2"/>
-                </a:solidFill>
-              </a:defRPr>
-            </a:lvl3pPr>
-            <a:lvl4pPr eaLnBrk="1" hangingPunct="1">
-              <a:defRPr>
-                <a:solidFill>
-                  <a:schemeClr val="tx2"/>
-                </a:solidFill>
-              </a:defRPr>
-            </a:lvl4pPr>
-            <a:lvl5pPr eaLnBrk="1" hangingPunct="1">
-              <a:defRPr>
-                <a:solidFill>
-                  <a:schemeClr val="tx2"/>
-                </a:solidFill>
-              </a:defRPr>
-            </a:lvl5pPr>
-            <a:lvl6pPr eaLnBrk="1" hangingPunct="1">
-              <a:defRPr>
-                <a:solidFill>
-                  <a:schemeClr val="tx2"/>
-                </a:solidFill>
-              </a:defRPr>
-            </a:lvl6pPr>
-            <a:lvl7pPr eaLnBrk="1" hangingPunct="1">
-              <a:defRPr>
-                <a:solidFill>
-                  <a:schemeClr val="tx2"/>
-                </a:solidFill>
-              </a:defRPr>
-            </a:lvl7pPr>
-            <a:lvl8pPr eaLnBrk="1" hangingPunct="1">
-              <a:defRPr>
-                <a:solidFill>
-                  <a:schemeClr val="tx2"/>
-                </a:solidFill>
-              </a:defRPr>
-            </a:lvl8pPr>
-            <a:lvl9pPr eaLnBrk="1" hangingPunct="1">
-              <a:defRPr>
-                <a:solidFill>
-                  <a:schemeClr val="tx2"/>
-                </a:solidFill>
-              </a:defRPr>
-            </a:lvl9pPr>
-          </a:lstStyle>
-          <a:p>
-            <a:pPr marL="571500" indent="-571500">
-              <a:buFont typeface="Wingdings" panose="05000000000000000000" pitchFamily="2" charset="2"/>
-              <a:buChar char="§"/>
-            </a:pPr>
-            <a:endParaRPr lang="vi-VN" sz="2000">
-              <a:solidFill>
-                <a:schemeClr val="tx1"/>
-              </a:solidFill>
-              <a:latin typeface="+mn-lt"/>
-            </a:endParaRPr>
-          </a:p>
-        </p:txBody>
-      </p:sp>
-      <p:sp>
-        <p:nvSpPr>
-          <p:cNvPr id="27" name="Title 1"/>
-          <p:cNvSpPr txBox="1">
-            <a:spLocks/>
-          </p:cNvSpPr>
-          <p:nvPr/>
-        </p:nvSpPr>
-        <p:spPr>
-          <a:xfrm>
-            <a:off x="4472907" y="4818190"/>
-            <a:ext cx="4640004" cy="1337911"/>
-          </a:xfrm>
-          <a:prstGeom prst="rect">
-            <a:avLst/>
-          </a:prstGeom>
-        </p:spPr>
-        <p:txBody>
-          <a:bodyPr vert="horz" lIns="91440" tIns="45720" rIns="91440" bIns="45720" rtlCol="0" anchor="t">
-            <a:normAutofit/>
-          </a:bodyPr>
-          <a:lstStyle>
-            <a:lvl1pPr algn="l" defTabSz="457200" rtl="0" eaLnBrk="1" latinLnBrk="0" hangingPunct="1">
-              <a:spcBef>
-                <a:spcPct val="0"/>
-              </a:spcBef>
-              <a:buNone/>
-              <a:defRPr sz="3600" kern="1200">
-                <a:solidFill>
-                  <a:schemeClr val="accent1"/>
-                </a:solidFill>
-                <a:latin typeface="+mj-lt"/>
-                <a:ea typeface="+mj-ea"/>
-                <a:cs typeface="+mj-cs"/>
-              </a:defRPr>
-            </a:lvl1pPr>
-            <a:lvl2pPr eaLnBrk="1" hangingPunct="1">
-              <a:defRPr>
-                <a:solidFill>
-                  <a:schemeClr val="tx2"/>
-                </a:solidFill>
-              </a:defRPr>
-            </a:lvl2pPr>
-            <a:lvl3pPr eaLnBrk="1" hangingPunct="1">
-              <a:defRPr>
-                <a:solidFill>
-                  <a:schemeClr val="tx2"/>
-                </a:solidFill>
-              </a:defRPr>
-            </a:lvl3pPr>
-            <a:lvl4pPr eaLnBrk="1" hangingPunct="1">
-              <a:defRPr>
-                <a:solidFill>
-                  <a:schemeClr val="tx2"/>
-                </a:solidFill>
-              </a:defRPr>
-            </a:lvl4pPr>
-            <a:lvl5pPr eaLnBrk="1" hangingPunct="1">
-              <a:defRPr>
-                <a:solidFill>
-                  <a:schemeClr val="tx2"/>
-                </a:solidFill>
-              </a:defRPr>
-            </a:lvl5pPr>
-            <a:lvl6pPr eaLnBrk="1" hangingPunct="1">
-              <a:defRPr>
-                <a:solidFill>
-                  <a:schemeClr val="tx2"/>
-                </a:solidFill>
-              </a:defRPr>
-            </a:lvl6pPr>
-            <a:lvl7pPr eaLnBrk="1" hangingPunct="1">
-              <a:defRPr>
-                <a:solidFill>
-                  <a:schemeClr val="tx2"/>
-                </a:solidFill>
-              </a:defRPr>
-            </a:lvl7pPr>
-            <a:lvl8pPr eaLnBrk="1" hangingPunct="1">
-              <a:defRPr>
-                <a:solidFill>
-                  <a:schemeClr val="tx2"/>
-                </a:solidFill>
-              </a:defRPr>
-            </a:lvl8pPr>
-            <a:lvl9pPr eaLnBrk="1" hangingPunct="1">
-              <a:defRPr>
-                <a:solidFill>
-                  <a:schemeClr val="tx2"/>
-                </a:solidFill>
-              </a:defRPr>
-            </a:lvl9pPr>
-          </a:lstStyle>
-          <a:p>
-            <a:pPr marL="571500" indent="-571500" algn="just">
-              <a:buFont typeface="Wingdings" panose="05000000000000000000" pitchFamily="2" charset="2"/>
-              <a:buChar char="§"/>
-            </a:pPr>
-            <a:r>
-              <a:rPr lang="vi-VN" sz="2000" smtClean="0">
-                <a:solidFill>
-                  <a:schemeClr val="tx1"/>
-                </a:solidFill>
-                <a:latin typeface="+mn-lt"/>
-              </a:rPr>
-              <a:t>Thiết kế ứng dụng chuyên nghiệp hơn</a:t>
-            </a:r>
-          </a:p>
-          <a:p>
-            <a:pPr marL="571500" indent="-571500" algn="just">
-              <a:buFont typeface="Wingdings" panose="05000000000000000000" pitchFamily="2" charset="2"/>
-              <a:buChar char="§"/>
-            </a:pPr>
-            <a:r>
-              <a:rPr lang="vi-VN" sz="2000" smtClean="0">
-                <a:solidFill>
-                  <a:schemeClr val="tx1"/>
-                </a:solidFill>
-                <a:latin typeface="+mn-lt"/>
-              </a:rPr>
-              <a:t>Thêm các tính năng cần thiết cho ứng dụng</a:t>
-            </a:r>
-            <a:endParaRPr lang="vi-VN" sz="2000">
-              <a:solidFill>
-                <a:schemeClr val="tx1"/>
-              </a:solidFill>
-              <a:latin typeface="+mn-lt"/>
-            </a:endParaRPr>
-          </a:p>
-        </p:txBody>
-      </p:sp>
+      </p:pic>
     </p:spTree>
     <p:extLst>
       <p:ext uri="{BB962C8B-B14F-4D97-AF65-F5344CB8AC3E}">
-        <p14:creationId xmlns:p14="http://schemas.microsoft.com/office/powerpoint/2010/main" val="939976921"/>
+        <p14:creationId xmlns:p14="http://schemas.microsoft.com/office/powerpoint/2010/main" val="585693185"/>
       </p:ext>
     </p:extLst>
   </p:cSld>
@@ -14255,826 +15460,9 @@
   <p:timing>
     <p:tnLst>
       <p:par>
-        <p:cTn id="1" dur="indefinite" restart="never" nodeType="tmRoot">
-          <p:childTnLst>
-            <p:seq concurrent="1" nextAc="seek">
-              <p:cTn id="2" dur="indefinite" nodeType="mainSeq">
-                <p:childTnLst>
-                  <p:par>
-                    <p:cTn id="3" fill="hold">
-                      <p:stCondLst>
-                        <p:cond delay="indefinite"/>
-                      </p:stCondLst>
-                      <p:childTnLst>
-                        <p:par>
-                          <p:cTn id="4" fill="hold">
-                            <p:stCondLst>
-                              <p:cond delay="0"/>
-                            </p:stCondLst>
-                            <p:childTnLst>
-                              <p:par>
-                                <p:cTn id="5" presetID="42" presetClass="entr" presetSubtype="0" fill="hold" grpId="0" nodeType="clickEffect">
-                                  <p:stCondLst>
-                                    <p:cond delay="0"/>
-                                  </p:stCondLst>
-                                  <p:childTnLst>
-                                    <p:set>
-                                      <p:cBhvr>
-                                        <p:cTn id="6" dur="1" fill="hold">
-                                          <p:stCondLst>
-                                            <p:cond delay="0"/>
-                                          </p:stCondLst>
-                                        </p:cTn>
-                                        <p:tgtEl>
-                                          <p:spTgt spid="6"/>
-                                        </p:tgtEl>
-                                        <p:attrNameLst>
-                                          <p:attrName>style.visibility</p:attrName>
-                                        </p:attrNameLst>
-                                      </p:cBhvr>
-                                      <p:to>
-                                        <p:strVal val="visible"/>
-                                      </p:to>
-                                    </p:set>
-                                    <p:animEffect transition="in" filter="fade">
-                                      <p:cBhvr>
-                                        <p:cTn id="7" dur="1000"/>
-                                        <p:tgtEl>
-                                          <p:spTgt spid="6"/>
-                                        </p:tgtEl>
-                                      </p:cBhvr>
-                                    </p:animEffect>
-                                    <p:anim calcmode="lin" valueType="num">
-                                      <p:cBhvr>
-                                        <p:cTn id="8" dur="1000" fill="hold"/>
-                                        <p:tgtEl>
-                                          <p:spTgt spid="6"/>
-                                        </p:tgtEl>
-                                        <p:attrNameLst>
-                                          <p:attrName>ppt_x</p:attrName>
-                                        </p:attrNameLst>
-                                      </p:cBhvr>
-                                      <p:tavLst>
-                                        <p:tav tm="0">
-                                          <p:val>
-                                            <p:strVal val="#ppt_x"/>
-                                          </p:val>
-                                        </p:tav>
-                                        <p:tav tm="100000">
-                                          <p:val>
-                                            <p:strVal val="#ppt_x"/>
-                                          </p:val>
-                                        </p:tav>
-                                      </p:tavLst>
-                                    </p:anim>
-                                    <p:anim calcmode="lin" valueType="num">
-                                      <p:cBhvr>
-                                        <p:cTn id="9" dur="1000" fill="hold"/>
-                                        <p:tgtEl>
-                                          <p:spTgt spid="6"/>
-                                        </p:tgtEl>
-                                        <p:attrNameLst>
-                                          <p:attrName>ppt_y</p:attrName>
-                                        </p:attrNameLst>
-                                      </p:cBhvr>
-                                      <p:tavLst>
-                                        <p:tav tm="0">
-                                          <p:val>
-                                            <p:strVal val="#ppt_y+.1"/>
-                                          </p:val>
-                                        </p:tav>
-                                        <p:tav tm="100000">
-                                          <p:val>
-                                            <p:strVal val="#ppt_y"/>
-                                          </p:val>
-                                        </p:tav>
-                                      </p:tavLst>
-                                    </p:anim>
-                                  </p:childTnLst>
-                                </p:cTn>
-                              </p:par>
-                              <p:par>
-                                <p:cTn id="10" presetID="42" presetClass="entr" presetSubtype="0" fill="hold" grpId="0" nodeType="withEffect">
-                                  <p:stCondLst>
-                                    <p:cond delay="0"/>
-                                  </p:stCondLst>
-                                  <p:childTnLst>
-                                    <p:set>
-                                      <p:cBhvr>
-                                        <p:cTn id="11" dur="1" fill="hold">
-                                          <p:stCondLst>
-                                            <p:cond delay="0"/>
-                                          </p:stCondLst>
-                                        </p:cTn>
-                                        <p:tgtEl>
-                                          <p:spTgt spid="7"/>
-                                        </p:tgtEl>
-                                        <p:attrNameLst>
-                                          <p:attrName>style.visibility</p:attrName>
-                                        </p:attrNameLst>
-                                      </p:cBhvr>
-                                      <p:to>
-                                        <p:strVal val="visible"/>
-                                      </p:to>
-                                    </p:set>
-                                    <p:animEffect transition="in" filter="fade">
-                                      <p:cBhvr>
-                                        <p:cTn id="12" dur="1000"/>
-                                        <p:tgtEl>
-                                          <p:spTgt spid="7"/>
-                                        </p:tgtEl>
-                                      </p:cBhvr>
-                                    </p:animEffect>
-                                    <p:anim calcmode="lin" valueType="num">
-                                      <p:cBhvr>
-                                        <p:cTn id="13" dur="1000" fill="hold"/>
-                                        <p:tgtEl>
-                                          <p:spTgt spid="7"/>
-                                        </p:tgtEl>
-                                        <p:attrNameLst>
-                                          <p:attrName>ppt_x</p:attrName>
-                                        </p:attrNameLst>
-                                      </p:cBhvr>
-                                      <p:tavLst>
-                                        <p:tav tm="0">
-                                          <p:val>
-                                            <p:strVal val="#ppt_x"/>
-                                          </p:val>
-                                        </p:tav>
-                                        <p:tav tm="100000">
-                                          <p:val>
-                                            <p:strVal val="#ppt_x"/>
-                                          </p:val>
-                                        </p:tav>
-                                      </p:tavLst>
-                                    </p:anim>
-                                    <p:anim calcmode="lin" valueType="num">
-                                      <p:cBhvr>
-                                        <p:cTn id="14" dur="1000" fill="hold"/>
-                                        <p:tgtEl>
-                                          <p:spTgt spid="7"/>
-                                        </p:tgtEl>
-                                        <p:attrNameLst>
-                                          <p:attrName>ppt_y</p:attrName>
-                                        </p:attrNameLst>
-                                      </p:cBhvr>
-                                      <p:tavLst>
-                                        <p:tav tm="0">
-                                          <p:val>
-                                            <p:strVal val="#ppt_y+.1"/>
-                                          </p:val>
-                                        </p:tav>
-                                        <p:tav tm="100000">
-                                          <p:val>
-                                            <p:strVal val="#ppt_y"/>
-                                          </p:val>
-                                        </p:tav>
-                                      </p:tavLst>
-                                    </p:anim>
-                                  </p:childTnLst>
-                                </p:cTn>
-                              </p:par>
-                              <p:par>
-                                <p:cTn id="15" presetID="42" presetClass="entr" presetSubtype="0" fill="hold" grpId="0" nodeType="withEffect">
-                                  <p:stCondLst>
-                                    <p:cond delay="0"/>
-                                  </p:stCondLst>
-                                  <p:childTnLst>
-                                    <p:set>
-                                      <p:cBhvr>
-                                        <p:cTn id="16" dur="1" fill="hold">
-                                          <p:stCondLst>
-                                            <p:cond delay="0"/>
-                                          </p:stCondLst>
-                                        </p:cTn>
-                                        <p:tgtEl>
-                                          <p:spTgt spid="24"/>
-                                        </p:tgtEl>
-                                        <p:attrNameLst>
-                                          <p:attrName>style.visibility</p:attrName>
-                                        </p:attrNameLst>
-                                      </p:cBhvr>
-                                      <p:to>
-                                        <p:strVal val="visible"/>
-                                      </p:to>
-                                    </p:set>
-                                    <p:animEffect transition="in" filter="fade">
-                                      <p:cBhvr>
-                                        <p:cTn id="17" dur="1000"/>
-                                        <p:tgtEl>
-                                          <p:spTgt spid="24"/>
-                                        </p:tgtEl>
-                                      </p:cBhvr>
-                                    </p:animEffect>
-                                    <p:anim calcmode="lin" valueType="num">
-                                      <p:cBhvr>
-                                        <p:cTn id="18" dur="1000" fill="hold"/>
-                                        <p:tgtEl>
-                                          <p:spTgt spid="24"/>
-                                        </p:tgtEl>
-                                        <p:attrNameLst>
-                                          <p:attrName>ppt_x</p:attrName>
-                                        </p:attrNameLst>
-                                      </p:cBhvr>
-                                      <p:tavLst>
-                                        <p:tav tm="0">
-                                          <p:val>
-                                            <p:strVal val="#ppt_x"/>
-                                          </p:val>
-                                        </p:tav>
-                                        <p:tav tm="100000">
-                                          <p:val>
-                                            <p:strVal val="#ppt_x"/>
-                                          </p:val>
-                                        </p:tav>
-                                      </p:tavLst>
-                                    </p:anim>
-                                    <p:anim calcmode="lin" valueType="num">
-                                      <p:cBhvr>
-                                        <p:cTn id="19" dur="1000" fill="hold"/>
-                                        <p:tgtEl>
-                                          <p:spTgt spid="24"/>
-                                        </p:tgtEl>
-                                        <p:attrNameLst>
-                                          <p:attrName>ppt_y</p:attrName>
-                                        </p:attrNameLst>
-                                      </p:cBhvr>
-                                      <p:tavLst>
-                                        <p:tav tm="0">
-                                          <p:val>
-                                            <p:strVal val="#ppt_y+.1"/>
-                                          </p:val>
-                                        </p:tav>
-                                        <p:tav tm="100000">
-                                          <p:val>
-                                            <p:strVal val="#ppt_y"/>
-                                          </p:val>
-                                        </p:tav>
-                                      </p:tavLst>
-                                    </p:anim>
-                                  </p:childTnLst>
-                                </p:cTn>
-                              </p:par>
-                            </p:childTnLst>
-                          </p:cTn>
-                        </p:par>
-                      </p:childTnLst>
-                    </p:cTn>
-                  </p:par>
-                  <p:par>
-                    <p:cTn id="20" fill="hold">
-                      <p:stCondLst>
-                        <p:cond delay="indefinite"/>
-                      </p:stCondLst>
-                      <p:childTnLst>
-                        <p:par>
-                          <p:cTn id="21" fill="hold">
-                            <p:stCondLst>
-                              <p:cond delay="0"/>
-                            </p:stCondLst>
-                            <p:childTnLst>
-                              <p:par>
-                                <p:cTn id="22" presetID="42" presetClass="entr" presetSubtype="0" fill="hold" grpId="0" nodeType="clickEffect">
-                                  <p:stCondLst>
-                                    <p:cond delay="0"/>
-                                  </p:stCondLst>
-                                  <p:childTnLst>
-                                    <p:set>
-                                      <p:cBhvr>
-                                        <p:cTn id="23" dur="1" fill="hold">
-                                          <p:stCondLst>
-                                            <p:cond delay="0"/>
-                                          </p:stCondLst>
-                                        </p:cTn>
-                                        <p:tgtEl>
-                                          <p:spTgt spid="8"/>
-                                        </p:tgtEl>
-                                        <p:attrNameLst>
-                                          <p:attrName>style.visibility</p:attrName>
-                                        </p:attrNameLst>
-                                      </p:cBhvr>
-                                      <p:to>
-                                        <p:strVal val="visible"/>
-                                      </p:to>
-                                    </p:set>
-                                    <p:animEffect transition="in" filter="fade">
-                                      <p:cBhvr>
-                                        <p:cTn id="24" dur="1000"/>
-                                        <p:tgtEl>
-                                          <p:spTgt spid="8"/>
-                                        </p:tgtEl>
-                                      </p:cBhvr>
-                                    </p:animEffect>
-                                    <p:anim calcmode="lin" valueType="num">
-                                      <p:cBhvr>
-                                        <p:cTn id="25" dur="1000" fill="hold"/>
-                                        <p:tgtEl>
-                                          <p:spTgt spid="8"/>
-                                        </p:tgtEl>
-                                        <p:attrNameLst>
-                                          <p:attrName>ppt_x</p:attrName>
-                                        </p:attrNameLst>
-                                      </p:cBhvr>
-                                      <p:tavLst>
-                                        <p:tav tm="0">
-                                          <p:val>
-                                            <p:strVal val="#ppt_x"/>
-                                          </p:val>
-                                        </p:tav>
-                                        <p:tav tm="100000">
-                                          <p:val>
-                                            <p:strVal val="#ppt_x"/>
-                                          </p:val>
-                                        </p:tav>
-                                      </p:tavLst>
-                                    </p:anim>
-                                    <p:anim calcmode="lin" valueType="num">
-                                      <p:cBhvr>
-                                        <p:cTn id="26" dur="1000" fill="hold"/>
-                                        <p:tgtEl>
-                                          <p:spTgt spid="8"/>
-                                        </p:tgtEl>
-                                        <p:attrNameLst>
-                                          <p:attrName>ppt_y</p:attrName>
-                                        </p:attrNameLst>
-                                      </p:cBhvr>
-                                      <p:tavLst>
-                                        <p:tav tm="0">
-                                          <p:val>
-                                            <p:strVal val="#ppt_y+.1"/>
-                                          </p:val>
-                                        </p:tav>
-                                        <p:tav tm="100000">
-                                          <p:val>
-                                            <p:strVal val="#ppt_y"/>
-                                          </p:val>
-                                        </p:tav>
-                                      </p:tavLst>
-                                    </p:anim>
-                                  </p:childTnLst>
-                                </p:cTn>
-                              </p:par>
-                              <p:par>
-                                <p:cTn id="27" presetID="42" presetClass="entr" presetSubtype="0" fill="hold" grpId="0" nodeType="withEffect">
-                                  <p:stCondLst>
-                                    <p:cond delay="0"/>
-                                  </p:stCondLst>
-                                  <p:childTnLst>
-                                    <p:set>
-                                      <p:cBhvr>
-                                        <p:cTn id="28" dur="1" fill="hold">
-                                          <p:stCondLst>
-                                            <p:cond delay="0"/>
-                                          </p:stCondLst>
-                                        </p:cTn>
-                                        <p:tgtEl>
-                                          <p:spTgt spid="9"/>
-                                        </p:tgtEl>
-                                        <p:attrNameLst>
-                                          <p:attrName>style.visibility</p:attrName>
-                                        </p:attrNameLst>
-                                      </p:cBhvr>
-                                      <p:to>
-                                        <p:strVal val="visible"/>
-                                      </p:to>
-                                    </p:set>
-                                    <p:animEffect transition="in" filter="fade">
-                                      <p:cBhvr>
-                                        <p:cTn id="29" dur="1000"/>
-                                        <p:tgtEl>
-                                          <p:spTgt spid="9"/>
-                                        </p:tgtEl>
-                                      </p:cBhvr>
-                                    </p:animEffect>
-                                    <p:anim calcmode="lin" valueType="num">
-                                      <p:cBhvr>
-                                        <p:cTn id="30" dur="1000" fill="hold"/>
-                                        <p:tgtEl>
-                                          <p:spTgt spid="9"/>
-                                        </p:tgtEl>
-                                        <p:attrNameLst>
-                                          <p:attrName>ppt_x</p:attrName>
-                                        </p:attrNameLst>
-                                      </p:cBhvr>
-                                      <p:tavLst>
-                                        <p:tav tm="0">
-                                          <p:val>
-                                            <p:strVal val="#ppt_x"/>
-                                          </p:val>
-                                        </p:tav>
-                                        <p:tav tm="100000">
-                                          <p:val>
-                                            <p:strVal val="#ppt_x"/>
-                                          </p:val>
-                                        </p:tav>
-                                      </p:tavLst>
-                                    </p:anim>
-                                    <p:anim calcmode="lin" valueType="num">
-                                      <p:cBhvr>
-                                        <p:cTn id="31" dur="1000" fill="hold"/>
-                                        <p:tgtEl>
-                                          <p:spTgt spid="9"/>
-                                        </p:tgtEl>
-                                        <p:attrNameLst>
-                                          <p:attrName>ppt_y</p:attrName>
-                                        </p:attrNameLst>
-                                      </p:cBhvr>
-                                      <p:tavLst>
-                                        <p:tav tm="0">
-                                          <p:val>
-                                            <p:strVal val="#ppt_y+.1"/>
-                                          </p:val>
-                                        </p:tav>
-                                        <p:tav tm="100000">
-                                          <p:val>
-                                            <p:strVal val="#ppt_y"/>
-                                          </p:val>
-                                        </p:tav>
-                                      </p:tavLst>
-                                    </p:anim>
-                                  </p:childTnLst>
-                                </p:cTn>
-                              </p:par>
-                              <p:par>
-                                <p:cTn id="32" presetID="42" presetClass="entr" presetSubtype="0" fill="hold" grpId="0" nodeType="withEffect">
-                                  <p:stCondLst>
-                                    <p:cond delay="0"/>
-                                  </p:stCondLst>
-                                  <p:childTnLst>
-                                    <p:set>
-                                      <p:cBhvr>
-                                        <p:cTn id="33" dur="1" fill="hold">
-                                          <p:stCondLst>
-                                            <p:cond delay="0"/>
-                                          </p:stCondLst>
-                                        </p:cTn>
-                                        <p:tgtEl>
-                                          <p:spTgt spid="25"/>
-                                        </p:tgtEl>
-                                        <p:attrNameLst>
-                                          <p:attrName>style.visibility</p:attrName>
-                                        </p:attrNameLst>
-                                      </p:cBhvr>
-                                      <p:to>
-                                        <p:strVal val="visible"/>
-                                      </p:to>
-                                    </p:set>
-                                    <p:animEffect transition="in" filter="fade">
-                                      <p:cBhvr>
-                                        <p:cTn id="34" dur="1000"/>
-                                        <p:tgtEl>
-                                          <p:spTgt spid="25"/>
-                                        </p:tgtEl>
-                                      </p:cBhvr>
-                                    </p:animEffect>
-                                    <p:anim calcmode="lin" valueType="num">
-                                      <p:cBhvr>
-                                        <p:cTn id="35" dur="1000" fill="hold"/>
-                                        <p:tgtEl>
-                                          <p:spTgt spid="25"/>
-                                        </p:tgtEl>
-                                        <p:attrNameLst>
-                                          <p:attrName>ppt_x</p:attrName>
-                                        </p:attrNameLst>
-                                      </p:cBhvr>
-                                      <p:tavLst>
-                                        <p:tav tm="0">
-                                          <p:val>
-                                            <p:strVal val="#ppt_x"/>
-                                          </p:val>
-                                        </p:tav>
-                                        <p:tav tm="100000">
-                                          <p:val>
-                                            <p:strVal val="#ppt_x"/>
-                                          </p:val>
-                                        </p:tav>
-                                      </p:tavLst>
-                                    </p:anim>
-                                    <p:anim calcmode="lin" valueType="num">
-                                      <p:cBhvr>
-                                        <p:cTn id="36" dur="1000" fill="hold"/>
-                                        <p:tgtEl>
-                                          <p:spTgt spid="25"/>
-                                        </p:tgtEl>
-                                        <p:attrNameLst>
-                                          <p:attrName>ppt_y</p:attrName>
-                                        </p:attrNameLst>
-                                      </p:cBhvr>
-                                      <p:tavLst>
-                                        <p:tav tm="0">
-                                          <p:val>
-                                            <p:strVal val="#ppt_y+.1"/>
-                                          </p:val>
-                                        </p:tav>
-                                        <p:tav tm="100000">
-                                          <p:val>
-                                            <p:strVal val="#ppt_y"/>
-                                          </p:val>
-                                        </p:tav>
-                                      </p:tavLst>
-                                    </p:anim>
-                                  </p:childTnLst>
-                                </p:cTn>
-                              </p:par>
-                            </p:childTnLst>
-                          </p:cTn>
-                        </p:par>
-                      </p:childTnLst>
-                    </p:cTn>
-                  </p:par>
-                  <p:par>
-                    <p:cTn id="37" fill="hold">
-                      <p:stCondLst>
-                        <p:cond delay="indefinite"/>
-                      </p:stCondLst>
-                      <p:childTnLst>
-                        <p:par>
-                          <p:cTn id="38" fill="hold">
-                            <p:stCondLst>
-                              <p:cond delay="0"/>
-                            </p:stCondLst>
-                            <p:childTnLst>
-                              <p:par>
-                                <p:cTn id="39" presetID="42" presetClass="entr" presetSubtype="0" fill="hold" grpId="0" nodeType="clickEffect">
-                                  <p:stCondLst>
-                                    <p:cond delay="0"/>
-                                  </p:stCondLst>
-                                  <p:childTnLst>
-                                    <p:set>
-                                      <p:cBhvr>
-                                        <p:cTn id="40" dur="1" fill="hold">
-                                          <p:stCondLst>
-                                            <p:cond delay="0"/>
-                                          </p:stCondLst>
-                                        </p:cTn>
-                                        <p:tgtEl>
-                                          <p:spTgt spid="10"/>
-                                        </p:tgtEl>
-                                        <p:attrNameLst>
-                                          <p:attrName>style.visibility</p:attrName>
-                                        </p:attrNameLst>
-                                      </p:cBhvr>
-                                      <p:to>
-                                        <p:strVal val="visible"/>
-                                      </p:to>
-                                    </p:set>
-                                    <p:animEffect transition="in" filter="fade">
-                                      <p:cBhvr>
-                                        <p:cTn id="41" dur="1000"/>
-                                        <p:tgtEl>
-                                          <p:spTgt spid="10"/>
-                                        </p:tgtEl>
-                                      </p:cBhvr>
-                                    </p:animEffect>
-                                    <p:anim calcmode="lin" valueType="num">
-                                      <p:cBhvr>
-                                        <p:cTn id="42" dur="1000" fill="hold"/>
-                                        <p:tgtEl>
-                                          <p:spTgt spid="10"/>
-                                        </p:tgtEl>
-                                        <p:attrNameLst>
-                                          <p:attrName>ppt_x</p:attrName>
-                                        </p:attrNameLst>
-                                      </p:cBhvr>
-                                      <p:tavLst>
-                                        <p:tav tm="0">
-                                          <p:val>
-                                            <p:strVal val="#ppt_x"/>
-                                          </p:val>
-                                        </p:tav>
-                                        <p:tav tm="100000">
-                                          <p:val>
-                                            <p:strVal val="#ppt_x"/>
-                                          </p:val>
-                                        </p:tav>
-                                      </p:tavLst>
-                                    </p:anim>
-                                    <p:anim calcmode="lin" valueType="num">
-                                      <p:cBhvr>
-                                        <p:cTn id="43" dur="1000" fill="hold"/>
-                                        <p:tgtEl>
-                                          <p:spTgt spid="10"/>
-                                        </p:tgtEl>
-                                        <p:attrNameLst>
-                                          <p:attrName>ppt_y</p:attrName>
-                                        </p:attrNameLst>
-                                      </p:cBhvr>
-                                      <p:tavLst>
-                                        <p:tav tm="0">
-                                          <p:val>
-                                            <p:strVal val="#ppt_y+.1"/>
-                                          </p:val>
-                                        </p:tav>
-                                        <p:tav tm="100000">
-                                          <p:val>
-                                            <p:strVal val="#ppt_y"/>
-                                          </p:val>
-                                        </p:tav>
-                                      </p:tavLst>
-                                    </p:anim>
-                                  </p:childTnLst>
-                                </p:cTn>
-                              </p:par>
-                              <p:par>
-                                <p:cTn id="44" presetID="42" presetClass="entr" presetSubtype="0" fill="hold" grpId="0" nodeType="withEffect">
-                                  <p:stCondLst>
-                                    <p:cond delay="0"/>
-                                  </p:stCondLst>
-                                  <p:childTnLst>
-                                    <p:set>
-                                      <p:cBhvr>
-                                        <p:cTn id="45" dur="1" fill="hold">
-                                          <p:stCondLst>
-                                            <p:cond delay="0"/>
-                                          </p:stCondLst>
-                                        </p:cTn>
-                                        <p:tgtEl>
-                                          <p:spTgt spid="11"/>
-                                        </p:tgtEl>
-                                        <p:attrNameLst>
-                                          <p:attrName>style.visibility</p:attrName>
-                                        </p:attrNameLst>
-                                      </p:cBhvr>
-                                      <p:to>
-                                        <p:strVal val="visible"/>
-                                      </p:to>
-                                    </p:set>
-                                    <p:animEffect transition="in" filter="fade">
-                                      <p:cBhvr>
-                                        <p:cTn id="46" dur="1000"/>
-                                        <p:tgtEl>
-                                          <p:spTgt spid="11"/>
-                                        </p:tgtEl>
-                                      </p:cBhvr>
-                                    </p:animEffect>
-                                    <p:anim calcmode="lin" valueType="num">
-                                      <p:cBhvr>
-                                        <p:cTn id="47" dur="1000" fill="hold"/>
-                                        <p:tgtEl>
-                                          <p:spTgt spid="11"/>
-                                        </p:tgtEl>
-                                        <p:attrNameLst>
-                                          <p:attrName>ppt_x</p:attrName>
-                                        </p:attrNameLst>
-                                      </p:cBhvr>
-                                      <p:tavLst>
-                                        <p:tav tm="0">
-                                          <p:val>
-                                            <p:strVal val="#ppt_x"/>
-                                          </p:val>
-                                        </p:tav>
-                                        <p:tav tm="100000">
-                                          <p:val>
-                                            <p:strVal val="#ppt_x"/>
-                                          </p:val>
-                                        </p:tav>
-                                      </p:tavLst>
-                                    </p:anim>
-                                    <p:anim calcmode="lin" valueType="num">
-                                      <p:cBhvr>
-                                        <p:cTn id="48" dur="1000" fill="hold"/>
-                                        <p:tgtEl>
-                                          <p:spTgt spid="11"/>
-                                        </p:tgtEl>
-                                        <p:attrNameLst>
-                                          <p:attrName>ppt_y</p:attrName>
-                                        </p:attrNameLst>
-                                      </p:cBhvr>
-                                      <p:tavLst>
-                                        <p:tav tm="0">
-                                          <p:val>
-                                            <p:strVal val="#ppt_y+.1"/>
-                                          </p:val>
-                                        </p:tav>
-                                        <p:tav tm="100000">
-                                          <p:val>
-                                            <p:strVal val="#ppt_y"/>
-                                          </p:val>
-                                        </p:tav>
-                                      </p:tavLst>
-                                    </p:anim>
-                                  </p:childTnLst>
-                                </p:cTn>
-                              </p:par>
-                              <p:par>
-                                <p:cTn id="49" presetID="42" presetClass="entr" presetSubtype="0" fill="hold" grpId="0" nodeType="withEffect">
-                                  <p:stCondLst>
-                                    <p:cond delay="0"/>
-                                  </p:stCondLst>
-                                  <p:childTnLst>
-                                    <p:set>
-                                      <p:cBhvr>
-                                        <p:cTn id="50" dur="1" fill="hold">
-                                          <p:stCondLst>
-                                            <p:cond delay="0"/>
-                                          </p:stCondLst>
-                                        </p:cTn>
-                                        <p:tgtEl>
-                                          <p:spTgt spid="27"/>
-                                        </p:tgtEl>
-                                        <p:attrNameLst>
-                                          <p:attrName>style.visibility</p:attrName>
-                                        </p:attrNameLst>
-                                      </p:cBhvr>
-                                      <p:to>
-                                        <p:strVal val="visible"/>
-                                      </p:to>
-                                    </p:set>
-                                    <p:animEffect transition="in" filter="fade">
-                                      <p:cBhvr>
-                                        <p:cTn id="51" dur="1000"/>
-                                        <p:tgtEl>
-                                          <p:spTgt spid="27"/>
-                                        </p:tgtEl>
-                                      </p:cBhvr>
-                                    </p:animEffect>
-                                    <p:anim calcmode="lin" valueType="num">
-                                      <p:cBhvr>
-                                        <p:cTn id="52" dur="1000" fill="hold"/>
-                                        <p:tgtEl>
-                                          <p:spTgt spid="27"/>
-                                        </p:tgtEl>
-                                        <p:attrNameLst>
-                                          <p:attrName>ppt_x</p:attrName>
-                                        </p:attrNameLst>
-                                      </p:cBhvr>
-                                      <p:tavLst>
-                                        <p:tav tm="0">
-                                          <p:val>
-                                            <p:strVal val="#ppt_x"/>
-                                          </p:val>
-                                        </p:tav>
-                                        <p:tav tm="100000">
-                                          <p:val>
-                                            <p:strVal val="#ppt_x"/>
-                                          </p:val>
-                                        </p:tav>
-                                      </p:tavLst>
-                                    </p:anim>
-                                    <p:anim calcmode="lin" valueType="num">
-                                      <p:cBhvr>
-                                        <p:cTn id="53" dur="1000" fill="hold"/>
-                                        <p:tgtEl>
-                                          <p:spTgt spid="27"/>
-                                        </p:tgtEl>
-                                        <p:attrNameLst>
-                                          <p:attrName>ppt_y</p:attrName>
-                                        </p:attrNameLst>
-                                      </p:cBhvr>
-                                      <p:tavLst>
-                                        <p:tav tm="0">
-                                          <p:val>
-                                            <p:strVal val="#ppt_y+.1"/>
-                                          </p:val>
-                                        </p:tav>
-                                        <p:tav tm="100000">
-                                          <p:val>
-                                            <p:strVal val="#ppt_y"/>
-                                          </p:val>
-                                        </p:tav>
-                                      </p:tavLst>
-                                    </p:anim>
-                                  </p:childTnLst>
-                                </p:cTn>
-                              </p:par>
-                            </p:childTnLst>
-                          </p:cTn>
-                        </p:par>
-                      </p:childTnLst>
-                    </p:cTn>
-                  </p:par>
-                </p:childTnLst>
-              </p:cTn>
-              <p:prevCondLst>
-                <p:cond evt="onPrev" delay="0">
-                  <p:tgtEl>
-                    <p:sldTgt/>
-                  </p:tgtEl>
-                </p:cond>
-              </p:prevCondLst>
-              <p:nextCondLst>
-                <p:cond evt="onNext" delay="0">
-                  <p:tgtEl>
-                    <p:sldTgt/>
-                  </p:tgtEl>
-                </p:cond>
-              </p:nextCondLst>
-            </p:seq>
-          </p:childTnLst>
-        </p:cTn>
+        <p:cTn id="1" dur="indefinite" restart="never" nodeType="tmRoot"/>
       </p:par>
     </p:tnLst>
-    <p:bldLst>
-      <p:bldP spid="6" grpId="0" animBg="1"/>
-      <p:bldP spid="7" grpId="0"/>
-      <p:bldP spid="8" grpId="0" animBg="1"/>
-      <p:bldP spid="9" grpId="0"/>
-      <p:bldP spid="10" grpId="0" animBg="1"/>
-      <p:bldP spid="11" grpId="0"/>
-      <p:bldP spid="24" grpId="0"/>
-      <p:bldP spid="25" grpId="0"/>
-      <p:bldP spid="27" grpId="0"/>
-    </p:bldLst>
   </p:timing>
 </p:sld>
 </file>
